--- a/Report/Report.pptx
+++ b/Report/Report.pptx
@@ -2,7 +2,7 @@
 <file path=ppt/presentation.xml><?xml version="1.0" encoding="utf-8"?>
 <p:presentation xmlns:a="http://schemas.openxmlformats.org/drawingml/2006/main" xmlns:r="http://schemas.openxmlformats.org/officeDocument/2006/relationships" xmlns:p="http://schemas.openxmlformats.org/presentationml/2006/main" saveSubsetFonts="1">
   <p:sldMasterIdLst>
-    <p:sldMasterId id="2147483660" r:id="rId1"/>
+    <p:sldMasterId id="2147483678" r:id="rId1"/>
   </p:sldMasterIdLst>
   <p:sldIdLst>
     <p:sldId id="256" r:id="rId2"/>
@@ -148,140 +148,316 @@
       </p:grpSpPr>
       <p:grpSp>
         <p:nvGrpSpPr>
-          <p:cNvPr id="7" name="Group 6"/>
+          <p:cNvPr id="19" name="Group 18"/>
           <p:cNvGrpSpPr/>
           <p:nvPr/>
         </p:nvGrpSpPr>
         <p:grpSpPr>
           <a:xfrm>
-            <a:off x="-16934" y="0"/>
-            <a:ext cx="12231160" cy="6856214"/>
-            <a:chOff x="-16934" y="0"/>
-            <a:chExt cx="12231160" cy="6856214"/>
+            <a:off x="546100" y="-4763"/>
+            <a:ext cx="5014912" cy="6862763"/>
+            <a:chOff x="2928938" y="-4763"/>
+            <a:chExt cx="5014912" cy="6862763"/>
           </a:xfrm>
         </p:grpSpPr>
-        <p:pic>
-          <p:nvPicPr>
-            <p:cNvPr id="16" name="Picture 15" descr="HD-PanelTitleR1.png"/>
-            <p:cNvPicPr>
-              <a:picLocks noChangeAspect="1"/>
-            </p:cNvPicPr>
-            <p:nvPr/>
-          </p:nvPicPr>
-          <p:blipFill>
-            <a:blip r:embed="rId2">
-              <a:extLst>
-                <a:ext uri="{28A0092B-C50C-407E-A947-70E740481C1C}">
-                  <a14:useLocalDpi xmlns:a14="http://schemas.microsoft.com/office/drawing/2010/main" val="0"/>
-                </a:ext>
-              </a:extLst>
-            </a:blip>
-            <a:stretch>
-              <a:fillRect/>
-            </a:stretch>
-          </p:blipFill>
-          <p:spPr>
-            <a:xfrm>
-              <a:off x="0" y="0"/>
-              <a:ext cx="12188825" cy="6856214"/>
-            </a:xfrm>
-            <a:prstGeom prst="rect">
-              <a:avLst/>
-            </a:prstGeom>
-          </p:spPr>
-        </p:pic>
         <p:sp>
           <p:nvSpPr>
-            <p:cNvPr id="26" name="Rectangle 25"/>
+            <p:cNvPr id="22" name="Freeform 6"/>
             <p:cNvSpPr/>
             <p:nvPr/>
           </p:nvSpPr>
-          <p:spPr>
+          <p:spPr bwMode="auto">
             <a:xfrm>
-              <a:off x="2328332" y="1540931"/>
-              <a:ext cx="7543802" cy="3835401"/>
+              <a:off x="3367088" y="-4763"/>
+              <a:ext cx="1063625" cy="2782888"/>
             </a:xfrm>
-            <a:prstGeom prst="rect">
+            <a:custGeom>
               <a:avLst/>
-            </a:prstGeom>
-            <a:noFill/>
-            <a:ln w="15875">
-              <a:miter lim="800000"/>
+              <a:gdLst/>
+              <a:ahLst/>
+              <a:cxnLst/>
+              <a:rect l="0" t="0" r="r" b="b"/>
+              <a:pathLst>
+                <a:path w="670" h="1753">
+                  <a:moveTo>
+                    <a:pt x="0" y="1696"/>
+                  </a:moveTo>
+                  <a:lnTo>
+                    <a:pt x="225" y="1753"/>
+                  </a:lnTo>
+                  <a:lnTo>
+                    <a:pt x="670" y="0"/>
+                  </a:lnTo>
+                  <a:lnTo>
+                    <a:pt x="430" y="0"/>
+                  </a:lnTo>
+                  <a:lnTo>
+                    <a:pt x="0" y="1696"/>
+                  </a:lnTo>
+                  <a:close/>
+                </a:path>
+              </a:pathLst>
+            </a:custGeom>
+            <a:solidFill>
+              <a:schemeClr val="accent1"/>
+            </a:solidFill>
+            <a:ln>
+              <a:noFill/>
             </a:ln>
           </p:spPr>
-          <p:style>
-            <a:lnRef idx="1">
-              <a:schemeClr val="accent1"/>
-            </a:lnRef>
-            <a:fillRef idx="3">
-              <a:schemeClr val="accent1"/>
-            </a:fillRef>
-            <a:effectRef idx="2">
-              <a:schemeClr val="accent1"/>
-            </a:effectRef>
-            <a:fontRef idx="minor">
-              <a:schemeClr val="lt1"/>
-            </a:fontRef>
-          </p:style>
         </p:sp>
-        <p:pic>
-          <p:nvPicPr>
-            <p:cNvPr id="17" name="Picture 16" descr="HDRibbonTitle-UniformTrim.png"/>
-            <p:cNvPicPr>
-              <a:picLocks noChangeAspect="1"/>
-            </p:cNvPicPr>
+        <p:sp>
+          <p:nvSpPr>
+            <p:cNvPr id="23" name="Freeform 7"/>
+            <p:cNvSpPr/>
             <p:nvPr/>
-          </p:nvPicPr>
-          <p:blipFill rotWithShape="1">
-            <a:blip r:embed="rId3">
-              <a:extLst>
-                <a:ext uri="{28A0092B-C50C-407E-A947-70E740481C1C}">
-                  <a14:useLocalDpi xmlns:a14="http://schemas.microsoft.com/office/drawing/2010/main" val="0"/>
-                </a:ext>
-              </a:extLst>
-            </a:blip>
-            <a:srcRect/>
-            <a:stretch/>
-          </p:blipFill>
-          <p:spPr>
+          </p:nvSpPr>
+          <p:spPr bwMode="auto">
             <a:xfrm>
-              <a:off x="-16934" y="3147609"/>
-              <a:ext cx="2478024" cy="612648"/>
+              <a:off x="2928938" y="-4763"/>
+              <a:ext cx="1035050" cy="2673350"/>
             </a:xfrm>
-            <a:prstGeom prst="rect">
+            <a:custGeom>
               <a:avLst/>
-            </a:prstGeom>
+              <a:gdLst/>
+              <a:ahLst/>
+              <a:cxnLst/>
+              <a:rect l="0" t="0" r="r" b="b"/>
+              <a:pathLst>
+                <a:path w="652" h="1684">
+                  <a:moveTo>
+                    <a:pt x="225" y="1684"/>
+                  </a:moveTo>
+                  <a:lnTo>
+                    <a:pt x="652" y="0"/>
+                  </a:lnTo>
+                  <a:lnTo>
+                    <a:pt x="411" y="0"/>
+                  </a:lnTo>
+                  <a:lnTo>
+                    <a:pt x="0" y="1627"/>
+                  </a:lnTo>
+                  <a:lnTo>
+                    <a:pt x="219" y="1681"/>
+                  </a:lnTo>
+                  <a:lnTo>
+                    <a:pt x="225" y="1684"/>
+                  </a:lnTo>
+                  <a:close/>
+                </a:path>
+              </a:pathLst>
+            </a:custGeom>
+            <a:solidFill>
+              <a:schemeClr val="tx1">
+                <a:lumMod val="65000"/>
+                <a:lumOff val="35000"/>
+              </a:schemeClr>
+            </a:solidFill>
+            <a:ln>
+              <a:noFill/>
+            </a:ln>
           </p:spPr>
-        </p:pic>
-        <p:pic>
-          <p:nvPicPr>
-            <p:cNvPr id="20" name="Picture 19" descr="HDRibbonTitle-UniformTrim.png"/>
-            <p:cNvPicPr>
-              <a:picLocks noChangeAspect="1"/>
-            </p:cNvPicPr>
+        </p:sp>
+        <p:sp>
+          <p:nvSpPr>
+            <p:cNvPr id="24" name="Freeform 9"/>
+            <p:cNvSpPr/>
             <p:nvPr/>
-          </p:nvPicPr>
-          <p:blipFill rotWithShape="1">
-            <a:blip r:embed="rId3">
-              <a:extLst>
-                <a:ext uri="{28A0092B-C50C-407E-A947-70E740481C1C}">
-                  <a14:useLocalDpi xmlns:a14="http://schemas.microsoft.com/office/drawing/2010/main" val="0"/>
-                </a:ext>
-              </a:extLst>
-            </a:blip>
-            <a:srcRect/>
-            <a:stretch/>
-          </p:blipFill>
-          <p:spPr>
+          </p:nvSpPr>
+          <p:spPr bwMode="auto">
             <a:xfrm>
-              <a:off x="9736202" y="3147609"/>
-              <a:ext cx="2478024" cy="612648"/>
+              <a:off x="2928938" y="2582862"/>
+              <a:ext cx="2693987" cy="4275138"/>
             </a:xfrm>
-            <a:prstGeom prst="rect">
+            <a:custGeom>
               <a:avLst/>
-            </a:prstGeom>
+              <a:gdLst/>
+              <a:ahLst/>
+              <a:cxnLst/>
+              <a:rect l="0" t="0" r="r" b="b"/>
+              <a:pathLst>
+                <a:path w="1697" h="2693">
+                  <a:moveTo>
+                    <a:pt x="0" y="0"/>
+                  </a:moveTo>
+                  <a:lnTo>
+                    <a:pt x="1622" y="2693"/>
+                  </a:lnTo>
+                  <a:lnTo>
+                    <a:pt x="1697" y="2693"/>
+                  </a:lnTo>
+                  <a:lnTo>
+                    <a:pt x="0" y="0"/>
+                  </a:lnTo>
+                  <a:close/>
+                </a:path>
+              </a:pathLst>
+            </a:custGeom>
+            <a:solidFill>
+              <a:schemeClr val="tx1">
+                <a:lumMod val="85000"/>
+                <a:lumOff val="15000"/>
+              </a:schemeClr>
+            </a:solidFill>
+            <a:ln>
+              <a:noFill/>
+            </a:ln>
           </p:spPr>
-        </p:pic>
+        </p:sp>
+        <p:sp>
+          <p:nvSpPr>
+            <p:cNvPr id="25" name="Freeform 10"/>
+            <p:cNvSpPr/>
+            <p:nvPr/>
+          </p:nvSpPr>
+          <p:spPr bwMode="auto">
+            <a:xfrm>
+              <a:off x="3371850" y="2692400"/>
+              <a:ext cx="3332162" cy="4165600"/>
+            </a:xfrm>
+            <a:custGeom>
+              <a:avLst/>
+              <a:gdLst/>
+              <a:ahLst/>
+              <a:cxnLst/>
+              <a:rect l="0" t="0" r="r" b="b"/>
+              <a:pathLst>
+                <a:path w="2099" h="2624">
+                  <a:moveTo>
+                    <a:pt x="2099" y="2624"/>
+                  </a:moveTo>
+                  <a:lnTo>
+                    <a:pt x="0" y="0"/>
+                  </a:lnTo>
+                  <a:lnTo>
+                    <a:pt x="2021" y="2624"/>
+                  </a:lnTo>
+                  <a:lnTo>
+                    <a:pt x="2099" y="2624"/>
+                  </a:lnTo>
+                  <a:close/>
+                </a:path>
+              </a:pathLst>
+            </a:custGeom>
+            <a:solidFill>
+              <a:schemeClr val="accent1">
+                <a:lumMod val="50000"/>
+              </a:schemeClr>
+            </a:solidFill>
+            <a:ln>
+              <a:noFill/>
+            </a:ln>
+          </p:spPr>
+        </p:sp>
+        <p:sp>
+          <p:nvSpPr>
+            <p:cNvPr id="26" name="Freeform 11"/>
+            <p:cNvSpPr/>
+            <p:nvPr/>
+          </p:nvSpPr>
+          <p:spPr bwMode="auto">
+            <a:xfrm>
+              <a:off x="3367088" y="2687637"/>
+              <a:ext cx="4576762" cy="4170363"/>
+            </a:xfrm>
+            <a:custGeom>
+              <a:avLst/>
+              <a:gdLst/>
+              <a:ahLst/>
+              <a:cxnLst/>
+              <a:rect l="0" t="0" r="r" b="b"/>
+              <a:pathLst>
+                <a:path w="2883" h="2627">
+                  <a:moveTo>
+                    <a:pt x="0" y="0"/>
+                  </a:moveTo>
+                  <a:lnTo>
+                    <a:pt x="3" y="3"/>
+                  </a:lnTo>
+                  <a:lnTo>
+                    <a:pt x="2102" y="2627"/>
+                  </a:lnTo>
+                  <a:lnTo>
+                    <a:pt x="2883" y="2627"/>
+                  </a:lnTo>
+                  <a:lnTo>
+                    <a:pt x="225" y="57"/>
+                  </a:lnTo>
+                  <a:lnTo>
+                    <a:pt x="0" y="0"/>
+                  </a:lnTo>
+                  <a:close/>
+                </a:path>
+              </a:pathLst>
+            </a:custGeom>
+            <a:solidFill>
+              <a:schemeClr val="accent1">
+                <a:lumMod val="75000"/>
+              </a:schemeClr>
+            </a:solidFill>
+            <a:ln>
+              <a:noFill/>
+            </a:ln>
+          </p:spPr>
+        </p:sp>
+        <p:sp>
+          <p:nvSpPr>
+            <p:cNvPr id="27" name="Freeform 12"/>
+            <p:cNvSpPr/>
+            <p:nvPr/>
+          </p:nvSpPr>
+          <p:spPr bwMode="auto">
+            <a:xfrm>
+              <a:off x="2928938" y="2578100"/>
+              <a:ext cx="3584575" cy="4279900"/>
+            </a:xfrm>
+            <a:custGeom>
+              <a:avLst/>
+              <a:gdLst/>
+              <a:ahLst/>
+              <a:cxnLst/>
+              <a:rect l="0" t="0" r="r" b="b"/>
+              <a:pathLst>
+                <a:path w="2258" h="2696">
+                  <a:moveTo>
+                    <a:pt x="2258" y="2696"/>
+                  </a:moveTo>
+                  <a:lnTo>
+                    <a:pt x="264" y="111"/>
+                  </a:lnTo>
+                  <a:lnTo>
+                    <a:pt x="228" y="60"/>
+                  </a:lnTo>
+                  <a:lnTo>
+                    <a:pt x="225" y="57"/>
+                  </a:lnTo>
+                  <a:lnTo>
+                    <a:pt x="0" y="0"/>
+                  </a:lnTo>
+                  <a:lnTo>
+                    <a:pt x="0" y="3"/>
+                  </a:lnTo>
+                  <a:lnTo>
+                    <a:pt x="1697" y="2696"/>
+                  </a:lnTo>
+                  <a:lnTo>
+                    <a:pt x="2258" y="2696"/>
+                  </a:lnTo>
+                  <a:close/>
+                </a:path>
+              </a:pathLst>
+            </a:custGeom>
+            <a:solidFill>
+              <a:schemeClr val="tx1">
+                <a:lumMod val="75000"/>
+                <a:lumOff val="25000"/>
+              </a:schemeClr>
+            </a:solidFill>
+            <a:ln>
+              <a:noFill/>
+            </a:ln>
+          </p:spPr>
+        </p:sp>
       </p:grpSp>
       <p:sp>
         <p:nvSpPr>
@@ -295,17 +471,17 @@
         </p:nvSpPr>
         <p:spPr>
           <a:xfrm>
-            <a:off x="2692398" y="1871131"/>
-            <a:ext cx="6815669" cy="1515533"/>
+            <a:off x="2928401" y="1380068"/>
+            <a:ext cx="8574622" cy="2616199"/>
           </a:xfrm>
         </p:spPr>
         <p:txBody>
           <a:bodyPr anchor="b">
-            <a:noAutofit/>
+            <a:normAutofit/>
           </a:bodyPr>
           <a:lstStyle>
-            <a:lvl1pPr algn="ctr">
-              <a:defRPr sz="5400">
+            <a:lvl1pPr algn="r">
+              <a:defRPr sz="6000">
                 <a:effectLst/>
               </a:defRPr>
             </a:lvl1pPr>
@@ -331,8 +507,8 @@
         </p:nvSpPr>
         <p:spPr>
           <a:xfrm>
-            <a:off x="2692398" y="3657597"/>
-            <a:ext cx="6815669" cy="1320802"/>
+            <a:off x="4515377" y="3996267"/>
+            <a:ext cx="6987645" cy="1388534"/>
           </a:xfrm>
         </p:spPr>
         <p:txBody>
@@ -340,7 +516,7 @@
             <a:normAutofit/>
           </a:bodyPr>
           <a:lstStyle>
-            <a:lvl1pPr marL="0" indent="0" algn="ctr">
+            <a:lvl1pPr marL="0" indent="0" algn="r">
               <a:buNone/>
               <a:defRPr sz="2100">
                 <a:solidFill>
@@ -448,12 +624,7 @@
             <p:ph type="dt" sz="half" idx="10"/>
           </p:nvPr>
         </p:nvSpPr>
-        <p:spPr>
-          <a:xfrm>
-            <a:off x="7983232" y="5037663"/>
-            <a:ext cx="897467" cy="279400"/>
-          </a:xfrm>
-        </p:spPr>
+        <p:spPr/>
         <p:txBody>
           <a:bodyPr/>
           <a:lstStyle/>
@@ -478,8 +649,8 @@
         </p:nvSpPr>
         <p:spPr>
           <a:xfrm>
-            <a:off x="2692397" y="5037663"/>
-            <a:ext cx="5214635" cy="279400"/>
+            <a:off x="5332412" y="5883275"/>
+            <a:ext cx="4324044" cy="365125"/>
           </a:xfrm>
         </p:spPr>
         <p:txBody>
@@ -500,12 +671,7 @@
             <p:ph type="sldNum" sz="quarter" idx="12"/>
           </p:nvPr>
         </p:nvSpPr>
-        <p:spPr>
-          <a:xfrm>
-            <a:off x="8956900" y="5037663"/>
-            <a:ext cx="551167" cy="279400"/>
-          </a:xfrm>
-        </p:spPr>
+        <p:spPr/>
         <p:txBody>
           <a:bodyPr/>
           <a:lstStyle/>
@@ -518,40 +684,10 @@
           </a:p>
         </p:txBody>
       </p:sp>
-      <p:cxnSp>
-        <p:nvCxnSpPr>
-          <p:cNvPr id="15" name="Straight Connector 14"/>
-          <p:cNvCxnSpPr/>
-          <p:nvPr/>
-        </p:nvCxnSpPr>
-        <p:spPr>
-          <a:xfrm>
-            <a:off x="2692399" y="3522131"/>
-            <a:ext cx="6815668" cy="0"/>
-          </a:xfrm>
-          <a:prstGeom prst="line">
-            <a:avLst/>
-          </a:prstGeom>
-        </p:spPr>
-        <p:style>
-          <a:lnRef idx="2">
-            <a:schemeClr val="accent1"/>
-          </a:lnRef>
-          <a:fillRef idx="0">
-            <a:schemeClr val="accent1"/>
-          </a:fillRef>
-          <a:effectRef idx="1">
-            <a:schemeClr val="accent1"/>
-          </a:effectRef>
-          <a:fontRef idx="minor">
-            <a:schemeClr val="tx1"/>
-          </a:fontRef>
-        </p:style>
-      </p:cxnSp>
     </p:spTree>
     <p:extLst>
       <p:ext uri="{BB962C8B-B14F-4D97-AF65-F5344CB8AC3E}">
-        <p14:creationId xmlns:p14="http://schemas.microsoft.com/office/powerpoint/2010/main" val="820861129"/>
+        <p14:creationId xmlns:p14="http://schemas.microsoft.com/office/powerpoint/2010/main" val="2842015532"/>
       </p:ext>
     </p:extLst>
   </p:cSld>
@@ -590,8 +726,8 @@
         </p:nvSpPr>
         <p:spPr>
           <a:xfrm>
-            <a:off x="1295401" y="4815415"/>
-            <a:ext cx="9609666" cy="566738"/>
+            <a:off x="1484311" y="4732865"/>
+            <a:ext cx="10018711" cy="566738"/>
           </a:xfrm>
         </p:spPr>
         <p:txBody>
@@ -624,22 +760,29 @@
         </p:nvSpPr>
         <p:spPr>
           <a:xfrm>
-            <a:off x="1041427" y="1041399"/>
-            <a:ext cx="10105972" cy="3335869"/>
+            <a:off x="2386012" y="932112"/>
+            <a:ext cx="8225944" cy="3164976"/>
           </a:xfrm>
           <a:prstGeom prst="roundRect">
             <a:avLst>
-              <a:gd name="adj" fmla="val 0"/>
+              <a:gd name="adj" fmla="val 4380"/>
             </a:avLst>
           </a:prstGeom>
-          <a:ln w="57150" cmpd="thickThin">
-            <a:solidFill>
-              <a:schemeClr val="tx1">
-                <a:lumMod val="50000"/>
-                <a:lumOff val="50000"/>
-              </a:schemeClr>
-            </a:solidFill>
-            <a:miter lim="800000"/>
+          <a:ln w="38100">
+            <a:gradFill flip="none" rotWithShape="1">
+              <a:gsLst>
+                <a:gs pos="0">
+                  <a:schemeClr val="bg2"/>
+                </a:gs>
+                <a:gs pos="100000">
+                  <a:schemeClr val="bg2">
+                    <a:lumMod val="75000"/>
+                  </a:schemeClr>
+                </a:gs>
+              </a:gsLst>
+              <a:lin ang="5400000" scaled="0"/>
+              <a:tileRect/>
+            </a:gradFill>
           </a:ln>
           <a:effectLst>
             <a:innerShdw blurRad="57150" dist="38100" dir="14460000">
@@ -712,8 +855,8 @@
         </p:nvSpPr>
         <p:spPr>
           <a:xfrm>
-            <a:off x="1295401" y="5382153"/>
-            <a:ext cx="9609666" cy="493712"/>
+            <a:off x="1484311" y="5299603"/>
+            <a:ext cx="10018711" cy="493712"/>
           </a:xfrm>
         </p:spPr>
         <p:txBody>
@@ -835,7 +978,7 @@
     </p:spTree>
     <p:extLst>
       <p:ext uri="{BB962C8B-B14F-4D97-AF65-F5344CB8AC3E}">
-        <p14:creationId xmlns:p14="http://schemas.microsoft.com/office/powerpoint/2010/main" val="3191009792"/>
+        <p14:creationId xmlns:p14="http://schemas.microsoft.com/office/powerpoint/2010/main" val="146414926"/>
       </p:ext>
     </p:extLst>
   </p:cSld>
@@ -874,8 +1017,8 @@
         </p:nvSpPr>
         <p:spPr>
           <a:xfrm>
-            <a:off x="1303868" y="982132"/>
-            <a:ext cx="9592732" cy="2954868"/>
+            <a:off x="1484312" y="685800"/>
+            <a:ext cx="10018711" cy="3048000"/>
           </a:xfrm>
         </p:spPr>
         <p:txBody>
@@ -908,8 +1051,8 @@
         </p:nvSpPr>
         <p:spPr>
           <a:xfrm>
-            <a:off x="1303868" y="4343399"/>
-            <a:ext cx="9592732" cy="1532467"/>
+            <a:off x="1484312" y="4343400"/>
+            <a:ext cx="10018713" cy="1447800"/>
           </a:xfrm>
         </p:spPr>
         <p:txBody>
@@ -1080,41 +1223,10 @@
           </a:p>
         </p:txBody>
       </p:sp>
-      <p:cxnSp>
-        <p:nvCxnSpPr>
-          <p:cNvPr id="15" name="Straight Connector 14"/>
-          <p:cNvCxnSpPr/>
-          <p:nvPr/>
-        </p:nvCxnSpPr>
-        <p:spPr>
-          <a:xfrm>
-            <a:off x="1396169" y="4140199"/>
-            <a:ext cx="9407298" cy="0"/>
-          </a:xfrm>
-          <a:prstGeom prst="line">
-            <a:avLst/>
-          </a:prstGeom>
-          <a:ln w="15875"/>
-        </p:spPr>
-        <p:style>
-          <a:lnRef idx="2">
-            <a:schemeClr val="accent1"/>
-          </a:lnRef>
-          <a:fillRef idx="0">
-            <a:schemeClr val="accent1"/>
-          </a:fillRef>
-          <a:effectRef idx="1">
-            <a:schemeClr val="accent1"/>
-          </a:effectRef>
-          <a:fontRef idx="minor">
-            <a:schemeClr val="tx1"/>
-          </a:fontRef>
-        </p:style>
-      </p:cxnSp>
     </p:spTree>
     <p:extLst>
       <p:ext uri="{BB962C8B-B14F-4D97-AF65-F5344CB8AC3E}">
-        <p14:creationId xmlns:p14="http://schemas.microsoft.com/office/powerpoint/2010/main" val="1638470301"/>
+        <p14:creationId xmlns:p14="http://schemas.microsoft.com/office/powerpoint/2010/main" val="769363769"/>
       </p:ext>
     </p:extLst>
   </p:cSld>
@@ -1143,6 +1255,238 @@
       </p:grpSpPr>
       <p:sp>
         <p:nvSpPr>
+          <p:cNvPr id="14" name="TextBox 13"/>
+          <p:cNvSpPr txBox="1"/>
+          <p:nvPr/>
+        </p:nvSpPr>
+        <p:spPr>
+          <a:xfrm>
+            <a:off x="1598612" y="863023"/>
+            <a:ext cx="609600" cy="584776"/>
+          </a:xfrm>
+          <a:prstGeom prst="rect">
+            <a:avLst/>
+          </a:prstGeom>
+        </p:spPr>
+        <p:txBody>
+          <a:bodyPr vert="horz" lIns="91440" tIns="45720" rIns="91440" bIns="45720" rtlCol="0" anchor="ctr">
+            <a:noAutofit/>
+          </a:bodyPr>
+          <a:lstStyle>
+            <a:lvl1pPr>
+              <a:spcBef>
+                <a:spcPct val="0"/>
+              </a:spcBef>
+              <a:buNone/>
+              <a:defRPr sz="3200" b="0" cap="all">
+                <a:ln w="3175" cmpd="sng">
+                  <a:noFill/>
+                </a:ln>
+                <a:effectLst>
+                  <a:glow rad="38100">
+                    <a:schemeClr val="bg1">
+                      <a:lumMod val="65000"/>
+                      <a:lumOff val="35000"/>
+                      <a:alpha val="40000"/>
+                    </a:schemeClr>
+                  </a:glow>
+                  <a:outerShdw blurRad="28575" dist="38100" dir="14040000" algn="tl" rotWithShape="0">
+                    <a:srgbClr val="000000">
+                      <a:alpha val="25000"/>
+                    </a:srgbClr>
+                  </a:outerShdw>
+                </a:effectLst>
+              </a:defRPr>
+            </a:lvl1pPr>
+            <a:lvl2pPr>
+              <a:defRPr>
+                <a:solidFill>
+                  <a:schemeClr val="tx2"/>
+                </a:solidFill>
+              </a:defRPr>
+            </a:lvl2pPr>
+            <a:lvl3pPr>
+              <a:defRPr>
+                <a:solidFill>
+                  <a:schemeClr val="tx2"/>
+                </a:solidFill>
+              </a:defRPr>
+            </a:lvl3pPr>
+            <a:lvl4pPr>
+              <a:defRPr>
+                <a:solidFill>
+                  <a:schemeClr val="tx2"/>
+                </a:solidFill>
+              </a:defRPr>
+            </a:lvl4pPr>
+            <a:lvl5pPr>
+              <a:defRPr>
+                <a:solidFill>
+                  <a:schemeClr val="tx2"/>
+                </a:solidFill>
+              </a:defRPr>
+            </a:lvl5pPr>
+            <a:lvl6pPr>
+              <a:defRPr>
+                <a:solidFill>
+                  <a:schemeClr val="tx2"/>
+                </a:solidFill>
+              </a:defRPr>
+            </a:lvl6pPr>
+            <a:lvl7pPr>
+              <a:defRPr>
+                <a:solidFill>
+                  <a:schemeClr val="tx2"/>
+                </a:solidFill>
+              </a:defRPr>
+            </a:lvl7pPr>
+            <a:lvl8pPr>
+              <a:defRPr>
+                <a:solidFill>
+                  <a:schemeClr val="tx2"/>
+                </a:solidFill>
+              </a:defRPr>
+            </a:lvl8pPr>
+            <a:lvl9pPr>
+              <a:defRPr>
+                <a:solidFill>
+                  <a:schemeClr val="tx2"/>
+                </a:solidFill>
+              </a:defRPr>
+            </a:lvl9pPr>
+          </a:lstStyle>
+          <a:p>
+            <a:pPr lvl="0"/>
+            <a:r>
+              <a:rPr lang="en-US" sz="8000" dirty="0">
+                <a:solidFill>
+                  <a:schemeClr val="tx1"/>
+                </a:solidFill>
+                <a:effectLst/>
+              </a:rPr>
+              <a:t>“</a:t>
+            </a:r>
+          </a:p>
+        </p:txBody>
+      </p:sp>
+      <p:sp>
+        <p:nvSpPr>
+          <p:cNvPr id="15" name="TextBox 14"/>
+          <p:cNvSpPr txBox="1"/>
+          <p:nvPr/>
+        </p:nvSpPr>
+        <p:spPr>
+          <a:xfrm>
+            <a:off x="10893425" y="2819399"/>
+            <a:ext cx="609600" cy="584776"/>
+          </a:xfrm>
+          <a:prstGeom prst="rect">
+            <a:avLst/>
+          </a:prstGeom>
+        </p:spPr>
+        <p:txBody>
+          <a:bodyPr vert="horz" lIns="91440" tIns="45720" rIns="91440" bIns="45720" rtlCol="0" anchor="ctr">
+            <a:noAutofit/>
+          </a:bodyPr>
+          <a:lstStyle>
+            <a:lvl1pPr>
+              <a:spcBef>
+                <a:spcPct val="0"/>
+              </a:spcBef>
+              <a:buNone/>
+              <a:defRPr sz="3200" b="0" cap="all">
+                <a:ln w="3175" cmpd="sng">
+                  <a:noFill/>
+                </a:ln>
+                <a:effectLst>
+                  <a:glow rad="38100">
+                    <a:schemeClr val="bg1">
+                      <a:lumMod val="65000"/>
+                      <a:lumOff val="35000"/>
+                      <a:alpha val="40000"/>
+                    </a:schemeClr>
+                  </a:glow>
+                  <a:outerShdw blurRad="28575" dist="38100" dir="14040000" algn="tl" rotWithShape="0">
+                    <a:srgbClr val="000000">
+                      <a:alpha val="25000"/>
+                    </a:srgbClr>
+                  </a:outerShdw>
+                </a:effectLst>
+              </a:defRPr>
+            </a:lvl1pPr>
+            <a:lvl2pPr>
+              <a:defRPr>
+                <a:solidFill>
+                  <a:schemeClr val="tx2"/>
+                </a:solidFill>
+              </a:defRPr>
+            </a:lvl2pPr>
+            <a:lvl3pPr>
+              <a:defRPr>
+                <a:solidFill>
+                  <a:schemeClr val="tx2"/>
+                </a:solidFill>
+              </a:defRPr>
+            </a:lvl3pPr>
+            <a:lvl4pPr>
+              <a:defRPr>
+                <a:solidFill>
+                  <a:schemeClr val="tx2"/>
+                </a:solidFill>
+              </a:defRPr>
+            </a:lvl4pPr>
+            <a:lvl5pPr>
+              <a:defRPr>
+                <a:solidFill>
+                  <a:schemeClr val="tx2"/>
+                </a:solidFill>
+              </a:defRPr>
+            </a:lvl5pPr>
+            <a:lvl6pPr>
+              <a:defRPr>
+                <a:solidFill>
+                  <a:schemeClr val="tx2"/>
+                </a:solidFill>
+              </a:defRPr>
+            </a:lvl6pPr>
+            <a:lvl7pPr>
+              <a:defRPr>
+                <a:solidFill>
+                  <a:schemeClr val="tx2"/>
+                </a:solidFill>
+              </a:defRPr>
+            </a:lvl7pPr>
+            <a:lvl8pPr>
+              <a:defRPr>
+                <a:solidFill>
+                  <a:schemeClr val="tx2"/>
+                </a:solidFill>
+              </a:defRPr>
+            </a:lvl8pPr>
+            <a:lvl9pPr>
+              <a:defRPr>
+                <a:solidFill>
+                  <a:schemeClr val="tx2"/>
+                </a:solidFill>
+              </a:defRPr>
+            </a:lvl9pPr>
+          </a:lstStyle>
+          <a:p>
+            <a:pPr lvl="0" algn="r"/>
+            <a:r>
+              <a:rPr lang="en-US" sz="8000" dirty="0">
+                <a:solidFill>
+                  <a:schemeClr val="tx1"/>
+                </a:solidFill>
+                <a:effectLst/>
+              </a:rPr>
+              <a:t>”</a:t>
+            </a:r>
+          </a:p>
+        </p:txBody>
+      </p:sp>
+      <p:sp>
+        <p:nvSpPr>
           <p:cNvPr id="2" name="Title 1"/>
           <p:cNvSpPr>
             <a:spLocks noGrp="1"/>
@@ -1153,8 +1497,8 @@
         </p:nvSpPr>
         <p:spPr>
           <a:xfrm>
-            <a:off x="1446213" y="982132"/>
-            <a:ext cx="9296398" cy="2370668"/>
+            <a:off x="2208212" y="685800"/>
+            <a:ext cx="8990012" cy="2743199"/>
           </a:xfrm>
         </p:spPr>
         <p:txBody>
@@ -1191,8 +1535,8 @@
         </p:nvSpPr>
         <p:spPr>
           <a:xfrm>
-            <a:off x="1674812" y="3352800"/>
-            <a:ext cx="8839202" cy="584200"/>
+            <a:off x="2436811" y="3428999"/>
+            <a:ext cx="8532815" cy="381000"/>
           </a:xfrm>
         </p:spPr>
         <p:txBody>
@@ -1200,10 +1544,10 @@
             <a:normAutofit/>
           </a:bodyPr>
           <a:lstStyle>
-            <a:lvl1pPr marL="0" indent="0" algn="r">
+            <a:lvl1pPr marL="0" indent="0">
               <a:buFontTx/>
               <a:buNone/>
-              <a:defRPr sz="2000"/>
+              <a:defRPr sz="1800"/>
             </a:lvl1pPr>
             <a:lvl2pPr marL="457200" indent="0">
               <a:buFontTx/>
@@ -1247,8 +1591,8 @@
         </p:nvSpPr>
         <p:spPr>
           <a:xfrm>
-            <a:off x="1295401" y="4343399"/>
-            <a:ext cx="9609666" cy="1532467"/>
+            <a:off x="1484311" y="4343400"/>
+            <a:ext cx="10018711" cy="1447800"/>
           </a:xfrm>
         </p:spPr>
         <p:txBody>
@@ -1419,109 +1763,10 @@
           </a:p>
         </p:txBody>
       </p:sp>
-      <p:sp>
-        <p:nvSpPr>
-          <p:cNvPr id="14" name="TextBox 13"/>
-          <p:cNvSpPr txBox="1"/>
-          <p:nvPr/>
-        </p:nvSpPr>
-        <p:spPr>
-          <a:xfrm>
-            <a:off x="862013" y="879961"/>
-            <a:ext cx="609600" cy="584776"/>
-          </a:xfrm>
-          <a:prstGeom prst="rect">
-            <a:avLst/>
-          </a:prstGeom>
-        </p:spPr>
-        <p:txBody>
-          <a:bodyPr vert="horz" lIns="91440" tIns="45720" rIns="91440" bIns="45720" rtlCol="0" anchor="ctr">
-            <a:noAutofit/>
-          </a:bodyPr>
-          <a:lstStyle/>
-          <a:p>
-            <a:pPr lvl="0"/>
-            <a:r>
-              <a:rPr lang="en-US" sz="8000" dirty="0">
-                <a:solidFill>
-                  <a:schemeClr val="tx1"/>
-                </a:solidFill>
-                <a:effectLst/>
-              </a:rPr>
-              <a:t>“</a:t>
-            </a:r>
-          </a:p>
-        </p:txBody>
-      </p:sp>
-      <p:sp>
-        <p:nvSpPr>
-          <p:cNvPr id="15" name="TextBox 14"/>
-          <p:cNvSpPr txBox="1"/>
-          <p:nvPr/>
-        </p:nvSpPr>
-        <p:spPr>
-          <a:xfrm>
-            <a:off x="10600267" y="2827870"/>
-            <a:ext cx="609600" cy="584776"/>
-          </a:xfrm>
-          <a:prstGeom prst="rect">
-            <a:avLst/>
-          </a:prstGeom>
-        </p:spPr>
-        <p:txBody>
-          <a:bodyPr vert="horz" lIns="91440" tIns="45720" rIns="91440" bIns="45720" rtlCol="0" anchor="ctr">
-            <a:noAutofit/>
-          </a:bodyPr>
-          <a:lstStyle/>
-          <a:p>
-            <a:pPr lvl="0" algn="r"/>
-            <a:r>
-              <a:rPr lang="en-US" sz="8000" dirty="0">
-                <a:solidFill>
-                  <a:schemeClr val="tx1"/>
-                </a:solidFill>
-                <a:effectLst/>
-              </a:rPr>
-              <a:t>”</a:t>
-            </a:r>
-          </a:p>
-        </p:txBody>
-      </p:sp>
-      <p:cxnSp>
-        <p:nvCxnSpPr>
-          <p:cNvPr id="19" name="Straight Connector 18"/>
-          <p:cNvCxnSpPr/>
-          <p:nvPr/>
-        </p:nvCxnSpPr>
-        <p:spPr>
-          <a:xfrm>
-            <a:off x="1396169" y="4140199"/>
-            <a:ext cx="9407298" cy="0"/>
-          </a:xfrm>
-          <a:prstGeom prst="line">
-            <a:avLst/>
-          </a:prstGeom>
-          <a:ln w="15875"/>
-        </p:spPr>
-        <p:style>
-          <a:lnRef idx="2">
-            <a:schemeClr val="accent1"/>
-          </a:lnRef>
-          <a:fillRef idx="0">
-            <a:schemeClr val="accent1"/>
-          </a:fillRef>
-          <a:effectRef idx="1">
-            <a:schemeClr val="accent1"/>
-          </a:effectRef>
-          <a:fontRef idx="minor">
-            <a:schemeClr val="tx1"/>
-          </a:fontRef>
-        </p:style>
-      </p:cxnSp>
     </p:spTree>
     <p:extLst>
       <p:ext uri="{BB962C8B-B14F-4D97-AF65-F5344CB8AC3E}">
-        <p14:creationId xmlns:p14="http://schemas.microsoft.com/office/powerpoint/2010/main" val="2677637134"/>
+        <p14:creationId xmlns:p14="http://schemas.microsoft.com/office/powerpoint/2010/main" val="2006878021"/>
       </p:ext>
     </p:extLst>
   </p:cSld>
@@ -1560,8 +1805,8 @@
         </p:nvSpPr>
         <p:spPr>
           <a:xfrm>
-            <a:off x="1295402" y="3308581"/>
-            <a:ext cx="9609668" cy="1468800"/>
+            <a:off x="1484313" y="3308581"/>
+            <a:ext cx="10018709" cy="1468800"/>
           </a:xfrm>
         </p:spPr>
         <p:txBody>
@@ -1569,7 +1814,7 @@
             <a:normAutofit/>
           </a:bodyPr>
           <a:lstStyle>
-            <a:lvl1pPr algn="l">
+            <a:lvl1pPr algn="r">
               <a:defRPr sz="3200" b="0" cap="none"/>
             </a:lvl1pPr>
           </a:lstStyle>
@@ -1594,8 +1839,8 @@
         </p:nvSpPr>
         <p:spPr>
           <a:xfrm>
-            <a:off x="1295401" y="4777381"/>
-            <a:ext cx="9609668" cy="860400"/>
+            <a:off x="1484312" y="4777381"/>
+            <a:ext cx="10018710" cy="860400"/>
           </a:xfrm>
         </p:spPr>
         <p:txBody>
@@ -1603,7 +1848,7 @@
             <a:normAutofit/>
           </a:bodyPr>
           <a:lstStyle>
-            <a:lvl1pPr marL="0" indent="0" algn="l">
+            <a:lvl1pPr marL="0" indent="0" algn="r">
               <a:buNone/>
               <a:defRPr sz="2000">
                 <a:solidFill>
@@ -1769,7 +2014,7 @@
     </p:spTree>
     <p:extLst>
       <p:ext uri="{BB962C8B-B14F-4D97-AF65-F5344CB8AC3E}">
-        <p14:creationId xmlns:p14="http://schemas.microsoft.com/office/powerpoint/2010/main" val="3147788683"/>
+        <p14:creationId xmlns:p14="http://schemas.microsoft.com/office/powerpoint/2010/main" val="3362861249"/>
       </p:ext>
     </p:extLst>
   </p:cSld>
@@ -1798,6 +2043,238 @@
       </p:grpSpPr>
       <p:sp>
         <p:nvSpPr>
+          <p:cNvPr id="14" name="TextBox 13"/>
+          <p:cNvSpPr txBox="1"/>
+          <p:nvPr/>
+        </p:nvSpPr>
+        <p:spPr>
+          <a:xfrm>
+            <a:off x="1598612" y="863023"/>
+            <a:ext cx="609600" cy="584776"/>
+          </a:xfrm>
+          <a:prstGeom prst="rect">
+            <a:avLst/>
+          </a:prstGeom>
+        </p:spPr>
+        <p:txBody>
+          <a:bodyPr vert="horz" lIns="91440" tIns="45720" rIns="91440" bIns="45720" rtlCol="0" anchor="ctr">
+            <a:noAutofit/>
+          </a:bodyPr>
+          <a:lstStyle>
+            <a:lvl1pPr>
+              <a:spcBef>
+                <a:spcPct val="0"/>
+              </a:spcBef>
+              <a:buNone/>
+              <a:defRPr sz="3200" b="0" cap="all">
+                <a:ln w="3175" cmpd="sng">
+                  <a:noFill/>
+                </a:ln>
+                <a:effectLst>
+                  <a:glow rad="38100">
+                    <a:schemeClr val="bg1">
+                      <a:lumMod val="65000"/>
+                      <a:lumOff val="35000"/>
+                      <a:alpha val="40000"/>
+                    </a:schemeClr>
+                  </a:glow>
+                  <a:outerShdw blurRad="28575" dist="38100" dir="14040000" algn="tl" rotWithShape="0">
+                    <a:srgbClr val="000000">
+                      <a:alpha val="25000"/>
+                    </a:srgbClr>
+                  </a:outerShdw>
+                </a:effectLst>
+              </a:defRPr>
+            </a:lvl1pPr>
+            <a:lvl2pPr>
+              <a:defRPr>
+                <a:solidFill>
+                  <a:schemeClr val="tx2"/>
+                </a:solidFill>
+              </a:defRPr>
+            </a:lvl2pPr>
+            <a:lvl3pPr>
+              <a:defRPr>
+                <a:solidFill>
+                  <a:schemeClr val="tx2"/>
+                </a:solidFill>
+              </a:defRPr>
+            </a:lvl3pPr>
+            <a:lvl4pPr>
+              <a:defRPr>
+                <a:solidFill>
+                  <a:schemeClr val="tx2"/>
+                </a:solidFill>
+              </a:defRPr>
+            </a:lvl4pPr>
+            <a:lvl5pPr>
+              <a:defRPr>
+                <a:solidFill>
+                  <a:schemeClr val="tx2"/>
+                </a:solidFill>
+              </a:defRPr>
+            </a:lvl5pPr>
+            <a:lvl6pPr>
+              <a:defRPr>
+                <a:solidFill>
+                  <a:schemeClr val="tx2"/>
+                </a:solidFill>
+              </a:defRPr>
+            </a:lvl6pPr>
+            <a:lvl7pPr>
+              <a:defRPr>
+                <a:solidFill>
+                  <a:schemeClr val="tx2"/>
+                </a:solidFill>
+              </a:defRPr>
+            </a:lvl7pPr>
+            <a:lvl8pPr>
+              <a:defRPr>
+                <a:solidFill>
+                  <a:schemeClr val="tx2"/>
+                </a:solidFill>
+              </a:defRPr>
+            </a:lvl8pPr>
+            <a:lvl9pPr>
+              <a:defRPr>
+                <a:solidFill>
+                  <a:schemeClr val="tx2"/>
+                </a:solidFill>
+              </a:defRPr>
+            </a:lvl9pPr>
+          </a:lstStyle>
+          <a:p>
+            <a:pPr lvl="0"/>
+            <a:r>
+              <a:rPr lang="en-US" sz="8000" dirty="0">
+                <a:solidFill>
+                  <a:schemeClr val="tx1"/>
+                </a:solidFill>
+                <a:effectLst/>
+              </a:rPr>
+              <a:t>“</a:t>
+            </a:r>
+          </a:p>
+        </p:txBody>
+      </p:sp>
+      <p:sp>
+        <p:nvSpPr>
+          <p:cNvPr id="15" name="TextBox 14"/>
+          <p:cNvSpPr txBox="1"/>
+          <p:nvPr/>
+        </p:nvSpPr>
+        <p:spPr>
+          <a:xfrm>
+            <a:off x="10893425" y="2819399"/>
+            <a:ext cx="609600" cy="584776"/>
+          </a:xfrm>
+          <a:prstGeom prst="rect">
+            <a:avLst/>
+          </a:prstGeom>
+        </p:spPr>
+        <p:txBody>
+          <a:bodyPr vert="horz" lIns="91440" tIns="45720" rIns="91440" bIns="45720" rtlCol="0" anchor="ctr">
+            <a:noAutofit/>
+          </a:bodyPr>
+          <a:lstStyle>
+            <a:lvl1pPr>
+              <a:spcBef>
+                <a:spcPct val="0"/>
+              </a:spcBef>
+              <a:buNone/>
+              <a:defRPr sz="3200" b="0" cap="all">
+                <a:ln w="3175" cmpd="sng">
+                  <a:noFill/>
+                </a:ln>
+                <a:effectLst>
+                  <a:glow rad="38100">
+                    <a:schemeClr val="bg1">
+                      <a:lumMod val="65000"/>
+                      <a:lumOff val="35000"/>
+                      <a:alpha val="40000"/>
+                    </a:schemeClr>
+                  </a:glow>
+                  <a:outerShdw blurRad="28575" dist="38100" dir="14040000" algn="tl" rotWithShape="0">
+                    <a:srgbClr val="000000">
+                      <a:alpha val="25000"/>
+                    </a:srgbClr>
+                  </a:outerShdw>
+                </a:effectLst>
+              </a:defRPr>
+            </a:lvl1pPr>
+            <a:lvl2pPr>
+              <a:defRPr>
+                <a:solidFill>
+                  <a:schemeClr val="tx2"/>
+                </a:solidFill>
+              </a:defRPr>
+            </a:lvl2pPr>
+            <a:lvl3pPr>
+              <a:defRPr>
+                <a:solidFill>
+                  <a:schemeClr val="tx2"/>
+                </a:solidFill>
+              </a:defRPr>
+            </a:lvl3pPr>
+            <a:lvl4pPr>
+              <a:defRPr>
+                <a:solidFill>
+                  <a:schemeClr val="tx2"/>
+                </a:solidFill>
+              </a:defRPr>
+            </a:lvl4pPr>
+            <a:lvl5pPr>
+              <a:defRPr>
+                <a:solidFill>
+                  <a:schemeClr val="tx2"/>
+                </a:solidFill>
+              </a:defRPr>
+            </a:lvl5pPr>
+            <a:lvl6pPr>
+              <a:defRPr>
+                <a:solidFill>
+                  <a:schemeClr val="tx2"/>
+                </a:solidFill>
+              </a:defRPr>
+            </a:lvl6pPr>
+            <a:lvl7pPr>
+              <a:defRPr>
+                <a:solidFill>
+                  <a:schemeClr val="tx2"/>
+                </a:solidFill>
+              </a:defRPr>
+            </a:lvl7pPr>
+            <a:lvl8pPr>
+              <a:defRPr>
+                <a:solidFill>
+                  <a:schemeClr val="tx2"/>
+                </a:solidFill>
+              </a:defRPr>
+            </a:lvl8pPr>
+            <a:lvl9pPr>
+              <a:defRPr>
+                <a:solidFill>
+                  <a:schemeClr val="tx2"/>
+                </a:solidFill>
+              </a:defRPr>
+            </a:lvl9pPr>
+          </a:lstStyle>
+          <a:p>
+            <a:pPr lvl="0" algn="r"/>
+            <a:r>
+              <a:rPr lang="en-US" sz="8000" dirty="0">
+                <a:solidFill>
+                  <a:schemeClr val="tx1"/>
+                </a:solidFill>
+                <a:effectLst/>
+              </a:rPr>
+              <a:t>”</a:t>
+            </a:r>
+          </a:p>
+        </p:txBody>
+      </p:sp>
+      <p:sp>
+        <p:nvSpPr>
           <p:cNvPr id="2" name="Title 1"/>
           <p:cNvSpPr>
             <a:spLocks noGrp="1"/>
@@ -1808,8 +2285,8 @@
         </p:nvSpPr>
         <p:spPr>
           <a:xfrm>
-            <a:off x="1446213" y="982132"/>
-            <a:ext cx="9296398" cy="2243668"/>
+            <a:off x="2208212" y="685800"/>
+            <a:ext cx="8990012" cy="2743199"/>
           </a:xfrm>
         </p:spPr>
         <p:txBody>
@@ -1836,119 +2313,45 @@
       </p:sp>
       <p:sp>
         <p:nvSpPr>
-          <p:cNvPr id="23" name="Text Placeholder 2"/>
+          <p:cNvPr id="10" name="Text Placeholder 9"/>
           <p:cNvSpPr>
             <a:spLocks noGrp="1"/>
           </p:cNvSpPr>
           <p:nvPr>
-            <p:ph type="body" idx="13"/>
+            <p:ph type="body" sz="quarter" idx="13"/>
           </p:nvPr>
         </p:nvSpPr>
         <p:spPr>
           <a:xfrm>
-            <a:off x="1295401" y="3639312"/>
-            <a:ext cx="9609668" cy="886968"/>
+            <a:off x="1484313" y="3886200"/>
+            <a:ext cx="10018710" cy="889000"/>
           </a:xfrm>
         </p:spPr>
         <p:txBody>
-          <a:bodyPr anchor="b">
+          <a:bodyPr vert="horz" lIns="91440" tIns="45720" rIns="91440" bIns="45720" rtlCol="0" anchor="b">
             <a:normAutofit/>
           </a:bodyPr>
           <a:lstStyle>
-            <a:lvl1pPr marL="0" indent="0" algn="l">
-              <a:spcBef>
-                <a:spcPts val="0"/>
-              </a:spcBef>
-              <a:buNone/>
-              <a:defRPr sz="2400">
+            <a:lvl1pPr algn="r">
+              <a:buNone/>
+              <a:defRPr lang="en-US" sz="2400" b="0" cap="none" dirty="0">
+                <a:ln w="3175" cmpd="sng">
+                  <a:noFill/>
+                </a:ln>
                 <a:solidFill>
                   <a:schemeClr val="tx1"/>
                 </a:solidFill>
+                <a:effectLst/>
               </a:defRPr>
             </a:lvl1pPr>
-            <a:lvl2pPr marL="457200" indent="0">
-              <a:buNone/>
-              <a:defRPr sz="1800">
-                <a:solidFill>
-                  <a:schemeClr val="tx1">
-                    <a:tint val="75000"/>
-                  </a:schemeClr>
-                </a:solidFill>
-              </a:defRPr>
-            </a:lvl2pPr>
-            <a:lvl3pPr marL="914400" indent="0">
-              <a:buNone/>
-              <a:defRPr sz="1600">
-                <a:solidFill>
-                  <a:schemeClr val="tx1">
-                    <a:tint val="75000"/>
-                  </a:schemeClr>
-                </a:solidFill>
-              </a:defRPr>
-            </a:lvl3pPr>
-            <a:lvl4pPr marL="1371600" indent="0">
-              <a:buNone/>
-              <a:defRPr sz="1400">
-                <a:solidFill>
-                  <a:schemeClr val="tx1">
-                    <a:tint val="75000"/>
-                  </a:schemeClr>
-                </a:solidFill>
-              </a:defRPr>
-            </a:lvl4pPr>
-            <a:lvl5pPr marL="1828800" indent="0">
-              <a:buNone/>
-              <a:defRPr sz="1400">
-                <a:solidFill>
-                  <a:schemeClr val="tx1">
-                    <a:tint val="75000"/>
-                  </a:schemeClr>
-                </a:solidFill>
-              </a:defRPr>
-            </a:lvl5pPr>
-            <a:lvl6pPr marL="2286000" indent="0">
-              <a:buNone/>
-              <a:defRPr sz="1400">
-                <a:solidFill>
-                  <a:schemeClr val="tx1">
-                    <a:tint val="75000"/>
-                  </a:schemeClr>
-                </a:solidFill>
-              </a:defRPr>
-            </a:lvl6pPr>
-            <a:lvl7pPr marL="2743200" indent="0">
-              <a:buNone/>
-              <a:defRPr sz="1400">
-                <a:solidFill>
-                  <a:schemeClr val="tx1">
-                    <a:tint val="75000"/>
-                  </a:schemeClr>
-                </a:solidFill>
-              </a:defRPr>
-            </a:lvl7pPr>
-            <a:lvl8pPr marL="3200400" indent="0">
-              <a:buNone/>
-              <a:defRPr sz="1400">
-                <a:solidFill>
-                  <a:schemeClr val="tx1">
-                    <a:tint val="75000"/>
-                  </a:schemeClr>
-                </a:solidFill>
-              </a:defRPr>
-            </a:lvl8pPr>
-            <a:lvl9pPr marL="3657600" indent="0">
-              <a:buNone/>
-              <a:defRPr sz="1400">
-                <a:solidFill>
-                  <a:schemeClr val="tx1">
-                    <a:tint val="75000"/>
-                  </a:schemeClr>
-                </a:solidFill>
-              </a:defRPr>
-            </a:lvl9pPr>
           </a:lstStyle>
           <a:p>
-            <a:pPr lvl="0"/>
+            <a:pPr marL="0" lvl="0">
+              <a:spcBef>
+                <a:spcPct val="0"/>
+              </a:spcBef>
+              <a:buNone/>
+            </a:pPr>
             <a:r>
               <a:rPr lang="en-US"/>
               <a:t>Click to edit Master text styles</a:t>
@@ -1968,8 +2371,8 @@
         </p:nvSpPr>
         <p:spPr>
           <a:xfrm>
-            <a:off x="1295401" y="4529667"/>
-            <a:ext cx="9609668" cy="1346200"/>
+            <a:off x="1484312" y="4775200"/>
+            <a:ext cx="10018710" cy="1016000"/>
           </a:xfrm>
         </p:spPr>
         <p:txBody>
@@ -1977,7 +2380,7 @@
             <a:normAutofit/>
           </a:bodyPr>
           <a:lstStyle>
-            <a:lvl1pPr marL="0" indent="0" algn="l">
+            <a:lvl1pPr marL="0" indent="0" algn="r">
               <a:buNone/>
               <a:defRPr sz="1800">
                 <a:solidFill>
@@ -2140,109 +2543,10 @@
           </a:p>
         </p:txBody>
       </p:sp>
-      <p:sp>
-        <p:nvSpPr>
-          <p:cNvPr id="12" name="TextBox 11"/>
-          <p:cNvSpPr txBox="1"/>
-          <p:nvPr/>
-        </p:nvSpPr>
-        <p:spPr>
-          <a:xfrm>
-            <a:off x="862013" y="879961"/>
-            <a:ext cx="609600" cy="584776"/>
-          </a:xfrm>
-          <a:prstGeom prst="rect">
-            <a:avLst/>
-          </a:prstGeom>
-        </p:spPr>
-        <p:txBody>
-          <a:bodyPr vert="horz" lIns="91440" tIns="45720" rIns="91440" bIns="45720" rtlCol="0" anchor="ctr">
-            <a:noAutofit/>
-          </a:bodyPr>
-          <a:lstStyle/>
-          <a:p>
-            <a:pPr lvl="0"/>
-            <a:r>
-              <a:rPr lang="en-US" sz="8000" dirty="0">
-                <a:solidFill>
-                  <a:schemeClr val="tx1"/>
-                </a:solidFill>
-                <a:effectLst/>
-              </a:rPr>
-              <a:t>“</a:t>
-            </a:r>
-          </a:p>
-        </p:txBody>
-      </p:sp>
-      <p:sp>
-        <p:nvSpPr>
-          <p:cNvPr id="13" name="TextBox 12"/>
-          <p:cNvSpPr txBox="1"/>
-          <p:nvPr/>
-        </p:nvSpPr>
-        <p:spPr>
-          <a:xfrm>
-            <a:off x="10600267" y="2599261"/>
-            <a:ext cx="609600" cy="584776"/>
-          </a:xfrm>
-          <a:prstGeom prst="rect">
-            <a:avLst/>
-          </a:prstGeom>
-        </p:spPr>
-        <p:txBody>
-          <a:bodyPr vert="horz" lIns="91440" tIns="45720" rIns="91440" bIns="45720" rtlCol="0" anchor="ctr">
-            <a:noAutofit/>
-          </a:bodyPr>
-          <a:lstStyle/>
-          <a:p>
-            <a:pPr lvl="0" algn="r"/>
-            <a:r>
-              <a:rPr lang="en-US" sz="8000" dirty="0">
-                <a:solidFill>
-                  <a:schemeClr val="tx1"/>
-                </a:solidFill>
-                <a:effectLst/>
-              </a:rPr>
-              <a:t>”</a:t>
-            </a:r>
-          </a:p>
-        </p:txBody>
-      </p:sp>
-      <p:cxnSp>
-        <p:nvCxnSpPr>
-          <p:cNvPr id="26" name="Straight Connector 25"/>
-          <p:cNvCxnSpPr/>
-          <p:nvPr/>
-        </p:nvCxnSpPr>
-        <p:spPr>
-          <a:xfrm>
-            <a:off x="1396169" y="3429000"/>
-            <a:ext cx="9407298" cy="0"/>
-          </a:xfrm>
-          <a:prstGeom prst="line">
-            <a:avLst/>
-          </a:prstGeom>
-          <a:ln w="15875"/>
-        </p:spPr>
-        <p:style>
-          <a:lnRef idx="2">
-            <a:schemeClr val="accent1"/>
-          </a:lnRef>
-          <a:fillRef idx="0">
-            <a:schemeClr val="accent1"/>
-          </a:fillRef>
-          <a:effectRef idx="1">
-            <a:schemeClr val="accent1"/>
-          </a:effectRef>
-          <a:fontRef idx="minor">
-            <a:schemeClr val="tx1"/>
-          </a:fontRef>
-        </p:style>
-      </p:cxnSp>
     </p:spTree>
     <p:extLst>
       <p:ext uri="{BB962C8B-B14F-4D97-AF65-F5344CB8AC3E}">
-        <p14:creationId xmlns:p14="http://schemas.microsoft.com/office/powerpoint/2010/main" val="3537835569"/>
+        <p14:creationId xmlns:p14="http://schemas.microsoft.com/office/powerpoint/2010/main" val="532142841"/>
       </p:ext>
     </p:extLst>
   </p:cSld>
@@ -2281,8 +2585,8 @@
         </p:nvSpPr>
         <p:spPr>
           <a:xfrm>
-            <a:off x="1295401" y="982132"/>
-            <a:ext cx="9609666" cy="2243668"/>
+            <a:off x="1484313" y="685800"/>
+            <a:ext cx="10018712" cy="2727325"/>
           </a:xfrm>
         </p:spPr>
         <p:txBody>
@@ -2306,119 +2610,45 @@
       </p:sp>
       <p:sp>
         <p:nvSpPr>
-          <p:cNvPr id="20" name="Text Placeholder 2"/>
+          <p:cNvPr id="10" name="Text Placeholder 9"/>
           <p:cNvSpPr>
             <a:spLocks noGrp="1"/>
           </p:cNvSpPr>
           <p:nvPr>
-            <p:ph type="body" idx="13"/>
+            <p:ph type="body" sz="quarter" idx="13"/>
           </p:nvPr>
         </p:nvSpPr>
         <p:spPr>
           <a:xfrm>
-            <a:off x="1295401" y="3630168"/>
-            <a:ext cx="9609668" cy="841248"/>
+            <a:off x="1484312" y="3505200"/>
+            <a:ext cx="10018713" cy="838200"/>
           </a:xfrm>
         </p:spPr>
         <p:txBody>
-          <a:bodyPr anchor="b">
+          <a:bodyPr vert="horz" lIns="91440" tIns="45720" rIns="91440" bIns="45720" rtlCol="0" anchor="b">
             <a:normAutofit/>
           </a:bodyPr>
           <a:lstStyle>
-            <a:lvl1pPr marL="0" indent="0" algn="l">
-              <a:spcBef>
-                <a:spcPts val="0"/>
-              </a:spcBef>
-              <a:buNone/>
-              <a:defRPr sz="2800">
+            <a:lvl1pPr>
+              <a:buNone/>
+              <a:defRPr lang="en-US" sz="2800" b="0" cap="none" dirty="0">
+                <a:ln w="3175" cmpd="sng">
+                  <a:noFill/>
+                </a:ln>
                 <a:solidFill>
                   <a:schemeClr val="tx1"/>
                 </a:solidFill>
+                <a:effectLst/>
               </a:defRPr>
             </a:lvl1pPr>
-            <a:lvl2pPr marL="457200" indent="0">
-              <a:buNone/>
-              <a:defRPr sz="1800">
-                <a:solidFill>
-                  <a:schemeClr val="tx1">
-                    <a:tint val="75000"/>
-                  </a:schemeClr>
-                </a:solidFill>
-              </a:defRPr>
-            </a:lvl2pPr>
-            <a:lvl3pPr marL="914400" indent="0">
-              <a:buNone/>
-              <a:defRPr sz="1600">
-                <a:solidFill>
-                  <a:schemeClr val="tx1">
-                    <a:tint val="75000"/>
-                  </a:schemeClr>
-                </a:solidFill>
-              </a:defRPr>
-            </a:lvl3pPr>
-            <a:lvl4pPr marL="1371600" indent="0">
-              <a:buNone/>
-              <a:defRPr sz="1400">
-                <a:solidFill>
-                  <a:schemeClr val="tx1">
-                    <a:tint val="75000"/>
-                  </a:schemeClr>
-                </a:solidFill>
-              </a:defRPr>
-            </a:lvl4pPr>
-            <a:lvl5pPr marL="1828800" indent="0">
-              <a:buNone/>
-              <a:defRPr sz="1400">
-                <a:solidFill>
-                  <a:schemeClr val="tx1">
-                    <a:tint val="75000"/>
-                  </a:schemeClr>
-                </a:solidFill>
-              </a:defRPr>
-            </a:lvl5pPr>
-            <a:lvl6pPr marL="2286000" indent="0">
-              <a:buNone/>
-              <a:defRPr sz="1400">
-                <a:solidFill>
-                  <a:schemeClr val="tx1">
-                    <a:tint val="75000"/>
-                  </a:schemeClr>
-                </a:solidFill>
-              </a:defRPr>
-            </a:lvl6pPr>
-            <a:lvl7pPr marL="2743200" indent="0">
-              <a:buNone/>
-              <a:defRPr sz="1400">
-                <a:solidFill>
-                  <a:schemeClr val="tx1">
-                    <a:tint val="75000"/>
-                  </a:schemeClr>
-                </a:solidFill>
-              </a:defRPr>
-            </a:lvl7pPr>
-            <a:lvl8pPr marL="3200400" indent="0">
-              <a:buNone/>
-              <a:defRPr sz="1400">
-                <a:solidFill>
-                  <a:schemeClr val="tx1">
-                    <a:tint val="75000"/>
-                  </a:schemeClr>
-                </a:solidFill>
-              </a:defRPr>
-            </a:lvl8pPr>
-            <a:lvl9pPr marL="3657600" indent="0">
-              <a:buNone/>
-              <a:defRPr sz="1400">
-                <a:solidFill>
-                  <a:schemeClr val="tx1">
-                    <a:tint val="75000"/>
-                  </a:schemeClr>
-                </a:solidFill>
-              </a:defRPr>
-            </a:lvl9pPr>
           </a:lstStyle>
           <a:p>
-            <a:pPr lvl="0"/>
+            <a:pPr marL="0" lvl="0">
+              <a:spcBef>
+                <a:spcPct val="0"/>
+              </a:spcBef>
+              <a:buNone/>
+            </a:pPr>
             <a:r>
               <a:rPr lang="en-US"/>
               <a:t>Click to edit Master text styles</a:t>
@@ -2438,8 +2668,8 @@
         </p:nvSpPr>
         <p:spPr>
           <a:xfrm>
-            <a:off x="1295400" y="4470399"/>
-            <a:ext cx="9609670" cy="1405467"/>
+            <a:off x="1484311" y="4343400"/>
+            <a:ext cx="10018713" cy="1447800"/>
           </a:xfrm>
         </p:spPr>
         <p:txBody>
@@ -2610,41 +2840,10 @@
           </a:p>
         </p:txBody>
       </p:sp>
-      <p:cxnSp>
-        <p:nvCxnSpPr>
-          <p:cNvPr id="15" name="Straight Connector 14"/>
-          <p:cNvCxnSpPr/>
-          <p:nvPr/>
-        </p:nvCxnSpPr>
-        <p:spPr>
-          <a:xfrm>
-            <a:off x="1396169" y="3429000"/>
-            <a:ext cx="9407298" cy="0"/>
-          </a:xfrm>
-          <a:prstGeom prst="line">
-            <a:avLst/>
-          </a:prstGeom>
-          <a:ln w="15875"/>
-        </p:spPr>
-        <p:style>
-          <a:lnRef idx="2">
-            <a:schemeClr val="accent1"/>
-          </a:lnRef>
-          <a:fillRef idx="0">
-            <a:schemeClr val="accent1"/>
-          </a:fillRef>
-          <a:effectRef idx="1">
-            <a:schemeClr val="accent1"/>
-          </a:effectRef>
-          <a:fontRef idx="minor">
-            <a:schemeClr val="tx1"/>
-          </a:fontRef>
-        </p:style>
-      </p:cxnSp>
     </p:spTree>
     <p:extLst>
       <p:ext uri="{BB962C8B-B14F-4D97-AF65-F5344CB8AC3E}">
-        <p14:creationId xmlns:p14="http://schemas.microsoft.com/office/powerpoint/2010/main" val="3142859546"/>
+        <p14:creationId xmlns:p14="http://schemas.microsoft.com/office/powerpoint/2010/main" val="655170546"/>
       </p:ext>
     </p:extLst>
   </p:cSld>
@@ -2815,41 +3014,10 @@
           </a:p>
         </p:txBody>
       </p:sp>
-      <p:cxnSp>
-        <p:nvCxnSpPr>
-          <p:cNvPr id="14" name="Straight Connector 13"/>
-          <p:cNvCxnSpPr/>
-          <p:nvPr/>
-        </p:nvCxnSpPr>
-        <p:spPr>
-          <a:xfrm>
-            <a:off x="1396169" y="2421466"/>
-            <a:ext cx="9407298" cy="0"/>
-          </a:xfrm>
-          <a:prstGeom prst="line">
-            <a:avLst/>
-          </a:prstGeom>
-          <a:ln w="15875"/>
-        </p:spPr>
-        <p:style>
-          <a:lnRef idx="2">
-            <a:schemeClr val="accent1"/>
-          </a:lnRef>
-          <a:fillRef idx="0">
-            <a:schemeClr val="accent1"/>
-          </a:fillRef>
-          <a:effectRef idx="1">
-            <a:schemeClr val="accent1"/>
-          </a:effectRef>
-          <a:fontRef idx="minor">
-            <a:schemeClr val="tx1"/>
-          </a:fontRef>
-        </p:style>
-      </p:cxnSp>
     </p:spTree>
     <p:extLst>
       <p:ext uri="{BB962C8B-B14F-4D97-AF65-F5344CB8AC3E}">
-        <p14:creationId xmlns:p14="http://schemas.microsoft.com/office/powerpoint/2010/main" val="3795717988"/>
+        <p14:creationId xmlns:p14="http://schemas.microsoft.com/office/powerpoint/2010/main" val="3692547906"/>
       </p:ext>
     </p:extLst>
   </p:cSld>
@@ -2888,8 +3056,8 @@
         </p:nvSpPr>
         <p:spPr>
           <a:xfrm>
-            <a:off x="8999356" y="982131"/>
-            <a:ext cx="1890895" cy="4893735"/>
+            <a:off x="9732655" y="685800"/>
+            <a:ext cx="1770369" cy="5105400"/>
           </a:xfrm>
         </p:spPr>
         <p:txBody>
@@ -2916,8 +3084,8 @@
         </p:nvSpPr>
         <p:spPr>
           <a:xfrm>
-            <a:off x="1295398" y="982132"/>
-            <a:ext cx="7433025" cy="4893734"/>
+            <a:off x="1484312" y="685800"/>
+            <a:ext cx="8019742" cy="5105400"/>
           </a:xfrm>
         </p:spPr>
         <p:txBody>
@@ -3026,41 +3194,10 @@
           </a:p>
         </p:txBody>
       </p:sp>
-      <p:cxnSp>
-        <p:nvCxnSpPr>
-          <p:cNvPr id="14" name="Straight Connector 13"/>
-          <p:cNvCxnSpPr/>
-          <p:nvPr/>
-        </p:nvCxnSpPr>
-        <p:spPr>
-          <a:xfrm>
-            <a:off x="8863890" y="990600"/>
-            <a:ext cx="0" cy="4876800"/>
-          </a:xfrm>
-          <a:prstGeom prst="line">
-            <a:avLst/>
-          </a:prstGeom>
-          <a:ln w="15875"/>
-        </p:spPr>
-        <p:style>
-          <a:lnRef idx="2">
-            <a:schemeClr val="accent1"/>
-          </a:lnRef>
-          <a:fillRef idx="0">
-            <a:schemeClr val="accent1"/>
-          </a:fillRef>
-          <a:effectRef idx="1">
-            <a:schemeClr val="accent1"/>
-          </a:effectRef>
-          <a:fontRef idx="minor">
-            <a:schemeClr val="tx1"/>
-          </a:fontRef>
-        </p:style>
-      </p:cxnSp>
     </p:spTree>
     <p:extLst>
       <p:ext uri="{BB962C8B-B14F-4D97-AF65-F5344CB8AC3E}">
-        <p14:creationId xmlns:p14="http://schemas.microsoft.com/office/powerpoint/2010/main" val="1006607211"/>
+        <p14:creationId xmlns:p14="http://schemas.microsoft.com/office/powerpoint/2010/main" val="1815311898"/>
       </p:ext>
     </p:extLst>
   </p:cSld>
@@ -3087,37 +3224,6 @@
           <a:chExt cx="0" cy="0"/>
         </a:xfrm>
       </p:grpSpPr>
-      <p:cxnSp>
-        <p:nvCxnSpPr>
-          <p:cNvPr id="7" name="Straight Connector 6"/>
-          <p:cNvCxnSpPr/>
-          <p:nvPr/>
-        </p:nvCxnSpPr>
-        <p:spPr>
-          <a:xfrm>
-            <a:off x="1396169" y="2421466"/>
-            <a:ext cx="9407298" cy="0"/>
-          </a:xfrm>
-          <a:prstGeom prst="line">
-            <a:avLst/>
-          </a:prstGeom>
-          <a:ln w="15875"/>
-        </p:spPr>
-        <p:style>
-          <a:lnRef idx="2">
-            <a:schemeClr val="accent1"/>
-          </a:lnRef>
-          <a:fillRef idx="0">
-            <a:schemeClr val="accent1"/>
-          </a:fillRef>
-          <a:effectRef idx="1">
-            <a:schemeClr val="accent1"/>
-          </a:effectRef>
-          <a:fontRef idx="minor">
-            <a:schemeClr val="tx1"/>
-          </a:fontRef>
-        </p:style>
-      </p:cxnSp>
       <p:sp>
         <p:nvSpPr>
           <p:cNvPr id="2" name="Title 1"/>
@@ -3153,7 +3259,7 @@
         </p:nvSpPr>
         <p:spPr/>
         <p:txBody>
-          <a:bodyPr/>
+          <a:bodyPr anchor="ctr"/>
           <a:lstStyle/>
           <a:p>
             <a:pPr lvl="0"/>
@@ -3245,7 +3351,12 @@
             <p:ph type="sldNum" sz="quarter" idx="12"/>
           </p:nvPr>
         </p:nvSpPr>
-        <p:spPr/>
+        <p:spPr>
+          <a:xfrm>
+            <a:off x="10951856" y="5867131"/>
+            <a:ext cx="551167" cy="365125"/>
+          </a:xfrm>
+        </p:spPr>
         <p:txBody>
           <a:bodyPr/>
           <a:lstStyle/>
@@ -3261,7 +3372,7 @@
     </p:spTree>
     <p:extLst>
       <p:ext uri="{BB962C8B-B14F-4D97-AF65-F5344CB8AC3E}">
-        <p14:creationId xmlns:p14="http://schemas.microsoft.com/office/powerpoint/2010/main" val="4124216229"/>
+        <p14:creationId xmlns:p14="http://schemas.microsoft.com/office/powerpoint/2010/main" val="2852138963"/>
       </p:ext>
     </p:extLst>
   </p:cSld>
@@ -3300,17 +3411,15 @@
         </p:nvSpPr>
         <p:spPr>
           <a:xfrm>
-            <a:off x="2015069" y="1752606"/>
-            <a:ext cx="8158688" cy="1822514"/>
+            <a:off x="2572279" y="2666999"/>
+            <a:ext cx="8930747" cy="2110382"/>
           </a:xfrm>
         </p:spPr>
         <p:txBody>
-          <a:bodyPr anchor="b">
-            <a:normAutofit/>
-          </a:bodyPr>
+          <a:bodyPr anchor="b"/>
           <a:lstStyle>
-            <a:lvl1pPr algn="ctr">
-              <a:defRPr sz="4400" b="0" cap="none"/>
+            <a:lvl1pPr algn="r">
+              <a:defRPr sz="4000" b="0" cap="none"/>
             </a:lvl1pPr>
           </a:lstStyle>
           <a:p>
@@ -3334,8 +3443,8 @@
         </p:nvSpPr>
         <p:spPr>
           <a:xfrm>
-            <a:off x="2015067" y="3846051"/>
-            <a:ext cx="8158690" cy="954547"/>
+            <a:off x="2572278" y="4777381"/>
+            <a:ext cx="8930748" cy="860400"/>
           </a:xfrm>
         </p:spPr>
         <p:txBody>
@@ -3343,9 +3452,9 @@
             <a:normAutofit/>
           </a:bodyPr>
           <a:lstStyle>
-            <a:lvl1pPr marL="0" indent="0" algn="ctr">
-              <a:buNone/>
-              <a:defRPr sz="2400">
+            <a:lvl1pPr marL="0" indent="0" algn="r">
+              <a:buNone/>
+              <a:defRPr sz="2000">
                 <a:solidFill>
                   <a:schemeClr val="tx1"/>
                 </a:solidFill>
@@ -3506,41 +3615,10 @@
           </a:p>
         </p:txBody>
       </p:sp>
-      <p:cxnSp>
-        <p:nvCxnSpPr>
-          <p:cNvPr id="16" name="Straight Connector 15"/>
-          <p:cNvCxnSpPr/>
-          <p:nvPr/>
-        </p:nvCxnSpPr>
-        <p:spPr>
-          <a:xfrm>
-            <a:off x="2012723" y="3710585"/>
-            <a:ext cx="8163380" cy="0"/>
-          </a:xfrm>
-          <a:prstGeom prst="line">
-            <a:avLst/>
-          </a:prstGeom>
-          <a:ln w="15875"/>
-        </p:spPr>
-        <p:style>
-          <a:lnRef idx="2">
-            <a:schemeClr val="accent1"/>
-          </a:lnRef>
-          <a:fillRef idx="0">
-            <a:schemeClr val="accent1"/>
-          </a:fillRef>
-          <a:effectRef idx="1">
-            <a:schemeClr val="accent1"/>
-          </a:effectRef>
-          <a:fontRef idx="minor">
-            <a:schemeClr val="tx1"/>
-          </a:fontRef>
-        </p:style>
-      </p:cxnSp>
     </p:spTree>
     <p:extLst>
       <p:ext uri="{BB962C8B-B14F-4D97-AF65-F5344CB8AC3E}">
-        <p14:creationId xmlns:p14="http://schemas.microsoft.com/office/powerpoint/2010/main" val="375890822"/>
+        <p14:creationId xmlns:p14="http://schemas.microsoft.com/office/powerpoint/2010/main" val="2103315240"/>
       </p:ext>
     </p:extLst>
   </p:cSld>
@@ -3567,37 +3645,6 @@
           <a:chExt cx="0" cy="0"/>
         </a:xfrm>
       </p:grpSpPr>
-      <p:cxnSp>
-        <p:nvCxnSpPr>
-          <p:cNvPr id="8" name="Straight Connector 7"/>
-          <p:cNvCxnSpPr/>
-          <p:nvPr/>
-        </p:nvCxnSpPr>
-        <p:spPr>
-          <a:xfrm>
-            <a:off x="1396169" y="2421466"/>
-            <a:ext cx="9407298" cy="0"/>
-          </a:xfrm>
-          <a:prstGeom prst="line">
-            <a:avLst/>
-          </a:prstGeom>
-          <a:ln w="15875"/>
-        </p:spPr>
-        <p:style>
-          <a:lnRef idx="2">
-            <a:schemeClr val="accent1"/>
-          </a:lnRef>
-          <a:fillRef idx="0">
-            <a:schemeClr val="accent1"/>
-          </a:fillRef>
-          <a:effectRef idx="1">
-            <a:schemeClr val="accent1"/>
-          </a:effectRef>
-          <a:fontRef idx="minor">
-            <a:schemeClr val="tx1"/>
-          </a:fontRef>
-        </p:style>
-      </p:cxnSp>
       <p:sp>
         <p:nvSpPr>
           <p:cNvPr id="2" name="Title 1"/>
@@ -3608,7 +3655,12 @@
             <p:ph type="title"/>
           </p:nvPr>
         </p:nvSpPr>
-        <p:spPr/>
+        <p:spPr>
+          <a:xfrm>
+            <a:off x="1484311" y="685800"/>
+            <a:ext cx="10018713" cy="1752599"/>
+          </a:xfrm>
+        </p:spPr>
         <p:txBody>
           <a:bodyPr/>
           <a:lstStyle/>
@@ -3633,15 +3685,43 @@
         </p:nvSpPr>
         <p:spPr>
           <a:xfrm>
-            <a:off x="1298448" y="2560320"/>
-            <a:ext cx="4718304" cy="3310128"/>
+            <a:off x="1484312" y="2666999"/>
+            <a:ext cx="4895055" cy="3124201"/>
           </a:xfrm>
         </p:spPr>
         <p:txBody>
           <a:bodyPr>
             <a:normAutofit/>
           </a:bodyPr>
-          <a:lstStyle/>
+          <a:lstStyle>
+            <a:lvl1pPr>
+              <a:defRPr sz="1800"/>
+            </a:lvl1pPr>
+            <a:lvl2pPr>
+              <a:defRPr sz="1600"/>
+            </a:lvl2pPr>
+            <a:lvl3pPr>
+              <a:defRPr sz="1400"/>
+            </a:lvl3pPr>
+            <a:lvl4pPr>
+              <a:defRPr sz="1200"/>
+            </a:lvl4pPr>
+            <a:lvl5pPr>
+              <a:defRPr sz="1200"/>
+            </a:lvl5pPr>
+            <a:lvl6pPr>
+              <a:defRPr sz="1200"/>
+            </a:lvl6pPr>
+            <a:lvl7pPr>
+              <a:defRPr sz="1200"/>
+            </a:lvl7pPr>
+            <a:lvl8pPr>
+              <a:defRPr sz="1200"/>
+            </a:lvl8pPr>
+            <a:lvl9pPr>
+              <a:defRPr sz="1200"/>
+            </a:lvl9pPr>
+          </a:lstStyle>
           <a:p>
             <a:pPr lvl="0"/>
             <a:r>
@@ -3692,15 +3772,43 @@
         </p:nvSpPr>
         <p:spPr>
           <a:xfrm>
-            <a:off x="6181344" y="2560320"/>
-            <a:ext cx="4718304" cy="3310128"/>
+            <a:off x="6607967" y="2667000"/>
+            <a:ext cx="4895056" cy="3124200"/>
           </a:xfrm>
         </p:spPr>
         <p:txBody>
           <a:bodyPr>
             <a:normAutofit/>
           </a:bodyPr>
-          <a:lstStyle/>
+          <a:lstStyle>
+            <a:lvl1pPr>
+              <a:defRPr sz="1800"/>
+            </a:lvl1pPr>
+            <a:lvl2pPr>
+              <a:defRPr sz="1600"/>
+            </a:lvl2pPr>
+            <a:lvl3pPr>
+              <a:defRPr sz="1400"/>
+            </a:lvl3pPr>
+            <a:lvl4pPr>
+              <a:defRPr sz="1200"/>
+            </a:lvl4pPr>
+            <a:lvl5pPr>
+              <a:defRPr sz="1200"/>
+            </a:lvl5pPr>
+            <a:lvl6pPr>
+              <a:defRPr sz="1200"/>
+            </a:lvl6pPr>
+            <a:lvl7pPr>
+              <a:defRPr sz="1200"/>
+            </a:lvl7pPr>
+            <a:lvl8pPr>
+              <a:defRPr sz="1200"/>
+            </a:lvl8pPr>
+            <a:lvl9pPr>
+              <a:defRPr sz="1200"/>
+            </a:lvl9pPr>
+          </a:lstStyle>
           <a:p>
             <a:pPr lvl="0"/>
             <a:r>
@@ -3807,7 +3915,7 @@
     </p:spTree>
     <p:extLst>
       <p:ext uri="{BB962C8B-B14F-4D97-AF65-F5344CB8AC3E}">
-        <p14:creationId xmlns:p14="http://schemas.microsoft.com/office/powerpoint/2010/main" val="3992314785"/>
+        <p14:creationId xmlns:p14="http://schemas.microsoft.com/office/powerpoint/2010/main" val="3361429985"/>
       </p:ext>
     </p:extLst>
   </p:cSld>
@@ -3873,8 +3981,8 @@
         </p:nvSpPr>
         <p:spPr>
           <a:xfrm>
-            <a:off x="1295400" y="2658533"/>
-            <a:ext cx="4718304" cy="576262"/>
+            <a:off x="1772179" y="2658533"/>
+            <a:ext cx="4607188" cy="576262"/>
           </a:xfrm>
         </p:spPr>
         <p:txBody>
@@ -3883,16 +3991,12 @@
           </a:bodyPr>
           <a:lstStyle>
             <a:lvl1pPr marL="0" indent="0">
-              <a:spcBef>
-                <a:spcPts val="672"/>
-              </a:spcBef>
-              <a:spcAft>
-                <a:spcPts val="600"/>
-              </a:spcAft>
               <a:buNone/>
               <a:defRPr sz="2800" b="0">
                 <a:solidFill>
-                  <a:schemeClr val="accent1"/>
+                  <a:schemeClr val="accent1">
+                    <a:lumMod val="75000"/>
+                  </a:schemeClr>
                 </a:solidFill>
               </a:defRPr>
             </a:lvl1pPr>
@@ -3950,15 +4054,43 @@
         </p:nvSpPr>
         <p:spPr>
           <a:xfrm>
-            <a:off x="1295400" y="3243262"/>
-            <a:ext cx="4718304" cy="2632605"/>
+            <a:off x="1484311" y="3335337"/>
+            <a:ext cx="4895056" cy="2455862"/>
           </a:xfrm>
         </p:spPr>
         <p:txBody>
           <a:bodyPr anchor="t">
             <a:normAutofit/>
           </a:bodyPr>
-          <a:lstStyle/>
+          <a:lstStyle>
+            <a:lvl1pPr>
+              <a:defRPr sz="1800"/>
+            </a:lvl1pPr>
+            <a:lvl2pPr>
+              <a:defRPr sz="1600"/>
+            </a:lvl2pPr>
+            <a:lvl3pPr>
+              <a:defRPr sz="1400"/>
+            </a:lvl3pPr>
+            <a:lvl4pPr>
+              <a:defRPr sz="1200"/>
+            </a:lvl4pPr>
+            <a:lvl5pPr>
+              <a:defRPr sz="1200"/>
+            </a:lvl5pPr>
+            <a:lvl6pPr>
+              <a:defRPr sz="1200"/>
+            </a:lvl6pPr>
+            <a:lvl7pPr>
+              <a:defRPr sz="1200"/>
+            </a:lvl7pPr>
+            <a:lvl8pPr>
+              <a:defRPr sz="1200"/>
+            </a:lvl8pPr>
+            <a:lvl9pPr>
+              <a:defRPr sz="1200"/>
+            </a:lvl9pPr>
+          </a:lstStyle>
           <a:p>
             <a:pPr lvl="0"/>
             <a:r>
@@ -4009,8 +4141,8 @@
         </p:nvSpPr>
         <p:spPr>
           <a:xfrm>
-            <a:off x="6180670" y="2658533"/>
-            <a:ext cx="4718304" cy="576262"/>
+            <a:off x="6880487" y="2667000"/>
+            <a:ext cx="4622537" cy="576262"/>
           </a:xfrm>
         </p:spPr>
         <p:txBody>
@@ -4019,16 +4151,12 @@
           </a:bodyPr>
           <a:lstStyle>
             <a:lvl1pPr marL="0" indent="0">
-              <a:spcBef>
-                <a:spcPts val="672"/>
-              </a:spcBef>
-              <a:spcAft>
-                <a:spcPts val="600"/>
-              </a:spcAft>
               <a:buNone/>
               <a:defRPr sz="2800" b="0">
                 <a:solidFill>
-                  <a:schemeClr val="accent1"/>
+                  <a:schemeClr val="accent1">
+                    <a:lumMod val="75000"/>
+                  </a:schemeClr>
                 </a:solidFill>
               </a:defRPr>
             </a:lvl1pPr>
@@ -4086,15 +4214,43 @@
         </p:nvSpPr>
         <p:spPr>
           <a:xfrm>
-            <a:off x="6180670" y="3243262"/>
-            <a:ext cx="4718304" cy="2632605"/>
+            <a:off x="6607967" y="3335337"/>
+            <a:ext cx="4895056" cy="2455862"/>
           </a:xfrm>
         </p:spPr>
         <p:txBody>
           <a:bodyPr anchor="t">
             <a:normAutofit/>
           </a:bodyPr>
-          <a:lstStyle/>
+          <a:lstStyle>
+            <a:lvl1pPr>
+              <a:defRPr sz="1800"/>
+            </a:lvl1pPr>
+            <a:lvl2pPr>
+              <a:defRPr sz="1600"/>
+            </a:lvl2pPr>
+            <a:lvl3pPr>
+              <a:defRPr sz="1400"/>
+            </a:lvl3pPr>
+            <a:lvl4pPr>
+              <a:defRPr sz="1200"/>
+            </a:lvl4pPr>
+            <a:lvl5pPr>
+              <a:defRPr sz="1200"/>
+            </a:lvl5pPr>
+            <a:lvl6pPr>
+              <a:defRPr sz="1200"/>
+            </a:lvl6pPr>
+            <a:lvl7pPr>
+              <a:defRPr sz="1200"/>
+            </a:lvl7pPr>
+            <a:lvl8pPr>
+              <a:defRPr sz="1200"/>
+            </a:lvl8pPr>
+            <a:lvl9pPr>
+              <a:defRPr sz="1200"/>
+            </a:lvl9pPr>
+          </a:lstStyle>
           <a:p>
             <a:pPr lvl="0"/>
             <a:r>
@@ -4198,41 +4354,10 @@
           </a:p>
         </p:txBody>
       </p:sp>
-      <p:cxnSp>
-        <p:nvCxnSpPr>
-          <p:cNvPr id="18" name="Straight Connector 17"/>
-          <p:cNvCxnSpPr/>
-          <p:nvPr/>
-        </p:nvCxnSpPr>
-        <p:spPr>
-          <a:xfrm>
-            <a:off x="1396169" y="2421466"/>
-            <a:ext cx="9407298" cy="0"/>
-          </a:xfrm>
-          <a:prstGeom prst="line">
-            <a:avLst/>
-          </a:prstGeom>
-          <a:ln w="15875"/>
-        </p:spPr>
-        <p:style>
-          <a:lnRef idx="2">
-            <a:schemeClr val="accent1"/>
-          </a:lnRef>
-          <a:fillRef idx="0">
-            <a:schemeClr val="accent1"/>
-          </a:fillRef>
-          <a:effectRef idx="1">
-            <a:schemeClr val="accent1"/>
-          </a:effectRef>
-          <a:fontRef idx="minor">
-            <a:schemeClr val="tx1"/>
-          </a:fontRef>
-        </p:style>
-      </p:cxnSp>
     </p:spTree>
     <p:extLst>
       <p:ext uri="{BB962C8B-B14F-4D97-AF65-F5344CB8AC3E}">
-        <p14:creationId xmlns:p14="http://schemas.microsoft.com/office/powerpoint/2010/main" val="2859775560"/>
+        <p14:creationId xmlns:p14="http://schemas.microsoft.com/office/powerpoint/2010/main" val="27206783"/>
       </p:ext>
     </p:extLst>
   </p:cSld>
@@ -4347,41 +4472,10 @@
           </a:p>
         </p:txBody>
       </p:sp>
-      <p:cxnSp>
-        <p:nvCxnSpPr>
-          <p:cNvPr id="14" name="Straight Connector 13"/>
-          <p:cNvCxnSpPr/>
-          <p:nvPr/>
-        </p:nvCxnSpPr>
-        <p:spPr>
-          <a:xfrm>
-            <a:off x="1396169" y="2421466"/>
-            <a:ext cx="9407298" cy="0"/>
-          </a:xfrm>
-          <a:prstGeom prst="line">
-            <a:avLst/>
-          </a:prstGeom>
-          <a:ln w="15875"/>
-        </p:spPr>
-        <p:style>
-          <a:lnRef idx="2">
-            <a:schemeClr val="accent1"/>
-          </a:lnRef>
-          <a:fillRef idx="0">
-            <a:schemeClr val="accent1"/>
-          </a:fillRef>
-          <a:effectRef idx="1">
-            <a:schemeClr val="accent1"/>
-          </a:effectRef>
-          <a:fontRef idx="minor">
-            <a:schemeClr val="tx1"/>
-          </a:fontRef>
-        </p:style>
-      </p:cxnSp>
     </p:spTree>
     <p:extLst>
       <p:ext uri="{BB962C8B-B14F-4D97-AF65-F5344CB8AC3E}">
-        <p14:creationId xmlns:p14="http://schemas.microsoft.com/office/powerpoint/2010/main" val="1077351332"/>
+        <p14:creationId xmlns:p14="http://schemas.microsoft.com/office/powerpoint/2010/main" val="4221654359"/>
       </p:ext>
     </p:extLst>
   </p:cSld>
@@ -4476,7 +4570,7 @@
     </p:spTree>
     <p:extLst>
       <p:ext uri="{BB962C8B-B14F-4D97-AF65-F5344CB8AC3E}">
-        <p14:creationId xmlns:p14="http://schemas.microsoft.com/office/powerpoint/2010/main" val="3302497670"/>
+        <p14:creationId xmlns:p14="http://schemas.microsoft.com/office/powerpoint/2010/main" val="3715784935"/>
       </p:ext>
     </p:extLst>
   </p:cSld>
@@ -4515,8 +4609,8 @@
         </p:nvSpPr>
         <p:spPr>
           <a:xfrm>
-            <a:off x="1293811" y="1388534"/>
-            <a:ext cx="3718455" cy="1371600"/>
+            <a:off x="1484312" y="1600200"/>
+            <a:ext cx="3549121" cy="1371600"/>
           </a:xfrm>
         </p:spPr>
         <p:txBody>
@@ -4549,15 +4643,43 @@
         </p:nvSpPr>
         <p:spPr>
           <a:xfrm>
-            <a:off x="5418668" y="982131"/>
-            <a:ext cx="5469466" cy="4893735"/>
+            <a:off x="5262033" y="685799"/>
+            <a:ext cx="6240990" cy="5105401"/>
           </a:xfrm>
         </p:spPr>
         <p:txBody>
           <a:bodyPr anchor="ctr">
             <a:normAutofit/>
           </a:bodyPr>
-          <a:lstStyle/>
+          <a:lstStyle>
+            <a:lvl1pPr>
+              <a:defRPr sz="2000"/>
+            </a:lvl1pPr>
+            <a:lvl2pPr>
+              <a:defRPr sz="1800"/>
+            </a:lvl2pPr>
+            <a:lvl3pPr>
+              <a:defRPr sz="1600"/>
+            </a:lvl3pPr>
+            <a:lvl4pPr>
+              <a:defRPr sz="1400"/>
+            </a:lvl4pPr>
+            <a:lvl5pPr>
+              <a:defRPr sz="1400"/>
+            </a:lvl5pPr>
+            <a:lvl6pPr>
+              <a:defRPr sz="1400"/>
+            </a:lvl6pPr>
+            <a:lvl7pPr>
+              <a:defRPr sz="1400"/>
+            </a:lvl7pPr>
+            <a:lvl8pPr>
+              <a:defRPr sz="1400"/>
+            </a:lvl8pPr>
+            <a:lvl9pPr>
+              <a:defRPr sz="1400"/>
+            </a:lvl9pPr>
+          </a:lstStyle>
           <a:p>
             <a:pPr lvl="0"/>
             <a:r>
@@ -4608,12 +4730,12 @@
         </p:nvSpPr>
         <p:spPr>
           <a:xfrm>
-            <a:off x="1293811" y="3031065"/>
-            <a:ext cx="3718455" cy="2438404"/>
+            <a:off x="1484312" y="2971800"/>
+            <a:ext cx="3549121" cy="1828800"/>
           </a:xfrm>
         </p:spPr>
         <p:txBody>
-          <a:bodyPr anchor="t">
+          <a:bodyPr>
             <a:normAutofit/>
           </a:bodyPr>
           <a:lstStyle>
@@ -4728,41 +4850,10 @@
           </a:p>
         </p:txBody>
       </p:sp>
-      <p:cxnSp>
-        <p:nvCxnSpPr>
-          <p:cNvPr id="16" name="Straight Connector 15"/>
-          <p:cNvCxnSpPr/>
-          <p:nvPr/>
-        </p:nvCxnSpPr>
-        <p:spPr>
-          <a:xfrm>
-            <a:off x="1396169" y="2912533"/>
-            <a:ext cx="3514498" cy="0"/>
-          </a:xfrm>
-          <a:prstGeom prst="line">
-            <a:avLst/>
-          </a:prstGeom>
-          <a:ln w="15875"/>
-        </p:spPr>
-        <p:style>
-          <a:lnRef idx="2">
-            <a:schemeClr val="accent1"/>
-          </a:lnRef>
-          <a:fillRef idx="0">
-            <a:schemeClr val="accent1"/>
-          </a:fillRef>
-          <a:effectRef idx="1">
-            <a:schemeClr val="accent1"/>
-          </a:effectRef>
-          <a:fontRef idx="minor">
-            <a:schemeClr val="tx1"/>
-          </a:fontRef>
-        </p:style>
-      </p:cxnSp>
     </p:spTree>
     <p:extLst>
       <p:ext uri="{BB962C8B-B14F-4D97-AF65-F5344CB8AC3E}">
-        <p14:creationId xmlns:p14="http://schemas.microsoft.com/office/powerpoint/2010/main" val="3420785484"/>
+        <p14:creationId xmlns:p14="http://schemas.microsoft.com/office/powerpoint/2010/main" val="1490506672"/>
       </p:ext>
     </p:extLst>
   </p:cSld>
@@ -4801,8 +4892,8 @@
         </p:nvSpPr>
         <p:spPr>
           <a:xfrm>
-            <a:off x="1295399" y="1883832"/>
-            <a:ext cx="6241816" cy="1371600"/>
+            <a:off x="1482724" y="1752599"/>
+            <a:ext cx="5426158" cy="1371600"/>
           </a:xfrm>
         </p:spPr>
         <p:txBody>
@@ -4825,7 +4916,7 @@
       </p:sp>
       <p:sp>
         <p:nvSpPr>
-          <p:cNvPr id="17" name="Picture Placeholder 2"/>
+          <p:cNvPr id="14" name="Picture Placeholder 2"/>
           <p:cNvSpPr>
             <a:spLocks noGrp="1" noChangeAspect="1"/>
           </p:cNvSpPr>
@@ -4835,22 +4926,29 @@
         </p:nvSpPr>
         <p:spPr>
           <a:xfrm>
-            <a:off x="8094831" y="1041400"/>
-            <a:ext cx="3063347" cy="4775200"/>
+            <a:off x="7594682" y="914400"/>
+            <a:ext cx="3280974" cy="4572000"/>
           </a:xfrm>
           <a:prstGeom prst="roundRect">
             <a:avLst>
-              <a:gd name="adj" fmla="val 0"/>
+              <a:gd name="adj" fmla="val 4280"/>
             </a:avLst>
           </a:prstGeom>
-          <a:ln w="57150" cmpd="thickThin">
-            <a:solidFill>
-              <a:schemeClr val="tx1">
-                <a:lumMod val="50000"/>
-                <a:lumOff val="50000"/>
-              </a:schemeClr>
-            </a:solidFill>
-            <a:miter lim="800000"/>
+          <a:ln w="38100">
+            <a:gradFill flip="none" rotWithShape="1">
+              <a:gsLst>
+                <a:gs pos="0">
+                  <a:schemeClr val="bg2"/>
+                </a:gs>
+                <a:gs pos="100000">
+                  <a:schemeClr val="bg2">
+                    <a:lumMod val="75000"/>
+                  </a:schemeClr>
+                </a:gs>
+              </a:gsLst>
+              <a:lin ang="5400000" scaled="0"/>
+              <a:tileRect/>
+            </a:gradFill>
           </a:ln>
           <a:effectLst>
             <a:innerShdw blurRad="57150" dist="38100" dir="14460000">
@@ -4923,12 +5021,12 @@
         </p:nvSpPr>
         <p:spPr>
           <a:xfrm>
-            <a:off x="1295399" y="3255432"/>
-            <a:ext cx="6241816" cy="1828800"/>
+            <a:off x="1482724" y="3124199"/>
+            <a:ext cx="5426158" cy="1828800"/>
           </a:xfrm>
         </p:spPr>
         <p:txBody>
-          <a:bodyPr anchor="t">
+          <a:bodyPr>
             <a:normAutofit/>
           </a:bodyPr>
           <a:lstStyle>
@@ -5046,7 +5144,7 @@
     </p:spTree>
     <p:extLst>
       <p:ext uri="{BB962C8B-B14F-4D97-AF65-F5344CB8AC3E}">
-        <p14:creationId xmlns:p14="http://schemas.microsoft.com/office/powerpoint/2010/main" val="4277425856"/>
+        <p14:creationId xmlns:p14="http://schemas.microsoft.com/office/powerpoint/2010/main" val="470668569"/>
       </p:ext>
     </p:extLst>
   </p:cSld>
@@ -5061,7 +5159,7 @@
   <p:cSld>
     <p:bg>
       <p:bgRef idx="1003">
-        <a:schemeClr val="bg1"/>
+        <a:schemeClr val="bg2"/>
       </p:bgRef>
     </p:bg>
     <p:spTree>
@@ -5086,134 +5184,313 @@
         </p:nvGrpSpPr>
         <p:grpSpPr>
           <a:xfrm>
-            <a:off x="-15736" y="0"/>
-            <a:ext cx="12229962" cy="6856214"/>
-            <a:chOff x="-15736" y="0"/>
-            <a:chExt cx="12229962" cy="6856214"/>
+            <a:off x="150812" y="0"/>
+            <a:ext cx="2436813" cy="6858001"/>
+            <a:chOff x="1320800" y="0"/>
+            <a:chExt cx="2436813" cy="6858001"/>
           </a:xfrm>
         </p:grpSpPr>
-        <p:pic>
-          <p:nvPicPr>
-            <p:cNvPr id="8" name="Picture 7" descr="HD-PanelContent.png"/>
-            <p:cNvPicPr>
-              <a:picLocks noChangeAspect="1"/>
-            </p:cNvPicPr>
-            <p:nvPr/>
-          </p:nvPicPr>
-          <p:blipFill>
-            <a:blip r:embed="rId19">
-              <a:extLst>
-                <a:ext uri="{28A0092B-C50C-407E-A947-70E740481C1C}">
-                  <a14:useLocalDpi xmlns:a14="http://schemas.microsoft.com/office/drawing/2010/main" val="0"/>
-                </a:ext>
-              </a:extLst>
-            </a:blip>
-            <a:stretch>
-              <a:fillRect/>
-            </a:stretch>
-          </p:blipFill>
-          <p:spPr>
-            <a:xfrm>
-              <a:off x="0" y="0"/>
-              <a:ext cx="12188825" cy="6856214"/>
-            </a:xfrm>
-            <a:prstGeom prst="rect">
-              <a:avLst/>
-            </a:prstGeom>
-          </p:spPr>
-        </p:pic>
         <p:sp>
           <p:nvSpPr>
-            <p:cNvPr id="9" name="Rectangle 8"/>
+            <p:cNvPr id="8" name="Freeform 6"/>
             <p:cNvSpPr/>
             <p:nvPr/>
           </p:nvSpPr>
-          <p:spPr>
+          <p:spPr bwMode="auto">
             <a:xfrm>
-              <a:off x="608012" y="609600"/>
-              <a:ext cx="10972800" cy="5638800"/>
+              <a:off x="1627188" y="0"/>
+              <a:ext cx="1122363" cy="5329238"/>
             </a:xfrm>
-            <a:prstGeom prst="rect">
+            <a:custGeom>
               <a:avLst/>
-            </a:prstGeom>
-            <a:noFill/>
-            <a:ln w="15875" cap="flat">
-              <a:miter lim="800000"/>
+              <a:gdLst/>
+              <a:ahLst/>
+              <a:cxnLst/>
+              <a:rect l="0" t="0" r="r" b="b"/>
+              <a:pathLst>
+                <a:path w="707" h="3357">
+                  <a:moveTo>
+                    <a:pt x="0" y="3330"/>
+                  </a:moveTo>
+                  <a:lnTo>
+                    <a:pt x="156" y="3357"/>
+                  </a:lnTo>
+                  <a:lnTo>
+                    <a:pt x="707" y="0"/>
+                  </a:lnTo>
+                  <a:lnTo>
+                    <a:pt x="547" y="0"/>
+                  </a:lnTo>
+                  <a:lnTo>
+                    <a:pt x="0" y="3330"/>
+                  </a:lnTo>
+                  <a:close/>
+                </a:path>
+              </a:pathLst>
+            </a:custGeom>
+            <a:solidFill>
+              <a:schemeClr val="accent1"/>
+            </a:solidFill>
+            <a:ln>
+              <a:noFill/>
             </a:ln>
           </p:spPr>
-          <p:style>
-            <a:lnRef idx="1">
-              <a:schemeClr val="accent1"/>
-            </a:lnRef>
-            <a:fillRef idx="3">
-              <a:schemeClr val="accent1"/>
-            </a:fillRef>
-            <a:effectRef idx="2">
-              <a:schemeClr val="accent1"/>
-            </a:effectRef>
-            <a:fontRef idx="minor">
-              <a:schemeClr val="lt1"/>
-            </a:fontRef>
-          </p:style>
         </p:sp>
-        <p:pic>
-          <p:nvPicPr>
-            <p:cNvPr id="10" name="Picture 9" descr="HDRibbonContent-UniformTrim.png"/>
-            <p:cNvPicPr>
-              <a:picLocks noChangeAspect="1"/>
-            </p:cNvPicPr>
+        <p:sp>
+          <p:nvSpPr>
+            <p:cNvPr id="9" name="Freeform 7"/>
+            <p:cNvSpPr/>
             <p:nvPr/>
-          </p:nvPicPr>
-          <p:blipFill rotWithShape="1">
-            <a:blip r:embed="rId20">
-              <a:extLst>
-                <a:ext uri="{28A0092B-C50C-407E-A947-70E740481C1C}">
-                  <a14:useLocalDpi xmlns:a14="http://schemas.microsoft.com/office/drawing/2010/main" val="0"/>
-                </a:ext>
-              </a:extLst>
-            </a:blip>
-            <a:srcRect/>
-            <a:stretch/>
-          </p:blipFill>
-          <p:spPr>
+          </p:nvSpPr>
+          <p:spPr bwMode="auto">
             <a:xfrm>
-              <a:off x="-15736" y="3153832"/>
-              <a:ext cx="777240" cy="606425"/>
+              <a:off x="1320800" y="0"/>
+              <a:ext cx="1117600" cy="5276850"/>
             </a:xfrm>
-            <a:prstGeom prst="rect">
+            <a:custGeom>
               <a:avLst/>
-            </a:prstGeom>
+              <a:gdLst/>
+              <a:ahLst/>
+              <a:cxnLst/>
+              <a:rect l="0" t="0" r="r" b="b"/>
+              <a:pathLst>
+                <a:path w="704" h="3324">
+                  <a:moveTo>
+                    <a:pt x="704" y="0"/>
+                  </a:moveTo>
+                  <a:lnTo>
+                    <a:pt x="545" y="0"/>
+                  </a:lnTo>
+                  <a:lnTo>
+                    <a:pt x="0" y="3300"/>
+                  </a:lnTo>
+                  <a:lnTo>
+                    <a:pt x="157" y="3324"/>
+                  </a:lnTo>
+                  <a:lnTo>
+                    <a:pt x="704" y="0"/>
+                  </a:lnTo>
+                  <a:close/>
+                </a:path>
+              </a:pathLst>
+            </a:custGeom>
+            <a:solidFill>
+              <a:schemeClr val="tx1">
+                <a:lumMod val="65000"/>
+                <a:lumOff val="35000"/>
+              </a:schemeClr>
+            </a:solidFill>
+            <a:ln>
+              <a:noFill/>
+            </a:ln>
           </p:spPr>
-        </p:pic>
-        <p:pic>
-          <p:nvPicPr>
-            <p:cNvPr id="11" name="Picture 10" descr="HDRibbonContent-UniformTrim.png"/>
-            <p:cNvPicPr>
-              <a:picLocks noChangeAspect="1"/>
-            </p:cNvPicPr>
+        </p:sp>
+        <p:sp>
+          <p:nvSpPr>
+            <p:cNvPr id="10" name="Freeform 8"/>
+            <p:cNvSpPr/>
             <p:nvPr/>
-          </p:nvPicPr>
-          <p:blipFill rotWithShape="1">
-            <a:blip r:embed="rId20">
-              <a:extLst>
-                <a:ext uri="{28A0092B-C50C-407E-A947-70E740481C1C}">
-                  <a14:useLocalDpi xmlns:a14="http://schemas.microsoft.com/office/drawing/2010/main" val="0"/>
-                </a:ext>
-              </a:extLst>
-            </a:blip>
-            <a:srcRect/>
-            <a:stretch/>
-          </p:blipFill>
-          <p:spPr>
+          </p:nvSpPr>
+          <p:spPr bwMode="auto">
             <a:xfrm>
-              <a:off x="11436986" y="3153832"/>
-              <a:ext cx="777240" cy="606425"/>
+              <a:off x="1320800" y="5238750"/>
+              <a:ext cx="1228725" cy="1619250"/>
             </a:xfrm>
-            <a:prstGeom prst="rect">
+            <a:custGeom>
               <a:avLst/>
-            </a:prstGeom>
+              <a:gdLst/>
+              <a:ahLst/>
+              <a:cxnLst/>
+              <a:rect l="0" t="0" r="r" b="b"/>
+              <a:pathLst>
+                <a:path w="774" h="1020">
+                  <a:moveTo>
+                    <a:pt x="0" y="0"/>
+                  </a:moveTo>
+                  <a:lnTo>
+                    <a:pt x="740" y="1020"/>
+                  </a:lnTo>
+                  <a:lnTo>
+                    <a:pt x="774" y="1020"/>
+                  </a:lnTo>
+                  <a:lnTo>
+                    <a:pt x="0" y="0"/>
+                  </a:lnTo>
+                  <a:close/>
+                </a:path>
+              </a:pathLst>
+            </a:custGeom>
+            <a:solidFill>
+              <a:schemeClr val="tx1">
+                <a:lumMod val="85000"/>
+                <a:lumOff val="15000"/>
+              </a:schemeClr>
+            </a:solidFill>
+            <a:ln>
+              <a:noFill/>
+            </a:ln>
           </p:spPr>
-        </p:pic>
+        </p:sp>
+        <p:sp>
+          <p:nvSpPr>
+            <p:cNvPr id="11" name="Freeform 9"/>
+            <p:cNvSpPr/>
+            <p:nvPr/>
+          </p:nvSpPr>
+          <p:spPr bwMode="auto">
+            <a:xfrm>
+              <a:off x="1627188" y="5291138"/>
+              <a:ext cx="1495425" cy="1566863"/>
+            </a:xfrm>
+            <a:custGeom>
+              <a:avLst/>
+              <a:gdLst/>
+              <a:ahLst/>
+              <a:cxnLst/>
+              <a:rect l="0" t="0" r="r" b="b"/>
+              <a:pathLst>
+                <a:path w="942" h="987">
+                  <a:moveTo>
+                    <a:pt x="0" y="0"/>
+                  </a:moveTo>
+                  <a:lnTo>
+                    <a:pt x="909" y="987"/>
+                  </a:lnTo>
+                  <a:lnTo>
+                    <a:pt x="942" y="987"/>
+                  </a:lnTo>
+                  <a:lnTo>
+                    <a:pt x="0" y="0"/>
+                  </a:lnTo>
+                  <a:close/>
+                </a:path>
+              </a:pathLst>
+            </a:custGeom>
+            <a:solidFill>
+              <a:schemeClr val="accent1">
+                <a:lumMod val="50000"/>
+              </a:schemeClr>
+            </a:solidFill>
+            <a:ln>
+              <a:noFill/>
+            </a:ln>
+          </p:spPr>
+        </p:sp>
+        <p:sp>
+          <p:nvSpPr>
+            <p:cNvPr id="12" name="Freeform 10"/>
+            <p:cNvSpPr/>
+            <p:nvPr/>
+          </p:nvSpPr>
+          <p:spPr bwMode="auto">
+            <a:xfrm>
+              <a:off x="1627188" y="5286375"/>
+              <a:ext cx="2130425" cy="1571625"/>
+            </a:xfrm>
+            <a:custGeom>
+              <a:avLst/>
+              <a:gdLst/>
+              <a:ahLst/>
+              <a:cxnLst/>
+              <a:rect l="0" t="0" r="r" b="b"/>
+              <a:pathLst>
+                <a:path w="1342" h="990">
+                  <a:moveTo>
+                    <a:pt x="0" y="3"/>
+                  </a:moveTo>
+                  <a:lnTo>
+                    <a:pt x="942" y="990"/>
+                  </a:lnTo>
+                  <a:lnTo>
+                    <a:pt x="1342" y="990"/>
+                  </a:lnTo>
+                  <a:lnTo>
+                    <a:pt x="156" y="27"/>
+                  </a:lnTo>
+                  <a:lnTo>
+                    <a:pt x="0" y="0"/>
+                  </a:lnTo>
+                  <a:lnTo>
+                    <a:pt x="0" y="3"/>
+                  </a:lnTo>
+                  <a:close/>
+                </a:path>
+              </a:pathLst>
+            </a:custGeom>
+            <a:solidFill>
+              <a:schemeClr val="accent1">
+                <a:lumMod val="75000"/>
+              </a:schemeClr>
+            </a:solidFill>
+            <a:ln>
+              <a:noFill/>
+            </a:ln>
+          </p:spPr>
+        </p:sp>
+        <p:sp>
+          <p:nvSpPr>
+            <p:cNvPr id="13" name="Freeform 11"/>
+            <p:cNvSpPr/>
+            <p:nvPr/>
+          </p:nvSpPr>
+          <p:spPr bwMode="auto">
+            <a:xfrm>
+              <a:off x="1320800" y="5238750"/>
+              <a:ext cx="1695450" cy="1619250"/>
+            </a:xfrm>
+            <a:custGeom>
+              <a:avLst/>
+              <a:gdLst/>
+              <a:ahLst/>
+              <a:cxnLst/>
+              <a:rect l="0" t="0" r="r" b="b"/>
+              <a:pathLst>
+                <a:path w="1068" h="1020">
+                  <a:moveTo>
+                    <a:pt x="1068" y="1020"/>
+                  </a:moveTo>
+                  <a:lnTo>
+                    <a:pt x="184" y="60"/>
+                  </a:lnTo>
+                  <a:lnTo>
+                    <a:pt x="154" y="27"/>
+                  </a:lnTo>
+                  <a:lnTo>
+                    <a:pt x="157" y="27"/>
+                  </a:lnTo>
+                  <a:lnTo>
+                    <a:pt x="157" y="24"/>
+                  </a:lnTo>
+                  <a:lnTo>
+                    <a:pt x="154" y="24"/>
+                  </a:lnTo>
+                  <a:lnTo>
+                    <a:pt x="0" y="0"/>
+                  </a:lnTo>
+                  <a:lnTo>
+                    <a:pt x="0" y="0"/>
+                  </a:lnTo>
+                  <a:lnTo>
+                    <a:pt x="774" y="1020"/>
+                  </a:lnTo>
+                  <a:lnTo>
+                    <a:pt x="1068" y="1020"/>
+                  </a:lnTo>
+                  <a:close/>
+                </a:path>
+              </a:pathLst>
+            </a:custGeom>
+            <a:solidFill>
+              <a:schemeClr val="tx1">
+                <a:lumMod val="75000"/>
+                <a:lumOff val="25000"/>
+              </a:schemeClr>
+            </a:solidFill>
+            <a:ln>
+              <a:noFill/>
+            </a:ln>
+          </p:spPr>
+        </p:sp>
       </p:grpSp>
       <p:sp>
         <p:nvSpPr>
@@ -5227,8 +5504,8 @@
         </p:nvSpPr>
         <p:spPr>
           <a:xfrm>
-            <a:off x="1295402" y="982132"/>
-            <a:ext cx="9601196" cy="1303867"/>
+            <a:off x="1484311" y="685800"/>
+            <a:ext cx="10018713" cy="1752599"/>
           </a:xfrm>
           <a:prstGeom prst="rect">
             <a:avLst/>
@@ -5261,15 +5538,15 @@
         </p:nvSpPr>
         <p:spPr>
           <a:xfrm>
-            <a:off x="1295401" y="2556932"/>
-            <a:ext cx="9601196" cy="3318936"/>
+            <a:off x="1484310" y="2666999"/>
+            <a:ext cx="10018713" cy="3124201"/>
           </a:xfrm>
           <a:prstGeom prst="rect">
             <a:avLst/>
           </a:prstGeom>
         </p:spPr>
         <p:txBody>
-          <a:bodyPr vert="horz" lIns="91440" tIns="45720" rIns="91440" bIns="45720" rtlCol="0" anchor="t">
+          <a:bodyPr vert="horz" lIns="91440" tIns="45720" rIns="91440" bIns="45720" rtlCol="0" anchor="ctr">
             <a:normAutofit/>
           </a:bodyPr>
           <a:lstStyle/>
@@ -5323,8 +5600,8 @@
         </p:nvSpPr>
         <p:spPr>
           <a:xfrm>
-            <a:off x="8677501" y="5969000"/>
-            <a:ext cx="1600200" cy="279400"/>
+            <a:off x="9732656" y="5883275"/>
+            <a:ext cx="1143000" cy="365125"/>
           </a:xfrm>
           <a:prstGeom prst="rect">
             <a:avLst/>
@@ -5364,8 +5641,8 @@
         </p:nvSpPr>
         <p:spPr>
           <a:xfrm>
-            <a:off x="1295401" y="5969000"/>
-            <a:ext cx="7305900" cy="279400"/>
+            <a:off x="2572279" y="5883275"/>
+            <a:ext cx="7084177" cy="365125"/>
           </a:xfrm>
           <a:prstGeom prst="rect">
             <a:avLst/>
@@ -5401,8 +5678,8 @@
         </p:nvSpPr>
         <p:spPr>
           <a:xfrm>
-            <a:off x="10353901" y="5969000"/>
-            <a:ext cx="542697" cy="279400"/>
+            <a:off x="10951856" y="5883275"/>
+            <a:ext cx="551167" cy="365125"/>
           </a:xfrm>
           <a:prstGeom prst="rect">
             <a:avLst/>
@@ -5433,29 +5710,29 @@
     </p:spTree>
     <p:extLst>
       <p:ext uri="{BB962C8B-B14F-4D97-AF65-F5344CB8AC3E}">
-        <p14:creationId xmlns:p14="http://schemas.microsoft.com/office/powerpoint/2010/main" val="1462414406"/>
+        <p14:creationId xmlns:p14="http://schemas.microsoft.com/office/powerpoint/2010/main" val="976696726"/>
       </p:ext>
     </p:extLst>
   </p:cSld>
   <p:clrMap bg1="lt1" tx1="dk1" bg2="lt2" tx2="dk2" accent1="accent1" accent2="accent2" accent3="accent3" accent4="accent4" accent5="accent5" accent6="accent6" hlink="hlink" folHlink="folHlink"/>
   <p:sldLayoutIdLst>
-    <p:sldLayoutId id="2147483661" r:id="rId1"/>
-    <p:sldLayoutId id="2147483662" r:id="rId2"/>
-    <p:sldLayoutId id="2147483663" r:id="rId3"/>
-    <p:sldLayoutId id="2147483664" r:id="rId4"/>
-    <p:sldLayoutId id="2147483665" r:id="rId5"/>
-    <p:sldLayoutId id="2147483666" r:id="rId6"/>
-    <p:sldLayoutId id="2147483667" r:id="rId7"/>
-    <p:sldLayoutId id="2147483668" r:id="rId8"/>
-    <p:sldLayoutId id="2147483669" r:id="rId9"/>
-    <p:sldLayoutId id="2147483670" r:id="rId10"/>
-    <p:sldLayoutId id="2147483671" r:id="rId11"/>
-    <p:sldLayoutId id="2147483672" r:id="rId12"/>
-    <p:sldLayoutId id="2147483673" r:id="rId13"/>
-    <p:sldLayoutId id="2147483674" r:id="rId14"/>
-    <p:sldLayoutId id="2147483675" r:id="rId15"/>
-    <p:sldLayoutId id="2147483676" r:id="rId16"/>
-    <p:sldLayoutId id="2147483677" r:id="rId17"/>
+    <p:sldLayoutId id="2147483679" r:id="rId1"/>
+    <p:sldLayoutId id="2147483680" r:id="rId2"/>
+    <p:sldLayoutId id="2147483681" r:id="rId3"/>
+    <p:sldLayoutId id="2147483682" r:id="rId4"/>
+    <p:sldLayoutId id="2147483683" r:id="rId5"/>
+    <p:sldLayoutId id="2147483684" r:id="rId6"/>
+    <p:sldLayoutId id="2147483685" r:id="rId7"/>
+    <p:sldLayoutId id="2147483686" r:id="rId8"/>
+    <p:sldLayoutId id="2147483687" r:id="rId9"/>
+    <p:sldLayoutId id="2147483688" r:id="rId10"/>
+    <p:sldLayoutId id="2147483689" r:id="rId11"/>
+    <p:sldLayoutId id="2147483690" r:id="rId12"/>
+    <p:sldLayoutId id="2147483691" r:id="rId13"/>
+    <p:sldLayoutId id="2147483692" r:id="rId14"/>
+    <p:sldLayoutId id="2147483693" r:id="rId15"/>
+    <p:sldLayoutId id="2147483694" r:id="rId16"/>
+    <p:sldLayoutId id="2147483695" r:id="rId17"/>
   </p:sldLayoutIdLst>
   <p:txStyles>
     <p:titleStyle>
@@ -5464,15 +5741,12 @@
           <a:spcPct val="0"/>
         </a:spcBef>
         <a:buNone/>
-        <a:defRPr sz="4400" kern="1200" cap="none">
+        <a:defRPr sz="4000" kern="1200" cap="none">
           <a:ln w="3175" cmpd="sng">
             <a:noFill/>
           </a:ln>
           <a:solidFill>
-            <a:schemeClr val="tx1">
-              <a:lumMod val="85000"/>
-              <a:lumOff val="15000"/>
-            </a:schemeClr>
+            <a:schemeClr val="tx1"/>
           </a:solidFill>
           <a:effectLst/>
           <a:latin typeface="+mj-lt"/>
@@ -5546,17 +5820,16 @@
           <a:spcPts val="600"/>
         </a:spcAft>
         <a:buClr>
-          <a:schemeClr val="accent1"/>
+          <a:schemeClr val="accent1">
+            <a:lumMod val="75000"/>
+          </a:schemeClr>
         </a:buClr>
-        <a:buSzPct val="115000"/>
+        <a:buSzPct val="145000"/>
         <a:buFont typeface="Arial"/>
         <a:buChar char="•"/>
         <a:defRPr sz="2400" kern="1200" cap="none">
           <a:solidFill>
-            <a:schemeClr val="tx1">
-              <a:lumMod val="85000"/>
-              <a:lumOff val="15000"/>
-            </a:schemeClr>
+            <a:schemeClr val="tx1"/>
           </a:solidFill>
           <a:effectLst/>
           <a:latin typeface="+mn-lt"/>
@@ -5572,17 +5845,16 @@
           <a:spcPts val="600"/>
         </a:spcAft>
         <a:buClr>
-          <a:schemeClr val="accent1"/>
+          <a:schemeClr val="accent1">
+            <a:lumMod val="75000"/>
+          </a:schemeClr>
         </a:buClr>
-        <a:buSzPct val="115000"/>
+        <a:buSzPct val="145000"/>
         <a:buFont typeface="Arial"/>
         <a:buChar char="•"/>
         <a:defRPr sz="2000" kern="1200" cap="none">
           <a:solidFill>
-            <a:schemeClr val="tx1">
-              <a:lumMod val="85000"/>
-              <a:lumOff val="15000"/>
-            </a:schemeClr>
+            <a:schemeClr val="tx1"/>
           </a:solidFill>
           <a:effectLst/>
           <a:latin typeface="+mn-lt"/>
@@ -5598,17 +5870,16 @@
           <a:spcPts val="600"/>
         </a:spcAft>
         <a:buClr>
-          <a:schemeClr val="accent1"/>
+          <a:schemeClr val="accent1">
+            <a:lumMod val="75000"/>
+          </a:schemeClr>
         </a:buClr>
-        <a:buSzPct val="115000"/>
+        <a:buSzPct val="145000"/>
         <a:buFont typeface="Arial"/>
         <a:buChar char="•"/>
         <a:defRPr sz="1800" kern="1200" cap="none">
           <a:solidFill>
-            <a:schemeClr val="tx1">
-              <a:lumMod val="85000"/>
-              <a:lumOff val="15000"/>
-            </a:schemeClr>
+            <a:schemeClr val="tx1"/>
           </a:solidFill>
           <a:effectLst/>
           <a:latin typeface="+mn-lt"/>
@@ -5624,17 +5895,16 @@
           <a:spcPts val="600"/>
         </a:spcAft>
         <a:buClr>
-          <a:schemeClr val="accent1"/>
+          <a:schemeClr val="accent1">
+            <a:lumMod val="75000"/>
+          </a:schemeClr>
         </a:buClr>
-        <a:buSzPct val="115000"/>
+        <a:buSzPct val="145000"/>
         <a:buFont typeface="Arial"/>
         <a:buChar char="•"/>
         <a:defRPr sz="1600" kern="1200" cap="none">
           <a:solidFill>
-            <a:schemeClr val="tx1">
-              <a:lumMod val="85000"/>
-              <a:lumOff val="15000"/>
-            </a:schemeClr>
+            <a:schemeClr val="tx1"/>
           </a:solidFill>
           <a:effectLst/>
           <a:latin typeface="+mn-lt"/>
@@ -5650,17 +5920,16 @@
           <a:spcPts val="600"/>
         </a:spcAft>
         <a:buClr>
-          <a:schemeClr val="accent1"/>
+          <a:schemeClr val="accent1">
+            <a:lumMod val="75000"/>
+          </a:schemeClr>
         </a:buClr>
-        <a:buSzPct val="115000"/>
+        <a:buSzPct val="145000"/>
         <a:buFont typeface="Arial"/>
         <a:buChar char="•"/>
         <a:defRPr sz="1400" kern="1200" cap="none">
           <a:solidFill>
-            <a:schemeClr val="tx1">
-              <a:lumMod val="85000"/>
-              <a:lumOff val="15000"/>
-            </a:schemeClr>
+            <a:schemeClr val="tx1"/>
           </a:solidFill>
           <a:effectLst/>
           <a:latin typeface="+mn-lt"/>
@@ -5676,17 +5945,16 @@
           <a:spcPts val="600"/>
         </a:spcAft>
         <a:buClr>
-          <a:schemeClr val="accent1"/>
+          <a:schemeClr val="accent1">
+            <a:lumMod val="75000"/>
+          </a:schemeClr>
         </a:buClr>
-        <a:buSzPct val="115000"/>
+        <a:buSzPct val="145000"/>
         <a:buFont typeface="Arial"/>
         <a:buChar char="•"/>
         <a:defRPr sz="1400" kern="1200" cap="none">
           <a:solidFill>
-            <a:schemeClr val="tx1">
-              <a:lumMod val="85000"/>
-              <a:lumOff val="15000"/>
-            </a:schemeClr>
+            <a:schemeClr val="tx1"/>
           </a:solidFill>
           <a:effectLst/>
           <a:latin typeface="+mn-lt"/>
@@ -5702,17 +5970,16 @@
           <a:spcPts val="600"/>
         </a:spcAft>
         <a:buClr>
-          <a:schemeClr val="accent1"/>
+          <a:schemeClr val="accent1">
+            <a:lumMod val="75000"/>
+          </a:schemeClr>
         </a:buClr>
-        <a:buSzPct val="115000"/>
+        <a:buSzPct val="145000"/>
         <a:buFont typeface="Arial"/>
         <a:buChar char="•"/>
         <a:defRPr sz="1400" kern="1200" cap="none">
           <a:solidFill>
-            <a:schemeClr val="tx1">
-              <a:lumMod val="85000"/>
-              <a:lumOff val="15000"/>
-            </a:schemeClr>
+            <a:schemeClr val="tx1"/>
           </a:solidFill>
           <a:effectLst/>
           <a:latin typeface="+mn-lt"/>
@@ -5728,17 +5995,16 @@
           <a:spcPts val="600"/>
         </a:spcAft>
         <a:buClr>
-          <a:schemeClr val="accent1"/>
+          <a:schemeClr val="accent1">
+            <a:lumMod val="75000"/>
+          </a:schemeClr>
         </a:buClr>
-        <a:buSzPct val="115000"/>
+        <a:buSzPct val="145000"/>
         <a:buFont typeface="Arial"/>
         <a:buChar char="•"/>
         <a:defRPr sz="1400" kern="1200" cap="none">
           <a:solidFill>
-            <a:schemeClr val="tx1">
-              <a:lumMod val="85000"/>
-              <a:lumOff val="15000"/>
-            </a:schemeClr>
+            <a:schemeClr val="tx1"/>
           </a:solidFill>
           <a:effectLst/>
           <a:latin typeface="+mn-lt"/>
@@ -5754,17 +6020,16 @@
           <a:spcPts val="600"/>
         </a:spcAft>
         <a:buClr>
-          <a:schemeClr val="accent1"/>
+          <a:schemeClr val="accent1">
+            <a:lumMod val="75000"/>
+          </a:schemeClr>
         </a:buClr>
-        <a:buSzPct val="115000"/>
+        <a:buSzPct val="145000"/>
         <a:buFont typeface="Arial"/>
         <a:buChar char="•"/>
         <a:defRPr sz="1400" kern="1200" cap="none">
           <a:solidFill>
-            <a:schemeClr val="tx1">
-              <a:lumMod val="85000"/>
-              <a:lumOff val="15000"/>
-            </a:schemeClr>
+            <a:schemeClr val="tx1"/>
           </a:solidFill>
           <a:effectLst/>
           <a:latin typeface="+mn-lt"/>
@@ -5905,19 +6170,24 @@
             <p:ph type="ctrTitle"/>
           </p:nvPr>
         </p:nvSpPr>
-        <p:spPr/>
+        <p:spPr>
+          <a:xfrm>
+            <a:off x="3115778" y="860384"/>
+            <a:ext cx="8574622" cy="1320802"/>
+          </a:xfrm>
+        </p:spPr>
         <p:txBody>
           <a:bodyPr/>
           <a:lstStyle/>
           <a:p>
             <a:r>
-              <a:rPr lang="fa-IR" dirty="0">
-                <a:cs typeface="B Bardiya" panose="00000400000000000000" pitchFamily="2" charset="-78"/>
+              <a:rPr lang="fa-IR" sz="4400" dirty="0">
+                <a:cs typeface="B Titr" panose="00000700000000000000" pitchFamily="2" charset="-78"/>
               </a:rPr>
               <a:t>به نام خداوند بخشنده مهربان</a:t>
             </a:r>
-            <a:endParaRPr lang="de-DE" dirty="0">
-              <a:cs typeface="B Bardiya" panose="00000400000000000000" pitchFamily="2" charset="-78"/>
+            <a:endParaRPr lang="de-DE" sz="4400" dirty="0">
+              <a:cs typeface="B Titr" panose="00000700000000000000" pitchFamily="2" charset="-78"/>
             </a:endParaRPr>
           </a:p>
         </p:txBody>
@@ -5941,21 +6211,95 @@
         <p:spPr>
           <a:xfrm>
             <a:off x="2692398" y="4016413"/>
-            <a:ext cx="6815669" cy="1320802"/>
+            <a:ext cx="8685136" cy="1320802"/>
           </a:xfrm>
         </p:spPr>
         <p:txBody>
           <a:bodyPr>
-            <a:normAutofit/>
+            <a:normAutofit lnSpcReduction="10000"/>
           </a:bodyPr>
           <a:lstStyle/>
           <a:p>
+            <a:pPr algn="ctr"/>
             <a:r>
               <a:rPr lang="fa-IR" sz="2400" dirty="0">
-                <a:cs typeface="B Bardiya" panose="00000400000000000000" pitchFamily="2" charset="-78"/>
-              </a:rPr>
-              <a:t>پروژه دیتا ساینس دانشکار</a:t>
-            </a:r>
+                <a:cs typeface="B Nazanin" panose="00000400000000000000" pitchFamily="2" charset="-78"/>
+              </a:rPr>
+              <a:t>پروژه دیتا </a:t>
+            </a:r>
+            <a:r>
+              <a:rPr lang="fa-IR" sz="2400" dirty="0" err="1">
+                <a:cs typeface="B Nazanin" panose="00000400000000000000" pitchFamily="2" charset="-78"/>
+              </a:rPr>
+              <a:t>ساینس</a:t>
+            </a:r>
+            <a:r>
+              <a:rPr lang="fa-IR" sz="2400" dirty="0">
+                <a:cs typeface="B Nazanin" panose="00000400000000000000" pitchFamily="2" charset="-78"/>
+              </a:rPr>
+              <a:t> </a:t>
+            </a:r>
+            <a:r>
+              <a:rPr lang="fa-IR" sz="2400" dirty="0" err="1">
+                <a:cs typeface="B Nazanin" panose="00000400000000000000" pitchFamily="2" charset="-78"/>
+              </a:rPr>
+              <a:t>دانشکار</a:t>
+            </a:r>
+            <a:endParaRPr lang="fa-IR" sz="2400" dirty="0">
+              <a:cs typeface="B Nazanin" panose="00000400000000000000" pitchFamily="2" charset="-78"/>
+            </a:endParaRPr>
+          </a:p>
+          <a:p>
+            <a:r>
+              <a:rPr lang="fa-IR" sz="2400" dirty="0">
+                <a:cs typeface="B Nazanin" panose="00000400000000000000" pitchFamily="2" charset="-78"/>
+              </a:rPr>
+              <a:t>اعضا تیم:</a:t>
+            </a:r>
+            <a:br>
+              <a:rPr lang="fa-IR" sz="2400" dirty="0">
+                <a:cs typeface="B Nazanin" panose="00000400000000000000" pitchFamily="2" charset="-78"/>
+              </a:rPr>
+            </a:br>
+            <a:r>
+              <a:rPr lang="fa-IR" sz="2400" dirty="0">
+                <a:cs typeface="B Nazanin" panose="00000400000000000000" pitchFamily="2" charset="-78"/>
+              </a:rPr>
+              <a:t>یاسمن </a:t>
+            </a:r>
+            <a:r>
+              <a:rPr lang="fa-IR" sz="2400" dirty="0" err="1">
+                <a:cs typeface="B Nazanin" panose="00000400000000000000" pitchFamily="2" charset="-78"/>
+              </a:rPr>
+              <a:t>خلج</a:t>
+            </a:r>
+            <a:r>
+              <a:rPr lang="fa-IR" sz="2400" dirty="0">
+                <a:cs typeface="B Nazanin" panose="00000400000000000000" pitchFamily="2" charset="-78"/>
+              </a:rPr>
+              <a:t>- </a:t>
+            </a:r>
+            <a:r>
+              <a:rPr lang="fa-IR" sz="2400" dirty="0" err="1">
+                <a:cs typeface="B Nazanin" panose="00000400000000000000" pitchFamily="2" charset="-78"/>
+              </a:rPr>
+              <a:t>خدیجه</a:t>
+            </a:r>
+            <a:r>
+              <a:rPr lang="fa-IR" sz="2400" dirty="0">
+                <a:cs typeface="B Nazanin" panose="00000400000000000000" pitchFamily="2" charset="-78"/>
+              </a:rPr>
+              <a:t> شیروانی- سیاوش </a:t>
+            </a:r>
+            <a:r>
+              <a:rPr lang="fa-IR" sz="2400" dirty="0" err="1">
+                <a:cs typeface="B Nazanin" panose="00000400000000000000" pitchFamily="2" charset="-78"/>
+              </a:rPr>
+              <a:t>میرزابابایی</a:t>
+            </a:r>
+            <a:endParaRPr lang="fa-IR" sz="2400" dirty="0">
+              <a:cs typeface="B Nazanin" panose="00000400000000000000" pitchFamily="2" charset="-78"/>
+            </a:endParaRPr>
           </a:p>
         </p:txBody>
       </p:sp>
@@ -6003,8 +6347,8 @@
         </p:nvSpPr>
         <p:spPr>
           <a:xfrm>
-            <a:off x="1000315" y="1414453"/>
-            <a:ext cx="10291601" cy="2862322"/>
+            <a:off x="950198" y="1444873"/>
+            <a:ext cx="10291601" cy="2554545"/>
           </a:xfrm>
           <a:prstGeom prst="rect">
             <a:avLst/>
@@ -6019,86 +6363,100 @@
           <a:p>
             <a:pPr algn="r" rtl="1"/>
             <a:r>
-              <a:rPr lang="ar-SA" dirty="0">
-                <a:cs typeface="B Nazanin" panose="00000400000000000000"/>
+              <a:rPr lang="ar-SA" sz="2000" dirty="0">
+                <a:cs typeface="B Nazanin" panose="00000400000000000000" pitchFamily="2" charset="-78"/>
               </a:rPr>
               <a:t>سوال </a:t>
             </a:r>
             <a:r>
-              <a:rPr lang="en-US" dirty="0">
-                <a:cs typeface="B Nazanin" panose="00000400000000000000"/>
+              <a:rPr lang="en-US" sz="2000" dirty="0">
+                <a:cs typeface="B Nazanin" panose="00000400000000000000" pitchFamily="2" charset="-78"/>
               </a:rPr>
               <a:t>9</a:t>
             </a:r>
             <a:r>
-              <a:rPr lang="ar-SA" dirty="0">
-                <a:cs typeface="B Nazanin" panose="00000400000000000000"/>
+              <a:rPr lang="ar-SA" sz="2000" dirty="0">
+                <a:cs typeface="B Nazanin" panose="00000400000000000000" pitchFamily="2" charset="-78"/>
               </a:rPr>
               <a:t>:</a:t>
             </a:r>
-            <a:endParaRPr lang="en-US" dirty="0">
-              <a:cs typeface="B Nazanin" panose="00000400000000000000"/>
-            </a:endParaRPr>
-          </a:p>
-          <a:p>
-            <a:pPr algn="r" rtl="1"/>
-            <a:endParaRPr lang="en-US" dirty="0">
+            <a:r>
+              <a:rPr lang="fa-IR" sz="2000" dirty="0">
+                <a:cs typeface="B Nazanin" panose="00000400000000000000" pitchFamily="2" charset="-78"/>
+              </a:rPr>
+              <a:t> </a:t>
+            </a:r>
+            <a:r>
+              <a:rPr lang="fa-IR" sz="2000" dirty="0" err="1">
+                <a:cs typeface="B Nazanin" panose="00000400000000000000" pitchFamily="2" charset="-78"/>
+              </a:rPr>
+              <a:t>بازیکنی</a:t>
+            </a:r>
+            <a:r>
+              <a:rPr lang="fa-IR" sz="2000" dirty="0">
+                <a:cs typeface="B Nazanin" panose="00000400000000000000" pitchFamily="2" charset="-78"/>
+              </a:rPr>
+              <a:t> که در یک ماه بیشترین تورنمنت را برده است</a:t>
+            </a:r>
+            <a:r>
+              <a:rPr lang="en-US" sz="2000" dirty="0">
+                <a:cs typeface="B Nazanin" panose="00000400000000000000" pitchFamily="2" charset="-78"/>
+              </a:rPr>
+              <a:t>.</a:t>
+            </a:r>
+            <a:endParaRPr lang="fa-IR" sz="2000" dirty="0">
               <a:cs typeface="B Nazanin" panose="00000400000000000000" pitchFamily="2" charset="-78"/>
             </a:endParaRPr>
           </a:p>
           <a:p>
             <a:pPr algn="r" rtl="1"/>
-            <a:endParaRPr lang="en-US" dirty="0">
+            <a:endParaRPr lang="fa-IR" sz="2000" dirty="0">
               <a:cs typeface="B Nazanin" panose="00000400000000000000" pitchFamily="2" charset="-78"/>
             </a:endParaRPr>
           </a:p>
           <a:p>
             <a:pPr algn="r" rtl="1"/>
-            <a:endParaRPr lang="fa-IR" dirty="0">
+            <a:r>
+              <a:rPr lang="fa-IR" sz="2000" b="1" dirty="0">
+                <a:cs typeface="B Nazanin" panose="00000400000000000000" pitchFamily="2" charset="-78"/>
+              </a:rPr>
+              <a:t>خلاصه:</a:t>
+            </a:r>
+            <a:br>
+              <a:rPr lang="fa-IR" sz="2000" dirty="0">
+                <a:cs typeface="B Nazanin" panose="00000400000000000000" pitchFamily="2" charset="-78"/>
+              </a:rPr>
+            </a:br>
+            <a:r>
+              <a:rPr lang="fa-IR" sz="2000" dirty="0">
+                <a:cs typeface="B Nazanin" panose="00000400000000000000" pitchFamily="2" charset="-78"/>
+              </a:rPr>
+              <a:t>در بررسی عملکرد بازیکنان، مشخص شد که یک بازیکن خاص توانسته در یک ماه بیشترین تعداد تورنمنت‌های قهرمانی را کسب کند که این رکورد نشان‌دهنده عملکرد فوق‌العاده و پیوسته او در آن بازه زمانی است.</a:t>
+            </a:r>
+          </a:p>
+          <a:p>
+            <a:pPr algn="r" rtl="1"/>
+            <a:endParaRPr lang="fa-IR" sz="2000" dirty="0">
               <a:cs typeface="B Nazanin" panose="00000400000000000000" pitchFamily="2" charset="-78"/>
             </a:endParaRPr>
           </a:p>
           <a:p>
             <a:pPr algn="r" rtl="1"/>
             <a:r>
-              <a:rPr lang="fa-IR" b="1" dirty="0"/>
-              <a:t>موضوع:</a:t>
-            </a:r>
-            <a:r>
-              <a:rPr lang="fa-IR" dirty="0"/>
-              <a:t> بازیکنی که در یک ماه بیشترین تورنمنت را برده است</a:t>
-            </a:r>
-            <a:r>
-              <a:rPr lang="en-US" dirty="0"/>
-              <a:t>.</a:t>
-            </a:r>
-            <a:endParaRPr lang="fa-IR" dirty="0"/>
-          </a:p>
-          <a:p>
-            <a:pPr algn="r" rtl="1"/>
-            <a:r>
-              <a:rPr lang="fa-IR" b="1" dirty="0"/>
-              <a:t>خلاصه:</a:t>
+              <a:rPr lang="fa-IR" sz="2000" b="1" dirty="0">
+                <a:cs typeface="B Nazanin" panose="00000400000000000000" pitchFamily="2" charset="-78"/>
+              </a:rPr>
+              <a:t>نتیجه اصلی:</a:t>
             </a:r>
             <a:br>
-              <a:rPr lang="fa-IR" dirty="0"/>
+              <a:rPr lang="fa-IR" sz="2000" dirty="0">
+                <a:cs typeface="B Nazanin" panose="00000400000000000000" pitchFamily="2" charset="-78"/>
+              </a:rPr>
             </a:br>
             <a:r>
-              <a:rPr lang="fa-IR" dirty="0"/>
-              <a:t>در بررسی عملکرد بازیکنان، مشخص شد که یک بازیکن خاص توانسته در یک ماه بیشترین تعداد تورنمنت‌های قهرمانی را کسب کند که این رکورد نشان‌دهنده عملکرد فوق‌العاده و پیوسته او در آن بازه زمانی است.</a:t>
-            </a:r>
-          </a:p>
-          <a:p>
-            <a:pPr algn="r" rtl="1"/>
-            <a:r>
-              <a:rPr lang="fa-IR" b="1" dirty="0"/>
-              <a:t>نتیجه اصلی:</a:t>
-            </a:r>
-            <a:br>
-              <a:rPr lang="fa-IR" dirty="0"/>
-            </a:br>
-            <a:r>
-              <a:rPr lang="fa-IR" dirty="0"/>
+              <a:rPr lang="fa-IR" sz="2000" dirty="0">
+                <a:cs typeface="B Nazanin" panose="00000400000000000000" pitchFamily="2" charset="-78"/>
+              </a:rPr>
               <a:t>نتایج به دست امده نشان میدهد سه بازیکن زیر در ماه های مختلف تعداد 7 تورنمنت را برده اند.</a:t>
             </a:r>
           </a:p>
@@ -6495,7 +6853,7 @@
         <p:spPr>
           <a:xfrm>
             <a:off x="950199" y="1441346"/>
-            <a:ext cx="10291601" cy="3139321"/>
+            <a:ext cx="10291601" cy="3170099"/>
           </a:xfrm>
           <a:prstGeom prst="rect">
             <a:avLst/>
@@ -6510,109 +6868,127 @@
           <a:p>
             <a:pPr algn="r" rtl="1"/>
             <a:r>
-              <a:rPr lang="ar-SA" dirty="0">
+              <a:rPr lang="ar-SA" sz="2000" dirty="0">
                 <a:latin typeface="Arial Rounded MT Bold" panose="020F0704030504030204" pitchFamily="34" charset="0"/>
-                <a:cs typeface="B Nazanin" panose="00000400000000000000"/>
+                <a:cs typeface="B Nazanin" panose="00000400000000000000" pitchFamily="2" charset="-78"/>
               </a:rPr>
               <a:t>سوال </a:t>
             </a:r>
             <a:r>
-              <a:rPr lang="en-US" dirty="0">
+              <a:rPr lang="en-US" sz="2000" dirty="0">
                 <a:latin typeface="Arial Rounded MT Bold" panose="020F0704030504030204" pitchFamily="34" charset="0"/>
-                <a:cs typeface="B Nazanin" panose="00000400000000000000"/>
+                <a:cs typeface="B Nazanin" panose="00000400000000000000" pitchFamily="2" charset="-78"/>
               </a:rPr>
               <a:t>10</a:t>
             </a:r>
             <a:r>
-              <a:rPr lang="ar-SA" dirty="0">
+              <a:rPr lang="ar-SA" sz="2000" dirty="0">
                 <a:latin typeface="Arial Rounded MT Bold" panose="020F0704030504030204" pitchFamily="34" charset="0"/>
-                <a:cs typeface="B Nazanin" panose="00000400000000000000"/>
+                <a:cs typeface="B Nazanin" panose="00000400000000000000" pitchFamily="2" charset="-78"/>
               </a:rPr>
               <a:t>:</a:t>
             </a:r>
-            <a:endParaRPr lang="en-US" dirty="0">
-              <a:latin typeface="Arial Rounded MT Bold" panose="020F0704030504030204" pitchFamily="34" charset="0"/>
-              <a:cs typeface="B Nazanin" panose="00000400000000000000"/>
-            </a:endParaRPr>
-          </a:p>
-          <a:p>
-            <a:pPr algn="r" rtl="1"/>
-            <a:endParaRPr lang="en-US" dirty="0">
+            <a:r>
+              <a:rPr lang="fa-IR" sz="2000" dirty="0">
+                <a:cs typeface="B Nazanin" panose="00000400000000000000" pitchFamily="2" charset="-78"/>
+              </a:rPr>
+              <a:t>بررسی رابطه بین قد بازیکن و رتبه او در </a:t>
+            </a:r>
+            <a:r>
+              <a:rPr lang="fa-IR" sz="2000" dirty="0" err="1">
+                <a:cs typeface="B Nazanin" panose="00000400000000000000" pitchFamily="2" charset="-78"/>
+              </a:rPr>
+              <a:t>رنکینگ</a:t>
+            </a:r>
+            <a:endParaRPr lang="fa-IR" sz="2000" dirty="0">
               <a:cs typeface="B Nazanin" panose="00000400000000000000" pitchFamily="2" charset="-78"/>
             </a:endParaRPr>
           </a:p>
           <a:p>
             <a:pPr algn="r" rtl="1"/>
-            <a:endParaRPr lang="en-US" dirty="0">
+            <a:endParaRPr lang="fa-IR" sz="2000" dirty="0">
               <a:cs typeface="B Nazanin" panose="00000400000000000000" pitchFamily="2" charset="-78"/>
             </a:endParaRPr>
           </a:p>
           <a:p>
             <a:pPr algn="r" rtl="1"/>
-            <a:endParaRPr lang="fa-IR" dirty="0">
+            <a:r>
+              <a:rPr lang="fa-IR" sz="2000" b="1" dirty="0">
+                <a:cs typeface="B Nazanin" panose="00000400000000000000" pitchFamily="2" charset="-78"/>
+              </a:rPr>
+              <a:t>خلاصه:</a:t>
+            </a:r>
+            <a:br>
+              <a:rPr lang="fa-IR" sz="2000" dirty="0">
+                <a:cs typeface="B Nazanin" panose="00000400000000000000" pitchFamily="2" charset="-78"/>
+              </a:rPr>
+            </a:br>
+            <a:r>
+              <a:rPr lang="fa-IR" sz="2000" dirty="0">
+                <a:cs typeface="B Nazanin" panose="00000400000000000000" pitchFamily="2" charset="-78"/>
+              </a:rPr>
+              <a:t>در تحلیل داده‌های بازیکنان، ارتباط بین قد و جایگاه آن‌ها در رنکینگ بررسی شد تا مشخص شود آیا قد بازیکن تأثیری روی موفقیت و رتبه‌اش دارد یا خیر.</a:t>
+            </a:r>
+          </a:p>
+          <a:p>
+            <a:pPr algn="r" rtl="1"/>
+            <a:endParaRPr lang="fa-IR" sz="2000" dirty="0">
               <a:cs typeface="B Nazanin" panose="00000400000000000000" pitchFamily="2" charset="-78"/>
             </a:endParaRPr>
           </a:p>
           <a:p>
             <a:pPr algn="r" rtl="1"/>
             <a:r>
-              <a:rPr lang="fa-IR" b="1" dirty="0"/>
-              <a:t>موضوع:</a:t>
-            </a:r>
-            <a:r>
-              <a:rPr lang="fa-IR" dirty="0"/>
-              <a:t> بررسی رابطه بین قد بازیکن و رتبه او در رنکینگ</a:t>
-            </a:r>
-          </a:p>
-          <a:p>
-            <a:pPr algn="r" rtl="1"/>
-            <a:r>
-              <a:rPr lang="fa-IR" b="1" dirty="0"/>
-              <a:t>خلاصه:</a:t>
+              <a:rPr lang="fa-IR" sz="2000" b="1" dirty="0">
+                <a:cs typeface="B Nazanin" panose="00000400000000000000" pitchFamily="2" charset="-78"/>
+              </a:rPr>
+              <a:t>نتیجه اصلی:</a:t>
             </a:r>
             <a:br>
-              <a:rPr lang="fa-IR" dirty="0"/>
+              <a:rPr lang="fa-IR" sz="2000" dirty="0">
+                <a:cs typeface="B Nazanin" panose="00000400000000000000" pitchFamily="2" charset="-78"/>
+              </a:rPr>
             </a:br>
             <a:r>
-              <a:rPr lang="fa-IR" dirty="0"/>
-              <a:t>در تحلیل داده‌های بازیکنان، ارتباط بین قد و جایگاه آن‌ها در رنکینگ بررسی شد تا مشخص شود آیا قد بازیکن تأثیری روی موفقیت و رتبه‌اش دارد یا خیر.</a:t>
-            </a:r>
-          </a:p>
-          <a:p>
-            <a:pPr algn="r" rtl="1"/>
-            <a:r>
-              <a:rPr lang="fa-IR" b="1" dirty="0"/>
-              <a:t>نتیجه اصلی:</a:t>
-            </a:r>
-            <a:br>
-              <a:rPr lang="fa-IR" dirty="0"/>
-            </a:br>
-            <a:r>
-              <a:rPr lang="fa-IR" dirty="0"/>
+              <a:rPr lang="fa-IR" sz="2000" dirty="0">
+                <a:cs typeface="B Nazanin" panose="00000400000000000000" pitchFamily="2" charset="-78"/>
+              </a:rPr>
               <a:t>با توجه به عدد به دست آمده از همبستگی این دو ستون</a:t>
             </a:r>
             <a:r>
-              <a:rPr lang="en-US" dirty="0"/>
+              <a:rPr lang="en-US" sz="2000" dirty="0">
+                <a:cs typeface="B Nazanin" panose="00000400000000000000" pitchFamily="2" charset="-78"/>
+              </a:rPr>
               <a:t> </a:t>
             </a:r>
             <a:r>
-              <a:rPr lang="fa-IR" dirty="0"/>
+              <a:rPr lang="fa-IR" sz="2000" dirty="0">
+                <a:cs typeface="B Nazanin" panose="00000400000000000000" pitchFamily="2" charset="-78"/>
+              </a:rPr>
               <a:t>که مقدار تقریبی ان </a:t>
             </a:r>
             <a:r>
-              <a:rPr lang="en-US" dirty="0"/>
+              <a:rPr lang="en-US" sz="2000" dirty="0">
+                <a:cs typeface="B Nazanin" panose="00000400000000000000" pitchFamily="2" charset="-78"/>
+              </a:rPr>
               <a:t>0.08</a:t>
             </a:r>
             <a:r>
-              <a:rPr lang="fa-IR" dirty="0"/>
+              <a:rPr lang="fa-IR" sz="2000" dirty="0">
+                <a:cs typeface="B Nazanin" panose="00000400000000000000" pitchFamily="2" charset="-78"/>
+              </a:rPr>
               <a:t>  بدست امد به این نتیجه رسیدیم که </a:t>
             </a:r>
             <a:r>
-              <a:rPr lang="fa-IR" b="1" dirty="0"/>
+              <a:rPr lang="fa-IR" sz="2000" b="1" dirty="0">
+                <a:cs typeface="B Nazanin" panose="00000400000000000000" pitchFamily="2" charset="-78"/>
+              </a:rPr>
               <a:t>ارتباط معنی‌داری بین قد بازیکن و رتبه او وجود ندارد</a:t>
             </a:r>
             <a:r>
-              <a:rPr lang="fa-IR" dirty="0"/>
+              <a:rPr lang="fa-IR" sz="2000" dirty="0">
+                <a:cs typeface="B Nazanin" panose="00000400000000000000" pitchFamily="2" charset="-78"/>
+              </a:rPr>
               <a:t>. به عبارت دیگر، بلندقد بودن به خودی خود باعث کسب رتبه بهتر یا بدتر نمی‌شود.</a:t>
             </a:r>
           </a:p>
@@ -6663,7 +7039,7 @@
         <p:spPr>
           <a:xfrm>
             <a:off x="950199" y="1443841"/>
-            <a:ext cx="10291601" cy="3970318"/>
+            <a:ext cx="10291601" cy="4093428"/>
           </a:xfrm>
           <a:prstGeom prst="rect">
             <a:avLst/>
@@ -6678,95 +7054,105 @@
           <a:p>
             <a:pPr algn="r" rtl="1"/>
             <a:r>
-              <a:rPr lang="ar-SA" dirty="0">
-                <a:cs typeface="B Nazanin" panose="00000400000000000000"/>
+              <a:rPr lang="ar-SA" sz="2000" dirty="0">
+                <a:cs typeface="B Nazanin" panose="00000400000000000000" pitchFamily="2" charset="-78"/>
               </a:rPr>
               <a:t>سوال </a:t>
             </a:r>
             <a:r>
-              <a:rPr lang="en-US" dirty="0">
-                <a:cs typeface="B Nazanin" panose="00000400000000000000"/>
+              <a:rPr lang="en-US" sz="2000" dirty="0">
+                <a:cs typeface="B Nazanin" panose="00000400000000000000" pitchFamily="2" charset="-78"/>
               </a:rPr>
               <a:t>11</a:t>
             </a:r>
             <a:r>
-              <a:rPr lang="ar-SA" dirty="0">
-                <a:cs typeface="B Nazanin" panose="00000400000000000000"/>
+              <a:rPr lang="ar-SA" sz="2000" dirty="0">
+                <a:cs typeface="B Nazanin" panose="00000400000000000000" pitchFamily="2" charset="-78"/>
               </a:rPr>
               <a:t>:</a:t>
             </a:r>
-            <a:endParaRPr lang="en-US" dirty="0">
-              <a:cs typeface="B Nazanin" panose="00000400000000000000"/>
-            </a:endParaRPr>
+            <a:r>
+              <a:rPr lang="fa-IR" sz="2000" dirty="0">
+                <a:cs typeface="B Nazanin" panose="00000400000000000000" pitchFamily="2" charset="-78"/>
+              </a:rPr>
+              <a:t>میانگین مدت زمان مسابقات</a:t>
+            </a:r>
           </a:p>
           <a:p>
             <a:pPr algn="r" rtl="1"/>
-            <a:endParaRPr lang="en-US" dirty="0">
+            <a:endParaRPr lang="fa-IR" sz="2000" dirty="0">
               <a:cs typeface="B Nazanin" panose="00000400000000000000" pitchFamily="2" charset="-78"/>
             </a:endParaRPr>
           </a:p>
           <a:p>
-            <a:pPr algn="r" rtl="1"/>
-            <a:endParaRPr lang="en-US" dirty="0">
+            <a:pPr algn="r"/>
+            <a:r>
+              <a:rPr lang="fa-IR" sz="2000" b="1" dirty="0">
+                <a:cs typeface="B Nazanin" panose="00000400000000000000" pitchFamily="2" charset="-78"/>
+              </a:rPr>
+              <a:t>خلاصه:</a:t>
+            </a:r>
+            <a:br>
+              <a:rPr lang="fa-IR" sz="2000" dirty="0">
+                <a:cs typeface="B Nazanin" panose="00000400000000000000" pitchFamily="2" charset="-78"/>
+              </a:rPr>
+            </a:br>
+            <a:r>
+              <a:rPr lang="fa-IR" sz="2000" dirty="0">
+                <a:cs typeface="B Nazanin" panose="00000400000000000000" pitchFamily="2" charset="-78"/>
+              </a:rPr>
+              <a:t>در بررسی اطلاعات مربوط به مسابقات انجام‌شده، هدف این بود که مشخص شود هر مسابقه به‌طور متوسط چه مدت طول می‌کشد. این شاخص برای برنامه‌ریزی زمانی، مدیریت منابع و تحلیل فشار فیزیکی وارد بر بازیکنان اهمیت بالایی دارد.</a:t>
+            </a:r>
+          </a:p>
+          <a:p>
+            <a:pPr algn="r"/>
+            <a:endParaRPr lang="fa-IR" sz="2000" dirty="0">
               <a:cs typeface="B Nazanin" panose="00000400000000000000" pitchFamily="2" charset="-78"/>
             </a:endParaRPr>
           </a:p>
           <a:p>
-            <a:pPr algn="r" rtl="1"/>
-            <a:endParaRPr lang="fa-IR" dirty="0">
+            <a:pPr algn="r"/>
+            <a:r>
+              <a:rPr lang="fa-IR" sz="2000" b="1" dirty="0">
+                <a:cs typeface="B Nazanin" panose="00000400000000000000" pitchFamily="2" charset="-78"/>
+              </a:rPr>
+              <a:t>نتیجه اصلی:</a:t>
+            </a:r>
+            <a:br>
+              <a:rPr lang="fa-IR" sz="2000" dirty="0">
+                <a:cs typeface="B Nazanin" panose="00000400000000000000" pitchFamily="2" charset="-78"/>
+              </a:rPr>
+            </a:br>
+            <a:r>
+              <a:rPr lang="fa-IR" sz="2000" dirty="0">
+                <a:cs typeface="B Nazanin" panose="00000400000000000000" pitchFamily="2" charset="-78"/>
+              </a:rPr>
+              <a:t>مقدار تفریبی میانگین مدت زمان 159.42 دقیقه یا به عبارتی 2.66 ساعت محاسبه شده است.</a:t>
+            </a:r>
+          </a:p>
+          <a:p>
+            <a:pPr algn="r"/>
+            <a:endParaRPr lang="fa-IR" sz="2000" dirty="0">
               <a:cs typeface="B Nazanin" panose="00000400000000000000" pitchFamily="2" charset="-78"/>
             </a:endParaRPr>
           </a:p>
           <a:p>
             <a:pPr algn="r"/>
             <a:r>
-              <a:rPr lang="fa-IR" b="1" dirty="0"/>
-              <a:t>موضوع:</a:t>
-            </a:r>
-            <a:r>
-              <a:rPr lang="fa-IR" dirty="0"/>
-              <a:t> میانگین مدت زمان مسابقات</a:t>
-            </a:r>
-          </a:p>
-          <a:p>
-            <a:pPr algn="r"/>
-            <a:r>
-              <a:rPr lang="fa-IR" b="1" dirty="0"/>
-              <a:t>خلاصه:</a:t>
+              <a:rPr lang="fa-IR" sz="2000" b="1" dirty="0">
+                <a:cs typeface="B Nazanin" panose="00000400000000000000" pitchFamily="2" charset="-78"/>
+              </a:rPr>
+              <a:t>توضیح مختصر:</a:t>
             </a:r>
             <a:br>
-              <a:rPr lang="fa-IR" dirty="0"/>
+              <a:rPr lang="fa-IR" sz="2000" dirty="0">
+                <a:cs typeface="B Nazanin" panose="00000400000000000000" pitchFamily="2" charset="-78"/>
+              </a:rPr>
             </a:br>
             <a:r>
-              <a:rPr lang="fa-IR" dirty="0"/>
-              <a:t>در بررسی اطلاعات مربوط به مسابقات انجام‌شده، هدف این بود که مشخص شود هر مسابقه به‌طور متوسط چه مدت طول می‌کشد. این شاخص برای برنامه‌ریزی زمانی، مدیریت منابع و تحلیل فشار فیزیکی وارد بر بازیکنان اهمیت بالایی دارد.</a:t>
-            </a:r>
-          </a:p>
-          <a:p>
-            <a:pPr algn="r"/>
-            <a:r>
-              <a:rPr lang="fa-IR" b="1" dirty="0"/>
-              <a:t>نتیجه اصلی:</a:t>
-            </a:r>
-            <a:br>
-              <a:rPr lang="fa-IR" dirty="0"/>
-            </a:br>
-            <a:r>
-              <a:rPr lang="fa-IR" dirty="0"/>
-              <a:t>مقدار تفریبی میانگین مدت زمان 159.42 دقیقه یا به عبارتی 2.66 ساعت محاسبه شده است.</a:t>
-            </a:r>
-          </a:p>
-          <a:p>
-            <a:pPr algn="r"/>
-            <a:r>
-              <a:rPr lang="fa-IR" b="1" dirty="0"/>
-              <a:t>توضیح مختصر:</a:t>
-            </a:r>
-            <a:br>
-              <a:rPr lang="fa-IR" dirty="0"/>
-            </a:br>
-            <a:r>
-              <a:rPr lang="fa-IR" dirty="0"/>
+              <a:rPr lang="fa-IR" sz="2000" dirty="0">
+                <a:cs typeface="B Nazanin" panose="00000400000000000000" pitchFamily="2" charset="-78"/>
+              </a:rPr>
               <a:t>این مقدار با درنظر گرفتن مسابقات کوتاه‌تر و طولانی‌تر محاسبه شده و تصویری کلی از طول متوسط بازی‌ها ارائه می‌دهد. درصورتی‌که مدت زمان مسابقات از حد نرمال طولانی‌تر باشد، ممکن است نشانه‌ای از رقابت شدید، تعادل سطح بازیکنان یا مشکلاتی مانند وقفه‌های زیاد باشد.</a:t>
             </a:r>
           </a:p>
@@ -6817,7 +7203,7 @@
         <p:spPr>
           <a:xfrm>
             <a:off x="1000317" y="1318451"/>
-            <a:ext cx="10291601" cy="646331"/>
+            <a:ext cx="10291601" cy="369332"/>
           </a:xfrm>
           <a:prstGeom prst="rect">
             <a:avLst/>
@@ -6832,23 +7218,30 @@
           <a:p>
             <a:pPr algn="r" rtl="1"/>
             <a:r>
-              <a:rPr lang="ar-SA" dirty="0">
+              <a:rPr lang="ar-SA" b="1" dirty="0">
                 <a:cs typeface="B Nazanin" panose="00000400000000000000" pitchFamily="2" charset="-78"/>
               </a:rPr>
               <a:t>سوال </a:t>
             </a:r>
             <a:r>
-              <a:rPr lang="fa-IR" dirty="0">
-                <a:cs typeface="B Nazanin" panose="00000400000000000000" pitchFamily="2" charset="-78"/>
-              </a:rPr>
-              <a:t>12:</a:t>
-            </a:r>
-          </a:p>
-          <a:p>
-            <a:pPr algn="r" rtl="1"/>
-            <a:endParaRPr lang="fa-IR" dirty="0">
-              <a:cs typeface="B Nazanin" panose="00000400000000000000" pitchFamily="2" charset="-78"/>
-            </a:endParaRPr>
+              <a:rPr lang="fa-IR" b="1" dirty="0">
+                <a:cs typeface="B Nazanin" panose="00000400000000000000" pitchFamily="2" charset="-78"/>
+              </a:rPr>
+              <a:t>12: مقایسه میانگین تعداد </a:t>
+            </a:r>
+            <a:r>
+              <a:rPr lang="fa-IR" b="1" dirty="0" err="1">
+                <a:cs typeface="B Nazanin" panose="00000400000000000000" pitchFamily="2" charset="-78"/>
+              </a:rPr>
+              <a:t>بازی‌ها</a:t>
+            </a:r>
+            <a:r>
+              <a:rPr lang="fa-IR" b="1" dirty="0">
+                <a:cs typeface="B Nazanin" panose="00000400000000000000" pitchFamily="2" charset="-78"/>
+              </a:rPr>
+              <a:t> در هر ست مسابقات مردان و مسابقات زنان</a:t>
+            </a:r>
+            <a:endParaRPr lang="fa-IR" b="1" dirty="0"/>
           </a:p>
         </p:txBody>
       </p:sp>
@@ -7027,8 +7420,8 @@
         </p:nvSpPr>
         <p:spPr>
           <a:xfrm>
-            <a:off x="719569" y="2622211"/>
-            <a:ext cx="10291601" cy="1200329"/>
+            <a:off x="1388533" y="2435944"/>
+            <a:ext cx="9978237" cy="923330"/>
           </a:xfrm>
           <a:prstGeom prst="rect">
             <a:avLst/>
@@ -7043,32 +7436,20 @@
           <a:p>
             <a:pPr algn="r"/>
             <a:r>
-              <a:rPr lang="fa-IR" b="1" dirty="0"/>
-              <a:t>موضوع:</a:t>
-            </a:r>
-            <a:r>
-              <a:rPr lang="fa-IR" dirty="0"/>
-              <a:t> </a:t>
-            </a:r>
-            <a:r>
-              <a:rPr lang="fa-IR" sz="1800" dirty="0">
-                <a:cs typeface="B Nazanin" panose="00000400000000000000" pitchFamily="2" charset="-78"/>
-              </a:rPr>
-              <a:t>مقایسه میانگین تعداد بازی‌ها در هر ست مسابقات مردان و مسابقات زنان</a:t>
-            </a:r>
-            <a:endParaRPr lang="fa-IR" dirty="0"/>
-          </a:p>
-          <a:p>
-            <a:pPr algn="r"/>
-            <a:r>
-              <a:rPr lang="fa-IR" b="1" dirty="0"/>
+              <a:rPr lang="fa-IR" b="1" dirty="0">
+                <a:cs typeface="B Nazanin" panose="00000400000000000000" pitchFamily="2" charset="-78"/>
+              </a:rPr>
               <a:t>نتیجه اصلی:</a:t>
             </a:r>
             <a:br>
-              <a:rPr lang="fa-IR" dirty="0"/>
+              <a:rPr lang="fa-IR" dirty="0">
+                <a:cs typeface="B Nazanin" panose="00000400000000000000" pitchFamily="2" charset="-78"/>
+              </a:rPr>
             </a:br>
             <a:r>
-              <a:rPr lang="fa-IR" dirty="0"/>
+              <a:rPr lang="fa-IR" dirty="0">
+                <a:cs typeface="B Nazanin" panose="00000400000000000000" pitchFamily="2" charset="-78"/>
+              </a:rPr>
               <a:t>طی محاسبات انجام شده مطابق با جدول زیر مشخص است که به طور میانگین تعداد مسابقات زنان در هر ست حدود 9 بازی و تعداد مسابقات مردان در هر ست حدود 10 بازی می باشد.</a:t>
             </a:r>
           </a:p>
@@ -7132,12 +7513,36 @@
               <a:buChar char="•"/>
             </a:pPr>
             <a:r>
-              <a:rPr lang="fa-IR" sz="2800" u="sng" dirty="0">
-                <a:cs typeface="B Nazanin" panose="00000400000000000000" pitchFamily="2" charset="-78"/>
-              </a:rPr>
-              <a:t>سوال 13</a:t>
-            </a:r>
-            <a:endParaRPr lang="en-US" sz="2800" u="sng" dirty="0">
+              <a:rPr lang="fa-IR" sz="2000" u="sng" dirty="0">
+                <a:cs typeface="B Nazanin" panose="00000400000000000000" pitchFamily="2" charset="-78"/>
+              </a:rPr>
+              <a:t>سوال 13:</a:t>
+            </a:r>
+            <a:r>
+              <a:rPr lang="fa-IR" sz="2000" dirty="0">
+                <a:cs typeface="B Nazanin" panose="00000400000000000000" pitchFamily="2" charset="-78"/>
+              </a:rPr>
+              <a:t>توزیع بازیکنان </a:t>
+            </a:r>
+            <a:r>
+              <a:rPr lang="fa-IR" sz="2000" dirty="0" err="1">
+                <a:cs typeface="B Nazanin" panose="00000400000000000000" pitchFamily="2" charset="-78"/>
+              </a:rPr>
+              <a:t>چپ‌دست</a:t>
+            </a:r>
+            <a:r>
+              <a:rPr lang="fa-IR" sz="2000" dirty="0">
+                <a:cs typeface="B Nazanin" panose="00000400000000000000" pitchFamily="2" charset="-78"/>
+              </a:rPr>
+              <a:t> در مقابل </a:t>
+            </a:r>
+            <a:r>
+              <a:rPr lang="fa-IR" sz="2000" dirty="0" err="1">
+                <a:cs typeface="B Nazanin" panose="00000400000000000000" pitchFamily="2" charset="-78"/>
+              </a:rPr>
+              <a:t>راست‌دست</a:t>
+            </a:r>
+            <a:endParaRPr lang="en-US" sz="2000" u="sng" dirty="0">
               <a:cs typeface="B Nazanin" panose="00000400000000000000" pitchFamily="2" charset="-78"/>
             </a:endParaRPr>
           </a:p>
@@ -7159,44 +7564,35 @@
             <p:ph idx="1"/>
           </p:nvPr>
         </p:nvSpPr>
-        <p:spPr/>
+        <p:spPr>
+          <a:xfrm>
+            <a:off x="1484311" y="2160053"/>
+            <a:ext cx="10018713" cy="3124201"/>
+          </a:xfrm>
+        </p:spPr>
         <p:txBody>
           <a:bodyPr/>
           <a:lstStyle/>
           <a:p>
-            <a:pPr algn="r" rtl="1"/>
+            <a:pPr marL="0" indent="0" algn="r" rtl="1">
+              <a:buNone/>
+            </a:pPr>
             <a:r>
               <a:rPr lang="fa-IR" dirty="0">
                 <a:cs typeface="B Nazanin" panose="00000400000000000000" pitchFamily="2" charset="-78"/>
               </a:rPr>
-              <a:t>موضوع:</a:t>
-            </a:r>
-            <a:r>
-              <a:rPr lang="en-US" dirty="0">
-                <a:cs typeface="B Nazanin" panose="00000400000000000000" pitchFamily="2" charset="-78"/>
-              </a:rPr>
-              <a:t> </a:t>
-            </a:r>
+              <a:t>نتیجه اصلی:</a:t>
+            </a:r>
+          </a:p>
+          <a:p>
+            <a:pPr marL="0" indent="0" algn="r" rtl="1">
+              <a:buNone/>
+            </a:pPr>
             <a:r>
               <a:rPr lang="fa-IR" dirty="0">
                 <a:cs typeface="B Nazanin" panose="00000400000000000000" pitchFamily="2" charset="-78"/>
               </a:rPr>
-              <a:t>توزیع بازیکنان چپ‌دست در مقابل راست‌دست</a:t>
-            </a:r>
-          </a:p>
-          <a:p>
-            <a:pPr algn="r" rtl="1"/>
-            <a:endParaRPr lang="fa-IR" dirty="0">
-              <a:cs typeface="B Nazanin" panose="00000400000000000000" pitchFamily="2" charset="-78"/>
-            </a:endParaRPr>
-          </a:p>
-          <a:p>
-            <a:pPr algn="r" rtl="1"/>
-            <a:r>
-              <a:rPr lang="fa-IR" dirty="0">
-                <a:cs typeface="B Nazanin" panose="00000400000000000000" pitchFamily="2" charset="-78"/>
-              </a:rPr>
-              <a:t>نتیجه اصلی: با توجه به اطلاعات دیتاست، توزیع بازیکنهای راست دست یا چپ دست بودنشان مشخص بود به این صورت است:</a:t>
+              <a:t> با توجه به اطلاعات دیتاست، توزیع بازیکنهای راست دست یا چپ دست بودنشان مشخص بود به این صورت است:</a:t>
             </a:r>
           </a:p>
           <a:p>
@@ -7479,7 +7875,31 @@
               <a:rPr lang="fa-IR" sz="2800" dirty="0">
                 <a:cs typeface="B Nazanin" panose="00000400000000000000" pitchFamily="2" charset="-78"/>
               </a:rPr>
-              <a:t>سوال14 </a:t>
+              <a:t>سوال14 : </a:t>
+            </a:r>
+            <a:r>
+              <a:rPr lang="fa-IR" sz="2800" dirty="0" err="1">
+                <a:cs typeface="B Nazanin" panose="00000400000000000000" pitchFamily="2" charset="-78"/>
+              </a:rPr>
+              <a:t>رایج‌ترین</a:t>
+            </a:r>
+            <a:r>
+              <a:rPr lang="fa-IR" sz="2800" dirty="0">
+                <a:cs typeface="B Nazanin" panose="00000400000000000000" pitchFamily="2" charset="-78"/>
+              </a:rPr>
+              <a:t> نوع سطح زمین </a:t>
+            </a:r>
+            <a:r>
+              <a:rPr lang="fa-IR" sz="2800" dirty="0" err="1">
+                <a:cs typeface="B Nazanin" panose="00000400000000000000" pitchFamily="2" charset="-78"/>
+              </a:rPr>
+              <a:t>استفاده‌شده</a:t>
+            </a:r>
+            <a:r>
+              <a:rPr lang="fa-IR" sz="2800" dirty="0">
+                <a:cs typeface="B Nazanin" panose="00000400000000000000" pitchFamily="2" charset="-78"/>
+              </a:rPr>
+              <a:t> در مسابقات</a:t>
             </a:r>
             <a:endParaRPr lang="en-US" sz="2800" dirty="0">
               <a:cs typeface="B Nazanin" panose="00000400000000000000" pitchFamily="2" charset="-78"/>
@@ -7503,37 +7923,30 @@
             <p:ph idx="1"/>
           </p:nvPr>
         </p:nvSpPr>
-        <p:spPr/>
+        <p:spPr>
+          <a:xfrm>
+            <a:off x="1484311" y="2074332"/>
+            <a:ext cx="10018713" cy="3124201"/>
+          </a:xfrm>
+        </p:spPr>
         <p:txBody>
           <a:bodyPr/>
           <a:lstStyle/>
           <a:p>
-            <a:pPr algn="r" rtl="1"/>
+            <a:pPr marL="0" indent="0" algn="r" rtl="1">
+              <a:buNone/>
+            </a:pPr>
             <a:r>
               <a:rPr lang="fa-IR" dirty="0">
                 <a:cs typeface="B Nazanin" panose="00000400000000000000" pitchFamily="2" charset="-78"/>
               </a:rPr>
-              <a:t>موضوع:رایج‌ترین نوع سطح زمین استفاده‌شده در مسابقات</a:t>
-            </a:r>
-            <a:br>
-              <a:rPr lang="fa-IR" dirty="0">
-                <a:cs typeface="B Nazanin" panose="00000400000000000000" pitchFamily="2" charset="-78"/>
-              </a:rPr>
-            </a:br>
-            <a:br>
-              <a:rPr lang="fa-IR" dirty="0">
-                <a:cs typeface="B Nazanin" panose="00000400000000000000" pitchFamily="2" charset="-78"/>
-              </a:rPr>
-            </a:br>
-            <a:r>
-              <a:rPr lang="fa-IR" dirty="0">
-                <a:cs typeface="B Nazanin" panose="00000400000000000000" pitchFamily="2" charset="-78"/>
-              </a:rPr>
               <a:t>نتیجه اصلی : </a:t>
             </a:r>
           </a:p>
           <a:p>
-            <a:pPr algn="r" rtl="1"/>
+            <a:pPr marL="0" indent="0" algn="r" rtl="1">
+              <a:buNone/>
+            </a:pPr>
             <a:r>
               <a:rPr lang="fa-IR" dirty="0">
                 <a:cs typeface="B Nazanin" panose="00000400000000000000" pitchFamily="2" charset="-78"/>
@@ -7622,7 +8035,19 @@
               <a:rPr lang="fa-IR" sz="2800" dirty="0">
                 <a:cs typeface="B Nazanin" panose="00000400000000000000" pitchFamily="2" charset="-78"/>
               </a:rPr>
-              <a:t>سوال15 </a:t>
+              <a:t>سوال15: تعداد کشورهای حاضر در </a:t>
+            </a:r>
+            <a:r>
+              <a:rPr lang="fa-IR" sz="2800" dirty="0" err="1">
+                <a:cs typeface="B Nazanin" panose="00000400000000000000" pitchFamily="2" charset="-78"/>
+              </a:rPr>
+              <a:t>دیتاست</a:t>
+            </a:r>
+            <a:r>
+              <a:rPr lang="fa-IR" sz="2800" dirty="0">
+                <a:cs typeface="B Nazanin" panose="00000400000000000000" pitchFamily="2" charset="-78"/>
+              </a:rPr>
+              <a:t> </a:t>
             </a:r>
             <a:endParaRPr lang="en-US" sz="2800" dirty="0">
               <a:cs typeface="B Nazanin" panose="00000400000000000000" pitchFamily="2" charset="-78"/>
@@ -7646,32 +8071,30 @@
             <p:ph idx="1"/>
           </p:nvPr>
         </p:nvSpPr>
-        <p:spPr/>
+        <p:spPr>
+          <a:xfrm>
+            <a:off x="1484311" y="2032000"/>
+            <a:ext cx="10018713" cy="2074334"/>
+          </a:xfrm>
+        </p:spPr>
         <p:txBody>
           <a:bodyPr/>
           <a:lstStyle/>
           <a:p>
-            <a:pPr algn="r" rtl="1"/>
-            <a:r>
-              <a:rPr lang="fa-IR" dirty="0">
-                <a:cs typeface="B Nazanin" panose="00000400000000000000" pitchFamily="2" charset="-78"/>
-              </a:rPr>
-              <a:t>موضوع: تعداد کشورهای حاضر در دیتاست </a:t>
-            </a:r>
-          </a:p>
-          <a:p>
             <a:pPr marL="0" indent="0" algn="r" rtl="1">
               <a:buNone/>
             </a:pPr>
             <a:r>
-              <a:rPr lang="fa-IR" dirty="0">
+              <a:rPr lang="fa-IR" b="1" dirty="0">
                 <a:cs typeface="B Nazanin" panose="00000400000000000000" pitchFamily="2" charset="-78"/>
               </a:rPr>
               <a:t>نتیجه اصلی :</a:t>
             </a:r>
           </a:p>
           <a:p>
-            <a:pPr algn="r" rtl="1"/>
+            <a:pPr marL="0" indent="0" algn="r" rtl="1">
+              <a:buNone/>
+            </a:pPr>
             <a:r>
               <a:rPr lang="fa-IR" dirty="0">
                 <a:cs typeface="B Nazanin" panose="00000400000000000000" pitchFamily="2" charset="-78"/>
@@ -7745,12 +8168,24 @@
           <a:p>
             <a:pPr algn="r" rtl="1"/>
             <a:r>
-              <a:rPr lang="fa-IR" sz="2800" dirty="0">
-                <a:cs typeface="B Nazanin" panose="00000400000000000000" pitchFamily="2" charset="-78"/>
-              </a:rPr>
-              <a:t>سوال16 </a:t>
-            </a:r>
-            <a:endParaRPr lang="en-US" sz="2800" dirty="0">
+              <a:rPr lang="fa-IR" sz="2000" dirty="0">
+                <a:cs typeface="B Nazanin" panose="00000400000000000000" pitchFamily="2" charset="-78"/>
+              </a:rPr>
+              <a:t>سوال16 : </a:t>
+            </a:r>
+            <a:r>
+              <a:rPr lang="fa-IR" sz="2000" dirty="0" err="1">
+                <a:cs typeface="B Nazanin" panose="00000400000000000000" pitchFamily="2" charset="-78"/>
+              </a:rPr>
+              <a:t>بازیکنی</a:t>
+            </a:r>
+            <a:r>
+              <a:rPr lang="fa-IR" sz="2000" dirty="0">
+                <a:cs typeface="B Nazanin" panose="00000400000000000000" pitchFamily="2" charset="-78"/>
+              </a:rPr>
+              <a:t> که بالاترین درصد برد را در مقابل 10 حریف برتر دارد</a:t>
+            </a:r>
+            <a:endParaRPr lang="en-US" sz="2000" dirty="0">
               <a:cs typeface="B Nazanin" panose="00000400000000000000" pitchFamily="2" charset="-78"/>
             </a:endParaRPr>
           </a:p>
@@ -7780,17 +8215,68 @@
         </p:spPr>
         <p:txBody>
           <a:bodyPr>
-            <a:normAutofit fontScale="85000" lnSpcReduction="20000"/>
+            <a:normAutofit/>
           </a:bodyPr>
           <a:lstStyle/>
           <a:p>
-            <a:pPr algn="r" rtl="1"/>
+            <a:pPr marL="0" indent="0" algn="r" rtl="1">
+              <a:buNone/>
+            </a:pPr>
             <a:r>
               <a:rPr lang="fa-IR" dirty="0">
                 <a:cs typeface="B Nazanin" panose="00000400000000000000" pitchFamily="2" charset="-78"/>
               </a:rPr>
-              <a:t>موضوع: بازیکنی که بالاترین درصد برد را در مقابل 10 حریف برتر دارد</a:t>
-            </a:r>
+              <a:t>نتیجه اصلی :</a:t>
+            </a:r>
+          </a:p>
+          <a:p>
+            <a:pPr marL="0" indent="0" algn="r" rtl="1">
+              <a:buNone/>
+            </a:pPr>
+            <a:r>
+              <a:rPr lang="en-US" dirty="0">
+                <a:cs typeface="B Nazanin" panose="00000400000000000000" pitchFamily="2" charset="-78"/>
+              </a:rPr>
+              <a:t> </a:t>
+            </a:r>
+            <a:r>
+              <a:rPr lang="fa-IR" dirty="0">
+                <a:cs typeface="B Nazanin" panose="00000400000000000000" pitchFamily="2" charset="-78"/>
+              </a:rPr>
+              <a:t> </a:t>
+            </a:r>
+            <a:r>
+              <a:rPr lang="en-US" sz="1800" dirty="0">
+                <a:latin typeface="Arial" panose="020B0604020202020204" pitchFamily="34" charset="0"/>
+                <a:cs typeface="Arial" panose="020B0604020202020204" pitchFamily="34" charset="0"/>
+              </a:rPr>
+              <a:t>Donna Vekić</a:t>
+            </a:r>
+            <a:r>
+              <a:rPr lang="fa-IR" sz="1800" dirty="0"/>
+              <a:t> </a:t>
+            </a:r>
+            <a:r>
+              <a:rPr lang="fa-IR" sz="1800" dirty="0">
+                <a:cs typeface="B Nazanin" panose="00000400000000000000" pitchFamily="2" charset="-78"/>
+              </a:rPr>
+              <a:t>با نرخ یک درصد بیشترین پیروزی را در برابر 10نفر اول داشته است. </a:t>
+            </a:r>
+            <a:r>
+              <a:rPr lang="en-US" sz="1800" dirty="0">
+                <a:cs typeface="B Nazanin" panose="00000400000000000000" pitchFamily="2" charset="-78"/>
+              </a:rPr>
+              <a:t>Id</a:t>
+            </a:r>
+            <a:r>
+              <a:rPr lang="fa-IR" sz="1800" dirty="0">
+                <a:cs typeface="B Nazanin" panose="00000400000000000000" pitchFamily="2" charset="-78"/>
+              </a:rPr>
+              <a:t> بازیکن نامبرده در زیر آمده است.</a:t>
+            </a:r>
+            <a:endParaRPr lang="en-US" sz="1800" dirty="0">
+              <a:cs typeface="B Nazanin" panose="00000400000000000000" pitchFamily="2" charset="-78"/>
+            </a:endParaRPr>
           </a:p>
           <a:p>
             <a:pPr algn="r" rtl="1"/>
@@ -7799,95 +8285,31 @@
             </a:endParaRPr>
           </a:p>
           <a:p>
-            <a:pPr marL="0" indent="0" algn="r" rtl="1">
-              <a:buNone/>
-            </a:pPr>
-            <a:r>
-              <a:rPr lang="fa-IR" dirty="0">
-                <a:cs typeface="B Nazanin" panose="00000400000000000000" pitchFamily="2" charset="-78"/>
-              </a:rPr>
-              <a:t>نتیجه اصلی :</a:t>
-            </a:r>
-          </a:p>
-          <a:p>
-            <a:pPr algn="r" rtl="1"/>
-            <a:r>
-              <a:rPr lang="en-US" dirty="0">
-                <a:cs typeface="B Nazanin" panose="00000400000000000000" pitchFamily="2" charset="-78"/>
-              </a:rPr>
-              <a:t> </a:t>
-            </a:r>
-            <a:r>
-              <a:rPr lang="fa-IR" dirty="0">
-                <a:cs typeface="B Nazanin" panose="00000400000000000000" pitchFamily="2" charset="-78"/>
-              </a:rPr>
-              <a:t> </a:t>
-            </a:r>
-            <a:r>
-              <a:rPr lang="en-US" dirty="0">
-                <a:latin typeface="Arial" panose="020B0604020202020204" pitchFamily="34" charset="0"/>
-                <a:cs typeface="Arial" panose="020B0604020202020204" pitchFamily="34" charset="0"/>
-              </a:rPr>
-              <a:t>Donna Vekić</a:t>
-            </a:r>
-            <a:r>
-              <a:rPr lang="fa-IR" dirty="0"/>
-              <a:t> </a:t>
-            </a:r>
-            <a:r>
-              <a:rPr lang="fa-IR" dirty="0">
-                <a:cs typeface="B Nazanin" panose="00000400000000000000" pitchFamily="2" charset="-78"/>
-              </a:rPr>
-              <a:t>با نرخ یک درصد بیشترین پیروزی را در برابر 10نفر اول داشته است. </a:t>
-            </a:r>
-            <a:r>
-              <a:rPr lang="en-US" dirty="0">
-                <a:cs typeface="B Nazanin" panose="00000400000000000000" pitchFamily="2" charset="-78"/>
-              </a:rPr>
-              <a:t>Id</a:t>
-            </a:r>
-            <a:r>
-              <a:rPr lang="fa-IR" dirty="0">
-                <a:cs typeface="B Nazanin" panose="00000400000000000000" pitchFamily="2" charset="-78"/>
-              </a:rPr>
-              <a:t> بازیکن نامبرده در زیر آمده است.</a:t>
-            </a:r>
-            <a:endParaRPr lang="en-US" dirty="0">
-              <a:cs typeface="B Nazanin" panose="00000400000000000000" pitchFamily="2" charset="-78"/>
-            </a:endParaRPr>
-          </a:p>
-          <a:p>
-            <a:pPr algn="r" rtl="1"/>
-            <a:endParaRPr lang="fa-IR" dirty="0">
-              <a:cs typeface="B Nazanin" panose="00000400000000000000" pitchFamily="2" charset="-78"/>
-            </a:endParaRPr>
-          </a:p>
-          <a:p>
             <a:pPr algn="l"/>
             <a:r>
-              <a:rPr lang="en-US" dirty="0"/>
+              <a:rPr lang="en-US" sz="1800" dirty="0"/>
               <a:t>Player with highest win % vs top 10 opponents:</a:t>
             </a:r>
           </a:p>
           <a:p>
             <a:pPr algn="l"/>
             <a:r>
-              <a:rPr lang="en-US" dirty="0"/>
+              <a:rPr lang="en-US" sz="1800" dirty="0"/>
               <a:t>    non_top10_id  matches_vs_top10  wins_vs_top10  </a:t>
             </a:r>
             <a:r>
-              <a:rPr lang="en-US" dirty="0" err="1"/>
+              <a:rPr lang="en-US" sz="1800" dirty="0" err="1"/>
               <a:t>win_percentage</a:t>
             </a:r>
-            <a:endParaRPr lang="en-US" dirty="0"/>
+            <a:endParaRPr lang="en-US" sz="1800" dirty="0"/>
           </a:p>
           <a:p>
             <a:pPr algn="l"/>
             <a:r>
-              <a:rPr lang="en-US" dirty="0"/>
-              <a:t>19       50641.0                 8              8             1.0</a:t>
-            </a:r>
-            <a:endParaRPr lang="fa-IR" dirty="0"/>
+              <a:rPr lang="en-US" sz="1800" dirty="0"/>
+              <a:t>          19                         50641.0                        8                8                    1.0</a:t>
+            </a:r>
+            <a:endParaRPr lang="fa-IR" sz="1800" dirty="0"/>
           </a:p>
           <a:p>
             <a:pPr algn="r" rtl="1"/>
@@ -7958,12 +8380,36 @@
           <a:p>
             <a:pPr algn="r" rtl="1"/>
             <a:r>
-              <a:rPr lang="fa-IR" sz="2800" dirty="0">
+              <a:rPr lang="fa-IR" sz="2000" dirty="0">
                 <a:cs typeface="B Nazanin" panose="00000400000000000000" pitchFamily="2" charset="-78"/>
               </a:rPr>
               <a:t>سوال17 </a:t>
             </a:r>
-            <a:endParaRPr lang="en-US" sz="2800" dirty="0">
+            <a:r>
+              <a:rPr lang="en-US" sz="2000" dirty="0">
+                <a:cs typeface="B Nazanin" panose="00000400000000000000" pitchFamily="2" charset="-78"/>
+              </a:rPr>
+              <a:t>:</a:t>
+            </a:r>
+            <a:r>
+              <a:rPr lang="fa-IR" sz="2000" dirty="0">
+                <a:cs typeface="B Nazanin" panose="00000400000000000000" pitchFamily="2" charset="-78"/>
+              </a:rPr>
+              <a:t>میانگین تعداد </a:t>
+            </a:r>
+            <a:r>
+              <a:rPr lang="fa-IR" sz="2000" dirty="0" err="1">
+                <a:cs typeface="B Nazanin" panose="00000400000000000000" pitchFamily="2" charset="-78"/>
+              </a:rPr>
+              <a:t>بریک‌های</a:t>
+            </a:r>
+            <a:r>
+              <a:rPr lang="fa-IR" sz="2000" dirty="0">
+                <a:cs typeface="B Nazanin" panose="00000400000000000000" pitchFamily="2" charset="-78"/>
+              </a:rPr>
+              <a:t> سرویس در هر مسابقه</a:t>
+            </a:r>
+            <a:endParaRPr lang="en-US" sz="2000" dirty="0">
               <a:cs typeface="B Nazanin" panose="00000400000000000000" pitchFamily="2" charset="-78"/>
             </a:endParaRPr>
           </a:p>
@@ -7988,39 +8434,24 @@
         <p:spPr/>
         <p:txBody>
           <a:bodyPr>
-            <a:normAutofit lnSpcReduction="10000"/>
+            <a:normAutofit/>
           </a:bodyPr>
           <a:lstStyle/>
           <a:p>
+            <a:pPr marL="0" indent="0" algn="r" rtl="1">
+              <a:buNone/>
+            </a:pPr>
+            <a:r>
+              <a:rPr lang="fa-IR" sz="2000" dirty="0">
+                <a:cs typeface="B Nazanin" panose="00000400000000000000" pitchFamily="2" charset="-78"/>
+              </a:rPr>
+              <a:t>نتیجه اصلی :</a:t>
+            </a:r>
+          </a:p>
+          <a:p>
             <a:pPr algn="r" rtl="1"/>
             <a:r>
-              <a:rPr lang="fa-IR" dirty="0">
-                <a:cs typeface="B Nazanin" panose="00000400000000000000" pitchFamily="2" charset="-78"/>
-              </a:rPr>
-              <a:t>موضوع:میانگین تعداد بریک‌های سرویس در هر مسابقه</a:t>
-            </a:r>
-          </a:p>
-          <a:p>
-            <a:pPr algn="r" rtl="1"/>
-            <a:endParaRPr lang="fa-IR" dirty="0">
-              <a:cs typeface="B Nazanin" panose="00000400000000000000" pitchFamily="2" charset="-78"/>
-            </a:endParaRPr>
-          </a:p>
-          <a:p>
-            <a:pPr marL="0" indent="0" algn="r" rtl="1">
-              <a:buNone/>
-            </a:pPr>
-            <a:r>
-              <a:rPr lang="fa-IR" dirty="0">
-                <a:cs typeface="B Nazanin" panose="00000400000000000000" pitchFamily="2" charset="-78"/>
-              </a:rPr>
-              <a:t>نتیجه اصلی :</a:t>
-            </a:r>
-          </a:p>
-          <a:p>
-            <a:pPr algn="r" rtl="1"/>
-            <a:r>
-              <a:rPr lang="fa-IR" dirty="0">
+              <a:rPr lang="fa-IR" sz="2000" dirty="0">
                 <a:cs typeface="B Nazanin" panose="00000400000000000000" pitchFamily="2" charset="-78"/>
               </a:rPr>
               <a:t>تعداد کل بریک های سرویس 52907 بوده است که با توجه به تعداد کل بازی ها، میانگین آن برابر است با 2.28 </a:t>
@@ -8091,7 +8522,7 @@
         <p:spPr>
           <a:xfrm>
             <a:off x="895989" y="839496"/>
-            <a:ext cx="10023113" cy="4401205"/>
+            <a:ext cx="10023113" cy="3477875"/>
           </a:xfrm>
           <a:prstGeom prst="rect">
             <a:avLst/>
@@ -8112,6 +8543,12 @@
           <a:p>
             <a:pPr algn="r" rtl="1"/>
             <a:r>
+              <a:rPr lang="fa-IR" sz="2000" dirty="0">
+                <a:cs typeface="B Nazanin" panose="00000400000000000000" pitchFamily="2" charset="-78"/>
+              </a:rPr>
+              <a:t>سوال 1: </a:t>
+            </a:r>
+            <a:r>
               <a:rPr lang="ar-SA" sz="2000" dirty="0">
                 <a:cs typeface="B Nazanin" panose="00000400000000000000" pitchFamily="2" charset="-78"/>
               </a:rPr>
@@ -8120,105 +8557,6 @@
             <a:endParaRPr lang="en-US" sz="2000" dirty="0">
               <a:cs typeface="B Nazanin" panose="00000400000000000000" pitchFamily="2" charset="-78"/>
             </a:endParaRPr>
-          </a:p>
-          <a:p>
-            <a:pPr algn="r" rtl="1"/>
-            <a:r>
-              <a:rPr lang="de-DE" sz="2000" dirty="0" err="1">
-                <a:cs typeface="B Nazanin" panose="00000400000000000000" pitchFamily="2" charset="-78"/>
-              </a:rPr>
-              <a:t>How</a:t>
-            </a:r>
-            <a:r>
-              <a:rPr lang="de-DE" sz="2000" dirty="0">
-                <a:cs typeface="B Nazanin" panose="00000400000000000000" pitchFamily="2" charset="-78"/>
-              </a:rPr>
-              <a:t> </a:t>
-            </a:r>
-            <a:r>
-              <a:rPr lang="de-DE" sz="2000" dirty="0" err="1">
-                <a:cs typeface="B Nazanin" panose="00000400000000000000" pitchFamily="2" charset="-78"/>
-              </a:rPr>
-              <a:t>many</a:t>
-            </a:r>
-            <a:r>
-              <a:rPr lang="de-DE" sz="2000" dirty="0">
-                <a:cs typeface="B Nazanin" panose="00000400000000000000" pitchFamily="2" charset="-78"/>
-              </a:rPr>
-              <a:t> </a:t>
-            </a:r>
-            <a:r>
-              <a:rPr lang="de-DE" sz="2000" dirty="0" err="1">
-                <a:cs typeface="B Nazanin" panose="00000400000000000000" pitchFamily="2" charset="-78"/>
-              </a:rPr>
-              <a:t>tennis</a:t>
-            </a:r>
-            <a:r>
-              <a:rPr lang="de-DE" sz="2000" dirty="0">
-                <a:cs typeface="B Nazanin" panose="00000400000000000000" pitchFamily="2" charset="-78"/>
-              </a:rPr>
-              <a:t> </a:t>
-            </a:r>
-            <a:r>
-              <a:rPr lang="de-DE" sz="2000" dirty="0" err="1">
-                <a:cs typeface="B Nazanin" panose="00000400000000000000" pitchFamily="2" charset="-78"/>
-              </a:rPr>
-              <a:t>players</a:t>
-            </a:r>
-            <a:r>
-              <a:rPr lang="de-DE" sz="2000" dirty="0">
-                <a:cs typeface="B Nazanin" panose="00000400000000000000" pitchFamily="2" charset="-78"/>
-              </a:rPr>
-              <a:t> </a:t>
-            </a:r>
-            <a:r>
-              <a:rPr lang="de-DE" sz="2000" dirty="0" err="1">
-                <a:cs typeface="B Nazanin" panose="00000400000000000000" pitchFamily="2" charset="-78"/>
-              </a:rPr>
-              <a:t>are</a:t>
-            </a:r>
-            <a:r>
-              <a:rPr lang="de-DE" sz="2000" dirty="0">
-                <a:cs typeface="B Nazanin" panose="00000400000000000000" pitchFamily="2" charset="-78"/>
-              </a:rPr>
-              <a:t> </a:t>
-            </a:r>
-            <a:r>
-              <a:rPr lang="de-DE" sz="2000" dirty="0" err="1">
-                <a:cs typeface="B Nazanin" panose="00000400000000000000" pitchFamily="2" charset="-78"/>
-              </a:rPr>
-              <a:t>included</a:t>
-            </a:r>
-            <a:r>
-              <a:rPr lang="de-DE" sz="2000" dirty="0">
-                <a:cs typeface="B Nazanin" panose="00000400000000000000" pitchFamily="2" charset="-78"/>
-              </a:rPr>
-              <a:t> in </a:t>
-            </a:r>
-            <a:r>
-              <a:rPr lang="de-DE" sz="2000" dirty="0" err="1">
-                <a:cs typeface="B Nazanin" panose="00000400000000000000" pitchFamily="2" charset="-78"/>
-              </a:rPr>
-              <a:t>the</a:t>
-            </a:r>
-            <a:r>
-              <a:rPr lang="de-DE" sz="2000" dirty="0">
-                <a:cs typeface="B Nazanin" panose="00000400000000000000" pitchFamily="2" charset="-78"/>
-              </a:rPr>
-              <a:t> </a:t>
-            </a:r>
-            <a:r>
-              <a:rPr lang="de-DE" sz="2000" dirty="0" err="1">
-                <a:cs typeface="B Nazanin" panose="00000400000000000000" pitchFamily="2" charset="-78"/>
-              </a:rPr>
-              <a:t>dataset</a:t>
-            </a:r>
-            <a:r>
-              <a:rPr lang="de-DE" sz="2000" dirty="0">
-                <a:cs typeface="B Nazanin" panose="00000400000000000000" pitchFamily="2" charset="-78"/>
-              </a:rPr>
-              <a:t>?</a:t>
-            </a:r>
           </a:p>
           <a:p>
             <a:pPr algn="r" rtl="1"/>
@@ -8229,14 +8567,20 @@
           <a:p>
             <a:pPr algn="r" rtl="1"/>
             <a:r>
+              <a:rPr lang="ar-SA" sz="2000" b="1" dirty="0">
+                <a:cs typeface="B Nazanin" panose="00000400000000000000" pitchFamily="2" charset="-78"/>
+              </a:rPr>
+              <a:t>روش انجام کار:</a:t>
+            </a:r>
+          </a:p>
+          <a:p>
+            <a:pPr algn="r" rtl="1"/>
+            <a:r>
               <a:rPr lang="ar-SA" sz="2000" dirty="0">
                 <a:cs typeface="B Nazanin" panose="00000400000000000000" pitchFamily="2" charset="-78"/>
               </a:rPr>
-              <a:t>روش انجام کار:برای پاسخ به این سوال، مراحل زیر را انجام دادیم:</a:t>
-            </a:r>
-            <a:endParaRPr lang="en-US" sz="2000" dirty="0">
-              <a:cs typeface="B Nazanin" panose="00000400000000000000" pitchFamily="2" charset="-78"/>
-            </a:endParaRPr>
+              <a:t>بارگذاری اطلاعات بازیکنان تیم‌های میزبان و مهمان</a:t>
+            </a:r>
           </a:p>
           <a:p>
             <a:pPr algn="r" rtl="1"/>
@@ -8244,173 +8588,26 @@
               <a:rPr lang="ar-SA" sz="2000" dirty="0">
                 <a:cs typeface="B Nazanin" panose="00000400000000000000" pitchFamily="2" charset="-78"/>
               </a:rPr>
-              <a:t>ابتدا دو فایل </a:t>
-            </a:r>
-            <a:r>
-              <a:rPr lang="de-DE" sz="2000" dirty="0">
-                <a:cs typeface="B Nazanin" panose="00000400000000000000" pitchFamily="2" charset="-78"/>
-              </a:rPr>
-              <a:t>MatchAwayTeamInfo.csv </a:t>
-            </a:r>
+              <a:t>استخراج شناسه بازیکنان</a:t>
+            </a:r>
+          </a:p>
+          <a:p>
+            <a:pPr algn="r" rtl="1"/>
             <a:r>
               <a:rPr lang="ar-SA" sz="2000" dirty="0">
                 <a:cs typeface="B Nazanin" panose="00000400000000000000" pitchFamily="2" charset="-78"/>
               </a:rPr>
-              <a:t>و </a:t>
-            </a:r>
-            <a:r>
-              <a:rPr lang="de-DE" sz="2000" dirty="0">
-                <a:cs typeface="B Nazanin" panose="00000400000000000000" pitchFamily="2" charset="-78"/>
-              </a:rPr>
-              <a:t>MatchHomeTeamInfo.csv </a:t>
-            </a:r>
+              <a:t>ترکیب و حذف موارد تکراری</a:t>
+            </a:r>
+          </a:p>
+          <a:p>
+            <a:pPr algn="r" rtl="1"/>
             <a:r>
               <a:rPr lang="ar-SA" sz="2000" dirty="0">
                 <a:cs typeface="B Nazanin" panose="00000400000000000000" pitchFamily="2" charset="-78"/>
               </a:rPr>
-              <a:t>را با استفاده از کتابخانه </a:t>
-            </a:r>
-            <a:r>
-              <a:rPr lang="de-DE" sz="2000" dirty="0" err="1">
-                <a:cs typeface="B Nazanin" panose="00000400000000000000" pitchFamily="2" charset="-78"/>
-              </a:rPr>
-              <a:t>pandas</a:t>
-            </a:r>
-            <a:r>
-              <a:rPr lang="de-DE" sz="2000" dirty="0">
-                <a:cs typeface="B Nazanin" panose="00000400000000000000" pitchFamily="2" charset="-78"/>
-              </a:rPr>
-              <a:t> </a:t>
-            </a:r>
-            <a:r>
-              <a:rPr lang="ar-SA" sz="2000" dirty="0">
-                <a:cs typeface="B Nazanin" panose="00000400000000000000" pitchFamily="2" charset="-78"/>
-              </a:rPr>
-              <a:t>بارگذاری کردیم.</a:t>
-            </a:r>
-            <a:endParaRPr lang="en-US" sz="2000" dirty="0">
-              <a:cs typeface="B Nazanin" panose="00000400000000000000" pitchFamily="2" charset="-78"/>
-            </a:endParaRPr>
-          </a:p>
-          <a:p>
-            <a:pPr algn="r" rtl="1"/>
-            <a:r>
-              <a:rPr lang="ar-SA" sz="2000" dirty="0">
-                <a:cs typeface="B Nazanin" panose="00000400000000000000" pitchFamily="2" charset="-78"/>
-              </a:rPr>
-              <a:t>ستون </a:t>
-            </a:r>
-            <a:r>
-              <a:rPr lang="de-DE" sz="2000" dirty="0" err="1">
-                <a:cs typeface="B Nazanin" panose="00000400000000000000" pitchFamily="2" charset="-78"/>
-              </a:rPr>
-              <a:t>player_id</a:t>
-            </a:r>
-            <a:r>
-              <a:rPr lang="de-DE" sz="2000" dirty="0">
-                <a:cs typeface="B Nazanin" panose="00000400000000000000" pitchFamily="2" charset="-78"/>
-              </a:rPr>
-              <a:t> </a:t>
-            </a:r>
-            <a:r>
-              <a:rPr lang="ar-SA" sz="2000" dirty="0">
-                <a:cs typeface="B Nazanin" panose="00000400000000000000" pitchFamily="2" charset="-78"/>
-              </a:rPr>
-              <a:t>را از هر دو فایل استخراج کردیم.</a:t>
-            </a:r>
-            <a:endParaRPr lang="en-US" sz="2000" dirty="0">
-              <a:cs typeface="B Nazanin" panose="00000400000000000000" pitchFamily="2" charset="-78"/>
-            </a:endParaRPr>
-          </a:p>
-          <a:p>
-            <a:pPr algn="r" rtl="1"/>
-            <a:r>
-              <a:rPr lang="ar-SA" sz="2000" dirty="0">
-                <a:cs typeface="B Nazanin" panose="00000400000000000000" pitchFamily="2" charset="-78"/>
-              </a:rPr>
-              <a:t>این دو ستون را با استفاده از تابع </a:t>
-            </a:r>
-            <a:r>
-              <a:rPr lang="de-DE" sz="2000" dirty="0" err="1">
-                <a:cs typeface="B Nazanin" panose="00000400000000000000" pitchFamily="2" charset="-78"/>
-              </a:rPr>
-              <a:t>concat</a:t>
-            </a:r>
-            <a:r>
-              <a:rPr lang="de-DE" sz="2000" dirty="0">
-                <a:cs typeface="B Nazanin" panose="00000400000000000000" pitchFamily="2" charset="-78"/>
-              </a:rPr>
-              <a:t> </a:t>
-            </a:r>
-            <a:r>
-              <a:rPr lang="ar-SA" sz="2000" dirty="0">
-                <a:cs typeface="B Nazanin" panose="00000400000000000000" pitchFamily="2" charset="-78"/>
-              </a:rPr>
-              <a:t>در یک مجموعه ترکیب کردیم.</a:t>
-            </a:r>
-            <a:endParaRPr lang="en-US" sz="2000" dirty="0">
-              <a:cs typeface="B Nazanin" panose="00000400000000000000" pitchFamily="2" charset="-78"/>
-            </a:endParaRPr>
-          </a:p>
-          <a:p>
-            <a:pPr algn="r" rtl="1"/>
-            <a:r>
-              <a:rPr lang="ar-SA" sz="2000" dirty="0">
-                <a:cs typeface="B Nazanin" panose="00000400000000000000" pitchFamily="2" charset="-78"/>
-              </a:rPr>
-              <a:t>از تابع </a:t>
-            </a:r>
-            <a:r>
-              <a:rPr lang="de-DE" sz="2000" dirty="0" err="1">
-                <a:cs typeface="B Nazanin" panose="00000400000000000000" pitchFamily="2" charset="-78"/>
-              </a:rPr>
-              <a:t>unique</a:t>
-            </a:r>
-            <a:r>
-              <a:rPr lang="de-DE" sz="2000" dirty="0">
-                <a:cs typeface="B Nazanin" panose="00000400000000000000" pitchFamily="2" charset="-78"/>
-              </a:rPr>
-              <a:t>() </a:t>
-            </a:r>
-            <a:r>
-              <a:rPr lang="ar-SA" sz="2000" dirty="0">
-                <a:cs typeface="B Nazanin" panose="00000400000000000000" pitchFamily="2" charset="-78"/>
-              </a:rPr>
-              <a:t>برای پیدا کردن شناسه‌های منحصر به فرد بازیکنان استفاده کردیم.</a:t>
-            </a:r>
-            <a:endParaRPr lang="en-US" sz="2000" dirty="0">
-              <a:cs typeface="B Nazanin" panose="00000400000000000000" pitchFamily="2" charset="-78"/>
-            </a:endParaRPr>
-          </a:p>
-          <a:p>
-            <a:pPr algn="r" rtl="1"/>
-            <a:r>
-              <a:rPr lang="ar-SA" sz="2000" dirty="0">
-                <a:cs typeface="B Nazanin" panose="00000400000000000000" pitchFamily="2" charset="-78"/>
-              </a:rPr>
-              <a:t>در نهایت، تعداد بازیکنان منحصربه‌فرد را با استفاده از تابع </a:t>
-            </a:r>
-            <a:r>
-              <a:rPr lang="de-DE" sz="2000" dirty="0" err="1">
-                <a:cs typeface="B Nazanin" panose="00000400000000000000" pitchFamily="2" charset="-78"/>
-              </a:rPr>
-              <a:t>len</a:t>
-            </a:r>
-            <a:r>
-              <a:rPr lang="de-DE" sz="2000" dirty="0">
-                <a:cs typeface="B Nazanin" panose="00000400000000000000" pitchFamily="2" charset="-78"/>
-              </a:rPr>
-              <a:t>() </a:t>
-            </a:r>
-            <a:r>
-              <a:rPr lang="ar-SA" sz="2000" dirty="0">
-                <a:cs typeface="B Nazanin" panose="00000400000000000000" pitchFamily="2" charset="-78"/>
-              </a:rPr>
-              <a:t>محاسبه کردیم.</a:t>
-            </a:r>
-            <a:endParaRPr lang="en-US" sz="2000" dirty="0">
-              <a:cs typeface="B Nazanin" panose="00000400000000000000" pitchFamily="2" charset="-78"/>
-            </a:endParaRPr>
+              <a:t>محاسبه تعداد بازیکنان منحصربه‌فرد</a:t>
+            </a:r>
           </a:p>
           <a:p>
             <a:pPr algn="r" rtl="1"/>
@@ -8484,10 +8681,10 @@
       </p:grpSpPr>
       <p:sp>
         <p:nvSpPr>
-          <p:cNvPr id="8" name="TextBox 7">
+          <p:cNvPr id="5" name="TextBox 4">
             <a:extLst>
               <a:ext uri="{FF2B5EF4-FFF2-40B4-BE49-F238E27FC236}">
-                <a16:creationId xmlns:a16="http://schemas.microsoft.com/office/drawing/2014/main" id="{7A18CD59-63E4-07CE-82A8-80478FC040AF}"/>
+                <a16:creationId xmlns:a16="http://schemas.microsoft.com/office/drawing/2014/main" id="{AFECEE20-10BB-C10D-CCD1-B165F2673C2B}"/>
               </a:ext>
             </a:extLst>
           </p:cNvPr>
@@ -8496,1448 +8693,192 @@
         </p:nvSpPr>
         <p:spPr>
           <a:xfrm>
-            <a:off x="5181604" y="1676400"/>
-            <a:ext cx="5638796" cy="3505200"/>
+            <a:off x="4269757" y="1494335"/>
+            <a:ext cx="6097022" cy="3477875"/>
           </a:xfrm>
           <a:prstGeom prst="rect">
             <a:avLst/>
           </a:prstGeom>
+          <a:noFill/>
         </p:spPr>
         <p:txBody>
-          <a:bodyPr vert="horz" lIns="91440" tIns="45720" rIns="91440" bIns="45720" rtlCol="0">
-            <a:normAutofit/>
+          <a:bodyPr wrap="square">
+            <a:spAutoFit/>
           </a:bodyPr>
           <a:lstStyle/>
           <a:p>
-            <a:pPr indent="-228600">
-              <a:lnSpc>
-                <a:spcPct val="90000"/>
-              </a:lnSpc>
-              <a:spcAft>
-                <a:spcPts val="600"/>
-              </a:spcAft>
+            <a:pPr algn="r" rtl="1"/>
+            <a:r>
+              <a:rPr lang="fa-IR" dirty="0"/>
+              <a:t>سوال 2: </a:t>
+            </a:r>
+            <a:r>
+              <a:rPr lang="en-US" sz="2000" dirty="0" err="1">
+                <a:cs typeface="B Nazanin" panose="00000400000000000000" pitchFamily="2" charset="-78"/>
+              </a:rPr>
+              <a:t>میانگین</a:t>
+            </a:r>
+            <a:r>
+              <a:rPr lang="en-US" sz="2000" dirty="0">
+                <a:cs typeface="B Nazanin" panose="00000400000000000000" pitchFamily="2" charset="-78"/>
+              </a:rPr>
+              <a:t> </a:t>
+            </a:r>
+            <a:r>
+              <a:rPr lang="en-US" sz="2000" dirty="0" err="1">
+                <a:cs typeface="B Nazanin" panose="00000400000000000000" pitchFamily="2" charset="-78"/>
+              </a:rPr>
+              <a:t>قد</a:t>
+            </a:r>
+            <a:r>
+              <a:rPr lang="en-US" sz="2000" dirty="0">
+                <a:cs typeface="B Nazanin" panose="00000400000000000000" pitchFamily="2" charset="-78"/>
+              </a:rPr>
+              <a:t> </a:t>
+            </a:r>
+            <a:r>
+              <a:rPr lang="en-US" sz="2000" dirty="0" err="1">
+                <a:cs typeface="B Nazanin" panose="00000400000000000000" pitchFamily="2" charset="-78"/>
+              </a:rPr>
+              <a:t>بازیکنان</a:t>
+            </a:r>
+            <a:r>
+              <a:rPr lang="en-US" sz="2000" dirty="0">
+                <a:cs typeface="B Nazanin" panose="00000400000000000000" pitchFamily="2" charset="-78"/>
+              </a:rPr>
+              <a:t> </a:t>
+            </a:r>
+            <a:r>
+              <a:rPr lang="en-US" sz="2000" dirty="0" err="1">
+                <a:cs typeface="B Nazanin" panose="00000400000000000000" pitchFamily="2" charset="-78"/>
+              </a:rPr>
+              <a:t>چقدر</a:t>
+            </a:r>
+            <a:r>
+              <a:rPr lang="en-US" sz="2000" dirty="0">
+                <a:cs typeface="B Nazanin" panose="00000400000000000000" pitchFamily="2" charset="-78"/>
+              </a:rPr>
+              <a:t> </a:t>
+            </a:r>
+            <a:r>
+              <a:rPr lang="en-US" sz="2000" dirty="0" err="1">
+                <a:cs typeface="B Nazanin" panose="00000400000000000000" pitchFamily="2" charset="-78"/>
+              </a:rPr>
+              <a:t>است</a:t>
+            </a:r>
+            <a:r>
+              <a:rPr lang="en-US" sz="2000" dirty="0">
+                <a:cs typeface="B Nazanin" panose="00000400000000000000" pitchFamily="2" charset="-78"/>
+              </a:rPr>
+              <a:t>؟</a:t>
+            </a:r>
+          </a:p>
+          <a:p>
+            <a:pPr algn="r" rtl="1">
+              <a:buNone/>
+            </a:pPr>
+            <a:endParaRPr lang="fa-IR" sz="2000" dirty="0">
+              <a:cs typeface="B Nazanin" panose="00000400000000000000" pitchFamily="2" charset="-78"/>
+            </a:endParaRPr>
+          </a:p>
+          <a:p>
+            <a:pPr algn="r" rtl="1">
+              <a:buNone/>
+            </a:pPr>
+            <a:r>
+              <a:rPr lang="ar-SA" sz="2000" b="1" dirty="0">
+                <a:cs typeface="B Nazanin" panose="00000400000000000000" pitchFamily="2" charset="-78"/>
+              </a:rPr>
+              <a:t>روش انجام کار:</a:t>
+            </a:r>
+            <a:endParaRPr lang="fa-IR" sz="2000" b="1" dirty="0">
+              <a:cs typeface="B Nazanin" panose="00000400000000000000" pitchFamily="2" charset="-78"/>
+            </a:endParaRPr>
+          </a:p>
+          <a:p>
+            <a:pPr algn="r" rtl="1">
+              <a:buNone/>
+            </a:pPr>
+            <a:endParaRPr lang="ar-SA" sz="2000" dirty="0">
+              <a:cs typeface="B Nazanin" panose="00000400000000000000" pitchFamily="2" charset="-78"/>
+            </a:endParaRPr>
+          </a:p>
+          <a:p>
+            <a:pPr algn="r" rtl="1">
               <a:buFont typeface="Arial" panose="020B0604020202020204" pitchFamily="34" charset="0"/>
               <a:buChar char="•"/>
             </a:pPr>
             <a:r>
-              <a:rPr lang="en-US" sz="1500" dirty="0">
-                <a:solidFill>
-                  <a:schemeClr val="tx1">
-                    <a:alpha val="55000"/>
-                  </a:schemeClr>
-                </a:solidFill>
-              </a:rPr>
-              <a:t>:</a:t>
-            </a:r>
-            <a:r>
-              <a:rPr lang="en-US" sz="1500" dirty="0" err="1">
-                <a:solidFill>
-                  <a:schemeClr val="tx1">
-                    <a:alpha val="55000"/>
-                  </a:schemeClr>
-                </a:solidFill>
-              </a:rPr>
-              <a:t>میانگین</a:t>
-            </a:r>
-            <a:r>
-              <a:rPr lang="en-US" sz="1500" dirty="0">
-                <a:solidFill>
-                  <a:schemeClr val="tx1">
-                    <a:alpha val="55000"/>
-                  </a:schemeClr>
-                </a:solidFill>
-              </a:rPr>
-              <a:t> </a:t>
-            </a:r>
-            <a:r>
-              <a:rPr lang="en-US" sz="1500" dirty="0" err="1">
-                <a:solidFill>
-                  <a:schemeClr val="tx1">
-                    <a:alpha val="55000"/>
-                  </a:schemeClr>
-                </a:solidFill>
-              </a:rPr>
-              <a:t>قد</a:t>
-            </a:r>
-            <a:r>
-              <a:rPr lang="en-US" sz="1500" dirty="0">
-                <a:solidFill>
-                  <a:schemeClr val="tx1">
-                    <a:alpha val="55000"/>
-                  </a:schemeClr>
-                </a:solidFill>
-              </a:rPr>
-              <a:t> </a:t>
-            </a:r>
-            <a:r>
-              <a:rPr lang="en-US" sz="1500" dirty="0" err="1">
-                <a:solidFill>
-                  <a:schemeClr val="tx1">
-                    <a:alpha val="55000"/>
-                  </a:schemeClr>
-                </a:solidFill>
-              </a:rPr>
-              <a:t>بازیکنان</a:t>
-            </a:r>
-            <a:r>
-              <a:rPr lang="en-US" sz="1500" dirty="0">
-                <a:solidFill>
-                  <a:schemeClr val="tx1">
-                    <a:alpha val="55000"/>
-                  </a:schemeClr>
-                </a:solidFill>
-              </a:rPr>
-              <a:t> </a:t>
-            </a:r>
-            <a:r>
-              <a:rPr lang="en-US" sz="1500" dirty="0" err="1">
-                <a:solidFill>
-                  <a:schemeClr val="tx1">
-                    <a:alpha val="55000"/>
-                  </a:schemeClr>
-                </a:solidFill>
-              </a:rPr>
-              <a:t>چقدر</a:t>
-            </a:r>
-            <a:r>
-              <a:rPr lang="en-US" sz="1500" dirty="0">
-                <a:solidFill>
-                  <a:schemeClr val="tx1">
-                    <a:alpha val="55000"/>
-                  </a:schemeClr>
-                </a:solidFill>
-              </a:rPr>
-              <a:t> </a:t>
-            </a:r>
-            <a:r>
-              <a:rPr lang="en-US" sz="1500" dirty="0" err="1">
-                <a:solidFill>
-                  <a:schemeClr val="tx1">
-                    <a:alpha val="55000"/>
-                  </a:schemeClr>
-                </a:solidFill>
-              </a:rPr>
-              <a:t>است</a:t>
-            </a:r>
-            <a:r>
-              <a:rPr lang="en-US" sz="1500" dirty="0">
-                <a:solidFill>
-                  <a:schemeClr val="tx1">
-                    <a:alpha val="55000"/>
-                  </a:schemeClr>
-                </a:solidFill>
-              </a:rPr>
-              <a:t>؟</a:t>
-            </a:r>
-          </a:p>
-          <a:p>
-            <a:pPr indent="-228600">
-              <a:lnSpc>
-                <a:spcPct val="90000"/>
-              </a:lnSpc>
-              <a:spcAft>
-                <a:spcPts val="600"/>
-              </a:spcAft>
+              <a:rPr lang="ar-SA" sz="2000" dirty="0">
+                <a:cs typeface="B Nazanin" panose="00000400000000000000" pitchFamily="2" charset="-78"/>
+              </a:rPr>
+              <a:t>بارگذاری اطلاعات بازیکنان تیم‌های میزبان و میهمان</a:t>
+            </a:r>
+          </a:p>
+          <a:p>
+            <a:pPr algn="r" rtl="1">
               <a:buFont typeface="Arial" panose="020B0604020202020204" pitchFamily="34" charset="0"/>
               <a:buChar char="•"/>
             </a:pPr>
             <a:r>
-              <a:rPr lang="en-US" sz="1500" dirty="0">
-                <a:solidFill>
-                  <a:schemeClr val="tx1">
-                    <a:alpha val="55000"/>
-                  </a:schemeClr>
-                </a:solidFill>
-              </a:rPr>
-              <a:t>What is the average height of the players?</a:t>
-            </a:r>
-          </a:p>
-          <a:p>
-            <a:pPr indent="-228600">
-              <a:lnSpc>
-                <a:spcPct val="90000"/>
-              </a:lnSpc>
-              <a:spcAft>
-                <a:spcPts val="600"/>
-              </a:spcAft>
+              <a:rPr lang="ar-SA" sz="2000" dirty="0">
+                <a:cs typeface="B Nazanin" panose="00000400000000000000" pitchFamily="2" charset="-78"/>
+              </a:rPr>
+              <a:t>محاسبه میانگین قد هر گروه</a:t>
+            </a:r>
+          </a:p>
+          <a:p>
+            <a:pPr algn="r" rtl="1">
               <a:buFont typeface="Arial" panose="020B0604020202020204" pitchFamily="34" charset="0"/>
               <a:buChar char="•"/>
             </a:pPr>
             <a:r>
-              <a:rPr lang="en-US" sz="1500" dirty="0" err="1">
-                <a:solidFill>
-                  <a:schemeClr val="tx1">
-                    <a:alpha val="55000"/>
-                  </a:schemeClr>
-                </a:solidFill>
-              </a:rPr>
-              <a:t>روش</a:t>
-            </a:r>
-            <a:r>
-              <a:rPr lang="en-US" sz="1500" dirty="0">
-                <a:solidFill>
-                  <a:schemeClr val="tx1">
-                    <a:alpha val="55000"/>
-                  </a:schemeClr>
-                </a:solidFill>
-              </a:rPr>
-              <a:t> </a:t>
-            </a:r>
-            <a:r>
-              <a:rPr lang="en-US" sz="1500" dirty="0" err="1">
-                <a:solidFill>
-                  <a:schemeClr val="tx1">
-                    <a:alpha val="55000"/>
-                  </a:schemeClr>
-                </a:solidFill>
-              </a:rPr>
-              <a:t>انجام</a:t>
-            </a:r>
-            <a:r>
-              <a:rPr lang="en-US" sz="1500" dirty="0">
-                <a:solidFill>
-                  <a:schemeClr val="tx1">
-                    <a:alpha val="55000"/>
-                  </a:schemeClr>
-                </a:solidFill>
-              </a:rPr>
-              <a:t> </a:t>
-            </a:r>
-            <a:r>
-              <a:rPr lang="en-US" sz="1500" dirty="0" err="1">
-                <a:solidFill>
-                  <a:schemeClr val="tx1">
-                    <a:alpha val="55000"/>
-                  </a:schemeClr>
-                </a:solidFill>
-              </a:rPr>
-              <a:t>کار</a:t>
-            </a:r>
-            <a:r>
-              <a:rPr lang="en-US" sz="1500" dirty="0">
-                <a:solidFill>
-                  <a:schemeClr val="tx1">
-                    <a:alpha val="55000"/>
-                  </a:schemeClr>
-                </a:solidFill>
-              </a:rPr>
-              <a:t>:</a:t>
-            </a:r>
-          </a:p>
-          <a:p>
-            <a:pPr indent="-228600">
-              <a:lnSpc>
-                <a:spcPct val="90000"/>
-              </a:lnSpc>
-              <a:spcAft>
-                <a:spcPts val="600"/>
-              </a:spcAft>
+              <a:rPr lang="ar-SA" sz="2000" dirty="0">
+                <a:cs typeface="B Nazanin" panose="00000400000000000000" pitchFamily="2" charset="-78"/>
+              </a:rPr>
+              <a:t>محاسبه میانگین کلی از میانگین دو تیم</a:t>
+            </a:r>
+            <a:endParaRPr lang="fa-IR" sz="2000" dirty="0">
+              <a:cs typeface="B Nazanin" panose="00000400000000000000" pitchFamily="2" charset="-78"/>
+            </a:endParaRPr>
+          </a:p>
+          <a:p>
+            <a:pPr algn="r" rtl="1">
               <a:buFont typeface="Arial" panose="020B0604020202020204" pitchFamily="34" charset="0"/>
               <a:buChar char="•"/>
             </a:pPr>
-            <a:r>
-              <a:rPr lang="en-US" sz="1500" dirty="0" err="1">
-                <a:solidFill>
-                  <a:schemeClr val="tx1">
-                    <a:alpha val="55000"/>
-                  </a:schemeClr>
-                </a:solidFill>
-              </a:rPr>
-              <a:t>برای</a:t>
-            </a:r>
-            <a:r>
-              <a:rPr lang="en-US" sz="1500" dirty="0">
-                <a:solidFill>
-                  <a:schemeClr val="tx1">
-                    <a:alpha val="55000"/>
-                  </a:schemeClr>
-                </a:solidFill>
-              </a:rPr>
-              <a:t> </a:t>
-            </a:r>
-            <a:r>
-              <a:rPr lang="en-US" sz="1500" dirty="0" err="1">
-                <a:solidFill>
-                  <a:schemeClr val="tx1">
-                    <a:alpha val="55000"/>
-                  </a:schemeClr>
-                </a:solidFill>
-              </a:rPr>
-              <a:t>محاسبه</a:t>
-            </a:r>
-            <a:r>
-              <a:rPr lang="en-US" sz="1500" dirty="0">
-                <a:solidFill>
-                  <a:schemeClr val="tx1">
-                    <a:alpha val="55000"/>
-                  </a:schemeClr>
-                </a:solidFill>
-              </a:rPr>
-              <a:t> </a:t>
-            </a:r>
-            <a:r>
-              <a:rPr lang="en-US" sz="1500" dirty="0" err="1">
-                <a:solidFill>
-                  <a:schemeClr val="tx1">
-                    <a:alpha val="55000"/>
-                  </a:schemeClr>
-                </a:solidFill>
-              </a:rPr>
-              <a:t>میانگین</a:t>
-            </a:r>
-            <a:r>
-              <a:rPr lang="en-US" sz="1500" dirty="0">
-                <a:solidFill>
-                  <a:schemeClr val="tx1">
-                    <a:alpha val="55000"/>
-                  </a:schemeClr>
-                </a:solidFill>
-              </a:rPr>
-              <a:t> </a:t>
-            </a:r>
-            <a:r>
-              <a:rPr lang="en-US" sz="1500" dirty="0" err="1">
-                <a:solidFill>
-                  <a:schemeClr val="tx1">
-                    <a:alpha val="55000"/>
-                  </a:schemeClr>
-                </a:solidFill>
-              </a:rPr>
-              <a:t>قد</a:t>
-            </a:r>
-            <a:r>
-              <a:rPr lang="en-US" sz="1500" dirty="0">
-                <a:solidFill>
-                  <a:schemeClr val="tx1">
-                    <a:alpha val="55000"/>
-                  </a:schemeClr>
-                </a:solidFill>
-              </a:rPr>
-              <a:t> </a:t>
-            </a:r>
-            <a:r>
-              <a:rPr lang="en-US" sz="1500" dirty="0" err="1">
-                <a:solidFill>
-                  <a:schemeClr val="tx1">
-                    <a:alpha val="55000"/>
-                  </a:schemeClr>
-                </a:solidFill>
-              </a:rPr>
-              <a:t>بازیکنان</a:t>
-            </a:r>
-            <a:r>
-              <a:rPr lang="en-US" sz="1500" dirty="0">
-                <a:solidFill>
-                  <a:schemeClr val="tx1">
-                    <a:alpha val="55000"/>
-                  </a:schemeClr>
-                </a:solidFill>
-              </a:rPr>
-              <a:t>، </a:t>
-            </a:r>
-            <a:r>
-              <a:rPr lang="en-US" sz="1500" dirty="0" err="1">
-                <a:solidFill>
-                  <a:schemeClr val="tx1">
-                    <a:alpha val="55000"/>
-                  </a:schemeClr>
-                </a:solidFill>
-              </a:rPr>
-              <a:t>مراحل</a:t>
-            </a:r>
-            <a:r>
-              <a:rPr lang="en-US" sz="1500" dirty="0">
-                <a:solidFill>
-                  <a:schemeClr val="tx1">
-                    <a:alpha val="55000"/>
-                  </a:schemeClr>
-                </a:solidFill>
-              </a:rPr>
-              <a:t> </a:t>
-            </a:r>
-            <a:r>
-              <a:rPr lang="en-US" sz="1500" dirty="0" err="1">
-                <a:solidFill>
-                  <a:schemeClr val="tx1">
-                    <a:alpha val="55000"/>
-                  </a:schemeClr>
-                </a:solidFill>
-              </a:rPr>
-              <a:t>زیر</a:t>
-            </a:r>
-            <a:r>
-              <a:rPr lang="en-US" sz="1500" dirty="0">
-                <a:solidFill>
-                  <a:schemeClr val="tx1">
-                    <a:alpha val="55000"/>
-                  </a:schemeClr>
-                </a:solidFill>
-              </a:rPr>
-              <a:t> </a:t>
-            </a:r>
-            <a:r>
-              <a:rPr lang="en-US" sz="1500" dirty="0" err="1">
-                <a:solidFill>
-                  <a:schemeClr val="tx1">
-                    <a:alpha val="55000"/>
-                  </a:schemeClr>
-                </a:solidFill>
-              </a:rPr>
-              <a:t>را</a:t>
-            </a:r>
-            <a:r>
-              <a:rPr lang="en-US" sz="1500" dirty="0">
-                <a:solidFill>
-                  <a:schemeClr val="tx1">
-                    <a:alpha val="55000"/>
-                  </a:schemeClr>
-                </a:solidFill>
-              </a:rPr>
-              <a:t> </a:t>
-            </a:r>
-            <a:r>
-              <a:rPr lang="en-US" sz="1500" dirty="0" err="1">
-                <a:solidFill>
-                  <a:schemeClr val="tx1">
-                    <a:alpha val="55000"/>
-                  </a:schemeClr>
-                </a:solidFill>
-              </a:rPr>
-              <a:t>انجام</a:t>
-            </a:r>
-            <a:r>
-              <a:rPr lang="en-US" sz="1500" dirty="0">
-                <a:solidFill>
-                  <a:schemeClr val="tx1">
-                    <a:alpha val="55000"/>
-                  </a:schemeClr>
-                </a:solidFill>
-              </a:rPr>
-              <a:t> </a:t>
-            </a:r>
-            <a:r>
-              <a:rPr lang="en-US" sz="1500" dirty="0" err="1">
-                <a:solidFill>
-                  <a:schemeClr val="tx1">
-                    <a:alpha val="55000"/>
-                  </a:schemeClr>
-                </a:solidFill>
-              </a:rPr>
-              <a:t>دادیم</a:t>
-            </a:r>
-            <a:r>
-              <a:rPr lang="en-US" sz="1500" dirty="0">
-                <a:solidFill>
-                  <a:schemeClr val="tx1">
-                    <a:alpha val="55000"/>
-                  </a:schemeClr>
-                </a:solidFill>
-              </a:rPr>
-              <a:t>:</a:t>
-            </a:r>
-          </a:p>
-          <a:p>
-            <a:pPr indent="-228600">
-              <a:lnSpc>
-                <a:spcPct val="90000"/>
-              </a:lnSpc>
-              <a:spcAft>
-                <a:spcPts val="600"/>
-              </a:spcAft>
+            <a:endParaRPr lang="fa-IR" sz="2000" dirty="0">
+              <a:cs typeface="B Nazanin" panose="00000400000000000000" pitchFamily="2" charset="-78"/>
+            </a:endParaRPr>
+          </a:p>
+          <a:p>
+            <a:pPr algn="r" rtl="1">
               <a:buFont typeface="Arial" panose="020B0604020202020204" pitchFamily="34" charset="0"/>
               <a:buChar char="•"/>
             </a:pPr>
-            <a:r>
-              <a:rPr lang="en-US" sz="1500" dirty="0" err="1">
-                <a:solidFill>
-                  <a:schemeClr val="tx1">
-                    <a:alpha val="55000"/>
-                  </a:schemeClr>
-                </a:solidFill>
-              </a:rPr>
-              <a:t>فایل‌های</a:t>
-            </a:r>
-            <a:r>
-              <a:rPr lang="en-US" sz="1500" dirty="0">
-                <a:solidFill>
-                  <a:schemeClr val="tx1">
-                    <a:alpha val="55000"/>
-                  </a:schemeClr>
-                </a:solidFill>
-              </a:rPr>
-              <a:t> MatchAwayTeamInfo.csv و MatchHomeTeamInfo.csv </a:t>
-            </a:r>
-            <a:r>
-              <a:rPr lang="en-US" sz="1500" dirty="0" err="1">
-                <a:solidFill>
-                  <a:schemeClr val="tx1">
-                    <a:alpha val="55000"/>
-                  </a:schemeClr>
-                </a:solidFill>
-              </a:rPr>
-              <a:t>را</a:t>
-            </a:r>
-            <a:r>
-              <a:rPr lang="en-US" sz="1500" dirty="0">
-                <a:solidFill>
-                  <a:schemeClr val="tx1">
-                    <a:alpha val="55000"/>
-                  </a:schemeClr>
-                </a:solidFill>
-              </a:rPr>
-              <a:t> </a:t>
-            </a:r>
-            <a:r>
-              <a:rPr lang="en-US" sz="1500" dirty="0" err="1">
-                <a:solidFill>
-                  <a:schemeClr val="tx1">
-                    <a:alpha val="55000"/>
-                  </a:schemeClr>
-                </a:solidFill>
-              </a:rPr>
-              <a:t>بارگذاری</a:t>
-            </a:r>
-            <a:r>
-              <a:rPr lang="en-US" sz="1500" dirty="0">
-                <a:solidFill>
-                  <a:schemeClr val="tx1">
-                    <a:alpha val="55000"/>
-                  </a:schemeClr>
-                </a:solidFill>
-              </a:rPr>
-              <a:t> </a:t>
-            </a:r>
-            <a:r>
-              <a:rPr lang="en-US" sz="1500" dirty="0" err="1">
-                <a:solidFill>
-                  <a:schemeClr val="tx1">
-                    <a:alpha val="55000"/>
-                  </a:schemeClr>
-                </a:solidFill>
-              </a:rPr>
-              <a:t>کردیم</a:t>
-            </a:r>
-            <a:r>
-              <a:rPr lang="en-US" sz="1500" dirty="0">
-                <a:solidFill>
-                  <a:schemeClr val="tx1">
-                    <a:alpha val="55000"/>
-                  </a:schemeClr>
-                </a:solidFill>
-              </a:rPr>
-              <a:t>.</a:t>
-            </a:r>
-          </a:p>
-          <a:p>
-            <a:pPr indent="-228600">
-              <a:lnSpc>
-                <a:spcPct val="90000"/>
-              </a:lnSpc>
-              <a:spcAft>
-                <a:spcPts val="600"/>
-              </a:spcAft>
-              <a:buFont typeface="Arial" panose="020B0604020202020204" pitchFamily="34" charset="0"/>
-              <a:buChar char="•"/>
-            </a:pPr>
-            <a:r>
-              <a:rPr lang="en-US" sz="1500" dirty="0" err="1">
-                <a:solidFill>
-                  <a:schemeClr val="tx1">
-                    <a:alpha val="55000"/>
-                  </a:schemeClr>
-                </a:solidFill>
-              </a:rPr>
-              <a:t>میانگین</a:t>
-            </a:r>
-            <a:r>
-              <a:rPr lang="en-US" sz="1500" dirty="0">
-                <a:solidFill>
-                  <a:schemeClr val="tx1">
-                    <a:alpha val="55000"/>
-                  </a:schemeClr>
-                </a:solidFill>
-              </a:rPr>
-              <a:t> </a:t>
-            </a:r>
-            <a:r>
-              <a:rPr lang="en-US" sz="1500" dirty="0" err="1">
-                <a:solidFill>
-                  <a:schemeClr val="tx1">
-                    <a:alpha val="55000"/>
-                  </a:schemeClr>
-                </a:solidFill>
-              </a:rPr>
-              <a:t>قد</a:t>
-            </a:r>
-            <a:r>
-              <a:rPr lang="en-US" sz="1500" dirty="0">
-                <a:solidFill>
-                  <a:schemeClr val="tx1">
-                    <a:alpha val="55000"/>
-                  </a:schemeClr>
-                </a:solidFill>
-              </a:rPr>
-              <a:t> </a:t>
-            </a:r>
-            <a:r>
-              <a:rPr lang="en-US" sz="1500" dirty="0" err="1">
-                <a:solidFill>
-                  <a:schemeClr val="tx1">
-                    <a:alpha val="55000"/>
-                  </a:schemeClr>
-                </a:solidFill>
-              </a:rPr>
-              <a:t>بازیکنان</a:t>
-            </a:r>
-            <a:r>
-              <a:rPr lang="en-US" sz="1500" dirty="0">
-                <a:solidFill>
-                  <a:schemeClr val="tx1">
-                    <a:alpha val="55000"/>
-                  </a:schemeClr>
-                </a:solidFill>
-              </a:rPr>
-              <a:t> </a:t>
-            </a:r>
-            <a:r>
-              <a:rPr lang="en-US" sz="1500" dirty="0" err="1">
-                <a:solidFill>
-                  <a:schemeClr val="tx1">
-                    <a:alpha val="55000"/>
-                  </a:schemeClr>
-                </a:solidFill>
-              </a:rPr>
-              <a:t>تیم</a:t>
-            </a:r>
-            <a:r>
-              <a:rPr lang="en-US" sz="1500" dirty="0">
-                <a:solidFill>
-                  <a:schemeClr val="tx1">
-                    <a:alpha val="55000"/>
-                  </a:schemeClr>
-                </a:solidFill>
-              </a:rPr>
-              <a:t> </a:t>
-            </a:r>
-            <a:r>
-              <a:rPr lang="en-US" sz="1500" dirty="0" err="1">
-                <a:solidFill>
-                  <a:schemeClr val="tx1">
-                    <a:alpha val="55000"/>
-                  </a:schemeClr>
-                </a:solidFill>
-              </a:rPr>
-              <a:t>میهمان</a:t>
-            </a:r>
-            <a:r>
-              <a:rPr lang="en-US" sz="1500" dirty="0">
-                <a:solidFill>
-                  <a:schemeClr val="tx1">
-                    <a:alpha val="55000"/>
-                  </a:schemeClr>
-                </a:solidFill>
-              </a:rPr>
-              <a:t> </a:t>
-            </a:r>
-            <a:r>
-              <a:rPr lang="en-US" sz="1500" dirty="0" err="1">
-                <a:solidFill>
-                  <a:schemeClr val="tx1">
-                    <a:alpha val="55000"/>
-                  </a:schemeClr>
-                </a:solidFill>
-              </a:rPr>
-              <a:t>را</a:t>
-            </a:r>
-            <a:r>
-              <a:rPr lang="en-US" sz="1500" dirty="0">
-                <a:solidFill>
-                  <a:schemeClr val="tx1">
-                    <a:alpha val="55000"/>
-                  </a:schemeClr>
-                </a:solidFill>
-              </a:rPr>
-              <a:t> </a:t>
-            </a:r>
-            <a:r>
-              <a:rPr lang="en-US" sz="1500" dirty="0" err="1">
-                <a:solidFill>
-                  <a:schemeClr val="tx1">
-                    <a:alpha val="55000"/>
-                  </a:schemeClr>
-                </a:solidFill>
-              </a:rPr>
-              <a:t>با</a:t>
-            </a:r>
-            <a:r>
-              <a:rPr lang="en-US" sz="1500" dirty="0">
-                <a:solidFill>
-                  <a:schemeClr val="tx1">
-                    <a:alpha val="55000"/>
-                  </a:schemeClr>
-                </a:solidFill>
-              </a:rPr>
-              <a:t> </a:t>
-            </a:r>
-            <a:r>
-              <a:rPr lang="en-US" sz="1500" dirty="0" err="1">
-                <a:solidFill>
-                  <a:schemeClr val="tx1">
-                    <a:alpha val="55000"/>
-                  </a:schemeClr>
-                </a:solidFill>
-              </a:rPr>
-              <a:t>استفاده</a:t>
-            </a:r>
-            <a:r>
-              <a:rPr lang="en-US" sz="1500" dirty="0">
-                <a:solidFill>
-                  <a:schemeClr val="tx1">
-                    <a:alpha val="55000"/>
-                  </a:schemeClr>
-                </a:solidFill>
-              </a:rPr>
-              <a:t> </a:t>
-            </a:r>
-            <a:r>
-              <a:rPr lang="en-US" sz="1500" dirty="0" err="1">
-                <a:solidFill>
-                  <a:schemeClr val="tx1">
-                    <a:alpha val="55000"/>
-                  </a:schemeClr>
-                </a:solidFill>
-              </a:rPr>
-              <a:t>از</a:t>
-            </a:r>
-            <a:r>
-              <a:rPr lang="en-US" sz="1500" dirty="0">
-                <a:solidFill>
-                  <a:schemeClr val="tx1">
-                    <a:alpha val="55000"/>
-                  </a:schemeClr>
-                </a:solidFill>
-              </a:rPr>
-              <a:t> </a:t>
-            </a:r>
-            <a:r>
-              <a:rPr lang="en-US" sz="1500" dirty="0" err="1">
-                <a:solidFill>
-                  <a:schemeClr val="tx1">
-                    <a:alpha val="55000"/>
-                  </a:schemeClr>
-                </a:solidFill>
-              </a:rPr>
-              <a:t>تابع</a:t>
-            </a:r>
-            <a:r>
-              <a:rPr lang="en-US" sz="1500" dirty="0">
-                <a:solidFill>
-                  <a:schemeClr val="tx1">
-                    <a:alpha val="55000"/>
-                  </a:schemeClr>
-                </a:solidFill>
-              </a:rPr>
-              <a:t> mean() </a:t>
-            </a:r>
-            <a:r>
-              <a:rPr lang="en-US" sz="1500" dirty="0" err="1">
-                <a:solidFill>
-                  <a:schemeClr val="tx1">
-                    <a:alpha val="55000"/>
-                  </a:schemeClr>
-                </a:solidFill>
-              </a:rPr>
-              <a:t>به</a:t>
-            </a:r>
-            <a:r>
-              <a:rPr lang="en-US" sz="1500" dirty="0">
-                <a:solidFill>
-                  <a:schemeClr val="tx1">
-                    <a:alpha val="55000"/>
-                  </a:schemeClr>
-                </a:solidFill>
-              </a:rPr>
-              <a:t> </a:t>
-            </a:r>
-            <a:r>
-              <a:rPr lang="en-US" sz="1500" dirty="0" err="1">
-                <a:solidFill>
-                  <a:schemeClr val="tx1">
-                    <a:alpha val="55000"/>
-                  </a:schemeClr>
-                </a:solidFill>
-              </a:rPr>
-              <a:t>دست</a:t>
-            </a:r>
-            <a:r>
-              <a:rPr lang="en-US" sz="1500" dirty="0">
-                <a:solidFill>
-                  <a:schemeClr val="tx1">
-                    <a:alpha val="55000"/>
-                  </a:schemeClr>
-                </a:solidFill>
-              </a:rPr>
-              <a:t> </a:t>
-            </a:r>
-            <a:r>
-              <a:rPr lang="en-US" sz="1500" dirty="0" err="1">
-                <a:solidFill>
-                  <a:schemeClr val="tx1">
-                    <a:alpha val="55000"/>
-                  </a:schemeClr>
-                </a:solidFill>
-              </a:rPr>
-              <a:t>آوردیم</a:t>
-            </a:r>
-            <a:endParaRPr lang="en-US" sz="1500" dirty="0">
-              <a:solidFill>
-                <a:schemeClr val="tx1">
-                  <a:alpha val="55000"/>
-                </a:schemeClr>
-              </a:solidFill>
+            <a:endParaRPr lang="ar-SA" sz="2000" dirty="0">
+              <a:cs typeface="B Nazanin" panose="00000400000000000000" pitchFamily="2" charset="-78"/>
             </a:endParaRPr>
           </a:p>
           <a:p>
-            <a:pPr indent="-228600">
-              <a:lnSpc>
-                <a:spcPct val="90000"/>
-              </a:lnSpc>
-              <a:spcAft>
-                <a:spcPts val="600"/>
-              </a:spcAft>
-              <a:buFont typeface="Arial" panose="020B0604020202020204" pitchFamily="34" charset="0"/>
-              <a:buChar char="•"/>
-            </a:pPr>
-            <a:r>
-              <a:rPr lang="en-US" sz="1500" dirty="0">
-                <a:solidFill>
-                  <a:schemeClr val="tx1">
-                    <a:alpha val="55000"/>
-                  </a:schemeClr>
-                </a:solidFill>
-              </a:rPr>
-              <a:t>.</a:t>
-            </a:r>
-            <a:r>
-              <a:rPr lang="en-US" sz="1500" dirty="0" err="1">
-                <a:solidFill>
-                  <a:schemeClr val="tx1">
-                    <a:alpha val="55000"/>
-                  </a:schemeClr>
-                </a:solidFill>
-              </a:rPr>
-              <a:t>همین</a:t>
-            </a:r>
-            <a:r>
-              <a:rPr lang="en-US" sz="1500" dirty="0">
-                <a:solidFill>
-                  <a:schemeClr val="tx1">
-                    <a:alpha val="55000"/>
-                  </a:schemeClr>
-                </a:solidFill>
-              </a:rPr>
-              <a:t> </a:t>
-            </a:r>
-            <a:r>
-              <a:rPr lang="en-US" sz="1500" dirty="0" err="1">
-                <a:solidFill>
-                  <a:schemeClr val="tx1">
-                    <a:alpha val="55000"/>
-                  </a:schemeClr>
-                </a:solidFill>
-              </a:rPr>
-              <a:t>کار</a:t>
-            </a:r>
-            <a:r>
-              <a:rPr lang="en-US" sz="1500" dirty="0">
-                <a:solidFill>
-                  <a:schemeClr val="tx1">
-                    <a:alpha val="55000"/>
-                  </a:schemeClr>
-                </a:solidFill>
-              </a:rPr>
-              <a:t> </a:t>
-            </a:r>
-            <a:r>
-              <a:rPr lang="en-US" sz="1500" dirty="0" err="1">
-                <a:solidFill>
-                  <a:schemeClr val="tx1">
-                    <a:alpha val="55000"/>
-                  </a:schemeClr>
-                </a:solidFill>
-              </a:rPr>
-              <a:t>را</a:t>
-            </a:r>
-            <a:r>
-              <a:rPr lang="en-US" sz="1500" dirty="0">
-                <a:solidFill>
-                  <a:schemeClr val="tx1">
-                    <a:alpha val="55000"/>
-                  </a:schemeClr>
-                </a:solidFill>
-              </a:rPr>
-              <a:t> </a:t>
-            </a:r>
-            <a:r>
-              <a:rPr lang="en-US" sz="1500" dirty="0" err="1">
-                <a:solidFill>
-                  <a:schemeClr val="tx1">
-                    <a:alpha val="55000"/>
-                  </a:schemeClr>
-                </a:solidFill>
-              </a:rPr>
-              <a:t>برای</a:t>
-            </a:r>
-            <a:r>
-              <a:rPr lang="en-US" sz="1500" dirty="0">
-                <a:solidFill>
-                  <a:schemeClr val="tx1">
-                    <a:alpha val="55000"/>
-                  </a:schemeClr>
-                </a:solidFill>
-              </a:rPr>
-              <a:t> </a:t>
-            </a:r>
-            <a:r>
-              <a:rPr lang="en-US" sz="1500" dirty="0" err="1">
-                <a:solidFill>
-                  <a:schemeClr val="tx1">
-                    <a:alpha val="55000"/>
-                  </a:schemeClr>
-                </a:solidFill>
-              </a:rPr>
-              <a:t>بازیکنان</a:t>
-            </a:r>
-            <a:r>
-              <a:rPr lang="en-US" sz="1500" dirty="0">
-                <a:solidFill>
-                  <a:schemeClr val="tx1">
-                    <a:alpha val="55000"/>
-                  </a:schemeClr>
-                </a:solidFill>
-              </a:rPr>
-              <a:t> </a:t>
-            </a:r>
-            <a:r>
-              <a:rPr lang="en-US" sz="1500" dirty="0" err="1">
-                <a:solidFill>
-                  <a:schemeClr val="tx1">
-                    <a:alpha val="55000"/>
-                  </a:schemeClr>
-                </a:solidFill>
-              </a:rPr>
-              <a:t>تیم</a:t>
-            </a:r>
-            <a:r>
-              <a:rPr lang="en-US" sz="1500" dirty="0">
-                <a:solidFill>
-                  <a:schemeClr val="tx1">
-                    <a:alpha val="55000"/>
-                  </a:schemeClr>
-                </a:solidFill>
-              </a:rPr>
-              <a:t> </a:t>
-            </a:r>
-            <a:r>
-              <a:rPr lang="en-US" sz="1500" dirty="0" err="1">
-                <a:solidFill>
-                  <a:schemeClr val="tx1">
-                    <a:alpha val="55000"/>
-                  </a:schemeClr>
-                </a:solidFill>
-              </a:rPr>
-              <a:t>میزبان</a:t>
-            </a:r>
-            <a:r>
-              <a:rPr lang="en-US" sz="1500" dirty="0">
-                <a:solidFill>
-                  <a:schemeClr val="tx1">
-                    <a:alpha val="55000"/>
-                  </a:schemeClr>
-                </a:solidFill>
-              </a:rPr>
-              <a:t> </a:t>
-            </a:r>
-            <a:r>
-              <a:rPr lang="en-US" sz="1500" dirty="0" err="1">
-                <a:solidFill>
-                  <a:schemeClr val="tx1">
-                    <a:alpha val="55000"/>
-                  </a:schemeClr>
-                </a:solidFill>
-              </a:rPr>
-              <a:t>انجام</a:t>
-            </a:r>
-            <a:r>
-              <a:rPr lang="en-US" sz="1500" dirty="0">
-                <a:solidFill>
-                  <a:schemeClr val="tx1">
-                    <a:alpha val="55000"/>
-                  </a:schemeClr>
-                </a:solidFill>
-              </a:rPr>
-              <a:t> </a:t>
-            </a:r>
-            <a:r>
-              <a:rPr lang="en-US" sz="1500" dirty="0" err="1">
-                <a:solidFill>
-                  <a:schemeClr val="tx1">
-                    <a:alpha val="55000"/>
-                  </a:schemeClr>
-                </a:solidFill>
-              </a:rPr>
-              <a:t>دادیم</a:t>
-            </a:r>
-            <a:r>
-              <a:rPr lang="en-US" sz="1500" dirty="0">
-                <a:solidFill>
-                  <a:schemeClr val="tx1">
-                    <a:alpha val="55000"/>
-                  </a:schemeClr>
-                </a:solidFill>
-              </a:rPr>
-              <a:t>.</a:t>
-            </a:r>
-          </a:p>
-          <a:p>
-            <a:pPr indent="-228600">
-              <a:lnSpc>
-                <a:spcPct val="90000"/>
-              </a:lnSpc>
-              <a:spcAft>
-                <a:spcPts val="600"/>
-              </a:spcAft>
-              <a:buFont typeface="Arial" panose="020B0604020202020204" pitchFamily="34" charset="0"/>
-              <a:buChar char="•"/>
-            </a:pPr>
-            <a:r>
-              <a:rPr lang="en-US" sz="1500" dirty="0" err="1">
-                <a:solidFill>
-                  <a:schemeClr val="tx1">
-                    <a:alpha val="55000"/>
-                  </a:schemeClr>
-                </a:solidFill>
-              </a:rPr>
-              <a:t>در</a:t>
-            </a:r>
-            <a:r>
-              <a:rPr lang="en-US" sz="1500" dirty="0">
-                <a:solidFill>
-                  <a:schemeClr val="tx1">
-                    <a:alpha val="55000"/>
-                  </a:schemeClr>
-                </a:solidFill>
-              </a:rPr>
-              <a:t> </a:t>
-            </a:r>
-            <a:r>
-              <a:rPr lang="en-US" sz="1500" dirty="0" err="1">
-                <a:solidFill>
-                  <a:schemeClr val="tx1">
-                    <a:alpha val="55000"/>
-                  </a:schemeClr>
-                </a:solidFill>
-              </a:rPr>
-              <a:t>نهایت</a:t>
-            </a:r>
-            <a:r>
-              <a:rPr lang="en-US" sz="1500" dirty="0">
-                <a:solidFill>
-                  <a:schemeClr val="tx1">
-                    <a:alpha val="55000"/>
-                  </a:schemeClr>
-                </a:solidFill>
-              </a:rPr>
-              <a:t>، </a:t>
-            </a:r>
-            <a:r>
-              <a:rPr lang="en-US" sz="1500" dirty="0" err="1">
-                <a:solidFill>
-                  <a:schemeClr val="tx1">
-                    <a:alpha val="55000"/>
-                  </a:schemeClr>
-                </a:solidFill>
-              </a:rPr>
-              <a:t>میانگین</a:t>
-            </a:r>
-            <a:r>
-              <a:rPr lang="en-US" sz="1500" dirty="0">
-                <a:solidFill>
-                  <a:schemeClr val="tx1">
-                    <a:alpha val="55000"/>
-                  </a:schemeClr>
-                </a:solidFill>
-              </a:rPr>
-              <a:t> </a:t>
-            </a:r>
-            <a:r>
-              <a:rPr lang="en-US" sz="1500" dirty="0" err="1">
-                <a:solidFill>
-                  <a:schemeClr val="tx1">
-                    <a:alpha val="55000"/>
-                  </a:schemeClr>
-                </a:solidFill>
-              </a:rPr>
-              <a:t>کلی</a:t>
-            </a:r>
-            <a:r>
-              <a:rPr lang="en-US" sz="1500" dirty="0">
-                <a:solidFill>
-                  <a:schemeClr val="tx1">
-                    <a:alpha val="55000"/>
-                  </a:schemeClr>
-                </a:solidFill>
-              </a:rPr>
-              <a:t> </a:t>
-            </a:r>
-            <a:r>
-              <a:rPr lang="en-US" sz="1500" dirty="0" err="1">
-                <a:solidFill>
-                  <a:schemeClr val="tx1">
-                    <a:alpha val="55000"/>
-                  </a:schemeClr>
-                </a:solidFill>
-              </a:rPr>
-              <a:t>قد</a:t>
-            </a:r>
-            <a:r>
-              <a:rPr lang="en-US" sz="1500" dirty="0">
-                <a:solidFill>
-                  <a:schemeClr val="tx1">
-                    <a:alpha val="55000"/>
-                  </a:schemeClr>
-                </a:solidFill>
-              </a:rPr>
-              <a:t> </a:t>
-            </a:r>
-            <a:r>
-              <a:rPr lang="en-US" sz="1500" dirty="0" err="1">
-                <a:solidFill>
-                  <a:schemeClr val="tx1">
-                    <a:alpha val="55000"/>
-                  </a:schemeClr>
-                </a:solidFill>
-              </a:rPr>
-              <a:t>بازیکنان</a:t>
-            </a:r>
-            <a:r>
-              <a:rPr lang="en-US" sz="1500" dirty="0">
-                <a:solidFill>
-                  <a:schemeClr val="tx1">
-                    <a:alpha val="55000"/>
-                  </a:schemeClr>
-                </a:solidFill>
-              </a:rPr>
-              <a:t> </a:t>
-            </a:r>
-            <a:r>
-              <a:rPr lang="en-US" sz="1500" dirty="0" err="1">
-                <a:solidFill>
-                  <a:schemeClr val="tx1">
-                    <a:alpha val="55000"/>
-                  </a:schemeClr>
-                </a:solidFill>
-              </a:rPr>
-              <a:t>را</a:t>
-            </a:r>
-            <a:r>
-              <a:rPr lang="en-US" sz="1500" dirty="0">
-                <a:solidFill>
-                  <a:schemeClr val="tx1">
-                    <a:alpha val="55000"/>
-                  </a:schemeClr>
-                </a:solidFill>
-              </a:rPr>
-              <a:t> </a:t>
-            </a:r>
-            <a:r>
-              <a:rPr lang="en-US" sz="1500" dirty="0" err="1">
-                <a:solidFill>
-                  <a:schemeClr val="tx1">
-                    <a:alpha val="55000"/>
-                  </a:schemeClr>
-                </a:solidFill>
-              </a:rPr>
-              <a:t>با</a:t>
-            </a:r>
-            <a:r>
-              <a:rPr lang="en-US" sz="1500" dirty="0">
-                <a:solidFill>
-                  <a:schemeClr val="tx1">
-                    <a:alpha val="55000"/>
-                  </a:schemeClr>
-                </a:solidFill>
-              </a:rPr>
-              <a:t> </a:t>
-            </a:r>
-            <a:r>
-              <a:rPr lang="en-US" sz="1500" dirty="0" err="1">
-                <a:solidFill>
-                  <a:schemeClr val="tx1">
-                    <a:alpha val="55000"/>
-                  </a:schemeClr>
-                </a:solidFill>
-              </a:rPr>
-              <a:t>محاسبه</a:t>
-            </a:r>
-            <a:r>
-              <a:rPr lang="en-US" sz="1500" dirty="0">
-                <a:solidFill>
-                  <a:schemeClr val="tx1">
-                    <a:alpha val="55000"/>
-                  </a:schemeClr>
-                </a:solidFill>
-              </a:rPr>
-              <a:t> </a:t>
-            </a:r>
-            <a:r>
-              <a:rPr lang="en-US" sz="1500" dirty="0" err="1">
-                <a:solidFill>
-                  <a:schemeClr val="tx1">
-                    <a:alpha val="55000"/>
-                  </a:schemeClr>
-                </a:solidFill>
-              </a:rPr>
-              <a:t>میانگین</a:t>
-            </a:r>
-            <a:r>
-              <a:rPr lang="en-US" sz="1500" dirty="0">
-                <a:solidFill>
-                  <a:schemeClr val="tx1">
-                    <a:alpha val="55000"/>
-                  </a:schemeClr>
-                </a:solidFill>
-              </a:rPr>
-              <a:t> </a:t>
-            </a:r>
-            <a:r>
-              <a:rPr lang="en-US" sz="1500" dirty="0" err="1">
-                <a:solidFill>
-                  <a:schemeClr val="tx1">
-                    <a:alpha val="55000"/>
-                  </a:schemeClr>
-                </a:solidFill>
-              </a:rPr>
-              <a:t>این</a:t>
-            </a:r>
-            <a:r>
-              <a:rPr lang="en-US" sz="1500" dirty="0">
-                <a:solidFill>
-                  <a:schemeClr val="tx1">
-                    <a:alpha val="55000"/>
-                  </a:schemeClr>
-                </a:solidFill>
-              </a:rPr>
-              <a:t> </a:t>
-            </a:r>
-            <a:r>
-              <a:rPr lang="en-US" sz="1500" dirty="0" err="1">
-                <a:solidFill>
-                  <a:schemeClr val="tx1">
-                    <a:alpha val="55000"/>
-                  </a:schemeClr>
-                </a:solidFill>
-              </a:rPr>
-              <a:t>دو</a:t>
-            </a:r>
-            <a:r>
-              <a:rPr lang="en-US" sz="1500" dirty="0">
-                <a:solidFill>
-                  <a:schemeClr val="tx1">
-                    <a:alpha val="55000"/>
-                  </a:schemeClr>
-                </a:solidFill>
-              </a:rPr>
-              <a:t> </a:t>
-            </a:r>
-            <a:r>
-              <a:rPr lang="en-US" sz="1500" dirty="0" err="1">
-                <a:solidFill>
-                  <a:schemeClr val="tx1">
-                    <a:alpha val="55000"/>
-                  </a:schemeClr>
-                </a:solidFill>
-              </a:rPr>
-              <a:t>مقدار</a:t>
-            </a:r>
-            <a:r>
-              <a:rPr lang="en-US" sz="1500" dirty="0">
-                <a:solidFill>
-                  <a:schemeClr val="tx1">
-                    <a:alpha val="55000"/>
-                  </a:schemeClr>
-                </a:solidFill>
-              </a:rPr>
-              <a:t> </a:t>
-            </a:r>
-            <a:r>
-              <a:rPr lang="en-US" sz="1500" dirty="0" err="1">
-                <a:solidFill>
-                  <a:schemeClr val="tx1">
-                    <a:alpha val="55000"/>
-                  </a:schemeClr>
-                </a:solidFill>
-              </a:rPr>
-              <a:t>به</a:t>
-            </a:r>
-            <a:r>
-              <a:rPr lang="en-US" sz="1500" dirty="0">
-                <a:solidFill>
-                  <a:schemeClr val="tx1">
-                    <a:alpha val="55000"/>
-                  </a:schemeClr>
-                </a:solidFill>
-              </a:rPr>
-              <a:t> </a:t>
-            </a:r>
-            <a:r>
-              <a:rPr lang="en-US" sz="1500" dirty="0" err="1">
-                <a:solidFill>
-                  <a:schemeClr val="tx1">
-                    <a:alpha val="55000"/>
-                  </a:schemeClr>
-                </a:solidFill>
-              </a:rPr>
-              <a:t>دست</a:t>
-            </a:r>
-            <a:r>
-              <a:rPr lang="en-US" sz="1500" dirty="0">
-                <a:solidFill>
-                  <a:schemeClr val="tx1">
-                    <a:alpha val="55000"/>
-                  </a:schemeClr>
-                </a:solidFill>
-              </a:rPr>
-              <a:t> </a:t>
-            </a:r>
-            <a:r>
-              <a:rPr lang="en-US" sz="1500" dirty="0" err="1">
-                <a:solidFill>
-                  <a:schemeClr val="tx1">
-                    <a:alpha val="55000"/>
-                  </a:schemeClr>
-                </a:solidFill>
-              </a:rPr>
-              <a:t>آوردیم</a:t>
-            </a:r>
-            <a:r>
-              <a:rPr lang="en-US" sz="1500" dirty="0">
-                <a:solidFill>
-                  <a:schemeClr val="tx1">
-                    <a:alpha val="55000"/>
-                  </a:schemeClr>
-                </a:solidFill>
-              </a:rPr>
-              <a:t>.</a:t>
-            </a:r>
-          </a:p>
-          <a:p>
-            <a:pPr indent="-228600">
-              <a:lnSpc>
-                <a:spcPct val="90000"/>
-              </a:lnSpc>
-              <a:spcAft>
-                <a:spcPts val="600"/>
-              </a:spcAft>
-              <a:buFont typeface="Arial" panose="020B0604020202020204" pitchFamily="34" charset="0"/>
-              <a:buChar char="•"/>
-            </a:pPr>
-            <a:endParaRPr lang="en-US" sz="1500" dirty="0">
-              <a:solidFill>
-                <a:schemeClr val="tx1">
-                  <a:alpha val="55000"/>
-                </a:schemeClr>
-              </a:solidFill>
-            </a:endParaRPr>
-          </a:p>
-          <a:p>
-            <a:pPr indent="-228600">
-              <a:lnSpc>
-                <a:spcPct val="90000"/>
-              </a:lnSpc>
-              <a:spcAft>
-                <a:spcPts val="600"/>
-              </a:spcAft>
-              <a:buFont typeface="Arial" panose="020B0604020202020204" pitchFamily="34" charset="0"/>
-              <a:buChar char="•"/>
-            </a:pPr>
-            <a:r>
-              <a:rPr lang="en-US" sz="1500" dirty="0" err="1">
-                <a:solidFill>
-                  <a:schemeClr val="tx1">
-                    <a:alpha val="55000"/>
-                  </a:schemeClr>
-                </a:solidFill>
-              </a:rPr>
-              <a:t>نتیجه:میانگین</a:t>
-            </a:r>
-            <a:r>
-              <a:rPr lang="en-US" sz="1500" dirty="0">
-                <a:solidFill>
-                  <a:schemeClr val="tx1">
-                    <a:alpha val="55000"/>
-                  </a:schemeClr>
-                </a:solidFill>
-              </a:rPr>
-              <a:t> </a:t>
-            </a:r>
-            <a:r>
-              <a:rPr lang="en-US" sz="1500" dirty="0" err="1">
-                <a:solidFill>
-                  <a:schemeClr val="tx1">
-                    <a:alpha val="55000"/>
-                  </a:schemeClr>
-                </a:solidFill>
-              </a:rPr>
-              <a:t>قد</a:t>
-            </a:r>
-            <a:r>
-              <a:rPr lang="en-US" sz="1500" dirty="0">
-                <a:solidFill>
-                  <a:schemeClr val="tx1">
-                    <a:alpha val="55000"/>
-                  </a:schemeClr>
-                </a:solidFill>
-              </a:rPr>
-              <a:t> </a:t>
-            </a:r>
-            <a:r>
-              <a:rPr lang="en-US" sz="1500" dirty="0" err="1">
-                <a:solidFill>
-                  <a:schemeClr val="tx1">
-                    <a:alpha val="55000"/>
-                  </a:schemeClr>
-                </a:solidFill>
-              </a:rPr>
-              <a:t>بازیکنان</a:t>
-            </a:r>
-            <a:r>
-              <a:rPr lang="en-US" sz="1500" dirty="0">
-                <a:solidFill>
-                  <a:schemeClr val="tx1">
-                    <a:alpha val="55000"/>
-                  </a:schemeClr>
-                </a:solidFill>
-              </a:rPr>
-              <a:t>: ۱.۸۲ </a:t>
-            </a:r>
-            <a:r>
-              <a:rPr lang="en-US" sz="1500" dirty="0" err="1">
-                <a:solidFill>
-                  <a:schemeClr val="tx1">
-                    <a:alpha val="55000"/>
-                  </a:schemeClr>
-                </a:solidFill>
-              </a:rPr>
-              <a:t>متر</a:t>
-            </a:r>
-            <a:endParaRPr lang="en-US" sz="1500" dirty="0">
-              <a:solidFill>
-                <a:schemeClr val="tx1">
-                  <a:alpha val="55000"/>
-                </a:schemeClr>
-              </a:solidFill>
-            </a:endParaRPr>
+            <a:pPr algn="r" rtl="1"/>
+            <a:r>
+              <a:rPr lang="ar-SA" sz="2000" b="1" dirty="0">
+                <a:cs typeface="B Nazanin" panose="00000400000000000000" pitchFamily="2" charset="-78"/>
+              </a:rPr>
+              <a:t>نتیجه:</a:t>
+            </a:r>
+            <a:br>
+              <a:rPr lang="ar-SA" sz="2000" b="1" dirty="0">
+                <a:cs typeface="B Nazanin" panose="00000400000000000000" pitchFamily="2" charset="-78"/>
+              </a:rPr>
+            </a:br>
+            <a:r>
+              <a:rPr lang="ar-SA" sz="2000" b="1" dirty="0">
+                <a:cs typeface="B Nazanin" panose="00000400000000000000" pitchFamily="2" charset="-78"/>
+              </a:rPr>
+              <a:t>میانگین قد بازیکنان: ۱.۸۲ متر</a:t>
+            </a:r>
           </a:p>
         </p:txBody>
       </p:sp>
@@ -9986,7 +8927,7 @@
         <p:spPr>
           <a:xfrm>
             <a:off x="239340" y="744232"/>
-            <a:ext cx="11200075" cy="4524315"/>
+            <a:ext cx="11200075" cy="3631763"/>
           </a:xfrm>
           <a:prstGeom prst="rect">
             <a:avLst/>
@@ -10004,7 +8945,7 @@
               <a:rPr lang="fa-IR" b="1" dirty="0">
                 <a:cs typeface="B Nazanin" panose="00000400000000000000" pitchFamily="2" charset="-78"/>
               </a:rPr>
-              <a:t>سوال : </a:t>
+              <a:t>سوال3 : </a:t>
             </a:r>
             <a:r>
               <a:rPr lang="ar-SA" b="1" dirty="0">
@@ -10030,402 +8971,83 @@
               </a:rPr>
               <a:t>روش انجام کار:</a:t>
             </a:r>
-            <a:endParaRPr lang="fa-IR" b="1" dirty="0">
+            <a:endParaRPr lang="fa-IR" sz="2000" dirty="0">
               <a:cs typeface="B Nazanin" panose="00000400000000000000" pitchFamily="2" charset="-78"/>
             </a:endParaRPr>
           </a:p>
           <a:p>
-            <a:pPr marL="285750" indent="-285750" algn="r" rtl="1">
-              <a:buFont typeface="Arial" panose="020B0604020202020204" pitchFamily="34" charset="0"/>
-              <a:buChar char="•"/>
-            </a:pPr>
-            <a:r>
-              <a:rPr lang="ar-SA" dirty="0">
-                <a:cs typeface="B Nazanin" panose="00000400000000000000" pitchFamily="2" charset="-78"/>
-              </a:rPr>
-              <a:t>برای یافتن بازیکنی با بیشترین برد، مراحل زیر را انجام دادیم:</a:t>
-            </a:r>
-            <a:endParaRPr lang="en-US" dirty="0">
+            <a:pPr algn="r" rtl="1"/>
+            <a:r>
+              <a:rPr lang="ar-SA" sz="2000" dirty="0">
+                <a:cs typeface="B Nazanin" panose="00000400000000000000" pitchFamily="2" charset="-78"/>
+              </a:rPr>
+              <a:t>بارگذاری و ترکیب اطلاعات بازیکنان تیم میزبان و میهمان</a:t>
+            </a:r>
+          </a:p>
+          <a:p>
+            <a:pPr algn="r" rtl="1"/>
+            <a:r>
+              <a:rPr lang="ar-SA" sz="2000" dirty="0">
+                <a:cs typeface="B Nazanin" panose="00000400000000000000" pitchFamily="2" charset="-78"/>
+              </a:rPr>
+              <a:t>ادغام داده‌ها با اطلاعات آماری مسابقات</a:t>
+            </a:r>
+          </a:p>
+          <a:p>
+            <a:pPr algn="r" rtl="1"/>
+            <a:r>
+              <a:rPr lang="ar-SA" sz="2000" dirty="0">
+                <a:cs typeface="B Nazanin" panose="00000400000000000000" pitchFamily="2" charset="-78"/>
+              </a:rPr>
+              <a:t>فیلتر کردن رکوردهای مربوط به تعداد برد</a:t>
+            </a:r>
+          </a:p>
+          <a:p>
+            <a:pPr algn="r" rtl="1"/>
+            <a:r>
+              <a:rPr lang="ar-SA" sz="2000" dirty="0">
+                <a:cs typeface="B Nazanin" panose="00000400000000000000" pitchFamily="2" charset="-78"/>
+              </a:rPr>
+              <a:t>شمارش بردهای هر بازیکن</a:t>
+            </a:r>
+          </a:p>
+          <a:p>
+            <a:pPr algn="r" rtl="1"/>
+            <a:r>
+              <a:rPr lang="ar-SA" sz="2000" dirty="0">
+                <a:cs typeface="B Nazanin" panose="00000400000000000000" pitchFamily="2" charset="-78"/>
+              </a:rPr>
+              <a:t>مرتب‌سازی و شناسایی بازیکن با بیشترین برد</a:t>
+            </a:r>
+            <a:endParaRPr lang="fa-IR" sz="2000" dirty="0">
               <a:cs typeface="B Nazanin" panose="00000400000000000000" pitchFamily="2" charset="-78"/>
             </a:endParaRPr>
           </a:p>
           <a:p>
-            <a:pPr marL="285750" indent="-285750" algn="r" rtl="1">
-              <a:buFont typeface="Arial" panose="020B0604020202020204" pitchFamily="34" charset="0"/>
-              <a:buChar char="•"/>
-            </a:pPr>
-            <a:r>
-              <a:rPr lang="ar-SA" dirty="0">
-                <a:cs typeface="B Nazanin" panose="00000400000000000000" pitchFamily="2" charset="-78"/>
-              </a:rPr>
-              <a:t>فایل‌های </a:t>
-            </a:r>
-            <a:r>
-              <a:rPr lang="de-DE" dirty="0">
-                <a:cs typeface="B Nazanin" panose="00000400000000000000" pitchFamily="2" charset="-78"/>
-              </a:rPr>
-              <a:t>MatchHomeTeamInfo.csv </a:t>
-            </a:r>
-            <a:r>
-              <a:rPr lang="ar-SA" dirty="0">
-                <a:cs typeface="B Nazanin" panose="00000400000000000000" pitchFamily="2" charset="-78"/>
-              </a:rPr>
-              <a:t>و </a:t>
-            </a:r>
-            <a:r>
-              <a:rPr lang="de-DE" dirty="0">
-                <a:cs typeface="B Nazanin" panose="00000400000000000000" pitchFamily="2" charset="-78"/>
-              </a:rPr>
-              <a:t>MatchAwayTeamInfo.csv </a:t>
-            </a:r>
-            <a:r>
-              <a:rPr lang="ar-SA" dirty="0">
-                <a:cs typeface="B Nazanin" panose="00000400000000000000" pitchFamily="2" charset="-78"/>
-              </a:rPr>
-              <a:t>را بارگذاری کرده و ستون‌های </a:t>
-            </a:r>
-            <a:r>
-              <a:rPr lang="de-DE" dirty="0" err="1">
-                <a:cs typeface="B Nazanin" panose="00000400000000000000" pitchFamily="2" charset="-78"/>
-              </a:rPr>
-              <a:t>match_id</a:t>
-            </a:r>
-            <a:r>
-              <a:rPr lang="de-DE" dirty="0">
-                <a:cs typeface="B Nazanin" panose="00000400000000000000" pitchFamily="2" charset="-78"/>
-              </a:rPr>
-              <a:t> </a:t>
-            </a:r>
-            <a:r>
-              <a:rPr lang="ar-SA" dirty="0">
-                <a:cs typeface="B Nazanin" panose="00000400000000000000" pitchFamily="2" charset="-78"/>
-              </a:rPr>
-              <a:t>و </a:t>
-            </a:r>
-            <a:r>
-              <a:rPr lang="de-DE" dirty="0" err="1">
-                <a:cs typeface="B Nazanin" panose="00000400000000000000" pitchFamily="2" charset="-78"/>
-              </a:rPr>
-              <a:t>name</a:t>
-            </a:r>
-            <a:r>
-              <a:rPr lang="de-DE" dirty="0">
-                <a:cs typeface="B Nazanin" panose="00000400000000000000" pitchFamily="2" charset="-78"/>
-              </a:rPr>
-              <a:t> </a:t>
-            </a:r>
-            <a:r>
-              <a:rPr lang="ar-SA" dirty="0">
-                <a:cs typeface="B Nazanin" panose="00000400000000000000" pitchFamily="2" charset="-78"/>
-              </a:rPr>
-              <a:t>را استخراج کردیم.</a:t>
-            </a:r>
-            <a:endParaRPr lang="en-US" dirty="0">
+            <a:pPr algn="r" rtl="1"/>
+            <a:endParaRPr lang="ar-SA" sz="2000" dirty="0">
               <a:cs typeface="B Nazanin" panose="00000400000000000000" pitchFamily="2" charset="-78"/>
             </a:endParaRPr>
           </a:p>
           <a:p>
-            <a:pPr marL="285750" indent="-285750" algn="r" rtl="1">
-              <a:buFont typeface="Arial" panose="020B0604020202020204" pitchFamily="34" charset="0"/>
-              <a:buChar char="•"/>
-            </a:pPr>
-            <a:r>
-              <a:rPr lang="ar-SA" dirty="0">
-                <a:cs typeface="B Nazanin" panose="00000400000000000000" pitchFamily="2" charset="-78"/>
-              </a:rPr>
-              <a:t>این دو مجموعه را با استفاده از </a:t>
-            </a:r>
-            <a:r>
-              <a:rPr lang="de-DE" dirty="0" err="1">
-                <a:cs typeface="B Nazanin" panose="00000400000000000000" pitchFamily="2" charset="-78"/>
-              </a:rPr>
-              <a:t>concat</a:t>
-            </a:r>
-            <a:r>
-              <a:rPr lang="de-DE" dirty="0">
-                <a:cs typeface="B Nazanin" panose="00000400000000000000" pitchFamily="2" charset="-78"/>
-              </a:rPr>
-              <a:t> </a:t>
-            </a:r>
-            <a:r>
-              <a:rPr lang="ar-SA" dirty="0">
-                <a:cs typeface="B Nazanin" panose="00000400000000000000" pitchFamily="2" charset="-78"/>
-              </a:rPr>
-              <a:t>ترکیب کردیم تا لیست کامل بازیکنان به همراه شناسه مسابقه داشته باشیم.</a:t>
-            </a:r>
-            <a:endParaRPr lang="en-US" dirty="0">
-              <a:cs typeface="B Nazanin" panose="00000400000000000000" pitchFamily="2" charset="-78"/>
-            </a:endParaRPr>
-          </a:p>
-          <a:p>
-            <a:pPr marL="285750" indent="-285750" algn="r" rtl="1">
-              <a:buFont typeface="Arial" panose="020B0604020202020204" pitchFamily="34" charset="0"/>
-              <a:buChar char="•"/>
-            </a:pPr>
-            <a:r>
-              <a:rPr lang="ar-SA" dirty="0">
-                <a:cs typeface="B Nazanin" panose="00000400000000000000" pitchFamily="2" charset="-78"/>
-              </a:rPr>
-              <a:t>فایل </a:t>
-            </a:r>
-            <a:r>
-              <a:rPr lang="de-DE" dirty="0">
-                <a:cs typeface="B Nazanin" panose="00000400000000000000" pitchFamily="2" charset="-78"/>
-              </a:rPr>
-              <a:t>PeriodInfo.csv </a:t>
-            </a:r>
-            <a:r>
-              <a:rPr lang="ar-SA" dirty="0">
-                <a:cs typeface="B Nazanin" panose="00000400000000000000" pitchFamily="2" charset="-78"/>
-              </a:rPr>
-              <a:t>را بارگذاری کردیم و فقط ستون‌های </a:t>
-            </a:r>
-            <a:r>
-              <a:rPr lang="de-DE" dirty="0" err="1">
-                <a:cs typeface="B Nazanin" panose="00000400000000000000" pitchFamily="2" charset="-78"/>
-              </a:rPr>
-              <a:t>match_id</a:t>
-            </a:r>
-            <a:r>
-              <a:rPr lang="de-DE" dirty="0">
-                <a:cs typeface="B Nazanin" panose="00000400000000000000" pitchFamily="2" charset="-78"/>
-              </a:rPr>
-              <a:t> </a:t>
-            </a:r>
-            <a:r>
-              <a:rPr lang="ar-SA" dirty="0">
-                <a:cs typeface="B Nazanin" panose="00000400000000000000" pitchFamily="2" charset="-78"/>
-              </a:rPr>
-              <a:t>و </a:t>
-            </a:r>
-            <a:r>
-              <a:rPr lang="de-DE" dirty="0" err="1">
-                <a:cs typeface="B Nazanin" panose="00000400000000000000" pitchFamily="2" charset="-78"/>
-              </a:rPr>
-              <a:t>statistic_name</a:t>
-            </a:r>
-            <a:r>
-              <a:rPr lang="de-DE" dirty="0">
-                <a:cs typeface="B Nazanin" panose="00000400000000000000" pitchFamily="2" charset="-78"/>
-              </a:rPr>
-              <a:t> </a:t>
-            </a:r>
-            <a:r>
-              <a:rPr lang="ar-SA" dirty="0">
-                <a:cs typeface="B Nazanin" panose="00000400000000000000" pitchFamily="2" charset="-78"/>
-              </a:rPr>
-              <a:t>را نگه داشتیم.</a:t>
-            </a:r>
-            <a:endParaRPr lang="en-US" dirty="0">
-              <a:cs typeface="B Nazanin" panose="00000400000000000000" pitchFamily="2" charset="-78"/>
-            </a:endParaRPr>
-          </a:p>
-          <a:p>
-            <a:pPr marL="285750" indent="-285750" algn="r" rtl="1">
-              <a:buFont typeface="Arial" panose="020B0604020202020204" pitchFamily="34" charset="0"/>
-              <a:buChar char="•"/>
-            </a:pPr>
-            <a:r>
-              <a:rPr lang="ar-SA" dirty="0">
-                <a:cs typeface="B Nazanin" panose="00000400000000000000" pitchFamily="2" charset="-78"/>
-              </a:rPr>
-              <a:t>با استفاده از </a:t>
-            </a:r>
-            <a:r>
-              <a:rPr lang="de-DE" dirty="0" err="1">
-                <a:cs typeface="B Nazanin" panose="00000400000000000000" pitchFamily="2" charset="-78"/>
-              </a:rPr>
-              <a:t>merge</a:t>
-            </a:r>
-            <a:r>
-              <a:rPr lang="de-DE" dirty="0">
-                <a:cs typeface="B Nazanin" panose="00000400000000000000" pitchFamily="2" charset="-78"/>
-              </a:rPr>
-              <a:t> </a:t>
-            </a:r>
-            <a:r>
-              <a:rPr lang="ar-SA" dirty="0">
-                <a:cs typeface="B Nazanin" panose="00000400000000000000" pitchFamily="2" charset="-78"/>
-              </a:rPr>
-              <a:t>داده‌ها را بر اساس </a:t>
-            </a:r>
-            <a:r>
-              <a:rPr lang="de-DE" dirty="0" err="1">
-                <a:cs typeface="B Nazanin" panose="00000400000000000000" pitchFamily="2" charset="-78"/>
-              </a:rPr>
-              <a:t>match_id</a:t>
-            </a:r>
-            <a:r>
-              <a:rPr lang="de-DE" dirty="0">
-                <a:cs typeface="B Nazanin" panose="00000400000000000000" pitchFamily="2" charset="-78"/>
-              </a:rPr>
-              <a:t> </a:t>
-            </a:r>
-            <a:r>
-              <a:rPr lang="ar-SA" dirty="0">
-                <a:cs typeface="B Nazanin" panose="00000400000000000000" pitchFamily="2" charset="-78"/>
-              </a:rPr>
-              <a:t>ادغام کردیم.</a:t>
-            </a:r>
-            <a:endParaRPr lang="en-US" dirty="0">
-              <a:cs typeface="B Nazanin" panose="00000400000000000000" pitchFamily="2" charset="-78"/>
-            </a:endParaRPr>
-          </a:p>
-          <a:p>
-            <a:pPr marL="285750" indent="-285750" algn="r" rtl="1">
-              <a:buFont typeface="Arial" panose="020B0604020202020204" pitchFamily="34" charset="0"/>
-              <a:buChar char="•"/>
-            </a:pPr>
-            <a:r>
-              <a:rPr lang="ar-SA" dirty="0">
-                <a:cs typeface="B Nazanin" panose="00000400000000000000" pitchFamily="2" charset="-78"/>
-              </a:rPr>
-              <a:t>فقط رکوردهایی که مقدار </a:t>
-            </a:r>
-            <a:r>
-              <a:rPr lang="de-DE" dirty="0" err="1">
-                <a:cs typeface="B Nazanin" panose="00000400000000000000" pitchFamily="2" charset="-78"/>
-              </a:rPr>
-              <a:t>statistic_name</a:t>
-            </a:r>
-            <a:r>
-              <a:rPr lang="de-DE" dirty="0">
-                <a:cs typeface="B Nazanin" panose="00000400000000000000" pitchFamily="2" charset="-78"/>
-              </a:rPr>
-              <a:t> </a:t>
-            </a:r>
-            <a:r>
-              <a:rPr lang="ar-SA" dirty="0">
-                <a:cs typeface="B Nazanin" panose="00000400000000000000" pitchFamily="2" charset="-78"/>
-              </a:rPr>
-              <a:t>آن‌ها </a:t>
-            </a:r>
-            <a:r>
-              <a:rPr lang="fa-IR" dirty="0">
-                <a:cs typeface="B Nazanin" panose="00000400000000000000" pitchFamily="2" charset="-78"/>
-              </a:rPr>
-              <a:t>برابر </a:t>
-            </a:r>
-            <a:r>
-              <a:rPr lang="de-DE" dirty="0" err="1">
-                <a:cs typeface="B Nazanin" panose="00000400000000000000" pitchFamily="2" charset="-78"/>
-              </a:rPr>
-              <a:t>total_won</a:t>
-            </a:r>
-            <a:r>
-              <a:rPr lang="fa-IR" dirty="0">
-                <a:cs typeface="B Nazanin" panose="00000400000000000000" pitchFamily="2" charset="-78"/>
-              </a:rPr>
-              <a:t> ا</a:t>
-            </a:r>
-            <a:r>
-              <a:rPr lang="ar-SA" dirty="0">
-                <a:cs typeface="B Nazanin" panose="00000400000000000000" pitchFamily="2" charset="-78"/>
-              </a:rPr>
-              <a:t>ست را نگه داشتیم.</a:t>
-            </a:r>
-            <a:endParaRPr lang="en-US" dirty="0">
-              <a:cs typeface="B Nazanin" panose="00000400000000000000" pitchFamily="2" charset="-78"/>
-            </a:endParaRPr>
-          </a:p>
-          <a:p>
-            <a:pPr marL="285750" indent="-285750" algn="r" rtl="1">
-              <a:buFont typeface="Arial" panose="020B0604020202020204" pitchFamily="34" charset="0"/>
-              <a:buChar char="•"/>
-            </a:pPr>
-            <a:r>
-              <a:rPr lang="ar-SA" dirty="0">
-                <a:cs typeface="B Nazanin" panose="00000400000000000000" pitchFamily="2" charset="-78"/>
-              </a:rPr>
-              <a:t>تعداد بردها را با استفاده از </a:t>
-            </a:r>
-            <a:r>
-              <a:rPr lang="de-DE" dirty="0" err="1">
-                <a:cs typeface="B Nazanin" panose="00000400000000000000" pitchFamily="2" charset="-78"/>
-              </a:rPr>
-              <a:t>groupby</a:t>
-            </a:r>
-            <a:r>
-              <a:rPr lang="de-DE" dirty="0">
-                <a:cs typeface="B Nazanin" panose="00000400000000000000" pitchFamily="2" charset="-78"/>
-              </a:rPr>
-              <a:t> </a:t>
-            </a:r>
-            <a:r>
-              <a:rPr lang="fa-IR" dirty="0">
-                <a:cs typeface="B Nazanin" panose="00000400000000000000" pitchFamily="2" charset="-78"/>
-              </a:rPr>
-              <a:t> </a:t>
-            </a:r>
-            <a:r>
-              <a:rPr lang="ar-SA" dirty="0">
-                <a:cs typeface="B Nazanin" panose="00000400000000000000" pitchFamily="2" charset="-78"/>
-              </a:rPr>
-              <a:t>بر اساس نام بازیکن شمردیم.</a:t>
-            </a:r>
-            <a:endParaRPr lang="en-US" dirty="0">
-              <a:cs typeface="B Nazanin" panose="00000400000000000000" pitchFamily="2" charset="-78"/>
-            </a:endParaRPr>
-          </a:p>
-          <a:p>
-            <a:pPr marL="285750" indent="-285750" algn="r" rtl="1">
-              <a:buFont typeface="Arial" panose="020B0604020202020204" pitchFamily="34" charset="0"/>
-              <a:buChar char="•"/>
-            </a:pPr>
-            <a:r>
-              <a:rPr lang="ar-SA" dirty="0">
-                <a:cs typeface="B Nazanin" panose="00000400000000000000" pitchFamily="2" charset="-78"/>
-              </a:rPr>
-              <a:t>داده‌ها را بر اساس تعداد برد (</a:t>
-            </a:r>
-            <a:r>
-              <a:rPr lang="de-DE" dirty="0" err="1">
-                <a:cs typeface="B Nazanin" panose="00000400000000000000" pitchFamily="2" charset="-78"/>
-              </a:rPr>
-              <a:t>sum_won</a:t>
-            </a:r>
-            <a:r>
-              <a:rPr lang="de-DE" dirty="0">
-                <a:cs typeface="B Nazanin" panose="00000400000000000000" pitchFamily="2" charset="-78"/>
-              </a:rPr>
-              <a:t>) </a:t>
-            </a:r>
-            <a:r>
-              <a:rPr lang="fa-IR" dirty="0">
-                <a:cs typeface="B Nazanin" panose="00000400000000000000" pitchFamily="2" charset="-78"/>
-              </a:rPr>
-              <a:t> </a:t>
-            </a:r>
-            <a:r>
-              <a:rPr lang="ar-SA" dirty="0">
-                <a:cs typeface="B Nazanin" panose="00000400000000000000" pitchFamily="2" charset="-78"/>
-              </a:rPr>
-              <a:t>به ترتیب نزولی مرتب کردیم.</a:t>
-            </a:r>
-            <a:endParaRPr lang="en-US" dirty="0">
-              <a:cs typeface="B Nazanin" panose="00000400000000000000" pitchFamily="2" charset="-78"/>
-            </a:endParaRPr>
-          </a:p>
-          <a:p>
             <a:pPr algn="r" rtl="1"/>
             <a:r>
-              <a:rPr lang="ar-SA" dirty="0">
-                <a:cs typeface="B Nazanin" panose="00000400000000000000" pitchFamily="2" charset="-78"/>
-              </a:rPr>
-              <a:t>در نهایت، بازیکنی که در بالای لیست قرار دارد، بیشترین برد را داشته است.</a:t>
-            </a:r>
-            <a:endParaRPr lang="fa-IR" dirty="0">
-              <a:cs typeface="B Nazanin" panose="00000400000000000000" pitchFamily="2" charset="-78"/>
-            </a:endParaRPr>
-          </a:p>
-          <a:p>
-            <a:pPr algn="r" rtl="1"/>
-            <a:endParaRPr lang="fa-IR" dirty="0">
-              <a:cs typeface="B Nazanin" panose="00000400000000000000" pitchFamily="2" charset="-78"/>
-            </a:endParaRPr>
-          </a:p>
-          <a:p>
-            <a:pPr algn="r" rtl="1"/>
+              <a:rPr lang="ar-SA" sz="2000" b="1" dirty="0">
+                <a:cs typeface="B Nazanin" panose="00000400000000000000" pitchFamily="2" charset="-78"/>
+              </a:rPr>
+              <a:t>نتیجه</a:t>
+            </a:r>
+            <a:r>
+              <a:rPr lang="ar-SA" sz="2000" dirty="0">
+                <a:cs typeface="B Nazanin" panose="00000400000000000000" pitchFamily="2" charset="-78"/>
+              </a:rPr>
+              <a:t>:</a:t>
+            </a:r>
+            <a:br>
+              <a:rPr lang="ar-SA" sz="2000" dirty="0">
+                <a:cs typeface="B Nazanin" panose="00000400000000000000" pitchFamily="2" charset="-78"/>
+              </a:rPr>
+            </a:br>
             <a:endParaRPr lang="en-US" dirty="0">
               <a:cs typeface="B Nazanin" panose="00000400000000000000" pitchFamily="2" charset="-78"/>
             </a:endParaRPr>
@@ -10435,12 +9057,6 @@
               <a:buFont typeface="Wingdings" panose="05000000000000000000" pitchFamily="2" charset="2"/>
               <a:buChar char="ü"/>
             </a:pPr>
-            <a:r>
-              <a:rPr lang="ar-SA" b="1" dirty="0">
-                <a:cs typeface="B Nazanin" panose="00000400000000000000" pitchFamily="2" charset="-78"/>
-              </a:rPr>
-              <a:t>نتیجه</a:t>
-            </a:r>
             <a:r>
               <a:rPr lang="ar-SA" dirty="0">
                 <a:cs typeface="B Nazanin" panose="00000400000000000000" pitchFamily="2" charset="-78"/>
@@ -10521,8 +9137,8 @@
         </p:nvSpPr>
         <p:spPr>
           <a:xfrm>
-            <a:off x="1421704" y="1057674"/>
-            <a:ext cx="9327194" cy="2862322"/>
+            <a:off x="1143000" y="1247919"/>
+            <a:ext cx="10084577" cy="2862322"/>
           </a:xfrm>
           <a:prstGeom prst="rect">
             <a:avLst/>
@@ -10542,304 +9158,7 @@
               </a:rPr>
               <a:t>سوال ۴:طولانی‌ترین مسابقه ثبت‌شده از نظر مدت زمان کدام است؟</a:t>
             </a:r>
-            <a:endParaRPr lang="en-US" dirty="0">
-              <a:cs typeface="B Nazanin" panose="00000400000000000000" pitchFamily="2" charset="-78"/>
-            </a:endParaRPr>
-          </a:p>
-          <a:p>
-            <a:pPr algn="r" rtl="1"/>
-            <a:r>
-              <a:rPr lang="de-DE" dirty="0" err="1">
-                <a:cs typeface="B Nazanin" panose="00000400000000000000" pitchFamily="2" charset="-78"/>
-              </a:rPr>
-              <a:t>What</a:t>
-            </a:r>
-            <a:r>
-              <a:rPr lang="de-DE" dirty="0">
-                <a:cs typeface="B Nazanin" panose="00000400000000000000" pitchFamily="2" charset="-78"/>
-              </a:rPr>
-              <a:t> </a:t>
-            </a:r>
-            <a:r>
-              <a:rPr lang="de-DE" dirty="0" err="1">
-                <a:cs typeface="B Nazanin" panose="00000400000000000000" pitchFamily="2" charset="-78"/>
-              </a:rPr>
-              <a:t>is</a:t>
-            </a:r>
-            <a:r>
-              <a:rPr lang="de-DE" dirty="0">
-                <a:cs typeface="B Nazanin" panose="00000400000000000000" pitchFamily="2" charset="-78"/>
-              </a:rPr>
-              <a:t> </a:t>
-            </a:r>
-            <a:r>
-              <a:rPr lang="de-DE" dirty="0" err="1">
-                <a:cs typeface="B Nazanin" panose="00000400000000000000" pitchFamily="2" charset="-78"/>
-              </a:rPr>
-              <a:t>the</a:t>
-            </a:r>
-            <a:r>
-              <a:rPr lang="de-DE" dirty="0">
-                <a:cs typeface="B Nazanin" panose="00000400000000000000" pitchFamily="2" charset="-78"/>
-              </a:rPr>
-              <a:t> </a:t>
-            </a:r>
-            <a:r>
-              <a:rPr lang="de-DE" dirty="0" err="1">
-                <a:cs typeface="B Nazanin" panose="00000400000000000000" pitchFamily="2" charset="-78"/>
-              </a:rPr>
-              <a:t>longest</a:t>
-            </a:r>
-            <a:r>
-              <a:rPr lang="de-DE" dirty="0">
-                <a:cs typeface="B Nazanin" panose="00000400000000000000" pitchFamily="2" charset="-78"/>
-              </a:rPr>
-              <a:t> match </a:t>
-            </a:r>
-            <a:r>
-              <a:rPr lang="de-DE" dirty="0" err="1">
-                <a:cs typeface="B Nazanin" panose="00000400000000000000" pitchFamily="2" charset="-78"/>
-              </a:rPr>
-              <a:t>recorded</a:t>
-            </a:r>
-            <a:r>
-              <a:rPr lang="de-DE" dirty="0">
-                <a:cs typeface="B Nazanin" panose="00000400000000000000" pitchFamily="2" charset="-78"/>
-              </a:rPr>
-              <a:t> in </a:t>
-            </a:r>
-            <a:r>
-              <a:rPr lang="de-DE" dirty="0" err="1">
-                <a:cs typeface="B Nazanin" panose="00000400000000000000" pitchFamily="2" charset="-78"/>
-              </a:rPr>
-              <a:t>terms</a:t>
-            </a:r>
-            <a:r>
-              <a:rPr lang="de-DE" dirty="0">
-                <a:cs typeface="B Nazanin" panose="00000400000000000000" pitchFamily="2" charset="-78"/>
-              </a:rPr>
-              <a:t> </a:t>
-            </a:r>
-            <a:r>
-              <a:rPr lang="de-DE" dirty="0" err="1">
-                <a:cs typeface="B Nazanin" panose="00000400000000000000" pitchFamily="2" charset="-78"/>
-              </a:rPr>
-              <a:t>of</a:t>
-            </a:r>
-            <a:r>
-              <a:rPr lang="de-DE" dirty="0">
-                <a:cs typeface="B Nazanin" panose="00000400000000000000" pitchFamily="2" charset="-78"/>
-              </a:rPr>
-              <a:t> </a:t>
-            </a:r>
-            <a:r>
-              <a:rPr lang="de-DE" dirty="0" err="1">
-                <a:cs typeface="B Nazanin" panose="00000400000000000000" pitchFamily="2" charset="-78"/>
-              </a:rPr>
-              <a:t>duration</a:t>
-            </a:r>
-            <a:r>
-              <a:rPr lang="de-DE" dirty="0">
-                <a:cs typeface="B Nazanin" panose="00000400000000000000" pitchFamily="2" charset="-78"/>
-              </a:rPr>
-              <a:t>?</a:t>
-            </a:r>
-          </a:p>
-          <a:p>
-            <a:pPr algn="r" rtl="1"/>
-            <a:r>
-              <a:rPr lang="ar-SA" dirty="0">
-                <a:cs typeface="B Nazanin" panose="00000400000000000000" pitchFamily="2" charset="-78"/>
-              </a:rPr>
-              <a:t>روش انجام کار:</a:t>
-            </a:r>
-            <a:endParaRPr lang="en-US" dirty="0">
-              <a:cs typeface="B Nazanin" panose="00000400000000000000" pitchFamily="2" charset="-78"/>
-            </a:endParaRPr>
-          </a:p>
-          <a:p>
-            <a:pPr algn="r" rtl="1"/>
-            <a:r>
-              <a:rPr lang="ar-SA" dirty="0">
-                <a:cs typeface="B Nazanin" panose="00000400000000000000" pitchFamily="2" charset="-78"/>
-              </a:rPr>
-              <a:t>برای پیدا کردن طولانی‌ترین مسابقه از نظر زمان، مراحل زیر را انجام دادیم:</a:t>
-            </a:r>
-            <a:endParaRPr lang="en-US" dirty="0">
-              <a:cs typeface="B Nazanin" panose="00000400000000000000" pitchFamily="2" charset="-78"/>
-            </a:endParaRPr>
-          </a:p>
-          <a:p>
-            <a:pPr algn="r" rtl="1"/>
-            <a:r>
-              <a:rPr lang="ar-SA" dirty="0">
-                <a:cs typeface="B Nazanin" panose="00000400000000000000" pitchFamily="2" charset="-78"/>
-              </a:rPr>
-              <a:t>فایل </a:t>
-            </a:r>
-            <a:r>
-              <a:rPr lang="de-DE" dirty="0">
-                <a:cs typeface="B Nazanin" panose="00000400000000000000" pitchFamily="2" charset="-78"/>
-              </a:rPr>
-              <a:t>MatchTimeInfo.csv </a:t>
-            </a:r>
-            <a:r>
-              <a:rPr lang="ar-SA" dirty="0">
-                <a:cs typeface="B Nazanin" panose="00000400000000000000" pitchFamily="2" charset="-78"/>
-              </a:rPr>
-              <a:t>را بارگذاری کردیم که شامل مدت زمان دوره‌های مختلف هر مسابقه است.</a:t>
-            </a:r>
-            <a:endParaRPr lang="en-US" dirty="0">
-              <a:cs typeface="B Nazanin" panose="00000400000000000000" pitchFamily="2" charset="-78"/>
-            </a:endParaRPr>
-          </a:p>
-          <a:p>
-            <a:pPr algn="r" rtl="1"/>
-            <a:r>
-              <a:rPr lang="ar-SA" dirty="0">
-                <a:cs typeface="B Nazanin" panose="00000400000000000000" pitchFamily="2" charset="-78"/>
-              </a:rPr>
-              <a:t>با استفاده از </a:t>
-            </a:r>
-            <a:r>
-              <a:rPr lang="de-DE" dirty="0" err="1">
-                <a:cs typeface="B Nazanin" panose="00000400000000000000" pitchFamily="2" charset="-78"/>
-              </a:rPr>
-              <a:t>groupby</a:t>
-            </a:r>
-            <a:r>
-              <a:rPr lang="de-DE" dirty="0">
-                <a:cs typeface="B Nazanin" panose="00000400000000000000" pitchFamily="2" charset="-78"/>
-              </a:rPr>
-              <a:t> </a:t>
-            </a:r>
-            <a:r>
-              <a:rPr lang="ar-SA" dirty="0">
-                <a:cs typeface="B Nazanin" panose="00000400000000000000" pitchFamily="2" charset="-78"/>
-              </a:rPr>
-              <a:t>و </a:t>
-            </a:r>
-            <a:r>
-              <a:rPr lang="de-DE" dirty="0" err="1">
-                <a:cs typeface="B Nazanin" panose="00000400000000000000" pitchFamily="2" charset="-78"/>
-              </a:rPr>
-              <a:t>sum</a:t>
-            </a:r>
-            <a:r>
-              <a:rPr lang="de-DE" dirty="0">
-                <a:cs typeface="B Nazanin" panose="00000400000000000000" pitchFamily="2" charset="-78"/>
-              </a:rPr>
-              <a:t>، </a:t>
-            </a:r>
-            <a:r>
-              <a:rPr lang="ar-SA" dirty="0">
-                <a:cs typeface="B Nazanin" panose="00000400000000000000" pitchFamily="2" charset="-78"/>
-              </a:rPr>
-              <a:t>مدت زمان هر دوره (از </a:t>
-            </a:r>
-            <a:r>
-              <a:rPr lang="de-DE" dirty="0">
-                <a:cs typeface="B Nazanin" panose="00000400000000000000" pitchFamily="2" charset="-78"/>
-              </a:rPr>
-              <a:t>period_1 </a:t>
-            </a:r>
-            <a:r>
-              <a:rPr lang="ar-SA" dirty="0">
-                <a:cs typeface="B Nazanin" panose="00000400000000000000" pitchFamily="2" charset="-78"/>
-              </a:rPr>
-              <a:t>تا </a:t>
-            </a:r>
-            <a:r>
-              <a:rPr lang="de-DE" dirty="0">
-                <a:cs typeface="B Nazanin" panose="00000400000000000000" pitchFamily="2" charset="-78"/>
-              </a:rPr>
-              <a:t>period_5) </a:t>
-            </a:r>
-            <a:r>
-              <a:rPr lang="ar-SA" dirty="0">
-                <a:cs typeface="B Nazanin" panose="00000400000000000000" pitchFamily="2" charset="-78"/>
-              </a:rPr>
-              <a:t>را برای هر </a:t>
-            </a:r>
-            <a:r>
-              <a:rPr lang="de-DE" dirty="0" err="1">
-                <a:cs typeface="B Nazanin" panose="00000400000000000000" pitchFamily="2" charset="-78"/>
-              </a:rPr>
-              <a:t>match_id</a:t>
-            </a:r>
-            <a:r>
-              <a:rPr lang="de-DE" dirty="0">
-                <a:cs typeface="B Nazanin" panose="00000400000000000000" pitchFamily="2" charset="-78"/>
-              </a:rPr>
-              <a:t> </a:t>
-            </a:r>
-            <a:r>
-              <a:rPr lang="ar-SA" dirty="0">
-                <a:cs typeface="B Nazanin" panose="00000400000000000000" pitchFamily="2" charset="-78"/>
-              </a:rPr>
-              <a:t>جمع زدیم.</a:t>
-            </a:r>
-            <a:endParaRPr lang="en-US" dirty="0">
-              <a:cs typeface="B Nazanin" panose="00000400000000000000" pitchFamily="2" charset="-78"/>
-            </a:endParaRPr>
-          </a:p>
-          <a:p>
-            <a:pPr algn="r" rtl="1"/>
-            <a:r>
-              <a:rPr lang="ar-SA" dirty="0">
-                <a:cs typeface="B Nazanin" panose="00000400000000000000" pitchFamily="2" charset="-78"/>
-              </a:rPr>
-              <a:t>یک ستون جدید به نام </a:t>
-            </a:r>
-            <a:r>
-              <a:rPr lang="de-DE" dirty="0" err="1">
-                <a:cs typeface="B Nazanin" panose="00000400000000000000" pitchFamily="2" charset="-78"/>
-              </a:rPr>
-              <a:t>total_duration</a:t>
-            </a:r>
-            <a:r>
-              <a:rPr lang="de-DE" dirty="0">
-                <a:cs typeface="B Nazanin" panose="00000400000000000000" pitchFamily="2" charset="-78"/>
-              </a:rPr>
-              <a:t> </a:t>
-            </a:r>
-            <a:r>
-              <a:rPr lang="ar-SA" dirty="0">
-                <a:cs typeface="B Nazanin" panose="00000400000000000000" pitchFamily="2" charset="-78"/>
-              </a:rPr>
-              <a:t>ایجاد کردیم که مجموع زمان تمام دوره‌ها برای هر مسابقه است.</a:t>
-            </a:r>
-            <a:endParaRPr lang="en-US" dirty="0">
-              <a:cs typeface="B Nazanin" panose="00000400000000000000" pitchFamily="2" charset="-78"/>
-            </a:endParaRPr>
-          </a:p>
-          <a:p>
-            <a:pPr algn="r" rtl="1"/>
-            <a:r>
-              <a:rPr lang="ar-SA" dirty="0">
-                <a:cs typeface="B Nazanin" panose="00000400000000000000" pitchFamily="2" charset="-78"/>
-              </a:rPr>
-              <a:t>داده‌ها را بر اساس </a:t>
-            </a:r>
-            <a:r>
-              <a:rPr lang="de-DE" dirty="0" err="1">
-                <a:cs typeface="B Nazanin" panose="00000400000000000000" pitchFamily="2" charset="-78"/>
-              </a:rPr>
-              <a:t>total_duration</a:t>
-            </a:r>
-            <a:r>
-              <a:rPr lang="de-DE" dirty="0">
-                <a:cs typeface="B Nazanin" panose="00000400000000000000" pitchFamily="2" charset="-78"/>
-              </a:rPr>
-              <a:t> </a:t>
-            </a:r>
-            <a:r>
-              <a:rPr lang="ar-SA" dirty="0">
-                <a:cs typeface="B Nazanin" panose="00000400000000000000" pitchFamily="2" charset="-78"/>
-              </a:rPr>
-              <a:t>به ترتیب نزولی مرتب کردیم تا مسابقه با بیشترین مدت زمان در صدر قرار گیرد.</a:t>
-            </a:r>
-            <a:endParaRPr lang="en-US" dirty="0">
+            <a:endParaRPr lang="fa-IR" dirty="0">
               <a:cs typeface="B Nazanin" panose="00000400000000000000" pitchFamily="2" charset="-78"/>
             </a:endParaRPr>
           </a:p>
@@ -10852,10 +9171,100 @@
           <a:p>
             <a:pPr algn="r" rtl="1"/>
             <a:r>
+              <a:rPr lang="ar-SA" b="1" dirty="0">
+                <a:cs typeface="B Nazanin" panose="00000400000000000000" pitchFamily="2" charset="-78"/>
+              </a:rPr>
+              <a:t>روش انجام کار:</a:t>
+            </a:r>
+            <a:endParaRPr lang="en-US" b="1" dirty="0">
+              <a:cs typeface="B Nazanin" panose="00000400000000000000" pitchFamily="2" charset="-78"/>
+            </a:endParaRPr>
+          </a:p>
+          <a:p>
+            <a:pPr algn="r" rtl="1"/>
+            <a:r>
               <a:rPr lang="ar-SA" dirty="0">
                 <a:cs typeface="B Nazanin" panose="00000400000000000000" pitchFamily="2" charset="-78"/>
               </a:rPr>
-              <a:t>نتیجه:طولانی‌ترین مسابقه ثبت‌شده دارای شناسه 12063611 است با مدت زمان: 1,347,160 واحد زمانی</a:t>
+              <a:t>بارگذاری اطلاعات زمان دوره‌های مسابقات</a:t>
+            </a:r>
+          </a:p>
+          <a:p>
+            <a:pPr algn="r" rtl="1"/>
+            <a:r>
+              <a:rPr lang="ar-SA" dirty="0">
+                <a:cs typeface="B Nazanin" panose="00000400000000000000" pitchFamily="2" charset="-78"/>
+              </a:rPr>
+              <a:t>محاسبه مجموع زمان هر مسابقه</a:t>
+            </a:r>
+          </a:p>
+          <a:p>
+            <a:pPr algn="r" rtl="1"/>
+            <a:r>
+              <a:rPr lang="ar-SA" dirty="0">
+                <a:cs typeface="B Nazanin" panose="00000400000000000000" pitchFamily="2" charset="-78"/>
+              </a:rPr>
+              <a:t>ایجاد ستون مدت زمان کل برای هر مسابقه</a:t>
+            </a:r>
+          </a:p>
+          <a:p>
+            <a:pPr algn="r" rtl="1"/>
+            <a:r>
+              <a:rPr lang="ar-SA" dirty="0">
+                <a:cs typeface="B Nazanin" panose="00000400000000000000" pitchFamily="2" charset="-78"/>
+              </a:rPr>
+              <a:t>مرتب‌سازی برای یافتن طولانی‌ترین مسابقه</a:t>
+            </a:r>
+          </a:p>
+          <a:p>
+            <a:pPr algn="r" rtl="1"/>
+            <a:endParaRPr lang="en-US" dirty="0">
+              <a:cs typeface="B Nazanin" panose="00000400000000000000" pitchFamily="2" charset="-78"/>
+            </a:endParaRPr>
+          </a:p>
+          <a:p>
+            <a:pPr algn="r" rtl="1"/>
+            <a:r>
+              <a:rPr lang="ar-SA" b="1" dirty="0">
+                <a:cs typeface="B Nazanin" panose="00000400000000000000" pitchFamily="2" charset="-78"/>
+              </a:rPr>
+              <a:t>نتیجه:</a:t>
+            </a:r>
+            <a:endParaRPr lang="fa-IR" b="1" dirty="0">
+              <a:cs typeface="B Nazanin" panose="00000400000000000000" pitchFamily="2" charset="-78"/>
+            </a:endParaRPr>
+          </a:p>
+          <a:p>
+            <a:pPr algn="r" rtl="1"/>
+            <a:r>
+              <a:rPr lang="ar-SA" dirty="0">
+                <a:cs typeface="B Nazanin" panose="00000400000000000000" pitchFamily="2" charset="-78"/>
+              </a:rPr>
+              <a:t>طولانی‌ترین مسابقه ثبت‌شده دارای شناسه 12063611 است با مدت زمان: 1,347,160 واحد زمانی</a:t>
+            </a:r>
+            <a:r>
+              <a:rPr lang="fa-IR" dirty="0">
+                <a:cs typeface="B Nazanin" panose="00000400000000000000" pitchFamily="2" charset="-78"/>
+              </a:rPr>
+              <a:t> ثانیه معادل تقریبا</a:t>
+            </a:r>
+            <a:r>
+              <a:rPr lang="ar-SA" dirty="0">
+                <a:cs typeface="B Nazanin" panose="00000400000000000000" pitchFamily="2" charset="-78"/>
+              </a:rPr>
+              <a:t> </a:t>
+            </a:r>
+            <a:r>
+              <a:rPr lang="fa-IR" dirty="0">
+                <a:cs typeface="B Nazanin" panose="00000400000000000000" pitchFamily="2" charset="-78"/>
+              </a:rPr>
+              <a:t>22.453</a:t>
+            </a:r>
+            <a:r>
+              <a:rPr lang="ar-SA" dirty="0">
+                <a:cs typeface="B Nazanin" panose="00000400000000000000" pitchFamily="2" charset="-78"/>
+              </a:rPr>
+              <a:t>دقیقه</a:t>
             </a:r>
             <a:endParaRPr lang="de-DE" dirty="0">
               <a:cs typeface="B Nazanin" panose="00000400000000000000" pitchFamily="2" charset="-78"/>
@@ -10908,7 +9317,7 @@
         <p:spPr>
           <a:xfrm>
             <a:off x="1141464" y="827440"/>
-            <a:ext cx="10183605" cy="4247317"/>
+            <a:ext cx="10183605" cy="4524315"/>
           </a:xfrm>
           <a:prstGeom prst="rect">
             <a:avLst/>
@@ -10940,7 +9349,25 @@
               </a:rPr>
               <a:t>در یک مسابقه تنیس معمولاً چند ست بازی می‌شود؟</a:t>
             </a:r>
-            <a:endParaRPr lang="en-US" dirty="0">
+            <a:endParaRPr lang="fa-IR" dirty="0">
+              <a:cs typeface="B Nazanin" panose="00000400000000000000" pitchFamily="2" charset="-78"/>
+            </a:endParaRPr>
+          </a:p>
+          <a:p>
+            <a:pPr algn="r" rtl="1"/>
+            <a:endParaRPr lang="fa-IR" dirty="0">
+              <a:cs typeface="B Nazanin" panose="00000400000000000000" pitchFamily="2" charset="-78"/>
+            </a:endParaRPr>
+          </a:p>
+          <a:p>
+            <a:pPr algn="r" rtl="1"/>
+            <a:r>
+              <a:rPr lang="fa-IR" b="1" dirty="0">
+                <a:cs typeface="B Nazanin" panose="00000400000000000000" pitchFamily="2" charset="-78"/>
+              </a:rPr>
+              <a:t>روش انجام کار:</a:t>
+            </a:r>
+            <a:endParaRPr lang="en-US" b="1" dirty="0">
               <a:cs typeface="B Nazanin" panose="00000400000000000000" pitchFamily="2" charset="-78"/>
             </a:endParaRPr>
           </a:p>
@@ -10952,156 +9379,30 @@
           </a:p>
           <a:p>
             <a:pPr algn="r" rtl="1"/>
-            <a:r>
-              <a:rPr lang="ar-SA" b="1" dirty="0">
-                <a:cs typeface="B Nazanin" panose="00000400000000000000" pitchFamily="2" charset="-78"/>
-              </a:rPr>
-              <a:t>روش انجام کار:</a:t>
-            </a:r>
-            <a:endParaRPr lang="fa-IR" b="1" dirty="0">
-              <a:cs typeface="B Nazanin" panose="00000400000000000000" pitchFamily="2" charset="-78"/>
-            </a:endParaRPr>
-          </a:p>
-          <a:p>
-            <a:pPr algn="r" rtl="1"/>
-            <a:r>
-              <a:rPr lang="ar-SA" dirty="0">
-                <a:cs typeface="B Nazanin" panose="00000400000000000000" pitchFamily="2" charset="-78"/>
-              </a:rPr>
-              <a:t>برای بررسی تعداد ست‌های معمول در مسابقات تنیس، مراحل زیر را انجام دادیم:</a:t>
-            </a:r>
             <a:endParaRPr lang="fa-IR" dirty="0">
               <a:cs typeface="B Nazanin" panose="00000400000000000000" pitchFamily="2" charset="-78"/>
             </a:endParaRPr>
           </a:p>
           <a:p>
             <a:pPr algn="r" rtl="1"/>
-            <a:r>
-              <a:rPr lang="ar-SA" dirty="0">
-                <a:cs typeface="B Nazanin" panose="00000400000000000000" pitchFamily="2" charset="-78"/>
-              </a:rPr>
-              <a:t>فایل </a:t>
-            </a:r>
-            <a:r>
-              <a:rPr lang="de-DE" dirty="0">
-                <a:cs typeface="B Nazanin" panose="00000400000000000000" pitchFamily="2" charset="-78"/>
-              </a:rPr>
-              <a:t>PowerInfo.csv </a:t>
-            </a:r>
-            <a:r>
-              <a:rPr lang="ar-SA" dirty="0">
-                <a:cs typeface="B Nazanin" panose="00000400000000000000" pitchFamily="2" charset="-78"/>
-              </a:rPr>
-              <a:t>را بارگذاری کردیم که شامل ستون </a:t>
-            </a:r>
-            <a:r>
-              <a:rPr lang="de-DE" dirty="0" err="1">
-                <a:cs typeface="B Nazanin" panose="00000400000000000000" pitchFamily="2" charset="-78"/>
-              </a:rPr>
-              <a:t>set_num</a:t>
-            </a:r>
-            <a:r>
-              <a:rPr lang="de-DE" dirty="0">
-                <a:cs typeface="B Nazanin" panose="00000400000000000000" pitchFamily="2" charset="-78"/>
-              </a:rPr>
-              <a:t> (</a:t>
-            </a:r>
-            <a:r>
-              <a:rPr lang="ar-SA" dirty="0">
-                <a:cs typeface="B Nazanin" panose="00000400000000000000" pitchFamily="2" charset="-78"/>
-              </a:rPr>
-              <a:t>تعداد ست‌های بازی‌شده در هر مسابقه) است.</a:t>
-            </a:r>
             <a:endParaRPr lang="fa-IR" dirty="0">
               <a:cs typeface="B Nazanin" panose="00000400000000000000" pitchFamily="2" charset="-78"/>
             </a:endParaRPr>
           </a:p>
           <a:p>
             <a:pPr algn="r" rtl="1"/>
-            <a:r>
-              <a:rPr lang="ar-SA" dirty="0">
-                <a:cs typeface="B Nazanin" panose="00000400000000000000" pitchFamily="2" charset="-78"/>
-              </a:rPr>
-              <a:t>با استفاده از تابع </a:t>
-            </a:r>
-            <a:r>
-              <a:rPr lang="de-DE" dirty="0" err="1">
-                <a:cs typeface="B Nazanin" panose="00000400000000000000" pitchFamily="2" charset="-78"/>
-              </a:rPr>
-              <a:t>mode</a:t>
-            </a:r>
-            <a:r>
-              <a:rPr lang="de-DE" dirty="0">
-                <a:cs typeface="B Nazanin" panose="00000400000000000000" pitchFamily="2" charset="-78"/>
-              </a:rPr>
-              <a:t>()، </a:t>
-            </a:r>
-            <a:r>
-              <a:rPr lang="ar-SA" dirty="0">
-                <a:cs typeface="B Nazanin" panose="00000400000000000000" pitchFamily="2" charset="-78"/>
-              </a:rPr>
-              <a:t>رایج‌ترین تعداد ست در مسابقات را به دست آوردیم.</a:t>
-            </a:r>
             <a:endParaRPr lang="fa-IR" dirty="0">
               <a:cs typeface="B Nazanin" panose="00000400000000000000" pitchFamily="2" charset="-78"/>
             </a:endParaRPr>
           </a:p>
           <a:p>
             <a:pPr algn="r" rtl="1"/>
-            <a:r>
-              <a:rPr lang="ar-SA" dirty="0">
-                <a:cs typeface="B Nazanin" panose="00000400000000000000" pitchFamily="2" charset="-78"/>
-              </a:rPr>
-              <a:t>با استفاده از تابع </a:t>
-            </a:r>
-            <a:r>
-              <a:rPr lang="de-DE" dirty="0" err="1">
-                <a:cs typeface="B Nazanin" panose="00000400000000000000" pitchFamily="2" charset="-78"/>
-              </a:rPr>
-              <a:t>max</a:t>
-            </a:r>
-            <a:r>
-              <a:rPr lang="de-DE" dirty="0">
-                <a:cs typeface="B Nazanin" panose="00000400000000000000" pitchFamily="2" charset="-78"/>
-              </a:rPr>
-              <a:t>()، </a:t>
-            </a:r>
-            <a:r>
-              <a:rPr lang="ar-SA" dirty="0">
-                <a:cs typeface="B Nazanin" panose="00000400000000000000" pitchFamily="2" charset="-78"/>
-              </a:rPr>
-              <a:t>بیشترین تعداد ست ثبت‌شده در یک مسابقه را مشخص کردیم.</a:t>
-            </a:r>
             <a:endParaRPr lang="fa-IR" dirty="0">
               <a:cs typeface="B Nazanin" panose="00000400000000000000" pitchFamily="2" charset="-78"/>
             </a:endParaRPr>
           </a:p>
           <a:p>
             <a:pPr algn="r" rtl="1"/>
-            <a:r>
-              <a:rPr lang="ar-SA" dirty="0">
-                <a:cs typeface="B Nazanin" panose="00000400000000000000" pitchFamily="2" charset="-78"/>
-              </a:rPr>
-              <a:t>با استفاده از </a:t>
-            </a:r>
-            <a:r>
-              <a:rPr lang="de-DE" dirty="0" err="1">
-                <a:cs typeface="B Nazanin" panose="00000400000000000000" pitchFamily="2" charset="-78"/>
-              </a:rPr>
-              <a:t>value_counts</a:t>
-            </a:r>
-            <a:r>
-              <a:rPr lang="de-DE" dirty="0">
-                <a:cs typeface="B Nazanin" panose="00000400000000000000" pitchFamily="2" charset="-78"/>
-              </a:rPr>
-              <a:t>()، </a:t>
-            </a:r>
-            <a:r>
-              <a:rPr lang="ar-SA" dirty="0">
-                <a:cs typeface="B Nazanin" panose="00000400000000000000" pitchFamily="2" charset="-78"/>
-              </a:rPr>
-              <a:t>۱۰ مقدار پرتکرار تعداد ست‌ها در مسابقات را بررسی کردیم.</a:t>
-            </a:r>
             <a:endParaRPr lang="fa-IR" dirty="0">
               <a:cs typeface="B Nazanin" panose="00000400000000000000" pitchFamily="2" charset="-78"/>
             </a:endParaRPr>
@@ -11183,13 +9484,13 @@
           <p:nvPr>
             <p:extLst>
               <p:ext uri="{D42A27DB-BD31-4B8C-83A1-F6EECF244321}">
-                <p14:modId xmlns:p14="http://schemas.microsoft.com/office/powerpoint/2010/main" val="3230462796"/>
+                <p14:modId xmlns:p14="http://schemas.microsoft.com/office/powerpoint/2010/main" val="2691521580"/>
               </p:ext>
             </p:extLst>
           </p:nvPr>
         </p:nvGraphicFramePr>
         <p:xfrm>
-          <a:off x="710783" y="4926187"/>
+          <a:off x="976458" y="3300587"/>
           <a:ext cx="3020460" cy="1463040"/>
         </p:xfrm>
         <a:graphic>
@@ -11289,7 +9590,7 @@
                     <a:bodyPr/>
                     <a:lstStyle/>
                     <a:p>
-                      <a:pPr algn="r" rtl="1">
+                      <a:pPr algn="ctr" rtl="1">
                         <a:buNone/>
                       </a:pPr>
                       <a:r>
@@ -11360,7 +9661,7 @@
                     <a:bodyPr/>
                     <a:lstStyle/>
                     <a:p>
-                      <a:pPr algn="r" rtl="1">
+                      <a:pPr algn="ctr" rtl="1">
                         <a:buNone/>
                       </a:pPr>
                       <a:r>
@@ -11431,11 +9732,11 @@
                     <a:bodyPr/>
                     <a:lstStyle/>
                     <a:p>
-                      <a:pPr algn="r" rtl="1">
+                      <a:pPr algn="ctr" rtl="1">
                         <a:buNone/>
                       </a:pPr>
                       <a:r>
-                        <a:rPr lang="de-DE">
+                        <a:rPr lang="de-DE" dirty="0">
                           <a:cs typeface="B Nazanin" panose="00000400000000000000" pitchFamily="2" charset="-78"/>
                         </a:rPr>
                         <a:t>3</a:t>
@@ -11500,6 +9801,198 @@
           </a:graphicData>
         </a:graphic>
       </p:graphicFrame>
+      <p:sp>
+        <p:nvSpPr>
+          <p:cNvPr id="4" name="Rectangle 3">
+            <a:extLst>
+              <a:ext uri="{FF2B5EF4-FFF2-40B4-BE49-F238E27FC236}">
+                <a16:creationId xmlns:a16="http://schemas.microsoft.com/office/drawing/2014/main" id="{09179B07-3930-3F62-C59E-B7CF2C46CE5D}"/>
+              </a:ext>
+            </a:extLst>
+          </p:cNvPr>
+          <p:cNvSpPr>
+            <a:spLocks noChangeArrowheads="1"/>
+          </p:cNvSpPr>
+          <p:nvPr/>
+        </p:nvSpPr>
+        <p:spPr bwMode="auto">
+          <a:xfrm>
+            <a:off x="6852371" y="2244814"/>
+            <a:ext cx="4472698" cy="1323439"/>
+          </a:xfrm>
+          <a:prstGeom prst="rect">
+            <a:avLst/>
+          </a:prstGeom>
+          <a:noFill/>
+          <a:ln>
+            <a:noFill/>
+          </a:ln>
+          <a:effectLst/>
+          <a:extLst>
+            <a:ext uri="{909E8E84-426E-40DD-AFC4-6F175D3DCCD1}">
+              <a14:hiddenFill xmlns:a14="http://schemas.microsoft.com/office/drawing/2010/main">
+                <a:solidFill>
+                  <a:schemeClr val="accent1"/>
+                </a:solidFill>
+              </a14:hiddenFill>
+            </a:ext>
+            <a:ext uri="{91240B29-F687-4F45-9708-019B960494DF}">
+              <a14:hiddenLine xmlns:a14="http://schemas.microsoft.com/office/drawing/2010/main" w="9525">
+                <a:solidFill>
+                  <a:schemeClr val="tx1"/>
+                </a:solidFill>
+                <a:miter lim="800000"/>
+                <a:headEnd/>
+                <a:tailEnd/>
+              </a14:hiddenLine>
+            </a:ext>
+            <a:ext uri="{AF507438-7753-43E0-B8FC-AC1667EBCBE1}">
+              <a14:hiddenEffects xmlns:a14="http://schemas.microsoft.com/office/drawing/2010/main">
+                <a:effectLst>
+                  <a:outerShdw dist="35921" dir="2700000" algn="ctr" rotWithShape="0">
+                    <a:schemeClr val="bg2"/>
+                  </a:outerShdw>
+                </a:effectLst>
+              </a14:hiddenEffects>
+            </a:ext>
+          </a:extLst>
+        </p:spPr>
+        <p:txBody>
+          <a:bodyPr vert="horz" wrap="none" lIns="91440" tIns="45720" rIns="91440" bIns="45720" numCol="1" anchor="ctr" anchorCtr="0" compatLnSpc="1">
+            <a:prstTxWarp prst="textNoShape">
+              <a:avLst/>
+            </a:prstTxWarp>
+            <a:spAutoFit/>
+          </a:bodyPr>
+          <a:lstStyle/>
+          <a:p>
+            <a:pPr marL="0" marR="0" lvl="0" indent="0" algn="r" defTabSz="914400" rtl="1" eaLnBrk="0" fontAlgn="base" latinLnBrk="0" hangingPunct="0">
+              <a:lnSpc>
+                <a:spcPct val="100000"/>
+              </a:lnSpc>
+              <a:spcBef>
+                <a:spcPct val="0"/>
+              </a:spcBef>
+              <a:spcAft>
+                <a:spcPct val="0"/>
+              </a:spcAft>
+              <a:buClrTx/>
+              <a:buSzTx/>
+              <a:buFontTx/>
+              <a:buChar char="•"/>
+              <a:tabLst/>
+            </a:pPr>
+            <a:r>
+              <a:rPr lang="fa-IR" altLang="de-DE" sz="2000" dirty="0">
+                <a:cs typeface="B Nazanin" panose="00000400000000000000" pitchFamily="2" charset="-78"/>
+              </a:rPr>
+              <a:t>ب</a:t>
+            </a:r>
+            <a:r>
+              <a:rPr lang="ar-SA" altLang="de-DE" sz="2000" dirty="0">
+                <a:cs typeface="B Nazanin" panose="00000400000000000000" pitchFamily="2" charset="-78"/>
+              </a:rPr>
+              <a:t>ارگذاری داده‌های مربوط به تعداد ست‌های هر مسابقه</a:t>
+            </a:r>
+            <a:endParaRPr lang="de-DE" altLang="de-DE" sz="2000" dirty="0">
+              <a:cs typeface="B Nazanin" panose="00000400000000000000" pitchFamily="2" charset="-78"/>
+            </a:endParaRPr>
+          </a:p>
+          <a:p>
+            <a:pPr marL="0" marR="0" lvl="0" indent="0" algn="r" defTabSz="914400" rtl="1" eaLnBrk="0" fontAlgn="base" latinLnBrk="0" hangingPunct="0">
+              <a:lnSpc>
+                <a:spcPct val="100000"/>
+              </a:lnSpc>
+              <a:spcBef>
+                <a:spcPct val="0"/>
+              </a:spcBef>
+              <a:spcAft>
+                <a:spcPct val="0"/>
+              </a:spcAft>
+              <a:buClrTx/>
+              <a:buSzTx/>
+              <a:buFontTx/>
+              <a:buChar char="•"/>
+              <a:tabLst/>
+            </a:pPr>
+            <a:r>
+              <a:rPr lang="ar-SA" altLang="de-DE" sz="2000" dirty="0">
+                <a:cs typeface="B Nazanin" panose="00000400000000000000" pitchFamily="2" charset="-78"/>
+              </a:rPr>
+              <a:t>یافتن رایج‌ترین تعداد ست‌ها با استفاده از مد</a:t>
+            </a:r>
+            <a:endParaRPr lang="de-DE" altLang="de-DE" sz="2000" dirty="0">
+              <a:cs typeface="B Nazanin" panose="00000400000000000000" pitchFamily="2" charset="-78"/>
+            </a:endParaRPr>
+          </a:p>
+          <a:p>
+            <a:pPr marL="0" marR="0" lvl="0" indent="0" algn="r" defTabSz="914400" rtl="1" eaLnBrk="0" fontAlgn="base" latinLnBrk="0" hangingPunct="0">
+              <a:lnSpc>
+                <a:spcPct val="100000"/>
+              </a:lnSpc>
+              <a:spcBef>
+                <a:spcPct val="0"/>
+              </a:spcBef>
+              <a:spcAft>
+                <a:spcPct val="0"/>
+              </a:spcAft>
+              <a:buClrTx/>
+              <a:buSzTx/>
+              <a:buFontTx/>
+              <a:buChar char="•"/>
+              <a:tabLst/>
+            </a:pPr>
+            <a:r>
+              <a:rPr lang="ar-SA" altLang="de-DE" sz="2000" dirty="0">
+                <a:cs typeface="B Nazanin" panose="00000400000000000000" pitchFamily="2" charset="-78"/>
+              </a:rPr>
+              <a:t>بررسی بیشترین تعداد ست ثبت‌شده</a:t>
+            </a:r>
+            <a:endParaRPr lang="de-DE" altLang="de-DE" sz="2000" dirty="0">
+              <a:cs typeface="B Nazanin" panose="00000400000000000000" pitchFamily="2" charset="-78"/>
+            </a:endParaRPr>
+          </a:p>
+          <a:p>
+            <a:pPr marL="0" marR="0" lvl="0" indent="0" algn="r" defTabSz="914400" rtl="1" eaLnBrk="0" fontAlgn="base" latinLnBrk="0" hangingPunct="0">
+              <a:lnSpc>
+                <a:spcPct val="100000"/>
+              </a:lnSpc>
+              <a:spcBef>
+                <a:spcPct val="0"/>
+              </a:spcBef>
+              <a:spcAft>
+                <a:spcPct val="0"/>
+              </a:spcAft>
+              <a:buClrTx/>
+              <a:buSzTx/>
+              <a:buFontTx/>
+              <a:buChar char="•"/>
+              <a:tabLst/>
+            </a:pPr>
+            <a:r>
+              <a:rPr lang="ar-SA" altLang="de-DE" sz="2000" dirty="0">
+                <a:cs typeface="B Nazanin" panose="00000400000000000000" pitchFamily="2" charset="-78"/>
+              </a:rPr>
+              <a:t>نمایش </a:t>
+            </a:r>
+            <a:r>
+              <a:rPr lang="fa-IR" altLang="de-DE" sz="2000" dirty="0">
+                <a:cs typeface="B Nazanin" panose="00000400000000000000" pitchFamily="2" charset="-78"/>
+              </a:rPr>
+              <a:t>۱۰</a:t>
+            </a:r>
+            <a:r>
+              <a:rPr lang="ar-SA" altLang="de-DE" sz="2000" dirty="0">
+                <a:cs typeface="B Nazanin" panose="00000400000000000000" pitchFamily="2" charset="-78"/>
+              </a:rPr>
+              <a:t> مقدار پرتکرار در تعداد ست‌ها</a:t>
+            </a:r>
+            <a:endParaRPr lang="de-DE" altLang="de-DE" sz="2000" dirty="0">
+              <a:cs typeface="B Nazanin" panose="00000400000000000000" pitchFamily="2" charset="-78"/>
+            </a:endParaRPr>
+          </a:p>
+        </p:txBody>
+      </p:sp>
     </p:spTree>
     <p:extLst>
       <p:ext uri="{BB962C8B-B14F-4D97-AF65-F5344CB8AC3E}">
@@ -11545,7 +10038,7 @@
         <p:spPr>
           <a:xfrm>
             <a:off x="1036176" y="1423417"/>
-            <a:ext cx="10291601" cy="4801314"/>
+            <a:ext cx="10291601" cy="3970318"/>
           </a:xfrm>
           <a:prstGeom prst="rect">
             <a:avLst/>
@@ -11565,9 +10058,30 @@
               </a:rPr>
               <a:t>سوال ۶:</a:t>
             </a:r>
-            <a:endParaRPr lang="en-US" dirty="0">
+            <a:r>
+              <a:rPr lang="fa-IR" dirty="0">
+                <a:cs typeface="B Nazanin" panose="00000400000000000000" pitchFamily="2" charset="-78"/>
+              </a:rPr>
+              <a:t> </a:t>
+            </a:r>
+            <a:r>
+              <a:rPr lang="ar-SA" dirty="0">
+                <a:cs typeface="B Nazanin" panose="00000400000000000000" pitchFamily="2" charset="-78"/>
+              </a:rPr>
+              <a:t>کدام کشور بیشترین بازیکنان تنیس موفق را داشته است؟</a:t>
+            </a:r>
+            <a:endParaRPr lang="fa-IR" dirty="0">
               <a:cs typeface="B Nazanin" panose="00000400000000000000" pitchFamily="2" charset="-78"/>
             </a:endParaRPr>
+          </a:p>
+          <a:p>
+            <a:pPr algn="r" rtl="1"/>
+            <a:r>
+              <a:rPr lang="fa-IR" b="1" dirty="0">
+                <a:cs typeface="B Nazanin" panose="00000400000000000000" pitchFamily="2" charset="-78"/>
+              </a:rPr>
+              <a:t>روش انجام کار:</a:t>
+            </a:r>
           </a:p>
           <a:p>
             <a:pPr algn="r" rtl="1"/>
@@ -11576,13 +10090,124 @@
             </a:endParaRPr>
           </a:p>
           <a:p>
+            <a:pPr lvl="0" algn="r" defTabSz="914400" rtl="1" eaLnBrk="0" fontAlgn="base" hangingPunct="0">
+              <a:spcBef>
+                <a:spcPct val="0"/>
+              </a:spcBef>
+              <a:spcAft>
+                <a:spcPct val="0"/>
+              </a:spcAft>
+              <a:buFontTx/>
+              <a:buChar char="•"/>
+            </a:pPr>
+            <a:r>
+              <a:rPr lang="ar-SA" altLang="de-DE" dirty="0">
+                <a:cs typeface="B Nazanin" panose="00000400000000000000" pitchFamily="2" charset="-78"/>
+              </a:rPr>
+              <a:t>بارگذاری شناسه مسابقه و کد برنده</a:t>
+            </a:r>
+            <a:endParaRPr lang="de-DE" altLang="de-DE" dirty="0">
+              <a:cs typeface="B Nazanin" panose="00000400000000000000" pitchFamily="2" charset="-78"/>
+            </a:endParaRPr>
+          </a:p>
+          <a:p>
+            <a:pPr lvl="0" algn="r" defTabSz="914400" rtl="1" eaLnBrk="0" fontAlgn="base" hangingPunct="0">
+              <a:spcBef>
+                <a:spcPct val="0"/>
+              </a:spcBef>
+              <a:spcAft>
+                <a:spcPct val="0"/>
+              </a:spcAft>
+              <a:buFontTx/>
+              <a:buChar char="•"/>
+            </a:pPr>
+            <a:r>
+              <a:rPr lang="ar-SA" altLang="de-DE" dirty="0">
+                <a:cs typeface="B Nazanin" panose="00000400000000000000" pitchFamily="2" charset="-78"/>
+              </a:rPr>
+              <a:t>ادغام با اطلاعات بازیکنان میزبان و میهمان (نام و کشور)</a:t>
+            </a:r>
+            <a:endParaRPr lang="de-DE" altLang="de-DE" dirty="0">
+              <a:cs typeface="B Nazanin" panose="00000400000000000000" pitchFamily="2" charset="-78"/>
+            </a:endParaRPr>
+          </a:p>
+          <a:p>
+            <a:pPr lvl="0" algn="r" defTabSz="914400" rtl="1" eaLnBrk="0" fontAlgn="base" hangingPunct="0">
+              <a:spcBef>
+                <a:spcPct val="0"/>
+              </a:spcBef>
+              <a:spcAft>
+                <a:spcPct val="0"/>
+              </a:spcAft>
+              <a:buFontTx/>
+              <a:buChar char="•"/>
+            </a:pPr>
+            <a:r>
+              <a:rPr lang="ar-SA" altLang="de-DE" dirty="0">
+                <a:cs typeface="B Nazanin" panose="00000400000000000000" pitchFamily="2" charset="-78"/>
+              </a:rPr>
+              <a:t>تعیین برنده هر مسابقه براساس کد پیروزی</a:t>
+            </a:r>
+            <a:endParaRPr lang="de-DE" altLang="de-DE" dirty="0">
+              <a:cs typeface="B Nazanin" panose="00000400000000000000" pitchFamily="2" charset="-78"/>
+            </a:endParaRPr>
+          </a:p>
+          <a:p>
+            <a:pPr lvl="0" algn="r" defTabSz="914400" rtl="1" eaLnBrk="0" fontAlgn="base" hangingPunct="0">
+              <a:spcBef>
+                <a:spcPct val="0"/>
+              </a:spcBef>
+              <a:spcAft>
+                <a:spcPct val="0"/>
+              </a:spcAft>
+              <a:buFontTx/>
+              <a:buChar char="•"/>
+            </a:pPr>
+            <a:r>
+              <a:rPr lang="ar-SA" altLang="de-DE" dirty="0">
+                <a:cs typeface="B Nazanin" panose="00000400000000000000" pitchFamily="2" charset="-78"/>
+              </a:rPr>
+              <a:t>شمارش تعداد بردهای هر کشور</a:t>
+            </a:r>
+            <a:endParaRPr lang="de-DE" altLang="de-DE" dirty="0">
+              <a:cs typeface="B Nazanin" panose="00000400000000000000" pitchFamily="2" charset="-78"/>
+            </a:endParaRPr>
+          </a:p>
+          <a:p>
+            <a:pPr lvl="0" algn="r" defTabSz="914400" rtl="1" eaLnBrk="0" fontAlgn="base" hangingPunct="0">
+              <a:spcBef>
+                <a:spcPct val="0"/>
+              </a:spcBef>
+              <a:spcAft>
+                <a:spcPct val="0"/>
+              </a:spcAft>
+              <a:buFontTx/>
+              <a:buChar char="•"/>
+            </a:pPr>
+            <a:r>
+              <a:rPr lang="ar-SA" altLang="de-DE" dirty="0">
+                <a:cs typeface="B Nazanin" panose="00000400000000000000" pitchFamily="2" charset="-78"/>
+              </a:rPr>
+              <a:t>مرتب‌سازی و استخراج </a:t>
+            </a:r>
+            <a:r>
+              <a:rPr lang="fa-IR" altLang="de-DE" dirty="0">
+                <a:cs typeface="B Nazanin" panose="00000400000000000000" pitchFamily="2" charset="-78"/>
+              </a:rPr>
+              <a:t>۱۰</a:t>
+            </a:r>
+            <a:r>
+              <a:rPr lang="ar-SA" altLang="de-DE" dirty="0">
+                <a:cs typeface="B Nazanin" panose="00000400000000000000" pitchFamily="2" charset="-78"/>
+              </a:rPr>
+              <a:t> کشور برتر</a:t>
+            </a:r>
+            <a:endParaRPr lang="de-DE" altLang="de-DE" dirty="0">
+              <a:cs typeface="B Nazanin" panose="00000400000000000000" pitchFamily="2" charset="-78"/>
+            </a:endParaRPr>
+          </a:p>
+          <a:p>
             <a:pPr algn="r" rtl="1"/>
-            <a:r>
-              <a:rPr lang="ar-SA" dirty="0">
-                <a:cs typeface="B Nazanin" panose="00000400000000000000" pitchFamily="2" charset="-78"/>
-              </a:rPr>
-              <a:t>کدام کشور بیشترین بازیکنان تنیس موفق را داشته است؟</a:t>
-            </a:r>
             <a:endParaRPr lang="fa-IR" dirty="0">
               <a:cs typeface="B Nazanin" panose="00000400000000000000" pitchFamily="2" charset="-78"/>
             </a:endParaRPr>
@@ -11590,112 +10215,16 @@
           <a:p>
             <a:pPr algn="r" rtl="1"/>
             <a:r>
-              <a:rPr lang="de-DE" dirty="0" err="1">
-                <a:cs typeface="B Nazanin" panose="00000400000000000000" pitchFamily="2" charset="-78"/>
-              </a:rPr>
-              <a:t>Which</a:t>
-            </a:r>
-            <a:r>
-              <a:rPr lang="de-DE" dirty="0">
-                <a:cs typeface="B Nazanin" panose="00000400000000000000" pitchFamily="2" charset="-78"/>
-              </a:rPr>
-              <a:t> </a:t>
-            </a:r>
-            <a:r>
-              <a:rPr lang="de-DE" dirty="0" err="1">
-                <a:cs typeface="B Nazanin" panose="00000400000000000000" pitchFamily="2" charset="-78"/>
-              </a:rPr>
-              <a:t>country</a:t>
-            </a:r>
-            <a:r>
-              <a:rPr lang="de-DE" dirty="0">
-                <a:cs typeface="B Nazanin" panose="00000400000000000000" pitchFamily="2" charset="-78"/>
-              </a:rPr>
-              <a:t> </a:t>
-            </a:r>
-            <a:r>
-              <a:rPr lang="de-DE" dirty="0" err="1">
-                <a:cs typeface="B Nazanin" panose="00000400000000000000" pitchFamily="2" charset="-78"/>
-              </a:rPr>
-              <a:t>has</a:t>
-            </a:r>
-            <a:r>
-              <a:rPr lang="de-DE" dirty="0">
-                <a:cs typeface="B Nazanin" panose="00000400000000000000" pitchFamily="2" charset="-78"/>
-              </a:rPr>
-              <a:t> </a:t>
-            </a:r>
-            <a:r>
-              <a:rPr lang="de-DE" dirty="0" err="1">
-                <a:cs typeface="B Nazanin" panose="00000400000000000000" pitchFamily="2" charset="-78"/>
-              </a:rPr>
-              <a:t>produced</a:t>
-            </a:r>
-            <a:r>
-              <a:rPr lang="de-DE" dirty="0">
-                <a:cs typeface="B Nazanin" panose="00000400000000000000" pitchFamily="2" charset="-78"/>
-              </a:rPr>
-              <a:t> </a:t>
-            </a:r>
-            <a:r>
-              <a:rPr lang="de-DE" dirty="0" err="1">
-                <a:cs typeface="B Nazanin" panose="00000400000000000000" pitchFamily="2" charset="-78"/>
-              </a:rPr>
-              <a:t>the</a:t>
-            </a:r>
-            <a:r>
-              <a:rPr lang="de-DE" dirty="0">
-                <a:cs typeface="B Nazanin" panose="00000400000000000000" pitchFamily="2" charset="-78"/>
-              </a:rPr>
-              <a:t> </a:t>
-            </a:r>
-            <a:r>
-              <a:rPr lang="de-DE" dirty="0" err="1">
-                <a:cs typeface="B Nazanin" panose="00000400000000000000" pitchFamily="2" charset="-78"/>
-              </a:rPr>
-              <a:t>most</a:t>
-            </a:r>
-            <a:r>
-              <a:rPr lang="de-DE" dirty="0">
-                <a:cs typeface="B Nazanin" panose="00000400000000000000" pitchFamily="2" charset="-78"/>
-              </a:rPr>
-              <a:t> </a:t>
-            </a:r>
-            <a:r>
-              <a:rPr lang="de-DE" dirty="0" err="1">
-                <a:cs typeface="B Nazanin" panose="00000400000000000000" pitchFamily="2" charset="-78"/>
-              </a:rPr>
-              <a:t>successful</a:t>
-            </a:r>
-            <a:r>
-              <a:rPr lang="de-DE" dirty="0">
-                <a:cs typeface="B Nazanin" panose="00000400000000000000" pitchFamily="2" charset="-78"/>
-              </a:rPr>
-              <a:t> </a:t>
-            </a:r>
-            <a:r>
-              <a:rPr lang="de-DE" dirty="0" err="1">
-                <a:cs typeface="B Nazanin" panose="00000400000000000000" pitchFamily="2" charset="-78"/>
-              </a:rPr>
-              <a:t>tennis</a:t>
-            </a:r>
-            <a:r>
-              <a:rPr lang="de-DE" dirty="0">
-                <a:cs typeface="B Nazanin" panose="00000400000000000000" pitchFamily="2" charset="-78"/>
-              </a:rPr>
-              <a:t> </a:t>
-            </a:r>
-            <a:r>
-              <a:rPr lang="de-DE" dirty="0" err="1">
-                <a:cs typeface="B Nazanin" panose="00000400000000000000" pitchFamily="2" charset="-78"/>
-              </a:rPr>
-              <a:t>players</a:t>
-            </a:r>
-            <a:r>
-              <a:rPr lang="de-DE" dirty="0">
-                <a:cs typeface="B Nazanin" panose="00000400000000000000" pitchFamily="2" charset="-78"/>
-              </a:rPr>
-              <a:t>?</a:t>
+              <a:rPr lang="ar-SA" b="1" dirty="0">
+                <a:cs typeface="B Nazanin" panose="00000400000000000000" pitchFamily="2" charset="-78"/>
+              </a:rPr>
+              <a:t>نتیجه</a:t>
+            </a:r>
+            <a:r>
+              <a:rPr lang="ar-SA" dirty="0">
+                <a:cs typeface="B Nazanin" panose="00000400000000000000" pitchFamily="2" charset="-78"/>
+              </a:rPr>
+              <a:t>:</a:t>
             </a:r>
             <a:endParaRPr lang="fa-IR" dirty="0">
               <a:cs typeface="B Nazanin" panose="00000400000000000000" pitchFamily="2" charset="-78"/>
@@ -11707,7 +10236,7 @@
               <a:rPr lang="ar-SA" dirty="0">
                 <a:cs typeface="B Nazanin" panose="00000400000000000000" pitchFamily="2" charset="-78"/>
               </a:rPr>
-              <a:t>روش انجام کار:</a:t>
+              <a:t>۳ کشور برتر از نظر تعداد بازیکنان موفق در تنیس:</a:t>
             </a:r>
             <a:endParaRPr lang="fa-IR" dirty="0">
               <a:cs typeface="B Nazanin" panose="00000400000000000000" pitchFamily="2" charset="-78"/>
@@ -11719,7 +10248,7 @@
               <a:rPr lang="ar-SA" dirty="0">
                 <a:cs typeface="B Nazanin" panose="00000400000000000000" pitchFamily="2" charset="-78"/>
               </a:rPr>
-              <a:t>برای یافتن کشورهایی که بیشترین بازیکنان موفق را داشته‌اند، مراحل زیر را طی کردیم:</a:t>
+              <a:t>فرانسه </a:t>
             </a:r>
             <a:endParaRPr lang="fa-IR" dirty="0">
               <a:cs typeface="B Nazanin" panose="00000400000000000000" pitchFamily="2" charset="-78"/>
@@ -11731,37 +10260,7 @@
               <a:rPr lang="ar-SA" dirty="0">
                 <a:cs typeface="B Nazanin" panose="00000400000000000000" pitchFamily="2" charset="-78"/>
               </a:rPr>
-              <a:t>فایل </a:t>
-            </a:r>
-            <a:r>
-              <a:rPr lang="de-DE" dirty="0">
-                <a:cs typeface="B Nazanin" panose="00000400000000000000" pitchFamily="2" charset="-78"/>
-              </a:rPr>
-              <a:t>MatchEventInfo.csv </a:t>
-            </a:r>
-            <a:r>
-              <a:rPr lang="ar-SA" dirty="0">
-                <a:cs typeface="B Nazanin" panose="00000400000000000000" pitchFamily="2" charset="-78"/>
-              </a:rPr>
-              <a:t>را بارگذاری کرده و فقط ستون‌های مربوط به شناسه مسابقه و کد برنده (</a:t>
-            </a:r>
-            <a:r>
-              <a:rPr lang="de-DE" dirty="0" err="1">
-                <a:cs typeface="B Nazanin" panose="00000400000000000000" pitchFamily="2" charset="-78"/>
-              </a:rPr>
-              <a:t>winner_code</a:t>
-            </a:r>
-            <a:r>
-              <a:rPr lang="de-DE" dirty="0">
-                <a:cs typeface="B Nazanin" panose="00000400000000000000" pitchFamily="2" charset="-78"/>
-              </a:rPr>
-              <a:t>) </a:t>
-            </a:r>
-            <a:r>
-              <a:rPr lang="ar-SA" dirty="0">
-                <a:cs typeface="B Nazanin" panose="00000400000000000000" pitchFamily="2" charset="-78"/>
-              </a:rPr>
-              <a:t>را نگه داشتیم.</a:t>
+              <a:t>ایتالیا </a:t>
             </a:r>
             <a:endParaRPr lang="fa-IR" dirty="0">
               <a:cs typeface="B Nazanin" panose="00000400000000000000" pitchFamily="2" charset="-78"/>
@@ -11773,202 +10272,104 @@
               <a:rPr lang="ar-SA" dirty="0">
                 <a:cs typeface="B Nazanin" panose="00000400000000000000" pitchFamily="2" charset="-78"/>
               </a:rPr>
-              <a:t>اطلاعات تیم میزبان و میهمان را از فایل‌های </a:t>
-            </a:r>
-            <a:r>
-              <a:rPr lang="de-DE" dirty="0">
-                <a:cs typeface="B Nazanin" panose="00000400000000000000" pitchFamily="2" charset="-78"/>
-              </a:rPr>
-              <a:t>MatchHomeTeamInfo.csv </a:t>
-            </a:r>
-            <a:r>
-              <a:rPr lang="ar-SA" dirty="0">
-                <a:cs typeface="B Nazanin" panose="00000400000000000000" pitchFamily="2" charset="-78"/>
-              </a:rPr>
-              <a:t>و </a:t>
-            </a:r>
-            <a:r>
-              <a:rPr lang="de-DE" dirty="0">
-                <a:cs typeface="B Nazanin" panose="00000400000000000000" pitchFamily="2" charset="-78"/>
-              </a:rPr>
-              <a:t>MatchAwayTeamInfo.csv </a:t>
-            </a:r>
-            <a:r>
-              <a:rPr lang="ar-SA" dirty="0">
-                <a:cs typeface="B Nazanin" panose="00000400000000000000" pitchFamily="2" charset="-78"/>
-              </a:rPr>
-              <a:t>استخراج کردیم (شامل نام بازیکن و کشور).</a:t>
-            </a:r>
-            <a:endParaRPr lang="fa-IR" dirty="0">
+              <a:t>ایالات متحده آمریکا</a:t>
+            </a:r>
+            <a:endParaRPr lang="de-DE" dirty="0">
               <a:cs typeface="B Nazanin" panose="00000400000000000000" pitchFamily="2" charset="-78"/>
             </a:endParaRPr>
           </a:p>
-          <a:p>
-            <a:pPr algn="r" rtl="1"/>
-            <a:r>
-              <a:rPr lang="ar-SA" dirty="0">
-                <a:cs typeface="B Nazanin" panose="00000400000000000000" pitchFamily="2" charset="-78"/>
-              </a:rPr>
-              <a:t>با استفاده از </a:t>
-            </a:r>
-            <a:r>
-              <a:rPr lang="de-DE" dirty="0" err="1">
-                <a:cs typeface="B Nazanin" panose="00000400000000000000" pitchFamily="2" charset="-78"/>
-              </a:rPr>
-              <a:t>merge</a:t>
-            </a:r>
-            <a:r>
-              <a:rPr lang="de-DE" dirty="0">
-                <a:cs typeface="B Nazanin" panose="00000400000000000000" pitchFamily="2" charset="-78"/>
-              </a:rPr>
-              <a:t> </a:t>
-            </a:r>
-            <a:r>
-              <a:rPr lang="ar-SA" dirty="0">
-                <a:cs typeface="B Nazanin" panose="00000400000000000000" pitchFamily="2" charset="-78"/>
-              </a:rPr>
-              <a:t>داده‌های مسابقات را با اطلاعات تیم میزبان و سپس با تیم میهمان ادغام کردیم.</a:t>
-            </a:r>
-            <a:endParaRPr lang="fa-IR" dirty="0">
-              <a:cs typeface="B Nazanin" panose="00000400000000000000" pitchFamily="2" charset="-78"/>
-            </a:endParaRPr>
-          </a:p>
-          <a:p>
-            <a:pPr algn="r" rtl="1"/>
-            <a:r>
-              <a:rPr lang="ar-SA" dirty="0">
-                <a:cs typeface="B Nazanin" panose="00000400000000000000" pitchFamily="2" charset="-78"/>
-              </a:rPr>
-              <a:t>با استفاده از تابع </a:t>
-            </a:r>
-            <a:r>
-              <a:rPr lang="de-DE" dirty="0" err="1">
-                <a:cs typeface="B Nazanin" panose="00000400000000000000" pitchFamily="2" charset="-78"/>
-              </a:rPr>
-              <a:t>np.where</a:t>
-            </a:r>
-            <a:r>
-              <a:rPr lang="de-DE" dirty="0">
-                <a:cs typeface="B Nazanin" panose="00000400000000000000" pitchFamily="2" charset="-78"/>
-              </a:rPr>
-              <a:t>، </a:t>
-            </a:r>
-            <a:r>
-              <a:rPr lang="ar-SA" dirty="0">
-                <a:cs typeface="B Nazanin" panose="00000400000000000000" pitchFamily="2" charset="-78"/>
-              </a:rPr>
-              <a:t>بر اساس </a:t>
-            </a:r>
-            <a:r>
-              <a:rPr lang="de-DE" dirty="0" err="1">
-                <a:cs typeface="B Nazanin" panose="00000400000000000000" pitchFamily="2" charset="-78"/>
-              </a:rPr>
-              <a:t>winner_code</a:t>
-            </a:r>
-            <a:r>
-              <a:rPr lang="de-DE" dirty="0">
-                <a:cs typeface="B Nazanin" panose="00000400000000000000" pitchFamily="2" charset="-78"/>
-              </a:rPr>
-              <a:t>، </a:t>
-            </a:r>
-            <a:r>
-              <a:rPr lang="ar-SA" dirty="0">
-                <a:cs typeface="B Nazanin" panose="00000400000000000000" pitchFamily="2" charset="-78"/>
-              </a:rPr>
-              <a:t>نام و کشور بازیکن برنده را مشخص کردیم.</a:t>
-            </a:r>
-            <a:endParaRPr lang="fa-IR" dirty="0">
-              <a:cs typeface="B Nazanin" panose="00000400000000000000" pitchFamily="2" charset="-78"/>
-            </a:endParaRPr>
-          </a:p>
-          <a:p>
-            <a:pPr algn="r" rtl="1"/>
-            <a:r>
-              <a:rPr lang="ar-SA" dirty="0">
-                <a:cs typeface="B Nazanin" panose="00000400000000000000" pitchFamily="2" charset="-78"/>
-              </a:rPr>
-              <a:t>کشور بازیکنان برنده را استخراج کرده و با استفاده از </a:t>
-            </a:r>
-            <a:r>
-              <a:rPr lang="de-DE" dirty="0" err="1">
-                <a:cs typeface="B Nazanin" panose="00000400000000000000" pitchFamily="2" charset="-78"/>
-              </a:rPr>
-              <a:t>value_counts</a:t>
-            </a:r>
-            <a:r>
-              <a:rPr lang="de-DE" dirty="0">
-                <a:cs typeface="B Nazanin" panose="00000400000000000000" pitchFamily="2" charset="-78"/>
-              </a:rPr>
-              <a:t>() </a:t>
-            </a:r>
-            <a:r>
-              <a:rPr lang="ar-SA" dirty="0">
-                <a:cs typeface="B Nazanin" panose="00000400000000000000" pitchFamily="2" charset="-78"/>
-              </a:rPr>
-              <a:t>تعداد برد بازیکنان هر کشور را شمردیم.</a:t>
-            </a:r>
-            <a:endParaRPr lang="fa-IR" dirty="0">
-              <a:cs typeface="B Nazanin" panose="00000400000000000000" pitchFamily="2" charset="-78"/>
-            </a:endParaRPr>
-          </a:p>
-          <a:p>
-            <a:pPr algn="r" rtl="1"/>
-            <a:r>
-              <a:rPr lang="ar-SA" dirty="0">
-                <a:cs typeface="B Nazanin" panose="00000400000000000000" pitchFamily="2" charset="-78"/>
-              </a:rPr>
-              <a:t>در نهایت، ۱۰ کشور برتر را بر اساس تعداد برد لیست کردیم.</a:t>
-            </a:r>
-            <a:endParaRPr lang="fa-IR" dirty="0">
-              <a:cs typeface="B Nazanin" panose="00000400000000000000" pitchFamily="2" charset="-78"/>
-            </a:endParaRPr>
-          </a:p>
-          <a:p>
-            <a:pPr algn="r" rtl="1"/>
-            <a:r>
-              <a:rPr lang="ar-SA" dirty="0">
-                <a:cs typeface="B Nazanin" panose="00000400000000000000" pitchFamily="2" charset="-78"/>
-              </a:rPr>
-              <a:t>نتیجه:۳ کشور برتر از نظر تعداد بازیکنان موفق در تنیس:</a:t>
-            </a:r>
-            <a:endParaRPr lang="fa-IR" dirty="0">
-              <a:cs typeface="B Nazanin" panose="00000400000000000000" pitchFamily="2" charset="-78"/>
-            </a:endParaRPr>
-          </a:p>
-          <a:p>
-            <a:pPr algn="r" rtl="1"/>
-            <a:r>
-              <a:rPr lang="ar-SA" dirty="0">
-                <a:cs typeface="B Nazanin" panose="00000400000000000000" pitchFamily="2" charset="-78"/>
-              </a:rPr>
-              <a:t>فرانسه </a:t>
-            </a:r>
-            <a:endParaRPr lang="fa-IR" dirty="0">
-              <a:cs typeface="B Nazanin" panose="00000400000000000000" pitchFamily="2" charset="-78"/>
-            </a:endParaRPr>
-          </a:p>
-          <a:p>
-            <a:pPr algn="r" rtl="1"/>
-            <a:r>
-              <a:rPr lang="ar-SA" dirty="0">
-                <a:cs typeface="B Nazanin" panose="00000400000000000000" pitchFamily="2" charset="-78"/>
-              </a:rPr>
-              <a:t>ایتالیا </a:t>
-            </a:r>
-            <a:endParaRPr lang="fa-IR" dirty="0">
-              <a:cs typeface="B Nazanin" panose="00000400000000000000" pitchFamily="2" charset="-78"/>
-            </a:endParaRPr>
-          </a:p>
-          <a:p>
-            <a:pPr algn="r" rtl="1"/>
-            <a:r>
-              <a:rPr lang="ar-SA" dirty="0">
-                <a:cs typeface="B Nazanin" panose="00000400000000000000" pitchFamily="2" charset="-78"/>
-              </a:rPr>
-              <a:t>ایالات متحده آمریکا</a:t>
-            </a:r>
-            <a:endParaRPr lang="de-DE" dirty="0">
-              <a:cs typeface="B Nazanin" panose="00000400000000000000" pitchFamily="2" charset="-78"/>
+        </p:txBody>
+      </p:sp>
+      <p:sp>
+        <p:nvSpPr>
+          <p:cNvPr id="7" name="Rectangle 3">
+            <a:extLst>
+              <a:ext uri="{FF2B5EF4-FFF2-40B4-BE49-F238E27FC236}">
+                <a16:creationId xmlns:a16="http://schemas.microsoft.com/office/drawing/2014/main" id="{E6322910-98ED-0065-D8ED-66F8D27BBE9A}"/>
+              </a:ext>
+            </a:extLst>
+          </p:cNvPr>
+          <p:cNvSpPr>
+            <a:spLocks noChangeArrowheads="1"/>
+          </p:cNvSpPr>
+          <p:nvPr/>
+        </p:nvSpPr>
+        <p:spPr bwMode="auto">
+          <a:xfrm>
+            <a:off x="0" y="-184666"/>
+            <a:ext cx="264816" cy="369332"/>
+          </a:xfrm>
+          <a:prstGeom prst="rect">
+            <a:avLst/>
+          </a:prstGeom>
+          <a:noFill/>
+          <a:ln>
+            <a:noFill/>
+          </a:ln>
+          <a:effectLst/>
+          <a:extLst>
+            <a:ext uri="{909E8E84-426E-40DD-AFC4-6F175D3DCCD1}">
+              <a14:hiddenFill xmlns:a14="http://schemas.microsoft.com/office/drawing/2010/main">
+                <a:solidFill>
+                  <a:schemeClr val="accent1"/>
+                </a:solidFill>
+              </a14:hiddenFill>
+            </a:ext>
+            <a:ext uri="{91240B29-F687-4F45-9708-019B960494DF}">
+              <a14:hiddenLine xmlns:a14="http://schemas.microsoft.com/office/drawing/2010/main" w="9525">
+                <a:solidFill>
+                  <a:schemeClr val="tx1"/>
+                </a:solidFill>
+                <a:miter lim="800000"/>
+                <a:headEnd/>
+                <a:tailEnd/>
+              </a14:hiddenLine>
+            </a:ext>
+            <a:ext uri="{AF507438-7753-43E0-B8FC-AC1667EBCBE1}">
+              <a14:hiddenEffects xmlns:a14="http://schemas.microsoft.com/office/drawing/2010/main">
+                <a:effectLst>
+                  <a:outerShdw dist="35921" dir="2700000" algn="ctr" rotWithShape="0">
+                    <a:schemeClr val="bg2"/>
+                  </a:outerShdw>
+                </a:effectLst>
+              </a14:hiddenEffects>
+            </a:ext>
+          </a:extLst>
+        </p:spPr>
+        <p:txBody>
+          <a:bodyPr vert="horz" wrap="none" lIns="91440" tIns="45720" rIns="91440" bIns="45720" numCol="1" anchor="ctr" anchorCtr="0" compatLnSpc="1">
+            <a:prstTxWarp prst="textNoShape">
+              <a:avLst/>
+            </a:prstTxWarp>
+            <a:spAutoFit/>
+          </a:bodyPr>
+          <a:lstStyle/>
+          <a:p>
+            <a:pPr marL="0" marR="0" lvl="0" indent="0" algn="l" defTabSz="914400" rtl="0" eaLnBrk="0" fontAlgn="base" latinLnBrk="0" hangingPunct="0">
+              <a:lnSpc>
+                <a:spcPct val="100000"/>
+              </a:lnSpc>
+              <a:spcBef>
+                <a:spcPct val="0"/>
+              </a:spcBef>
+              <a:spcAft>
+                <a:spcPct val="0"/>
+              </a:spcAft>
+              <a:buClrTx/>
+              <a:buSzTx/>
+              <a:buFontTx/>
+              <a:buChar char="•"/>
+              <a:tabLst/>
+            </a:pPr>
+            <a:endParaRPr kumimoji="0" lang="de-DE" altLang="de-DE" sz="1800" b="0" i="0" u="none" strike="noStrike" cap="none" normalizeH="0" baseline="0" dirty="0">
+              <a:ln>
+                <a:noFill/>
+              </a:ln>
+              <a:solidFill>
+                <a:schemeClr val="tx1"/>
+              </a:solidFill>
+              <a:effectLst/>
+              <a:latin typeface="Arial" panose="020B0604020202020204" pitchFamily="34" charset="0"/>
             </a:endParaRPr>
           </a:p>
         </p:txBody>
@@ -12018,7 +10419,7 @@
         <p:spPr>
           <a:xfrm>
             <a:off x="1063070" y="1369629"/>
-            <a:ext cx="10291601" cy="4801314"/>
+            <a:ext cx="10291601" cy="4001095"/>
           </a:xfrm>
           <a:prstGeom prst="rect">
             <a:avLst/>
@@ -12033,177 +10434,156 @@
           <a:p>
             <a:pPr algn="r" rtl="1"/>
             <a:r>
+              <a:rPr lang="ar-SA" sz="2000" b="1" dirty="0">
+                <a:cs typeface="B Nazanin" panose="00000400000000000000" pitchFamily="2" charset="-78"/>
+              </a:rPr>
+              <a:t>سوال </a:t>
+            </a:r>
+            <a:r>
+              <a:rPr lang="fa-IR" sz="2000" b="1" dirty="0">
+                <a:cs typeface="B Nazanin" panose="00000400000000000000" pitchFamily="2" charset="-78"/>
+              </a:rPr>
+              <a:t>7</a:t>
+            </a:r>
+            <a:r>
+              <a:rPr lang="ar-SA" sz="2000" b="1" dirty="0">
+                <a:cs typeface="B Nazanin" panose="00000400000000000000" pitchFamily="2" charset="-78"/>
+              </a:rPr>
+              <a:t>:</a:t>
+            </a:r>
+            <a:r>
+              <a:rPr lang="fa-IR" sz="2000" b="1" dirty="0">
+                <a:cs typeface="B Nazanin" panose="00000400000000000000" pitchFamily="2" charset="-78"/>
+              </a:rPr>
+              <a:t> میانگین تعداد آس‌ها در هر مسابقه</a:t>
+            </a:r>
+          </a:p>
+          <a:p>
+            <a:pPr algn="r" rtl="1"/>
+            <a:r>
+              <a:rPr lang="fa-IR" b="1" dirty="0">
+                <a:cs typeface="B Nazanin" panose="00000400000000000000" pitchFamily="2" charset="-78"/>
+              </a:rPr>
+              <a:t>خلاصه:</a:t>
+            </a:r>
+            <a:br>
+              <a:rPr lang="fa-IR" dirty="0">
+                <a:cs typeface="B Nazanin" panose="00000400000000000000" pitchFamily="2" charset="-78"/>
+              </a:rPr>
+            </a:br>
+            <a:r>
+              <a:rPr lang="fa-IR" dirty="0">
+                <a:cs typeface="B Nazanin" panose="00000400000000000000" pitchFamily="2" charset="-78"/>
+              </a:rPr>
+              <a:t>در بررسی عملکرد بازیکنان طی مسابقات اخیر، میانگین تعداد آس سرویس زده شده در هر مسابقه محاسبه شده است. </a:t>
+            </a:r>
+          </a:p>
+          <a:p>
+            <a:pPr algn="r" rtl="1"/>
+            <a:r>
+              <a:rPr lang="ar-SA" b="1" dirty="0">
+                <a:cs typeface="B Nazanin" panose="00000400000000000000" pitchFamily="2" charset="-78"/>
+              </a:rPr>
+              <a:t>روش انجام کار:</a:t>
+            </a:r>
+          </a:p>
+          <a:p>
+            <a:pPr algn="r" rtl="1"/>
+            <a:r>
               <a:rPr lang="ar-SA" dirty="0">
                 <a:cs typeface="B Nazanin" panose="00000400000000000000" pitchFamily="2" charset="-78"/>
               </a:rPr>
-              <a:t>سوال </a:t>
-            </a:r>
-            <a:r>
+              <a:t>استفاده از جدول آماری مسابقات</a:t>
+            </a:r>
+          </a:p>
+          <a:p>
+            <a:pPr algn="r" rtl="1"/>
+            <a:r>
+              <a:rPr lang="ar-SA" dirty="0">
+                <a:cs typeface="B Nazanin" panose="00000400000000000000" pitchFamily="2" charset="-78"/>
+              </a:rPr>
+              <a:t>فیلتر کردن موارد مربوط به "ایس"</a:t>
+            </a:r>
+          </a:p>
+          <a:p>
+            <a:pPr algn="r" rtl="1"/>
+            <a:r>
+              <a:rPr lang="ar-SA" dirty="0">
+                <a:cs typeface="B Nazanin" panose="00000400000000000000" pitchFamily="2" charset="-78"/>
+              </a:rPr>
+              <a:t>شمارش تعداد ایس‌ها برای هر مسابقه</a:t>
+            </a:r>
+          </a:p>
+          <a:p>
+            <a:pPr algn="r" rtl="1"/>
+            <a:r>
+              <a:rPr lang="ar-SA" dirty="0">
+                <a:cs typeface="B Nazanin" panose="00000400000000000000" pitchFamily="2" charset="-78"/>
+              </a:rPr>
+              <a:t>محاسبه میانگین بر اساس شناسه مسابقه</a:t>
+            </a:r>
+          </a:p>
+          <a:p>
+            <a:pPr algn="r" rtl="1"/>
+            <a:r>
+              <a:rPr lang="fa-IR" b="1" dirty="0">
+                <a:cs typeface="B Nazanin" panose="00000400000000000000" pitchFamily="2" charset="-78"/>
+              </a:rPr>
+              <a:t>نتیجه اصلی:</a:t>
+            </a:r>
+            <a:br>
               <a:rPr lang="fa-IR" dirty="0">
                 <a:cs typeface="B Nazanin" panose="00000400000000000000" pitchFamily="2" charset="-78"/>
               </a:rPr>
+            </a:br>
+            <a:r>
+              <a:rPr lang="fa-IR" dirty="0">
+                <a:cs typeface="B Nazanin" panose="00000400000000000000" pitchFamily="2" charset="-78"/>
+              </a:rPr>
+              <a:t>به طور متوسط، هر مسابقه شامل حدود </a:t>
+            </a:r>
+            <a:r>
+              <a:rPr lang="en-US" dirty="0">
+                <a:cs typeface="B Nazanin" panose="00000400000000000000" pitchFamily="2" charset="-78"/>
+              </a:rPr>
+              <a:t> </a:t>
+            </a:r>
+            <a:r>
+              <a:rPr lang="en-US" b="1" dirty="0">
+                <a:cs typeface="B Nazanin" panose="00000400000000000000" pitchFamily="2" charset="-78"/>
+              </a:rPr>
               <a:t>7</a:t>
             </a:r>
             <a:r>
-              <a:rPr lang="ar-SA" dirty="0">
-                <a:cs typeface="B Nazanin" panose="00000400000000000000" pitchFamily="2" charset="-78"/>
-              </a:rPr>
-              <a:t>:</a:t>
-            </a:r>
-            <a:endParaRPr lang="en-US" dirty="0">
-              <a:cs typeface="B Nazanin" panose="00000400000000000000" pitchFamily="2" charset="-78"/>
-            </a:endParaRPr>
+              <a:rPr lang="fa-IR" b="1" dirty="0">
+                <a:cs typeface="B Nazanin" panose="00000400000000000000" pitchFamily="2" charset="-78"/>
+              </a:rPr>
+              <a:t>عدد </a:t>
+            </a:r>
+            <a:r>
+              <a:rPr lang="fa-IR" dirty="0">
+                <a:cs typeface="B Nazanin" panose="00000400000000000000" pitchFamily="2" charset="-78"/>
+              </a:rPr>
+              <a:t>بوده است.</a:t>
+            </a:r>
           </a:p>
           <a:p>
             <a:pPr algn="r" rtl="1"/>
-            <a:endParaRPr lang="en-US" dirty="0">
-              <a:cs typeface="B Nazanin" panose="00000400000000000000" pitchFamily="2" charset="-78"/>
-            </a:endParaRPr>
-          </a:p>
-          <a:p>
-            <a:pPr algn="r" rtl="1"/>
-            <a:endParaRPr lang="en-US" dirty="0">
-              <a:cs typeface="B Nazanin" panose="00000400000000000000" pitchFamily="2" charset="-78"/>
-            </a:endParaRPr>
-          </a:p>
-          <a:p>
-            <a:pPr algn="r" rtl="1"/>
-            <a:endParaRPr lang="fa-IR" dirty="0">
-              <a:cs typeface="B Nazanin" panose="00000400000000000000" pitchFamily="2" charset="-78"/>
-            </a:endParaRPr>
-          </a:p>
-          <a:p>
-            <a:pPr algn="r" rtl="1"/>
-            <a:r>
-              <a:rPr lang="fa-IR" b="1" dirty="0"/>
-              <a:t>موضوع:</a:t>
-            </a:r>
-            <a:r>
-              <a:rPr lang="fa-IR" dirty="0"/>
-              <a:t> میانگین تعداد آس‌ها در هر مسابقه</a:t>
-            </a:r>
-          </a:p>
-          <a:p>
-            <a:pPr algn="r" rtl="1"/>
-            <a:r>
-              <a:rPr lang="fa-IR" b="1" dirty="0"/>
-              <a:t>خلاصه:</a:t>
+            <a:r>
+              <a:rPr lang="fa-IR" b="1" dirty="0">
+                <a:cs typeface="B Nazanin" panose="00000400000000000000" pitchFamily="2" charset="-78"/>
+              </a:rPr>
+              <a:t>توضیح مختصر:</a:t>
             </a:r>
             <a:br>
-              <a:rPr lang="fa-IR" dirty="0"/>
+              <a:rPr lang="fa-IR" dirty="0">
+                <a:cs typeface="B Nazanin" panose="00000400000000000000" pitchFamily="2" charset="-78"/>
+              </a:rPr>
             </a:br>
             <a:r>
-              <a:rPr lang="fa-IR" dirty="0"/>
-              <a:t>در بررسی عملکرد بازیکنان طی مسابقات اخیر، میانگین تعداد آس سرویس زده شده در هر مسابقه محاسبه شده است. </a:t>
-            </a:r>
-          </a:p>
-          <a:p>
-            <a:pPr algn="r" rtl="1"/>
-            <a:r>
-              <a:rPr lang="fa-IR" b="1" dirty="0"/>
-              <a:t>راه حل:</a:t>
-            </a:r>
-          </a:p>
-          <a:p>
-            <a:pPr algn="r" rtl="1"/>
-            <a:r>
-              <a:rPr lang="fa-IR" dirty="0"/>
-              <a:t>برای رسیدن به جواب این سوال از جدول </a:t>
-            </a:r>
-            <a:r>
-              <a:rPr lang="en-US" dirty="0" err="1"/>
-              <a:t>period_info</a:t>
-            </a:r>
-            <a:r>
-              <a:rPr lang="fa-IR" dirty="0"/>
-              <a:t> و ستون </a:t>
-            </a:r>
-            <a:r>
-              <a:rPr lang="en-US" dirty="0"/>
-              <a:t> </a:t>
-            </a:r>
-            <a:r>
-              <a:rPr lang="en-US" dirty="0" err="1"/>
-              <a:t>statistic_name</a:t>
-            </a:r>
-            <a:r>
-              <a:rPr lang="fa-IR" dirty="0"/>
-              <a:t> استفاده شده است. با شمارش روی </a:t>
-            </a:r>
-            <a:r>
-              <a:rPr lang="en-US" dirty="0"/>
-              <a:t>aces</a:t>
-            </a:r>
-            <a:r>
-              <a:rPr lang="fa-IR" dirty="0"/>
-              <a:t> ها در هر </a:t>
-            </a:r>
-            <a:r>
-              <a:rPr lang="en-US" dirty="0" err="1"/>
-              <a:t>match_id</a:t>
-            </a:r>
-            <a:r>
-              <a:rPr lang="en-US" dirty="0"/>
-              <a:t> </a:t>
-            </a:r>
-            <a:r>
-              <a:rPr lang="fa-IR" dirty="0"/>
-              <a:t> و گرفتن میانگین روی آنها به جواب </a:t>
-            </a:r>
-            <a:r>
-              <a:rPr lang="en-US" dirty="0"/>
-              <a:t>6.70</a:t>
-            </a:r>
-            <a:r>
-              <a:rPr lang="fa-IR" dirty="0"/>
-              <a:t> به طور تقریبی رسیده ایم.</a:t>
-            </a:r>
-            <a:br>
-              <a:rPr lang="fa-IR" dirty="0"/>
-            </a:br>
-            <a:endParaRPr lang="fa-IR" b="1" dirty="0"/>
-          </a:p>
-          <a:p>
-            <a:pPr algn="r" rtl="1"/>
-            <a:r>
-              <a:rPr lang="fa-IR" b="1" dirty="0"/>
-              <a:t>نتیجه اصلی:</a:t>
-            </a:r>
-            <a:br>
-              <a:rPr lang="fa-IR" dirty="0"/>
-            </a:br>
-            <a:r>
-              <a:rPr lang="fa-IR" dirty="0"/>
-              <a:t>به طور متوسط، هر مسابقه شامل حدود </a:t>
-            </a:r>
-            <a:r>
-              <a:rPr lang="en-US" dirty="0"/>
-              <a:t> </a:t>
-            </a:r>
-            <a:r>
-              <a:rPr lang="en-US" b="1" dirty="0"/>
-              <a:t>7</a:t>
-            </a:r>
-            <a:r>
-              <a:rPr lang="fa-IR" b="1" dirty="0"/>
-              <a:t>عدد </a:t>
-            </a:r>
-            <a:r>
-              <a:rPr lang="fa-IR" dirty="0"/>
-              <a:t>بوده است.</a:t>
-            </a:r>
-          </a:p>
-          <a:p>
-            <a:pPr algn="r" rtl="1"/>
-            <a:r>
-              <a:rPr lang="fa-IR" b="1" dirty="0"/>
-              <a:t>توضیح مختصر:</a:t>
-            </a:r>
-            <a:br>
-              <a:rPr lang="fa-IR" dirty="0"/>
-            </a:br>
-            <a:r>
-              <a:rPr lang="fa-IR" dirty="0"/>
+              <a:rPr lang="fa-IR" dirty="0">
+                <a:cs typeface="B Nazanin" panose="00000400000000000000" pitchFamily="2" charset="-78"/>
+              </a:rPr>
               <a:t>این عدد نشان می‌دهد که بازیکنان به طور متوسط چند بار در هر مسابقه توانسته‌اند امتیاز مستقیم از طریق سرویس‌های بدون پاسخ دریافت کنند. مقدار متوسط آس‌ها در مسابقات می‌تواند شاخصی برای سنجش قدرت و دقت سرویس بازیکنان باشد.</a:t>
             </a:r>
           </a:p>
@@ -12260,7 +10640,7 @@
         <p:spPr>
           <a:xfrm>
             <a:off x="950199" y="1434876"/>
-            <a:ext cx="10291601" cy="3970318"/>
+            <a:ext cx="10291601" cy="3416320"/>
           </a:xfrm>
           <a:prstGeom prst="rect">
             <a:avLst/>
@@ -12275,81 +10655,67 @@
           <a:p>
             <a:pPr algn="r" rtl="1"/>
             <a:r>
-              <a:rPr lang="ar-SA" dirty="0">
+              <a:rPr lang="ar-SA" sz="2000" dirty="0">
                 <a:cs typeface="B Nazanin" panose="00000400000000000000" pitchFamily="2" charset="-78"/>
               </a:rPr>
               <a:t>سوال </a:t>
             </a:r>
             <a:r>
-              <a:rPr lang="fa-IR" dirty="0">
+              <a:rPr lang="fa-IR" sz="2000" dirty="0">
                 <a:cs typeface="B Nazanin" panose="00000400000000000000" pitchFamily="2" charset="-78"/>
               </a:rPr>
               <a:t>8</a:t>
             </a:r>
             <a:r>
-              <a:rPr lang="ar-SA" dirty="0">
+              <a:rPr lang="ar-SA" sz="2000" dirty="0">
                 <a:cs typeface="B Nazanin" panose="00000400000000000000" pitchFamily="2" charset="-78"/>
               </a:rPr>
               <a:t>:</a:t>
             </a:r>
-            <a:endParaRPr lang="en-US" dirty="0">
-              <a:cs typeface="B Nazanin" panose="00000400000000000000" pitchFamily="2" charset="-78"/>
-            </a:endParaRPr>
+            <a:r>
+              <a:rPr lang="fa-IR" sz="2000" dirty="0">
+                <a:cs typeface="B Nazanin" panose="00000400000000000000" pitchFamily="2" charset="-78"/>
+              </a:rPr>
+              <a:t>آیا تفاوتی در تعداد دابل‌فالت‌ها بین بازیکنان مرد و زن وجود دارد؟</a:t>
+            </a:r>
           </a:p>
           <a:p>
             <a:pPr algn="r" rtl="1"/>
-            <a:endParaRPr lang="en-US" dirty="0">
-              <a:cs typeface="B Nazanin" panose="00000400000000000000" pitchFamily="2" charset="-78"/>
-            </a:endParaRPr>
+            <a:r>
+              <a:rPr lang="fa-IR" sz="2000" b="1" dirty="0">
+                <a:cs typeface="B Nazanin" panose="00000400000000000000" pitchFamily="2" charset="-78"/>
+              </a:rPr>
+              <a:t>خلاصه:</a:t>
+            </a:r>
+            <a:br>
+              <a:rPr lang="fa-IR" sz="2000" dirty="0">
+                <a:cs typeface="B Nazanin" panose="00000400000000000000" pitchFamily="2" charset="-78"/>
+              </a:rPr>
+            </a:br>
+            <a:r>
+              <a:rPr lang="fa-IR" sz="2000" dirty="0">
+                <a:cs typeface="B Nazanin" panose="00000400000000000000" pitchFamily="2" charset="-78"/>
+              </a:rPr>
+              <a:t>برای بررسی دقت و پایداری در سرویس دوم، تعداد دابل‌فالت‌ها در مسابقات مردان و زنان مقایسه شد. دابل‌فالت، زمانی است که بازیکن هر دو سرویس خود را از دست بدهد و امتیاز مستقیم به حریف بدهد، که می‌تواند در نتیجه نهایی مسابقه تأثیر قابل‌توجهی داشته باشد.</a:t>
+            </a:r>
           </a:p>
           <a:p>
             <a:pPr algn="r" rtl="1"/>
-            <a:endParaRPr lang="en-US" dirty="0">
-              <a:cs typeface="B Nazanin" panose="00000400000000000000" pitchFamily="2" charset="-78"/>
-            </a:endParaRPr>
-          </a:p>
-          <a:p>
-            <a:pPr algn="r" rtl="1"/>
-            <a:endParaRPr lang="en-US" dirty="0">
-              <a:cs typeface="B Nazanin" panose="00000400000000000000" pitchFamily="2" charset="-78"/>
-            </a:endParaRPr>
-          </a:p>
-          <a:p>
-            <a:pPr algn="r" rtl="1"/>
-            <a:r>
-              <a:rPr lang="fa-IR" b="1" dirty="0"/>
-              <a:t>موضوع:</a:t>
-            </a:r>
-            <a:r>
-              <a:rPr lang="fa-IR" dirty="0"/>
-              <a:t> آیا تفاوتی در تعداد دابل‌فالت‌ها بین بازیکنان مرد و زن وجود دارد؟</a:t>
-            </a:r>
-          </a:p>
-          <a:p>
-            <a:pPr algn="r" rtl="1"/>
-            <a:r>
-              <a:rPr lang="fa-IR" b="1" dirty="0"/>
-              <a:t>خلاصه:</a:t>
+            <a:r>
+              <a:rPr lang="fa-IR" sz="2000" b="1" dirty="0">
+                <a:cs typeface="B Nazanin" panose="00000400000000000000" pitchFamily="2" charset="-78"/>
+              </a:rPr>
+              <a:t>نتیجه اصلی:</a:t>
             </a:r>
             <a:br>
-              <a:rPr lang="fa-IR" dirty="0"/>
+              <a:rPr lang="fa-IR" sz="2000" dirty="0">
+                <a:cs typeface="B Nazanin" panose="00000400000000000000" pitchFamily="2" charset="-78"/>
+              </a:rPr>
             </a:br>
             <a:r>
-              <a:rPr lang="fa-IR" dirty="0"/>
-              <a:t>برای بررسی دقت و پایداری در سرویس دوم، تعداد دابل‌فالت‌ها در مسابقات مردان و زنان مقایسه شد. دابل‌فالت، زمانی است که بازیکن هر دو سرویس خود را از دست بدهد و امتیاز مستقیم به حریف بدهد، که می‌تواند در نتیجه نهایی مسابقه تأثیر قابل‌توجهی داشته باشد.</a:t>
-            </a:r>
-          </a:p>
-          <a:p>
-            <a:pPr algn="r" rtl="1"/>
-            <a:r>
-              <a:rPr lang="fa-IR" b="1" dirty="0"/>
-              <a:t>نتیجه اصلی:</a:t>
-            </a:r>
-            <a:br>
-              <a:rPr lang="fa-IR" dirty="0"/>
-            </a:br>
-            <a:r>
-              <a:rPr lang="fa-IR" dirty="0"/>
+              <a:rPr lang="fa-IR" sz="2000" dirty="0">
+                <a:cs typeface="B Nazanin" panose="00000400000000000000" pitchFamily="2" charset="-78"/>
+              </a:rPr>
               <a:t>بر اساس داده‌های موجود، مشخص شد که:</a:t>
             </a:r>
           </a:p>
@@ -12359,63 +10725,73 @@
               <a:buChar char="•"/>
             </a:pPr>
             <a:r>
-              <a:rPr lang="fa-IR" b="1" dirty="0"/>
+              <a:rPr lang="fa-IR" sz="2000" b="1" dirty="0">
+                <a:cs typeface="B Nazanin" panose="00000400000000000000" pitchFamily="2" charset="-78"/>
+              </a:rPr>
               <a:t>بازیکنان زن به‌طور متوسط دابل‌فالت‌های بیشتری نسبت به مردان دارند.</a:t>
             </a:r>
-            <a:endParaRPr lang="fa-IR" dirty="0"/>
+            <a:endParaRPr lang="fa-IR" sz="2000" dirty="0">
+              <a:cs typeface="B Nazanin" panose="00000400000000000000" pitchFamily="2" charset="-78"/>
+            </a:endParaRPr>
           </a:p>
           <a:p>
             <a:pPr algn="r" rtl="1"/>
             <a:r>
-              <a:rPr lang="fa-IR" dirty="0">
+              <a:rPr lang="fa-IR" sz="2000" dirty="0">
                 <a:cs typeface="B Nazanin" panose="00000400000000000000" pitchFamily="2" charset="-78"/>
               </a:rPr>
               <a:t>تعداد دابل فالت ها در بازکنان زن </a:t>
             </a:r>
             <a:r>
-              <a:rPr lang="fa-IR" b="1" i="0" dirty="0">
+              <a:rPr lang="fa-IR" sz="2000" b="1" i="0" dirty="0">
                 <a:effectLst/>
                 <a:latin typeface="Consolas" panose="020B0609020204030204" pitchFamily="49" charset="0"/>
+                <a:cs typeface="B Nazanin" panose="00000400000000000000" pitchFamily="2" charset="-78"/>
               </a:rPr>
               <a:t>: </a:t>
             </a:r>
             <a:r>
-              <a:rPr lang="en-US" b="1" i="0" dirty="0">
+              <a:rPr lang="en-US" sz="2000" b="1" i="0" dirty="0">
                 <a:effectLst/>
                 <a:latin typeface="Consolas" panose="020B0609020204030204" pitchFamily="49" charset="0"/>
+                <a:cs typeface="B Nazanin" panose="00000400000000000000" pitchFamily="2" charset="-78"/>
               </a:rPr>
               <a:t>534385</a:t>
             </a:r>
-            <a:endParaRPr lang="fa-IR" b="1" i="0" dirty="0">
+            <a:endParaRPr lang="fa-IR" sz="2000" b="1" i="0" dirty="0">
               <a:effectLst/>
               <a:latin typeface="Consolas" panose="020B0609020204030204" pitchFamily="49" charset="0"/>
+              <a:cs typeface="B Nazanin" panose="00000400000000000000" pitchFamily="2" charset="-78"/>
             </a:endParaRPr>
           </a:p>
           <a:p>
             <a:pPr algn="r" rtl="1"/>
             <a:r>
-              <a:rPr lang="fa-IR" dirty="0">
+              <a:rPr lang="fa-IR" sz="2000" dirty="0">
                 <a:cs typeface="B Nazanin" panose="00000400000000000000" pitchFamily="2" charset="-78"/>
               </a:rPr>
               <a:t>تعداد تعداد دابل فالت ها در بازکنان مرد</a:t>
             </a:r>
             <a:r>
-              <a:rPr lang="fa-IR" b="1" i="0" dirty="0">
+              <a:rPr lang="fa-IR" sz="2000" b="1" i="0" dirty="0">
                 <a:effectLst/>
                 <a:latin typeface="Consolas" panose="020B0609020204030204" pitchFamily="49" charset="0"/>
+                <a:cs typeface="B Nazanin" panose="00000400000000000000" pitchFamily="2" charset="-78"/>
               </a:rPr>
               <a:t>: </a:t>
             </a:r>
             <a:r>
-              <a:rPr lang="en-US" b="1" i="0" dirty="0">
+              <a:rPr lang="en-US" sz="2000" b="1" i="0" dirty="0">
                 <a:effectLst/>
                 <a:latin typeface="Consolas" panose="020B0609020204030204" pitchFamily="49" charset="0"/>
+                <a:cs typeface="B Nazanin" panose="00000400000000000000" pitchFamily="2" charset="-78"/>
               </a:rPr>
               <a:t>546379</a:t>
             </a:r>
-            <a:endParaRPr lang="fa-IR" b="1" i="0" dirty="0">
+            <a:endParaRPr lang="fa-IR" sz="2000" b="1" i="0" dirty="0">
               <a:effectLst/>
               <a:latin typeface="Consolas" panose="020B0609020204030204" pitchFamily="49" charset="0"/>
+              <a:cs typeface="B Nazanin" panose="00000400000000000000" pitchFamily="2" charset="-78"/>
             </a:endParaRPr>
           </a:p>
           <a:p>
@@ -12440,9 +10816,9 @@
 </file>
 
 <file path=ppt/theme/theme1.xml><?xml version="1.0" encoding="utf-8"?>
-<a:theme xmlns:a="http://schemas.openxmlformats.org/drawingml/2006/main" name="Organic">
+<a:theme xmlns:a="http://schemas.openxmlformats.org/drawingml/2006/main" name="Parallax">
   <a:themeElements>
-    <a:clrScheme name="Organic">
+    <a:clrScheme name="Parallax">
       <a:dk1>
         <a:sysClr val="windowText" lastClr="000000"/>
       </a:dk1>
@@ -12453,45 +10829,45 @@
         <a:srgbClr val="212121"/>
       </a:dk2>
       <a:lt2>
-        <a:srgbClr val="DADADA"/>
+        <a:srgbClr val="CDD0D1"/>
       </a:lt2>
       <a:accent1>
-        <a:srgbClr val="83992A"/>
+        <a:srgbClr val="30ACEC"/>
       </a:accent1>
       <a:accent2>
-        <a:srgbClr val="3C9770"/>
+        <a:srgbClr val="80C34F"/>
       </a:accent2>
       <a:accent3>
-        <a:srgbClr val="44709D"/>
+        <a:srgbClr val="E29D3E"/>
       </a:accent3>
       <a:accent4>
-        <a:srgbClr val="A23C33"/>
+        <a:srgbClr val="D64A3B"/>
       </a:accent4>
       <a:accent5>
-        <a:srgbClr val="D97828"/>
+        <a:srgbClr val="D64787"/>
       </a:accent5>
       <a:accent6>
-        <a:srgbClr val="DEB340"/>
+        <a:srgbClr val="A666E1"/>
       </a:accent6>
       <a:hlink>
-        <a:srgbClr val="A8BF4D"/>
+        <a:srgbClr val="3085ED"/>
       </a:hlink>
       <a:folHlink>
-        <a:srgbClr val="B4CA80"/>
+        <a:srgbClr val="82B6F4"/>
       </a:folHlink>
     </a:clrScheme>
-    <a:fontScheme name="Organic">
+    <a:fontScheme name="Parallax">
       <a:majorFont>
-        <a:latin typeface="Garamond" panose="02020404030301010803"/>
+        <a:latin typeface="Corbel" panose="020B0503020204020204"/>
         <a:ea typeface=""/>
         <a:cs typeface=""/>
-        <a:font script="Jpan" typeface="ＭＳ Ｐゴシック"/>
-        <a:font script="Hang" typeface="돋움"/>
-        <a:font script="Hans" typeface="方正舒体"/>
-        <a:font script="Hant" typeface="微軟正黑體"/>
-        <a:font script="Arab" typeface="Arial"/>
-        <a:font script="Hebr" typeface="Arial"/>
-        <a:font script="Thai" typeface="Cordia New"/>
+        <a:font script="Jpan" typeface="HGｺﾞｼｯｸM"/>
+        <a:font script="Hang" typeface="HY엽서L"/>
+        <a:font script="Hans" typeface="华文楷体"/>
+        <a:font script="Hant" typeface="新細明體"/>
+        <a:font script="Arab" typeface="Tahoma"/>
+        <a:font script="Hebr" typeface="Miriam"/>
+        <a:font script="Thai" typeface="DilleniaUPC"/>
         <a:font script="Ethi" typeface="Nyala"/>
         <a:font script="Beng" typeface="Vrinda"/>
         <a:font script="Gujr" typeface="Shruti"/>
@@ -12517,20 +10893,20 @@
         <a:font script="Geor" typeface="Sylfaen"/>
       </a:majorFont>
       <a:minorFont>
-        <a:latin typeface="Garamond" panose="02020404030301010803"/>
+        <a:latin typeface="Corbel" panose="020B0503020204020204"/>
         <a:ea typeface=""/>
         <a:cs typeface=""/>
-        <a:font script="Jpan" typeface="ＭＳ Ｐ明朝"/>
-        <a:font script="Hang" typeface="바탕"/>
-        <a:font script="Hans" typeface="方正舒体"/>
+        <a:font script="Jpan" typeface="HGｺﾞｼｯｸM"/>
+        <a:font script="Hang" typeface="HY엽서L"/>
+        <a:font script="Hans" typeface="华文楷体"/>
         <a:font script="Hant" typeface="新細明體"/>
-        <a:font script="Arab" typeface="Times New Roman"/>
-        <a:font script="Hebr" typeface="Times New Roman"/>
-        <a:font script="Thai" typeface="Angsana New"/>
+        <a:font script="Arab" typeface="Tahoma"/>
+        <a:font script="Hebr" typeface="Miriam"/>
+        <a:font script="Thai" typeface="DilleniaUPC"/>
         <a:font script="Ethi" typeface="Nyala"/>
         <a:font script="Beng" typeface="Vrinda"/>
         <a:font script="Gujr" typeface="Shruti"/>
-        <a:font script="Khmr" typeface="MoolBoran"/>
+        <a:font script="Khmr" typeface="DaunPenh"/>
         <a:font script="Knda" typeface="Tunga"/>
         <a:font script="Guru" typeface="Raavi"/>
         <a:font script="Cans" typeface="Euphemia"/>
@@ -12547,12 +10923,12 @@
         <a:font script="Laoo" typeface="DokChampa"/>
         <a:font script="Sinh" typeface="Iskoola Pota"/>
         <a:font script="Mong" typeface="Mongolian Baiti"/>
-        <a:font script="Viet" typeface="Times New Roman"/>
+        <a:font script="Viet" typeface="Arial"/>
         <a:font script="Uigh" typeface="Microsoft Uighur"/>
         <a:font script="Geor" typeface="Sylfaen"/>
       </a:minorFont>
     </a:fontScheme>
-    <a:fmtScheme name="Organic">
+    <a:fmtScheme name="Parallax">
       <a:fillStyleLst>
         <a:solidFill>
           <a:schemeClr val="phClr"/>
@@ -12562,49 +10938,53 @@
             <a:gs pos="0">
               <a:schemeClr val="phClr">
                 <a:tint val="60000"/>
-                <a:lumMod val="110000"/>
+                <a:lumMod val="104000"/>
               </a:schemeClr>
             </a:gs>
             <a:gs pos="100000">
               <a:schemeClr val="phClr">
-                <a:tint val="82000"/>
+                <a:tint val="84000"/>
               </a:schemeClr>
             </a:gs>
           </a:gsLst>
           <a:lin ang="5400000" scaled="0"/>
         </a:gradFill>
-        <a:blipFill>
-          <a:blip xmlns:r="http://schemas.openxmlformats.org/officeDocument/2006/relationships" r:embed="rId1">
-            <a:duotone>
+        <a:gradFill rotWithShape="1">
+          <a:gsLst>
+            <a:gs pos="0">
               <a:schemeClr val="phClr">
-                <a:shade val="74000"/>
-                <a:satMod val="130000"/>
-                <a:lumMod val="90000"/>
+                <a:tint val="96000"/>
+                <a:lumMod val="102000"/>
               </a:schemeClr>
+            </a:gs>
+            <a:gs pos="100000">
               <a:schemeClr val="phClr">
-                <a:tint val="94000"/>
-                <a:satMod val="120000"/>
-                <a:lumMod val="104000"/>
+                <a:shade val="88000"/>
+                <a:lumMod val="94000"/>
               </a:schemeClr>
-            </a:duotone>
-          </a:blip>
-          <a:tile tx="0" ty="0" sx="100000" sy="100000" flip="none" algn="tl"/>
-        </a:blipFill>
+            </a:gs>
+          </a:gsLst>
+          <a:path path="circle">
+            <a:fillToRect l="50000" t="100000" r="100000" b="50000"/>
+          </a:path>
+        </a:gradFill>
       </a:fillStyleLst>
       <a:lnStyleLst>
-        <a:ln w="9525" cap="flat" cmpd="sng" algn="ctr">
+        <a:ln w="9525" cap="rnd" cmpd="sng" algn="ctr">
+          <a:solidFill>
+            <a:schemeClr val="phClr">
+              <a:tint val="60000"/>
+            </a:schemeClr>
+          </a:solidFill>
+          <a:prstDash val="solid"/>
+        </a:ln>
+        <a:ln w="15875" cap="rnd" cmpd="sng" algn="ctr">
           <a:solidFill>
             <a:schemeClr val="phClr"/>
           </a:solidFill>
           <a:prstDash val="solid"/>
         </a:ln>
-        <a:ln w="15875" cap="flat" cmpd="sng" algn="ctr">
-          <a:solidFill>
-            <a:schemeClr val="phClr"/>
-          </a:solidFill>
-          <a:prstDash val="solid"/>
-        </a:ln>
-        <a:ln w="25400" cap="flat" cmpd="sng" algn="ctr">
+        <a:ln w="22225" cap="rnd" cmpd="sng" algn="ctr">
           <a:solidFill>
             <a:schemeClr val="phClr"/>
           </a:solidFill>
@@ -12617,21 +10997,28 @@
         </a:effectStyle>
         <a:effectStyle>
           <a:effectLst>
-            <a:innerShdw blurRad="25400" dist="12700" dir="13500000">
-              <a:srgbClr val="000000">
-                <a:alpha val="45000"/>
-              </a:srgbClr>
-            </a:innerShdw>
+            <a:reflection blurRad="12700" stA="26000" endPos="32000" dist="12700" dir="5400000" sy="-100000" rotWithShape="0"/>
           </a:effectLst>
         </a:effectStyle>
         <a:effectStyle>
           <a:effectLst>
             <a:outerShdw blurRad="38100" dist="25400" dir="5400000" rotWithShape="0">
               <a:srgbClr val="000000">
-                <a:alpha val="60000"/>
+                <a:alpha val="64000"/>
               </a:srgbClr>
             </a:outerShdw>
           </a:effectLst>
+          <a:scene3d>
+            <a:camera prst="orthographicFront">
+              <a:rot lat="0" lon="0" rev="0"/>
+            </a:camera>
+            <a:lightRig rig="threePt" dir="tl">
+              <a:rot lat="0" lon="0" rev="1200000"/>
+            </a:lightRig>
+          </a:scene3d>
+          <a:sp3d>
+            <a:bevelT w="25400" h="12700"/>
+          </a:sp3d>
         </a:effectStyle>
       </a:effectStyleLst>
       <a:bgFillStyleLst>
@@ -12648,15 +11035,27 @@
             </a:gs>
             <a:gs pos="100000">
               <a:schemeClr val="phClr">
-                <a:shade val="88000"/>
+                <a:shade val="64000"/>
                 <a:lumMod val="98000"/>
               </a:schemeClr>
             </a:gs>
           </a:gsLst>
           <a:lin ang="5400000" scaled="0"/>
         </a:gradFill>
-        <a:blipFill>
-          <a:blip xmlns:r="http://schemas.openxmlformats.org/officeDocument/2006/relationships" r:embed="rId2"/>
+        <a:blipFill rotWithShape="1">
+          <a:blip xmlns:r="http://schemas.openxmlformats.org/officeDocument/2006/relationships" r:embed="rId1">
+            <a:duotone>
+              <a:schemeClr val="phClr">
+                <a:shade val="76000"/>
+                <a:satMod val="180000"/>
+              </a:schemeClr>
+              <a:schemeClr val="phClr">
+                <a:tint val="80000"/>
+                <a:satMod val="120000"/>
+                <a:lumMod val="180000"/>
+              </a:schemeClr>
+            </a:duotone>
+          </a:blip>
           <a:stretch/>
         </a:blipFill>
       </a:bgFillStyleLst>
@@ -12666,7 +11065,7 @@
   <a:extraClrSchemeLst/>
   <a:extLst>
     <a:ext uri="{05A4C25C-085E-4340-85A3-A5531E510DB2}">
-      <thm15:themeFamily xmlns:thm15="http://schemas.microsoft.com/office/thememl/2012/main" name="Organic" id="{28CDC826-8792-45C0-861B-85EB3ADEDA33}" vid="{7DAC20F1-423D-49E2-BD0B-50532748BAD0}"/>
+      <thm15:themeFamily xmlns:thm15="http://schemas.microsoft.com/office/thememl/2012/main" name="Parallax" id="{3388167B-A2EB-4685-9635-1831D9AEF8C4}" vid="{4F7A876A-7598-49CA-AFC8-8EDA2551E4A7}"/>
     </a:ext>
   </a:extLst>
 </a:theme>

--- a/Report/Report.pptx
+++ b/Report/Report.pptx
@@ -8927,7 +8927,7 @@
         <p:spPr>
           <a:xfrm>
             <a:off x="239340" y="744232"/>
-            <a:ext cx="11200075" cy="3631763"/>
+            <a:ext cx="11200075" cy="3323987"/>
           </a:xfrm>
           <a:prstGeom prst="rect">
             <a:avLst/>
@@ -8990,17 +8990,29 @@
               <a:rPr lang="ar-SA" sz="2000" dirty="0">
                 <a:cs typeface="B Nazanin" panose="00000400000000000000" pitchFamily="2" charset="-78"/>
               </a:rPr>
-              <a:t>ادغام داده‌ها با اطلاعات آماری مسابقات</a:t>
-            </a:r>
-          </a:p>
-          <a:p>
-            <a:pPr algn="r" rtl="1"/>
+              <a:t>ادغام داده‌ها با اطلاعات </a:t>
+            </a:r>
+            <a:r>
+              <a:rPr lang="fa-IR" sz="2000" dirty="0">
+                <a:cs typeface="B Nazanin" panose="00000400000000000000" pitchFamily="2" charset="-78"/>
+              </a:rPr>
+              <a:t>رویداد</a:t>
+            </a:r>
             <a:r>
               <a:rPr lang="ar-SA" sz="2000" dirty="0">
                 <a:cs typeface="B Nazanin" panose="00000400000000000000" pitchFamily="2" charset="-78"/>
               </a:rPr>
-              <a:t>فیلتر کردن رکوردهای مربوط به تعداد برد</a:t>
-            </a:r>
+              <a:t> </a:t>
+            </a:r>
+            <a:r>
+              <a:rPr lang="fa-IR" sz="2000" dirty="0">
+                <a:cs typeface="B Nazanin" panose="00000400000000000000" pitchFamily="2" charset="-78"/>
+              </a:rPr>
+              <a:t>مسابقه</a:t>
+            </a:r>
+            <a:endParaRPr lang="ar-SA" sz="2000" dirty="0">
+              <a:cs typeface="B Nazanin" panose="00000400000000000000" pitchFamily="2" charset="-78"/>
+            </a:endParaRPr>
           </a:p>
           <a:p>
             <a:pPr algn="r" rtl="1"/>
@@ -9064,28 +9076,42 @@
               <a:t>:بازیکنی با بیشترین تعداد برد: </a:t>
             </a:r>
             <a:r>
-              <a:rPr lang="de-DE" dirty="0" err="1">
-                <a:cs typeface="B Nazanin" panose="00000400000000000000" pitchFamily="2" charset="-78"/>
-              </a:rPr>
-              <a:t>Chidekh</a:t>
-            </a:r>
-            <a:r>
-              <a:rPr lang="de-DE" dirty="0">
-                <a:cs typeface="B Nazanin" panose="00000400000000000000" pitchFamily="2" charset="-78"/>
-              </a:rPr>
-              <a:t> C. </a:t>
+              <a:rPr lang="en-US" b="0" i="0" dirty="0">
+                <a:effectLst/>
+                <a:latin typeface="Consolas" panose="020B0609020204030204" pitchFamily="49" charset="0"/>
+              </a:rPr>
+              <a:t>Aguilar Cardozo </a:t>
+            </a:r>
+            <a:r>
+              <a:rPr lang="en-US" b="0" i="0">
+                <a:effectLst/>
+                <a:latin typeface="Consolas" panose="020B0609020204030204" pitchFamily="49" charset="0"/>
+              </a:rPr>
+              <a:t>J.</a:t>
+            </a:r>
+            <a:r>
+              <a:rPr lang="fa-IR">
+                <a:cs typeface="B Nazanin" panose="00000400000000000000" pitchFamily="2" charset="-78"/>
+              </a:rPr>
+              <a:t> </a:t>
+            </a:r>
+            <a:r>
+              <a:rPr lang="ar-SA" dirty="0">
+                <a:cs typeface="B Nazanin" panose="00000400000000000000" pitchFamily="2" charset="-78"/>
+              </a:rPr>
+              <a:t>با </a:t>
             </a:r>
             <a:r>
               <a:rPr lang="fa-IR" dirty="0">
                 <a:cs typeface="B Nazanin" panose="00000400000000000000" pitchFamily="2" charset="-78"/>
               </a:rPr>
-              <a:t> </a:t>
+              <a:t>220</a:t>
             </a:r>
             <a:r>
               <a:rPr lang="ar-SA" dirty="0">
                 <a:cs typeface="B Nazanin" panose="00000400000000000000" pitchFamily="2" charset="-78"/>
               </a:rPr>
-              <a:t>با ۱۴۹ برد</a:t>
+              <a:t> برد</a:t>
             </a:r>
             <a:endParaRPr lang="de-DE" dirty="0">
               <a:cs typeface="B Nazanin" panose="00000400000000000000" pitchFamily="2" charset="-78"/>

--- a/Report/Report.pptx
+++ b/Report/Report.pptx
@@ -2,7 +2,7 @@
 <file path=ppt/presentation.xml><?xml version="1.0" encoding="utf-8"?>
 <p:presentation xmlns:a="http://schemas.openxmlformats.org/drawingml/2006/main" xmlns:r="http://schemas.openxmlformats.org/officeDocument/2006/relationships" xmlns:p="http://schemas.openxmlformats.org/presentationml/2006/main" saveSubsetFonts="1">
   <p:sldMasterIdLst>
-    <p:sldMasterId id="2147483660" r:id="rId1"/>
+    <p:sldMasterId id="2147483678" r:id="rId1"/>
   </p:sldMasterIdLst>
   <p:sldIdLst>
     <p:sldId id="256" r:id="rId2"/>
@@ -148,140 +148,316 @@
       </p:grpSpPr>
       <p:grpSp>
         <p:nvGrpSpPr>
-          <p:cNvPr id="7" name="Group 6"/>
+          <p:cNvPr id="19" name="Group 18"/>
           <p:cNvGrpSpPr/>
           <p:nvPr/>
         </p:nvGrpSpPr>
         <p:grpSpPr>
           <a:xfrm>
-            <a:off x="-16934" y="0"/>
-            <a:ext cx="12231160" cy="6856214"/>
-            <a:chOff x="-16934" y="0"/>
-            <a:chExt cx="12231160" cy="6856214"/>
+            <a:off x="546100" y="-4763"/>
+            <a:ext cx="5014912" cy="6862763"/>
+            <a:chOff x="2928938" y="-4763"/>
+            <a:chExt cx="5014912" cy="6862763"/>
           </a:xfrm>
         </p:grpSpPr>
-        <p:pic>
-          <p:nvPicPr>
-            <p:cNvPr id="16" name="Picture 15" descr="HD-PanelTitleR1.png"/>
-            <p:cNvPicPr>
-              <a:picLocks noChangeAspect="1"/>
-            </p:cNvPicPr>
-            <p:nvPr/>
-          </p:nvPicPr>
-          <p:blipFill>
-            <a:blip r:embed="rId2">
-              <a:extLst>
-                <a:ext uri="{28A0092B-C50C-407E-A947-70E740481C1C}">
-                  <a14:useLocalDpi xmlns:a14="http://schemas.microsoft.com/office/drawing/2010/main" val="0"/>
-                </a:ext>
-              </a:extLst>
-            </a:blip>
-            <a:stretch>
-              <a:fillRect/>
-            </a:stretch>
-          </p:blipFill>
-          <p:spPr>
-            <a:xfrm>
-              <a:off x="0" y="0"/>
-              <a:ext cx="12188825" cy="6856214"/>
-            </a:xfrm>
-            <a:prstGeom prst="rect">
-              <a:avLst/>
-            </a:prstGeom>
-          </p:spPr>
-        </p:pic>
         <p:sp>
           <p:nvSpPr>
-            <p:cNvPr id="26" name="Rectangle 25"/>
+            <p:cNvPr id="22" name="Freeform 6"/>
             <p:cNvSpPr/>
             <p:nvPr/>
           </p:nvSpPr>
-          <p:spPr>
+          <p:spPr bwMode="auto">
             <a:xfrm>
-              <a:off x="2328332" y="1540931"/>
-              <a:ext cx="7543802" cy="3835401"/>
+              <a:off x="3367088" y="-4763"/>
+              <a:ext cx="1063625" cy="2782888"/>
             </a:xfrm>
-            <a:prstGeom prst="rect">
+            <a:custGeom>
               <a:avLst/>
-            </a:prstGeom>
-            <a:noFill/>
-            <a:ln w="15875">
-              <a:miter lim="800000"/>
+              <a:gdLst/>
+              <a:ahLst/>
+              <a:cxnLst/>
+              <a:rect l="0" t="0" r="r" b="b"/>
+              <a:pathLst>
+                <a:path w="670" h="1753">
+                  <a:moveTo>
+                    <a:pt x="0" y="1696"/>
+                  </a:moveTo>
+                  <a:lnTo>
+                    <a:pt x="225" y="1753"/>
+                  </a:lnTo>
+                  <a:lnTo>
+                    <a:pt x="670" y="0"/>
+                  </a:lnTo>
+                  <a:lnTo>
+                    <a:pt x="430" y="0"/>
+                  </a:lnTo>
+                  <a:lnTo>
+                    <a:pt x="0" y="1696"/>
+                  </a:lnTo>
+                  <a:close/>
+                </a:path>
+              </a:pathLst>
+            </a:custGeom>
+            <a:solidFill>
+              <a:schemeClr val="accent1"/>
+            </a:solidFill>
+            <a:ln>
+              <a:noFill/>
             </a:ln>
           </p:spPr>
-          <p:style>
-            <a:lnRef idx="1">
-              <a:schemeClr val="accent1"/>
-            </a:lnRef>
-            <a:fillRef idx="3">
-              <a:schemeClr val="accent1"/>
-            </a:fillRef>
-            <a:effectRef idx="2">
-              <a:schemeClr val="accent1"/>
-            </a:effectRef>
-            <a:fontRef idx="minor">
-              <a:schemeClr val="lt1"/>
-            </a:fontRef>
-          </p:style>
         </p:sp>
-        <p:pic>
-          <p:nvPicPr>
-            <p:cNvPr id="17" name="Picture 16" descr="HDRibbonTitle-UniformTrim.png"/>
-            <p:cNvPicPr>
-              <a:picLocks noChangeAspect="1"/>
-            </p:cNvPicPr>
+        <p:sp>
+          <p:nvSpPr>
+            <p:cNvPr id="23" name="Freeform 7"/>
+            <p:cNvSpPr/>
             <p:nvPr/>
-          </p:nvPicPr>
-          <p:blipFill rotWithShape="1">
-            <a:blip r:embed="rId3">
-              <a:extLst>
-                <a:ext uri="{28A0092B-C50C-407E-A947-70E740481C1C}">
-                  <a14:useLocalDpi xmlns:a14="http://schemas.microsoft.com/office/drawing/2010/main" val="0"/>
-                </a:ext>
-              </a:extLst>
-            </a:blip>
-            <a:srcRect/>
-            <a:stretch/>
-          </p:blipFill>
-          <p:spPr>
+          </p:nvSpPr>
+          <p:spPr bwMode="auto">
             <a:xfrm>
-              <a:off x="-16934" y="3147609"/>
-              <a:ext cx="2478024" cy="612648"/>
+              <a:off x="2928938" y="-4763"/>
+              <a:ext cx="1035050" cy="2673350"/>
             </a:xfrm>
-            <a:prstGeom prst="rect">
+            <a:custGeom>
               <a:avLst/>
-            </a:prstGeom>
+              <a:gdLst/>
+              <a:ahLst/>
+              <a:cxnLst/>
+              <a:rect l="0" t="0" r="r" b="b"/>
+              <a:pathLst>
+                <a:path w="652" h="1684">
+                  <a:moveTo>
+                    <a:pt x="225" y="1684"/>
+                  </a:moveTo>
+                  <a:lnTo>
+                    <a:pt x="652" y="0"/>
+                  </a:lnTo>
+                  <a:lnTo>
+                    <a:pt x="411" y="0"/>
+                  </a:lnTo>
+                  <a:lnTo>
+                    <a:pt x="0" y="1627"/>
+                  </a:lnTo>
+                  <a:lnTo>
+                    <a:pt x="219" y="1681"/>
+                  </a:lnTo>
+                  <a:lnTo>
+                    <a:pt x="225" y="1684"/>
+                  </a:lnTo>
+                  <a:close/>
+                </a:path>
+              </a:pathLst>
+            </a:custGeom>
+            <a:solidFill>
+              <a:schemeClr val="tx1">
+                <a:lumMod val="65000"/>
+                <a:lumOff val="35000"/>
+              </a:schemeClr>
+            </a:solidFill>
+            <a:ln>
+              <a:noFill/>
+            </a:ln>
           </p:spPr>
-        </p:pic>
-        <p:pic>
-          <p:nvPicPr>
-            <p:cNvPr id="20" name="Picture 19" descr="HDRibbonTitle-UniformTrim.png"/>
-            <p:cNvPicPr>
-              <a:picLocks noChangeAspect="1"/>
-            </p:cNvPicPr>
+        </p:sp>
+        <p:sp>
+          <p:nvSpPr>
+            <p:cNvPr id="24" name="Freeform 9"/>
+            <p:cNvSpPr/>
             <p:nvPr/>
-          </p:nvPicPr>
-          <p:blipFill rotWithShape="1">
-            <a:blip r:embed="rId3">
-              <a:extLst>
-                <a:ext uri="{28A0092B-C50C-407E-A947-70E740481C1C}">
-                  <a14:useLocalDpi xmlns:a14="http://schemas.microsoft.com/office/drawing/2010/main" val="0"/>
-                </a:ext>
-              </a:extLst>
-            </a:blip>
-            <a:srcRect/>
-            <a:stretch/>
-          </p:blipFill>
-          <p:spPr>
+          </p:nvSpPr>
+          <p:spPr bwMode="auto">
             <a:xfrm>
-              <a:off x="9736202" y="3147609"/>
-              <a:ext cx="2478024" cy="612648"/>
+              <a:off x="2928938" y="2582862"/>
+              <a:ext cx="2693987" cy="4275138"/>
             </a:xfrm>
-            <a:prstGeom prst="rect">
+            <a:custGeom>
               <a:avLst/>
-            </a:prstGeom>
+              <a:gdLst/>
+              <a:ahLst/>
+              <a:cxnLst/>
+              <a:rect l="0" t="0" r="r" b="b"/>
+              <a:pathLst>
+                <a:path w="1697" h="2693">
+                  <a:moveTo>
+                    <a:pt x="0" y="0"/>
+                  </a:moveTo>
+                  <a:lnTo>
+                    <a:pt x="1622" y="2693"/>
+                  </a:lnTo>
+                  <a:lnTo>
+                    <a:pt x="1697" y="2693"/>
+                  </a:lnTo>
+                  <a:lnTo>
+                    <a:pt x="0" y="0"/>
+                  </a:lnTo>
+                  <a:close/>
+                </a:path>
+              </a:pathLst>
+            </a:custGeom>
+            <a:solidFill>
+              <a:schemeClr val="tx1">
+                <a:lumMod val="85000"/>
+                <a:lumOff val="15000"/>
+              </a:schemeClr>
+            </a:solidFill>
+            <a:ln>
+              <a:noFill/>
+            </a:ln>
           </p:spPr>
-        </p:pic>
+        </p:sp>
+        <p:sp>
+          <p:nvSpPr>
+            <p:cNvPr id="25" name="Freeform 10"/>
+            <p:cNvSpPr/>
+            <p:nvPr/>
+          </p:nvSpPr>
+          <p:spPr bwMode="auto">
+            <a:xfrm>
+              <a:off x="3371850" y="2692400"/>
+              <a:ext cx="3332162" cy="4165600"/>
+            </a:xfrm>
+            <a:custGeom>
+              <a:avLst/>
+              <a:gdLst/>
+              <a:ahLst/>
+              <a:cxnLst/>
+              <a:rect l="0" t="0" r="r" b="b"/>
+              <a:pathLst>
+                <a:path w="2099" h="2624">
+                  <a:moveTo>
+                    <a:pt x="2099" y="2624"/>
+                  </a:moveTo>
+                  <a:lnTo>
+                    <a:pt x="0" y="0"/>
+                  </a:lnTo>
+                  <a:lnTo>
+                    <a:pt x="2021" y="2624"/>
+                  </a:lnTo>
+                  <a:lnTo>
+                    <a:pt x="2099" y="2624"/>
+                  </a:lnTo>
+                  <a:close/>
+                </a:path>
+              </a:pathLst>
+            </a:custGeom>
+            <a:solidFill>
+              <a:schemeClr val="accent1">
+                <a:lumMod val="50000"/>
+              </a:schemeClr>
+            </a:solidFill>
+            <a:ln>
+              <a:noFill/>
+            </a:ln>
+          </p:spPr>
+        </p:sp>
+        <p:sp>
+          <p:nvSpPr>
+            <p:cNvPr id="26" name="Freeform 11"/>
+            <p:cNvSpPr/>
+            <p:nvPr/>
+          </p:nvSpPr>
+          <p:spPr bwMode="auto">
+            <a:xfrm>
+              <a:off x="3367088" y="2687637"/>
+              <a:ext cx="4576762" cy="4170363"/>
+            </a:xfrm>
+            <a:custGeom>
+              <a:avLst/>
+              <a:gdLst/>
+              <a:ahLst/>
+              <a:cxnLst/>
+              <a:rect l="0" t="0" r="r" b="b"/>
+              <a:pathLst>
+                <a:path w="2883" h="2627">
+                  <a:moveTo>
+                    <a:pt x="0" y="0"/>
+                  </a:moveTo>
+                  <a:lnTo>
+                    <a:pt x="3" y="3"/>
+                  </a:lnTo>
+                  <a:lnTo>
+                    <a:pt x="2102" y="2627"/>
+                  </a:lnTo>
+                  <a:lnTo>
+                    <a:pt x="2883" y="2627"/>
+                  </a:lnTo>
+                  <a:lnTo>
+                    <a:pt x="225" y="57"/>
+                  </a:lnTo>
+                  <a:lnTo>
+                    <a:pt x="0" y="0"/>
+                  </a:lnTo>
+                  <a:close/>
+                </a:path>
+              </a:pathLst>
+            </a:custGeom>
+            <a:solidFill>
+              <a:schemeClr val="accent1">
+                <a:lumMod val="75000"/>
+              </a:schemeClr>
+            </a:solidFill>
+            <a:ln>
+              <a:noFill/>
+            </a:ln>
+          </p:spPr>
+        </p:sp>
+        <p:sp>
+          <p:nvSpPr>
+            <p:cNvPr id="27" name="Freeform 12"/>
+            <p:cNvSpPr/>
+            <p:nvPr/>
+          </p:nvSpPr>
+          <p:spPr bwMode="auto">
+            <a:xfrm>
+              <a:off x="2928938" y="2578100"/>
+              <a:ext cx="3584575" cy="4279900"/>
+            </a:xfrm>
+            <a:custGeom>
+              <a:avLst/>
+              <a:gdLst/>
+              <a:ahLst/>
+              <a:cxnLst/>
+              <a:rect l="0" t="0" r="r" b="b"/>
+              <a:pathLst>
+                <a:path w="2258" h="2696">
+                  <a:moveTo>
+                    <a:pt x="2258" y="2696"/>
+                  </a:moveTo>
+                  <a:lnTo>
+                    <a:pt x="264" y="111"/>
+                  </a:lnTo>
+                  <a:lnTo>
+                    <a:pt x="228" y="60"/>
+                  </a:lnTo>
+                  <a:lnTo>
+                    <a:pt x="225" y="57"/>
+                  </a:lnTo>
+                  <a:lnTo>
+                    <a:pt x="0" y="0"/>
+                  </a:lnTo>
+                  <a:lnTo>
+                    <a:pt x="0" y="3"/>
+                  </a:lnTo>
+                  <a:lnTo>
+                    <a:pt x="1697" y="2696"/>
+                  </a:lnTo>
+                  <a:lnTo>
+                    <a:pt x="2258" y="2696"/>
+                  </a:lnTo>
+                  <a:close/>
+                </a:path>
+              </a:pathLst>
+            </a:custGeom>
+            <a:solidFill>
+              <a:schemeClr val="tx1">
+                <a:lumMod val="75000"/>
+                <a:lumOff val="25000"/>
+              </a:schemeClr>
+            </a:solidFill>
+            <a:ln>
+              <a:noFill/>
+            </a:ln>
+          </p:spPr>
+        </p:sp>
       </p:grpSp>
       <p:sp>
         <p:nvSpPr>
@@ -295,17 +471,17 @@
         </p:nvSpPr>
         <p:spPr>
           <a:xfrm>
-            <a:off x="2692398" y="1871131"/>
-            <a:ext cx="6815669" cy="1515533"/>
+            <a:off x="2928401" y="1380068"/>
+            <a:ext cx="8574622" cy="2616199"/>
           </a:xfrm>
         </p:spPr>
         <p:txBody>
           <a:bodyPr anchor="b">
-            <a:noAutofit/>
+            <a:normAutofit/>
           </a:bodyPr>
           <a:lstStyle>
-            <a:lvl1pPr algn="ctr">
-              <a:defRPr sz="5400">
+            <a:lvl1pPr algn="r">
+              <a:defRPr sz="6000">
                 <a:effectLst/>
               </a:defRPr>
             </a:lvl1pPr>
@@ -331,8 +507,8 @@
         </p:nvSpPr>
         <p:spPr>
           <a:xfrm>
-            <a:off x="2692398" y="3657597"/>
-            <a:ext cx="6815669" cy="1320802"/>
+            <a:off x="4515377" y="3996267"/>
+            <a:ext cx="6987645" cy="1388534"/>
           </a:xfrm>
         </p:spPr>
         <p:txBody>
@@ -340,7 +516,7 @@
             <a:normAutofit/>
           </a:bodyPr>
           <a:lstStyle>
-            <a:lvl1pPr marL="0" indent="0" algn="ctr">
+            <a:lvl1pPr marL="0" indent="0" algn="r">
               <a:buNone/>
               <a:defRPr sz="2100">
                 <a:solidFill>
@@ -448,12 +624,7 @@
             <p:ph type="dt" sz="half" idx="10"/>
           </p:nvPr>
         </p:nvSpPr>
-        <p:spPr>
-          <a:xfrm>
-            <a:off x="7983232" y="5037663"/>
-            <a:ext cx="897467" cy="279400"/>
-          </a:xfrm>
-        </p:spPr>
+        <p:spPr/>
         <p:txBody>
           <a:bodyPr/>
           <a:lstStyle/>
@@ -478,8 +649,8 @@
         </p:nvSpPr>
         <p:spPr>
           <a:xfrm>
-            <a:off x="2692397" y="5037663"/>
-            <a:ext cx="5214635" cy="279400"/>
+            <a:off x="5332412" y="5883275"/>
+            <a:ext cx="4324044" cy="365125"/>
           </a:xfrm>
         </p:spPr>
         <p:txBody>
@@ -500,12 +671,7 @@
             <p:ph type="sldNum" sz="quarter" idx="12"/>
           </p:nvPr>
         </p:nvSpPr>
-        <p:spPr>
-          <a:xfrm>
-            <a:off x="8956900" y="5037663"/>
-            <a:ext cx="551167" cy="279400"/>
-          </a:xfrm>
-        </p:spPr>
+        <p:spPr/>
         <p:txBody>
           <a:bodyPr/>
           <a:lstStyle/>
@@ -518,40 +684,10 @@
           </a:p>
         </p:txBody>
       </p:sp>
-      <p:cxnSp>
-        <p:nvCxnSpPr>
-          <p:cNvPr id="15" name="Straight Connector 14"/>
-          <p:cNvCxnSpPr/>
-          <p:nvPr/>
-        </p:nvCxnSpPr>
-        <p:spPr>
-          <a:xfrm>
-            <a:off x="2692399" y="3522131"/>
-            <a:ext cx="6815668" cy="0"/>
-          </a:xfrm>
-          <a:prstGeom prst="line">
-            <a:avLst/>
-          </a:prstGeom>
-        </p:spPr>
-        <p:style>
-          <a:lnRef idx="2">
-            <a:schemeClr val="accent1"/>
-          </a:lnRef>
-          <a:fillRef idx="0">
-            <a:schemeClr val="accent1"/>
-          </a:fillRef>
-          <a:effectRef idx="1">
-            <a:schemeClr val="accent1"/>
-          </a:effectRef>
-          <a:fontRef idx="minor">
-            <a:schemeClr val="tx1"/>
-          </a:fontRef>
-        </p:style>
-      </p:cxnSp>
     </p:spTree>
     <p:extLst>
       <p:ext uri="{BB962C8B-B14F-4D97-AF65-F5344CB8AC3E}">
-        <p14:creationId xmlns:p14="http://schemas.microsoft.com/office/powerpoint/2010/main" val="820861129"/>
+        <p14:creationId xmlns:p14="http://schemas.microsoft.com/office/powerpoint/2010/main" val="2842015532"/>
       </p:ext>
     </p:extLst>
   </p:cSld>
@@ -590,8 +726,8 @@
         </p:nvSpPr>
         <p:spPr>
           <a:xfrm>
-            <a:off x="1295401" y="4815415"/>
-            <a:ext cx="9609666" cy="566738"/>
+            <a:off x="1484311" y="4732865"/>
+            <a:ext cx="10018711" cy="566738"/>
           </a:xfrm>
         </p:spPr>
         <p:txBody>
@@ -624,22 +760,29 @@
         </p:nvSpPr>
         <p:spPr>
           <a:xfrm>
-            <a:off x="1041427" y="1041399"/>
-            <a:ext cx="10105972" cy="3335869"/>
+            <a:off x="2386012" y="932112"/>
+            <a:ext cx="8225944" cy="3164976"/>
           </a:xfrm>
           <a:prstGeom prst="roundRect">
             <a:avLst>
-              <a:gd name="adj" fmla="val 0"/>
+              <a:gd name="adj" fmla="val 4380"/>
             </a:avLst>
           </a:prstGeom>
-          <a:ln w="57150" cmpd="thickThin">
-            <a:solidFill>
-              <a:schemeClr val="tx1">
-                <a:lumMod val="50000"/>
-                <a:lumOff val="50000"/>
-              </a:schemeClr>
-            </a:solidFill>
-            <a:miter lim="800000"/>
+          <a:ln w="38100">
+            <a:gradFill flip="none" rotWithShape="1">
+              <a:gsLst>
+                <a:gs pos="0">
+                  <a:schemeClr val="bg2"/>
+                </a:gs>
+                <a:gs pos="100000">
+                  <a:schemeClr val="bg2">
+                    <a:lumMod val="75000"/>
+                  </a:schemeClr>
+                </a:gs>
+              </a:gsLst>
+              <a:lin ang="5400000" scaled="0"/>
+              <a:tileRect/>
+            </a:gradFill>
           </a:ln>
           <a:effectLst>
             <a:innerShdw blurRad="57150" dist="38100" dir="14460000">
@@ -712,8 +855,8 @@
         </p:nvSpPr>
         <p:spPr>
           <a:xfrm>
-            <a:off x="1295401" y="5382153"/>
-            <a:ext cx="9609666" cy="493712"/>
+            <a:off x="1484311" y="5299603"/>
+            <a:ext cx="10018711" cy="493712"/>
           </a:xfrm>
         </p:spPr>
         <p:txBody>
@@ -835,7 +978,7 @@
     </p:spTree>
     <p:extLst>
       <p:ext uri="{BB962C8B-B14F-4D97-AF65-F5344CB8AC3E}">
-        <p14:creationId xmlns:p14="http://schemas.microsoft.com/office/powerpoint/2010/main" val="3191009792"/>
+        <p14:creationId xmlns:p14="http://schemas.microsoft.com/office/powerpoint/2010/main" val="146414926"/>
       </p:ext>
     </p:extLst>
   </p:cSld>
@@ -874,8 +1017,8 @@
         </p:nvSpPr>
         <p:spPr>
           <a:xfrm>
-            <a:off x="1303868" y="982132"/>
-            <a:ext cx="9592732" cy="2954868"/>
+            <a:off x="1484312" y="685800"/>
+            <a:ext cx="10018711" cy="3048000"/>
           </a:xfrm>
         </p:spPr>
         <p:txBody>
@@ -908,8 +1051,8 @@
         </p:nvSpPr>
         <p:spPr>
           <a:xfrm>
-            <a:off x="1303868" y="4343399"/>
-            <a:ext cx="9592732" cy="1532467"/>
+            <a:off x="1484312" y="4343400"/>
+            <a:ext cx="10018713" cy="1447800"/>
           </a:xfrm>
         </p:spPr>
         <p:txBody>
@@ -1080,41 +1223,10 @@
           </a:p>
         </p:txBody>
       </p:sp>
-      <p:cxnSp>
-        <p:nvCxnSpPr>
-          <p:cNvPr id="15" name="Straight Connector 14"/>
-          <p:cNvCxnSpPr/>
-          <p:nvPr/>
-        </p:nvCxnSpPr>
-        <p:spPr>
-          <a:xfrm>
-            <a:off x="1396169" y="4140199"/>
-            <a:ext cx="9407298" cy="0"/>
-          </a:xfrm>
-          <a:prstGeom prst="line">
-            <a:avLst/>
-          </a:prstGeom>
-          <a:ln w="15875"/>
-        </p:spPr>
-        <p:style>
-          <a:lnRef idx="2">
-            <a:schemeClr val="accent1"/>
-          </a:lnRef>
-          <a:fillRef idx="0">
-            <a:schemeClr val="accent1"/>
-          </a:fillRef>
-          <a:effectRef idx="1">
-            <a:schemeClr val="accent1"/>
-          </a:effectRef>
-          <a:fontRef idx="minor">
-            <a:schemeClr val="tx1"/>
-          </a:fontRef>
-        </p:style>
-      </p:cxnSp>
     </p:spTree>
     <p:extLst>
       <p:ext uri="{BB962C8B-B14F-4D97-AF65-F5344CB8AC3E}">
-        <p14:creationId xmlns:p14="http://schemas.microsoft.com/office/powerpoint/2010/main" val="1638470301"/>
+        <p14:creationId xmlns:p14="http://schemas.microsoft.com/office/powerpoint/2010/main" val="769363769"/>
       </p:ext>
     </p:extLst>
   </p:cSld>
@@ -1143,6 +1255,238 @@
       </p:grpSpPr>
       <p:sp>
         <p:nvSpPr>
+          <p:cNvPr id="14" name="TextBox 13"/>
+          <p:cNvSpPr txBox="1"/>
+          <p:nvPr/>
+        </p:nvSpPr>
+        <p:spPr>
+          <a:xfrm>
+            <a:off x="1598612" y="863023"/>
+            <a:ext cx="609600" cy="584776"/>
+          </a:xfrm>
+          <a:prstGeom prst="rect">
+            <a:avLst/>
+          </a:prstGeom>
+        </p:spPr>
+        <p:txBody>
+          <a:bodyPr vert="horz" lIns="91440" tIns="45720" rIns="91440" bIns="45720" rtlCol="0" anchor="ctr">
+            <a:noAutofit/>
+          </a:bodyPr>
+          <a:lstStyle>
+            <a:lvl1pPr>
+              <a:spcBef>
+                <a:spcPct val="0"/>
+              </a:spcBef>
+              <a:buNone/>
+              <a:defRPr sz="3200" b="0" cap="all">
+                <a:ln w="3175" cmpd="sng">
+                  <a:noFill/>
+                </a:ln>
+                <a:effectLst>
+                  <a:glow rad="38100">
+                    <a:schemeClr val="bg1">
+                      <a:lumMod val="65000"/>
+                      <a:lumOff val="35000"/>
+                      <a:alpha val="40000"/>
+                    </a:schemeClr>
+                  </a:glow>
+                  <a:outerShdw blurRad="28575" dist="38100" dir="14040000" algn="tl" rotWithShape="0">
+                    <a:srgbClr val="000000">
+                      <a:alpha val="25000"/>
+                    </a:srgbClr>
+                  </a:outerShdw>
+                </a:effectLst>
+              </a:defRPr>
+            </a:lvl1pPr>
+            <a:lvl2pPr>
+              <a:defRPr>
+                <a:solidFill>
+                  <a:schemeClr val="tx2"/>
+                </a:solidFill>
+              </a:defRPr>
+            </a:lvl2pPr>
+            <a:lvl3pPr>
+              <a:defRPr>
+                <a:solidFill>
+                  <a:schemeClr val="tx2"/>
+                </a:solidFill>
+              </a:defRPr>
+            </a:lvl3pPr>
+            <a:lvl4pPr>
+              <a:defRPr>
+                <a:solidFill>
+                  <a:schemeClr val="tx2"/>
+                </a:solidFill>
+              </a:defRPr>
+            </a:lvl4pPr>
+            <a:lvl5pPr>
+              <a:defRPr>
+                <a:solidFill>
+                  <a:schemeClr val="tx2"/>
+                </a:solidFill>
+              </a:defRPr>
+            </a:lvl5pPr>
+            <a:lvl6pPr>
+              <a:defRPr>
+                <a:solidFill>
+                  <a:schemeClr val="tx2"/>
+                </a:solidFill>
+              </a:defRPr>
+            </a:lvl6pPr>
+            <a:lvl7pPr>
+              <a:defRPr>
+                <a:solidFill>
+                  <a:schemeClr val="tx2"/>
+                </a:solidFill>
+              </a:defRPr>
+            </a:lvl7pPr>
+            <a:lvl8pPr>
+              <a:defRPr>
+                <a:solidFill>
+                  <a:schemeClr val="tx2"/>
+                </a:solidFill>
+              </a:defRPr>
+            </a:lvl8pPr>
+            <a:lvl9pPr>
+              <a:defRPr>
+                <a:solidFill>
+                  <a:schemeClr val="tx2"/>
+                </a:solidFill>
+              </a:defRPr>
+            </a:lvl9pPr>
+          </a:lstStyle>
+          <a:p>
+            <a:pPr lvl="0"/>
+            <a:r>
+              <a:rPr lang="en-US" sz="8000" dirty="0">
+                <a:solidFill>
+                  <a:schemeClr val="tx1"/>
+                </a:solidFill>
+                <a:effectLst/>
+              </a:rPr>
+              <a:t>“</a:t>
+            </a:r>
+          </a:p>
+        </p:txBody>
+      </p:sp>
+      <p:sp>
+        <p:nvSpPr>
+          <p:cNvPr id="15" name="TextBox 14"/>
+          <p:cNvSpPr txBox="1"/>
+          <p:nvPr/>
+        </p:nvSpPr>
+        <p:spPr>
+          <a:xfrm>
+            <a:off x="10893425" y="2819399"/>
+            <a:ext cx="609600" cy="584776"/>
+          </a:xfrm>
+          <a:prstGeom prst="rect">
+            <a:avLst/>
+          </a:prstGeom>
+        </p:spPr>
+        <p:txBody>
+          <a:bodyPr vert="horz" lIns="91440" tIns="45720" rIns="91440" bIns="45720" rtlCol="0" anchor="ctr">
+            <a:noAutofit/>
+          </a:bodyPr>
+          <a:lstStyle>
+            <a:lvl1pPr>
+              <a:spcBef>
+                <a:spcPct val="0"/>
+              </a:spcBef>
+              <a:buNone/>
+              <a:defRPr sz="3200" b="0" cap="all">
+                <a:ln w="3175" cmpd="sng">
+                  <a:noFill/>
+                </a:ln>
+                <a:effectLst>
+                  <a:glow rad="38100">
+                    <a:schemeClr val="bg1">
+                      <a:lumMod val="65000"/>
+                      <a:lumOff val="35000"/>
+                      <a:alpha val="40000"/>
+                    </a:schemeClr>
+                  </a:glow>
+                  <a:outerShdw blurRad="28575" dist="38100" dir="14040000" algn="tl" rotWithShape="0">
+                    <a:srgbClr val="000000">
+                      <a:alpha val="25000"/>
+                    </a:srgbClr>
+                  </a:outerShdw>
+                </a:effectLst>
+              </a:defRPr>
+            </a:lvl1pPr>
+            <a:lvl2pPr>
+              <a:defRPr>
+                <a:solidFill>
+                  <a:schemeClr val="tx2"/>
+                </a:solidFill>
+              </a:defRPr>
+            </a:lvl2pPr>
+            <a:lvl3pPr>
+              <a:defRPr>
+                <a:solidFill>
+                  <a:schemeClr val="tx2"/>
+                </a:solidFill>
+              </a:defRPr>
+            </a:lvl3pPr>
+            <a:lvl4pPr>
+              <a:defRPr>
+                <a:solidFill>
+                  <a:schemeClr val="tx2"/>
+                </a:solidFill>
+              </a:defRPr>
+            </a:lvl4pPr>
+            <a:lvl5pPr>
+              <a:defRPr>
+                <a:solidFill>
+                  <a:schemeClr val="tx2"/>
+                </a:solidFill>
+              </a:defRPr>
+            </a:lvl5pPr>
+            <a:lvl6pPr>
+              <a:defRPr>
+                <a:solidFill>
+                  <a:schemeClr val="tx2"/>
+                </a:solidFill>
+              </a:defRPr>
+            </a:lvl6pPr>
+            <a:lvl7pPr>
+              <a:defRPr>
+                <a:solidFill>
+                  <a:schemeClr val="tx2"/>
+                </a:solidFill>
+              </a:defRPr>
+            </a:lvl7pPr>
+            <a:lvl8pPr>
+              <a:defRPr>
+                <a:solidFill>
+                  <a:schemeClr val="tx2"/>
+                </a:solidFill>
+              </a:defRPr>
+            </a:lvl8pPr>
+            <a:lvl9pPr>
+              <a:defRPr>
+                <a:solidFill>
+                  <a:schemeClr val="tx2"/>
+                </a:solidFill>
+              </a:defRPr>
+            </a:lvl9pPr>
+          </a:lstStyle>
+          <a:p>
+            <a:pPr lvl="0" algn="r"/>
+            <a:r>
+              <a:rPr lang="en-US" sz="8000" dirty="0">
+                <a:solidFill>
+                  <a:schemeClr val="tx1"/>
+                </a:solidFill>
+                <a:effectLst/>
+              </a:rPr>
+              <a:t>”</a:t>
+            </a:r>
+          </a:p>
+        </p:txBody>
+      </p:sp>
+      <p:sp>
+        <p:nvSpPr>
           <p:cNvPr id="2" name="Title 1"/>
           <p:cNvSpPr>
             <a:spLocks noGrp="1"/>
@@ -1153,8 +1497,8 @@
         </p:nvSpPr>
         <p:spPr>
           <a:xfrm>
-            <a:off x="1446213" y="982132"/>
-            <a:ext cx="9296398" cy="2370668"/>
+            <a:off x="2208212" y="685800"/>
+            <a:ext cx="8990012" cy="2743199"/>
           </a:xfrm>
         </p:spPr>
         <p:txBody>
@@ -1191,8 +1535,8 @@
         </p:nvSpPr>
         <p:spPr>
           <a:xfrm>
-            <a:off x="1674812" y="3352800"/>
-            <a:ext cx="8839202" cy="584200"/>
+            <a:off x="2436811" y="3428999"/>
+            <a:ext cx="8532815" cy="381000"/>
           </a:xfrm>
         </p:spPr>
         <p:txBody>
@@ -1200,10 +1544,10 @@
             <a:normAutofit/>
           </a:bodyPr>
           <a:lstStyle>
-            <a:lvl1pPr marL="0" indent="0" algn="r">
+            <a:lvl1pPr marL="0" indent="0">
               <a:buFontTx/>
               <a:buNone/>
-              <a:defRPr sz="2000"/>
+              <a:defRPr sz="1800"/>
             </a:lvl1pPr>
             <a:lvl2pPr marL="457200" indent="0">
               <a:buFontTx/>
@@ -1247,8 +1591,8 @@
         </p:nvSpPr>
         <p:spPr>
           <a:xfrm>
-            <a:off x="1295401" y="4343399"/>
-            <a:ext cx="9609666" cy="1532467"/>
+            <a:off x="1484311" y="4343400"/>
+            <a:ext cx="10018711" cy="1447800"/>
           </a:xfrm>
         </p:spPr>
         <p:txBody>
@@ -1419,109 +1763,10 @@
           </a:p>
         </p:txBody>
       </p:sp>
-      <p:sp>
-        <p:nvSpPr>
-          <p:cNvPr id="14" name="TextBox 13"/>
-          <p:cNvSpPr txBox="1"/>
-          <p:nvPr/>
-        </p:nvSpPr>
-        <p:spPr>
-          <a:xfrm>
-            <a:off x="862013" y="879961"/>
-            <a:ext cx="609600" cy="584776"/>
-          </a:xfrm>
-          <a:prstGeom prst="rect">
-            <a:avLst/>
-          </a:prstGeom>
-        </p:spPr>
-        <p:txBody>
-          <a:bodyPr vert="horz" lIns="91440" tIns="45720" rIns="91440" bIns="45720" rtlCol="0" anchor="ctr">
-            <a:noAutofit/>
-          </a:bodyPr>
-          <a:lstStyle/>
-          <a:p>
-            <a:pPr lvl="0"/>
-            <a:r>
-              <a:rPr lang="en-US" sz="8000" dirty="0">
-                <a:solidFill>
-                  <a:schemeClr val="tx1"/>
-                </a:solidFill>
-                <a:effectLst/>
-              </a:rPr>
-              <a:t>“</a:t>
-            </a:r>
-          </a:p>
-        </p:txBody>
-      </p:sp>
-      <p:sp>
-        <p:nvSpPr>
-          <p:cNvPr id="15" name="TextBox 14"/>
-          <p:cNvSpPr txBox="1"/>
-          <p:nvPr/>
-        </p:nvSpPr>
-        <p:spPr>
-          <a:xfrm>
-            <a:off x="10600267" y="2827870"/>
-            <a:ext cx="609600" cy="584776"/>
-          </a:xfrm>
-          <a:prstGeom prst="rect">
-            <a:avLst/>
-          </a:prstGeom>
-        </p:spPr>
-        <p:txBody>
-          <a:bodyPr vert="horz" lIns="91440" tIns="45720" rIns="91440" bIns="45720" rtlCol="0" anchor="ctr">
-            <a:noAutofit/>
-          </a:bodyPr>
-          <a:lstStyle/>
-          <a:p>
-            <a:pPr lvl="0" algn="r"/>
-            <a:r>
-              <a:rPr lang="en-US" sz="8000" dirty="0">
-                <a:solidFill>
-                  <a:schemeClr val="tx1"/>
-                </a:solidFill>
-                <a:effectLst/>
-              </a:rPr>
-              <a:t>”</a:t>
-            </a:r>
-          </a:p>
-        </p:txBody>
-      </p:sp>
-      <p:cxnSp>
-        <p:nvCxnSpPr>
-          <p:cNvPr id="19" name="Straight Connector 18"/>
-          <p:cNvCxnSpPr/>
-          <p:nvPr/>
-        </p:nvCxnSpPr>
-        <p:spPr>
-          <a:xfrm>
-            <a:off x="1396169" y="4140199"/>
-            <a:ext cx="9407298" cy="0"/>
-          </a:xfrm>
-          <a:prstGeom prst="line">
-            <a:avLst/>
-          </a:prstGeom>
-          <a:ln w="15875"/>
-        </p:spPr>
-        <p:style>
-          <a:lnRef idx="2">
-            <a:schemeClr val="accent1"/>
-          </a:lnRef>
-          <a:fillRef idx="0">
-            <a:schemeClr val="accent1"/>
-          </a:fillRef>
-          <a:effectRef idx="1">
-            <a:schemeClr val="accent1"/>
-          </a:effectRef>
-          <a:fontRef idx="minor">
-            <a:schemeClr val="tx1"/>
-          </a:fontRef>
-        </p:style>
-      </p:cxnSp>
     </p:spTree>
     <p:extLst>
       <p:ext uri="{BB962C8B-B14F-4D97-AF65-F5344CB8AC3E}">
-        <p14:creationId xmlns:p14="http://schemas.microsoft.com/office/powerpoint/2010/main" val="2677637134"/>
+        <p14:creationId xmlns:p14="http://schemas.microsoft.com/office/powerpoint/2010/main" val="2006878021"/>
       </p:ext>
     </p:extLst>
   </p:cSld>
@@ -1560,8 +1805,8 @@
         </p:nvSpPr>
         <p:spPr>
           <a:xfrm>
-            <a:off x="1295402" y="3308581"/>
-            <a:ext cx="9609668" cy="1468800"/>
+            <a:off x="1484313" y="3308581"/>
+            <a:ext cx="10018709" cy="1468800"/>
           </a:xfrm>
         </p:spPr>
         <p:txBody>
@@ -1569,7 +1814,7 @@
             <a:normAutofit/>
           </a:bodyPr>
           <a:lstStyle>
-            <a:lvl1pPr algn="l">
+            <a:lvl1pPr algn="r">
               <a:defRPr sz="3200" b="0" cap="none"/>
             </a:lvl1pPr>
           </a:lstStyle>
@@ -1594,8 +1839,8 @@
         </p:nvSpPr>
         <p:spPr>
           <a:xfrm>
-            <a:off x="1295401" y="4777381"/>
-            <a:ext cx="9609668" cy="860400"/>
+            <a:off x="1484312" y="4777381"/>
+            <a:ext cx="10018710" cy="860400"/>
           </a:xfrm>
         </p:spPr>
         <p:txBody>
@@ -1603,7 +1848,7 @@
             <a:normAutofit/>
           </a:bodyPr>
           <a:lstStyle>
-            <a:lvl1pPr marL="0" indent="0" algn="l">
+            <a:lvl1pPr marL="0" indent="0" algn="r">
               <a:buNone/>
               <a:defRPr sz="2000">
                 <a:solidFill>
@@ -1769,7 +2014,7 @@
     </p:spTree>
     <p:extLst>
       <p:ext uri="{BB962C8B-B14F-4D97-AF65-F5344CB8AC3E}">
-        <p14:creationId xmlns:p14="http://schemas.microsoft.com/office/powerpoint/2010/main" val="3147788683"/>
+        <p14:creationId xmlns:p14="http://schemas.microsoft.com/office/powerpoint/2010/main" val="3362861249"/>
       </p:ext>
     </p:extLst>
   </p:cSld>
@@ -1798,6 +2043,238 @@
       </p:grpSpPr>
       <p:sp>
         <p:nvSpPr>
+          <p:cNvPr id="14" name="TextBox 13"/>
+          <p:cNvSpPr txBox="1"/>
+          <p:nvPr/>
+        </p:nvSpPr>
+        <p:spPr>
+          <a:xfrm>
+            <a:off x="1598612" y="863023"/>
+            <a:ext cx="609600" cy="584776"/>
+          </a:xfrm>
+          <a:prstGeom prst="rect">
+            <a:avLst/>
+          </a:prstGeom>
+        </p:spPr>
+        <p:txBody>
+          <a:bodyPr vert="horz" lIns="91440" tIns="45720" rIns="91440" bIns="45720" rtlCol="0" anchor="ctr">
+            <a:noAutofit/>
+          </a:bodyPr>
+          <a:lstStyle>
+            <a:lvl1pPr>
+              <a:spcBef>
+                <a:spcPct val="0"/>
+              </a:spcBef>
+              <a:buNone/>
+              <a:defRPr sz="3200" b="0" cap="all">
+                <a:ln w="3175" cmpd="sng">
+                  <a:noFill/>
+                </a:ln>
+                <a:effectLst>
+                  <a:glow rad="38100">
+                    <a:schemeClr val="bg1">
+                      <a:lumMod val="65000"/>
+                      <a:lumOff val="35000"/>
+                      <a:alpha val="40000"/>
+                    </a:schemeClr>
+                  </a:glow>
+                  <a:outerShdw blurRad="28575" dist="38100" dir="14040000" algn="tl" rotWithShape="0">
+                    <a:srgbClr val="000000">
+                      <a:alpha val="25000"/>
+                    </a:srgbClr>
+                  </a:outerShdw>
+                </a:effectLst>
+              </a:defRPr>
+            </a:lvl1pPr>
+            <a:lvl2pPr>
+              <a:defRPr>
+                <a:solidFill>
+                  <a:schemeClr val="tx2"/>
+                </a:solidFill>
+              </a:defRPr>
+            </a:lvl2pPr>
+            <a:lvl3pPr>
+              <a:defRPr>
+                <a:solidFill>
+                  <a:schemeClr val="tx2"/>
+                </a:solidFill>
+              </a:defRPr>
+            </a:lvl3pPr>
+            <a:lvl4pPr>
+              <a:defRPr>
+                <a:solidFill>
+                  <a:schemeClr val="tx2"/>
+                </a:solidFill>
+              </a:defRPr>
+            </a:lvl4pPr>
+            <a:lvl5pPr>
+              <a:defRPr>
+                <a:solidFill>
+                  <a:schemeClr val="tx2"/>
+                </a:solidFill>
+              </a:defRPr>
+            </a:lvl5pPr>
+            <a:lvl6pPr>
+              <a:defRPr>
+                <a:solidFill>
+                  <a:schemeClr val="tx2"/>
+                </a:solidFill>
+              </a:defRPr>
+            </a:lvl6pPr>
+            <a:lvl7pPr>
+              <a:defRPr>
+                <a:solidFill>
+                  <a:schemeClr val="tx2"/>
+                </a:solidFill>
+              </a:defRPr>
+            </a:lvl7pPr>
+            <a:lvl8pPr>
+              <a:defRPr>
+                <a:solidFill>
+                  <a:schemeClr val="tx2"/>
+                </a:solidFill>
+              </a:defRPr>
+            </a:lvl8pPr>
+            <a:lvl9pPr>
+              <a:defRPr>
+                <a:solidFill>
+                  <a:schemeClr val="tx2"/>
+                </a:solidFill>
+              </a:defRPr>
+            </a:lvl9pPr>
+          </a:lstStyle>
+          <a:p>
+            <a:pPr lvl="0"/>
+            <a:r>
+              <a:rPr lang="en-US" sz="8000" dirty="0">
+                <a:solidFill>
+                  <a:schemeClr val="tx1"/>
+                </a:solidFill>
+                <a:effectLst/>
+              </a:rPr>
+              <a:t>“</a:t>
+            </a:r>
+          </a:p>
+        </p:txBody>
+      </p:sp>
+      <p:sp>
+        <p:nvSpPr>
+          <p:cNvPr id="15" name="TextBox 14"/>
+          <p:cNvSpPr txBox="1"/>
+          <p:nvPr/>
+        </p:nvSpPr>
+        <p:spPr>
+          <a:xfrm>
+            <a:off x="10893425" y="2819399"/>
+            <a:ext cx="609600" cy="584776"/>
+          </a:xfrm>
+          <a:prstGeom prst="rect">
+            <a:avLst/>
+          </a:prstGeom>
+        </p:spPr>
+        <p:txBody>
+          <a:bodyPr vert="horz" lIns="91440" tIns="45720" rIns="91440" bIns="45720" rtlCol="0" anchor="ctr">
+            <a:noAutofit/>
+          </a:bodyPr>
+          <a:lstStyle>
+            <a:lvl1pPr>
+              <a:spcBef>
+                <a:spcPct val="0"/>
+              </a:spcBef>
+              <a:buNone/>
+              <a:defRPr sz="3200" b="0" cap="all">
+                <a:ln w="3175" cmpd="sng">
+                  <a:noFill/>
+                </a:ln>
+                <a:effectLst>
+                  <a:glow rad="38100">
+                    <a:schemeClr val="bg1">
+                      <a:lumMod val="65000"/>
+                      <a:lumOff val="35000"/>
+                      <a:alpha val="40000"/>
+                    </a:schemeClr>
+                  </a:glow>
+                  <a:outerShdw blurRad="28575" dist="38100" dir="14040000" algn="tl" rotWithShape="0">
+                    <a:srgbClr val="000000">
+                      <a:alpha val="25000"/>
+                    </a:srgbClr>
+                  </a:outerShdw>
+                </a:effectLst>
+              </a:defRPr>
+            </a:lvl1pPr>
+            <a:lvl2pPr>
+              <a:defRPr>
+                <a:solidFill>
+                  <a:schemeClr val="tx2"/>
+                </a:solidFill>
+              </a:defRPr>
+            </a:lvl2pPr>
+            <a:lvl3pPr>
+              <a:defRPr>
+                <a:solidFill>
+                  <a:schemeClr val="tx2"/>
+                </a:solidFill>
+              </a:defRPr>
+            </a:lvl3pPr>
+            <a:lvl4pPr>
+              <a:defRPr>
+                <a:solidFill>
+                  <a:schemeClr val="tx2"/>
+                </a:solidFill>
+              </a:defRPr>
+            </a:lvl4pPr>
+            <a:lvl5pPr>
+              <a:defRPr>
+                <a:solidFill>
+                  <a:schemeClr val="tx2"/>
+                </a:solidFill>
+              </a:defRPr>
+            </a:lvl5pPr>
+            <a:lvl6pPr>
+              <a:defRPr>
+                <a:solidFill>
+                  <a:schemeClr val="tx2"/>
+                </a:solidFill>
+              </a:defRPr>
+            </a:lvl6pPr>
+            <a:lvl7pPr>
+              <a:defRPr>
+                <a:solidFill>
+                  <a:schemeClr val="tx2"/>
+                </a:solidFill>
+              </a:defRPr>
+            </a:lvl7pPr>
+            <a:lvl8pPr>
+              <a:defRPr>
+                <a:solidFill>
+                  <a:schemeClr val="tx2"/>
+                </a:solidFill>
+              </a:defRPr>
+            </a:lvl8pPr>
+            <a:lvl9pPr>
+              <a:defRPr>
+                <a:solidFill>
+                  <a:schemeClr val="tx2"/>
+                </a:solidFill>
+              </a:defRPr>
+            </a:lvl9pPr>
+          </a:lstStyle>
+          <a:p>
+            <a:pPr lvl="0" algn="r"/>
+            <a:r>
+              <a:rPr lang="en-US" sz="8000" dirty="0">
+                <a:solidFill>
+                  <a:schemeClr val="tx1"/>
+                </a:solidFill>
+                <a:effectLst/>
+              </a:rPr>
+              <a:t>”</a:t>
+            </a:r>
+          </a:p>
+        </p:txBody>
+      </p:sp>
+      <p:sp>
+        <p:nvSpPr>
           <p:cNvPr id="2" name="Title 1"/>
           <p:cNvSpPr>
             <a:spLocks noGrp="1"/>
@@ -1808,8 +2285,8 @@
         </p:nvSpPr>
         <p:spPr>
           <a:xfrm>
-            <a:off x="1446213" y="982132"/>
-            <a:ext cx="9296398" cy="2243668"/>
+            <a:off x="2208212" y="685800"/>
+            <a:ext cx="8990012" cy="2743199"/>
           </a:xfrm>
         </p:spPr>
         <p:txBody>
@@ -1836,119 +2313,45 @@
       </p:sp>
       <p:sp>
         <p:nvSpPr>
-          <p:cNvPr id="23" name="Text Placeholder 2"/>
+          <p:cNvPr id="10" name="Text Placeholder 9"/>
           <p:cNvSpPr>
             <a:spLocks noGrp="1"/>
           </p:cNvSpPr>
           <p:nvPr>
-            <p:ph type="body" idx="13"/>
+            <p:ph type="body" sz="quarter" idx="13"/>
           </p:nvPr>
         </p:nvSpPr>
         <p:spPr>
           <a:xfrm>
-            <a:off x="1295401" y="3639312"/>
-            <a:ext cx="9609668" cy="886968"/>
+            <a:off x="1484313" y="3886200"/>
+            <a:ext cx="10018710" cy="889000"/>
           </a:xfrm>
         </p:spPr>
         <p:txBody>
-          <a:bodyPr anchor="b">
+          <a:bodyPr vert="horz" lIns="91440" tIns="45720" rIns="91440" bIns="45720" rtlCol="0" anchor="b">
             <a:normAutofit/>
           </a:bodyPr>
           <a:lstStyle>
-            <a:lvl1pPr marL="0" indent="0" algn="l">
-              <a:spcBef>
-                <a:spcPts val="0"/>
-              </a:spcBef>
-              <a:buNone/>
-              <a:defRPr sz="2400">
+            <a:lvl1pPr algn="r">
+              <a:buNone/>
+              <a:defRPr lang="en-US" sz="2400" b="0" cap="none" dirty="0">
+                <a:ln w="3175" cmpd="sng">
+                  <a:noFill/>
+                </a:ln>
                 <a:solidFill>
                   <a:schemeClr val="tx1"/>
                 </a:solidFill>
+                <a:effectLst/>
               </a:defRPr>
             </a:lvl1pPr>
-            <a:lvl2pPr marL="457200" indent="0">
-              <a:buNone/>
-              <a:defRPr sz="1800">
-                <a:solidFill>
-                  <a:schemeClr val="tx1">
-                    <a:tint val="75000"/>
-                  </a:schemeClr>
-                </a:solidFill>
-              </a:defRPr>
-            </a:lvl2pPr>
-            <a:lvl3pPr marL="914400" indent="0">
-              <a:buNone/>
-              <a:defRPr sz="1600">
-                <a:solidFill>
-                  <a:schemeClr val="tx1">
-                    <a:tint val="75000"/>
-                  </a:schemeClr>
-                </a:solidFill>
-              </a:defRPr>
-            </a:lvl3pPr>
-            <a:lvl4pPr marL="1371600" indent="0">
-              <a:buNone/>
-              <a:defRPr sz="1400">
-                <a:solidFill>
-                  <a:schemeClr val="tx1">
-                    <a:tint val="75000"/>
-                  </a:schemeClr>
-                </a:solidFill>
-              </a:defRPr>
-            </a:lvl4pPr>
-            <a:lvl5pPr marL="1828800" indent="0">
-              <a:buNone/>
-              <a:defRPr sz="1400">
-                <a:solidFill>
-                  <a:schemeClr val="tx1">
-                    <a:tint val="75000"/>
-                  </a:schemeClr>
-                </a:solidFill>
-              </a:defRPr>
-            </a:lvl5pPr>
-            <a:lvl6pPr marL="2286000" indent="0">
-              <a:buNone/>
-              <a:defRPr sz="1400">
-                <a:solidFill>
-                  <a:schemeClr val="tx1">
-                    <a:tint val="75000"/>
-                  </a:schemeClr>
-                </a:solidFill>
-              </a:defRPr>
-            </a:lvl6pPr>
-            <a:lvl7pPr marL="2743200" indent="0">
-              <a:buNone/>
-              <a:defRPr sz="1400">
-                <a:solidFill>
-                  <a:schemeClr val="tx1">
-                    <a:tint val="75000"/>
-                  </a:schemeClr>
-                </a:solidFill>
-              </a:defRPr>
-            </a:lvl7pPr>
-            <a:lvl8pPr marL="3200400" indent="0">
-              <a:buNone/>
-              <a:defRPr sz="1400">
-                <a:solidFill>
-                  <a:schemeClr val="tx1">
-                    <a:tint val="75000"/>
-                  </a:schemeClr>
-                </a:solidFill>
-              </a:defRPr>
-            </a:lvl8pPr>
-            <a:lvl9pPr marL="3657600" indent="0">
-              <a:buNone/>
-              <a:defRPr sz="1400">
-                <a:solidFill>
-                  <a:schemeClr val="tx1">
-                    <a:tint val="75000"/>
-                  </a:schemeClr>
-                </a:solidFill>
-              </a:defRPr>
-            </a:lvl9pPr>
           </a:lstStyle>
           <a:p>
-            <a:pPr lvl="0"/>
+            <a:pPr marL="0" lvl="0">
+              <a:spcBef>
+                <a:spcPct val="0"/>
+              </a:spcBef>
+              <a:buNone/>
+            </a:pPr>
             <a:r>
               <a:rPr lang="en-US"/>
               <a:t>Click to edit Master text styles</a:t>
@@ -1968,8 +2371,8 @@
         </p:nvSpPr>
         <p:spPr>
           <a:xfrm>
-            <a:off x="1295401" y="4529667"/>
-            <a:ext cx="9609668" cy="1346200"/>
+            <a:off x="1484312" y="4775200"/>
+            <a:ext cx="10018710" cy="1016000"/>
           </a:xfrm>
         </p:spPr>
         <p:txBody>
@@ -1977,7 +2380,7 @@
             <a:normAutofit/>
           </a:bodyPr>
           <a:lstStyle>
-            <a:lvl1pPr marL="0" indent="0" algn="l">
+            <a:lvl1pPr marL="0" indent="0" algn="r">
               <a:buNone/>
               <a:defRPr sz="1800">
                 <a:solidFill>
@@ -2140,109 +2543,10 @@
           </a:p>
         </p:txBody>
       </p:sp>
-      <p:sp>
-        <p:nvSpPr>
-          <p:cNvPr id="12" name="TextBox 11"/>
-          <p:cNvSpPr txBox="1"/>
-          <p:nvPr/>
-        </p:nvSpPr>
-        <p:spPr>
-          <a:xfrm>
-            <a:off x="862013" y="879961"/>
-            <a:ext cx="609600" cy="584776"/>
-          </a:xfrm>
-          <a:prstGeom prst="rect">
-            <a:avLst/>
-          </a:prstGeom>
-        </p:spPr>
-        <p:txBody>
-          <a:bodyPr vert="horz" lIns="91440" tIns="45720" rIns="91440" bIns="45720" rtlCol="0" anchor="ctr">
-            <a:noAutofit/>
-          </a:bodyPr>
-          <a:lstStyle/>
-          <a:p>
-            <a:pPr lvl="0"/>
-            <a:r>
-              <a:rPr lang="en-US" sz="8000" dirty="0">
-                <a:solidFill>
-                  <a:schemeClr val="tx1"/>
-                </a:solidFill>
-                <a:effectLst/>
-              </a:rPr>
-              <a:t>“</a:t>
-            </a:r>
-          </a:p>
-        </p:txBody>
-      </p:sp>
-      <p:sp>
-        <p:nvSpPr>
-          <p:cNvPr id="13" name="TextBox 12"/>
-          <p:cNvSpPr txBox="1"/>
-          <p:nvPr/>
-        </p:nvSpPr>
-        <p:spPr>
-          <a:xfrm>
-            <a:off x="10600267" y="2599261"/>
-            <a:ext cx="609600" cy="584776"/>
-          </a:xfrm>
-          <a:prstGeom prst="rect">
-            <a:avLst/>
-          </a:prstGeom>
-        </p:spPr>
-        <p:txBody>
-          <a:bodyPr vert="horz" lIns="91440" tIns="45720" rIns="91440" bIns="45720" rtlCol="0" anchor="ctr">
-            <a:noAutofit/>
-          </a:bodyPr>
-          <a:lstStyle/>
-          <a:p>
-            <a:pPr lvl="0" algn="r"/>
-            <a:r>
-              <a:rPr lang="en-US" sz="8000" dirty="0">
-                <a:solidFill>
-                  <a:schemeClr val="tx1"/>
-                </a:solidFill>
-                <a:effectLst/>
-              </a:rPr>
-              <a:t>”</a:t>
-            </a:r>
-          </a:p>
-        </p:txBody>
-      </p:sp>
-      <p:cxnSp>
-        <p:nvCxnSpPr>
-          <p:cNvPr id="26" name="Straight Connector 25"/>
-          <p:cNvCxnSpPr/>
-          <p:nvPr/>
-        </p:nvCxnSpPr>
-        <p:spPr>
-          <a:xfrm>
-            <a:off x="1396169" y="3429000"/>
-            <a:ext cx="9407298" cy="0"/>
-          </a:xfrm>
-          <a:prstGeom prst="line">
-            <a:avLst/>
-          </a:prstGeom>
-          <a:ln w="15875"/>
-        </p:spPr>
-        <p:style>
-          <a:lnRef idx="2">
-            <a:schemeClr val="accent1"/>
-          </a:lnRef>
-          <a:fillRef idx="0">
-            <a:schemeClr val="accent1"/>
-          </a:fillRef>
-          <a:effectRef idx="1">
-            <a:schemeClr val="accent1"/>
-          </a:effectRef>
-          <a:fontRef idx="minor">
-            <a:schemeClr val="tx1"/>
-          </a:fontRef>
-        </p:style>
-      </p:cxnSp>
     </p:spTree>
     <p:extLst>
       <p:ext uri="{BB962C8B-B14F-4D97-AF65-F5344CB8AC3E}">
-        <p14:creationId xmlns:p14="http://schemas.microsoft.com/office/powerpoint/2010/main" val="3537835569"/>
+        <p14:creationId xmlns:p14="http://schemas.microsoft.com/office/powerpoint/2010/main" val="532142841"/>
       </p:ext>
     </p:extLst>
   </p:cSld>
@@ -2281,8 +2585,8 @@
         </p:nvSpPr>
         <p:spPr>
           <a:xfrm>
-            <a:off x="1295401" y="982132"/>
-            <a:ext cx="9609666" cy="2243668"/>
+            <a:off x="1484313" y="685800"/>
+            <a:ext cx="10018712" cy="2727325"/>
           </a:xfrm>
         </p:spPr>
         <p:txBody>
@@ -2306,119 +2610,45 @@
       </p:sp>
       <p:sp>
         <p:nvSpPr>
-          <p:cNvPr id="20" name="Text Placeholder 2"/>
+          <p:cNvPr id="10" name="Text Placeholder 9"/>
           <p:cNvSpPr>
             <a:spLocks noGrp="1"/>
           </p:cNvSpPr>
           <p:nvPr>
-            <p:ph type="body" idx="13"/>
+            <p:ph type="body" sz="quarter" idx="13"/>
           </p:nvPr>
         </p:nvSpPr>
         <p:spPr>
           <a:xfrm>
-            <a:off x="1295401" y="3630168"/>
-            <a:ext cx="9609668" cy="841248"/>
+            <a:off x="1484312" y="3505200"/>
+            <a:ext cx="10018713" cy="838200"/>
           </a:xfrm>
         </p:spPr>
         <p:txBody>
-          <a:bodyPr anchor="b">
+          <a:bodyPr vert="horz" lIns="91440" tIns="45720" rIns="91440" bIns="45720" rtlCol="0" anchor="b">
             <a:normAutofit/>
           </a:bodyPr>
           <a:lstStyle>
-            <a:lvl1pPr marL="0" indent="0" algn="l">
-              <a:spcBef>
-                <a:spcPts val="0"/>
-              </a:spcBef>
-              <a:buNone/>
-              <a:defRPr sz="2800">
+            <a:lvl1pPr>
+              <a:buNone/>
+              <a:defRPr lang="en-US" sz="2800" b="0" cap="none" dirty="0">
+                <a:ln w="3175" cmpd="sng">
+                  <a:noFill/>
+                </a:ln>
                 <a:solidFill>
                   <a:schemeClr val="tx1"/>
                 </a:solidFill>
+                <a:effectLst/>
               </a:defRPr>
             </a:lvl1pPr>
-            <a:lvl2pPr marL="457200" indent="0">
-              <a:buNone/>
-              <a:defRPr sz="1800">
-                <a:solidFill>
-                  <a:schemeClr val="tx1">
-                    <a:tint val="75000"/>
-                  </a:schemeClr>
-                </a:solidFill>
-              </a:defRPr>
-            </a:lvl2pPr>
-            <a:lvl3pPr marL="914400" indent="0">
-              <a:buNone/>
-              <a:defRPr sz="1600">
-                <a:solidFill>
-                  <a:schemeClr val="tx1">
-                    <a:tint val="75000"/>
-                  </a:schemeClr>
-                </a:solidFill>
-              </a:defRPr>
-            </a:lvl3pPr>
-            <a:lvl4pPr marL="1371600" indent="0">
-              <a:buNone/>
-              <a:defRPr sz="1400">
-                <a:solidFill>
-                  <a:schemeClr val="tx1">
-                    <a:tint val="75000"/>
-                  </a:schemeClr>
-                </a:solidFill>
-              </a:defRPr>
-            </a:lvl4pPr>
-            <a:lvl5pPr marL="1828800" indent="0">
-              <a:buNone/>
-              <a:defRPr sz="1400">
-                <a:solidFill>
-                  <a:schemeClr val="tx1">
-                    <a:tint val="75000"/>
-                  </a:schemeClr>
-                </a:solidFill>
-              </a:defRPr>
-            </a:lvl5pPr>
-            <a:lvl6pPr marL="2286000" indent="0">
-              <a:buNone/>
-              <a:defRPr sz="1400">
-                <a:solidFill>
-                  <a:schemeClr val="tx1">
-                    <a:tint val="75000"/>
-                  </a:schemeClr>
-                </a:solidFill>
-              </a:defRPr>
-            </a:lvl6pPr>
-            <a:lvl7pPr marL="2743200" indent="0">
-              <a:buNone/>
-              <a:defRPr sz="1400">
-                <a:solidFill>
-                  <a:schemeClr val="tx1">
-                    <a:tint val="75000"/>
-                  </a:schemeClr>
-                </a:solidFill>
-              </a:defRPr>
-            </a:lvl7pPr>
-            <a:lvl8pPr marL="3200400" indent="0">
-              <a:buNone/>
-              <a:defRPr sz="1400">
-                <a:solidFill>
-                  <a:schemeClr val="tx1">
-                    <a:tint val="75000"/>
-                  </a:schemeClr>
-                </a:solidFill>
-              </a:defRPr>
-            </a:lvl8pPr>
-            <a:lvl9pPr marL="3657600" indent="0">
-              <a:buNone/>
-              <a:defRPr sz="1400">
-                <a:solidFill>
-                  <a:schemeClr val="tx1">
-                    <a:tint val="75000"/>
-                  </a:schemeClr>
-                </a:solidFill>
-              </a:defRPr>
-            </a:lvl9pPr>
           </a:lstStyle>
           <a:p>
-            <a:pPr lvl="0"/>
+            <a:pPr marL="0" lvl="0">
+              <a:spcBef>
+                <a:spcPct val="0"/>
+              </a:spcBef>
+              <a:buNone/>
+            </a:pPr>
             <a:r>
               <a:rPr lang="en-US"/>
               <a:t>Click to edit Master text styles</a:t>
@@ -2438,8 +2668,8 @@
         </p:nvSpPr>
         <p:spPr>
           <a:xfrm>
-            <a:off x="1295400" y="4470399"/>
-            <a:ext cx="9609670" cy="1405467"/>
+            <a:off x="1484311" y="4343400"/>
+            <a:ext cx="10018713" cy="1447800"/>
           </a:xfrm>
         </p:spPr>
         <p:txBody>
@@ -2610,41 +2840,10 @@
           </a:p>
         </p:txBody>
       </p:sp>
-      <p:cxnSp>
-        <p:nvCxnSpPr>
-          <p:cNvPr id="15" name="Straight Connector 14"/>
-          <p:cNvCxnSpPr/>
-          <p:nvPr/>
-        </p:nvCxnSpPr>
-        <p:spPr>
-          <a:xfrm>
-            <a:off x="1396169" y="3429000"/>
-            <a:ext cx="9407298" cy="0"/>
-          </a:xfrm>
-          <a:prstGeom prst="line">
-            <a:avLst/>
-          </a:prstGeom>
-          <a:ln w="15875"/>
-        </p:spPr>
-        <p:style>
-          <a:lnRef idx="2">
-            <a:schemeClr val="accent1"/>
-          </a:lnRef>
-          <a:fillRef idx="0">
-            <a:schemeClr val="accent1"/>
-          </a:fillRef>
-          <a:effectRef idx="1">
-            <a:schemeClr val="accent1"/>
-          </a:effectRef>
-          <a:fontRef idx="minor">
-            <a:schemeClr val="tx1"/>
-          </a:fontRef>
-        </p:style>
-      </p:cxnSp>
     </p:spTree>
     <p:extLst>
       <p:ext uri="{BB962C8B-B14F-4D97-AF65-F5344CB8AC3E}">
-        <p14:creationId xmlns:p14="http://schemas.microsoft.com/office/powerpoint/2010/main" val="3142859546"/>
+        <p14:creationId xmlns:p14="http://schemas.microsoft.com/office/powerpoint/2010/main" val="655170546"/>
       </p:ext>
     </p:extLst>
   </p:cSld>
@@ -2815,41 +3014,10 @@
           </a:p>
         </p:txBody>
       </p:sp>
-      <p:cxnSp>
-        <p:nvCxnSpPr>
-          <p:cNvPr id="14" name="Straight Connector 13"/>
-          <p:cNvCxnSpPr/>
-          <p:nvPr/>
-        </p:nvCxnSpPr>
-        <p:spPr>
-          <a:xfrm>
-            <a:off x="1396169" y="2421466"/>
-            <a:ext cx="9407298" cy="0"/>
-          </a:xfrm>
-          <a:prstGeom prst="line">
-            <a:avLst/>
-          </a:prstGeom>
-          <a:ln w="15875"/>
-        </p:spPr>
-        <p:style>
-          <a:lnRef idx="2">
-            <a:schemeClr val="accent1"/>
-          </a:lnRef>
-          <a:fillRef idx="0">
-            <a:schemeClr val="accent1"/>
-          </a:fillRef>
-          <a:effectRef idx="1">
-            <a:schemeClr val="accent1"/>
-          </a:effectRef>
-          <a:fontRef idx="minor">
-            <a:schemeClr val="tx1"/>
-          </a:fontRef>
-        </p:style>
-      </p:cxnSp>
     </p:spTree>
     <p:extLst>
       <p:ext uri="{BB962C8B-B14F-4D97-AF65-F5344CB8AC3E}">
-        <p14:creationId xmlns:p14="http://schemas.microsoft.com/office/powerpoint/2010/main" val="3795717988"/>
+        <p14:creationId xmlns:p14="http://schemas.microsoft.com/office/powerpoint/2010/main" val="3692547906"/>
       </p:ext>
     </p:extLst>
   </p:cSld>
@@ -2888,8 +3056,8 @@
         </p:nvSpPr>
         <p:spPr>
           <a:xfrm>
-            <a:off x="8999356" y="982131"/>
-            <a:ext cx="1890895" cy="4893735"/>
+            <a:off x="9732655" y="685800"/>
+            <a:ext cx="1770369" cy="5105400"/>
           </a:xfrm>
         </p:spPr>
         <p:txBody>
@@ -2916,8 +3084,8 @@
         </p:nvSpPr>
         <p:spPr>
           <a:xfrm>
-            <a:off x="1295398" y="982132"/>
-            <a:ext cx="7433025" cy="4893734"/>
+            <a:off x="1484312" y="685800"/>
+            <a:ext cx="8019742" cy="5105400"/>
           </a:xfrm>
         </p:spPr>
         <p:txBody>
@@ -3026,41 +3194,10 @@
           </a:p>
         </p:txBody>
       </p:sp>
-      <p:cxnSp>
-        <p:nvCxnSpPr>
-          <p:cNvPr id="14" name="Straight Connector 13"/>
-          <p:cNvCxnSpPr/>
-          <p:nvPr/>
-        </p:nvCxnSpPr>
-        <p:spPr>
-          <a:xfrm>
-            <a:off x="8863890" y="990600"/>
-            <a:ext cx="0" cy="4876800"/>
-          </a:xfrm>
-          <a:prstGeom prst="line">
-            <a:avLst/>
-          </a:prstGeom>
-          <a:ln w="15875"/>
-        </p:spPr>
-        <p:style>
-          <a:lnRef idx="2">
-            <a:schemeClr val="accent1"/>
-          </a:lnRef>
-          <a:fillRef idx="0">
-            <a:schemeClr val="accent1"/>
-          </a:fillRef>
-          <a:effectRef idx="1">
-            <a:schemeClr val="accent1"/>
-          </a:effectRef>
-          <a:fontRef idx="minor">
-            <a:schemeClr val="tx1"/>
-          </a:fontRef>
-        </p:style>
-      </p:cxnSp>
     </p:spTree>
     <p:extLst>
       <p:ext uri="{BB962C8B-B14F-4D97-AF65-F5344CB8AC3E}">
-        <p14:creationId xmlns:p14="http://schemas.microsoft.com/office/powerpoint/2010/main" val="1006607211"/>
+        <p14:creationId xmlns:p14="http://schemas.microsoft.com/office/powerpoint/2010/main" val="1815311898"/>
       </p:ext>
     </p:extLst>
   </p:cSld>
@@ -3087,37 +3224,6 @@
           <a:chExt cx="0" cy="0"/>
         </a:xfrm>
       </p:grpSpPr>
-      <p:cxnSp>
-        <p:nvCxnSpPr>
-          <p:cNvPr id="7" name="Straight Connector 6"/>
-          <p:cNvCxnSpPr/>
-          <p:nvPr/>
-        </p:nvCxnSpPr>
-        <p:spPr>
-          <a:xfrm>
-            <a:off x="1396169" y="2421466"/>
-            <a:ext cx="9407298" cy="0"/>
-          </a:xfrm>
-          <a:prstGeom prst="line">
-            <a:avLst/>
-          </a:prstGeom>
-          <a:ln w="15875"/>
-        </p:spPr>
-        <p:style>
-          <a:lnRef idx="2">
-            <a:schemeClr val="accent1"/>
-          </a:lnRef>
-          <a:fillRef idx="0">
-            <a:schemeClr val="accent1"/>
-          </a:fillRef>
-          <a:effectRef idx="1">
-            <a:schemeClr val="accent1"/>
-          </a:effectRef>
-          <a:fontRef idx="minor">
-            <a:schemeClr val="tx1"/>
-          </a:fontRef>
-        </p:style>
-      </p:cxnSp>
       <p:sp>
         <p:nvSpPr>
           <p:cNvPr id="2" name="Title 1"/>
@@ -3153,7 +3259,7 @@
         </p:nvSpPr>
         <p:spPr/>
         <p:txBody>
-          <a:bodyPr/>
+          <a:bodyPr anchor="ctr"/>
           <a:lstStyle/>
           <a:p>
             <a:pPr lvl="0"/>
@@ -3245,7 +3351,12 @@
             <p:ph type="sldNum" sz="quarter" idx="12"/>
           </p:nvPr>
         </p:nvSpPr>
-        <p:spPr/>
+        <p:spPr>
+          <a:xfrm>
+            <a:off x="10951856" y="5867131"/>
+            <a:ext cx="551167" cy="365125"/>
+          </a:xfrm>
+        </p:spPr>
         <p:txBody>
           <a:bodyPr/>
           <a:lstStyle/>
@@ -3261,7 +3372,7 @@
     </p:spTree>
     <p:extLst>
       <p:ext uri="{BB962C8B-B14F-4D97-AF65-F5344CB8AC3E}">
-        <p14:creationId xmlns:p14="http://schemas.microsoft.com/office/powerpoint/2010/main" val="4124216229"/>
+        <p14:creationId xmlns:p14="http://schemas.microsoft.com/office/powerpoint/2010/main" val="2852138963"/>
       </p:ext>
     </p:extLst>
   </p:cSld>
@@ -3300,17 +3411,15 @@
         </p:nvSpPr>
         <p:spPr>
           <a:xfrm>
-            <a:off x="2015069" y="1752606"/>
-            <a:ext cx="8158688" cy="1822514"/>
+            <a:off x="2572279" y="2666999"/>
+            <a:ext cx="8930747" cy="2110382"/>
           </a:xfrm>
         </p:spPr>
         <p:txBody>
-          <a:bodyPr anchor="b">
-            <a:normAutofit/>
-          </a:bodyPr>
+          <a:bodyPr anchor="b"/>
           <a:lstStyle>
-            <a:lvl1pPr algn="ctr">
-              <a:defRPr sz="4400" b="0" cap="none"/>
+            <a:lvl1pPr algn="r">
+              <a:defRPr sz="4000" b="0" cap="none"/>
             </a:lvl1pPr>
           </a:lstStyle>
           <a:p>
@@ -3334,8 +3443,8 @@
         </p:nvSpPr>
         <p:spPr>
           <a:xfrm>
-            <a:off x="2015067" y="3846051"/>
-            <a:ext cx="8158690" cy="954547"/>
+            <a:off x="2572278" y="4777381"/>
+            <a:ext cx="8930748" cy="860400"/>
           </a:xfrm>
         </p:spPr>
         <p:txBody>
@@ -3343,9 +3452,9 @@
             <a:normAutofit/>
           </a:bodyPr>
           <a:lstStyle>
-            <a:lvl1pPr marL="0" indent="0" algn="ctr">
-              <a:buNone/>
-              <a:defRPr sz="2400">
+            <a:lvl1pPr marL="0" indent="0" algn="r">
+              <a:buNone/>
+              <a:defRPr sz="2000">
                 <a:solidFill>
                   <a:schemeClr val="tx1"/>
                 </a:solidFill>
@@ -3506,41 +3615,10 @@
           </a:p>
         </p:txBody>
       </p:sp>
-      <p:cxnSp>
-        <p:nvCxnSpPr>
-          <p:cNvPr id="16" name="Straight Connector 15"/>
-          <p:cNvCxnSpPr/>
-          <p:nvPr/>
-        </p:nvCxnSpPr>
-        <p:spPr>
-          <a:xfrm>
-            <a:off x="2012723" y="3710585"/>
-            <a:ext cx="8163380" cy="0"/>
-          </a:xfrm>
-          <a:prstGeom prst="line">
-            <a:avLst/>
-          </a:prstGeom>
-          <a:ln w="15875"/>
-        </p:spPr>
-        <p:style>
-          <a:lnRef idx="2">
-            <a:schemeClr val="accent1"/>
-          </a:lnRef>
-          <a:fillRef idx="0">
-            <a:schemeClr val="accent1"/>
-          </a:fillRef>
-          <a:effectRef idx="1">
-            <a:schemeClr val="accent1"/>
-          </a:effectRef>
-          <a:fontRef idx="minor">
-            <a:schemeClr val="tx1"/>
-          </a:fontRef>
-        </p:style>
-      </p:cxnSp>
     </p:spTree>
     <p:extLst>
       <p:ext uri="{BB962C8B-B14F-4D97-AF65-F5344CB8AC3E}">
-        <p14:creationId xmlns:p14="http://schemas.microsoft.com/office/powerpoint/2010/main" val="375890822"/>
+        <p14:creationId xmlns:p14="http://schemas.microsoft.com/office/powerpoint/2010/main" val="2103315240"/>
       </p:ext>
     </p:extLst>
   </p:cSld>
@@ -3567,37 +3645,6 @@
           <a:chExt cx="0" cy="0"/>
         </a:xfrm>
       </p:grpSpPr>
-      <p:cxnSp>
-        <p:nvCxnSpPr>
-          <p:cNvPr id="8" name="Straight Connector 7"/>
-          <p:cNvCxnSpPr/>
-          <p:nvPr/>
-        </p:nvCxnSpPr>
-        <p:spPr>
-          <a:xfrm>
-            <a:off x="1396169" y="2421466"/>
-            <a:ext cx="9407298" cy="0"/>
-          </a:xfrm>
-          <a:prstGeom prst="line">
-            <a:avLst/>
-          </a:prstGeom>
-          <a:ln w="15875"/>
-        </p:spPr>
-        <p:style>
-          <a:lnRef idx="2">
-            <a:schemeClr val="accent1"/>
-          </a:lnRef>
-          <a:fillRef idx="0">
-            <a:schemeClr val="accent1"/>
-          </a:fillRef>
-          <a:effectRef idx="1">
-            <a:schemeClr val="accent1"/>
-          </a:effectRef>
-          <a:fontRef idx="minor">
-            <a:schemeClr val="tx1"/>
-          </a:fontRef>
-        </p:style>
-      </p:cxnSp>
       <p:sp>
         <p:nvSpPr>
           <p:cNvPr id="2" name="Title 1"/>
@@ -3608,7 +3655,12 @@
             <p:ph type="title"/>
           </p:nvPr>
         </p:nvSpPr>
-        <p:spPr/>
+        <p:spPr>
+          <a:xfrm>
+            <a:off x="1484311" y="685800"/>
+            <a:ext cx="10018713" cy="1752599"/>
+          </a:xfrm>
+        </p:spPr>
         <p:txBody>
           <a:bodyPr/>
           <a:lstStyle/>
@@ -3633,15 +3685,43 @@
         </p:nvSpPr>
         <p:spPr>
           <a:xfrm>
-            <a:off x="1298448" y="2560320"/>
-            <a:ext cx="4718304" cy="3310128"/>
+            <a:off x="1484312" y="2666999"/>
+            <a:ext cx="4895055" cy="3124201"/>
           </a:xfrm>
         </p:spPr>
         <p:txBody>
           <a:bodyPr>
             <a:normAutofit/>
           </a:bodyPr>
-          <a:lstStyle/>
+          <a:lstStyle>
+            <a:lvl1pPr>
+              <a:defRPr sz="1800"/>
+            </a:lvl1pPr>
+            <a:lvl2pPr>
+              <a:defRPr sz="1600"/>
+            </a:lvl2pPr>
+            <a:lvl3pPr>
+              <a:defRPr sz="1400"/>
+            </a:lvl3pPr>
+            <a:lvl4pPr>
+              <a:defRPr sz="1200"/>
+            </a:lvl4pPr>
+            <a:lvl5pPr>
+              <a:defRPr sz="1200"/>
+            </a:lvl5pPr>
+            <a:lvl6pPr>
+              <a:defRPr sz="1200"/>
+            </a:lvl6pPr>
+            <a:lvl7pPr>
+              <a:defRPr sz="1200"/>
+            </a:lvl7pPr>
+            <a:lvl8pPr>
+              <a:defRPr sz="1200"/>
+            </a:lvl8pPr>
+            <a:lvl9pPr>
+              <a:defRPr sz="1200"/>
+            </a:lvl9pPr>
+          </a:lstStyle>
           <a:p>
             <a:pPr lvl="0"/>
             <a:r>
@@ -3692,15 +3772,43 @@
         </p:nvSpPr>
         <p:spPr>
           <a:xfrm>
-            <a:off x="6181344" y="2560320"/>
-            <a:ext cx="4718304" cy="3310128"/>
+            <a:off x="6607967" y="2667000"/>
+            <a:ext cx="4895056" cy="3124200"/>
           </a:xfrm>
         </p:spPr>
         <p:txBody>
           <a:bodyPr>
             <a:normAutofit/>
           </a:bodyPr>
-          <a:lstStyle/>
+          <a:lstStyle>
+            <a:lvl1pPr>
+              <a:defRPr sz="1800"/>
+            </a:lvl1pPr>
+            <a:lvl2pPr>
+              <a:defRPr sz="1600"/>
+            </a:lvl2pPr>
+            <a:lvl3pPr>
+              <a:defRPr sz="1400"/>
+            </a:lvl3pPr>
+            <a:lvl4pPr>
+              <a:defRPr sz="1200"/>
+            </a:lvl4pPr>
+            <a:lvl5pPr>
+              <a:defRPr sz="1200"/>
+            </a:lvl5pPr>
+            <a:lvl6pPr>
+              <a:defRPr sz="1200"/>
+            </a:lvl6pPr>
+            <a:lvl7pPr>
+              <a:defRPr sz="1200"/>
+            </a:lvl7pPr>
+            <a:lvl8pPr>
+              <a:defRPr sz="1200"/>
+            </a:lvl8pPr>
+            <a:lvl9pPr>
+              <a:defRPr sz="1200"/>
+            </a:lvl9pPr>
+          </a:lstStyle>
           <a:p>
             <a:pPr lvl="0"/>
             <a:r>
@@ -3807,7 +3915,7 @@
     </p:spTree>
     <p:extLst>
       <p:ext uri="{BB962C8B-B14F-4D97-AF65-F5344CB8AC3E}">
-        <p14:creationId xmlns:p14="http://schemas.microsoft.com/office/powerpoint/2010/main" val="3992314785"/>
+        <p14:creationId xmlns:p14="http://schemas.microsoft.com/office/powerpoint/2010/main" val="3361429985"/>
       </p:ext>
     </p:extLst>
   </p:cSld>
@@ -3873,8 +3981,8 @@
         </p:nvSpPr>
         <p:spPr>
           <a:xfrm>
-            <a:off x="1295400" y="2658533"/>
-            <a:ext cx="4718304" cy="576262"/>
+            <a:off x="1772179" y="2658533"/>
+            <a:ext cx="4607188" cy="576262"/>
           </a:xfrm>
         </p:spPr>
         <p:txBody>
@@ -3883,16 +3991,12 @@
           </a:bodyPr>
           <a:lstStyle>
             <a:lvl1pPr marL="0" indent="0">
-              <a:spcBef>
-                <a:spcPts val="672"/>
-              </a:spcBef>
-              <a:spcAft>
-                <a:spcPts val="600"/>
-              </a:spcAft>
               <a:buNone/>
               <a:defRPr sz="2800" b="0">
                 <a:solidFill>
-                  <a:schemeClr val="accent1"/>
+                  <a:schemeClr val="accent1">
+                    <a:lumMod val="75000"/>
+                  </a:schemeClr>
                 </a:solidFill>
               </a:defRPr>
             </a:lvl1pPr>
@@ -3950,15 +4054,43 @@
         </p:nvSpPr>
         <p:spPr>
           <a:xfrm>
-            <a:off x="1295400" y="3243262"/>
-            <a:ext cx="4718304" cy="2632605"/>
+            <a:off x="1484311" y="3335337"/>
+            <a:ext cx="4895056" cy="2455862"/>
           </a:xfrm>
         </p:spPr>
         <p:txBody>
           <a:bodyPr anchor="t">
             <a:normAutofit/>
           </a:bodyPr>
-          <a:lstStyle/>
+          <a:lstStyle>
+            <a:lvl1pPr>
+              <a:defRPr sz="1800"/>
+            </a:lvl1pPr>
+            <a:lvl2pPr>
+              <a:defRPr sz="1600"/>
+            </a:lvl2pPr>
+            <a:lvl3pPr>
+              <a:defRPr sz="1400"/>
+            </a:lvl3pPr>
+            <a:lvl4pPr>
+              <a:defRPr sz="1200"/>
+            </a:lvl4pPr>
+            <a:lvl5pPr>
+              <a:defRPr sz="1200"/>
+            </a:lvl5pPr>
+            <a:lvl6pPr>
+              <a:defRPr sz="1200"/>
+            </a:lvl6pPr>
+            <a:lvl7pPr>
+              <a:defRPr sz="1200"/>
+            </a:lvl7pPr>
+            <a:lvl8pPr>
+              <a:defRPr sz="1200"/>
+            </a:lvl8pPr>
+            <a:lvl9pPr>
+              <a:defRPr sz="1200"/>
+            </a:lvl9pPr>
+          </a:lstStyle>
           <a:p>
             <a:pPr lvl="0"/>
             <a:r>
@@ -4009,8 +4141,8 @@
         </p:nvSpPr>
         <p:spPr>
           <a:xfrm>
-            <a:off x="6180670" y="2658533"/>
-            <a:ext cx="4718304" cy="576262"/>
+            <a:off x="6880487" y="2667000"/>
+            <a:ext cx="4622537" cy="576262"/>
           </a:xfrm>
         </p:spPr>
         <p:txBody>
@@ -4019,16 +4151,12 @@
           </a:bodyPr>
           <a:lstStyle>
             <a:lvl1pPr marL="0" indent="0">
-              <a:spcBef>
-                <a:spcPts val="672"/>
-              </a:spcBef>
-              <a:spcAft>
-                <a:spcPts val="600"/>
-              </a:spcAft>
               <a:buNone/>
               <a:defRPr sz="2800" b="0">
                 <a:solidFill>
-                  <a:schemeClr val="accent1"/>
+                  <a:schemeClr val="accent1">
+                    <a:lumMod val="75000"/>
+                  </a:schemeClr>
                 </a:solidFill>
               </a:defRPr>
             </a:lvl1pPr>
@@ -4086,15 +4214,43 @@
         </p:nvSpPr>
         <p:spPr>
           <a:xfrm>
-            <a:off x="6180670" y="3243262"/>
-            <a:ext cx="4718304" cy="2632605"/>
+            <a:off x="6607967" y="3335337"/>
+            <a:ext cx="4895056" cy="2455862"/>
           </a:xfrm>
         </p:spPr>
         <p:txBody>
           <a:bodyPr anchor="t">
             <a:normAutofit/>
           </a:bodyPr>
-          <a:lstStyle/>
+          <a:lstStyle>
+            <a:lvl1pPr>
+              <a:defRPr sz="1800"/>
+            </a:lvl1pPr>
+            <a:lvl2pPr>
+              <a:defRPr sz="1600"/>
+            </a:lvl2pPr>
+            <a:lvl3pPr>
+              <a:defRPr sz="1400"/>
+            </a:lvl3pPr>
+            <a:lvl4pPr>
+              <a:defRPr sz="1200"/>
+            </a:lvl4pPr>
+            <a:lvl5pPr>
+              <a:defRPr sz="1200"/>
+            </a:lvl5pPr>
+            <a:lvl6pPr>
+              <a:defRPr sz="1200"/>
+            </a:lvl6pPr>
+            <a:lvl7pPr>
+              <a:defRPr sz="1200"/>
+            </a:lvl7pPr>
+            <a:lvl8pPr>
+              <a:defRPr sz="1200"/>
+            </a:lvl8pPr>
+            <a:lvl9pPr>
+              <a:defRPr sz="1200"/>
+            </a:lvl9pPr>
+          </a:lstStyle>
           <a:p>
             <a:pPr lvl="0"/>
             <a:r>
@@ -4198,41 +4354,10 @@
           </a:p>
         </p:txBody>
       </p:sp>
-      <p:cxnSp>
-        <p:nvCxnSpPr>
-          <p:cNvPr id="18" name="Straight Connector 17"/>
-          <p:cNvCxnSpPr/>
-          <p:nvPr/>
-        </p:nvCxnSpPr>
-        <p:spPr>
-          <a:xfrm>
-            <a:off x="1396169" y="2421466"/>
-            <a:ext cx="9407298" cy="0"/>
-          </a:xfrm>
-          <a:prstGeom prst="line">
-            <a:avLst/>
-          </a:prstGeom>
-          <a:ln w="15875"/>
-        </p:spPr>
-        <p:style>
-          <a:lnRef idx="2">
-            <a:schemeClr val="accent1"/>
-          </a:lnRef>
-          <a:fillRef idx="0">
-            <a:schemeClr val="accent1"/>
-          </a:fillRef>
-          <a:effectRef idx="1">
-            <a:schemeClr val="accent1"/>
-          </a:effectRef>
-          <a:fontRef idx="minor">
-            <a:schemeClr val="tx1"/>
-          </a:fontRef>
-        </p:style>
-      </p:cxnSp>
     </p:spTree>
     <p:extLst>
       <p:ext uri="{BB962C8B-B14F-4D97-AF65-F5344CB8AC3E}">
-        <p14:creationId xmlns:p14="http://schemas.microsoft.com/office/powerpoint/2010/main" val="2859775560"/>
+        <p14:creationId xmlns:p14="http://schemas.microsoft.com/office/powerpoint/2010/main" val="27206783"/>
       </p:ext>
     </p:extLst>
   </p:cSld>
@@ -4347,41 +4472,10 @@
           </a:p>
         </p:txBody>
       </p:sp>
-      <p:cxnSp>
-        <p:nvCxnSpPr>
-          <p:cNvPr id="14" name="Straight Connector 13"/>
-          <p:cNvCxnSpPr/>
-          <p:nvPr/>
-        </p:nvCxnSpPr>
-        <p:spPr>
-          <a:xfrm>
-            <a:off x="1396169" y="2421466"/>
-            <a:ext cx="9407298" cy="0"/>
-          </a:xfrm>
-          <a:prstGeom prst="line">
-            <a:avLst/>
-          </a:prstGeom>
-          <a:ln w="15875"/>
-        </p:spPr>
-        <p:style>
-          <a:lnRef idx="2">
-            <a:schemeClr val="accent1"/>
-          </a:lnRef>
-          <a:fillRef idx="0">
-            <a:schemeClr val="accent1"/>
-          </a:fillRef>
-          <a:effectRef idx="1">
-            <a:schemeClr val="accent1"/>
-          </a:effectRef>
-          <a:fontRef idx="minor">
-            <a:schemeClr val="tx1"/>
-          </a:fontRef>
-        </p:style>
-      </p:cxnSp>
     </p:spTree>
     <p:extLst>
       <p:ext uri="{BB962C8B-B14F-4D97-AF65-F5344CB8AC3E}">
-        <p14:creationId xmlns:p14="http://schemas.microsoft.com/office/powerpoint/2010/main" val="1077351332"/>
+        <p14:creationId xmlns:p14="http://schemas.microsoft.com/office/powerpoint/2010/main" val="4221654359"/>
       </p:ext>
     </p:extLst>
   </p:cSld>
@@ -4476,7 +4570,7 @@
     </p:spTree>
     <p:extLst>
       <p:ext uri="{BB962C8B-B14F-4D97-AF65-F5344CB8AC3E}">
-        <p14:creationId xmlns:p14="http://schemas.microsoft.com/office/powerpoint/2010/main" val="3302497670"/>
+        <p14:creationId xmlns:p14="http://schemas.microsoft.com/office/powerpoint/2010/main" val="3715784935"/>
       </p:ext>
     </p:extLst>
   </p:cSld>
@@ -4515,8 +4609,8 @@
         </p:nvSpPr>
         <p:spPr>
           <a:xfrm>
-            <a:off x="1293811" y="1388534"/>
-            <a:ext cx="3718455" cy="1371600"/>
+            <a:off x="1484312" y="1600200"/>
+            <a:ext cx="3549121" cy="1371600"/>
           </a:xfrm>
         </p:spPr>
         <p:txBody>
@@ -4549,15 +4643,43 @@
         </p:nvSpPr>
         <p:spPr>
           <a:xfrm>
-            <a:off x="5418668" y="982131"/>
-            <a:ext cx="5469466" cy="4893735"/>
+            <a:off x="5262033" y="685799"/>
+            <a:ext cx="6240990" cy="5105401"/>
           </a:xfrm>
         </p:spPr>
         <p:txBody>
           <a:bodyPr anchor="ctr">
             <a:normAutofit/>
           </a:bodyPr>
-          <a:lstStyle/>
+          <a:lstStyle>
+            <a:lvl1pPr>
+              <a:defRPr sz="2000"/>
+            </a:lvl1pPr>
+            <a:lvl2pPr>
+              <a:defRPr sz="1800"/>
+            </a:lvl2pPr>
+            <a:lvl3pPr>
+              <a:defRPr sz="1600"/>
+            </a:lvl3pPr>
+            <a:lvl4pPr>
+              <a:defRPr sz="1400"/>
+            </a:lvl4pPr>
+            <a:lvl5pPr>
+              <a:defRPr sz="1400"/>
+            </a:lvl5pPr>
+            <a:lvl6pPr>
+              <a:defRPr sz="1400"/>
+            </a:lvl6pPr>
+            <a:lvl7pPr>
+              <a:defRPr sz="1400"/>
+            </a:lvl7pPr>
+            <a:lvl8pPr>
+              <a:defRPr sz="1400"/>
+            </a:lvl8pPr>
+            <a:lvl9pPr>
+              <a:defRPr sz="1400"/>
+            </a:lvl9pPr>
+          </a:lstStyle>
           <a:p>
             <a:pPr lvl="0"/>
             <a:r>
@@ -4608,12 +4730,12 @@
         </p:nvSpPr>
         <p:spPr>
           <a:xfrm>
-            <a:off x="1293811" y="3031065"/>
-            <a:ext cx="3718455" cy="2438404"/>
+            <a:off x="1484312" y="2971800"/>
+            <a:ext cx="3549121" cy="1828800"/>
           </a:xfrm>
         </p:spPr>
         <p:txBody>
-          <a:bodyPr anchor="t">
+          <a:bodyPr>
             <a:normAutofit/>
           </a:bodyPr>
           <a:lstStyle>
@@ -4728,41 +4850,10 @@
           </a:p>
         </p:txBody>
       </p:sp>
-      <p:cxnSp>
-        <p:nvCxnSpPr>
-          <p:cNvPr id="16" name="Straight Connector 15"/>
-          <p:cNvCxnSpPr/>
-          <p:nvPr/>
-        </p:nvCxnSpPr>
-        <p:spPr>
-          <a:xfrm>
-            <a:off x="1396169" y="2912533"/>
-            <a:ext cx="3514498" cy="0"/>
-          </a:xfrm>
-          <a:prstGeom prst="line">
-            <a:avLst/>
-          </a:prstGeom>
-          <a:ln w="15875"/>
-        </p:spPr>
-        <p:style>
-          <a:lnRef idx="2">
-            <a:schemeClr val="accent1"/>
-          </a:lnRef>
-          <a:fillRef idx="0">
-            <a:schemeClr val="accent1"/>
-          </a:fillRef>
-          <a:effectRef idx="1">
-            <a:schemeClr val="accent1"/>
-          </a:effectRef>
-          <a:fontRef idx="minor">
-            <a:schemeClr val="tx1"/>
-          </a:fontRef>
-        </p:style>
-      </p:cxnSp>
     </p:spTree>
     <p:extLst>
       <p:ext uri="{BB962C8B-B14F-4D97-AF65-F5344CB8AC3E}">
-        <p14:creationId xmlns:p14="http://schemas.microsoft.com/office/powerpoint/2010/main" val="3420785484"/>
+        <p14:creationId xmlns:p14="http://schemas.microsoft.com/office/powerpoint/2010/main" val="1490506672"/>
       </p:ext>
     </p:extLst>
   </p:cSld>
@@ -4801,8 +4892,8 @@
         </p:nvSpPr>
         <p:spPr>
           <a:xfrm>
-            <a:off x="1295399" y="1883832"/>
-            <a:ext cx="6241816" cy="1371600"/>
+            <a:off x="1482724" y="1752599"/>
+            <a:ext cx="5426158" cy="1371600"/>
           </a:xfrm>
         </p:spPr>
         <p:txBody>
@@ -4825,7 +4916,7 @@
       </p:sp>
       <p:sp>
         <p:nvSpPr>
-          <p:cNvPr id="17" name="Picture Placeholder 2"/>
+          <p:cNvPr id="14" name="Picture Placeholder 2"/>
           <p:cNvSpPr>
             <a:spLocks noGrp="1" noChangeAspect="1"/>
           </p:cNvSpPr>
@@ -4835,22 +4926,29 @@
         </p:nvSpPr>
         <p:spPr>
           <a:xfrm>
-            <a:off x="8094831" y="1041400"/>
-            <a:ext cx="3063347" cy="4775200"/>
+            <a:off x="7594682" y="914400"/>
+            <a:ext cx="3280974" cy="4572000"/>
           </a:xfrm>
           <a:prstGeom prst="roundRect">
             <a:avLst>
-              <a:gd name="adj" fmla="val 0"/>
+              <a:gd name="adj" fmla="val 4280"/>
             </a:avLst>
           </a:prstGeom>
-          <a:ln w="57150" cmpd="thickThin">
-            <a:solidFill>
-              <a:schemeClr val="tx1">
-                <a:lumMod val="50000"/>
-                <a:lumOff val="50000"/>
-              </a:schemeClr>
-            </a:solidFill>
-            <a:miter lim="800000"/>
+          <a:ln w="38100">
+            <a:gradFill flip="none" rotWithShape="1">
+              <a:gsLst>
+                <a:gs pos="0">
+                  <a:schemeClr val="bg2"/>
+                </a:gs>
+                <a:gs pos="100000">
+                  <a:schemeClr val="bg2">
+                    <a:lumMod val="75000"/>
+                  </a:schemeClr>
+                </a:gs>
+              </a:gsLst>
+              <a:lin ang="5400000" scaled="0"/>
+              <a:tileRect/>
+            </a:gradFill>
           </a:ln>
           <a:effectLst>
             <a:innerShdw blurRad="57150" dist="38100" dir="14460000">
@@ -4923,12 +5021,12 @@
         </p:nvSpPr>
         <p:spPr>
           <a:xfrm>
-            <a:off x="1295399" y="3255432"/>
-            <a:ext cx="6241816" cy="1828800"/>
+            <a:off x="1482724" y="3124199"/>
+            <a:ext cx="5426158" cy="1828800"/>
           </a:xfrm>
         </p:spPr>
         <p:txBody>
-          <a:bodyPr anchor="t">
+          <a:bodyPr>
             <a:normAutofit/>
           </a:bodyPr>
           <a:lstStyle>
@@ -5046,7 +5144,7 @@
     </p:spTree>
     <p:extLst>
       <p:ext uri="{BB962C8B-B14F-4D97-AF65-F5344CB8AC3E}">
-        <p14:creationId xmlns:p14="http://schemas.microsoft.com/office/powerpoint/2010/main" val="4277425856"/>
+        <p14:creationId xmlns:p14="http://schemas.microsoft.com/office/powerpoint/2010/main" val="470668569"/>
       </p:ext>
     </p:extLst>
   </p:cSld>
@@ -5061,7 +5159,7 @@
   <p:cSld>
     <p:bg>
       <p:bgRef idx="1003">
-        <a:schemeClr val="bg1"/>
+        <a:schemeClr val="bg2"/>
       </p:bgRef>
     </p:bg>
     <p:spTree>
@@ -5086,134 +5184,313 @@
         </p:nvGrpSpPr>
         <p:grpSpPr>
           <a:xfrm>
-            <a:off x="-15736" y="0"/>
-            <a:ext cx="12229962" cy="6856214"/>
-            <a:chOff x="-15736" y="0"/>
-            <a:chExt cx="12229962" cy="6856214"/>
+            <a:off x="150812" y="0"/>
+            <a:ext cx="2436813" cy="6858001"/>
+            <a:chOff x="1320800" y="0"/>
+            <a:chExt cx="2436813" cy="6858001"/>
           </a:xfrm>
         </p:grpSpPr>
-        <p:pic>
-          <p:nvPicPr>
-            <p:cNvPr id="8" name="Picture 7" descr="HD-PanelContent.png"/>
-            <p:cNvPicPr>
-              <a:picLocks noChangeAspect="1"/>
-            </p:cNvPicPr>
-            <p:nvPr/>
-          </p:nvPicPr>
-          <p:blipFill>
-            <a:blip r:embed="rId19">
-              <a:extLst>
-                <a:ext uri="{28A0092B-C50C-407E-A947-70E740481C1C}">
-                  <a14:useLocalDpi xmlns:a14="http://schemas.microsoft.com/office/drawing/2010/main" val="0"/>
-                </a:ext>
-              </a:extLst>
-            </a:blip>
-            <a:stretch>
-              <a:fillRect/>
-            </a:stretch>
-          </p:blipFill>
-          <p:spPr>
-            <a:xfrm>
-              <a:off x="0" y="0"/>
-              <a:ext cx="12188825" cy="6856214"/>
-            </a:xfrm>
-            <a:prstGeom prst="rect">
-              <a:avLst/>
-            </a:prstGeom>
-          </p:spPr>
-        </p:pic>
         <p:sp>
           <p:nvSpPr>
-            <p:cNvPr id="9" name="Rectangle 8"/>
+            <p:cNvPr id="8" name="Freeform 6"/>
             <p:cNvSpPr/>
             <p:nvPr/>
           </p:nvSpPr>
-          <p:spPr>
+          <p:spPr bwMode="auto">
             <a:xfrm>
-              <a:off x="608012" y="609600"/>
-              <a:ext cx="10972800" cy="5638800"/>
+              <a:off x="1627188" y="0"/>
+              <a:ext cx="1122363" cy="5329238"/>
             </a:xfrm>
-            <a:prstGeom prst="rect">
+            <a:custGeom>
               <a:avLst/>
-            </a:prstGeom>
-            <a:noFill/>
-            <a:ln w="15875" cap="flat">
-              <a:miter lim="800000"/>
+              <a:gdLst/>
+              <a:ahLst/>
+              <a:cxnLst/>
+              <a:rect l="0" t="0" r="r" b="b"/>
+              <a:pathLst>
+                <a:path w="707" h="3357">
+                  <a:moveTo>
+                    <a:pt x="0" y="3330"/>
+                  </a:moveTo>
+                  <a:lnTo>
+                    <a:pt x="156" y="3357"/>
+                  </a:lnTo>
+                  <a:lnTo>
+                    <a:pt x="707" y="0"/>
+                  </a:lnTo>
+                  <a:lnTo>
+                    <a:pt x="547" y="0"/>
+                  </a:lnTo>
+                  <a:lnTo>
+                    <a:pt x="0" y="3330"/>
+                  </a:lnTo>
+                  <a:close/>
+                </a:path>
+              </a:pathLst>
+            </a:custGeom>
+            <a:solidFill>
+              <a:schemeClr val="accent1"/>
+            </a:solidFill>
+            <a:ln>
+              <a:noFill/>
             </a:ln>
           </p:spPr>
-          <p:style>
-            <a:lnRef idx="1">
-              <a:schemeClr val="accent1"/>
-            </a:lnRef>
-            <a:fillRef idx="3">
-              <a:schemeClr val="accent1"/>
-            </a:fillRef>
-            <a:effectRef idx="2">
-              <a:schemeClr val="accent1"/>
-            </a:effectRef>
-            <a:fontRef idx="minor">
-              <a:schemeClr val="lt1"/>
-            </a:fontRef>
-          </p:style>
         </p:sp>
-        <p:pic>
-          <p:nvPicPr>
-            <p:cNvPr id="10" name="Picture 9" descr="HDRibbonContent-UniformTrim.png"/>
-            <p:cNvPicPr>
-              <a:picLocks noChangeAspect="1"/>
-            </p:cNvPicPr>
+        <p:sp>
+          <p:nvSpPr>
+            <p:cNvPr id="9" name="Freeform 7"/>
+            <p:cNvSpPr/>
             <p:nvPr/>
-          </p:nvPicPr>
-          <p:blipFill rotWithShape="1">
-            <a:blip r:embed="rId20">
-              <a:extLst>
-                <a:ext uri="{28A0092B-C50C-407E-A947-70E740481C1C}">
-                  <a14:useLocalDpi xmlns:a14="http://schemas.microsoft.com/office/drawing/2010/main" val="0"/>
-                </a:ext>
-              </a:extLst>
-            </a:blip>
-            <a:srcRect/>
-            <a:stretch/>
-          </p:blipFill>
-          <p:spPr>
+          </p:nvSpPr>
+          <p:spPr bwMode="auto">
             <a:xfrm>
-              <a:off x="-15736" y="3153832"/>
-              <a:ext cx="777240" cy="606425"/>
+              <a:off x="1320800" y="0"/>
+              <a:ext cx="1117600" cy="5276850"/>
             </a:xfrm>
-            <a:prstGeom prst="rect">
+            <a:custGeom>
               <a:avLst/>
-            </a:prstGeom>
+              <a:gdLst/>
+              <a:ahLst/>
+              <a:cxnLst/>
+              <a:rect l="0" t="0" r="r" b="b"/>
+              <a:pathLst>
+                <a:path w="704" h="3324">
+                  <a:moveTo>
+                    <a:pt x="704" y="0"/>
+                  </a:moveTo>
+                  <a:lnTo>
+                    <a:pt x="545" y="0"/>
+                  </a:lnTo>
+                  <a:lnTo>
+                    <a:pt x="0" y="3300"/>
+                  </a:lnTo>
+                  <a:lnTo>
+                    <a:pt x="157" y="3324"/>
+                  </a:lnTo>
+                  <a:lnTo>
+                    <a:pt x="704" y="0"/>
+                  </a:lnTo>
+                  <a:close/>
+                </a:path>
+              </a:pathLst>
+            </a:custGeom>
+            <a:solidFill>
+              <a:schemeClr val="tx1">
+                <a:lumMod val="65000"/>
+                <a:lumOff val="35000"/>
+              </a:schemeClr>
+            </a:solidFill>
+            <a:ln>
+              <a:noFill/>
+            </a:ln>
           </p:spPr>
-        </p:pic>
-        <p:pic>
-          <p:nvPicPr>
-            <p:cNvPr id="11" name="Picture 10" descr="HDRibbonContent-UniformTrim.png"/>
-            <p:cNvPicPr>
-              <a:picLocks noChangeAspect="1"/>
-            </p:cNvPicPr>
+        </p:sp>
+        <p:sp>
+          <p:nvSpPr>
+            <p:cNvPr id="10" name="Freeform 8"/>
+            <p:cNvSpPr/>
             <p:nvPr/>
-          </p:nvPicPr>
-          <p:blipFill rotWithShape="1">
-            <a:blip r:embed="rId20">
-              <a:extLst>
-                <a:ext uri="{28A0092B-C50C-407E-A947-70E740481C1C}">
-                  <a14:useLocalDpi xmlns:a14="http://schemas.microsoft.com/office/drawing/2010/main" val="0"/>
-                </a:ext>
-              </a:extLst>
-            </a:blip>
-            <a:srcRect/>
-            <a:stretch/>
-          </p:blipFill>
-          <p:spPr>
+          </p:nvSpPr>
+          <p:spPr bwMode="auto">
             <a:xfrm>
-              <a:off x="11436986" y="3153832"/>
-              <a:ext cx="777240" cy="606425"/>
+              <a:off x="1320800" y="5238750"/>
+              <a:ext cx="1228725" cy="1619250"/>
             </a:xfrm>
-            <a:prstGeom prst="rect">
+            <a:custGeom>
               <a:avLst/>
-            </a:prstGeom>
+              <a:gdLst/>
+              <a:ahLst/>
+              <a:cxnLst/>
+              <a:rect l="0" t="0" r="r" b="b"/>
+              <a:pathLst>
+                <a:path w="774" h="1020">
+                  <a:moveTo>
+                    <a:pt x="0" y="0"/>
+                  </a:moveTo>
+                  <a:lnTo>
+                    <a:pt x="740" y="1020"/>
+                  </a:lnTo>
+                  <a:lnTo>
+                    <a:pt x="774" y="1020"/>
+                  </a:lnTo>
+                  <a:lnTo>
+                    <a:pt x="0" y="0"/>
+                  </a:lnTo>
+                  <a:close/>
+                </a:path>
+              </a:pathLst>
+            </a:custGeom>
+            <a:solidFill>
+              <a:schemeClr val="tx1">
+                <a:lumMod val="85000"/>
+                <a:lumOff val="15000"/>
+              </a:schemeClr>
+            </a:solidFill>
+            <a:ln>
+              <a:noFill/>
+            </a:ln>
           </p:spPr>
-        </p:pic>
+        </p:sp>
+        <p:sp>
+          <p:nvSpPr>
+            <p:cNvPr id="11" name="Freeform 9"/>
+            <p:cNvSpPr/>
+            <p:nvPr/>
+          </p:nvSpPr>
+          <p:spPr bwMode="auto">
+            <a:xfrm>
+              <a:off x="1627188" y="5291138"/>
+              <a:ext cx="1495425" cy="1566863"/>
+            </a:xfrm>
+            <a:custGeom>
+              <a:avLst/>
+              <a:gdLst/>
+              <a:ahLst/>
+              <a:cxnLst/>
+              <a:rect l="0" t="0" r="r" b="b"/>
+              <a:pathLst>
+                <a:path w="942" h="987">
+                  <a:moveTo>
+                    <a:pt x="0" y="0"/>
+                  </a:moveTo>
+                  <a:lnTo>
+                    <a:pt x="909" y="987"/>
+                  </a:lnTo>
+                  <a:lnTo>
+                    <a:pt x="942" y="987"/>
+                  </a:lnTo>
+                  <a:lnTo>
+                    <a:pt x="0" y="0"/>
+                  </a:lnTo>
+                  <a:close/>
+                </a:path>
+              </a:pathLst>
+            </a:custGeom>
+            <a:solidFill>
+              <a:schemeClr val="accent1">
+                <a:lumMod val="50000"/>
+              </a:schemeClr>
+            </a:solidFill>
+            <a:ln>
+              <a:noFill/>
+            </a:ln>
+          </p:spPr>
+        </p:sp>
+        <p:sp>
+          <p:nvSpPr>
+            <p:cNvPr id="12" name="Freeform 10"/>
+            <p:cNvSpPr/>
+            <p:nvPr/>
+          </p:nvSpPr>
+          <p:spPr bwMode="auto">
+            <a:xfrm>
+              <a:off x="1627188" y="5286375"/>
+              <a:ext cx="2130425" cy="1571625"/>
+            </a:xfrm>
+            <a:custGeom>
+              <a:avLst/>
+              <a:gdLst/>
+              <a:ahLst/>
+              <a:cxnLst/>
+              <a:rect l="0" t="0" r="r" b="b"/>
+              <a:pathLst>
+                <a:path w="1342" h="990">
+                  <a:moveTo>
+                    <a:pt x="0" y="3"/>
+                  </a:moveTo>
+                  <a:lnTo>
+                    <a:pt x="942" y="990"/>
+                  </a:lnTo>
+                  <a:lnTo>
+                    <a:pt x="1342" y="990"/>
+                  </a:lnTo>
+                  <a:lnTo>
+                    <a:pt x="156" y="27"/>
+                  </a:lnTo>
+                  <a:lnTo>
+                    <a:pt x="0" y="0"/>
+                  </a:lnTo>
+                  <a:lnTo>
+                    <a:pt x="0" y="3"/>
+                  </a:lnTo>
+                  <a:close/>
+                </a:path>
+              </a:pathLst>
+            </a:custGeom>
+            <a:solidFill>
+              <a:schemeClr val="accent1">
+                <a:lumMod val="75000"/>
+              </a:schemeClr>
+            </a:solidFill>
+            <a:ln>
+              <a:noFill/>
+            </a:ln>
+          </p:spPr>
+        </p:sp>
+        <p:sp>
+          <p:nvSpPr>
+            <p:cNvPr id="13" name="Freeform 11"/>
+            <p:cNvSpPr/>
+            <p:nvPr/>
+          </p:nvSpPr>
+          <p:spPr bwMode="auto">
+            <a:xfrm>
+              <a:off x="1320800" y="5238750"/>
+              <a:ext cx="1695450" cy="1619250"/>
+            </a:xfrm>
+            <a:custGeom>
+              <a:avLst/>
+              <a:gdLst/>
+              <a:ahLst/>
+              <a:cxnLst/>
+              <a:rect l="0" t="0" r="r" b="b"/>
+              <a:pathLst>
+                <a:path w="1068" h="1020">
+                  <a:moveTo>
+                    <a:pt x="1068" y="1020"/>
+                  </a:moveTo>
+                  <a:lnTo>
+                    <a:pt x="184" y="60"/>
+                  </a:lnTo>
+                  <a:lnTo>
+                    <a:pt x="154" y="27"/>
+                  </a:lnTo>
+                  <a:lnTo>
+                    <a:pt x="157" y="27"/>
+                  </a:lnTo>
+                  <a:lnTo>
+                    <a:pt x="157" y="24"/>
+                  </a:lnTo>
+                  <a:lnTo>
+                    <a:pt x="154" y="24"/>
+                  </a:lnTo>
+                  <a:lnTo>
+                    <a:pt x="0" y="0"/>
+                  </a:lnTo>
+                  <a:lnTo>
+                    <a:pt x="0" y="0"/>
+                  </a:lnTo>
+                  <a:lnTo>
+                    <a:pt x="774" y="1020"/>
+                  </a:lnTo>
+                  <a:lnTo>
+                    <a:pt x="1068" y="1020"/>
+                  </a:lnTo>
+                  <a:close/>
+                </a:path>
+              </a:pathLst>
+            </a:custGeom>
+            <a:solidFill>
+              <a:schemeClr val="tx1">
+                <a:lumMod val="75000"/>
+                <a:lumOff val="25000"/>
+              </a:schemeClr>
+            </a:solidFill>
+            <a:ln>
+              <a:noFill/>
+            </a:ln>
+          </p:spPr>
+        </p:sp>
       </p:grpSp>
       <p:sp>
         <p:nvSpPr>
@@ -5227,8 +5504,8 @@
         </p:nvSpPr>
         <p:spPr>
           <a:xfrm>
-            <a:off x="1295402" y="982132"/>
-            <a:ext cx="9601196" cy="1303867"/>
+            <a:off x="1484311" y="685800"/>
+            <a:ext cx="10018713" cy="1752599"/>
           </a:xfrm>
           <a:prstGeom prst="rect">
             <a:avLst/>
@@ -5261,15 +5538,15 @@
         </p:nvSpPr>
         <p:spPr>
           <a:xfrm>
-            <a:off x="1295401" y="2556932"/>
-            <a:ext cx="9601196" cy="3318936"/>
+            <a:off x="1484310" y="2666999"/>
+            <a:ext cx="10018713" cy="3124201"/>
           </a:xfrm>
           <a:prstGeom prst="rect">
             <a:avLst/>
           </a:prstGeom>
         </p:spPr>
         <p:txBody>
-          <a:bodyPr vert="horz" lIns="91440" tIns="45720" rIns="91440" bIns="45720" rtlCol="0" anchor="t">
+          <a:bodyPr vert="horz" lIns="91440" tIns="45720" rIns="91440" bIns="45720" rtlCol="0" anchor="ctr">
             <a:normAutofit/>
           </a:bodyPr>
           <a:lstStyle/>
@@ -5323,8 +5600,8 @@
         </p:nvSpPr>
         <p:spPr>
           <a:xfrm>
-            <a:off x="8677501" y="5969000"/>
-            <a:ext cx="1600200" cy="279400"/>
+            <a:off x="9732656" y="5883275"/>
+            <a:ext cx="1143000" cy="365125"/>
           </a:xfrm>
           <a:prstGeom prst="rect">
             <a:avLst/>
@@ -5364,8 +5641,8 @@
         </p:nvSpPr>
         <p:spPr>
           <a:xfrm>
-            <a:off x="1295401" y="5969000"/>
-            <a:ext cx="7305900" cy="279400"/>
+            <a:off x="2572279" y="5883275"/>
+            <a:ext cx="7084177" cy="365125"/>
           </a:xfrm>
           <a:prstGeom prst="rect">
             <a:avLst/>
@@ -5401,8 +5678,8 @@
         </p:nvSpPr>
         <p:spPr>
           <a:xfrm>
-            <a:off x="10353901" y="5969000"/>
-            <a:ext cx="542697" cy="279400"/>
+            <a:off x="10951856" y="5883275"/>
+            <a:ext cx="551167" cy="365125"/>
           </a:xfrm>
           <a:prstGeom prst="rect">
             <a:avLst/>
@@ -5433,29 +5710,29 @@
     </p:spTree>
     <p:extLst>
       <p:ext uri="{BB962C8B-B14F-4D97-AF65-F5344CB8AC3E}">
-        <p14:creationId xmlns:p14="http://schemas.microsoft.com/office/powerpoint/2010/main" val="1462414406"/>
+        <p14:creationId xmlns:p14="http://schemas.microsoft.com/office/powerpoint/2010/main" val="976696726"/>
       </p:ext>
     </p:extLst>
   </p:cSld>
   <p:clrMap bg1="lt1" tx1="dk1" bg2="lt2" tx2="dk2" accent1="accent1" accent2="accent2" accent3="accent3" accent4="accent4" accent5="accent5" accent6="accent6" hlink="hlink" folHlink="folHlink"/>
   <p:sldLayoutIdLst>
-    <p:sldLayoutId id="2147483661" r:id="rId1"/>
-    <p:sldLayoutId id="2147483662" r:id="rId2"/>
-    <p:sldLayoutId id="2147483663" r:id="rId3"/>
-    <p:sldLayoutId id="2147483664" r:id="rId4"/>
-    <p:sldLayoutId id="2147483665" r:id="rId5"/>
-    <p:sldLayoutId id="2147483666" r:id="rId6"/>
-    <p:sldLayoutId id="2147483667" r:id="rId7"/>
-    <p:sldLayoutId id="2147483668" r:id="rId8"/>
-    <p:sldLayoutId id="2147483669" r:id="rId9"/>
-    <p:sldLayoutId id="2147483670" r:id="rId10"/>
-    <p:sldLayoutId id="2147483671" r:id="rId11"/>
-    <p:sldLayoutId id="2147483672" r:id="rId12"/>
-    <p:sldLayoutId id="2147483673" r:id="rId13"/>
-    <p:sldLayoutId id="2147483674" r:id="rId14"/>
-    <p:sldLayoutId id="2147483675" r:id="rId15"/>
-    <p:sldLayoutId id="2147483676" r:id="rId16"/>
-    <p:sldLayoutId id="2147483677" r:id="rId17"/>
+    <p:sldLayoutId id="2147483679" r:id="rId1"/>
+    <p:sldLayoutId id="2147483680" r:id="rId2"/>
+    <p:sldLayoutId id="2147483681" r:id="rId3"/>
+    <p:sldLayoutId id="2147483682" r:id="rId4"/>
+    <p:sldLayoutId id="2147483683" r:id="rId5"/>
+    <p:sldLayoutId id="2147483684" r:id="rId6"/>
+    <p:sldLayoutId id="2147483685" r:id="rId7"/>
+    <p:sldLayoutId id="2147483686" r:id="rId8"/>
+    <p:sldLayoutId id="2147483687" r:id="rId9"/>
+    <p:sldLayoutId id="2147483688" r:id="rId10"/>
+    <p:sldLayoutId id="2147483689" r:id="rId11"/>
+    <p:sldLayoutId id="2147483690" r:id="rId12"/>
+    <p:sldLayoutId id="2147483691" r:id="rId13"/>
+    <p:sldLayoutId id="2147483692" r:id="rId14"/>
+    <p:sldLayoutId id="2147483693" r:id="rId15"/>
+    <p:sldLayoutId id="2147483694" r:id="rId16"/>
+    <p:sldLayoutId id="2147483695" r:id="rId17"/>
   </p:sldLayoutIdLst>
   <p:txStyles>
     <p:titleStyle>
@@ -5464,15 +5741,12 @@
           <a:spcPct val="0"/>
         </a:spcBef>
         <a:buNone/>
-        <a:defRPr sz="4400" kern="1200" cap="none">
+        <a:defRPr sz="4000" kern="1200" cap="none">
           <a:ln w="3175" cmpd="sng">
             <a:noFill/>
           </a:ln>
           <a:solidFill>
-            <a:schemeClr val="tx1">
-              <a:lumMod val="85000"/>
-              <a:lumOff val="15000"/>
-            </a:schemeClr>
+            <a:schemeClr val="tx1"/>
           </a:solidFill>
           <a:effectLst/>
           <a:latin typeface="+mj-lt"/>
@@ -5546,17 +5820,16 @@
           <a:spcPts val="600"/>
         </a:spcAft>
         <a:buClr>
-          <a:schemeClr val="accent1"/>
+          <a:schemeClr val="accent1">
+            <a:lumMod val="75000"/>
+          </a:schemeClr>
         </a:buClr>
-        <a:buSzPct val="115000"/>
+        <a:buSzPct val="145000"/>
         <a:buFont typeface="Arial"/>
         <a:buChar char="•"/>
         <a:defRPr sz="2400" kern="1200" cap="none">
           <a:solidFill>
-            <a:schemeClr val="tx1">
-              <a:lumMod val="85000"/>
-              <a:lumOff val="15000"/>
-            </a:schemeClr>
+            <a:schemeClr val="tx1"/>
           </a:solidFill>
           <a:effectLst/>
           <a:latin typeface="+mn-lt"/>
@@ -5572,17 +5845,16 @@
           <a:spcPts val="600"/>
         </a:spcAft>
         <a:buClr>
-          <a:schemeClr val="accent1"/>
+          <a:schemeClr val="accent1">
+            <a:lumMod val="75000"/>
+          </a:schemeClr>
         </a:buClr>
-        <a:buSzPct val="115000"/>
+        <a:buSzPct val="145000"/>
         <a:buFont typeface="Arial"/>
         <a:buChar char="•"/>
         <a:defRPr sz="2000" kern="1200" cap="none">
           <a:solidFill>
-            <a:schemeClr val="tx1">
-              <a:lumMod val="85000"/>
-              <a:lumOff val="15000"/>
-            </a:schemeClr>
+            <a:schemeClr val="tx1"/>
           </a:solidFill>
           <a:effectLst/>
           <a:latin typeface="+mn-lt"/>
@@ -5598,17 +5870,16 @@
           <a:spcPts val="600"/>
         </a:spcAft>
         <a:buClr>
-          <a:schemeClr val="accent1"/>
+          <a:schemeClr val="accent1">
+            <a:lumMod val="75000"/>
+          </a:schemeClr>
         </a:buClr>
-        <a:buSzPct val="115000"/>
+        <a:buSzPct val="145000"/>
         <a:buFont typeface="Arial"/>
         <a:buChar char="•"/>
         <a:defRPr sz="1800" kern="1200" cap="none">
           <a:solidFill>
-            <a:schemeClr val="tx1">
-              <a:lumMod val="85000"/>
-              <a:lumOff val="15000"/>
-            </a:schemeClr>
+            <a:schemeClr val="tx1"/>
           </a:solidFill>
           <a:effectLst/>
           <a:latin typeface="+mn-lt"/>
@@ -5624,17 +5895,16 @@
           <a:spcPts val="600"/>
         </a:spcAft>
         <a:buClr>
-          <a:schemeClr val="accent1"/>
+          <a:schemeClr val="accent1">
+            <a:lumMod val="75000"/>
+          </a:schemeClr>
         </a:buClr>
-        <a:buSzPct val="115000"/>
+        <a:buSzPct val="145000"/>
         <a:buFont typeface="Arial"/>
         <a:buChar char="•"/>
         <a:defRPr sz="1600" kern="1200" cap="none">
           <a:solidFill>
-            <a:schemeClr val="tx1">
-              <a:lumMod val="85000"/>
-              <a:lumOff val="15000"/>
-            </a:schemeClr>
+            <a:schemeClr val="tx1"/>
           </a:solidFill>
           <a:effectLst/>
           <a:latin typeface="+mn-lt"/>
@@ -5650,17 +5920,16 @@
           <a:spcPts val="600"/>
         </a:spcAft>
         <a:buClr>
-          <a:schemeClr val="accent1"/>
+          <a:schemeClr val="accent1">
+            <a:lumMod val="75000"/>
+          </a:schemeClr>
         </a:buClr>
-        <a:buSzPct val="115000"/>
+        <a:buSzPct val="145000"/>
         <a:buFont typeface="Arial"/>
         <a:buChar char="•"/>
         <a:defRPr sz="1400" kern="1200" cap="none">
           <a:solidFill>
-            <a:schemeClr val="tx1">
-              <a:lumMod val="85000"/>
-              <a:lumOff val="15000"/>
-            </a:schemeClr>
+            <a:schemeClr val="tx1"/>
           </a:solidFill>
           <a:effectLst/>
           <a:latin typeface="+mn-lt"/>
@@ -5676,17 +5945,16 @@
           <a:spcPts val="600"/>
         </a:spcAft>
         <a:buClr>
-          <a:schemeClr val="accent1"/>
+          <a:schemeClr val="accent1">
+            <a:lumMod val="75000"/>
+          </a:schemeClr>
         </a:buClr>
-        <a:buSzPct val="115000"/>
+        <a:buSzPct val="145000"/>
         <a:buFont typeface="Arial"/>
         <a:buChar char="•"/>
         <a:defRPr sz="1400" kern="1200" cap="none">
           <a:solidFill>
-            <a:schemeClr val="tx1">
-              <a:lumMod val="85000"/>
-              <a:lumOff val="15000"/>
-            </a:schemeClr>
+            <a:schemeClr val="tx1"/>
           </a:solidFill>
           <a:effectLst/>
           <a:latin typeface="+mn-lt"/>
@@ -5702,17 +5970,16 @@
           <a:spcPts val="600"/>
         </a:spcAft>
         <a:buClr>
-          <a:schemeClr val="accent1"/>
+          <a:schemeClr val="accent1">
+            <a:lumMod val="75000"/>
+          </a:schemeClr>
         </a:buClr>
-        <a:buSzPct val="115000"/>
+        <a:buSzPct val="145000"/>
         <a:buFont typeface="Arial"/>
         <a:buChar char="•"/>
         <a:defRPr sz="1400" kern="1200" cap="none">
           <a:solidFill>
-            <a:schemeClr val="tx1">
-              <a:lumMod val="85000"/>
-              <a:lumOff val="15000"/>
-            </a:schemeClr>
+            <a:schemeClr val="tx1"/>
           </a:solidFill>
           <a:effectLst/>
           <a:latin typeface="+mn-lt"/>
@@ -5728,17 +5995,16 @@
           <a:spcPts val="600"/>
         </a:spcAft>
         <a:buClr>
-          <a:schemeClr val="accent1"/>
+          <a:schemeClr val="accent1">
+            <a:lumMod val="75000"/>
+          </a:schemeClr>
         </a:buClr>
-        <a:buSzPct val="115000"/>
+        <a:buSzPct val="145000"/>
         <a:buFont typeface="Arial"/>
         <a:buChar char="•"/>
         <a:defRPr sz="1400" kern="1200" cap="none">
           <a:solidFill>
-            <a:schemeClr val="tx1">
-              <a:lumMod val="85000"/>
-              <a:lumOff val="15000"/>
-            </a:schemeClr>
+            <a:schemeClr val="tx1"/>
           </a:solidFill>
           <a:effectLst/>
           <a:latin typeface="+mn-lt"/>
@@ -5754,17 +6020,16 @@
           <a:spcPts val="600"/>
         </a:spcAft>
         <a:buClr>
-          <a:schemeClr val="accent1"/>
+          <a:schemeClr val="accent1">
+            <a:lumMod val="75000"/>
+          </a:schemeClr>
         </a:buClr>
-        <a:buSzPct val="115000"/>
+        <a:buSzPct val="145000"/>
         <a:buFont typeface="Arial"/>
         <a:buChar char="•"/>
         <a:defRPr sz="1400" kern="1200" cap="none">
           <a:solidFill>
-            <a:schemeClr val="tx1">
-              <a:lumMod val="85000"/>
-              <a:lumOff val="15000"/>
-            </a:schemeClr>
+            <a:schemeClr val="tx1"/>
           </a:solidFill>
           <a:effectLst/>
           <a:latin typeface="+mn-lt"/>
@@ -5905,19 +6170,24 @@
             <p:ph type="ctrTitle"/>
           </p:nvPr>
         </p:nvSpPr>
-        <p:spPr/>
+        <p:spPr>
+          <a:xfrm>
+            <a:off x="3115778" y="860384"/>
+            <a:ext cx="8574622" cy="1320802"/>
+          </a:xfrm>
+        </p:spPr>
         <p:txBody>
           <a:bodyPr/>
           <a:lstStyle/>
           <a:p>
             <a:r>
-              <a:rPr lang="fa-IR" dirty="0">
-                <a:cs typeface="B Bardiya" panose="00000400000000000000" pitchFamily="2" charset="-78"/>
+              <a:rPr lang="fa-IR" sz="4400" dirty="0">
+                <a:cs typeface="B Titr" panose="00000700000000000000" pitchFamily="2" charset="-78"/>
               </a:rPr>
               <a:t>به نام خداوند بخشنده مهربان</a:t>
             </a:r>
-            <a:endParaRPr lang="de-DE" dirty="0">
-              <a:cs typeface="B Bardiya" panose="00000400000000000000" pitchFamily="2" charset="-78"/>
+            <a:endParaRPr lang="de-DE" sz="4400" dirty="0">
+              <a:cs typeface="B Titr" panose="00000700000000000000" pitchFamily="2" charset="-78"/>
             </a:endParaRPr>
           </a:p>
         </p:txBody>
@@ -5941,21 +6211,95 @@
         <p:spPr>
           <a:xfrm>
             <a:off x="2692398" y="4016413"/>
-            <a:ext cx="6815669" cy="1320802"/>
+            <a:ext cx="8685136" cy="1320802"/>
           </a:xfrm>
         </p:spPr>
         <p:txBody>
           <a:bodyPr>
-            <a:normAutofit/>
+            <a:normAutofit lnSpcReduction="10000"/>
           </a:bodyPr>
           <a:lstStyle/>
           <a:p>
+            <a:pPr algn="ctr"/>
             <a:r>
               <a:rPr lang="fa-IR" sz="2400" dirty="0">
-                <a:cs typeface="B Bardiya" panose="00000400000000000000" pitchFamily="2" charset="-78"/>
-              </a:rPr>
-              <a:t>پروژه دیتا ساینس دانشکار</a:t>
-            </a:r>
+                <a:cs typeface="B Nazanin" panose="00000400000000000000" pitchFamily="2" charset="-78"/>
+              </a:rPr>
+              <a:t>پروژه دیتا </a:t>
+            </a:r>
+            <a:r>
+              <a:rPr lang="fa-IR" sz="2400" dirty="0" err="1">
+                <a:cs typeface="B Nazanin" panose="00000400000000000000" pitchFamily="2" charset="-78"/>
+              </a:rPr>
+              <a:t>ساینس</a:t>
+            </a:r>
+            <a:r>
+              <a:rPr lang="fa-IR" sz="2400" dirty="0">
+                <a:cs typeface="B Nazanin" panose="00000400000000000000" pitchFamily="2" charset="-78"/>
+              </a:rPr>
+              <a:t> </a:t>
+            </a:r>
+            <a:r>
+              <a:rPr lang="fa-IR" sz="2400" dirty="0" err="1">
+                <a:cs typeface="B Nazanin" panose="00000400000000000000" pitchFamily="2" charset="-78"/>
+              </a:rPr>
+              <a:t>دانشکار</a:t>
+            </a:r>
+            <a:endParaRPr lang="fa-IR" sz="2400" dirty="0">
+              <a:cs typeface="B Nazanin" panose="00000400000000000000" pitchFamily="2" charset="-78"/>
+            </a:endParaRPr>
+          </a:p>
+          <a:p>
+            <a:r>
+              <a:rPr lang="fa-IR" sz="2400" dirty="0">
+                <a:cs typeface="B Nazanin" panose="00000400000000000000" pitchFamily="2" charset="-78"/>
+              </a:rPr>
+              <a:t>اعضا تیم:</a:t>
+            </a:r>
+            <a:br>
+              <a:rPr lang="fa-IR" sz="2400" dirty="0">
+                <a:cs typeface="B Nazanin" panose="00000400000000000000" pitchFamily="2" charset="-78"/>
+              </a:rPr>
+            </a:br>
+            <a:r>
+              <a:rPr lang="fa-IR" sz="2400" dirty="0">
+                <a:cs typeface="B Nazanin" panose="00000400000000000000" pitchFamily="2" charset="-78"/>
+              </a:rPr>
+              <a:t>یاسمن </a:t>
+            </a:r>
+            <a:r>
+              <a:rPr lang="fa-IR" sz="2400" dirty="0" err="1">
+                <a:cs typeface="B Nazanin" panose="00000400000000000000" pitchFamily="2" charset="-78"/>
+              </a:rPr>
+              <a:t>خلج</a:t>
+            </a:r>
+            <a:r>
+              <a:rPr lang="fa-IR" sz="2400" dirty="0">
+                <a:cs typeface="B Nazanin" panose="00000400000000000000" pitchFamily="2" charset="-78"/>
+              </a:rPr>
+              <a:t>- </a:t>
+            </a:r>
+            <a:r>
+              <a:rPr lang="fa-IR" sz="2400" dirty="0" err="1">
+                <a:cs typeface="B Nazanin" panose="00000400000000000000" pitchFamily="2" charset="-78"/>
+              </a:rPr>
+              <a:t>خدیجه</a:t>
+            </a:r>
+            <a:r>
+              <a:rPr lang="fa-IR" sz="2400" dirty="0">
+                <a:cs typeface="B Nazanin" panose="00000400000000000000" pitchFamily="2" charset="-78"/>
+              </a:rPr>
+              <a:t> شیروانی- سیاوش </a:t>
+            </a:r>
+            <a:r>
+              <a:rPr lang="fa-IR" sz="2400" dirty="0" err="1">
+                <a:cs typeface="B Nazanin" panose="00000400000000000000" pitchFamily="2" charset="-78"/>
+              </a:rPr>
+              <a:t>میرزابابایی</a:t>
+            </a:r>
+            <a:endParaRPr lang="fa-IR" sz="2400" dirty="0">
+              <a:cs typeface="B Nazanin" panose="00000400000000000000" pitchFamily="2" charset="-78"/>
+            </a:endParaRPr>
           </a:p>
         </p:txBody>
       </p:sp>
@@ -6003,8 +6347,8 @@
         </p:nvSpPr>
         <p:spPr>
           <a:xfrm>
-            <a:off x="1000315" y="1414453"/>
-            <a:ext cx="10291601" cy="2862322"/>
+            <a:off x="950198" y="1444873"/>
+            <a:ext cx="10291601" cy="2554545"/>
           </a:xfrm>
           <a:prstGeom prst="rect">
             <a:avLst/>
@@ -6019,86 +6363,100 @@
           <a:p>
             <a:pPr algn="r" rtl="1"/>
             <a:r>
-              <a:rPr lang="ar-SA" dirty="0">
-                <a:cs typeface="B Nazanin" panose="00000400000000000000"/>
+              <a:rPr lang="ar-SA" sz="2000" dirty="0">
+                <a:cs typeface="B Nazanin" panose="00000400000000000000" pitchFamily="2" charset="-78"/>
               </a:rPr>
               <a:t>سوال </a:t>
             </a:r>
             <a:r>
-              <a:rPr lang="en-US" dirty="0">
-                <a:cs typeface="B Nazanin" panose="00000400000000000000"/>
+              <a:rPr lang="en-US" sz="2000" dirty="0">
+                <a:cs typeface="B Nazanin" panose="00000400000000000000" pitchFamily="2" charset="-78"/>
               </a:rPr>
               <a:t>9</a:t>
             </a:r>
             <a:r>
-              <a:rPr lang="ar-SA" dirty="0">
-                <a:cs typeface="B Nazanin" panose="00000400000000000000"/>
+              <a:rPr lang="ar-SA" sz="2000" dirty="0">
+                <a:cs typeface="B Nazanin" panose="00000400000000000000" pitchFamily="2" charset="-78"/>
               </a:rPr>
               <a:t>:</a:t>
             </a:r>
-            <a:endParaRPr lang="en-US" dirty="0">
-              <a:cs typeface="B Nazanin" panose="00000400000000000000"/>
-            </a:endParaRPr>
-          </a:p>
-          <a:p>
-            <a:pPr algn="r" rtl="1"/>
-            <a:endParaRPr lang="en-US" dirty="0">
+            <a:r>
+              <a:rPr lang="fa-IR" sz="2000" dirty="0">
+                <a:cs typeface="B Nazanin" panose="00000400000000000000" pitchFamily="2" charset="-78"/>
+              </a:rPr>
+              <a:t> </a:t>
+            </a:r>
+            <a:r>
+              <a:rPr lang="fa-IR" sz="2000" dirty="0" err="1">
+                <a:cs typeface="B Nazanin" panose="00000400000000000000" pitchFamily="2" charset="-78"/>
+              </a:rPr>
+              <a:t>بازیکنی</a:t>
+            </a:r>
+            <a:r>
+              <a:rPr lang="fa-IR" sz="2000" dirty="0">
+                <a:cs typeface="B Nazanin" panose="00000400000000000000" pitchFamily="2" charset="-78"/>
+              </a:rPr>
+              <a:t> که در یک ماه بیشترین تورنمنت را برده است</a:t>
+            </a:r>
+            <a:r>
+              <a:rPr lang="en-US" sz="2000" dirty="0">
+                <a:cs typeface="B Nazanin" panose="00000400000000000000" pitchFamily="2" charset="-78"/>
+              </a:rPr>
+              <a:t>.</a:t>
+            </a:r>
+            <a:endParaRPr lang="fa-IR" sz="2000" dirty="0">
               <a:cs typeface="B Nazanin" panose="00000400000000000000" pitchFamily="2" charset="-78"/>
             </a:endParaRPr>
           </a:p>
           <a:p>
             <a:pPr algn="r" rtl="1"/>
-            <a:endParaRPr lang="en-US" dirty="0">
+            <a:endParaRPr lang="fa-IR" sz="2000" dirty="0">
               <a:cs typeface="B Nazanin" panose="00000400000000000000" pitchFamily="2" charset="-78"/>
             </a:endParaRPr>
           </a:p>
           <a:p>
             <a:pPr algn="r" rtl="1"/>
-            <a:endParaRPr lang="fa-IR" dirty="0">
+            <a:r>
+              <a:rPr lang="fa-IR" sz="2000" b="1" dirty="0">
+                <a:cs typeface="B Nazanin" panose="00000400000000000000" pitchFamily="2" charset="-78"/>
+              </a:rPr>
+              <a:t>خلاصه:</a:t>
+            </a:r>
+            <a:br>
+              <a:rPr lang="fa-IR" sz="2000" dirty="0">
+                <a:cs typeface="B Nazanin" panose="00000400000000000000" pitchFamily="2" charset="-78"/>
+              </a:rPr>
+            </a:br>
+            <a:r>
+              <a:rPr lang="fa-IR" sz="2000" dirty="0">
+                <a:cs typeface="B Nazanin" panose="00000400000000000000" pitchFamily="2" charset="-78"/>
+              </a:rPr>
+              <a:t>در بررسی عملکرد بازیکنان، مشخص شد که یک بازیکن خاص توانسته در یک ماه بیشترین تعداد تورنمنت‌های قهرمانی را کسب کند که این رکورد نشان‌دهنده عملکرد فوق‌العاده و پیوسته او در آن بازه زمانی است.</a:t>
+            </a:r>
+          </a:p>
+          <a:p>
+            <a:pPr algn="r" rtl="1"/>
+            <a:endParaRPr lang="fa-IR" sz="2000" dirty="0">
               <a:cs typeface="B Nazanin" panose="00000400000000000000" pitchFamily="2" charset="-78"/>
             </a:endParaRPr>
           </a:p>
           <a:p>
             <a:pPr algn="r" rtl="1"/>
             <a:r>
-              <a:rPr lang="fa-IR" b="1" dirty="0"/>
-              <a:t>موضوع:</a:t>
-            </a:r>
-            <a:r>
-              <a:rPr lang="fa-IR" dirty="0"/>
-              <a:t> بازیکنی که در یک ماه بیشترین تورنمنت را برده است</a:t>
-            </a:r>
-            <a:r>
-              <a:rPr lang="en-US" dirty="0"/>
-              <a:t>.</a:t>
-            </a:r>
-            <a:endParaRPr lang="fa-IR" dirty="0"/>
-          </a:p>
-          <a:p>
-            <a:pPr algn="r" rtl="1"/>
-            <a:r>
-              <a:rPr lang="fa-IR" b="1" dirty="0"/>
-              <a:t>خلاصه:</a:t>
+              <a:rPr lang="fa-IR" sz="2000" b="1" dirty="0">
+                <a:cs typeface="B Nazanin" panose="00000400000000000000" pitchFamily="2" charset="-78"/>
+              </a:rPr>
+              <a:t>نتیجه اصلی:</a:t>
             </a:r>
             <a:br>
-              <a:rPr lang="fa-IR" dirty="0"/>
+              <a:rPr lang="fa-IR" sz="2000" dirty="0">
+                <a:cs typeface="B Nazanin" panose="00000400000000000000" pitchFamily="2" charset="-78"/>
+              </a:rPr>
             </a:br>
             <a:r>
-              <a:rPr lang="fa-IR" dirty="0"/>
-              <a:t>در بررسی عملکرد بازیکنان، مشخص شد که یک بازیکن خاص توانسته در یک ماه بیشترین تعداد تورنمنت‌های قهرمانی را کسب کند که این رکورد نشان‌دهنده عملکرد فوق‌العاده و پیوسته او در آن بازه زمانی است.</a:t>
-            </a:r>
-          </a:p>
-          <a:p>
-            <a:pPr algn="r" rtl="1"/>
-            <a:r>
-              <a:rPr lang="fa-IR" b="1" dirty="0"/>
-              <a:t>نتیجه اصلی:</a:t>
-            </a:r>
-            <a:br>
-              <a:rPr lang="fa-IR" dirty="0"/>
-            </a:br>
-            <a:r>
-              <a:rPr lang="fa-IR" dirty="0"/>
+              <a:rPr lang="fa-IR" sz="2000" dirty="0">
+                <a:cs typeface="B Nazanin" panose="00000400000000000000" pitchFamily="2" charset="-78"/>
+              </a:rPr>
               <a:t>نتایج به دست امده نشان میدهد سه بازیکن زیر در ماه های مختلف تعداد 7 تورنمنت را برده اند.</a:t>
             </a:r>
           </a:p>
@@ -6495,7 +6853,7 @@
         <p:spPr>
           <a:xfrm>
             <a:off x="950199" y="1441346"/>
-            <a:ext cx="10291601" cy="3139321"/>
+            <a:ext cx="10291601" cy="3170099"/>
           </a:xfrm>
           <a:prstGeom prst="rect">
             <a:avLst/>
@@ -6510,109 +6868,127 @@
           <a:p>
             <a:pPr algn="r" rtl="1"/>
             <a:r>
-              <a:rPr lang="ar-SA" dirty="0">
+              <a:rPr lang="ar-SA" sz="2000" dirty="0">
                 <a:latin typeface="Arial Rounded MT Bold" panose="020F0704030504030204" pitchFamily="34" charset="0"/>
-                <a:cs typeface="B Nazanin" panose="00000400000000000000"/>
+                <a:cs typeface="B Nazanin" panose="00000400000000000000" pitchFamily="2" charset="-78"/>
               </a:rPr>
               <a:t>سوال </a:t>
             </a:r>
             <a:r>
-              <a:rPr lang="en-US" dirty="0">
+              <a:rPr lang="en-US" sz="2000" dirty="0">
                 <a:latin typeface="Arial Rounded MT Bold" panose="020F0704030504030204" pitchFamily="34" charset="0"/>
-                <a:cs typeface="B Nazanin" panose="00000400000000000000"/>
+                <a:cs typeface="B Nazanin" panose="00000400000000000000" pitchFamily="2" charset="-78"/>
               </a:rPr>
               <a:t>10</a:t>
             </a:r>
             <a:r>
-              <a:rPr lang="ar-SA" dirty="0">
+              <a:rPr lang="ar-SA" sz="2000" dirty="0">
                 <a:latin typeface="Arial Rounded MT Bold" panose="020F0704030504030204" pitchFamily="34" charset="0"/>
-                <a:cs typeface="B Nazanin" panose="00000400000000000000"/>
+                <a:cs typeface="B Nazanin" panose="00000400000000000000" pitchFamily="2" charset="-78"/>
               </a:rPr>
               <a:t>:</a:t>
             </a:r>
-            <a:endParaRPr lang="en-US" dirty="0">
-              <a:latin typeface="Arial Rounded MT Bold" panose="020F0704030504030204" pitchFamily="34" charset="0"/>
-              <a:cs typeface="B Nazanin" panose="00000400000000000000"/>
-            </a:endParaRPr>
-          </a:p>
-          <a:p>
-            <a:pPr algn="r" rtl="1"/>
-            <a:endParaRPr lang="en-US" dirty="0">
+            <a:r>
+              <a:rPr lang="fa-IR" sz="2000" dirty="0">
+                <a:cs typeface="B Nazanin" panose="00000400000000000000" pitchFamily="2" charset="-78"/>
+              </a:rPr>
+              <a:t>بررسی رابطه بین قد بازیکن و رتبه او در </a:t>
+            </a:r>
+            <a:r>
+              <a:rPr lang="fa-IR" sz="2000" dirty="0" err="1">
+                <a:cs typeface="B Nazanin" panose="00000400000000000000" pitchFamily="2" charset="-78"/>
+              </a:rPr>
+              <a:t>رنکینگ</a:t>
+            </a:r>
+            <a:endParaRPr lang="fa-IR" sz="2000" dirty="0">
               <a:cs typeface="B Nazanin" panose="00000400000000000000" pitchFamily="2" charset="-78"/>
             </a:endParaRPr>
           </a:p>
           <a:p>
             <a:pPr algn="r" rtl="1"/>
-            <a:endParaRPr lang="en-US" dirty="0">
+            <a:endParaRPr lang="fa-IR" sz="2000" dirty="0">
               <a:cs typeface="B Nazanin" panose="00000400000000000000" pitchFamily="2" charset="-78"/>
             </a:endParaRPr>
           </a:p>
           <a:p>
             <a:pPr algn="r" rtl="1"/>
-            <a:endParaRPr lang="fa-IR" dirty="0">
+            <a:r>
+              <a:rPr lang="fa-IR" sz="2000" b="1" dirty="0">
+                <a:cs typeface="B Nazanin" panose="00000400000000000000" pitchFamily="2" charset="-78"/>
+              </a:rPr>
+              <a:t>خلاصه:</a:t>
+            </a:r>
+            <a:br>
+              <a:rPr lang="fa-IR" sz="2000" dirty="0">
+                <a:cs typeface="B Nazanin" panose="00000400000000000000" pitchFamily="2" charset="-78"/>
+              </a:rPr>
+            </a:br>
+            <a:r>
+              <a:rPr lang="fa-IR" sz="2000" dirty="0">
+                <a:cs typeface="B Nazanin" panose="00000400000000000000" pitchFamily="2" charset="-78"/>
+              </a:rPr>
+              <a:t>در تحلیل داده‌های بازیکنان، ارتباط بین قد و جایگاه آن‌ها در رنکینگ بررسی شد تا مشخص شود آیا قد بازیکن تأثیری روی موفقیت و رتبه‌اش دارد یا خیر.</a:t>
+            </a:r>
+          </a:p>
+          <a:p>
+            <a:pPr algn="r" rtl="1"/>
+            <a:endParaRPr lang="fa-IR" sz="2000" dirty="0">
               <a:cs typeface="B Nazanin" panose="00000400000000000000" pitchFamily="2" charset="-78"/>
             </a:endParaRPr>
           </a:p>
           <a:p>
             <a:pPr algn="r" rtl="1"/>
             <a:r>
-              <a:rPr lang="fa-IR" b="1" dirty="0"/>
-              <a:t>موضوع:</a:t>
-            </a:r>
-            <a:r>
-              <a:rPr lang="fa-IR" dirty="0"/>
-              <a:t> بررسی رابطه بین قد بازیکن و رتبه او در رنکینگ</a:t>
-            </a:r>
-          </a:p>
-          <a:p>
-            <a:pPr algn="r" rtl="1"/>
-            <a:r>
-              <a:rPr lang="fa-IR" b="1" dirty="0"/>
-              <a:t>خلاصه:</a:t>
+              <a:rPr lang="fa-IR" sz="2000" b="1" dirty="0">
+                <a:cs typeface="B Nazanin" panose="00000400000000000000" pitchFamily="2" charset="-78"/>
+              </a:rPr>
+              <a:t>نتیجه اصلی:</a:t>
             </a:r>
             <a:br>
-              <a:rPr lang="fa-IR" dirty="0"/>
+              <a:rPr lang="fa-IR" sz="2000" dirty="0">
+                <a:cs typeface="B Nazanin" panose="00000400000000000000" pitchFamily="2" charset="-78"/>
+              </a:rPr>
             </a:br>
             <a:r>
-              <a:rPr lang="fa-IR" dirty="0"/>
-              <a:t>در تحلیل داده‌های بازیکنان، ارتباط بین قد و جایگاه آن‌ها در رنکینگ بررسی شد تا مشخص شود آیا قد بازیکن تأثیری روی موفقیت و رتبه‌اش دارد یا خیر.</a:t>
-            </a:r>
-          </a:p>
-          <a:p>
-            <a:pPr algn="r" rtl="1"/>
-            <a:r>
-              <a:rPr lang="fa-IR" b="1" dirty="0"/>
-              <a:t>نتیجه اصلی:</a:t>
-            </a:r>
-            <a:br>
-              <a:rPr lang="fa-IR" dirty="0"/>
-            </a:br>
-            <a:r>
-              <a:rPr lang="fa-IR" dirty="0"/>
+              <a:rPr lang="fa-IR" sz="2000" dirty="0">
+                <a:cs typeface="B Nazanin" panose="00000400000000000000" pitchFamily="2" charset="-78"/>
+              </a:rPr>
               <a:t>با توجه به عدد به دست آمده از همبستگی این دو ستون</a:t>
             </a:r>
             <a:r>
-              <a:rPr lang="en-US" dirty="0"/>
+              <a:rPr lang="en-US" sz="2000" dirty="0">
+                <a:cs typeface="B Nazanin" panose="00000400000000000000" pitchFamily="2" charset="-78"/>
+              </a:rPr>
               <a:t> </a:t>
             </a:r>
             <a:r>
-              <a:rPr lang="fa-IR" dirty="0"/>
+              <a:rPr lang="fa-IR" sz="2000" dirty="0">
+                <a:cs typeface="B Nazanin" panose="00000400000000000000" pitchFamily="2" charset="-78"/>
+              </a:rPr>
               <a:t>که مقدار تقریبی ان </a:t>
             </a:r>
             <a:r>
-              <a:rPr lang="en-US" dirty="0"/>
+              <a:rPr lang="en-US" sz="2000" dirty="0">
+                <a:cs typeface="B Nazanin" panose="00000400000000000000" pitchFamily="2" charset="-78"/>
+              </a:rPr>
               <a:t>0.08</a:t>
             </a:r>
             <a:r>
-              <a:rPr lang="fa-IR" dirty="0"/>
+              <a:rPr lang="fa-IR" sz="2000" dirty="0">
+                <a:cs typeface="B Nazanin" panose="00000400000000000000" pitchFamily="2" charset="-78"/>
+              </a:rPr>
               <a:t>  بدست امد به این نتیجه رسیدیم که </a:t>
             </a:r>
             <a:r>
-              <a:rPr lang="fa-IR" b="1" dirty="0"/>
+              <a:rPr lang="fa-IR" sz="2000" b="1" dirty="0">
+                <a:cs typeface="B Nazanin" panose="00000400000000000000" pitchFamily="2" charset="-78"/>
+              </a:rPr>
               <a:t>ارتباط معنی‌داری بین قد بازیکن و رتبه او وجود ندارد</a:t>
             </a:r>
             <a:r>
-              <a:rPr lang="fa-IR" dirty="0"/>
+              <a:rPr lang="fa-IR" sz="2000" dirty="0">
+                <a:cs typeface="B Nazanin" panose="00000400000000000000" pitchFamily="2" charset="-78"/>
+              </a:rPr>
               <a:t>. به عبارت دیگر، بلندقد بودن به خودی خود باعث کسب رتبه بهتر یا بدتر نمی‌شود.</a:t>
             </a:r>
           </a:p>
@@ -6663,7 +7039,7 @@
         <p:spPr>
           <a:xfrm>
             <a:off x="950199" y="1443841"/>
-            <a:ext cx="10291601" cy="3970318"/>
+            <a:ext cx="10291601" cy="4093428"/>
           </a:xfrm>
           <a:prstGeom prst="rect">
             <a:avLst/>
@@ -6678,95 +7054,105 @@
           <a:p>
             <a:pPr algn="r" rtl="1"/>
             <a:r>
-              <a:rPr lang="ar-SA" dirty="0">
-                <a:cs typeface="B Nazanin" panose="00000400000000000000"/>
+              <a:rPr lang="ar-SA" sz="2000" dirty="0">
+                <a:cs typeface="B Nazanin" panose="00000400000000000000" pitchFamily="2" charset="-78"/>
               </a:rPr>
               <a:t>سوال </a:t>
             </a:r>
             <a:r>
-              <a:rPr lang="en-US" dirty="0">
-                <a:cs typeface="B Nazanin" panose="00000400000000000000"/>
+              <a:rPr lang="en-US" sz="2000" dirty="0">
+                <a:cs typeface="B Nazanin" panose="00000400000000000000" pitchFamily="2" charset="-78"/>
               </a:rPr>
               <a:t>11</a:t>
             </a:r>
             <a:r>
-              <a:rPr lang="ar-SA" dirty="0">
-                <a:cs typeface="B Nazanin" panose="00000400000000000000"/>
+              <a:rPr lang="ar-SA" sz="2000" dirty="0">
+                <a:cs typeface="B Nazanin" panose="00000400000000000000" pitchFamily="2" charset="-78"/>
               </a:rPr>
               <a:t>:</a:t>
             </a:r>
-            <a:endParaRPr lang="en-US" dirty="0">
-              <a:cs typeface="B Nazanin" panose="00000400000000000000"/>
-            </a:endParaRPr>
+            <a:r>
+              <a:rPr lang="fa-IR" sz="2000" dirty="0">
+                <a:cs typeface="B Nazanin" panose="00000400000000000000" pitchFamily="2" charset="-78"/>
+              </a:rPr>
+              <a:t>میانگین مدت زمان مسابقات</a:t>
+            </a:r>
           </a:p>
           <a:p>
             <a:pPr algn="r" rtl="1"/>
-            <a:endParaRPr lang="en-US" dirty="0">
+            <a:endParaRPr lang="fa-IR" sz="2000" dirty="0">
               <a:cs typeface="B Nazanin" panose="00000400000000000000" pitchFamily="2" charset="-78"/>
             </a:endParaRPr>
           </a:p>
           <a:p>
-            <a:pPr algn="r" rtl="1"/>
-            <a:endParaRPr lang="en-US" dirty="0">
+            <a:pPr algn="r"/>
+            <a:r>
+              <a:rPr lang="fa-IR" sz="2000" b="1" dirty="0">
+                <a:cs typeface="B Nazanin" panose="00000400000000000000" pitchFamily="2" charset="-78"/>
+              </a:rPr>
+              <a:t>خلاصه:</a:t>
+            </a:r>
+            <a:br>
+              <a:rPr lang="fa-IR" sz="2000" dirty="0">
+                <a:cs typeface="B Nazanin" panose="00000400000000000000" pitchFamily="2" charset="-78"/>
+              </a:rPr>
+            </a:br>
+            <a:r>
+              <a:rPr lang="fa-IR" sz="2000" dirty="0">
+                <a:cs typeface="B Nazanin" panose="00000400000000000000" pitchFamily="2" charset="-78"/>
+              </a:rPr>
+              <a:t>در بررسی اطلاعات مربوط به مسابقات انجام‌شده، هدف این بود که مشخص شود هر مسابقه به‌طور متوسط چه مدت طول می‌کشد. این شاخص برای برنامه‌ریزی زمانی، مدیریت منابع و تحلیل فشار فیزیکی وارد بر بازیکنان اهمیت بالایی دارد.</a:t>
+            </a:r>
+          </a:p>
+          <a:p>
+            <a:pPr algn="r"/>
+            <a:endParaRPr lang="fa-IR" sz="2000" dirty="0">
               <a:cs typeface="B Nazanin" panose="00000400000000000000" pitchFamily="2" charset="-78"/>
             </a:endParaRPr>
           </a:p>
           <a:p>
-            <a:pPr algn="r" rtl="1"/>
-            <a:endParaRPr lang="fa-IR" dirty="0">
+            <a:pPr algn="r"/>
+            <a:r>
+              <a:rPr lang="fa-IR" sz="2000" b="1" dirty="0">
+                <a:cs typeface="B Nazanin" panose="00000400000000000000" pitchFamily="2" charset="-78"/>
+              </a:rPr>
+              <a:t>نتیجه اصلی:</a:t>
+            </a:r>
+            <a:br>
+              <a:rPr lang="fa-IR" sz="2000" dirty="0">
+                <a:cs typeface="B Nazanin" panose="00000400000000000000" pitchFamily="2" charset="-78"/>
+              </a:rPr>
+            </a:br>
+            <a:r>
+              <a:rPr lang="fa-IR" sz="2000" dirty="0">
+                <a:cs typeface="B Nazanin" panose="00000400000000000000" pitchFamily="2" charset="-78"/>
+              </a:rPr>
+              <a:t>مقدار تفریبی میانگین مدت زمان 159.42 دقیقه یا به عبارتی 2.66 ساعت محاسبه شده است.</a:t>
+            </a:r>
+          </a:p>
+          <a:p>
+            <a:pPr algn="r"/>
+            <a:endParaRPr lang="fa-IR" sz="2000" dirty="0">
               <a:cs typeface="B Nazanin" panose="00000400000000000000" pitchFamily="2" charset="-78"/>
             </a:endParaRPr>
           </a:p>
           <a:p>
             <a:pPr algn="r"/>
             <a:r>
-              <a:rPr lang="fa-IR" b="1" dirty="0"/>
-              <a:t>موضوع:</a:t>
-            </a:r>
-            <a:r>
-              <a:rPr lang="fa-IR" dirty="0"/>
-              <a:t> میانگین مدت زمان مسابقات</a:t>
-            </a:r>
-          </a:p>
-          <a:p>
-            <a:pPr algn="r"/>
-            <a:r>
-              <a:rPr lang="fa-IR" b="1" dirty="0"/>
-              <a:t>خلاصه:</a:t>
+              <a:rPr lang="fa-IR" sz="2000" b="1" dirty="0">
+                <a:cs typeface="B Nazanin" panose="00000400000000000000" pitchFamily="2" charset="-78"/>
+              </a:rPr>
+              <a:t>توضیح مختصر:</a:t>
             </a:r>
             <a:br>
-              <a:rPr lang="fa-IR" dirty="0"/>
+              <a:rPr lang="fa-IR" sz="2000" dirty="0">
+                <a:cs typeface="B Nazanin" panose="00000400000000000000" pitchFamily="2" charset="-78"/>
+              </a:rPr>
             </a:br>
             <a:r>
-              <a:rPr lang="fa-IR" dirty="0"/>
-              <a:t>در بررسی اطلاعات مربوط به مسابقات انجام‌شده، هدف این بود که مشخص شود هر مسابقه به‌طور متوسط چه مدت طول می‌کشد. این شاخص برای برنامه‌ریزی زمانی، مدیریت منابع و تحلیل فشار فیزیکی وارد بر بازیکنان اهمیت بالایی دارد.</a:t>
-            </a:r>
-          </a:p>
-          <a:p>
-            <a:pPr algn="r"/>
-            <a:r>
-              <a:rPr lang="fa-IR" b="1" dirty="0"/>
-              <a:t>نتیجه اصلی:</a:t>
-            </a:r>
-            <a:br>
-              <a:rPr lang="fa-IR" dirty="0"/>
-            </a:br>
-            <a:r>
-              <a:rPr lang="fa-IR" dirty="0"/>
-              <a:t>مقدار تفریبی میانگین مدت زمان 159.42 دقیقه یا به عبارتی 2.66 ساعت محاسبه شده است.</a:t>
-            </a:r>
-          </a:p>
-          <a:p>
-            <a:pPr algn="r"/>
-            <a:r>
-              <a:rPr lang="fa-IR" b="1" dirty="0"/>
-              <a:t>توضیح مختصر:</a:t>
-            </a:r>
-            <a:br>
-              <a:rPr lang="fa-IR" dirty="0"/>
-            </a:br>
-            <a:r>
-              <a:rPr lang="fa-IR" dirty="0"/>
+              <a:rPr lang="fa-IR" sz="2000" dirty="0">
+                <a:cs typeface="B Nazanin" panose="00000400000000000000" pitchFamily="2" charset="-78"/>
+              </a:rPr>
               <a:t>این مقدار با درنظر گرفتن مسابقات کوتاه‌تر و طولانی‌تر محاسبه شده و تصویری کلی از طول متوسط بازی‌ها ارائه می‌دهد. درصورتی‌که مدت زمان مسابقات از حد نرمال طولانی‌تر باشد، ممکن است نشانه‌ای از رقابت شدید، تعادل سطح بازیکنان یا مشکلاتی مانند وقفه‌های زیاد باشد.</a:t>
             </a:r>
           </a:p>
@@ -6817,7 +7203,7 @@
         <p:spPr>
           <a:xfrm>
             <a:off x="1000317" y="1318451"/>
-            <a:ext cx="10291601" cy="646331"/>
+            <a:ext cx="10291601" cy="369332"/>
           </a:xfrm>
           <a:prstGeom prst="rect">
             <a:avLst/>
@@ -6832,23 +7218,30 @@
           <a:p>
             <a:pPr algn="r" rtl="1"/>
             <a:r>
-              <a:rPr lang="ar-SA" dirty="0">
+              <a:rPr lang="ar-SA" b="1" dirty="0">
                 <a:cs typeface="B Nazanin" panose="00000400000000000000" pitchFamily="2" charset="-78"/>
               </a:rPr>
               <a:t>سوال </a:t>
             </a:r>
             <a:r>
-              <a:rPr lang="fa-IR" dirty="0">
-                <a:cs typeface="B Nazanin" panose="00000400000000000000" pitchFamily="2" charset="-78"/>
-              </a:rPr>
-              <a:t>12:</a:t>
-            </a:r>
-          </a:p>
-          <a:p>
-            <a:pPr algn="r" rtl="1"/>
-            <a:endParaRPr lang="fa-IR" dirty="0">
-              <a:cs typeface="B Nazanin" panose="00000400000000000000" pitchFamily="2" charset="-78"/>
-            </a:endParaRPr>
+              <a:rPr lang="fa-IR" b="1" dirty="0">
+                <a:cs typeface="B Nazanin" panose="00000400000000000000" pitchFamily="2" charset="-78"/>
+              </a:rPr>
+              <a:t>12: مقایسه میانگین تعداد </a:t>
+            </a:r>
+            <a:r>
+              <a:rPr lang="fa-IR" b="1" dirty="0" err="1">
+                <a:cs typeface="B Nazanin" panose="00000400000000000000" pitchFamily="2" charset="-78"/>
+              </a:rPr>
+              <a:t>بازی‌ها</a:t>
+            </a:r>
+            <a:r>
+              <a:rPr lang="fa-IR" b="1" dirty="0">
+                <a:cs typeface="B Nazanin" panose="00000400000000000000" pitchFamily="2" charset="-78"/>
+              </a:rPr>
+              <a:t> در هر ست مسابقات مردان و مسابقات زنان</a:t>
+            </a:r>
+            <a:endParaRPr lang="fa-IR" b="1" dirty="0"/>
           </a:p>
         </p:txBody>
       </p:sp>
@@ -7027,8 +7420,8 @@
         </p:nvSpPr>
         <p:spPr>
           <a:xfrm>
-            <a:off x="719569" y="2622211"/>
-            <a:ext cx="10291601" cy="1200329"/>
+            <a:off x="1388533" y="2435944"/>
+            <a:ext cx="9978237" cy="923330"/>
           </a:xfrm>
           <a:prstGeom prst="rect">
             <a:avLst/>
@@ -7043,32 +7436,20 @@
           <a:p>
             <a:pPr algn="r"/>
             <a:r>
-              <a:rPr lang="fa-IR" b="1" dirty="0"/>
-              <a:t>موضوع:</a:t>
-            </a:r>
-            <a:r>
-              <a:rPr lang="fa-IR" dirty="0"/>
-              <a:t> </a:t>
-            </a:r>
-            <a:r>
-              <a:rPr lang="fa-IR" sz="1800" dirty="0">
-                <a:cs typeface="B Nazanin" panose="00000400000000000000" pitchFamily="2" charset="-78"/>
-              </a:rPr>
-              <a:t>مقایسه میانگین تعداد بازی‌ها در هر ست مسابقات مردان و مسابقات زنان</a:t>
-            </a:r>
-            <a:endParaRPr lang="fa-IR" dirty="0"/>
-          </a:p>
-          <a:p>
-            <a:pPr algn="r"/>
-            <a:r>
-              <a:rPr lang="fa-IR" b="1" dirty="0"/>
+              <a:rPr lang="fa-IR" b="1" dirty="0">
+                <a:cs typeface="B Nazanin" panose="00000400000000000000" pitchFamily="2" charset="-78"/>
+              </a:rPr>
               <a:t>نتیجه اصلی:</a:t>
             </a:r>
             <a:br>
-              <a:rPr lang="fa-IR" dirty="0"/>
+              <a:rPr lang="fa-IR" dirty="0">
+                <a:cs typeface="B Nazanin" panose="00000400000000000000" pitchFamily="2" charset="-78"/>
+              </a:rPr>
             </a:br>
             <a:r>
-              <a:rPr lang="fa-IR" dirty="0"/>
+              <a:rPr lang="fa-IR" dirty="0">
+                <a:cs typeface="B Nazanin" panose="00000400000000000000" pitchFamily="2" charset="-78"/>
+              </a:rPr>
               <a:t>طی محاسبات انجام شده مطابق با جدول زیر مشخص است که به طور میانگین تعداد مسابقات زنان در هر ست حدود 9 بازی و تعداد مسابقات مردان در هر ست حدود 10 بازی می باشد.</a:t>
             </a:r>
           </a:p>
@@ -7132,12 +7513,36 @@
               <a:buChar char="•"/>
             </a:pPr>
             <a:r>
-              <a:rPr lang="fa-IR" sz="2800" u="sng" dirty="0">
-                <a:cs typeface="B Nazanin" panose="00000400000000000000" pitchFamily="2" charset="-78"/>
-              </a:rPr>
-              <a:t>سوال 13</a:t>
-            </a:r>
-            <a:endParaRPr lang="en-US" sz="2800" u="sng" dirty="0">
+              <a:rPr lang="fa-IR" sz="2000" u="sng" dirty="0">
+                <a:cs typeface="B Nazanin" panose="00000400000000000000" pitchFamily="2" charset="-78"/>
+              </a:rPr>
+              <a:t>سوال 13:</a:t>
+            </a:r>
+            <a:r>
+              <a:rPr lang="fa-IR" sz="2000" dirty="0">
+                <a:cs typeface="B Nazanin" panose="00000400000000000000" pitchFamily="2" charset="-78"/>
+              </a:rPr>
+              <a:t>توزیع بازیکنان </a:t>
+            </a:r>
+            <a:r>
+              <a:rPr lang="fa-IR" sz="2000" dirty="0" err="1">
+                <a:cs typeface="B Nazanin" panose="00000400000000000000" pitchFamily="2" charset="-78"/>
+              </a:rPr>
+              <a:t>چپ‌دست</a:t>
+            </a:r>
+            <a:r>
+              <a:rPr lang="fa-IR" sz="2000" dirty="0">
+                <a:cs typeface="B Nazanin" panose="00000400000000000000" pitchFamily="2" charset="-78"/>
+              </a:rPr>
+              <a:t> در مقابل </a:t>
+            </a:r>
+            <a:r>
+              <a:rPr lang="fa-IR" sz="2000" dirty="0" err="1">
+                <a:cs typeface="B Nazanin" panose="00000400000000000000" pitchFamily="2" charset="-78"/>
+              </a:rPr>
+              <a:t>راست‌دست</a:t>
+            </a:r>
+            <a:endParaRPr lang="en-US" sz="2000" u="sng" dirty="0">
               <a:cs typeface="B Nazanin" panose="00000400000000000000" pitchFamily="2" charset="-78"/>
             </a:endParaRPr>
           </a:p>
@@ -7159,44 +7564,35 @@
             <p:ph idx="1"/>
           </p:nvPr>
         </p:nvSpPr>
-        <p:spPr/>
+        <p:spPr>
+          <a:xfrm>
+            <a:off x="1484311" y="2160053"/>
+            <a:ext cx="10018713" cy="3124201"/>
+          </a:xfrm>
+        </p:spPr>
         <p:txBody>
           <a:bodyPr/>
           <a:lstStyle/>
           <a:p>
-            <a:pPr algn="r" rtl="1"/>
+            <a:pPr marL="0" indent="0" algn="r" rtl="1">
+              <a:buNone/>
+            </a:pPr>
             <a:r>
               <a:rPr lang="fa-IR" dirty="0">
                 <a:cs typeface="B Nazanin" panose="00000400000000000000" pitchFamily="2" charset="-78"/>
               </a:rPr>
-              <a:t>موضوع:</a:t>
-            </a:r>
-            <a:r>
-              <a:rPr lang="en-US" dirty="0">
-                <a:cs typeface="B Nazanin" panose="00000400000000000000" pitchFamily="2" charset="-78"/>
-              </a:rPr>
-              <a:t> </a:t>
-            </a:r>
+              <a:t>نتیجه اصلی:</a:t>
+            </a:r>
+          </a:p>
+          <a:p>
+            <a:pPr marL="0" indent="0" algn="r" rtl="1">
+              <a:buNone/>
+            </a:pPr>
             <a:r>
               <a:rPr lang="fa-IR" dirty="0">
                 <a:cs typeface="B Nazanin" panose="00000400000000000000" pitchFamily="2" charset="-78"/>
               </a:rPr>
-              <a:t>توزیع بازیکنان چپ‌دست در مقابل راست‌دست</a:t>
-            </a:r>
-          </a:p>
-          <a:p>
-            <a:pPr algn="r" rtl="1"/>
-            <a:endParaRPr lang="fa-IR" dirty="0">
-              <a:cs typeface="B Nazanin" panose="00000400000000000000" pitchFamily="2" charset="-78"/>
-            </a:endParaRPr>
-          </a:p>
-          <a:p>
-            <a:pPr algn="r" rtl="1"/>
-            <a:r>
-              <a:rPr lang="fa-IR" dirty="0">
-                <a:cs typeface="B Nazanin" panose="00000400000000000000" pitchFamily="2" charset="-78"/>
-              </a:rPr>
-              <a:t>نتیجه اصلی: با توجه به اطلاعات دیتاست، توزیع بازیکنهای راست دست یا چپ دست بودنشان مشخص بود به این صورت است:</a:t>
+              <a:t> با توجه به اطلاعات دیتاست، توزیع بازیکنهای راست دست یا چپ دست بودنشان مشخص بود به این صورت است:</a:t>
             </a:r>
           </a:p>
           <a:p>
@@ -7479,7 +7875,31 @@
               <a:rPr lang="fa-IR" sz="2800" dirty="0">
                 <a:cs typeface="B Nazanin" panose="00000400000000000000" pitchFamily="2" charset="-78"/>
               </a:rPr>
-              <a:t>سوال14 </a:t>
+              <a:t>سوال14 : </a:t>
+            </a:r>
+            <a:r>
+              <a:rPr lang="fa-IR" sz="2800" dirty="0" err="1">
+                <a:cs typeface="B Nazanin" panose="00000400000000000000" pitchFamily="2" charset="-78"/>
+              </a:rPr>
+              <a:t>رایج‌ترین</a:t>
+            </a:r>
+            <a:r>
+              <a:rPr lang="fa-IR" sz="2800" dirty="0">
+                <a:cs typeface="B Nazanin" panose="00000400000000000000" pitchFamily="2" charset="-78"/>
+              </a:rPr>
+              <a:t> نوع سطح زمین </a:t>
+            </a:r>
+            <a:r>
+              <a:rPr lang="fa-IR" sz="2800" dirty="0" err="1">
+                <a:cs typeface="B Nazanin" panose="00000400000000000000" pitchFamily="2" charset="-78"/>
+              </a:rPr>
+              <a:t>استفاده‌شده</a:t>
+            </a:r>
+            <a:r>
+              <a:rPr lang="fa-IR" sz="2800" dirty="0">
+                <a:cs typeface="B Nazanin" panose="00000400000000000000" pitchFamily="2" charset="-78"/>
+              </a:rPr>
+              <a:t> در مسابقات</a:t>
             </a:r>
             <a:endParaRPr lang="en-US" sz="2800" dirty="0">
               <a:cs typeface="B Nazanin" panose="00000400000000000000" pitchFamily="2" charset="-78"/>
@@ -7503,37 +7923,30 @@
             <p:ph idx="1"/>
           </p:nvPr>
         </p:nvSpPr>
-        <p:spPr/>
+        <p:spPr>
+          <a:xfrm>
+            <a:off x="1484311" y="2074332"/>
+            <a:ext cx="10018713" cy="3124201"/>
+          </a:xfrm>
+        </p:spPr>
         <p:txBody>
           <a:bodyPr/>
           <a:lstStyle/>
           <a:p>
-            <a:pPr algn="r" rtl="1"/>
+            <a:pPr marL="0" indent="0" algn="r" rtl="1">
+              <a:buNone/>
+            </a:pPr>
             <a:r>
               <a:rPr lang="fa-IR" dirty="0">
                 <a:cs typeface="B Nazanin" panose="00000400000000000000" pitchFamily="2" charset="-78"/>
               </a:rPr>
-              <a:t>موضوع:رایج‌ترین نوع سطح زمین استفاده‌شده در مسابقات</a:t>
-            </a:r>
-            <a:br>
-              <a:rPr lang="fa-IR" dirty="0">
-                <a:cs typeface="B Nazanin" panose="00000400000000000000" pitchFamily="2" charset="-78"/>
-              </a:rPr>
-            </a:br>
-            <a:br>
-              <a:rPr lang="fa-IR" dirty="0">
-                <a:cs typeface="B Nazanin" panose="00000400000000000000" pitchFamily="2" charset="-78"/>
-              </a:rPr>
-            </a:br>
-            <a:r>
-              <a:rPr lang="fa-IR" dirty="0">
-                <a:cs typeface="B Nazanin" panose="00000400000000000000" pitchFamily="2" charset="-78"/>
-              </a:rPr>
               <a:t>نتیجه اصلی : </a:t>
             </a:r>
           </a:p>
           <a:p>
-            <a:pPr algn="r" rtl="1"/>
+            <a:pPr marL="0" indent="0" algn="r" rtl="1">
+              <a:buNone/>
+            </a:pPr>
             <a:r>
               <a:rPr lang="fa-IR" dirty="0">
                 <a:cs typeface="B Nazanin" panose="00000400000000000000" pitchFamily="2" charset="-78"/>
@@ -7622,7 +8035,19 @@
               <a:rPr lang="fa-IR" sz="2800" dirty="0">
                 <a:cs typeface="B Nazanin" panose="00000400000000000000" pitchFamily="2" charset="-78"/>
               </a:rPr>
-              <a:t>سوال15 </a:t>
+              <a:t>سوال15: تعداد کشورهای حاضر در </a:t>
+            </a:r>
+            <a:r>
+              <a:rPr lang="fa-IR" sz="2800" dirty="0" err="1">
+                <a:cs typeface="B Nazanin" panose="00000400000000000000" pitchFamily="2" charset="-78"/>
+              </a:rPr>
+              <a:t>دیتاست</a:t>
+            </a:r>
+            <a:r>
+              <a:rPr lang="fa-IR" sz="2800" dirty="0">
+                <a:cs typeface="B Nazanin" panose="00000400000000000000" pitchFamily="2" charset="-78"/>
+              </a:rPr>
+              <a:t> </a:t>
             </a:r>
             <a:endParaRPr lang="en-US" sz="2800" dirty="0">
               <a:cs typeface="B Nazanin" panose="00000400000000000000" pitchFamily="2" charset="-78"/>
@@ -7646,32 +8071,30 @@
             <p:ph idx="1"/>
           </p:nvPr>
         </p:nvSpPr>
-        <p:spPr/>
+        <p:spPr>
+          <a:xfrm>
+            <a:off x="1484311" y="2032000"/>
+            <a:ext cx="10018713" cy="2074334"/>
+          </a:xfrm>
+        </p:spPr>
         <p:txBody>
           <a:bodyPr/>
           <a:lstStyle/>
           <a:p>
-            <a:pPr algn="r" rtl="1"/>
-            <a:r>
-              <a:rPr lang="fa-IR" dirty="0">
-                <a:cs typeface="B Nazanin" panose="00000400000000000000" pitchFamily="2" charset="-78"/>
-              </a:rPr>
-              <a:t>موضوع: تعداد کشورهای حاضر در دیتاست </a:t>
-            </a:r>
-          </a:p>
-          <a:p>
             <a:pPr marL="0" indent="0" algn="r" rtl="1">
               <a:buNone/>
             </a:pPr>
             <a:r>
-              <a:rPr lang="fa-IR" dirty="0">
+              <a:rPr lang="fa-IR" b="1" dirty="0">
                 <a:cs typeface="B Nazanin" panose="00000400000000000000" pitchFamily="2" charset="-78"/>
               </a:rPr>
               <a:t>نتیجه اصلی :</a:t>
             </a:r>
           </a:p>
           <a:p>
-            <a:pPr algn="r" rtl="1"/>
+            <a:pPr marL="0" indent="0" algn="r" rtl="1">
+              <a:buNone/>
+            </a:pPr>
             <a:r>
               <a:rPr lang="fa-IR" dirty="0">
                 <a:cs typeface="B Nazanin" panose="00000400000000000000" pitchFamily="2" charset="-78"/>
@@ -7745,12 +8168,24 @@
           <a:p>
             <a:pPr algn="r" rtl="1"/>
             <a:r>
-              <a:rPr lang="fa-IR" sz="2800" dirty="0">
-                <a:cs typeface="B Nazanin" panose="00000400000000000000" pitchFamily="2" charset="-78"/>
-              </a:rPr>
-              <a:t>سوال16 </a:t>
-            </a:r>
-            <a:endParaRPr lang="en-US" sz="2800" dirty="0">
+              <a:rPr lang="fa-IR" sz="2000" dirty="0">
+                <a:cs typeface="B Nazanin" panose="00000400000000000000" pitchFamily="2" charset="-78"/>
+              </a:rPr>
+              <a:t>سوال16 : </a:t>
+            </a:r>
+            <a:r>
+              <a:rPr lang="fa-IR" sz="2000" dirty="0" err="1">
+                <a:cs typeface="B Nazanin" panose="00000400000000000000" pitchFamily="2" charset="-78"/>
+              </a:rPr>
+              <a:t>بازیکنی</a:t>
+            </a:r>
+            <a:r>
+              <a:rPr lang="fa-IR" sz="2000" dirty="0">
+                <a:cs typeface="B Nazanin" panose="00000400000000000000" pitchFamily="2" charset="-78"/>
+              </a:rPr>
+              <a:t> که بالاترین درصد برد را در مقابل 10 حریف برتر دارد</a:t>
+            </a:r>
+            <a:endParaRPr lang="en-US" sz="2000" dirty="0">
               <a:cs typeface="B Nazanin" panose="00000400000000000000" pitchFamily="2" charset="-78"/>
             </a:endParaRPr>
           </a:p>
@@ -7780,17 +8215,68 @@
         </p:spPr>
         <p:txBody>
           <a:bodyPr>
-            <a:normAutofit fontScale="85000" lnSpcReduction="20000"/>
+            <a:normAutofit/>
           </a:bodyPr>
           <a:lstStyle/>
           <a:p>
-            <a:pPr algn="r" rtl="1"/>
+            <a:pPr marL="0" indent="0" algn="r" rtl="1">
+              <a:buNone/>
+            </a:pPr>
             <a:r>
               <a:rPr lang="fa-IR" dirty="0">
                 <a:cs typeface="B Nazanin" panose="00000400000000000000" pitchFamily="2" charset="-78"/>
               </a:rPr>
-              <a:t>موضوع: بازیکنی که بالاترین درصد برد را در مقابل 10 حریف برتر دارد</a:t>
-            </a:r>
+              <a:t>نتیجه اصلی :</a:t>
+            </a:r>
+          </a:p>
+          <a:p>
+            <a:pPr marL="0" indent="0" algn="r" rtl="1">
+              <a:buNone/>
+            </a:pPr>
+            <a:r>
+              <a:rPr lang="en-US" dirty="0">
+                <a:cs typeface="B Nazanin" panose="00000400000000000000" pitchFamily="2" charset="-78"/>
+              </a:rPr>
+              <a:t> </a:t>
+            </a:r>
+            <a:r>
+              <a:rPr lang="fa-IR" dirty="0">
+                <a:cs typeface="B Nazanin" panose="00000400000000000000" pitchFamily="2" charset="-78"/>
+              </a:rPr>
+              <a:t> </a:t>
+            </a:r>
+            <a:r>
+              <a:rPr lang="en-US" sz="1800" dirty="0">
+                <a:latin typeface="Arial" panose="020B0604020202020204" pitchFamily="34" charset="0"/>
+                <a:cs typeface="Arial" panose="020B0604020202020204" pitchFamily="34" charset="0"/>
+              </a:rPr>
+              <a:t>Donna Vekić</a:t>
+            </a:r>
+            <a:r>
+              <a:rPr lang="fa-IR" sz="1800" dirty="0"/>
+              <a:t> </a:t>
+            </a:r>
+            <a:r>
+              <a:rPr lang="fa-IR" sz="1800" dirty="0">
+                <a:cs typeface="B Nazanin" panose="00000400000000000000" pitchFamily="2" charset="-78"/>
+              </a:rPr>
+              <a:t>با نرخ یک درصد بیشترین پیروزی را در برابر 10نفر اول داشته است. </a:t>
+            </a:r>
+            <a:r>
+              <a:rPr lang="en-US" sz="1800" dirty="0">
+                <a:cs typeface="B Nazanin" panose="00000400000000000000" pitchFamily="2" charset="-78"/>
+              </a:rPr>
+              <a:t>Id</a:t>
+            </a:r>
+            <a:r>
+              <a:rPr lang="fa-IR" sz="1800" dirty="0">
+                <a:cs typeface="B Nazanin" panose="00000400000000000000" pitchFamily="2" charset="-78"/>
+              </a:rPr>
+              <a:t> بازیکن نامبرده در زیر آمده است.</a:t>
+            </a:r>
+            <a:endParaRPr lang="en-US" sz="1800" dirty="0">
+              <a:cs typeface="B Nazanin" panose="00000400000000000000" pitchFamily="2" charset="-78"/>
+            </a:endParaRPr>
           </a:p>
           <a:p>
             <a:pPr algn="r" rtl="1"/>
@@ -7799,95 +8285,31 @@
             </a:endParaRPr>
           </a:p>
           <a:p>
-            <a:pPr marL="0" indent="0" algn="r" rtl="1">
-              <a:buNone/>
-            </a:pPr>
-            <a:r>
-              <a:rPr lang="fa-IR" dirty="0">
-                <a:cs typeface="B Nazanin" panose="00000400000000000000" pitchFamily="2" charset="-78"/>
-              </a:rPr>
-              <a:t>نتیجه اصلی :</a:t>
-            </a:r>
-          </a:p>
-          <a:p>
-            <a:pPr algn="r" rtl="1"/>
-            <a:r>
-              <a:rPr lang="en-US" dirty="0">
-                <a:cs typeface="B Nazanin" panose="00000400000000000000" pitchFamily="2" charset="-78"/>
-              </a:rPr>
-              <a:t> </a:t>
-            </a:r>
-            <a:r>
-              <a:rPr lang="fa-IR" dirty="0">
-                <a:cs typeface="B Nazanin" panose="00000400000000000000" pitchFamily="2" charset="-78"/>
-              </a:rPr>
-              <a:t> </a:t>
-            </a:r>
-            <a:r>
-              <a:rPr lang="en-US" dirty="0">
-                <a:latin typeface="Arial" panose="020B0604020202020204" pitchFamily="34" charset="0"/>
-                <a:cs typeface="Arial" panose="020B0604020202020204" pitchFamily="34" charset="0"/>
-              </a:rPr>
-              <a:t>Donna Vekić</a:t>
-            </a:r>
-            <a:r>
-              <a:rPr lang="fa-IR" dirty="0"/>
-              <a:t> </a:t>
-            </a:r>
-            <a:r>
-              <a:rPr lang="fa-IR" dirty="0">
-                <a:cs typeface="B Nazanin" panose="00000400000000000000" pitchFamily="2" charset="-78"/>
-              </a:rPr>
-              <a:t>با نرخ یک درصد بیشترین پیروزی را در برابر 10نفر اول داشته است. </a:t>
-            </a:r>
-            <a:r>
-              <a:rPr lang="en-US" dirty="0">
-                <a:cs typeface="B Nazanin" panose="00000400000000000000" pitchFamily="2" charset="-78"/>
-              </a:rPr>
-              <a:t>Id</a:t>
-            </a:r>
-            <a:r>
-              <a:rPr lang="fa-IR" dirty="0">
-                <a:cs typeface="B Nazanin" panose="00000400000000000000" pitchFamily="2" charset="-78"/>
-              </a:rPr>
-              <a:t> بازیکن نامبرده در زیر آمده است.</a:t>
-            </a:r>
-            <a:endParaRPr lang="en-US" dirty="0">
-              <a:cs typeface="B Nazanin" panose="00000400000000000000" pitchFamily="2" charset="-78"/>
-            </a:endParaRPr>
-          </a:p>
-          <a:p>
-            <a:pPr algn="r" rtl="1"/>
-            <a:endParaRPr lang="fa-IR" dirty="0">
-              <a:cs typeface="B Nazanin" panose="00000400000000000000" pitchFamily="2" charset="-78"/>
-            </a:endParaRPr>
-          </a:p>
-          <a:p>
             <a:pPr algn="l"/>
             <a:r>
-              <a:rPr lang="en-US" dirty="0"/>
+              <a:rPr lang="en-US" sz="1800" dirty="0"/>
               <a:t>Player with highest win % vs top 10 opponents:</a:t>
             </a:r>
           </a:p>
           <a:p>
             <a:pPr algn="l"/>
             <a:r>
-              <a:rPr lang="en-US" dirty="0"/>
+              <a:rPr lang="en-US" sz="1800" dirty="0"/>
               <a:t>    non_top10_id  matches_vs_top10  wins_vs_top10  </a:t>
             </a:r>
             <a:r>
-              <a:rPr lang="en-US" dirty="0" err="1"/>
+              <a:rPr lang="en-US" sz="1800" dirty="0" err="1"/>
               <a:t>win_percentage</a:t>
             </a:r>
-            <a:endParaRPr lang="en-US" dirty="0"/>
+            <a:endParaRPr lang="en-US" sz="1800" dirty="0"/>
           </a:p>
           <a:p>
             <a:pPr algn="l"/>
             <a:r>
-              <a:rPr lang="en-US" dirty="0"/>
-              <a:t>19       50641.0                 8              8             1.0</a:t>
-            </a:r>
-            <a:endParaRPr lang="fa-IR" dirty="0"/>
+              <a:rPr lang="en-US" sz="1800" dirty="0"/>
+              <a:t>          19                         50641.0                        8                8                    1.0</a:t>
+            </a:r>
+            <a:endParaRPr lang="fa-IR" sz="1800" dirty="0"/>
           </a:p>
           <a:p>
             <a:pPr algn="r" rtl="1"/>
@@ -7958,12 +8380,36 @@
           <a:p>
             <a:pPr algn="r" rtl="1"/>
             <a:r>
-              <a:rPr lang="fa-IR" sz="2800" dirty="0">
+              <a:rPr lang="fa-IR" sz="2000" dirty="0">
                 <a:cs typeface="B Nazanin" panose="00000400000000000000" pitchFamily="2" charset="-78"/>
               </a:rPr>
               <a:t>سوال17 </a:t>
             </a:r>
-            <a:endParaRPr lang="en-US" sz="2800" dirty="0">
+            <a:r>
+              <a:rPr lang="en-US" sz="2000" dirty="0">
+                <a:cs typeface="B Nazanin" panose="00000400000000000000" pitchFamily="2" charset="-78"/>
+              </a:rPr>
+              <a:t>:</a:t>
+            </a:r>
+            <a:r>
+              <a:rPr lang="fa-IR" sz="2000" dirty="0">
+                <a:cs typeface="B Nazanin" panose="00000400000000000000" pitchFamily="2" charset="-78"/>
+              </a:rPr>
+              <a:t>میانگین تعداد </a:t>
+            </a:r>
+            <a:r>
+              <a:rPr lang="fa-IR" sz="2000" dirty="0" err="1">
+                <a:cs typeface="B Nazanin" panose="00000400000000000000" pitchFamily="2" charset="-78"/>
+              </a:rPr>
+              <a:t>بریک‌های</a:t>
+            </a:r>
+            <a:r>
+              <a:rPr lang="fa-IR" sz="2000" dirty="0">
+                <a:cs typeface="B Nazanin" panose="00000400000000000000" pitchFamily="2" charset="-78"/>
+              </a:rPr>
+              <a:t> سرویس در هر مسابقه</a:t>
+            </a:r>
+            <a:endParaRPr lang="en-US" sz="2000" dirty="0">
               <a:cs typeface="B Nazanin" panose="00000400000000000000" pitchFamily="2" charset="-78"/>
             </a:endParaRPr>
           </a:p>
@@ -7988,39 +8434,24 @@
         <p:spPr/>
         <p:txBody>
           <a:bodyPr>
-            <a:normAutofit lnSpcReduction="10000"/>
+            <a:normAutofit/>
           </a:bodyPr>
           <a:lstStyle/>
           <a:p>
+            <a:pPr marL="0" indent="0" algn="r" rtl="1">
+              <a:buNone/>
+            </a:pPr>
+            <a:r>
+              <a:rPr lang="fa-IR" sz="2000" dirty="0">
+                <a:cs typeface="B Nazanin" panose="00000400000000000000" pitchFamily="2" charset="-78"/>
+              </a:rPr>
+              <a:t>نتیجه اصلی :</a:t>
+            </a:r>
+          </a:p>
+          <a:p>
             <a:pPr algn="r" rtl="1"/>
             <a:r>
-              <a:rPr lang="fa-IR" dirty="0">
-                <a:cs typeface="B Nazanin" panose="00000400000000000000" pitchFamily="2" charset="-78"/>
-              </a:rPr>
-              <a:t>موضوع:میانگین تعداد بریک‌های سرویس در هر مسابقه</a:t>
-            </a:r>
-          </a:p>
-          <a:p>
-            <a:pPr algn="r" rtl="1"/>
-            <a:endParaRPr lang="fa-IR" dirty="0">
-              <a:cs typeface="B Nazanin" panose="00000400000000000000" pitchFamily="2" charset="-78"/>
-            </a:endParaRPr>
-          </a:p>
-          <a:p>
-            <a:pPr marL="0" indent="0" algn="r" rtl="1">
-              <a:buNone/>
-            </a:pPr>
-            <a:r>
-              <a:rPr lang="fa-IR" dirty="0">
-                <a:cs typeface="B Nazanin" panose="00000400000000000000" pitchFamily="2" charset="-78"/>
-              </a:rPr>
-              <a:t>نتیجه اصلی :</a:t>
-            </a:r>
-          </a:p>
-          <a:p>
-            <a:pPr algn="r" rtl="1"/>
-            <a:r>
-              <a:rPr lang="fa-IR" dirty="0">
+              <a:rPr lang="fa-IR" sz="2000" dirty="0">
                 <a:cs typeface="B Nazanin" panose="00000400000000000000" pitchFamily="2" charset="-78"/>
               </a:rPr>
               <a:t>تعداد کل بریک های سرویس 52907 بوده است که با توجه به تعداد کل بازی ها، میانگین آن برابر است با 2.28 </a:t>
@@ -8091,7 +8522,7 @@
         <p:spPr>
           <a:xfrm>
             <a:off x="895989" y="839496"/>
-            <a:ext cx="10023113" cy="4401205"/>
+            <a:ext cx="10023113" cy="3477875"/>
           </a:xfrm>
           <a:prstGeom prst="rect">
             <a:avLst/>
@@ -8112,6 +8543,12 @@
           <a:p>
             <a:pPr algn="r" rtl="1"/>
             <a:r>
+              <a:rPr lang="fa-IR" sz="2000" dirty="0">
+                <a:cs typeface="B Nazanin" panose="00000400000000000000" pitchFamily="2" charset="-78"/>
+              </a:rPr>
+              <a:t>سوال 1: </a:t>
+            </a:r>
+            <a:r>
               <a:rPr lang="ar-SA" sz="2000" dirty="0">
                 <a:cs typeface="B Nazanin" panose="00000400000000000000" pitchFamily="2" charset="-78"/>
               </a:rPr>
@@ -8120,105 +8557,6 @@
             <a:endParaRPr lang="en-US" sz="2000" dirty="0">
               <a:cs typeface="B Nazanin" panose="00000400000000000000" pitchFamily="2" charset="-78"/>
             </a:endParaRPr>
-          </a:p>
-          <a:p>
-            <a:pPr algn="r" rtl="1"/>
-            <a:r>
-              <a:rPr lang="de-DE" sz="2000" dirty="0" err="1">
-                <a:cs typeface="B Nazanin" panose="00000400000000000000" pitchFamily="2" charset="-78"/>
-              </a:rPr>
-              <a:t>How</a:t>
-            </a:r>
-            <a:r>
-              <a:rPr lang="de-DE" sz="2000" dirty="0">
-                <a:cs typeface="B Nazanin" panose="00000400000000000000" pitchFamily="2" charset="-78"/>
-              </a:rPr>
-              <a:t> </a:t>
-            </a:r>
-            <a:r>
-              <a:rPr lang="de-DE" sz="2000" dirty="0" err="1">
-                <a:cs typeface="B Nazanin" panose="00000400000000000000" pitchFamily="2" charset="-78"/>
-              </a:rPr>
-              <a:t>many</a:t>
-            </a:r>
-            <a:r>
-              <a:rPr lang="de-DE" sz="2000" dirty="0">
-                <a:cs typeface="B Nazanin" panose="00000400000000000000" pitchFamily="2" charset="-78"/>
-              </a:rPr>
-              <a:t> </a:t>
-            </a:r>
-            <a:r>
-              <a:rPr lang="de-DE" sz="2000" dirty="0" err="1">
-                <a:cs typeface="B Nazanin" panose="00000400000000000000" pitchFamily="2" charset="-78"/>
-              </a:rPr>
-              <a:t>tennis</a:t>
-            </a:r>
-            <a:r>
-              <a:rPr lang="de-DE" sz="2000" dirty="0">
-                <a:cs typeface="B Nazanin" panose="00000400000000000000" pitchFamily="2" charset="-78"/>
-              </a:rPr>
-              <a:t> </a:t>
-            </a:r>
-            <a:r>
-              <a:rPr lang="de-DE" sz="2000" dirty="0" err="1">
-                <a:cs typeface="B Nazanin" panose="00000400000000000000" pitchFamily="2" charset="-78"/>
-              </a:rPr>
-              <a:t>players</a:t>
-            </a:r>
-            <a:r>
-              <a:rPr lang="de-DE" sz="2000" dirty="0">
-                <a:cs typeface="B Nazanin" panose="00000400000000000000" pitchFamily="2" charset="-78"/>
-              </a:rPr>
-              <a:t> </a:t>
-            </a:r>
-            <a:r>
-              <a:rPr lang="de-DE" sz="2000" dirty="0" err="1">
-                <a:cs typeface="B Nazanin" panose="00000400000000000000" pitchFamily="2" charset="-78"/>
-              </a:rPr>
-              <a:t>are</a:t>
-            </a:r>
-            <a:r>
-              <a:rPr lang="de-DE" sz="2000" dirty="0">
-                <a:cs typeface="B Nazanin" panose="00000400000000000000" pitchFamily="2" charset="-78"/>
-              </a:rPr>
-              <a:t> </a:t>
-            </a:r>
-            <a:r>
-              <a:rPr lang="de-DE" sz="2000" dirty="0" err="1">
-                <a:cs typeface="B Nazanin" panose="00000400000000000000" pitchFamily="2" charset="-78"/>
-              </a:rPr>
-              <a:t>included</a:t>
-            </a:r>
-            <a:r>
-              <a:rPr lang="de-DE" sz="2000" dirty="0">
-                <a:cs typeface="B Nazanin" panose="00000400000000000000" pitchFamily="2" charset="-78"/>
-              </a:rPr>
-              <a:t> in </a:t>
-            </a:r>
-            <a:r>
-              <a:rPr lang="de-DE" sz="2000" dirty="0" err="1">
-                <a:cs typeface="B Nazanin" panose="00000400000000000000" pitchFamily="2" charset="-78"/>
-              </a:rPr>
-              <a:t>the</a:t>
-            </a:r>
-            <a:r>
-              <a:rPr lang="de-DE" sz="2000" dirty="0">
-                <a:cs typeface="B Nazanin" panose="00000400000000000000" pitchFamily="2" charset="-78"/>
-              </a:rPr>
-              <a:t> </a:t>
-            </a:r>
-            <a:r>
-              <a:rPr lang="de-DE" sz="2000" dirty="0" err="1">
-                <a:cs typeface="B Nazanin" panose="00000400000000000000" pitchFamily="2" charset="-78"/>
-              </a:rPr>
-              <a:t>dataset</a:t>
-            </a:r>
-            <a:r>
-              <a:rPr lang="de-DE" sz="2000" dirty="0">
-                <a:cs typeface="B Nazanin" panose="00000400000000000000" pitchFamily="2" charset="-78"/>
-              </a:rPr>
-              <a:t>?</a:t>
-            </a:r>
           </a:p>
           <a:p>
             <a:pPr algn="r" rtl="1"/>
@@ -8229,14 +8567,20 @@
           <a:p>
             <a:pPr algn="r" rtl="1"/>
             <a:r>
+              <a:rPr lang="ar-SA" sz="2000" b="1" dirty="0">
+                <a:cs typeface="B Nazanin" panose="00000400000000000000" pitchFamily="2" charset="-78"/>
+              </a:rPr>
+              <a:t>روش انجام کار:</a:t>
+            </a:r>
+          </a:p>
+          <a:p>
+            <a:pPr algn="r" rtl="1"/>
+            <a:r>
               <a:rPr lang="ar-SA" sz="2000" dirty="0">
                 <a:cs typeface="B Nazanin" panose="00000400000000000000" pitchFamily="2" charset="-78"/>
               </a:rPr>
-              <a:t>روش انجام کار:برای پاسخ به این سوال، مراحل زیر را انجام دادیم:</a:t>
-            </a:r>
-            <a:endParaRPr lang="en-US" sz="2000" dirty="0">
-              <a:cs typeface="B Nazanin" panose="00000400000000000000" pitchFamily="2" charset="-78"/>
-            </a:endParaRPr>
+              <a:t>بارگذاری اطلاعات بازیکنان تیم‌های میزبان و مهمان</a:t>
+            </a:r>
           </a:p>
           <a:p>
             <a:pPr algn="r" rtl="1"/>
@@ -8244,173 +8588,26 @@
               <a:rPr lang="ar-SA" sz="2000" dirty="0">
                 <a:cs typeface="B Nazanin" panose="00000400000000000000" pitchFamily="2" charset="-78"/>
               </a:rPr>
-              <a:t>ابتدا دو فایل </a:t>
-            </a:r>
-            <a:r>
-              <a:rPr lang="de-DE" sz="2000" dirty="0">
-                <a:cs typeface="B Nazanin" panose="00000400000000000000" pitchFamily="2" charset="-78"/>
-              </a:rPr>
-              <a:t>MatchAwayTeamInfo.csv </a:t>
-            </a:r>
+              <a:t>استخراج شناسه بازیکنان</a:t>
+            </a:r>
+          </a:p>
+          <a:p>
+            <a:pPr algn="r" rtl="1"/>
             <a:r>
               <a:rPr lang="ar-SA" sz="2000" dirty="0">
                 <a:cs typeface="B Nazanin" panose="00000400000000000000" pitchFamily="2" charset="-78"/>
               </a:rPr>
-              <a:t>و </a:t>
-            </a:r>
-            <a:r>
-              <a:rPr lang="de-DE" sz="2000" dirty="0">
-                <a:cs typeface="B Nazanin" panose="00000400000000000000" pitchFamily="2" charset="-78"/>
-              </a:rPr>
-              <a:t>MatchHomeTeamInfo.csv </a:t>
-            </a:r>
+              <a:t>ترکیب و حذف موارد تکراری</a:t>
+            </a:r>
+          </a:p>
+          <a:p>
+            <a:pPr algn="r" rtl="1"/>
             <a:r>
               <a:rPr lang="ar-SA" sz="2000" dirty="0">
                 <a:cs typeface="B Nazanin" panose="00000400000000000000" pitchFamily="2" charset="-78"/>
               </a:rPr>
-              <a:t>را با استفاده از کتابخانه </a:t>
-            </a:r>
-            <a:r>
-              <a:rPr lang="de-DE" sz="2000" dirty="0" err="1">
-                <a:cs typeface="B Nazanin" panose="00000400000000000000" pitchFamily="2" charset="-78"/>
-              </a:rPr>
-              <a:t>pandas</a:t>
-            </a:r>
-            <a:r>
-              <a:rPr lang="de-DE" sz="2000" dirty="0">
-                <a:cs typeface="B Nazanin" panose="00000400000000000000" pitchFamily="2" charset="-78"/>
-              </a:rPr>
-              <a:t> </a:t>
-            </a:r>
-            <a:r>
-              <a:rPr lang="ar-SA" sz="2000" dirty="0">
-                <a:cs typeface="B Nazanin" panose="00000400000000000000" pitchFamily="2" charset="-78"/>
-              </a:rPr>
-              <a:t>بارگذاری کردیم.</a:t>
-            </a:r>
-            <a:endParaRPr lang="en-US" sz="2000" dirty="0">
-              <a:cs typeface="B Nazanin" panose="00000400000000000000" pitchFamily="2" charset="-78"/>
-            </a:endParaRPr>
-          </a:p>
-          <a:p>
-            <a:pPr algn="r" rtl="1"/>
-            <a:r>
-              <a:rPr lang="ar-SA" sz="2000" dirty="0">
-                <a:cs typeface="B Nazanin" panose="00000400000000000000" pitchFamily="2" charset="-78"/>
-              </a:rPr>
-              <a:t>ستون </a:t>
-            </a:r>
-            <a:r>
-              <a:rPr lang="de-DE" sz="2000" dirty="0" err="1">
-                <a:cs typeface="B Nazanin" panose="00000400000000000000" pitchFamily="2" charset="-78"/>
-              </a:rPr>
-              <a:t>player_id</a:t>
-            </a:r>
-            <a:r>
-              <a:rPr lang="de-DE" sz="2000" dirty="0">
-                <a:cs typeface="B Nazanin" panose="00000400000000000000" pitchFamily="2" charset="-78"/>
-              </a:rPr>
-              <a:t> </a:t>
-            </a:r>
-            <a:r>
-              <a:rPr lang="ar-SA" sz="2000" dirty="0">
-                <a:cs typeface="B Nazanin" panose="00000400000000000000" pitchFamily="2" charset="-78"/>
-              </a:rPr>
-              <a:t>را از هر دو فایل استخراج کردیم.</a:t>
-            </a:r>
-            <a:endParaRPr lang="en-US" sz="2000" dirty="0">
-              <a:cs typeface="B Nazanin" panose="00000400000000000000" pitchFamily="2" charset="-78"/>
-            </a:endParaRPr>
-          </a:p>
-          <a:p>
-            <a:pPr algn="r" rtl="1"/>
-            <a:r>
-              <a:rPr lang="ar-SA" sz="2000" dirty="0">
-                <a:cs typeface="B Nazanin" panose="00000400000000000000" pitchFamily="2" charset="-78"/>
-              </a:rPr>
-              <a:t>این دو ستون را با استفاده از تابع </a:t>
-            </a:r>
-            <a:r>
-              <a:rPr lang="de-DE" sz="2000" dirty="0" err="1">
-                <a:cs typeface="B Nazanin" panose="00000400000000000000" pitchFamily="2" charset="-78"/>
-              </a:rPr>
-              <a:t>concat</a:t>
-            </a:r>
-            <a:r>
-              <a:rPr lang="de-DE" sz="2000" dirty="0">
-                <a:cs typeface="B Nazanin" panose="00000400000000000000" pitchFamily="2" charset="-78"/>
-              </a:rPr>
-              <a:t> </a:t>
-            </a:r>
-            <a:r>
-              <a:rPr lang="ar-SA" sz="2000" dirty="0">
-                <a:cs typeface="B Nazanin" panose="00000400000000000000" pitchFamily="2" charset="-78"/>
-              </a:rPr>
-              <a:t>در یک مجموعه ترکیب کردیم.</a:t>
-            </a:r>
-            <a:endParaRPr lang="en-US" sz="2000" dirty="0">
-              <a:cs typeface="B Nazanin" panose="00000400000000000000" pitchFamily="2" charset="-78"/>
-            </a:endParaRPr>
-          </a:p>
-          <a:p>
-            <a:pPr algn="r" rtl="1"/>
-            <a:r>
-              <a:rPr lang="ar-SA" sz="2000" dirty="0">
-                <a:cs typeface="B Nazanin" panose="00000400000000000000" pitchFamily="2" charset="-78"/>
-              </a:rPr>
-              <a:t>از تابع </a:t>
-            </a:r>
-            <a:r>
-              <a:rPr lang="de-DE" sz="2000" dirty="0" err="1">
-                <a:cs typeface="B Nazanin" panose="00000400000000000000" pitchFamily="2" charset="-78"/>
-              </a:rPr>
-              <a:t>unique</a:t>
-            </a:r>
-            <a:r>
-              <a:rPr lang="de-DE" sz="2000" dirty="0">
-                <a:cs typeface="B Nazanin" panose="00000400000000000000" pitchFamily="2" charset="-78"/>
-              </a:rPr>
-              <a:t>() </a:t>
-            </a:r>
-            <a:r>
-              <a:rPr lang="ar-SA" sz="2000" dirty="0">
-                <a:cs typeface="B Nazanin" panose="00000400000000000000" pitchFamily="2" charset="-78"/>
-              </a:rPr>
-              <a:t>برای پیدا کردن شناسه‌های منحصر به فرد بازیکنان استفاده کردیم.</a:t>
-            </a:r>
-            <a:endParaRPr lang="en-US" sz="2000" dirty="0">
-              <a:cs typeface="B Nazanin" panose="00000400000000000000" pitchFamily="2" charset="-78"/>
-            </a:endParaRPr>
-          </a:p>
-          <a:p>
-            <a:pPr algn="r" rtl="1"/>
-            <a:r>
-              <a:rPr lang="ar-SA" sz="2000" dirty="0">
-                <a:cs typeface="B Nazanin" panose="00000400000000000000" pitchFamily="2" charset="-78"/>
-              </a:rPr>
-              <a:t>در نهایت، تعداد بازیکنان منحصربه‌فرد را با استفاده از تابع </a:t>
-            </a:r>
-            <a:r>
-              <a:rPr lang="de-DE" sz="2000" dirty="0" err="1">
-                <a:cs typeface="B Nazanin" panose="00000400000000000000" pitchFamily="2" charset="-78"/>
-              </a:rPr>
-              <a:t>len</a:t>
-            </a:r>
-            <a:r>
-              <a:rPr lang="de-DE" sz="2000" dirty="0">
-                <a:cs typeface="B Nazanin" panose="00000400000000000000" pitchFamily="2" charset="-78"/>
-              </a:rPr>
-              <a:t>() </a:t>
-            </a:r>
-            <a:r>
-              <a:rPr lang="ar-SA" sz="2000" dirty="0">
-                <a:cs typeface="B Nazanin" panose="00000400000000000000" pitchFamily="2" charset="-78"/>
-              </a:rPr>
-              <a:t>محاسبه کردیم.</a:t>
-            </a:r>
-            <a:endParaRPr lang="en-US" sz="2000" dirty="0">
-              <a:cs typeface="B Nazanin" panose="00000400000000000000" pitchFamily="2" charset="-78"/>
-            </a:endParaRPr>
+              <a:t>محاسبه تعداد بازیکنان منحصربه‌فرد</a:t>
+            </a:r>
           </a:p>
           <a:p>
             <a:pPr algn="r" rtl="1"/>
@@ -8484,10 +8681,10 @@
       </p:grpSpPr>
       <p:sp>
         <p:nvSpPr>
-          <p:cNvPr id="8" name="TextBox 7">
+          <p:cNvPr id="5" name="TextBox 4">
             <a:extLst>
               <a:ext uri="{FF2B5EF4-FFF2-40B4-BE49-F238E27FC236}">
-                <a16:creationId xmlns:a16="http://schemas.microsoft.com/office/drawing/2014/main" id="{7A18CD59-63E4-07CE-82A8-80478FC040AF}"/>
+                <a16:creationId xmlns:a16="http://schemas.microsoft.com/office/drawing/2014/main" id="{AFECEE20-10BB-C10D-CCD1-B165F2673C2B}"/>
               </a:ext>
             </a:extLst>
           </p:cNvPr>
@@ -8496,1448 +8693,192 @@
         </p:nvSpPr>
         <p:spPr>
           <a:xfrm>
-            <a:off x="5181604" y="1676400"/>
-            <a:ext cx="5638796" cy="3505200"/>
+            <a:off x="4269757" y="1494335"/>
+            <a:ext cx="6097022" cy="3477875"/>
           </a:xfrm>
           <a:prstGeom prst="rect">
             <a:avLst/>
           </a:prstGeom>
+          <a:noFill/>
         </p:spPr>
         <p:txBody>
-          <a:bodyPr vert="horz" lIns="91440" tIns="45720" rIns="91440" bIns="45720" rtlCol="0">
-            <a:normAutofit/>
+          <a:bodyPr wrap="square">
+            <a:spAutoFit/>
           </a:bodyPr>
           <a:lstStyle/>
           <a:p>
-            <a:pPr indent="-228600">
-              <a:lnSpc>
-                <a:spcPct val="90000"/>
-              </a:lnSpc>
-              <a:spcAft>
-                <a:spcPts val="600"/>
-              </a:spcAft>
+            <a:pPr algn="r" rtl="1"/>
+            <a:r>
+              <a:rPr lang="fa-IR" dirty="0"/>
+              <a:t>سوال 2: </a:t>
+            </a:r>
+            <a:r>
+              <a:rPr lang="en-US" sz="2000" dirty="0" err="1">
+                <a:cs typeface="B Nazanin" panose="00000400000000000000" pitchFamily="2" charset="-78"/>
+              </a:rPr>
+              <a:t>میانگین</a:t>
+            </a:r>
+            <a:r>
+              <a:rPr lang="en-US" sz="2000" dirty="0">
+                <a:cs typeface="B Nazanin" panose="00000400000000000000" pitchFamily="2" charset="-78"/>
+              </a:rPr>
+              <a:t> </a:t>
+            </a:r>
+            <a:r>
+              <a:rPr lang="en-US" sz="2000" dirty="0" err="1">
+                <a:cs typeface="B Nazanin" panose="00000400000000000000" pitchFamily="2" charset="-78"/>
+              </a:rPr>
+              <a:t>قد</a:t>
+            </a:r>
+            <a:r>
+              <a:rPr lang="en-US" sz="2000" dirty="0">
+                <a:cs typeface="B Nazanin" panose="00000400000000000000" pitchFamily="2" charset="-78"/>
+              </a:rPr>
+              <a:t> </a:t>
+            </a:r>
+            <a:r>
+              <a:rPr lang="en-US" sz="2000" dirty="0" err="1">
+                <a:cs typeface="B Nazanin" panose="00000400000000000000" pitchFamily="2" charset="-78"/>
+              </a:rPr>
+              <a:t>بازیکنان</a:t>
+            </a:r>
+            <a:r>
+              <a:rPr lang="en-US" sz="2000" dirty="0">
+                <a:cs typeface="B Nazanin" panose="00000400000000000000" pitchFamily="2" charset="-78"/>
+              </a:rPr>
+              <a:t> </a:t>
+            </a:r>
+            <a:r>
+              <a:rPr lang="en-US" sz="2000" dirty="0" err="1">
+                <a:cs typeface="B Nazanin" panose="00000400000000000000" pitchFamily="2" charset="-78"/>
+              </a:rPr>
+              <a:t>چقدر</a:t>
+            </a:r>
+            <a:r>
+              <a:rPr lang="en-US" sz="2000" dirty="0">
+                <a:cs typeface="B Nazanin" panose="00000400000000000000" pitchFamily="2" charset="-78"/>
+              </a:rPr>
+              <a:t> </a:t>
+            </a:r>
+            <a:r>
+              <a:rPr lang="en-US" sz="2000" dirty="0" err="1">
+                <a:cs typeface="B Nazanin" panose="00000400000000000000" pitchFamily="2" charset="-78"/>
+              </a:rPr>
+              <a:t>است</a:t>
+            </a:r>
+            <a:r>
+              <a:rPr lang="en-US" sz="2000" dirty="0">
+                <a:cs typeface="B Nazanin" panose="00000400000000000000" pitchFamily="2" charset="-78"/>
+              </a:rPr>
+              <a:t>؟</a:t>
+            </a:r>
+          </a:p>
+          <a:p>
+            <a:pPr algn="r" rtl="1">
+              <a:buNone/>
+            </a:pPr>
+            <a:endParaRPr lang="fa-IR" sz="2000" dirty="0">
+              <a:cs typeface="B Nazanin" panose="00000400000000000000" pitchFamily="2" charset="-78"/>
+            </a:endParaRPr>
+          </a:p>
+          <a:p>
+            <a:pPr algn="r" rtl="1">
+              <a:buNone/>
+            </a:pPr>
+            <a:r>
+              <a:rPr lang="ar-SA" sz="2000" b="1" dirty="0">
+                <a:cs typeface="B Nazanin" panose="00000400000000000000" pitchFamily="2" charset="-78"/>
+              </a:rPr>
+              <a:t>روش انجام کار:</a:t>
+            </a:r>
+            <a:endParaRPr lang="fa-IR" sz="2000" b="1" dirty="0">
+              <a:cs typeface="B Nazanin" panose="00000400000000000000" pitchFamily="2" charset="-78"/>
+            </a:endParaRPr>
+          </a:p>
+          <a:p>
+            <a:pPr algn="r" rtl="1">
+              <a:buNone/>
+            </a:pPr>
+            <a:endParaRPr lang="ar-SA" sz="2000" dirty="0">
+              <a:cs typeface="B Nazanin" panose="00000400000000000000" pitchFamily="2" charset="-78"/>
+            </a:endParaRPr>
+          </a:p>
+          <a:p>
+            <a:pPr algn="r" rtl="1">
               <a:buFont typeface="Arial" panose="020B0604020202020204" pitchFamily="34" charset="0"/>
               <a:buChar char="•"/>
             </a:pPr>
             <a:r>
-              <a:rPr lang="en-US" sz="1500" dirty="0">
-                <a:solidFill>
-                  <a:schemeClr val="tx1">
-                    <a:alpha val="55000"/>
-                  </a:schemeClr>
-                </a:solidFill>
-              </a:rPr>
-              <a:t>:</a:t>
-            </a:r>
-            <a:r>
-              <a:rPr lang="en-US" sz="1500" dirty="0" err="1">
-                <a:solidFill>
-                  <a:schemeClr val="tx1">
-                    <a:alpha val="55000"/>
-                  </a:schemeClr>
-                </a:solidFill>
-              </a:rPr>
-              <a:t>میانگین</a:t>
-            </a:r>
-            <a:r>
-              <a:rPr lang="en-US" sz="1500" dirty="0">
-                <a:solidFill>
-                  <a:schemeClr val="tx1">
-                    <a:alpha val="55000"/>
-                  </a:schemeClr>
-                </a:solidFill>
-              </a:rPr>
-              <a:t> </a:t>
-            </a:r>
-            <a:r>
-              <a:rPr lang="en-US" sz="1500" dirty="0" err="1">
-                <a:solidFill>
-                  <a:schemeClr val="tx1">
-                    <a:alpha val="55000"/>
-                  </a:schemeClr>
-                </a:solidFill>
-              </a:rPr>
-              <a:t>قد</a:t>
-            </a:r>
-            <a:r>
-              <a:rPr lang="en-US" sz="1500" dirty="0">
-                <a:solidFill>
-                  <a:schemeClr val="tx1">
-                    <a:alpha val="55000"/>
-                  </a:schemeClr>
-                </a:solidFill>
-              </a:rPr>
-              <a:t> </a:t>
-            </a:r>
-            <a:r>
-              <a:rPr lang="en-US" sz="1500" dirty="0" err="1">
-                <a:solidFill>
-                  <a:schemeClr val="tx1">
-                    <a:alpha val="55000"/>
-                  </a:schemeClr>
-                </a:solidFill>
-              </a:rPr>
-              <a:t>بازیکنان</a:t>
-            </a:r>
-            <a:r>
-              <a:rPr lang="en-US" sz="1500" dirty="0">
-                <a:solidFill>
-                  <a:schemeClr val="tx1">
-                    <a:alpha val="55000"/>
-                  </a:schemeClr>
-                </a:solidFill>
-              </a:rPr>
-              <a:t> </a:t>
-            </a:r>
-            <a:r>
-              <a:rPr lang="en-US" sz="1500" dirty="0" err="1">
-                <a:solidFill>
-                  <a:schemeClr val="tx1">
-                    <a:alpha val="55000"/>
-                  </a:schemeClr>
-                </a:solidFill>
-              </a:rPr>
-              <a:t>چقدر</a:t>
-            </a:r>
-            <a:r>
-              <a:rPr lang="en-US" sz="1500" dirty="0">
-                <a:solidFill>
-                  <a:schemeClr val="tx1">
-                    <a:alpha val="55000"/>
-                  </a:schemeClr>
-                </a:solidFill>
-              </a:rPr>
-              <a:t> </a:t>
-            </a:r>
-            <a:r>
-              <a:rPr lang="en-US" sz="1500" dirty="0" err="1">
-                <a:solidFill>
-                  <a:schemeClr val="tx1">
-                    <a:alpha val="55000"/>
-                  </a:schemeClr>
-                </a:solidFill>
-              </a:rPr>
-              <a:t>است</a:t>
-            </a:r>
-            <a:r>
-              <a:rPr lang="en-US" sz="1500" dirty="0">
-                <a:solidFill>
-                  <a:schemeClr val="tx1">
-                    <a:alpha val="55000"/>
-                  </a:schemeClr>
-                </a:solidFill>
-              </a:rPr>
-              <a:t>؟</a:t>
-            </a:r>
-          </a:p>
-          <a:p>
-            <a:pPr indent="-228600">
-              <a:lnSpc>
-                <a:spcPct val="90000"/>
-              </a:lnSpc>
-              <a:spcAft>
-                <a:spcPts val="600"/>
-              </a:spcAft>
+              <a:rPr lang="ar-SA" sz="2000" dirty="0">
+                <a:cs typeface="B Nazanin" panose="00000400000000000000" pitchFamily="2" charset="-78"/>
+              </a:rPr>
+              <a:t>بارگذاری اطلاعات بازیکنان تیم‌های میزبان و میهمان</a:t>
+            </a:r>
+          </a:p>
+          <a:p>
+            <a:pPr algn="r" rtl="1">
               <a:buFont typeface="Arial" panose="020B0604020202020204" pitchFamily="34" charset="0"/>
               <a:buChar char="•"/>
             </a:pPr>
             <a:r>
-              <a:rPr lang="en-US" sz="1500" dirty="0">
-                <a:solidFill>
-                  <a:schemeClr val="tx1">
-                    <a:alpha val="55000"/>
-                  </a:schemeClr>
-                </a:solidFill>
-              </a:rPr>
-              <a:t>What is the average height of the players?</a:t>
-            </a:r>
-          </a:p>
-          <a:p>
-            <a:pPr indent="-228600">
-              <a:lnSpc>
-                <a:spcPct val="90000"/>
-              </a:lnSpc>
-              <a:spcAft>
-                <a:spcPts val="600"/>
-              </a:spcAft>
+              <a:rPr lang="ar-SA" sz="2000" dirty="0">
+                <a:cs typeface="B Nazanin" panose="00000400000000000000" pitchFamily="2" charset="-78"/>
+              </a:rPr>
+              <a:t>محاسبه میانگین قد هر گروه</a:t>
+            </a:r>
+          </a:p>
+          <a:p>
+            <a:pPr algn="r" rtl="1">
               <a:buFont typeface="Arial" panose="020B0604020202020204" pitchFamily="34" charset="0"/>
               <a:buChar char="•"/>
             </a:pPr>
             <a:r>
-              <a:rPr lang="en-US" sz="1500" dirty="0" err="1">
-                <a:solidFill>
-                  <a:schemeClr val="tx1">
-                    <a:alpha val="55000"/>
-                  </a:schemeClr>
-                </a:solidFill>
-              </a:rPr>
-              <a:t>روش</a:t>
-            </a:r>
-            <a:r>
-              <a:rPr lang="en-US" sz="1500" dirty="0">
-                <a:solidFill>
-                  <a:schemeClr val="tx1">
-                    <a:alpha val="55000"/>
-                  </a:schemeClr>
-                </a:solidFill>
-              </a:rPr>
-              <a:t> </a:t>
-            </a:r>
-            <a:r>
-              <a:rPr lang="en-US" sz="1500" dirty="0" err="1">
-                <a:solidFill>
-                  <a:schemeClr val="tx1">
-                    <a:alpha val="55000"/>
-                  </a:schemeClr>
-                </a:solidFill>
-              </a:rPr>
-              <a:t>انجام</a:t>
-            </a:r>
-            <a:r>
-              <a:rPr lang="en-US" sz="1500" dirty="0">
-                <a:solidFill>
-                  <a:schemeClr val="tx1">
-                    <a:alpha val="55000"/>
-                  </a:schemeClr>
-                </a:solidFill>
-              </a:rPr>
-              <a:t> </a:t>
-            </a:r>
-            <a:r>
-              <a:rPr lang="en-US" sz="1500" dirty="0" err="1">
-                <a:solidFill>
-                  <a:schemeClr val="tx1">
-                    <a:alpha val="55000"/>
-                  </a:schemeClr>
-                </a:solidFill>
-              </a:rPr>
-              <a:t>کار</a:t>
-            </a:r>
-            <a:r>
-              <a:rPr lang="en-US" sz="1500" dirty="0">
-                <a:solidFill>
-                  <a:schemeClr val="tx1">
-                    <a:alpha val="55000"/>
-                  </a:schemeClr>
-                </a:solidFill>
-              </a:rPr>
-              <a:t>:</a:t>
-            </a:r>
-          </a:p>
-          <a:p>
-            <a:pPr indent="-228600">
-              <a:lnSpc>
-                <a:spcPct val="90000"/>
-              </a:lnSpc>
-              <a:spcAft>
-                <a:spcPts val="600"/>
-              </a:spcAft>
+              <a:rPr lang="ar-SA" sz="2000" dirty="0">
+                <a:cs typeface="B Nazanin" panose="00000400000000000000" pitchFamily="2" charset="-78"/>
+              </a:rPr>
+              <a:t>محاسبه میانگین کلی از میانگین دو تیم</a:t>
+            </a:r>
+            <a:endParaRPr lang="fa-IR" sz="2000" dirty="0">
+              <a:cs typeface="B Nazanin" panose="00000400000000000000" pitchFamily="2" charset="-78"/>
+            </a:endParaRPr>
+          </a:p>
+          <a:p>
+            <a:pPr algn="r" rtl="1">
               <a:buFont typeface="Arial" panose="020B0604020202020204" pitchFamily="34" charset="0"/>
               <a:buChar char="•"/>
             </a:pPr>
-            <a:r>
-              <a:rPr lang="en-US" sz="1500" dirty="0" err="1">
-                <a:solidFill>
-                  <a:schemeClr val="tx1">
-                    <a:alpha val="55000"/>
-                  </a:schemeClr>
-                </a:solidFill>
-              </a:rPr>
-              <a:t>برای</a:t>
-            </a:r>
-            <a:r>
-              <a:rPr lang="en-US" sz="1500" dirty="0">
-                <a:solidFill>
-                  <a:schemeClr val="tx1">
-                    <a:alpha val="55000"/>
-                  </a:schemeClr>
-                </a:solidFill>
-              </a:rPr>
-              <a:t> </a:t>
-            </a:r>
-            <a:r>
-              <a:rPr lang="en-US" sz="1500" dirty="0" err="1">
-                <a:solidFill>
-                  <a:schemeClr val="tx1">
-                    <a:alpha val="55000"/>
-                  </a:schemeClr>
-                </a:solidFill>
-              </a:rPr>
-              <a:t>محاسبه</a:t>
-            </a:r>
-            <a:r>
-              <a:rPr lang="en-US" sz="1500" dirty="0">
-                <a:solidFill>
-                  <a:schemeClr val="tx1">
-                    <a:alpha val="55000"/>
-                  </a:schemeClr>
-                </a:solidFill>
-              </a:rPr>
-              <a:t> </a:t>
-            </a:r>
-            <a:r>
-              <a:rPr lang="en-US" sz="1500" dirty="0" err="1">
-                <a:solidFill>
-                  <a:schemeClr val="tx1">
-                    <a:alpha val="55000"/>
-                  </a:schemeClr>
-                </a:solidFill>
-              </a:rPr>
-              <a:t>میانگین</a:t>
-            </a:r>
-            <a:r>
-              <a:rPr lang="en-US" sz="1500" dirty="0">
-                <a:solidFill>
-                  <a:schemeClr val="tx1">
-                    <a:alpha val="55000"/>
-                  </a:schemeClr>
-                </a:solidFill>
-              </a:rPr>
-              <a:t> </a:t>
-            </a:r>
-            <a:r>
-              <a:rPr lang="en-US" sz="1500" dirty="0" err="1">
-                <a:solidFill>
-                  <a:schemeClr val="tx1">
-                    <a:alpha val="55000"/>
-                  </a:schemeClr>
-                </a:solidFill>
-              </a:rPr>
-              <a:t>قد</a:t>
-            </a:r>
-            <a:r>
-              <a:rPr lang="en-US" sz="1500" dirty="0">
-                <a:solidFill>
-                  <a:schemeClr val="tx1">
-                    <a:alpha val="55000"/>
-                  </a:schemeClr>
-                </a:solidFill>
-              </a:rPr>
-              <a:t> </a:t>
-            </a:r>
-            <a:r>
-              <a:rPr lang="en-US" sz="1500" dirty="0" err="1">
-                <a:solidFill>
-                  <a:schemeClr val="tx1">
-                    <a:alpha val="55000"/>
-                  </a:schemeClr>
-                </a:solidFill>
-              </a:rPr>
-              <a:t>بازیکنان</a:t>
-            </a:r>
-            <a:r>
-              <a:rPr lang="en-US" sz="1500" dirty="0">
-                <a:solidFill>
-                  <a:schemeClr val="tx1">
-                    <a:alpha val="55000"/>
-                  </a:schemeClr>
-                </a:solidFill>
-              </a:rPr>
-              <a:t>، </a:t>
-            </a:r>
-            <a:r>
-              <a:rPr lang="en-US" sz="1500" dirty="0" err="1">
-                <a:solidFill>
-                  <a:schemeClr val="tx1">
-                    <a:alpha val="55000"/>
-                  </a:schemeClr>
-                </a:solidFill>
-              </a:rPr>
-              <a:t>مراحل</a:t>
-            </a:r>
-            <a:r>
-              <a:rPr lang="en-US" sz="1500" dirty="0">
-                <a:solidFill>
-                  <a:schemeClr val="tx1">
-                    <a:alpha val="55000"/>
-                  </a:schemeClr>
-                </a:solidFill>
-              </a:rPr>
-              <a:t> </a:t>
-            </a:r>
-            <a:r>
-              <a:rPr lang="en-US" sz="1500" dirty="0" err="1">
-                <a:solidFill>
-                  <a:schemeClr val="tx1">
-                    <a:alpha val="55000"/>
-                  </a:schemeClr>
-                </a:solidFill>
-              </a:rPr>
-              <a:t>زیر</a:t>
-            </a:r>
-            <a:r>
-              <a:rPr lang="en-US" sz="1500" dirty="0">
-                <a:solidFill>
-                  <a:schemeClr val="tx1">
-                    <a:alpha val="55000"/>
-                  </a:schemeClr>
-                </a:solidFill>
-              </a:rPr>
-              <a:t> </a:t>
-            </a:r>
-            <a:r>
-              <a:rPr lang="en-US" sz="1500" dirty="0" err="1">
-                <a:solidFill>
-                  <a:schemeClr val="tx1">
-                    <a:alpha val="55000"/>
-                  </a:schemeClr>
-                </a:solidFill>
-              </a:rPr>
-              <a:t>را</a:t>
-            </a:r>
-            <a:r>
-              <a:rPr lang="en-US" sz="1500" dirty="0">
-                <a:solidFill>
-                  <a:schemeClr val="tx1">
-                    <a:alpha val="55000"/>
-                  </a:schemeClr>
-                </a:solidFill>
-              </a:rPr>
-              <a:t> </a:t>
-            </a:r>
-            <a:r>
-              <a:rPr lang="en-US" sz="1500" dirty="0" err="1">
-                <a:solidFill>
-                  <a:schemeClr val="tx1">
-                    <a:alpha val="55000"/>
-                  </a:schemeClr>
-                </a:solidFill>
-              </a:rPr>
-              <a:t>انجام</a:t>
-            </a:r>
-            <a:r>
-              <a:rPr lang="en-US" sz="1500" dirty="0">
-                <a:solidFill>
-                  <a:schemeClr val="tx1">
-                    <a:alpha val="55000"/>
-                  </a:schemeClr>
-                </a:solidFill>
-              </a:rPr>
-              <a:t> </a:t>
-            </a:r>
-            <a:r>
-              <a:rPr lang="en-US" sz="1500" dirty="0" err="1">
-                <a:solidFill>
-                  <a:schemeClr val="tx1">
-                    <a:alpha val="55000"/>
-                  </a:schemeClr>
-                </a:solidFill>
-              </a:rPr>
-              <a:t>دادیم</a:t>
-            </a:r>
-            <a:r>
-              <a:rPr lang="en-US" sz="1500" dirty="0">
-                <a:solidFill>
-                  <a:schemeClr val="tx1">
-                    <a:alpha val="55000"/>
-                  </a:schemeClr>
-                </a:solidFill>
-              </a:rPr>
-              <a:t>:</a:t>
-            </a:r>
-          </a:p>
-          <a:p>
-            <a:pPr indent="-228600">
-              <a:lnSpc>
-                <a:spcPct val="90000"/>
-              </a:lnSpc>
-              <a:spcAft>
-                <a:spcPts val="600"/>
-              </a:spcAft>
+            <a:endParaRPr lang="fa-IR" sz="2000" dirty="0">
+              <a:cs typeface="B Nazanin" panose="00000400000000000000" pitchFamily="2" charset="-78"/>
+            </a:endParaRPr>
+          </a:p>
+          <a:p>
+            <a:pPr algn="r" rtl="1">
               <a:buFont typeface="Arial" panose="020B0604020202020204" pitchFamily="34" charset="0"/>
               <a:buChar char="•"/>
             </a:pPr>
-            <a:r>
-              <a:rPr lang="en-US" sz="1500" dirty="0" err="1">
-                <a:solidFill>
-                  <a:schemeClr val="tx1">
-                    <a:alpha val="55000"/>
-                  </a:schemeClr>
-                </a:solidFill>
-              </a:rPr>
-              <a:t>فایل‌های</a:t>
-            </a:r>
-            <a:r>
-              <a:rPr lang="en-US" sz="1500" dirty="0">
-                <a:solidFill>
-                  <a:schemeClr val="tx1">
-                    <a:alpha val="55000"/>
-                  </a:schemeClr>
-                </a:solidFill>
-              </a:rPr>
-              <a:t> MatchAwayTeamInfo.csv و MatchHomeTeamInfo.csv </a:t>
-            </a:r>
-            <a:r>
-              <a:rPr lang="en-US" sz="1500" dirty="0" err="1">
-                <a:solidFill>
-                  <a:schemeClr val="tx1">
-                    <a:alpha val="55000"/>
-                  </a:schemeClr>
-                </a:solidFill>
-              </a:rPr>
-              <a:t>را</a:t>
-            </a:r>
-            <a:r>
-              <a:rPr lang="en-US" sz="1500" dirty="0">
-                <a:solidFill>
-                  <a:schemeClr val="tx1">
-                    <a:alpha val="55000"/>
-                  </a:schemeClr>
-                </a:solidFill>
-              </a:rPr>
-              <a:t> </a:t>
-            </a:r>
-            <a:r>
-              <a:rPr lang="en-US" sz="1500" dirty="0" err="1">
-                <a:solidFill>
-                  <a:schemeClr val="tx1">
-                    <a:alpha val="55000"/>
-                  </a:schemeClr>
-                </a:solidFill>
-              </a:rPr>
-              <a:t>بارگذاری</a:t>
-            </a:r>
-            <a:r>
-              <a:rPr lang="en-US" sz="1500" dirty="0">
-                <a:solidFill>
-                  <a:schemeClr val="tx1">
-                    <a:alpha val="55000"/>
-                  </a:schemeClr>
-                </a:solidFill>
-              </a:rPr>
-              <a:t> </a:t>
-            </a:r>
-            <a:r>
-              <a:rPr lang="en-US" sz="1500" dirty="0" err="1">
-                <a:solidFill>
-                  <a:schemeClr val="tx1">
-                    <a:alpha val="55000"/>
-                  </a:schemeClr>
-                </a:solidFill>
-              </a:rPr>
-              <a:t>کردیم</a:t>
-            </a:r>
-            <a:r>
-              <a:rPr lang="en-US" sz="1500" dirty="0">
-                <a:solidFill>
-                  <a:schemeClr val="tx1">
-                    <a:alpha val="55000"/>
-                  </a:schemeClr>
-                </a:solidFill>
-              </a:rPr>
-              <a:t>.</a:t>
-            </a:r>
-          </a:p>
-          <a:p>
-            <a:pPr indent="-228600">
-              <a:lnSpc>
-                <a:spcPct val="90000"/>
-              </a:lnSpc>
-              <a:spcAft>
-                <a:spcPts val="600"/>
-              </a:spcAft>
-              <a:buFont typeface="Arial" panose="020B0604020202020204" pitchFamily="34" charset="0"/>
-              <a:buChar char="•"/>
-            </a:pPr>
-            <a:r>
-              <a:rPr lang="en-US" sz="1500" dirty="0" err="1">
-                <a:solidFill>
-                  <a:schemeClr val="tx1">
-                    <a:alpha val="55000"/>
-                  </a:schemeClr>
-                </a:solidFill>
-              </a:rPr>
-              <a:t>میانگین</a:t>
-            </a:r>
-            <a:r>
-              <a:rPr lang="en-US" sz="1500" dirty="0">
-                <a:solidFill>
-                  <a:schemeClr val="tx1">
-                    <a:alpha val="55000"/>
-                  </a:schemeClr>
-                </a:solidFill>
-              </a:rPr>
-              <a:t> </a:t>
-            </a:r>
-            <a:r>
-              <a:rPr lang="en-US" sz="1500" dirty="0" err="1">
-                <a:solidFill>
-                  <a:schemeClr val="tx1">
-                    <a:alpha val="55000"/>
-                  </a:schemeClr>
-                </a:solidFill>
-              </a:rPr>
-              <a:t>قد</a:t>
-            </a:r>
-            <a:r>
-              <a:rPr lang="en-US" sz="1500" dirty="0">
-                <a:solidFill>
-                  <a:schemeClr val="tx1">
-                    <a:alpha val="55000"/>
-                  </a:schemeClr>
-                </a:solidFill>
-              </a:rPr>
-              <a:t> </a:t>
-            </a:r>
-            <a:r>
-              <a:rPr lang="en-US" sz="1500" dirty="0" err="1">
-                <a:solidFill>
-                  <a:schemeClr val="tx1">
-                    <a:alpha val="55000"/>
-                  </a:schemeClr>
-                </a:solidFill>
-              </a:rPr>
-              <a:t>بازیکنان</a:t>
-            </a:r>
-            <a:r>
-              <a:rPr lang="en-US" sz="1500" dirty="0">
-                <a:solidFill>
-                  <a:schemeClr val="tx1">
-                    <a:alpha val="55000"/>
-                  </a:schemeClr>
-                </a:solidFill>
-              </a:rPr>
-              <a:t> </a:t>
-            </a:r>
-            <a:r>
-              <a:rPr lang="en-US" sz="1500" dirty="0" err="1">
-                <a:solidFill>
-                  <a:schemeClr val="tx1">
-                    <a:alpha val="55000"/>
-                  </a:schemeClr>
-                </a:solidFill>
-              </a:rPr>
-              <a:t>تیم</a:t>
-            </a:r>
-            <a:r>
-              <a:rPr lang="en-US" sz="1500" dirty="0">
-                <a:solidFill>
-                  <a:schemeClr val="tx1">
-                    <a:alpha val="55000"/>
-                  </a:schemeClr>
-                </a:solidFill>
-              </a:rPr>
-              <a:t> </a:t>
-            </a:r>
-            <a:r>
-              <a:rPr lang="en-US" sz="1500" dirty="0" err="1">
-                <a:solidFill>
-                  <a:schemeClr val="tx1">
-                    <a:alpha val="55000"/>
-                  </a:schemeClr>
-                </a:solidFill>
-              </a:rPr>
-              <a:t>میهمان</a:t>
-            </a:r>
-            <a:r>
-              <a:rPr lang="en-US" sz="1500" dirty="0">
-                <a:solidFill>
-                  <a:schemeClr val="tx1">
-                    <a:alpha val="55000"/>
-                  </a:schemeClr>
-                </a:solidFill>
-              </a:rPr>
-              <a:t> </a:t>
-            </a:r>
-            <a:r>
-              <a:rPr lang="en-US" sz="1500" dirty="0" err="1">
-                <a:solidFill>
-                  <a:schemeClr val="tx1">
-                    <a:alpha val="55000"/>
-                  </a:schemeClr>
-                </a:solidFill>
-              </a:rPr>
-              <a:t>را</a:t>
-            </a:r>
-            <a:r>
-              <a:rPr lang="en-US" sz="1500" dirty="0">
-                <a:solidFill>
-                  <a:schemeClr val="tx1">
-                    <a:alpha val="55000"/>
-                  </a:schemeClr>
-                </a:solidFill>
-              </a:rPr>
-              <a:t> </a:t>
-            </a:r>
-            <a:r>
-              <a:rPr lang="en-US" sz="1500" dirty="0" err="1">
-                <a:solidFill>
-                  <a:schemeClr val="tx1">
-                    <a:alpha val="55000"/>
-                  </a:schemeClr>
-                </a:solidFill>
-              </a:rPr>
-              <a:t>با</a:t>
-            </a:r>
-            <a:r>
-              <a:rPr lang="en-US" sz="1500" dirty="0">
-                <a:solidFill>
-                  <a:schemeClr val="tx1">
-                    <a:alpha val="55000"/>
-                  </a:schemeClr>
-                </a:solidFill>
-              </a:rPr>
-              <a:t> </a:t>
-            </a:r>
-            <a:r>
-              <a:rPr lang="en-US" sz="1500" dirty="0" err="1">
-                <a:solidFill>
-                  <a:schemeClr val="tx1">
-                    <a:alpha val="55000"/>
-                  </a:schemeClr>
-                </a:solidFill>
-              </a:rPr>
-              <a:t>استفاده</a:t>
-            </a:r>
-            <a:r>
-              <a:rPr lang="en-US" sz="1500" dirty="0">
-                <a:solidFill>
-                  <a:schemeClr val="tx1">
-                    <a:alpha val="55000"/>
-                  </a:schemeClr>
-                </a:solidFill>
-              </a:rPr>
-              <a:t> </a:t>
-            </a:r>
-            <a:r>
-              <a:rPr lang="en-US" sz="1500" dirty="0" err="1">
-                <a:solidFill>
-                  <a:schemeClr val="tx1">
-                    <a:alpha val="55000"/>
-                  </a:schemeClr>
-                </a:solidFill>
-              </a:rPr>
-              <a:t>از</a:t>
-            </a:r>
-            <a:r>
-              <a:rPr lang="en-US" sz="1500" dirty="0">
-                <a:solidFill>
-                  <a:schemeClr val="tx1">
-                    <a:alpha val="55000"/>
-                  </a:schemeClr>
-                </a:solidFill>
-              </a:rPr>
-              <a:t> </a:t>
-            </a:r>
-            <a:r>
-              <a:rPr lang="en-US" sz="1500" dirty="0" err="1">
-                <a:solidFill>
-                  <a:schemeClr val="tx1">
-                    <a:alpha val="55000"/>
-                  </a:schemeClr>
-                </a:solidFill>
-              </a:rPr>
-              <a:t>تابع</a:t>
-            </a:r>
-            <a:r>
-              <a:rPr lang="en-US" sz="1500" dirty="0">
-                <a:solidFill>
-                  <a:schemeClr val="tx1">
-                    <a:alpha val="55000"/>
-                  </a:schemeClr>
-                </a:solidFill>
-              </a:rPr>
-              <a:t> mean() </a:t>
-            </a:r>
-            <a:r>
-              <a:rPr lang="en-US" sz="1500" dirty="0" err="1">
-                <a:solidFill>
-                  <a:schemeClr val="tx1">
-                    <a:alpha val="55000"/>
-                  </a:schemeClr>
-                </a:solidFill>
-              </a:rPr>
-              <a:t>به</a:t>
-            </a:r>
-            <a:r>
-              <a:rPr lang="en-US" sz="1500" dirty="0">
-                <a:solidFill>
-                  <a:schemeClr val="tx1">
-                    <a:alpha val="55000"/>
-                  </a:schemeClr>
-                </a:solidFill>
-              </a:rPr>
-              <a:t> </a:t>
-            </a:r>
-            <a:r>
-              <a:rPr lang="en-US" sz="1500" dirty="0" err="1">
-                <a:solidFill>
-                  <a:schemeClr val="tx1">
-                    <a:alpha val="55000"/>
-                  </a:schemeClr>
-                </a:solidFill>
-              </a:rPr>
-              <a:t>دست</a:t>
-            </a:r>
-            <a:r>
-              <a:rPr lang="en-US" sz="1500" dirty="0">
-                <a:solidFill>
-                  <a:schemeClr val="tx1">
-                    <a:alpha val="55000"/>
-                  </a:schemeClr>
-                </a:solidFill>
-              </a:rPr>
-              <a:t> </a:t>
-            </a:r>
-            <a:r>
-              <a:rPr lang="en-US" sz="1500" dirty="0" err="1">
-                <a:solidFill>
-                  <a:schemeClr val="tx1">
-                    <a:alpha val="55000"/>
-                  </a:schemeClr>
-                </a:solidFill>
-              </a:rPr>
-              <a:t>آوردیم</a:t>
-            </a:r>
-            <a:endParaRPr lang="en-US" sz="1500" dirty="0">
-              <a:solidFill>
-                <a:schemeClr val="tx1">
-                  <a:alpha val="55000"/>
-                </a:schemeClr>
-              </a:solidFill>
+            <a:endParaRPr lang="ar-SA" sz="2000" dirty="0">
+              <a:cs typeface="B Nazanin" panose="00000400000000000000" pitchFamily="2" charset="-78"/>
             </a:endParaRPr>
           </a:p>
           <a:p>
-            <a:pPr indent="-228600">
-              <a:lnSpc>
-                <a:spcPct val="90000"/>
-              </a:lnSpc>
-              <a:spcAft>
-                <a:spcPts val="600"/>
-              </a:spcAft>
-              <a:buFont typeface="Arial" panose="020B0604020202020204" pitchFamily="34" charset="0"/>
-              <a:buChar char="•"/>
-            </a:pPr>
-            <a:r>
-              <a:rPr lang="en-US" sz="1500" dirty="0">
-                <a:solidFill>
-                  <a:schemeClr val="tx1">
-                    <a:alpha val="55000"/>
-                  </a:schemeClr>
-                </a:solidFill>
-              </a:rPr>
-              <a:t>.</a:t>
-            </a:r>
-            <a:r>
-              <a:rPr lang="en-US" sz="1500" dirty="0" err="1">
-                <a:solidFill>
-                  <a:schemeClr val="tx1">
-                    <a:alpha val="55000"/>
-                  </a:schemeClr>
-                </a:solidFill>
-              </a:rPr>
-              <a:t>همین</a:t>
-            </a:r>
-            <a:r>
-              <a:rPr lang="en-US" sz="1500" dirty="0">
-                <a:solidFill>
-                  <a:schemeClr val="tx1">
-                    <a:alpha val="55000"/>
-                  </a:schemeClr>
-                </a:solidFill>
-              </a:rPr>
-              <a:t> </a:t>
-            </a:r>
-            <a:r>
-              <a:rPr lang="en-US" sz="1500" dirty="0" err="1">
-                <a:solidFill>
-                  <a:schemeClr val="tx1">
-                    <a:alpha val="55000"/>
-                  </a:schemeClr>
-                </a:solidFill>
-              </a:rPr>
-              <a:t>کار</a:t>
-            </a:r>
-            <a:r>
-              <a:rPr lang="en-US" sz="1500" dirty="0">
-                <a:solidFill>
-                  <a:schemeClr val="tx1">
-                    <a:alpha val="55000"/>
-                  </a:schemeClr>
-                </a:solidFill>
-              </a:rPr>
-              <a:t> </a:t>
-            </a:r>
-            <a:r>
-              <a:rPr lang="en-US" sz="1500" dirty="0" err="1">
-                <a:solidFill>
-                  <a:schemeClr val="tx1">
-                    <a:alpha val="55000"/>
-                  </a:schemeClr>
-                </a:solidFill>
-              </a:rPr>
-              <a:t>را</a:t>
-            </a:r>
-            <a:r>
-              <a:rPr lang="en-US" sz="1500" dirty="0">
-                <a:solidFill>
-                  <a:schemeClr val="tx1">
-                    <a:alpha val="55000"/>
-                  </a:schemeClr>
-                </a:solidFill>
-              </a:rPr>
-              <a:t> </a:t>
-            </a:r>
-            <a:r>
-              <a:rPr lang="en-US" sz="1500" dirty="0" err="1">
-                <a:solidFill>
-                  <a:schemeClr val="tx1">
-                    <a:alpha val="55000"/>
-                  </a:schemeClr>
-                </a:solidFill>
-              </a:rPr>
-              <a:t>برای</a:t>
-            </a:r>
-            <a:r>
-              <a:rPr lang="en-US" sz="1500" dirty="0">
-                <a:solidFill>
-                  <a:schemeClr val="tx1">
-                    <a:alpha val="55000"/>
-                  </a:schemeClr>
-                </a:solidFill>
-              </a:rPr>
-              <a:t> </a:t>
-            </a:r>
-            <a:r>
-              <a:rPr lang="en-US" sz="1500" dirty="0" err="1">
-                <a:solidFill>
-                  <a:schemeClr val="tx1">
-                    <a:alpha val="55000"/>
-                  </a:schemeClr>
-                </a:solidFill>
-              </a:rPr>
-              <a:t>بازیکنان</a:t>
-            </a:r>
-            <a:r>
-              <a:rPr lang="en-US" sz="1500" dirty="0">
-                <a:solidFill>
-                  <a:schemeClr val="tx1">
-                    <a:alpha val="55000"/>
-                  </a:schemeClr>
-                </a:solidFill>
-              </a:rPr>
-              <a:t> </a:t>
-            </a:r>
-            <a:r>
-              <a:rPr lang="en-US" sz="1500" dirty="0" err="1">
-                <a:solidFill>
-                  <a:schemeClr val="tx1">
-                    <a:alpha val="55000"/>
-                  </a:schemeClr>
-                </a:solidFill>
-              </a:rPr>
-              <a:t>تیم</a:t>
-            </a:r>
-            <a:r>
-              <a:rPr lang="en-US" sz="1500" dirty="0">
-                <a:solidFill>
-                  <a:schemeClr val="tx1">
-                    <a:alpha val="55000"/>
-                  </a:schemeClr>
-                </a:solidFill>
-              </a:rPr>
-              <a:t> </a:t>
-            </a:r>
-            <a:r>
-              <a:rPr lang="en-US" sz="1500" dirty="0" err="1">
-                <a:solidFill>
-                  <a:schemeClr val="tx1">
-                    <a:alpha val="55000"/>
-                  </a:schemeClr>
-                </a:solidFill>
-              </a:rPr>
-              <a:t>میزبان</a:t>
-            </a:r>
-            <a:r>
-              <a:rPr lang="en-US" sz="1500" dirty="0">
-                <a:solidFill>
-                  <a:schemeClr val="tx1">
-                    <a:alpha val="55000"/>
-                  </a:schemeClr>
-                </a:solidFill>
-              </a:rPr>
-              <a:t> </a:t>
-            </a:r>
-            <a:r>
-              <a:rPr lang="en-US" sz="1500" dirty="0" err="1">
-                <a:solidFill>
-                  <a:schemeClr val="tx1">
-                    <a:alpha val="55000"/>
-                  </a:schemeClr>
-                </a:solidFill>
-              </a:rPr>
-              <a:t>انجام</a:t>
-            </a:r>
-            <a:r>
-              <a:rPr lang="en-US" sz="1500" dirty="0">
-                <a:solidFill>
-                  <a:schemeClr val="tx1">
-                    <a:alpha val="55000"/>
-                  </a:schemeClr>
-                </a:solidFill>
-              </a:rPr>
-              <a:t> </a:t>
-            </a:r>
-            <a:r>
-              <a:rPr lang="en-US" sz="1500" dirty="0" err="1">
-                <a:solidFill>
-                  <a:schemeClr val="tx1">
-                    <a:alpha val="55000"/>
-                  </a:schemeClr>
-                </a:solidFill>
-              </a:rPr>
-              <a:t>دادیم</a:t>
-            </a:r>
-            <a:r>
-              <a:rPr lang="en-US" sz="1500" dirty="0">
-                <a:solidFill>
-                  <a:schemeClr val="tx1">
-                    <a:alpha val="55000"/>
-                  </a:schemeClr>
-                </a:solidFill>
-              </a:rPr>
-              <a:t>.</a:t>
-            </a:r>
-          </a:p>
-          <a:p>
-            <a:pPr indent="-228600">
-              <a:lnSpc>
-                <a:spcPct val="90000"/>
-              </a:lnSpc>
-              <a:spcAft>
-                <a:spcPts val="600"/>
-              </a:spcAft>
-              <a:buFont typeface="Arial" panose="020B0604020202020204" pitchFamily="34" charset="0"/>
-              <a:buChar char="•"/>
-            </a:pPr>
-            <a:r>
-              <a:rPr lang="en-US" sz="1500" dirty="0" err="1">
-                <a:solidFill>
-                  <a:schemeClr val="tx1">
-                    <a:alpha val="55000"/>
-                  </a:schemeClr>
-                </a:solidFill>
-              </a:rPr>
-              <a:t>در</a:t>
-            </a:r>
-            <a:r>
-              <a:rPr lang="en-US" sz="1500" dirty="0">
-                <a:solidFill>
-                  <a:schemeClr val="tx1">
-                    <a:alpha val="55000"/>
-                  </a:schemeClr>
-                </a:solidFill>
-              </a:rPr>
-              <a:t> </a:t>
-            </a:r>
-            <a:r>
-              <a:rPr lang="en-US" sz="1500" dirty="0" err="1">
-                <a:solidFill>
-                  <a:schemeClr val="tx1">
-                    <a:alpha val="55000"/>
-                  </a:schemeClr>
-                </a:solidFill>
-              </a:rPr>
-              <a:t>نهایت</a:t>
-            </a:r>
-            <a:r>
-              <a:rPr lang="en-US" sz="1500" dirty="0">
-                <a:solidFill>
-                  <a:schemeClr val="tx1">
-                    <a:alpha val="55000"/>
-                  </a:schemeClr>
-                </a:solidFill>
-              </a:rPr>
-              <a:t>، </a:t>
-            </a:r>
-            <a:r>
-              <a:rPr lang="en-US" sz="1500" dirty="0" err="1">
-                <a:solidFill>
-                  <a:schemeClr val="tx1">
-                    <a:alpha val="55000"/>
-                  </a:schemeClr>
-                </a:solidFill>
-              </a:rPr>
-              <a:t>میانگین</a:t>
-            </a:r>
-            <a:r>
-              <a:rPr lang="en-US" sz="1500" dirty="0">
-                <a:solidFill>
-                  <a:schemeClr val="tx1">
-                    <a:alpha val="55000"/>
-                  </a:schemeClr>
-                </a:solidFill>
-              </a:rPr>
-              <a:t> </a:t>
-            </a:r>
-            <a:r>
-              <a:rPr lang="en-US" sz="1500" dirty="0" err="1">
-                <a:solidFill>
-                  <a:schemeClr val="tx1">
-                    <a:alpha val="55000"/>
-                  </a:schemeClr>
-                </a:solidFill>
-              </a:rPr>
-              <a:t>کلی</a:t>
-            </a:r>
-            <a:r>
-              <a:rPr lang="en-US" sz="1500" dirty="0">
-                <a:solidFill>
-                  <a:schemeClr val="tx1">
-                    <a:alpha val="55000"/>
-                  </a:schemeClr>
-                </a:solidFill>
-              </a:rPr>
-              <a:t> </a:t>
-            </a:r>
-            <a:r>
-              <a:rPr lang="en-US" sz="1500" dirty="0" err="1">
-                <a:solidFill>
-                  <a:schemeClr val="tx1">
-                    <a:alpha val="55000"/>
-                  </a:schemeClr>
-                </a:solidFill>
-              </a:rPr>
-              <a:t>قد</a:t>
-            </a:r>
-            <a:r>
-              <a:rPr lang="en-US" sz="1500" dirty="0">
-                <a:solidFill>
-                  <a:schemeClr val="tx1">
-                    <a:alpha val="55000"/>
-                  </a:schemeClr>
-                </a:solidFill>
-              </a:rPr>
-              <a:t> </a:t>
-            </a:r>
-            <a:r>
-              <a:rPr lang="en-US" sz="1500" dirty="0" err="1">
-                <a:solidFill>
-                  <a:schemeClr val="tx1">
-                    <a:alpha val="55000"/>
-                  </a:schemeClr>
-                </a:solidFill>
-              </a:rPr>
-              <a:t>بازیکنان</a:t>
-            </a:r>
-            <a:r>
-              <a:rPr lang="en-US" sz="1500" dirty="0">
-                <a:solidFill>
-                  <a:schemeClr val="tx1">
-                    <a:alpha val="55000"/>
-                  </a:schemeClr>
-                </a:solidFill>
-              </a:rPr>
-              <a:t> </a:t>
-            </a:r>
-            <a:r>
-              <a:rPr lang="en-US" sz="1500" dirty="0" err="1">
-                <a:solidFill>
-                  <a:schemeClr val="tx1">
-                    <a:alpha val="55000"/>
-                  </a:schemeClr>
-                </a:solidFill>
-              </a:rPr>
-              <a:t>را</a:t>
-            </a:r>
-            <a:r>
-              <a:rPr lang="en-US" sz="1500" dirty="0">
-                <a:solidFill>
-                  <a:schemeClr val="tx1">
-                    <a:alpha val="55000"/>
-                  </a:schemeClr>
-                </a:solidFill>
-              </a:rPr>
-              <a:t> </a:t>
-            </a:r>
-            <a:r>
-              <a:rPr lang="en-US" sz="1500" dirty="0" err="1">
-                <a:solidFill>
-                  <a:schemeClr val="tx1">
-                    <a:alpha val="55000"/>
-                  </a:schemeClr>
-                </a:solidFill>
-              </a:rPr>
-              <a:t>با</a:t>
-            </a:r>
-            <a:r>
-              <a:rPr lang="en-US" sz="1500" dirty="0">
-                <a:solidFill>
-                  <a:schemeClr val="tx1">
-                    <a:alpha val="55000"/>
-                  </a:schemeClr>
-                </a:solidFill>
-              </a:rPr>
-              <a:t> </a:t>
-            </a:r>
-            <a:r>
-              <a:rPr lang="en-US" sz="1500" dirty="0" err="1">
-                <a:solidFill>
-                  <a:schemeClr val="tx1">
-                    <a:alpha val="55000"/>
-                  </a:schemeClr>
-                </a:solidFill>
-              </a:rPr>
-              <a:t>محاسبه</a:t>
-            </a:r>
-            <a:r>
-              <a:rPr lang="en-US" sz="1500" dirty="0">
-                <a:solidFill>
-                  <a:schemeClr val="tx1">
-                    <a:alpha val="55000"/>
-                  </a:schemeClr>
-                </a:solidFill>
-              </a:rPr>
-              <a:t> </a:t>
-            </a:r>
-            <a:r>
-              <a:rPr lang="en-US" sz="1500" dirty="0" err="1">
-                <a:solidFill>
-                  <a:schemeClr val="tx1">
-                    <a:alpha val="55000"/>
-                  </a:schemeClr>
-                </a:solidFill>
-              </a:rPr>
-              <a:t>میانگین</a:t>
-            </a:r>
-            <a:r>
-              <a:rPr lang="en-US" sz="1500" dirty="0">
-                <a:solidFill>
-                  <a:schemeClr val="tx1">
-                    <a:alpha val="55000"/>
-                  </a:schemeClr>
-                </a:solidFill>
-              </a:rPr>
-              <a:t> </a:t>
-            </a:r>
-            <a:r>
-              <a:rPr lang="en-US" sz="1500" dirty="0" err="1">
-                <a:solidFill>
-                  <a:schemeClr val="tx1">
-                    <a:alpha val="55000"/>
-                  </a:schemeClr>
-                </a:solidFill>
-              </a:rPr>
-              <a:t>این</a:t>
-            </a:r>
-            <a:r>
-              <a:rPr lang="en-US" sz="1500" dirty="0">
-                <a:solidFill>
-                  <a:schemeClr val="tx1">
-                    <a:alpha val="55000"/>
-                  </a:schemeClr>
-                </a:solidFill>
-              </a:rPr>
-              <a:t> </a:t>
-            </a:r>
-            <a:r>
-              <a:rPr lang="en-US" sz="1500" dirty="0" err="1">
-                <a:solidFill>
-                  <a:schemeClr val="tx1">
-                    <a:alpha val="55000"/>
-                  </a:schemeClr>
-                </a:solidFill>
-              </a:rPr>
-              <a:t>دو</a:t>
-            </a:r>
-            <a:r>
-              <a:rPr lang="en-US" sz="1500" dirty="0">
-                <a:solidFill>
-                  <a:schemeClr val="tx1">
-                    <a:alpha val="55000"/>
-                  </a:schemeClr>
-                </a:solidFill>
-              </a:rPr>
-              <a:t> </a:t>
-            </a:r>
-            <a:r>
-              <a:rPr lang="en-US" sz="1500" dirty="0" err="1">
-                <a:solidFill>
-                  <a:schemeClr val="tx1">
-                    <a:alpha val="55000"/>
-                  </a:schemeClr>
-                </a:solidFill>
-              </a:rPr>
-              <a:t>مقدار</a:t>
-            </a:r>
-            <a:r>
-              <a:rPr lang="en-US" sz="1500" dirty="0">
-                <a:solidFill>
-                  <a:schemeClr val="tx1">
-                    <a:alpha val="55000"/>
-                  </a:schemeClr>
-                </a:solidFill>
-              </a:rPr>
-              <a:t> </a:t>
-            </a:r>
-            <a:r>
-              <a:rPr lang="en-US" sz="1500" dirty="0" err="1">
-                <a:solidFill>
-                  <a:schemeClr val="tx1">
-                    <a:alpha val="55000"/>
-                  </a:schemeClr>
-                </a:solidFill>
-              </a:rPr>
-              <a:t>به</a:t>
-            </a:r>
-            <a:r>
-              <a:rPr lang="en-US" sz="1500" dirty="0">
-                <a:solidFill>
-                  <a:schemeClr val="tx1">
-                    <a:alpha val="55000"/>
-                  </a:schemeClr>
-                </a:solidFill>
-              </a:rPr>
-              <a:t> </a:t>
-            </a:r>
-            <a:r>
-              <a:rPr lang="en-US" sz="1500" dirty="0" err="1">
-                <a:solidFill>
-                  <a:schemeClr val="tx1">
-                    <a:alpha val="55000"/>
-                  </a:schemeClr>
-                </a:solidFill>
-              </a:rPr>
-              <a:t>دست</a:t>
-            </a:r>
-            <a:r>
-              <a:rPr lang="en-US" sz="1500" dirty="0">
-                <a:solidFill>
-                  <a:schemeClr val="tx1">
-                    <a:alpha val="55000"/>
-                  </a:schemeClr>
-                </a:solidFill>
-              </a:rPr>
-              <a:t> </a:t>
-            </a:r>
-            <a:r>
-              <a:rPr lang="en-US" sz="1500" dirty="0" err="1">
-                <a:solidFill>
-                  <a:schemeClr val="tx1">
-                    <a:alpha val="55000"/>
-                  </a:schemeClr>
-                </a:solidFill>
-              </a:rPr>
-              <a:t>آوردیم</a:t>
-            </a:r>
-            <a:r>
-              <a:rPr lang="en-US" sz="1500" dirty="0">
-                <a:solidFill>
-                  <a:schemeClr val="tx1">
-                    <a:alpha val="55000"/>
-                  </a:schemeClr>
-                </a:solidFill>
-              </a:rPr>
-              <a:t>.</a:t>
-            </a:r>
-          </a:p>
-          <a:p>
-            <a:pPr indent="-228600">
-              <a:lnSpc>
-                <a:spcPct val="90000"/>
-              </a:lnSpc>
-              <a:spcAft>
-                <a:spcPts val="600"/>
-              </a:spcAft>
-              <a:buFont typeface="Arial" panose="020B0604020202020204" pitchFamily="34" charset="0"/>
-              <a:buChar char="•"/>
-            </a:pPr>
-            <a:endParaRPr lang="en-US" sz="1500" dirty="0">
-              <a:solidFill>
-                <a:schemeClr val="tx1">
-                  <a:alpha val="55000"/>
-                </a:schemeClr>
-              </a:solidFill>
-            </a:endParaRPr>
-          </a:p>
-          <a:p>
-            <a:pPr indent="-228600">
-              <a:lnSpc>
-                <a:spcPct val="90000"/>
-              </a:lnSpc>
-              <a:spcAft>
-                <a:spcPts val="600"/>
-              </a:spcAft>
-              <a:buFont typeface="Arial" panose="020B0604020202020204" pitchFamily="34" charset="0"/>
-              <a:buChar char="•"/>
-            </a:pPr>
-            <a:r>
-              <a:rPr lang="en-US" sz="1500" dirty="0" err="1">
-                <a:solidFill>
-                  <a:schemeClr val="tx1">
-                    <a:alpha val="55000"/>
-                  </a:schemeClr>
-                </a:solidFill>
-              </a:rPr>
-              <a:t>نتیجه:میانگین</a:t>
-            </a:r>
-            <a:r>
-              <a:rPr lang="en-US" sz="1500" dirty="0">
-                <a:solidFill>
-                  <a:schemeClr val="tx1">
-                    <a:alpha val="55000"/>
-                  </a:schemeClr>
-                </a:solidFill>
-              </a:rPr>
-              <a:t> </a:t>
-            </a:r>
-            <a:r>
-              <a:rPr lang="en-US" sz="1500" dirty="0" err="1">
-                <a:solidFill>
-                  <a:schemeClr val="tx1">
-                    <a:alpha val="55000"/>
-                  </a:schemeClr>
-                </a:solidFill>
-              </a:rPr>
-              <a:t>قد</a:t>
-            </a:r>
-            <a:r>
-              <a:rPr lang="en-US" sz="1500" dirty="0">
-                <a:solidFill>
-                  <a:schemeClr val="tx1">
-                    <a:alpha val="55000"/>
-                  </a:schemeClr>
-                </a:solidFill>
-              </a:rPr>
-              <a:t> </a:t>
-            </a:r>
-            <a:r>
-              <a:rPr lang="en-US" sz="1500" dirty="0" err="1">
-                <a:solidFill>
-                  <a:schemeClr val="tx1">
-                    <a:alpha val="55000"/>
-                  </a:schemeClr>
-                </a:solidFill>
-              </a:rPr>
-              <a:t>بازیکنان</a:t>
-            </a:r>
-            <a:r>
-              <a:rPr lang="en-US" sz="1500" dirty="0">
-                <a:solidFill>
-                  <a:schemeClr val="tx1">
-                    <a:alpha val="55000"/>
-                  </a:schemeClr>
-                </a:solidFill>
-              </a:rPr>
-              <a:t>: ۱.۸۲ </a:t>
-            </a:r>
-            <a:r>
-              <a:rPr lang="en-US" sz="1500" dirty="0" err="1">
-                <a:solidFill>
-                  <a:schemeClr val="tx1">
-                    <a:alpha val="55000"/>
-                  </a:schemeClr>
-                </a:solidFill>
-              </a:rPr>
-              <a:t>متر</a:t>
-            </a:r>
-            <a:endParaRPr lang="en-US" sz="1500" dirty="0">
-              <a:solidFill>
-                <a:schemeClr val="tx1">
-                  <a:alpha val="55000"/>
-                </a:schemeClr>
-              </a:solidFill>
-            </a:endParaRPr>
+            <a:pPr algn="r" rtl="1"/>
+            <a:r>
+              <a:rPr lang="ar-SA" sz="2000" b="1" dirty="0">
+                <a:cs typeface="B Nazanin" panose="00000400000000000000" pitchFamily="2" charset="-78"/>
+              </a:rPr>
+              <a:t>نتیجه:</a:t>
+            </a:r>
+            <a:br>
+              <a:rPr lang="ar-SA" sz="2000" b="1" dirty="0">
+                <a:cs typeface="B Nazanin" panose="00000400000000000000" pitchFamily="2" charset="-78"/>
+              </a:rPr>
+            </a:br>
+            <a:r>
+              <a:rPr lang="ar-SA" sz="2000" b="1" dirty="0">
+                <a:cs typeface="B Nazanin" panose="00000400000000000000" pitchFamily="2" charset="-78"/>
+              </a:rPr>
+              <a:t>میانگین قد بازیکنان: ۱.۸۲ متر</a:t>
+            </a:r>
           </a:p>
         </p:txBody>
       </p:sp>
@@ -9986,7 +8927,7 @@
         <p:spPr>
           <a:xfrm>
             <a:off x="239340" y="744232"/>
-            <a:ext cx="11200075" cy="4524315"/>
+            <a:ext cx="11200075" cy="3323987"/>
           </a:xfrm>
           <a:prstGeom prst="rect">
             <a:avLst/>
@@ -10004,7 +8945,7 @@
               <a:rPr lang="fa-IR" b="1" dirty="0">
                 <a:cs typeface="B Nazanin" panose="00000400000000000000" pitchFamily="2" charset="-78"/>
               </a:rPr>
-              <a:t>سوال : </a:t>
+              <a:t>سوال3 : </a:t>
             </a:r>
             <a:r>
               <a:rPr lang="ar-SA" b="1" dirty="0">
@@ -10030,402 +8971,95 @@
               </a:rPr>
               <a:t>روش انجام کار:</a:t>
             </a:r>
-            <a:endParaRPr lang="fa-IR" b="1" dirty="0">
+            <a:endParaRPr lang="fa-IR" sz="2000" dirty="0">
               <a:cs typeface="B Nazanin" panose="00000400000000000000" pitchFamily="2" charset="-78"/>
             </a:endParaRPr>
           </a:p>
           <a:p>
-            <a:pPr marL="285750" indent="-285750" algn="r" rtl="1">
-              <a:buFont typeface="Arial" panose="020B0604020202020204" pitchFamily="34" charset="0"/>
-              <a:buChar char="•"/>
-            </a:pPr>
-            <a:r>
-              <a:rPr lang="ar-SA" dirty="0">
-                <a:cs typeface="B Nazanin" panose="00000400000000000000" pitchFamily="2" charset="-78"/>
-              </a:rPr>
-              <a:t>برای یافتن بازیکنی با بیشترین برد، مراحل زیر را انجام دادیم:</a:t>
-            </a:r>
-            <a:endParaRPr lang="en-US" dirty="0">
+            <a:pPr algn="r" rtl="1"/>
+            <a:r>
+              <a:rPr lang="ar-SA" sz="2000" dirty="0">
+                <a:cs typeface="B Nazanin" panose="00000400000000000000" pitchFamily="2" charset="-78"/>
+              </a:rPr>
+              <a:t>بارگذاری و ترکیب اطلاعات بازیکنان تیم میزبان و میهمان</a:t>
+            </a:r>
+          </a:p>
+          <a:p>
+            <a:pPr algn="r" rtl="1"/>
+            <a:r>
+              <a:rPr lang="ar-SA" sz="2000" dirty="0">
+                <a:cs typeface="B Nazanin" panose="00000400000000000000" pitchFamily="2" charset="-78"/>
+              </a:rPr>
+              <a:t>ادغام داده‌ها با اطلاعات </a:t>
+            </a:r>
+            <a:r>
+              <a:rPr lang="fa-IR" sz="2000" dirty="0">
+                <a:cs typeface="B Nazanin" panose="00000400000000000000" pitchFamily="2" charset="-78"/>
+              </a:rPr>
+              <a:t>رویداد</a:t>
+            </a:r>
+            <a:r>
+              <a:rPr lang="ar-SA" sz="2000" dirty="0">
+                <a:cs typeface="B Nazanin" panose="00000400000000000000" pitchFamily="2" charset="-78"/>
+              </a:rPr>
+              <a:t> </a:t>
+            </a:r>
+            <a:r>
+              <a:rPr lang="fa-IR" sz="2000" dirty="0">
+                <a:cs typeface="B Nazanin" panose="00000400000000000000" pitchFamily="2" charset="-78"/>
+              </a:rPr>
+              <a:t>مسابقه</a:t>
+            </a:r>
+            <a:endParaRPr lang="ar-SA" sz="2000" dirty="0">
               <a:cs typeface="B Nazanin" panose="00000400000000000000" pitchFamily="2" charset="-78"/>
             </a:endParaRPr>
           </a:p>
           <a:p>
-            <a:pPr marL="285750" indent="-285750" algn="r" rtl="1">
-              <a:buFont typeface="Arial" panose="020B0604020202020204" pitchFamily="34" charset="0"/>
-              <a:buChar char="•"/>
-            </a:pPr>
-            <a:r>
-              <a:rPr lang="ar-SA" dirty="0">
-                <a:cs typeface="B Nazanin" panose="00000400000000000000" pitchFamily="2" charset="-78"/>
-              </a:rPr>
-              <a:t>فایل‌های </a:t>
-            </a:r>
-            <a:r>
-              <a:rPr lang="de-DE" dirty="0">
-                <a:cs typeface="B Nazanin" panose="00000400000000000000" pitchFamily="2" charset="-78"/>
-              </a:rPr>
-              <a:t>MatchHomeTeamInfo.csv </a:t>
-            </a:r>
-            <a:r>
-              <a:rPr lang="ar-SA" dirty="0">
-                <a:cs typeface="B Nazanin" panose="00000400000000000000" pitchFamily="2" charset="-78"/>
-              </a:rPr>
-              <a:t>و </a:t>
-            </a:r>
-            <a:r>
-              <a:rPr lang="de-DE" dirty="0">
-                <a:cs typeface="B Nazanin" panose="00000400000000000000" pitchFamily="2" charset="-78"/>
-              </a:rPr>
-              <a:t>MatchAwayTeamInfo.csv </a:t>
-            </a:r>
-            <a:r>
-              <a:rPr lang="ar-SA" dirty="0">
-                <a:cs typeface="B Nazanin" panose="00000400000000000000" pitchFamily="2" charset="-78"/>
-              </a:rPr>
-              <a:t>را بارگذاری کرده و ستون‌های </a:t>
-            </a:r>
-            <a:r>
-              <a:rPr lang="de-DE" dirty="0" err="1">
-                <a:cs typeface="B Nazanin" panose="00000400000000000000" pitchFamily="2" charset="-78"/>
-              </a:rPr>
-              <a:t>match_id</a:t>
-            </a:r>
-            <a:r>
-              <a:rPr lang="de-DE" dirty="0">
-                <a:cs typeface="B Nazanin" panose="00000400000000000000" pitchFamily="2" charset="-78"/>
-              </a:rPr>
-              <a:t> </a:t>
-            </a:r>
-            <a:r>
-              <a:rPr lang="ar-SA" dirty="0">
-                <a:cs typeface="B Nazanin" panose="00000400000000000000" pitchFamily="2" charset="-78"/>
-              </a:rPr>
-              <a:t>و </a:t>
-            </a:r>
-            <a:r>
-              <a:rPr lang="de-DE" dirty="0" err="1">
-                <a:cs typeface="B Nazanin" panose="00000400000000000000" pitchFamily="2" charset="-78"/>
-              </a:rPr>
-              <a:t>name</a:t>
-            </a:r>
-            <a:r>
-              <a:rPr lang="de-DE" dirty="0">
-                <a:cs typeface="B Nazanin" panose="00000400000000000000" pitchFamily="2" charset="-78"/>
-              </a:rPr>
-              <a:t> </a:t>
-            </a:r>
-            <a:r>
-              <a:rPr lang="ar-SA" dirty="0">
-                <a:cs typeface="B Nazanin" panose="00000400000000000000" pitchFamily="2" charset="-78"/>
-              </a:rPr>
-              <a:t>را استخراج کردیم.</a:t>
-            </a:r>
-            <a:endParaRPr lang="en-US" dirty="0">
+            <a:pPr algn="r" rtl="1"/>
+            <a:r>
+              <a:rPr lang="ar-SA" sz="2000" dirty="0">
+                <a:cs typeface="B Nazanin" panose="00000400000000000000" pitchFamily="2" charset="-78"/>
+              </a:rPr>
+              <a:t>شمارش بردهای هر بازیکن</a:t>
+            </a:r>
+          </a:p>
+          <a:p>
+            <a:pPr algn="r" rtl="1"/>
+            <a:r>
+              <a:rPr lang="ar-SA" sz="2000" dirty="0">
+                <a:cs typeface="B Nazanin" panose="00000400000000000000" pitchFamily="2" charset="-78"/>
+              </a:rPr>
+              <a:t>مرتب‌سازی و شناسایی بازیکن با بیشترین برد</a:t>
+            </a:r>
+            <a:endParaRPr lang="fa-IR" sz="2000" dirty="0">
               <a:cs typeface="B Nazanin" panose="00000400000000000000" pitchFamily="2" charset="-78"/>
             </a:endParaRPr>
           </a:p>
           <a:p>
-            <a:pPr marL="285750" indent="-285750" algn="r" rtl="1">
-              <a:buFont typeface="Arial" panose="020B0604020202020204" pitchFamily="34" charset="0"/>
-              <a:buChar char="•"/>
-            </a:pPr>
-            <a:r>
-              <a:rPr lang="ar-SA" dirty="0">
-                <a:cs typeface="B Nazanin" panose="00000400000000000000" pitchFamily="2" charset="-78"/>
-              </a:rPr>
-              <a:t>این دو مجموعه را با استفاده از </a:t>
-            </a:r>
-            <a:r>
-              <a:rPr lang="de-DE" dirty="0" err="1">
-                <a:cs typeface="B Nazanin" panose="00000400000000000000" pitchFamily="2" charset="-78"/>
-              </a:rPr>
-              <a:t>concat</a:t>
-            </a:r>
-            <a:r>
-              <a:rPr lang="de-DE" dirty="0">
-                <a:cs typeface="B Nazanin" panose="00000400000000000000" pitchFamily="2" charset="-78"/>
-              </a:rPr>
-              <a:t> </a:t>
-            </a:r>
-            <a:r>
-              <a:rPr lang="ar-SA" dirty="0">
-                <a:cs typeface="B Nazanin" panose="00000400000000000000" pitchFamily="2" charset="-78"/>
-              </a:rPr>
-              <a:t>ترکیب کردیم تا لیست کامل بازیکنان به همراه شناسه مسابقه داشته باشیم.</a:t>
-            </a:r>
-            <a:endParaRPr lang="en-US" dirty="0">
+            <a:pPr algn="r" rtl="1"/>
+            <a:endParaRPr lang="ar-SA" sz="2000" dirty="0">
               <a:cs typeface="B Nazanin" panose="00000400000000000000" pitchFamily="2" charset="-78"/>
             </a:endParaRPr>
           </a:p>
           <a:p>
-            <a:pPr marL="285750" indent="-285750" algn="r" rtl="1">
-              <a:buFont typeface="Arial" panose="020B0604020202020204" pitchFamily="34" charset="0"/>
-              <a:buChar char="•"/>
-            </a:pPr>
-            <a:r>
-              <a:rPr lang="ar-SA" dirty="0">
-                <a:cs typeface="B Nazanin" panose="00000400000000000000" pitchFamily="2" charset="-78"/>
-              </a:rPr>
-              <a:t>فایل </a:t>
-            </a:r>
-            <a:r>
-              <a:rPr lang="de-DE" dirty="0">
-                <a:cs typeface="B Nazanin" panose="00000400000000000000" pitchFamily="2" charset="-78"/>
-              </a:rPr>
-              <a:t>PeriodInfo.csv </a:t>
-            </a:r>
-            <a:r>
-              <a:rPr lang="ar-SA" dirty="0">
-                <a:cs typeface="B Nazanin" panose="00000400000000000000" pitchFamily="2" charset="-78"/>
-              </a:rPr>
-              <a:t>را بارگذاری کردیم و فقط ستون‌های </a:t>
-            </a:r>
-            <a:r>
-              <a:rPr lang="de-DE" dirty="0" err="1">
-                <a:cs typeface="B Nazanin" panose="00000400000000000000" pitchFamily="2" charset="-78"/>
-              </a:rPr>
-              <a:t>match_id</a:t>
-            </a:r>
-            <a:r>
-              <a:rPr lang="de-DE" dirty="0">
-                <a:cs typeface="B Nazanin" panose="00000400000000000000" pitchFamily="2" charset="-78"/>
-              </a:rPr>
-              <a:t> </a:t>
-            </a:r>
-            <a:r>
-              <a:rPr lang="ar-SA" dirty="0">
-                <a:cs typeface="B Nazanin" panose="00000400000000000000" pitchFamily="2" charset="-78"/>
-              </a:rPr>
-              <a:t>و </a:t>
-            </a:r>
-            <a:r>
-              <a:rPr lang="de-DE" dirty="0" err="1">
-                <a:cs typeface="B Nazanin" panose="00000400000000000000" pitchFamily="2" charset="-78"/>
-              </a:rPr>
-              <a:t>statistic_name</a:t>
-            </a:r>
-            <a:r>
-              <a:rPr lang="de-DE" dirty="0">
-                <a:cs typeface="B Nazanin" panose="00000400000000000000" pitchFamily="2" charset="-78"/>
-              </a:rPr>
-              <a:t> </a:t>
-            </a:r>
-            <a:r>
-              <a:rPr lang="ar-SA" dirty="0">
-                <a:cs typeface="B Nazanin" panose="00000400000000000000" pitchFamily="2" charset="-78"/>
-              </a:rPr>
-              <a:t>را نگه داشتیم.</a:t>
-            </a:r>
-            <a:endParaRPr lang="en-US" dirty="0">
-              <a:cs typeface="B Nazanin" panose="00000400000000000000" pitchFamily="2" charset="-78"/>
-            </a:endParaRPr>
-          </a:p>
-          <a:p>
-            <a:pPr marL="285750" indent="-285750" algn="r" rtl="1">
-              <a:buFont typeface="Arial" panose="020B0604020202020204" pitchFamily="34" charset="0"/>
-              <a:buChar char="•"/>
-            </a:pPr>
-            <a:r>
-              <a:rPr lang="ar-SA" dirty="0">
-                <a:cs typeface="B Nazanin" panose="00000400000000000000" pitchFamily="2" charset="-78"/>
-              </a:rPr>
-              <a:t>با استفاده از </a:t>
-            </a:r>
-            <a:r>
-              <a:rPr lang="de-DE" dirty="0" err="1">
-                <a:cs typeface="B Nazanin" panose="00000400000000000000" pitchFamily="2" charset="-78"/>
-              </a:rPr>
-              <a:t>merge</a:t>
-            </a:r>
-            <a:r>
-              <a:rPr lang="de-DE" dirty="0">
-                <a:cs typeface="B Nazanin" panose="00000400000000000000" pitchFamily="2" charset="-78"/>
-              </a:rPr>
-              <a:t> </a:t>
-            </a:r>
-            <a:r>
-              <a:rPr lang="ar-SA" dirty="0">
-                <a:cs typeface="B Nazanin" panose="00000400000000000000" pitchFamily="2" charset="-78"/>
-              </a:rPr>
-              <a:t>داده‌ها را بر اساس </a:t>
-            </a:r>
-            <a:r>
-              <a:rPr lang="de-DE" dirty="0" err="1">
-                <a:cs typeface="B Nazanin" panose="00000400000000000000" pitchFamily="2" charset="-78"/>
-              </a:rPr>
-              <a:t>match_id</a:t>
-            </a:r>
-            <a:r>
-              <a:rPr lang="de-DE" dirty="0">
-                <a:cs typeface="B Nazanin" panose="00000400000000000000" pitchFamily="2" charset="-78"/>
-              </a:rPr>
-              <a:t> </a:t>
-            </a:r>
-            <a:r>
-              <a:rPr lang="ar-SA" dirty="0">
-                <a:cs typeface="B Nazanin" panose="00000400000000000000" pitchFamily="2" charset="-78"/>
-              </a:rPr>
-              <a:t>ادغام کردیم.</a:t>
-            </a:r>
-            <a:endParaRPr lang="en-US" dirty="0">
-              <a:cs typeface="B Nazanin" panose="00000400000000000000" pitchFamily="2" charset="-78"/>
-            </a:endParaRPr>
-          </a:p>
-          <a:p>
-            <a:pPr marL="285750" indent="-285750" algn="r" rtl="1">
-              <a:buFont typeface="Arial" panose="020B0604020202020204" pitchFamily="34" charset="0"/>
-              <a:buChar char="•"/>
-            </a:pPr>
-            <a:r>
-              <a:rPr lang="ar-SA" dirty="0">
-                <a:cs typeface="B Nazanin" panose="00000400000000000000" pitchFamily="2" charset="-78"/>
-              </a:rPr>
-              <a:t>فقط رکوردهایی که مقدار </a:t>
-            </a:r>
-            <a:r>
-              <a:rPr lang="de-DE" dirty="0" err="1">
-                <a:cs typeface="B Nazanin" panose="00000400000000000000" pitchFamily="2" charset="-78"/>
-              </a:rPr>
-              <a:t>statistic_name</a:t>
-            </a:r>
-            <a:r>
-              <a:rPr lang="de-DE" dirty="0">
-                <a:cs typeface="B Nazanin" panose="00000400000000000000" pitchFamily="2" charset="-78"/>
-              </a:rPr>
-              <a:t> </a:t>
-            </a:r>
-            <a:r>
-              <a:rPr lang="ar-SA" dirty="0">
-                <a:cs typeface="B Nazanin" panose="00000400000000000000" pitchFamily="2" charset="-78"/>
-              </a:rPr>
-              <a:t>آن‌ها </a:t>
-            </a:r>
-            <a:r>
-              <a:rPr lang="fa-IR" dirty="0">
-                <a:cs typeface="B Nazanin" panose="00000400000000000000" pitchFamily="2" charset="-78"/>
-              </a:rPr>
-              <a:t>برابر </a:t>
-            </a:r>
-            <a:r>
-              <a:rPr lang="de-DE" dirty="0" err="1">
-                <a:cs typeface="B Nazanin" panose="00000400000000000000" pitchFamily="2" charset="-78"/>
-              </a:rPr>
-              <a:t>total_won</a:t>
-            </a:r>
-            <a:r>
-              <a:rPr lang="fa-IR" dirty="0">
-                <a:cs typeface="B Nazanin" panose="00000400000000000000" pitchFamily="2" charset="-78"/>
-              </a:rPr>
-              <a:t> ا</a:t>
-            </a:r>
-            <a:r>
-              <a:rPr lang="ar-SA" dirty="0">
-                <a:cs typeface="B Nazanin" panose="00000400000000000000" pitchFamily="2" charset="-78"/>
-              </a:rPr>
-              <a:t>ست را نگه داشتیم.</a:t>
-            </a:r>
-            <a:endParaRPr lang="en-US" dirty="0">
-              <a:cs typeface="B Nazanin" panose="00000400000000000000" pitchFamily="2" charset="-78"/>
-            </a:endParaRPr>
-          </a:p>
-          <a:p>
-            <a:pPr marL="285750" indent="-285750" algn="r" rtl="1">
-              <a:buFont typeface="Arial" panose="020B0604020202020204" pitchFamily="34" charset="0"/>
-              <a:buChar char="•"/>
-            </a:pPr>
-            <a:r>
-              <a:rPr lang="ar-SA" dirty="0">
-                <a:cs typeface="B Nazanin" panose="00000400000000000000" pitchFamily="2" charset="-78"/>
-              </a:rPr>
-              <a:t>تعداد بردها را با استفاده از </a:t>
-            </a:r>
-            <a:r>
-              <a:rPr lang="de-DE" dirty="0" err="1">
-                <a:cs typeface="B Nazanin" panose="00000400000000000000" pitchFamily="2" charset="-78"/>
-              </a:rPr>
-              <a:t>groupby</a:t>
-            </a:r>
-            <a:r>
-              <a:rPr lang="de-DE" dirty="0">
-                <a:cs typeface="B Nazanin" panose="00000400000000000000" pitchFamily="2" charset="-78"/>
-              </a:rPr>
-              <a:t> </a:t>
-            </a:r>
-            <a:r>
-              <a:rPr lang="fa-IR" dirty="0">
-                <a:cs typeface="B Nazanin" panose="00000400000000000000" pitchFamily="2" charset="-78"/>
-              </a:rPr>
-              <a:t> </a:t>
-            </a:r>
-            <a:r>
-              <a:rPr lang="ar-SA" dirty="0">
-                <a:cs typeface="B Nazanin" panose="00000400000000000000" pitchFamily="2" charset="-78"/>
-              </a:rPr>
-              <a:t>بر اساس نام بازیکن شمردیم.</a:t>
-            </a:r>
-            <a:endParaRPr lang="en-US" dirty="0">
-              <a:cs typeface="B Nazanin" panose="00000400000000000000" pitchFamily="2" charset="-78"/>
-            </a:endParaRPr>
-          </a:p>
-          <a:p>
-            <a:pPr marL="285750" indent="-285750" algn="r" rtl="1">
-              <a:buFont typeface="Arial" panose="020B0604020202020204" pitchFamily="34" charset="0"/>
-              <a:buChar char="•"/>
-            </a:pPr>
-            <a:r>
-              <a:rPr lang="ar-SA" dirty="0">
-                <a:cs typeface="B Nazanin" panose="00000400000000000000" pitchFamily="2" charset="-78"/>
-              </a:rPr>
-              <a:t>داده‌ها را بر اساس تعداد برد (</a:t>
-            </a:r>
-            <a:r>
-              <a:rPr lang="de-DE" dirty="0" err="1">
-                <a:cs typeface="B Nazanin" panose="00000400000000000000" pitchFamily="2" charset="-78"/>
-              </a:rPr>
-              <a:t>sum_won</a:t>
-            </a:r>
-            <a:r>
-              <a:rPr lang="de-DE" dirty="0">
-                <a:cs typeface="B Nazanin" panose="00000400000000000000" pitchFamily="2" charset="-78"/>
-              </a:rPr>
-              <a:t>) </a:t>
-            </a:r>
-            <a:r>
-              <a:rPr lang="fa-IR" dirty="0">
-                <a:cs typeface="B Nazanin" panose="00000400000000000000" pitchFamily="2" charset="-78"/>
-              </a:rPr>
-              <a:t> </a:t>
-            </a:r>
-            <a:r>
-              <a:rPr lang="ar-SA" dirty="0">
-                <a:cs typeface="B Nazanin" panose="00000400000000000000" pitchFamily="2" charset="-78"/>
-              </a:rPr>
-              <a:t>به ترتیب نزولی مرتب کردیم.</a:t>
-            </a:r>
-            <a:endParaRPr lang="en-US" dirty="0">
-              <a:cs typeface="B Nazanin" panose="00000400000000000000" pitchFamily="2" charset="-78"/>
-            </a:endParaRPr>
-          </a:p>
-          <a:p>
             <a:pPr algn="r" rtl="1"/>
             <a:r>
-              <a:rPr lang="ar-SA" dirty="0">
-                <a:cs typeface="B Nazanin" panose="00000400000000000000" pitchFamily="2" charset="-78"/>
-              </a:rPr>
-              <a:t>در نهایت، بازیکنی که در بالای لیست قرار دارد، بیشترین برد را داشته است.</a:t>
-            </a:r>
-            <a:endParaRPr lang="fa-IR" dirty="0">
-              <a:cs typeface="B Nazanin" panose="00000400000000000000" pitchFamily="2" charset="-78"/>
-            </a:endParaRPr>
-          </a:p>
-          <a:p>
-            <a:pPr algn="r" rtl="1"/>
-            <a:endParaRPr lang="fa-IR" dirty="0">
-              <a:cs typeface="B Nazanin" panose="00000400000000000000" pitchFamily="2" charset="-78"/>
-            </a:endParaRPr>
-          </a:p>
-          <a:p>
-            <a:pPr algn="r" rtl="1"/>
+              <a:rPr lang="ar-SA" sz="2000" b="1" dirty="0">
+                <a:cs typeface="B Nazanin" panose="00000400000000000000" pitchFamily="2" charset="-78"/>
+              </a:rPr>
+              <a:t>نتیجه</a:t>
+            </a:r>
+            <a:r>
+              <a:rPr lang="ar-SA" sz="2000" dirty="0">
+                <a:cs typeface="B Nazanin" panose="00000400000000000000" pitchFamily="2" charset="-78"/>
+              </a:rPr>
+              <a:t>:</a:t>
+            </a:r>
+            <a:br>
+              <a:rPr lang="ar-SA" sz="2000" dirty="0">
+                <a:cs typeface="B Nazanin" panose="00000400000000000000" pitchFamily="2" charset="-78"/>
+              </a:rPr>
+            </a:br>
             <a:endParaRPr lang="en-US" dirty="0">
               <a:cs typeface="B Nazanin" panose="00000400000000000000" pitchFamily="2" charset="-78"/>
             </a:endParaRPr>
@@ -10436,40 +9070,48 @@
               <a:buChar char="ü"/>
             </a:pPr>
             <a:r>
-              <a:rPr lang="ar-SA" b="1" dirty="0">
-                <a:cs typeface="B Nazanin" panose="00000400000000000000" pitchFamily="2" charset="-78"/>
-              </a:rPr>
-              <a:t>نتیجه</a:t>
-            </a:r>
-            <a:r>
               <a:rPr lang="ar-SA" dirty="0">
                 <a:cs typeface="B Nazanin" panose="00000400000000000000" pitchFamily="2" charset="-78"/>
               </a:rPr>
               <a:t>:بازیکنی با بیشترین تعداد برد: </a:t>
             </a:r>
             <a:r>
-              <a:rPr lang="de-DE" dirty="0" err="1">
-                <a:cs typeface="B Nazanin" panose="00000400000000000000" pitchFamily="2" charset="-78"/>
-              </a:rPr>
-              <a:t>Chidekh</a:t>
-            </a:r>
-            <a:r>
-              <a:rPr lang="de-DE" dirty="0">
-                <a:cs typeface="B Nazanin" panose="00000400000000000000" pitchFamily="2" charset="-78"/>
-              </a:rPr>
-              <a:t> C. </a:t>
+              <a:rPr lang="en-US" b="0" i="0" dirty="0">
+                <a:effectLst/>
+                <a:latin typeface="Consolas" panose="020B0609020204030204" pitchFamily="49" charset="0"/>
+              </a:rPr>
+              <a:t>Aguilar Cardozo </a:t>
+            </a:r>
+            <a:r>
+              <a:rPr lang="en-US" b="0" i="0">
+                <a:effectLst/>
+                <a:latin typeface="Consolas" panose="020B0609020204030204" pitchFamily="49" charset="0"/>
+              </a:rPr>
+              <a:t>J.</a:t>
+            </a:r>
+            <a:r>
+              <a:rPr lang="fa-IR">
+                <a:cs typeface="B Nazanin" panose="00000400000000000000" pitchFamily="2" charset="-78"/>
+              </a:rPr>
+              <a:t> </a:t>
+            </a:r>
+            <a:r>
+              <a:rPr lang="ar-SA" dirty="0">
+                <a:cs typeface="B Nazanin" panose="00000400000000000000" pitchFamily="2" charset="-78"/>
+              </a:rPr>
+              <a:t>با </a:t>
             </a:r>
             <a:r>
               <a:rPr lang="fa-IR" dirty="0">
                 <a:cs typeface="B Nazanin" panose="00000400000000000000" pitchFamily="2" charset="-78"/>
               </a:rPr>
-              <a:t> </a:t>
+              <a:t>220</a:t>
             </a:r>
             <a:r>
               <a:rPr lang="ar-SA" dirty="0">
                 <a:cs typeface="B Nazanin" panose="00000400000000000000" pitchFamily="2" charset="-78"/>
               </a:rPr>
-              <a:t>با ۱۴۹ برد</a:t>
+              <a:t> برد</a:t>
             </a:r>
             <a:endParaRPr lang="de-DE" dirty="0">
               <a:cs typeface="B Nazanin" panose="00000400000000000000" pitchFamily="2" charset="-78"/>
@@ -10521,8 +9163,8 @@
         </p:nvSpPr>
         <p:spPr>
           <a:xfrm>
-            <a:off x="1421704" y="1057674"/>
-            <a:ext cx="9327194" cy="2862322"/>
+            <a:off x="1143000" y="1247919"/>
+            <a:ext cx="10084577" cy="2862322"/>
           </a:xfrm>
           <a:prstGeom prst="rect">
             <a:avLst/>
@@ -10542,304 +9184,7 @@
               </a:rPr>
               <a:t>سوال ۴:طولانی‌ترین مسابقه ثبت‌شده از نظر مدت زمان کدام است؟</a:t>
             </a:r>
-            <a:endParaRPr lang="en-US" dirty="0">
-              <a:cs typeface="B Nazanin" panose="00000400000000000000" pitchFamily="2" charset="-78"/>
-            </a:endParaRPr>
-          </a:p>
-          <a:p>
-            <a:pPr algn="r" rtl="1"/>
-            <a:r>
-              <a:rPr lang="de-DE" dirty="0" err="1">
-                <a:cs typeface="B Nazanin" panose="00000400000000000000" pitchFamily="2" charset="-78"/>
-              </a:rPr>
-              <a:t>What</a:t>
-            </a:r>
-            <a:r>
-              <a:rPr lang="de-DE" dirty="0">
-                <a:cs typeface="B Nazanin" panose="00000400000000000000" pitchFamily="2" charset="-78"/>
-              </a:rPr>
-              <a:t> </a:t>
-            </a:r>
-            <a:r>
-              <a:rPr lang="de-DE" dirty="0" err="1">
-                <a:cs typeface="B Nazanin" panose="00000400000000000000" pitchFamily="2" charset="-78"/>
-              </a:rPr>
-              <a:t>is</a:t>
-            </a:r>
-            <a:r>
-              <a:rPr lang="de-DE" dirty="0">
-                <a:cs typeface="B Nazanin" panose="00000400000000000000" pitchFamily="2" charset="-78"/>
-              </a:rPr>
-              <a:t> </a:t>
-            </a:r>
-            <a:r>
-              <a:rPr lang="de-DE" dirty="0" err="1">
-                <a:cs typeface="B Nazanin" panose="00000400000000000000" pitchFamily="2" charset="-78"/>
-              </a:rPr>
-              <a:t>the</a:t>
-            </a:r>
-            <a:r>
-              <a:rPr lang="de-DE" dirty="0">
-                <a:cs typeface="B Nazanin" panose="00000400000000000000" pitchFamily="2" charset="-78"/>
-              </a:rPr>
-              <a:t> </a:t>
-            </a:r>
-            <a:r>
-              <a:rPr lang="de-DE" dirty="0" err="1">
-                <a:cs typeface="B Nazanin" panose="00000400000000000000" pitchFamily="2" charset="-78"/>
-              </a:rPr>
-              <a:t>longest</a:t>
-            </a:r>
-            <a:r>
-              <a:rPr lang="de-DE" dirty="0">
-                <a:cs typeface="B Nazanin" panose="00000400000000000000" pitchFamily="2" charset="-78"/>
-              </a:rPr>
-              <a:t> match </a:t>
-            </a:r>
-            <a:r>
-              <a:rPr lang="de-DE" dirty="0" err="1">
-                <a:cs typeface="B Nazanin" panose="00000400000000000000" pitchFamily="2" charset="-78"/>
-              </a:rPr>
-              <a:t>recorded</a:t>
-            </a:r>
-            <a:r>
-              <a:rPr lang="de-DE" dirty="0">
-                <a:cs typeface="B Nazanin" panose="00000400000000000000" pitchFamily="2" charset="-78"/>
-              </a:rPr>
-              <a:t> in </a:t>
-            </a:r>
-            <a:r>
-              <a:rPr lang="de-DE" dirty="0" err="1">
-                <a:cs typeface="B Nazanin" panose="00000400000000000000" pitchFamily="2" charset="-78"/>
-              </a:rPr>
-              <a:t>terms</a:t>
-            </a:r>
-            <a:r>
-              <a:rPr lang="de-DE" dirty="0">
-                <a:cs typeface="B Nazanin" panose="00000400000000000000" pitchFamily="2" charset="-78"/>
-              </a:rPr>
-              <a:t> </a:t>
-            </a:r>
-            <a:r>
-              <a:rPr lang="de-DE" dirty="0" err="1">
-                <a:cs typeface="B Nazanin" panose="00000400000000000000" pitchFamily="2" charset="-78"/>
-              </a:rPr>
-              <a:t>of</a:t>
-            </a:r>
-            <a:r>
-              <a:rPr lang="de-DE" dirty="0">
-                <a:cs typeface="B Nazanin" panose="00000400000000000000" pitchFamily="2" charset="-78"/>
-              </a:rPr>
-              <a:t> </a:t>
-            </a:r>
-            <a:r>
-              <a:rPr lang="de-DE" dirty="0" err="1">
-                <a:cs typeface="B Nazanin" panose="00000400000000000000" pitchFamily="2" charset="-78"/>
-              </a:rPr>
-              <a:t>duration</a:t>
-            </a:r>
-            <a:r>
-              <a:rPr lang="de-DE" dirty="0">
-                <a:cs typeface="B Nazanin" panose="00000400000000000000" pitchFamily="2" charset="-78"/>
-              </a:rPr>
-              <a:t>?</a:t>
-            </a:r>
-          </a:p>
-          <a:p>
-            <a:pPr algn="r" rtl="1"/>
-            <a:r>
-              <a:rPr lang="ar-SA" dirty="0">
-                <a:cs typeface="B Nazanin" panose="00000400000000000000" pitchFamily="2" charset="-78"/>
-              </a:rPr>
-              <a:t>روش انجام کار:</a:t>
-            </a:r>
-            <a:endParaRPr lang="en-US" dirty="0">
-              <a:cs typeface="B Nazanin" panose="00000400000000000000" pitchFamily="2" charset="-78"/>
-            </a:endParaRPr>
-          </a:p>
-          <a:p>
-            <a:pPr algn="r" rtl="1"/>
-            <a:r>
-              <a:rPr lang="ar-SA" dirty="0">
-                <a:cs typeface="B Nazanin" panose="00000400000000000000" pitchFamily="2" charset="-78"/>
-              </a:rPr>
-              <a:t>برای پیدا کردن طولانی‌ترین مسابقه از نظر زمان، مراحل زیر را انجام دادیم:</a:t>
-            </a:r>
-            <a:endParaRPr lang="en-US" dirty="0">
-              <a:cs typeface="B Nazanin" panose="00000400000000000000" pitchFamily="2" charset="-78"/>
-            </a:endParaRPr>
-          </a:p>
-          <a:p>
-            <a:pPr algn="r" rtl="1"/>
-            <a:r>
-              <a:rPr lang="ar-SA" dirty="0">
-                <a:cs typeface="B Nazanin" panose="00000400000000000000" pitchFamily="2" charset="-78"/>
-              </a:rPr>
-              <a:t>فایل </a:t>
-            </a:r>
-            <a:r>
-              <a:rPr lang="de-DE" dirty="0">
-                <a:cs typeface="B Nazanin" panose="00000400000000000000" pitchFamily="2" charset="-78"/>
-              </a:rPr>
-              <a:t>MatchTimeInfo.csv </a:t>
-            </a:r>
-            <a:r>
-              <a:rPr lang="ar-SA" dirty="0">
-                <a:cs typeface="B Nazanin" panose="00000400000000000000" pitchFamily="2" charset="-78"/>
-              </a:rPr>
-              <a:t>را بارگذاری کردیم که شامل مدت زمان دوره‌های مختلف هر مسابقه است.</a:t>
-            </a:r>
-            <a:endParaRPr lang="en-US" dirty="0">
-              <a:cs typeface="B Nazanin" panose="00000400000000000000" pitchFamily="2" charset="-78"/>
-            </a:endParaRPr>
-          </a:p>
-          <a:p>
-            <a:pPr algn="r" rtl="1"/>
-            <a:r>
-              <a:rPr lang="ar-SA" dirty="0">
-                <a:cs typeface="B Nazanin" panose="00000400000000000000" pitchFamily="2" charset="-78"/>
-              </a:rPr>
-              <a:t>با استفاده از </a:t>
-            </a:r>
-            <a:r>
-              <a:rPr lang="de-DE" dirty="0" err="1">
-                <a:cs typeface="B Nazanin" panose="00000400000000000000" pitchFamily="2" charset="-78"/>
-              </a:rPr>
-              <a:t>groupby</a:t>
-            </a:r>
-            <a:r>
-              <a:rPr lang="de-DE" dirty="0">
-                <a:cs typeface="B Nazanin" panose="00000400000000000000" pitchFamily="2" charset="-78"/>
-              </a:rPr>
-              <a:t> </a:t>
-            </a:r>
-            <a:r>
-              <a:rPr lang="ar-SA" dirty="0">
-                <a:cs typeface="B Nazanin" panose="00000400000000000000" pitchFamily="2" charset="-78"/>
-              </a:rPr>
-              <a:t>و </a:t>
-            </a:r>
-            <a:r>
-              <a:rPr lang="de-DE" dirty="0" err="1">
-                <a:cs typeface="B Nazanin" panose="00000400000000000000" pitchFamily="2" charset="-78"/>
-              </a:rPr>
-              <a:t>sum</a:t>
-            </a:r>
-            <a:r>
-              <a:rPr lang="de-DE" dirty="0">
-                <a:cs typeface="B Nazanin" panose="00000400000000000000" pitchFamily="2" charset="-78"/>
-              </a:rPr>
-              <a:t>، </a:t>
-            </a:r>
-            <a:r>
-              <a:rPr lang="ar-SA" dirty="0">
-                <a:cs typeface="B Nazanin" panose="00000400000000000000" pitchFamily="2" charset="-78"/>
-              </a:rPr>
-              <a:t>مدت زمان هر دوره (از </a:t>
-            </a:r>
-            <a:r>
-              <a:rPr lang="de-DE" dirty="0">
-                <a:cs typeface="B Nazanin" panose="00000400000000000000" pitchFamily="2" charset="-78"/>
-              </a:rPr>
-              <a:t>period_1 </a:t>
-            </a:r>
-            <a:r>
-              <a:rPr lang="ar-SA" dirty="0">
-                <a:cs typeface="B Nazanin" panose="00000400000000000000" pitchFamily="2" charset="-78"/>
-              </a:rPr>
-              <a:t>تا </a:t>
-            </a:r>
-            <a:r>
-              <a:rPr lang="de-DE" dirty="0">
-                <a:cs typeface="B Nazanin" panose="00000400000000000000" pitchFamily="2" charset="-78"/>
-              </a:rPr>
-              <a:t>period_5) </a:t>
-            </a:r>
-            <a:r>
-              <a:rPr lang="ar-SA" dirty="0">
-                <a:cs typeface="B Nazanin" panose="00000400000000000000" pitchFamily="2" charset="-78"/>
-              </a:rPr>
-              <a:t>را برای هر </a:t>
-            </a:r>
-            <a:r>
-              <a:rPr lang="de-DE" dirty="0" err="1">
-                <a:cs typeface="B Nazanin" panose="00000400000000000000" pitchFamily="2" charset="-78"/>
-              </a:rPr>
-              <a:t>match_id</a:t>
-            </a:r>
-            <a:r>
-              <a:rPr lang="de-DE" dirty="0">
-                <a:cs typeface="B Nazanin" panose="00000400000000000000" pitchFamily="2" charset="-78"/>
-              </a:rPr>
-              <a:t> </a:t>
-            </a:r>
-            <a:r>
-              <a:rPr lang="ar-SA" dirty="0">
-                <a:cs typeface="B Nazanin" panose="00000400000000000000" pitchFamily="2" charset="-78"/>
-              </a:rPr>
-              <a:t>جمع زدیم.</a:t>
-            </a:r>
-            <a:endParaRPr lang="en-US" dirty="0">
-              <a:cs typeface="B Nazanin" panose="00000400000000000000" pitchFamily="2" charset="-78"/>
-            </a:endParaRPr>
-          </a:p>
-          <a:p>
-            <a:pPr algn="r" rtl="1"/>
-            <a:r>
-              <a:rPr lang="ar-SA" dirty="0">
-                <a:cs typeface="B Nazanin" panose="00000400000000000000" pitchFamily="2" charset="-78"/>
-              </a:rPr>
-              <a:t>یک ستون جدید به نام </a:t>
-            </a:r>
-            <a:r>
-              <a:rPr lang="de-DE" dirty="0" err="1">
-                <a:cs typeface="B Nazanin" panose="00000400000000000000" pitchFamily="2" charset="-78"/>
-              </a:rPr>
-              <a:t>total_duration</a:t>
-            </a:r>
-            <a:r>
-              <a:rPr lang="de-DE" dirty="0">
-                <a:cs typeface="B Nazanin" panose="00000400000000000000" pitchFamily="2" charset="-78"/>
-              </a:rPr>
-              <a:t> </a:t>
-            </a:r>
-            <a:r>
-              <a:rPr lang="ar-SA" dirty="0">
-                <a:cs typeface="B Nazanin" panose="00000400000000000000" pitchFamily="2" charset="-78"/>
-              </a:rPr>
-              <a:t>ایجاد کردیم که مجموع زمان تمام دوره‌ها برای هر مسابقه است.</a:t>
-            </a:r>
-            <a:endParaRPr lang="en-US" dirty="0">
-              <a:cs typeface="B Nazanin" panose="00000400000000000000" pitchFamily="2" charset="-78"/>
-            </a:endParaRPr>
-          </a:p>
-          <a:p>
-            <a:pPr algn="r" rtl="1"/>
-            <a:r>
-              <a:rPr lang="ar-SA" dirty="0">
-                <a:cs typeface="B Nazanin" panose="00000400000000000000" pitchFamily="2" charset="-78"/>
-              </a:rPr>
-              <a:t>داده‌ها را بر اساس </a:t>
-            </a:r>
-            <a:r>
-              <a:rPr lang="de-DE" dirty="0" err="1">
-                <a:cs typeface="B Nazanin" panose="00000400000000000000" pitchFamily="2" charset="-78"/>
-              </a:rPr>
-              <a:t>total_duration</a:t>
-            </a:r>
-            <a:r>
-              <a:rPr lang="de-DE" dirty="0">
-                <a:cs typeface="B Nazanin" panose="00000400000000000000" pitchFamily="2" charset="-78"/>
-              </a:rPr>
-              <a:t> </a:t>
-            </a:r>
-            <a:r>
-              <a:rPr lang="ar-SA" dirty="0">
-                <a:cs typeface="B Nazanin" panose="00000400000000000000" pitchFamily="2" charset="-78"/>
-              </a:rPr>
-              <a:t>به ترتیب نزولی مرتب کردیم تا مسابقه با بیشترین مدت زمان در صدر قرار گیرد.</a:t>
-            </a:r>
-            <a:endParaRPr lang="en-US" dirty="0">
+            <a:endParaRPr lang="fa-IR" dirty="0">
               <a:cs typeface="B Nazanin" panose="00000400000000000000" pitchFamily="2" charset="-78"/>
             </a:endParaRPr>
           </a:p>
@@ -10852,10 +9197,100 @@
           <a:p>
             <a:pPr algn="r" rtl="1"/>
             <a:r>
+              <a:rPr lang="ar-SA" b="1" dirty="0">
+                <a:cs typeface="B Nazanin" panose="00000400000000000000" pitchFamily="2" charset="-78"/>
+              </a:rPr>
+              <a:t>روش انجام کار:</a:t>
+            </a:r>
+            <a:endParaRPr lang="en-US" b="1" dirty="0">
+              <a:cs typeface="B Nazanin" panose="00000400000000000000" pitchFamily="2" charset="-78"/>
+            </a:endParaRPr>
+          </a:p>
+          <a:p>
+            <a:pPr algn="r" rtl="1"/>
+            <a:r>
               <a:rPr lang="ar-SA" dirty="0">
                 <a:cs typeface="B Nazanin" panose="00000400000000000000" pitchFamily="2" charset="-78"/>
               </a:rPr>
-              <a:t>نتیجه:طولانی‌ترین مسابقه ثبت‌شده دارای شناسه 12063611 است با مدت زمان: 1,347,160 واحد زمانی</a:t>
+              <a:t>بارگذاری اطلاعات زمان دوره‌های مسابقات</a:t>
+            </a:r>
+          </a:p>
+          <a:p>
+            <a:pPr algn="r" rtl="1"/>
+            <a:r>
+              <a:rPr lang="ar-SA" dirty="0">
+                <a:cs typeface="B Nazanin" panose="00000400000000000000" pitchFamily="2" charset="-78"/>
+              </a:rPr>
+              <a:t>محاسبه مجموع زمان هر مسابقه</a:t>
+            </a:r>
+          </a:p>
+          <a:p>
+            <a:pPr algn="r" rtl="1"/>
+            <a:r>
+              <a:rPr lang="ar-SA" dirty="0">
+                <a:cs typeface="B Nazanin" panose="00000400000000000000" pitchFamily="2" charset="-78"/>
+              </a:rPr>
+              <a:t>ایجاد ستون مدت زمان کل برای هر مسابقه</a:t>
+            </a:r>
+          </a:p>
+          <a:p>
+            <a:pPr algn="r" rtl="1"/>
+            <a:r>
+              <a:rPr lang="ar-SA" dirty="0">
+                <a:cs typeface="B Nazanin" panose="00000400000000000000" pitchFamily="2" charset="-78"/>
+              </a:rPr>
+              <a:t>مرتب‌سازی برای یافتن طولانی‌ترین مسابقه</a:t>
+            </a:r>
+          </a:p>
+          <a:p>
+            <a:pPr algn="r" rtl="1"/>
+            <a:endParaRPr lang="en-US" dirty="0">
+              <a:cs typeface="B Nazanin" panose="00000400000000000000" pitchFamily="2" charset="-78"/>
+            </a:endParaRPr>
+          </a:p>
+          <a:p>
+            <a:pPr algn="r" rtl="1"/>
+            <a:r>
+              <a:rPr lang="ar-SA" b="1" dirty="0">
+                <a:cs typeface="B Nazanin" panose="00000400000000000000" pitchFamily="2" charset="-78"/>
+              </a:rPr>
+              <a:t>نتیجه:</a:t>
+            </a:r>
+            <a:endParaRPr lang="fa-IR" b="1" dirty="0">
+              <a:cs typeface="B Nazanin" panose="00000400000000000000" pitchFamily="2" charset="-78"/>
+            </a:endParaRPr>
+          </a:p>
+          <a:p>
+            <a:pPr algn="r" rtl="1"/>
+            <a:r>
+              <a:rPr lang="ar-SA" dirty="0">
+                <a:cs typeface="B Nazanin" panose="00000400000000000000" pitchFamily="2" charset="-78"/>
+              </a:rPr>
+              <a:t>طولانی‌ترین مسابقه ثبت‌شده دارای شناسه 12063611 است با مدت زمان: 1,347,160 واحد زمانی</a:t>
+            </a:r>
+            <a:r>
+              <a:rPr lang="fa-IR" dirty="0">
+                <a:cs typeface="B Nazanin" panose="00000400000000000000" pitchFamily="2" charset="-78"/>
+              </a:rPr>
+              <a:t> ثانیه معادل تقریبا</a:t>
+            </a:r>
+            <a:r>
+              <a:rPr lang="ar-SA" dirty="0">
+                <a:cs typeface="B Nazanin" panose="00000400000000000000" pitchFamily="2" charset="-78"/>
+              </a:rPr>
+              <a:t> </a:t>
+            </a:r>
+            <a:r>
+              <a:rPr lang="fa-IR" dirty="0">
+                <a:cs typeface="B Nazanin" panose="00000400000000000000" pitchFamily="2" charset="-78"/>
+              </a:rPr>
+              <a:t>22.453</a:t>
+            </a:r>
+            <a:r>
+              <a:rPr lang="ar-SA" dirty="0">
+                <a:cs typeface="B Nazanin" panose="00000400000000000000" pitchFamily="2" charset="-78"/>
+              </a:rPr>
+              <a:t>دقیقه</a:t>
             </a:r>
             <a:endParaRPr lang="de-DE" dirty="0">
               <a:cs typeface="B Nazanin" panose="00000400000000000000" pitchFamily="2" charset="-78"/>
@@ -10908,7 +9343,7 @@
         <p:spPr>
           <a:xfrm>
             <a:off x="1141464" y="827440"/>
-            <a:ext cx="10183605" cy="4247317"/>
+            <a:ext cx="10183605" cy="4524315"/>
           </a:xfrm>
           <a:prstGeom prst="rect">
             <a:avLst/>
@@ -10940,7 +9375,25 @@
               </a:rPr>
               <a:t>در یک مسابقه تنیس معمولاً چند ست بازی می‌شود؟</a:t>
             </a:r>
-            <a:endParaRPr lang="en-US" dirty="0">
+            <a:endParaRPr lang="fa-IR" dirty="0">
+              <a:cs typeface="B Nazanin" panose="00000400000000000000" pitchFamily="2" charset="-78"/>
+            </a:endParaRPr>
+          </a:p>
+          <a:p>
+            <a:pPr algn="r" rtl="1"/>
+            <a:endParaRPr lang="fa-IR" dirty="0">
+              <a:cs typeface="B Nazanin" panose="00000400000000000000" pitchFamily="2" charset="-78"/>
+            </a:endParaRPr>
+          </a:p>
+          <a:p>
+            <a:pPr algn="r" rtl="1"/>
+            <a:r>
+              <a:rPr lang="fa-IR" b="1" dirty="0">
+                <a:cs typeface="B Nazanin" panose="00000400000000000000" pitchFamily="2" charset="-78"/>
+              </a:rPr>
+              <a:t>روش انجام کار:</a:t>
+            </a:r>
+            <a:endParaRPr lang="en-US" b="1" dirty="0">
               <a:cs typeface="B Nazanin" panose="00000400000000000000" pitchFamily="2" charset="-78"/>
             </a:endParaRPr>
           </a:p>
@@ -10952,156 +9405,30 @@
           </a:p>
           <a:p>
             <a:pPr algn="r" rtl="1"/>
-            <a:r>
-              <a:rPr lang="ar-SA" b="1" dirty="0">
-                <a:cs typeface="B Nazanin" panose="00000400000000000000" pitchFamily="2" charset="-78"/>
-              </a:rPr>
-              <a:t>روش انجام کار:</a:t>
-            </a:r>
-            <a:endParaRPr lang="fa-IR" b="1" dirty="0">
-              <a:cs typeface="B Nazanin" panose="00000400000000000000" pitchFamily="2" charset="-78"/>
-            </a:endParaRPr>
-          </a:p>
-          <a:p>
-            <a:pPr algn="r" rtl="1"/>
-            <a:r>
-              <a:rPr lang="ar-SA" dirty="0">
-                <a:cs typeface="B Nazanin" panose="00000400000000000000" pitchFamily="2" charset="-78"/>
-              </a:rPr>
-              <a:t>برای بررسی تعداد ست‌های معمول در مسابقات تنیس، مراحل زیر را انجام دادیم:</a:t>
-            </a:r>
             <a:endParaRPr lang="fa-IR" dirty="0">
               <a:cs typeface="B Nazanin" panose="00000400000000000000" pitchFamily="2" charset="-78"/>
             </a:endParaRPr>
           </a:p>
           <a:p>
             <a:pPr algn="r" rtl="1"/>
-            <a:r>
-              <a:rPr lang="ar-SA" dirty="0">
-                <a:cs typeface="B Nazanin" panose="00000400000000000000" pitchFamily="2" charset="-78"/>
-              </a:rPr>
-              <a:t>فایل </a:t>
-            </a:r>
-            <a:r>
-              <a:rPr lang="de-DE" dirty="0">
-                <a:cs typeface="B Nazanin" panose="00000400000000000000" pitchFamily="2" charset="-78"/>
-              </a:rPr>
-              <a:t>PowerInfo.csv </a:t>
-            </a:r>
-            <a:r>
-              <a:rPr lang="ar-SA" dirty="0">
-                <a:cs typeface="B Nazanin" panose="00000400000000000000" pitchFamily="2" charset="-78"/>
-              </a:rPr>
-              <a:t>را بارگذاری کردیم که شامل ستون </a:t>
-            </a:r>
-            <a:r>
-              <a:rPr lang="de-DE" dirty="0" err="1">
-                <a:cs typeface="B Nazanin" panose="00000400000000000000" pitchFamily="2" charset="-78"/>
-              </a:rPr>
-              <a:t>set_num</a:t>
-            </a:r>
-            <a:r>
-              <a:rPr lang="de-DE" dirty="0">
-                <a:cs typeface="B Nazanin" panose="00000400000000000000" pitchFamily="2" charset="-78"/>
-              </a:rPr>
-              <a:t> (</a:t>
-            </a:r>
-            <a:r>
-              <a:rPr lang="ar-SA" dirty="0">
-                <a:cs typeface="B Nazanin" panose="00000400000000000000" pitchFamily="2" charset="-78"/>
-              </a:rPr>
-              <a:t>تعداد ست‌های بازی‌شده در هر مسابقه) است.</a:t>
-            </a:r>
             <a:endParaRPr lang="fa-IR" dirty="0">
               <a:cs typeface="B Nazanin" panose="00000400000000000000" pitchFamily="2" charset="-78"/>
             </a:endParaRPr>
           </a:p>
           <a:p>
             <a:pPr algn="r" rtl="1"/>
-            <a:r>
-              <a:rPr lang="ar-SA" dirty="0">
-                <a:cs typeface="B Nazanin" panose="00000400000000000000" pitchFamily="2" charset="-78"/>
-              </a:rPr>
-              <a:t>با استفاده از تابع </a:t>
-            </a:r>
-            <a:r>
-              <a:rPr lang="de-DE" dirty="0" err="1">
-                <a:cs typeface="B Nazanin" panose="00000400000000000000" pitchFamily="2" charset="-78"/>
-              </a:rPr>
-              <a:t>mode</a:t>
-            </a:r>
-            <a:r>
-              <a:rPr lang="de-DE" dirty="0">
-                <a:cs typeface="B Nazanin" panose="00000400000000000000" pitchFamily="2" charset="-78"/>
-              </a:rPr>
-              <a:t>()، </a:t>
-            </a:r>
-            <a:r>
-              <a:rPr lang="ar-SA" dirty="0">
-                <a:cs typeface="B Nazanin" panose="00000400000000000000" pitchFamily="2" charset="-78"/>
-              </a:rPr>
-              <a:t>رایج‌ترین تعداد ست در مسابقات را به دست آوردیم.</a:t>
-            </a:r>
             <a:endParaRPr lang="fa-IR" dirty="0">
               <a:cs typeface="B Nazanin" panose="00000400000000000000" pitchFamily="2" charset="-78"/>
             </a:endParaRPr>
           </a:p>
           <a:p>
             <a:pPr algn="r" rtl="1"/>
-            <a:r>
-              <a:rPr lang="ar-SA" dirty="0">
-                <a:cs typeface="B Nazanin" panose="00000400000000000000" pitchFamily="2" charset="-78"/>
-              </a:rPr>
-              <a:t>با استفاده از تابع </a:t>
-            </a:r>
-            <a:r>
-              <a:rPr lang="de-DE" dirty="0" err="1">
-                <a:cs typeface="B Nazanin" panose="00000400000000000000" pitchFamily="2" charset="-78"/>
-              </a:rPr>
-              <a:t>max</a:t>
-            </a:r>
-            <a:r>
-              <a:rPr lang="de-DE" dirty="0">
-                <a:cs typeface="B Nazanin" panose="00000400000000000000" pitchFamily="2" charset="-78"/>
-              </a:rPr>
-              <a:t>()، </a:t>
-            </a:r>
-            <a:r>
-              <a:rPr lang="ar-SA" dirty="0">
-                <a:cs typeface="B Nazanin" panose="00000400000000000000" pitchFamily="2" charset="-78"/>
-              </a:rPr>
-              <a:t>بیشترین تعداد ست ثبت‌شده در یک مسابقه را مشخص کردیم.</a:t>
-            </a:r>
             <a:endParaRPr lang="fa-IR" dirty="0">
               <a:cs typeface="B Nazanin" panose="00000400000000000000" pitchFamily="2" charset="-78"/>
             </a:endParaRPr>
           </a:p>
           <a:p>
             <a:pPr algn="r" rtl="1"/>
-            <a:r>
-              <a:rPr lang="ar-SA" dirty="0">
-                <a:cs typeface="B Nazanin" panose="00000400000000000000" pitchFamily="2" charset="-78"/>
-              </a:rPr>
-              <a:t>با استفاده از </a:t>
-            </a:r>
-            <a:r>
-              <a:rPr lang="de-DE" dirty="0" err="1">
-                <a:cs typeface="B Nazanin" panose="00000400000000000000" pitchFamily="2" charset="-78"/>
-              </a:rPr>
-              <a:t>value_counts</a:t>
-            </a:r>
-            <a:r>
-              <a:rPr lang="de-DE" dirty="0">
-                <a:cs typeface="B Nazanin" panose="00000400000000000000" pitchFamily="2" charset="-78"/>
-              </a:rPr>
-              <a:t>()، </a:t>
-            </a:r>
-            <a:r>
-              <a:rPr lang="ar-SA" dirty="0">
-                <a:cs typeface="B Nazanin" panose="00000400000000000000" pitchFamily="2" charset="-78"/>
-              </a:rPr>
-              <a:t>۱۰ مقدار پرتکرار تعداد ست‌ها در مسابقات را بررسی کردیم.</a:t>
-            </a:r>
             <a:endParaRPr lang="fa-IR" dirty="0">
               <a:cs typeface="B Nazanin" panose="00000400000000000000" pitchFamily="2" charset="-78"/>
             </a:endParaRPr>
@@ -11183,13 +9510,13 @@
           <p:nvPr>
             <p:extLst>
               <p:ext uri="{D42A27DB-BD31-4B8C-83A1-F6EECF244321}">
-                <p14:modId xmlns:p14="http://schemas.microsoft.com/office/powerpoint/2010/main" val="3230462796"/>
+                <p14:modId xmlns:p14="http://schemas.microsoft.com/office/powerpoint/2010/main" val="2691521580"/>
               </p:ext>
             </p:extLst>
           </p:nvPr>
         </p:nvGraphicFramePr>
         <p:xfrm>
-          <a:off x="710783" y="4926187"/>
+          <a:off x="976458" y="3300587"/>
           <a:ext cx="3020460" cy="1463040"/>
         </p:xfrm>
         <a:graphic>
@@ -11289,7 +9616,7 @@
                     <a:bodyPr/>
                     <a:lstStyle/>
                     <a:p>
-                      <a:pPr algn="r" rtl="1">
+                      <a:pPr algn="ctr" rtl="1">
                         <a:buNone/>
                       </a:pPr>
                       <a:r>
@@ -11360,7 +9687,7 @@
                     <a:bodyPr/>
                     <a:lstStyle/>
                     <a:p>
-                      <a:pPr algn="r" rtl="1">
+                      <a:pPr algn="ctr" rtl="1">
                         <a:buNone/>
                       </a:pPr>
                       <a:r>
@@ -11431,11 +9758,11 @@
                     <a:bodyPr/>
                     <a:lstStyle/>
                     <a:p>
-                      <a:pPr algn="r" rtl="1">
+                      <a:pPr algn="ctr" rtl="1">
                         <a:buNone/>
                       </a:pPr>
                       <a:r>
-                        <a:rPr lang="de-DE">
+                        <a:rPr lang="de-DE" dirty="0">
                           <a:cs typeface="B Nazanin" panose="00000400000000000000" pitchFamily="2" charset="-78"/>
                         </a:rPr>
                         <a:t>3</a:t>
@@ -11500,6 +9827,198 @@
           </a:graphicData>
         </a:graphic>
       </p:graphicFrame>
+      <p:sp>
+        <p:nvSpPr>
+          <p:cNvPr id="4" name="Rectangle 3">
+            <a:extLst>
+              <a:ext uri="{FF2B5EF4-FFF2-40B4-BE49-F238E27FC236}">
+                <a16:creationId xmlns:a16="http://schemas.microsoft.com/office/drawing/2014/main" id="{09179B07-3930-3F62-C59E-B7CF2C46CE5D}"/>
+              </a:ext>
+            </a:extLst>
+          </p:cNvPr>
+          <p:cNvSpPr>
+            <a:spLocks noChangeArrowheads="1"/>
+          </p:cNvSpPr>
+          <p:nvPr/>
+        </p:nvSpPr>
+        <p:spPr bwMode="auto">
+          <a:xfrm>
+            <a:off x="6852371" y="2244814"/>
+            <a:ext cx="4472698" cy="1323439"/>
+          </a:xfrm>
+          <a:prstGeom prst="rect">
+            <a:avLst/>
+          </a:prstGeom>
+          <a:noFill/>
+          <a:ln>
+            <a:noFill/>
+          </a:ln>
+          <a:effectLst/>
+          <a:extLst>
+            <a:ext uri="{909E8E84-426E-40DD-AFC4-6F175D3DCCD1}">
+              <a14:hiddenFill xmlns:a14="http://schemas.microsoft.com/office/drawing/2010/main">
+                <a:solidFill>
+                  <a:schemeClr val="accent1"/>
+                </a:solidFill>
+              </a14:hiddenFill>
+            </a:ext>
+            <a:ext uri="{91240B29-F687-4F45-9708-019B960494DF}">
+              <a14:hiddenLine xmlns:a14="http://schemas.microsoft.com/office/drawing/2010/main" w="9525">
+                <a:solidFill>
+                  <a:schemeClr val="tx1"/>
+                </a:solidFill>
+                <a:miter lim="800000"/>
+                <a:headEnd/>
+                <a:tailEnd/>
+              </a14:hiddenLine>
+            </a:ext>
+            <a:ext uri="{AF507438-7753-43E0-B8FC-AC1667EBCBE1}">
+              <a14:hiddenEffects xmlns:a14="http://schemas.microsoft.com/office/drawing/2010/main">
+                <a:effectLst>
+                  <a:outerShdw dist="35921" dir="2700000" algn="ctr" rotWithShape="0">
+                    <a:schemeClr val="bg2"/>
+                  </a:outerShdw>
+                </a:effectLst>
+              </a14:hiddenEffects>
+            </a:ext>
+          </a:extLst>
+        </p:spPr>
+        <p:txBody>
+          <a:bodyPr vert="horz" wrap="none" lIns="91440" tIns="45720" rIns="91440" bIns="45720" numCol="1" anchor="ctr" anchorCtr="0" compatLnSpc="1">
+            <a:prstTxWarp prst="textNoShape">
+              <a:avLst/>
+            </a:prstTxWarp>
+            <a:spAutoFit/>
+          </a:bodyPr>
+          <a:lstStyle/>
+          <a:p>
+            <a:pPr marL="0" marR="0" lvl="0" indent="0" algn="r" defTabSz="914400" rtl="1" eaLnBrk="0" fontAlgn="base" latinLnBrk="0" hangingPunct="0">
+              <a:lnSpc>
+                <a:spcPct val="100000"/>
+              </a:lnSpc>
+              <a:spcBef>
+                <a:spcPct val="0"/>
+              </a:spcBef>
+              <a:spcAft>
+                <a:spcPct val="0"/>
+              </a:spcAft>
+              <a:buClrTx/>
+              <a:buSzTx/>
+              <a:buFontTx/>
+              <a:buChar char="•"/>
+              <a:tabLst/>
+            </a:pPr>
+            <a:r>
+              <a:rPr lang="fa-IR" altLang="de-DE" sz="2000" dirty="0">
+                <a:cs typeface="B Nazanin" panose="00000400000000000000" pitchFamily="2" charset="-78"/>
+              </a:rPr>
+              <a:t>ب</a:t>
+            </a:r>
+            <a:r>
+              <a:rPr lang="ar-SA" altLang="de-DE" sz="2000" dirty="0">
+                <a:cs typeface="B Nazanin" panose="00000400000000000000" pitchFamily="2" charset="-78"/>
+              </a:rPr>
+              <a:t>ارگذاری داده‌های مربوط به تعداد ست‌های هر مسابقه</a:t>
+            </a:r>
+            <a:endParaRPr lang="de-DE" altLang="de-DE" sz="2000" dirty="0">
+              <a:cs typeface="B Nazanin" panose="00000400000000000000" pitchFamily="2" charset="-78"/>
+            </a:endParaRPr>
+          </a:p>
+          <a:p>
+            <a:pPr marL="0" marR="0" lvl="0" indent="0" algn="r" defTabSz="914400" rtl="1" eaLnBrk="0" fontAlgn="base" latinLnBrk="0" hangingPunct="0">
+              <a:lnSpc>
+                <a:spcPct val="100000"/>
+              </a:lnSpc>
+              <a:spcBef>
+                <a:spcPct val="0"/>
+              </a:spcBef>
+              <a:spcAft>
+                <a:spcPct val="0"/>
+              </a:spcAft>
+              <a:buClrTx/>
+              <a:buSzTx/>
+              <a:buFontTx/>
+              <a:buChar char="•"/>
+              <a:tabLst/>
+            </a:pPr>
+            <a:r>
+              <a:rPr lang="ar-SA" altLang="de-DE" sz="2000" dirty="0">
+                <a:cs typeface="B Nazanin" panose="00000400000000000000" pitchFamily="2" charset="-78"/>
+              </a:rPr>
+              <a:t>یافتن رایج‌ترین تعداد ست‌ها با استفاده از مد</a:t>
+            </a:r>
+            <a:endParaRPr lang="de-DE" altLang="de-DE" sz="2000" dirty="0">
+              <a:cs typeface="B Nazanin" panose="00000400000000000000" pitchFamily="2" charset="-78"/>
+            </a:endParaRPr>
+          </a:p>
+          <a:p>
+            <a:pPr marL="0" marR="0" lvl="0" indent="0" algn="r" defTabSz="914400" rtl="1" eaLnBrk="0" fontAlgn="base" latinLnBrk="0" hangingPunct="0">
+              <a:lnSpc>
+                <a:spcPct val="100000"/>
+              </a:lnSpc>
+              <a:spcBef>
+                <a:spcPct val="0"/>
+              </a:spcBef>
+              <a:spcAft>
+                <a:spcPct val="0"/>
+              </a:spcAft>
+              <a:buClrTx/>
+              <a:buSzTx/>
+              <a:buFontTx/>
+              <a:buChar char="•"/>
+              <a:tabLst/>
+            </a:pPr>
+            <a:r>
+              <a:rPr lang="ar-SA" altLang="de-DE" sz="2000" dirty="0">
+                <a:cs typeface="B Nazanin" panose="00000400000000000000" pitchFamily="2" charset="-78"/>
+              </a:rPr>
+              <a:t>بررسی بیشترین تعداد ست ثبت‌شده</a:t>
+            </a:r>
+            <a:endParaRPr lang="de-DE" altLang="de-DE" sz="2000" dirty="0">
+              <a:cs typeface="B Nazanin" panose="00000400000000000000" pitchFamily="2" charset="-78"/>
+            </a:endParaRPr>
+          </a:p>
+          <a:p>
+            <a:pPr marL="0" marR="0" lvl="0" indent="0" algn="r" defTabSz="914400" rtl="1" eaLnBrk="0" fontAlgn="base" latinLnBrk="0" hangingPunct="0">
+              <a:lnSpc>
+                <a:spcPct val="100000"/>
+              </a:lnSpc>
+              <a:spcBef>
+                <a:spcPct val="0"/>
+              </a:spcBef>
+              <a:spcAft>
+                <a:spcPct val="0"/>
+              </a:spcAft>
+              <a:buClrTx/>
+              <a:buSzTx/>
+              <a:buFontTx/>
+              <a:buChar char="•"/>
+              <a:tabLst/>
+            </a:pPr>
+            <a:r>
+              <a:rPr lang="ar-SA" altLang="de-DE" sz="2000" dirty="0">
+                <a:cs typeface="B Nazanin" panose="00000400000000000000" pitchFamily="2" charset="-78"/>
+              </a:rPr>
+              <a:t>نمایش </a:t>
+            </a:r>
+            <a:r>
+              <a:rPr lang="fa-IR" altLang="de-DE" sz="2000" dirty="0">
+                <a:cs typeface="B Nazanin" panose="00000400000000000000" pitchFamily="2" charset="-78"/>
+              </a:rPr>
+              <a:t>۱۰</a:t>
+            </a:r>
+            <a:r>
+              <a:rPr lang="ar-SA" altLang="de-DE" sz="2000" dirty="0">
+                <a:cs typeface="B Nazanin" panose="00000400000000000000" pitchFamily="2" charset="-78"/>
+              </a:rPr>
+              <a:t> مقدار پرتکرار در تعداد ست‌ها</a:t>
+            </a:r>
+            <a:endParaRPr lang="de-DE" altLang="de-DE" sz="2000" dirty="0">
+              <a:cs typeface="B Nazanin" panose="00000400000000000000" pitchFamily="2" charset="-78"/>
+            </a:endParaRPr>
+          </a:p>
+        </p:txBody>
+      </p:sp>
     </p:spTree>
     <p:extLst>
       <p:ext uri="{BB962C8B-B14F-4D97-AF65-F5344CB8AC3E}">
@@ -11545,7 +10064,7 @@
         <p:spPr>
           <a:xfrm>
             <a:off x="1036176" y="1423417"/>
-            <a:ext cx="10291601" cy="4801314"/>
+            <a:ext cx="10291601" cy="3970318"/>
           </a:xfrm>
           <a:prstGeom prst="rect">
             <a:avLst/>
@@ -11565,9 +10084,30 @@
               </a:rPr>
               <a:t>سوال ۶:</a:t>
             </a:r>
-            <a:endParaRPr lang="en-US" dirty="0">
+            <a:r>
+              <a:rPr lang="fa-IR" dirty="0">
+                <a:cs typeface="B Nazanin" panose="00000400000000000000" pitchFamily="2" charset="-78"/>
+              </a:rPr>
+              <a:t> </a:t>
+            </a:r>
+            <a:r>
+              <a:rPr lang="ar-SA" dirty="0">
+                <a:cs typeface="B Nazanin" panose="00000400000000000000" pitchFamily="2" charset="-78"/>
+              </a:rPr>
+              <a:t>کدام کشور بیشترین بازیکنان تنیس موفق را داشته است؟</a:t>
+            </a:r>
+            <a:endParaRPr lang="fa-IR" dirty="0">
               <a:cs typeface="B Nazanin" panose="00000400000000000000" pitchFamily="2" charset="-78"/>
             </a:endParaRPr>
+          </a:p>
+          <a:p>
+            <a:pPr algn="r" rtl="1"/>
+            <a:r>
+              <a:rPr lang="fa-IR" b="1" dirty="0">
+                <a:cs typeface="B Nazanin" panose="00000400000000000000" pitchFamily="2" charset="-78"/>
+              </a:rPr>
+              <a:t>روش انجام کار:</a:t>
+            </a:r>
           </a:p>
           <a:p>
             <a:pPr algn="r" rtl="1"/>
@@ -11576,13 +10116,124 @@
             </a:endParaRPr>
           </a:p>
           <a:p>
+            <a:pPr lvl="0" algn="r" defTabSz="914400" rtl="1" eaLnBrk="0" fontAlgn="base" hangingPunct="0">
+              <a:spcBef>
+                <a:spcPct val="0"/>
+              </a:spcBef>
+              <a:spcAft>
+                <a:spcPct val="0"/>
+              </a:spcAft>
+              <a:buFontTx/>
+              <a:buChar char="•"/>
+            </a:pPr>
+            <a:r>
+              <a:rPr lang="ar-SA" altLang="de-DE" dirty="0">
+                <a:cs typeface="B Nazanin" panose="00000400000000000000" pitchFamily="2" charset="-78"/>
+              </a:rPr>
+              <a:t>بارگذاری شناسه مسابقه و کد برنده</a:t>
+            </a:r>
+            <a:endParaRPr lang="de-DE" altLang="de-DE" dirty="0">
+              <a:cs typeface="B Nazanin" panose="00000400000000000000" pitchFamily="2" charset="-78"/>
+            </a:endParaRPr>
+          </a:p>
+          <a:p>
+            <a:pPr lvl="0" algn="r" defTabSz="914400" rtl="1" eaLnBrk="0" fontAlgn="base" hangingPunct="0">
+              <a:spcBef>
+                <a:spcPct val="0"/>
+              </a:spcBef>
+              <a:spcAft>
+                <a:spcPct val="0"/>
+              </a:spcAft>
+              <a:buFontTx/>
+              <a:buChar char="•"/>
+            </a:pPr>
+            <a:r>
+              <a:rPr lang="ar-SA" altLang="de-DE" dirty="0">
+                <a:cs typeface="B Nazanin" panose="00000400000000000000" pitchFamily="2" charset="-78"/>
+              </a:rPr>
+              <a:t>ادغام با اطلاعات بازیکنان میزبان و میهمان (نام و کشور)</a:t>
+            </a:r>
+            <a:endParaRPr lang="de-DE" altLang="de-DE" dirty="0">
+              <a:cs typeface="B Nazanin" panose="00000400000000000000" pitchFamily="2" charset="-78"/>
+            </a:endParaRPr>
+          </a:p>
+          <a:p>
+            <a:pPr lvl="0" algn="r" defTabSz="914400" rtl="1" eaLnBrk="0" fontAlgn="base" hangingPunct="0">
+              <a:spcBef>
+                <a:spcPct val="0"/>
+              </a:spcBef>
+              <a:spcAft>
+                <a:spcPct val="0"/>
+              </a:spcAft>
+              <a:buFontTx/>
+              <a:buChar char="•"/>
+            </a:pPr>
+            <a:r>
+              <a:rPr lang="ar-SA" altLang="de-DE" dirty="0">
+                <a:cs typeface="B Nazanin" panose="00000400000000000000" pitchFamily="2" charset="-78"/>
+              </a:rPr>
+              <a:t>تعیین برنده هر مسابقه براساس کد پیروزی</a:t>
+            </a:r>
+            <a:endParaRPr lang="de-DE" altLang="de-DE" dirty="0">
+              <a:cs typeface="B Nazanin" panose="00000400000000000000" pitchFamily="2" charset="-78"/>
+            </a:endParaRPr>
+          </a:p>
+          <a:p>
+            <a:pPr lvl="0" algn="r" defTabSz="914400" rtl="1" eaLnBrk="0" fontAlgn="base" hangingPunct="0">
+              <a:spcBef>
+                <a:spcPct val="0"/>
+              </a:spcBef>
+              <a:spcAft>
+                <a:spcPct val="0"/>
+              </a:spcAft>
+              <a:buFontTx/>
+              <a:buChar char="•"/>
+            </a:pPr>
+            <a:r>
+              <a:rPr lang="ar-SA" altLang="de-DE" dirty="0">
+                <a:cs typeface="B Nazanin" panose="00000400000000000000" pitchFamily="2" charset="-78"/>
+              </a:rPr>
+              <a:t>شمارش تعداد بردهای هر کشور</a:t>
+            </a:r>
+            <a:endParaRPr lang="de-DE" altLang="de-DE" dirty="0">
+              <a:cs typeface="B Nazanin" panose="00000400000000000000" pitchFamily="2" charset="-78"/>
+            </a:endParaRPr>
+          </a:p>
+          <a:p>
+            <a:pPr lvl="0" algn="r" defTabSz="914400" rtl="1" eaLnBrk="0" fontAlgn="base" hangingPunct="0">
+              <a:spcBef>
+                <a:spcPct val="0"/>
+              </a:spcBef>
+              <a:spcAft>
+                <a:spcPct val="0"/>
+              </a:spcAft>
+              <a:buFontTx/>
+              <a:buChar char="•"/>
+            </a:pPr>
+            <a:r>
+              <a:rPr lang="ar-SA" altLang="de-DE" dirty="0">
+                <a:cs typeface="B Nazanin" panose="00000400000000000000" pitchFamily="2" charset="-78"/>
+              </a:rPr>
+              <a:t>مرتب‌سازی و استخراج </a:t>
+            </a:r>
+            <a:r>
+              <a:rPr lang="fa-IR" altLang="de-DE" dirty="0">
+                <a:cs typeface="B Nazanin" panose="00000400000000000000" pitchFamily="2" charset="-78"/>
+              </a:rPr>
+              <a:t>۱۰</a:t>
+            </a:r>
+            <a:r>
+              <a:rPr lang="ar-SA" altLang="de-DE" dirty="0">
+                <a:cs typeface="B Nazanin" panose="00000400000000000000" pitchFamily="2" charset="-78"/>
+              </a:rPr>
+              <a:t> کشور برتر</a:t>
+            </a:r>
+            <a:endParaRPr lang="de-DE" altLang="de-DE" dirty="0">
+              <a:cs typeface="B Nazanin" panose="00000400000000000000" pitchFamily="2" charset="-78"/>
+            </a:endParaRPr>
+          </a:p>
+          <a:p>
             <a:pPr algn="r" rtl="1"/>
-            <a:r>
-              <a:rPr lang="ar-SA" dirty="0">
-                <a:cs typeface="B Nazanin" panose="00000400000000000000" pitchFamily="2" charset="-78"/>
-              </a:rPr>
-              <a:t>کدام کشور بیشترین بازیکنان تنیس موفق را داشته است؟</a:t>
-            </a:r>
             <a:endParaRPr lang="fa-IR" dirty="0">
               <a:cs typeface="B Nazanin" panose="00000400000000000000" pitchFamily="2" charset="-78"/>
             </a:endParaRPr>
@@ -11590,112 +10241,16 @@
           <a:p>
             <a:pPr algn="r" rtl="1"/>
             <a:r>
-              <a:rPr lang="de-DE" dirty="0" err="1">
-                <a:cs typeface="B Nazanin" panose="00000400000000000000" pitchFamily="2" charset="-78"/>
-              </a:rPr>
-              <a:t>Which</a:t>
-            </a:r>
-            <a:r>
-              <a:rPr lang="de-DE" dirty="0">
-                <a:cs typeface="B Nazanin" panose="00000400000000000000" pitchFamily="2" charset="-78"/>
-              </a:rPr>
-              <a:t> </a:t>
-            </a:r>
-            <a:r>
-              <a:rPr lang="de-DE" dirty="0" err="1">
-                <a:cs typeface="B Nazanin" panose="00000400000000000000" pitchFamily="2" charset="-78"/>
-              </a:rPr>
-              <a:t>country</a:t>
-            </a:r>
-            <a:r>
-              <a:rPr lang="de-DE" dirty="0">
-                <a:cs typeface="B Nazanin" panose="00000400000000000000" pitchFamily="2" charset="-78"/>
-              </a:rPr>
-              <a:t> </a:t>
-            </a:r>
-            <a:r>
-              <a:rPr lang="de-DE" dirty="0" err="1">
-                <a:cs typeface="B Nazanin" panose="00000400000000000000" pitchFamily="2" charset="-78"/>
-              </a:rPr>
-              <a:t>has</a:t>
-            </a:r>
-            <a:r>
-              <a:rPr lang="de-DE" dirty="0">
-                <a:cs typeface="B Nazanin" panose="00000400000000000000" pitchFamily="2" charset="-78"/>
-              </a:rPr>
-              <a:t> </a:t>
-            </a:r>
-            <a:r>
-              <a:rPr lang="de-DE" dirty="0" err="1">
-                <a:cs typeface="B Nazanin" panose="00000400000000000000" pitchFamily="2" charset="-78"/>
-              </a:rPr>
-              <a:t>produced</a:t>
-            </a:r>
-            <a:r>
-              <a:rPr lang="de-DE" dirty="0">
-                <a:cs typeface="B Nazanin" panose="00000400000000000000" pitchFamily="2" charset="-78"/>
-              </a:rPr>
-              <a:t> </a:t>
-            </a:r>
-            <a:r>
-              <a:rPr lang="de-DE" dirty="0" err="1">
-                <a:cs typeface="B Nazanin" panose="00000400000000000000" pitchFamily="2" charset="-78"/>
-              </a:rPr>
-              <a:t>the</a:t>
-            </a:r>
-            <a:r>
-              <a:rPr lang="de-DE" dirty="0">
-                <a:cs typeface="B Nazanin" panose="00000400000000000000" pitchFamily="2" charset="-78"/>
-              </a:rPr>
-              <a:t> </a:t>
-            </a:r>
-            <a:r>
-              <a:rPr lang="de-DE" dirty="0" err="1">
-                <a:cs typeface="B Nazanin" panose="00000400000000000000" pitchFamily="2" charset="-78"/>
-              </a:rPr>
-              <a:t>most</a:t>
-            </a:r>
-            <a:r>
-              <a:rPr lang="de-DE" dirty="0">
-                <a:cs typeface="B Nazanin" panose="00000400000000000000" pitchFamily="2" charset="-78"/>
-              </a:rPr>
-              <a:t> </a:t>
-            </a:r>
-            <a:r>
-              <a:rPr lang="de-DE" dirty="0" err="1">
-                <a:cs typeface="B Nazanin" panose="00000400000000000000" pitchFamily="2" charset="-78"/>
-              </a:rPr>
-              <a:t>successful</a:t>
-            </a:r>
-            <a:r>
-              <a:rPr lang="de-DE" dirty="0">
-                <a:cs typeface="B Nazanin" panose="00000400000000000000" pitchFamily="2" charset="-78"/>
-              </a:rPr>
-              <a:t> </a:t>
-            </a:r>
-            <a:r>
-              <a:rPr lang="de-DE" dirty="0" err="1">
-                <a:cs typeface="B Nazanin" panose="00000400000000000000" pitchFamily="2" charset="-78"/>
-              </a:rPr>
-              <a:t>tennis</a:t>
-            </a:r>
-            <a:r>
-              <a:rPr lang="de-DE" dirty="0">
-                <a:cs typeface="B Nazanin" panose="00000400000000000000" pitchFamily="2" charset="-78"/>
-              </a:rPr>
-              <a:t> </a:t>
-            </a:r>
-            <a:r>
-              <a:rPr lang="de-DE" dirty="0" err="1">
-                <a:cs typeface="B Nazanin" panose="00000400000000000000" pitchFamily="2" charset="-78"/>
-              </a:rPr>
-              <a:t>players</a:t>
-            </a:r>
-            <a:r>
-              <a:rPr lang="de-DE" dirty="0">
-                <a:cs typeface="B Nazanin" panose="00000400000000000000" pitchFamily="2" charset="-78"/>
-              </a:rPr>
-              <a:t>?</a:t>
+              <a:rPr lang="ar-SA" b="1" dirty="0">
+                <a:cs typeface="B Nazanin" panose="00000400000000000000" pitchFamily="2" charset="-78"/>
+              </a:rPr>
+              <a:t>نتیجه</a:t>
+            </a:r>
+            <a:r>
+              <a:rPr lang="ar-SA" dirty="0">
+                <a:cs typeface="B Nazanin" panose="00000400000000000000" pitchFamily="2" charset="-78"/>
+              </a:rPr>
+              <a:t>:</a:t>
             </a:r>
             <a:endParaRPr lang="fa-IR" dirty="0">
               <a:cs typeface="B Nazanin" panose="00000400000000000000" pitchFamily="2" charset="-78"/>
@@ -11707,7 +10262,7 @@
               <a:rPr lang="ar-SA" dirty="0">
                 <a:cs typeface="B Nazanin" panose="00000400000000000000" pitchFamily="2" charset="-78"/>
               </a:rPr>
-              <a:t>روش انجام کار:</a:t>
+              <a:t>۳ کشور برتر از نظر تعداد بازیکنان موفق در تنیس:</a:t>
             </a:r>
             <a:endParaRPr lang="fa-IR" dirty="0">
               <a:cs typeface="B Nazanin" panose="00000400000000000000" pitchFamily="2" charset="-78"/>
@@ -11719,7 +10274,7 @@
               <a:rPr lang="ar-SA" dirty="0">
                 <a:cs typeface="B Nazanin" panose="00000400000000000000" pitchFamily="2" charset="-78"/>
               </a:rPr>
-              <a:t>برای یافتن کشورهایی که بیشترین بازیکنان موفق را داشته‌اند، مراحل زیر را طی کردیم:</a:t>
+              <a:t>فرانسه </a:t>
             </a:r>
             <a:endParaRPr lang="fa-IR" dirty="0">
               <a:cs typeface="B Nazanin" panose="00000400000000000000" pitchFamily="2" charset="-78"/>
@@ -11731,37 +10286,7 @@
               <a:rPr lang="ar-SA" dirty="0">
                 <a:cs typeface="B Nazanin" panose="00000400000000000000" pitchFamily="2" charset="-78"/>
               </a:rPr>
-              <a:t>فایل </a:t>
-            </a:r>
-            <a:r>
-              <a:rPr lang="de-DE" dirty="0">
-                <a:cs typeface="B Nazanin" panose="00000400000000000000" pitchFamily="2" charset="-78"/>
-              </a:rPr>
-              <a:t>MatchEventInfo.csv </a:t>
-            </a:r>
-            <a:r>
-              <a:rPr lang="ar-SA" dirty="0">
-                <a:cs typeface="B Nazanin" panose="00000400000000000000" pitchFamily="2" charset="-78"/>
-              </a:rPr>
-              <a:t>را بارگذاری کرده و فقط ستون‌های مربوط به شناسه مسابقه و کد برنده (</a:t>
-            </a:r>
-            <a:r>
-              <a:rPr lang="de-DE" dirty="0" err="1">
-                <a:cs typeface="B Nazanin" panose="00000400000000000000" pitchFamily="2" charset="-78"/>
-              </a:rPr>
-              <a:t>winner_code</a:t>
-            </a:r>
-            <a:r>
-              <a:rPr lang="de-DE" dirty="0">
-                <a:cs typeface="B Nazanin" panose="00000400000000000000" pitchFamily="2" charset="-78"/>
-              </a:rPr>
-              <a:t>) </a:t>
-            </a:r>
-            <a:r>
-              <a:rPr lang="ar-SA" dirty="0">
-                <a:cs typeface="B Nazanin" panose="00000400000000000000" pitchFamily="2" charset="-78"/>
-              </a:rPr>
-              <a:t>را نگه داشتیم.</a:t>
+              <a:t>ایتالیا </a:t>
             </a:r>
             <a:endParaRPr lang="fa-IR" dirty="0">
               <a:cs typeface="B Nazanin" panose="00000400000000000000" pitchFamily="2" charset="-78"/>
@@ -11773,202 +10298,104 @@
               <a:rPr lang="ar-SA" dirty="0">
                 <a:cs typeface="B Nazanin" panose="00000400000000000000" pitchFamily="2" charset="-78"/>
               </a:rPr>
-              <a:t>اطلاعات تیم میزبان و میهمان را از فایل‌های </a:t>
-            </a:r>
-            <a:r>
-              <a:rPr lang="de-DE" dirty="0">
-                <a:cs typeface="B Nazanin" panose="00000400000000000000" pitchFamily="2" charset="-78"/>
-              </a:rPr>
-              <a:t>MatchHomeTeamInfo.csv </a:t>
-            </a:r>
-            <a:r>
-              <a:rPr lang="ar-SA" dirty="0">
-                <a:cs typeface="B Nazanin" panose="00000400000000000000" pitchFamily="2" charset="-78"/>
-              </a:rPr>
-              <a:t>و </a:t>
-            </a:r>
-            <a:r>
-              <a:rPr lang="de-DE" dirty="0">
-                <a:cs typeface="B Nazanin" panose="00000400000000000000" pitchFamily="2" charset="-78"/>
-              </a:rPr>
-              <a:t>MatchAwayTeamInfo.csv </a:t>
-            </a:r>
-            <a:r>
-              <a:rPr lang="ar-SA" dirty="0">
-                <a:cs typeface="B Nazanin" panose="00000400000000000000" pitchFamily="2" charset="-78"/>
-              </a:rPr>
-              <a:t>استخراج کردیم (شامل نام بازیکن و کشور).</a:t>
-            </a:r>
-            <a:endParaRPr lang="fa-IR" dirty="0">
+              <a:t>ایالات متحده آمریکا</a:t>
+            </a:r>
+            <a:endParaRPr lang="de-DE" dirty="0">
               <a:cs typeface="B Nazanin" panose="00000400000000000000" pitchFamily="2" charset="-78"/>
             </a:endParaRPr>
           </a:p>
-          <a:p>
-            <a:pPr algn="r" rtl="1"/>
-            <a:r>
-              <a:rPr lang="ar-SA" dirty="0">
-                <a:cs typeface="B Nazanin" panose="00000400000000000000" pitchFamily="2" charset="-78"/>
-              </a:rPr>
-              <a:t>با استفاده از </a:t>
-            </a:r>
-            <a:r>
-              <a:rPr lang="de-DE" dirty="0" err="1">
-                <a:cs typeface="B Nazanin" panose="00000400000000000000" pitchFamily="2" charset="-78"/>
-              </a:rPr>
-              <a:t>merge</a:t>
-            </a:r>
-            <a:r>
-              <a:rPr lang="de-DE" dirty="0">
-                <a:cs typeface="B Nazanin" panose="00000400000000000000" pitchFamily="2" charset="-78"/>
-              </a:rPr>
-              <a:t> </a:t>
-            </a:r>
-            <a:r>
-              <a:rPr lang="ar-SA" dirty="0">
-                <a:cs typeface="B Nazanin" panose="00000400000000000000" pitchFamily="2" charset="-78"/>
-              </a:rPr>
-              <a:t>داده‌های مسابقات را با اطلاعات تیم میزبان و سپس با تیم میهمان ادغام کردیم.</a:t>
-            </a:r>
-            <a:endParaRPr lang="fa-IR" dirty="0">
-              <a:cs typeface="B Nazanin" panose="00000400000000000000" pitchFamily="2" charset="-78"/>
-            </a:endParaRPr>
-          </a:p>
-          <a:p>
-            <a:pPr algn="r" rtl="1"/>
-            <a:r>
-              <a:rPr lang="ar-SA" dirty="0">
-                <a:cs typeface="B Nazanin" panose="00000400000000000000" pitchFamily="2" charset="-78"/>
-              </a:rPr>
-              <a:t>با استفاده از تابع </a:t>
-            </a:r>
-            <a:r>
-              <a:rPr lang="de-DE" dirty="0" err="1">
-                <a:cs typeface="B Nazanin" panose="00000400000000000000" pitchFamily="2" charset="-78"/>
-              </a:rPr>
-              <a:t>np.where</a:t>
-            </a:r>
-            <a:r>
-              <a:rPr lang="de-DE" dirty="0">
-                <a:cs typeface="B Nazanin" panose="00000400000000000000" pitchFamily="2" charset="-78"/>
-              </a:rPr>
-              <a:t>، </a:t>
-            </a:r>
-            <a:r>
-              <a:rPr lang="ar-SA" dirty="0">
-                <a:cs typeface="B Nazanin" panose="00000400000000000000" pitchFamily="2" charset="-78"/>
-              </a:rPr>
-              <a:t>بر اساس </a:t>
-            </a:r>
-            <a:r>
-              <a:rPr lang="de-DE" dirty="0" err="1">
-                <a:cs typeface="B Nazanin" panose="00000400000000000000" pitchFamily="2" charset="-78"/>
-              </a:rPr>
-              <a:t>winner_code</a:t>
-            </a:r>
-            <a:r>
-              <a:rPr lang="de-DE" dirty="0">
-                <a:cs typeface="B Nazanin" panose="00000400000000000000" pitchFamily="2" charset="-78"/>
-              </a:rPr>
-              <a:t>، </a:t>
-            </a:r>
-            <a:r>
-              <a:rPr lang="ar-SA" dirty="0">
-                <a:cs typeface="B Nazanin" panose="00000400000000000000" pitchFamily="2" charset="-78"/>
-              </a:rPr>
-              <a:t>نام و کشور بازیکن برنده را مشخص کردیم.</a:t>
-            </a:r>
-            <a:endParaRPr lang="fa-IR" dirty="0">
-              <a:cs typeface="B Nazanin" panose="00000400000000000000" pitchFamily="2" charset="-78"/>
-            </a:endParaRPr>
-          </a:p>
-          <a:p>
-            <a:pPr algn="r" rtl="1"/>
-            <a:r>
-              <a:rPr lang="ar-SA" dirty="0">
-                <a:cs typeface="B Nazanin" panose="00000400000000000000" pitchFamily="2" charset="-78"/>
-              </a:rPr>
-              <a:t>کشور بازیکنان برنده را استخراج کرده و با استفاده از </a:t>
-            </a:r>
-            <a:r>
-              <a:rPr lang="de-DE" dirty="0" err="1">
-                <a:cs typeface="B Nazanin" panose="00000400000000000000" pitchFamily="2" charset="-78"/>
-              </a:rPr>
-              <a:t>value_counts</a:t>
-            </a:r>
-            <a:r>
-              <a:rPr lang="de-DE" dirty="0">
-                <a:cs typeface="B Nazanin" panose="00000400000000000000" pitchFamily="2" charset="-78"/>
-              </a:rPr>
-              <a:t>() </a:t>
-            </a:r>
-            <a:r>
-              <a:rPr lang="ar-SA" dirty="0">
-                <a:cs typeface="B Nazanin" panose="00000400000000000000" pitchFamily="2" charset="-78"/>
-              </a:rPr>
-              <a:t>تعداد برد بازیکنان هر کشور را شمردیم.</a:t>
-            </a:r>
-            <a:endParaRPr lang="fa-IR" dirty="0">
-              <a:cs typeface="B Nazanin" panose="00000400000000000000" pitchFamily="2" charset="-78"/>
-            </a:endParaRPr>
-          </a:p>
-          <a:p>
-            <a:pPr algn="r" rtl="1"/>
-            <a:r>
-              <a:rPr lang="ar-SA" dirty="0">
-                <a:cs typeface="B Nazanin" panose="00000400000000000000" pitchFamily="2" charset="-78"/>
-              </a:rPr>
-              <a:t>در نهایت، ۱۰ کشور برتر را بر اساس تعداد برد لیست کردیم.</a:t>
-            </a:r>
-            <a:endParaRPr lang="fa-IR" dirty="0">
-              <a:cs typeface="B Nazanin" panose="00000400000000000000" pitchFamily="2" charset="-78"/>
-            </a:endParaRPr>
-          </a:p>
-          <a:p>
-            <a:pPr algn="r" rtl="1"/>
-            <a:r>
-              <a:rPr lang="ar-SA" dirty="0">
-                <a:cs typeface="B Nazanin" panose="00000400000000000000" pitchFamily="2" charset="-78"/>
-              </a:rPr>
-              <a:t>نتیجه:۳ کشور برتر از نظر تعداد بازیکنان موفق در تنیس:</a:t>
-            </a:r>
-            <a:endParaRPr lang="fa-IR" dirty="0">
-              <a:cs typeface="B Nazanin" panose="00000400000000000000" pitchFamily="2" charset="-78"/>
-            </a:endParaRPr>
-          </a:p>
-          <a:p>
-            <a:pPr algn="r" rtl="1"/>
-            <a:r>
-              <a:rPr lang="ar-SA" dirty="0">
-                <a:cs typeface="B Nazanin" panose="00000400000000000000" pitchFamily="2" charset="-78"/>
-              </a:rPr>
-              <a:t>فرانسه </a:t>
-            </a:r>
-            <a:endParaRPr lang="fa-IR" dirty="0">
-              <a:cs typeface="B Nazanin" panose="00000400000000000000" pitchFamily="2" charset="-78"/>
-            </a:endParaRPr>
-          </a:p>
-          <a:p>
-            <a:pPr algn="r" rtl="1"/>
-            <a:r>
-              <a:rPr lang="ar-SA" dirty="0">
-                <a:cs typeface="B Nazanin" panose="00000400000000000000" pitchFamily="2" charset="-78"/>
-              </a:rPr>
-              <a:t>ایتالیا </a:t>
-            </a:r>
-            <a:endParaRPr lang="fa-IR" dirty="0">
-              <a:cs typeface="B Nazanin" panose="00000400000000000000" pitchFamily="2" charset="-78"/>
-            </a:endParaRPr>
-          </a:p>
-          <a:p>
-            <a:pPr algn="r" rtl="1"/>
-            <a:r>
-              <a:rPr lang="ar-SA" dirty="0">
-                <a:cs typeface="B Nazanin" panose="00000400000000000000" pitchFamily="2" charset="-78"/>
-              </a:rPr>
-              <a:t>ایالات متحده آمریکا</a:t>
-            </a:r>
-            <a:endParaRPr lang="de-DE" dirty="0">
-              <a:cs typeface="B Nazanin" panose="00000400000000000000" pitchFamily="2" charset="-78"/>
+        </p:txBody>
+      </p:sp>
+      <p:sp>
+        <p:nvSpPr>
+          <p:cNvPr id="7" name="Rectangle 3">
+            <a:extLst>
+              <a:ext uri="{FF2B5EF4-FFF2-40B4-BE49-F238E27FC236}">
+                <a16:creationId xmlns:a16="http://schemas.microsoft.com/office/drawing/2014/main" id="{E6322910-98ED-0065-D8ED-66F8D27BBE9A}"/>
+              </a:ext>
+            </a:extLst>
+          </p:cNvPr>
+          <p:cNvSpPr>
+            <a:spLocks noChangeArrowheads="1"/>
+          </p:cNvSpPr>
+          <p:nvPr/>
+        </p:nvSpPr>
+        <p:spPr bwMode="auto">
+          <a:xfrm>
+            <a:off x="0" y="-184666"/>
+            <a:ext cx="264816" cy="369332"/>
+          </a:xfrm>
+          <a:prstGeom prst="rect">
+            <a:avLst/>
+          </a:prstGeom>
+          <a:noFill/>
+          <a:ln>
+            <a:noFill/>
+          </a:ln>
+          <a:effectLst/>
+          <a:extLst>
+            <a:ext uri="{909E8E84-426E-40DD-AFC4-6F175D3DCCD1}">
+              <a14:hiddenFill xmlns:a14="http://schemas.microsoft.com/office/drawing/2010/main">
+                <a:solidFill>
+                  <a:schemeClr val="accent1"/>
+                </a:solidFill>
+              </a14:hiddenFill>
+            </a:ext>
+            <a:ext uri="{91240B29-F687-4F45-9708-019B960494DF}">
+              <a14:hiddenLine xmlns:a14="http://schemas.microsoft.com/office/drawing/2010/main" w="9525">
+                <a:solidFill>
+                  <a:schemeClr val="tx1"/>
+                </a:solidFill>
+                <a:miter lim="800000"/>
+                <a:headEnd/>
+                <a:tailEnd/>
+              </a14:hiddenLine>
+            </a:ext>
+            <a:ext uri="{AF507438-7753-43E0-B8FC-AC1667EBCBE1}">
+              <a14:hiddenEffects xmlns:a14="http://schemas.microsoft.com/office/drawing/2010/main">
+                <a:effectLst>
+                  <a:outerShdw dist="35921" dir="2700000" algn="ctr" rotWithShape="0">
+                    <a:schemeClr val="bg2"/>
+                  </a:outerShdw>
+                </a:effectLst>
+              </a14:hiddenEffects>
+            </a:ext>
+          </a:extLst>
+        </p:spPr>
+        <p:txBody>
+          <a:bodyPr vert="horz" wrap="none" lIns="91440" tIns="45720" rIns="91440" bIns="45720" numCol="1" anchor="ctr" anchorCtr="0" compatLnSpc="1">
+            <a:prstTxWarp prst="textNoShape">
+              <a:avLst/>
+            </a:prstTxWarp>
+            <a:spAutoFit/>
+          </a:bodyPr>
+          <a:lstStyle/>
+          <a:p>
+            <a:pPr marL="0" marR="0" lvl="0" indent="0" algn="l" defTabSz="914400" rtl="0" eaLnBrk="0" fontAlgn="base" latinLnBrk="0" hangingPunct="0">
+              <a:lnSpc>
+                <a:spcPct val="100000"/>
+              </a:lnSpc>
+              <a:spcBef>
+                <a:spcPct val="0"/>
+              </a:spcBef>
+              <a:spcAft>
+                <a:spcPct val="0"/>
+              </a:spcAft>
+              <a:buClrTx/>
+              <a:buSzTx/>
+              <a:buFontTx/>
+              <a:buChar char="•"/>
+              <a:tabLst/>
+            </a:pPr>
+            <a:endParaRPr kumimoji="0" lang="de-DE" altLang="de-DE" sz="1800" b="0" i="0" u="none" strike="noStrike" cap="none" normalizeH="0" baseline="0" dirty="0">
+              <a:ln>
+                <a:noFill/>
+              </a:ln>
+              <a:solidFill>
+                <a:schemeClr val="tx1"/>
+              </a:solidFill>
+              <a:effectLst/>
+              <a:latin typeface="Arial" panose="020B0604020202020204" pitchFamily="34" charset="0"/>
             </a:endParaRPr>
           </a:p>
         </p:txBody>
@@ -12018,7 +10445,7 @@
         <p:spPr>
           <a:xfrm>
             <a:off x="1063070" y="1369629"/>
-            <a:ext cx="10291601" cy="4801314"/>
+            <a:ext cx="10291601" cy="4001095"/>
           </a:xfrm>
           <a:prstGeom prst="rect">
             <a:avLst/>
@@ -12033,177 +10460,156 @@
           <a:p>
             <a:pPr algn="r" rtl="1"/>
             <a:r>
+              <a:rPr lang="ar-SA" sz="2000" b="1" dirty="0">
+                <a:cs typeface="B Nazanin" panose="00000400000000000000" pitchFamily="2" charset="-78"/>
+              </a:rPr>
+              <a:t>سوال </a:t>
+            </a:r>
+            <a:r>
+              <a:rPr lang="fa-IR" sz="2000" b="1" dirty="0">
+                <a:cs typeface="B Nazanin" panose="00000400000000000000" pitchFamily="2" charset="-78"/>
+              </a:rPr>
+              <a:t>7</a:t>
+            </a:r>
+            <a:r>
+              <a:rPr lang="ar-SA" sz="2000" b="1" dirty="0">
+                <a:cs typeface="B Nazanin" panose="00000400000000000000" pitchFamily="2" charset="-78"/>
+              </a:rPr>
+              <a:t>:</a:t>
+            </a:r>
+            <a:r>
+              <a:rPr lang="fa-IR" sz="2000" b="1" dirty="0">
+                <a:cs typeface="B Nazanin" panose="00000400000000000000" pitchFamily="2" charset="-78"/>
+              </a:rPr>
+              <a:t> میانگین تعداد آس‌ها در هر مسابقه</a:t>
+            </a:r>
+          </a:p>
+          <a:p>
+            <a:pPr algn="r" rtl="1"/>
+            <a:r>
+              <a:rPr lang="fa-IR" b="1" dirty="0">
+                <a:cs typeface="B Nazanin" panose="00000400000000000000" pitchFamily="2" charset="-78"/>
+              </a:rPr>
+              <a:t>خلاصه:</a:t>
+            </a:r>
+            <a:br>
+              <a:rPr lang="fa-IR" dirty="0">
+                <a:cs typeface="B Nazanin" panose="00000400000000000000" pitchFamily="2" charset="-78"/>
+              </a:rPr>
+            </a:br>
+            <a:r>
+              <a:rPr lang="fa-IR" dirty="0">
+                <a:cs typeface="B Nazanin" panose="00000400000000000000" pitchFamily="2" charset="-78"/>
+              </a:rPr>
+              <a:t>در بررسی عملکرد بازیکنان طی مسابقات اخیر، میانگین تعداد آس سرویس زده شده در هر مسابقه محاسبه شده است. </a:t>
+            </a:r>
+          </a:p>
+          <a:p>
+            <a:pPr algn="r" rtl="1"/>
+            <a:r>
+              <a:rPr lang="ar-SA" b="1" dirty="0">
+                <a:cs typeface="B Nazanin" panose="00000400000000000000" pitchFamily="2" charset="-78"/>
+              </a:rPr>
+              <a:t>روش انجام کار:</a:t>
+            </a:r>
+          </a:p>
+          <a:p>
+            <a:pPr algn="r" rtl="1"/>
+            <a:r>
               <a:rPr lang="ar-SA" dirty="0">
                 <a:cs typeface="B Nazanin" panose="00000400000000000000" pitchFamily="2" charset="-78"/>
               </a:rPr>
-              <a:t>سوال </a:t>
-            </a:r>
-            <a:r>
+              <a:t>استفاده از جدول آماری مسابقات</a:t>
+            </a:r>
+          </a:p>
+          <a:p>
+            <a:pPr algn="r" rtl="1"/>
+            <a:r>
+              <a:rPr lang="ar-SA" dirty="0">
+                <a:cs typeface="B Nazanin" panose="00000400000000000000" pitchFamily="2" charset="-78"/>
+              </a:rPr>
+              <a:t>فیلتر کردن موارد مربوط به "ایس"</a:t>
+            </a:r>
+          </a:p>
+          <a:p>
+            <a:pPr algn="r" rtl="1"/>
+            <a:r>
+              <a:rPr lang="ar-SA" dirty="0">
+                <a:cs typeface="B Nazanin" panose="00000400000000000000" pitchFamily="2" charset="-78"/>
+              </a:rPr>
+              <a:t>شمارش تعداد ایس‌ها برای هر مسابقه</a:t>
+            </a:r>
+          </a:p>
+          <a:p>
+            <a:pPr algn="r" rtl="1"/>
+            <a:r>
+              <a:rPr lang="ar-SA" dirty="0">
+                <a:cs typeface="B Nazanin" panose="00000400000000000000" pitchFamily="2" charset="-78"/>
+              </a:rPr>
+              <a:t>محاسبه میانگین بر اساس شناسه مسابقه</a:t>
+            </a:r>
+          </a:p>
+          <a:p>
+            <a:pPr algn="r" rtl="1"/>
+            <a:r>
+              <a:rPr lang="fa-IR" b="1" dirty="0">
+                <a:cs typeface="B Nazanin" panose="00000400000000000000" pitchFamily="2" charset="-78"/>
+              </a:rPr>
+              <a:t>نتیجه اصلی:</a:t>
+            </a:r>
+            <a:br>
               <a:rPr lang="fa-IR" dirty="0">
                 <a:cs typeface="B Nazanin" panose="00000400000000000000" pitchFamily="2" charset="-78"/>
               </a:rPr>
+            </a:br>
+            <a:r>
+              <a:rPr lang="fa-IR" dirty="0">
+                <a:cs typeface="B Nazanin" panose="00000400000000000000" pitchFamily="2" charset="-78"/>
+              </a:rPr>
+              <a:t>به طور متوسط، هر مسابقه شامل حدود </a:t>
+            </a:r>
+            <a:r>
+              <a:rPr lang="en-US" dirty="0">
+                <a:cs typeface="B Nazanin" panose="00000400000000000000" pitchFamily="2" charset="-78"/>
+              </a:rPr>
+              <a:t> </a:t>
+            </a:r>
+            <a:r>
+              <a:rPr lang="en-US" b="1" dirty="0">
+                <a:cs typeface="B Nazanin" panose="00000400000000000000" pitchFamily="2" charset="-78"/>
+              </a:rPr>
               <a:t>7</a:t>
             </a:r>
             <a:r>
-              <a:rPr lang="ar-SA" dirty="0">
-                <a:cs typeface="B Nazanin" panose="00000400000000000000" pitchFamily="2" charset="-78"/>
-              </a:rPr>
-              <a:t>:</a:t>
-            </a:r>
-            <a:endParaRPr lang="en-US" dirty="0">
-              <a:cs typeface="B Nazanin" panose="00000400000000000000" pitchFamily="2" charset="-78"/>
-            </a:endParaRPr>
+              <a:rPr lang="fa-IR" b="1" dirty="0">
+                <a:cs typeface="B Nazanin" panose="00000400000000000000" pitchFamily="2" charset="-78"/>
+              </a:rPr>
+              <a:t>عدد </a:t>
+            </a:r>
+            <a:r>
+              <a:rPr lang="fa-IR" dirty="0">
+                <a:cs typeface="B Nazanin" panose="00000400000000000000" pitchFamily="2" charset="-78"/>
+              </a:rPr>
+              <a:t>بوده است.</a:t>
+            </a:r>
           </a:p>
           <a:p>
             <a:pPr algn="r" rtl="1"/>
-            <a:endParaRPr lang="en-US" dirty="0">
-              <a:cs typeface="B Nazanin" panose="00000400000000000000" pitchFamily="2" charset="-78"/>
-            </a:endParaRPr>
-          </a:p>
-          <a:p>
-            <a:pPr algn="r" rtl="1"/>
-            <a:endParaRPr lang="en-US" dirty="0">
-              <a:cs typeface="B Nazanin" panose="00000400000000000000" pitchFamily="2" charset="-78"/>
-            </a:endParaRPr>
-          </a:p>
-          <a:p>
-            <a:pPr algn="r" rtl="1"/>
-            <a:endParaRPr lang="fa-IR" dirty="0">
-              <a:cs typeface="B Nazanin" panose="00000400000000000000" pitchFamily="2" charset="-78"/>
-            </a:endParaRPr>
-          </a:p>
-          <a:p>
-            <a:pPr algn="r" rtl="1"/>
-            <a:r>
-              <a:rPr lang="fa-IR" b="1" dirty="0"/>
-              <a:t>موضوع:</a:t>
-            </a:r>
-            <a:r>
-              <a:rPr lang="fa-IR" dirty="0"/>
-              <a:t> میانگین تعداد آس‌ها در هر مسابقه</a:t>
-            </a:r>
-          </a:p>
-          <a:p>
-            <a:pPr algn="r" rtl="1"/>
-            <a:r>
-              <a:rPr lang="fa-IR" b="1" dirty="0"/>
-              <a:t>خلاصه:</a:t>
+            <a:r>
+              <a:rPr lang="fa-IR" b="1" dirty="0">
+                <a:cs typeface="B Nazanin" panose="00000400000000000000" pitchFamily="2" charset="-78"/>
+              </a:rPr>
+              <a:t>توضیح مختصر:</a:t>
             </a:r>
             <a:br>
-              <a:rPr lang="fa-IR" dirty="0"/>
+              <a:rPr lang="fa-IR" dirty="0">
+                <a:cs typeface="B Nazanin" panose="00000400000000000000" pitchFamily="2" charset="-78"/>
+              </a:rPr>
             </a:br>
             <a:r>
-              <a:rPr lang="fa-IR" dirty="0"/>
-              <a:t>در بررسی عملکرد بازیکنان طی مسابقات اخیر، میانگین تعداد آس سرویس زده شده در هر مسابقه محاسبه شده است. </a:t>
-            </a:r>
-          </a:p>
-          <a:p>
-            <a:pPr algn="r" rtl="1"/>
-            <a:r>
-              <a:rPr lang="fa-IR" b="1" dirty="0"/>
-              <a:t>راه حل:</a:t>
-            </a:r>
-          </a:p>
-          <a:p>
-            <a:pPr algn="r" rtl="1"/>
-            <a:r>
-              <a:rPr lang="fa-IR" dirty="0"/>
-              <a:t>برای رسیدن به جواب این سوال از جدول </a:t>
-            </a:r>
-            <a:r>
-              <a:rPr lang="en-US" dirty="0" err="1"/>
-              <a:t>period_info</a:t>
-            </a:r>
-            <a:r>
-              <a:rPr lang="fa-IR" dirty="0"/>
-              <a:t> و ستون </a:t>
-            </a:r>
-            <a:r>
-              <a:rPr lang="en-US" dirty="0"/>
-              <a:t> </a:t>
-            </a:r>
-            <a:r>
-              <a:rPr lang="en-US" dirty="0" err="1"/>
-              <a:t>statistic_name</a:t>
-            </a:r>
-            <a:r>
-              <a:rPr lang="fa-IR" dirty="0"/>
-              <a:t> استفاده شده است. با شمارش روی </a:t>
-            </a:r>
-            <a:r>
-              <a:rPr lang="en-US" dirty="0"/>
-              <a:t>aces</a:t>
-            </a:r>
-            <a:r>
-              <a:rPr lang="fa-IR" dirty="0"/>
-              <a:t> ها در هر </a:t>
-            </a:r>
-            <a:r>
-              <a:rPr lang="en-US" dirty="0" err="1"/>
-              <a:t>match_id</a:t>
-            </a:r>
-            <a:r>
-              <a:rPr lang="en-US" dirty="0"/>
-              <a:t> </a:t>
-            </a:r>
-            <a:r>
-              <a:rPr lang="fa-IR" dirty="0"/>
-              <a:t> و گرفتن میانگین روی آنها به جواب </a:t>
-            </a:r>
-            <a:r>
-              <a:rPr lang="en-US" dirty="0"/>
-              <a:t>6.70</a:t>
-            </a:r>
-            <a:r>
-              <a:rPr lang="fa-IR" dirty="0"/>
-              <a:t> به طور تقریبی رسیده ایم.</a:t>
-            </a:r>
-            <a:br>
-              <a:rPr lang="fa-IR" dirty="0"/>
-            </a:br>
-            <a:endParaRPr lang="fa-IR" b="1" dirty="0"/>
-          </a:p>
-          <a:p>
-            <a:pPr algn="r" rtl="1"/>
-            <a:r>
-              <a:rPr lang="fa-IR" b="1" dirty="0"/>
-              <a:t>نتیجه اصلی:</a:t>
-            </a:r>
-            <a:br>
-              <a:rPr lang="fa-IR" dirty="0"/>
-            </a:br>
-            <a:r>
-              <a:rPr lang="fa-IR" dirty="0"/>
-              <a:t>به طور متوسط، هر مسابقه شامل حدود </a:t>
-            </a:r>
-            <a:r>
-              <a:rPr lang="en-US" dirty="0"/>
-              <a:t> </a:t>
-            </a:r>
-            <a:r>
-              <a:rPr lang="en-US" b="1" dirty="0"/>
-              <a:t>7</a:t>
-            </a:r>
-            <a:r>
-              <a:rPr lang="fa-IR" b="1" dirty="0"/>
-              <a:t>عدد </a:t>
-            </a:r>
-            <a:r>
-              <a:rPr lang="fa-IR" dirty="0"/>
-              <a:t>بوده است.</a:t>
-            </a:r>
-          </a:p>
-          <a:p>
-            <a:pPr algn="r" rtl="1"/>
-            <a:r>
-              <a:rPr lang="fa-IR" b="1" dirty="0"/>
-              <a:t>توضیح مختصر:</a:t>
-            </a:r>
-            <a:br>
-              <a:rPr lang="fa-IR" dirty="0"/>
-            </a:br>
-            <a:r>
-              <a:rPr lang="fa-IR" dirty="0"/>
+              <a:rPr lang="fa-IR" dirty="0">
+                <a:cs typeface="B Nazanin" panose="00000400000000000000" pitchFamily="2" charset="-78"/>
+              </a:rPr>
               <a:t>این عدد نشان می‌دهد که بازیکنان به طور متوسط چند بار در هر مسابقه توانسته‌اند امتیاز مستقیم از طریق سرویس‌های بدون پاسخ دریافت کنند. مقدار متوسط آس‌ها در مسابقات می‌تواند شاخصی برای سنجش قدرت و دقت سرویس بازیکنان باشد.</a:t>
             </a:r>
           </a:p>
@@ -12260,7 +10666,7 @@
         <p:spPr>
           <a:xfrm>
             <a:off x="950199" y="1434876"/>
-            <a:ext cx="10291601" cy="3970318"/>
+            <a:ext cx="10291601" cy="3416320"/>
           </a:xfrm>
           <a:prstGeom prst="rect">
             <a:avLst/>
@@ -12275,81 +10681,67 @@
           <a:p>
             <a:pPr algn="r" rtl="1"/>
             <a:r>
-              <a:rPr lang="ar-SA" dirty="0">
+              <a:rPr lang="ar-SA" sz="2000" dirty="0">
                 <a:cs typeface="B Nazanin" panose="00000400000000000000" pitchFamily="2" charset="-78"/>
               </a:rPr>
               <a:t>سوال </a:t>
             </a:r>
             <a:r>
-              <a:rPr lang="fa-IR" dirty="0">
+              <a:rPr lang="fa-IR" sz="2000" dirty="0">
                 <a:cs typeface="B Nazanin" panose="00000400000000000000" pitchFamily="2" charset="-78"/>
               </a:rPr>
               <a:t>8</a:t>
             </a:r>
             <a:r>
-              <a:rPr lang="ar-SA" dirty="0">
+              <a:rPr lang="ar-SA" sz="2000" dirty="0">
                 <a:cs typeface="B Nazanin" panose="00000400000000000000" pitchFamily="2" charset="-78"/>
               </a:rPr>
               <a:t>:</a:t>
             </a:r>
-            <a:endParaRPr lang="en-US" dirty="0">
-              <a:cs typeface="B Nazanin" panose="00000400000000000000" pitchFamily="2" charset="-78"/>
-            </a:endParaRPr>
+            <a:r>
+              <a:rPr lang="fa-IR" sz="2000" dirty="0">
+                <a:cs typeface="B Nazanin" panose="00000400000000000000" pitchFamily="2" charset="-78"/>
+              </a:rPr>
+              <a:t>آیا تفاوتی در تعداد دابل‌فالت‌ها بین بازیکنان مرد و زن وجود دارد؟</a:t>
+            </a:r>
           </a:p>
           <a:p>
             <a:pPr algn="r" rtl="1"/>
-            <a:endParaRPr lang="en-US" dirty="0">
-              <a:cs typeface="B Nazanin" panose="00000400000000000000" pitchFamily="2" charset="-78"/>
-            </a:endParaRPr>
+            <a:r>
+              <a:rPr lang="fa-IR" sz="2000" b="1" dirty="0">
+                <a:cs typeface="B Nazanin" panose="00000400000000000000" pitchFamily="2" charset="-78"/>
+              </a:rPr>
+              <a:t>خلاصه:</a:t>
+            </a:r>
+            <a:br>
+              <a:rPr lang="fa-IR" sz="2000" dirty="0">
+                <a:cs typeface="B Nazanin" panose="00000400000000000000" pitchFamily="2" charset="-78"/>
+              </a:rPr>
+            </a:br>
+            <a:r>
+              <a:rPr lang="fa-IR" sz="2000" dirty="0">
+                <a:cs typeface="B Nazanin" panose="00000400000000000000" pitchFamily="2" charset="-78"/>
+              </a:rPr>
+              <a:t>برای بررسی دقت و پایداری در سرویس دوم، تعداد دابل‌فالت‌ها در مسابقات مردان و زنان مقایسه شد. دابل‌فالت، زمانی است که بازیکن هر دو سرویس خود را از دست بدهد و امتیاز مستقیم به حریف بدهد، که می‌تواند در نتیجه نهایی مسابقه تأثیر قابل‌توجهی داشته باشد.</a:t>
+            </a:r>
           </a:p>
           <a:p>
             <a:pPr algn="r" rtl="1"/>
-            <a:endParaRPr lang="en-US" dirty="0">
-              <a:cs typeface="B Nazanin" panose="00000400000000000000" pitchFamily="2" charset="-78"/>
-            </a:endParaRPr>
-          </a:p>
-          <a:p>
-            <a:pPr algn="r" rtl="1"/>
-            <a:endParaRPr lang="en-US" dirty="0">
-              <a:cs typeface="B Nazanin" panose="00000400000000000000" pitchFamily="2" charset="-78"/>
-            </a:endParaRPr>
-          </a:p>
-          <a:p>
-            <a:pPr algn="r" rtl="1"/>
-            <a:r>
-              <a:rPr lang="fa-IR" b="1" dirty="0"/>
-              <a:t>موضوع:</a:t>
-            </a:r>
-            <a:r>
-              <a:rPr lang="fa-IR" dirty="0"/>
-              <a:t> آیا تفاوتی در تعداد دابل‌فالت‌ها بین بازیکنان مرد و زن وجود دارد؟</a:t>
-            </a:r>
-          </a:p>
-          <a:p>
-            <a:pPr algn="r" rtl="1"/>
-            <a:r>
-              <a:rPr lang="fa-IR" b="1" dirty="0"/>
-              <a:t>خلاصه:</a:t>
+            <a:r>
+              <a:rPr lang="fa-IR" sz="2000" b="1" dirty="0">
+                <a:cs typeface="B Nazanin" panose="00000400000000000000" pitchFamily="2" charset="-78"/>
+              </a:rPr>
+              <a:t>نتیجه اصلی:</a:t>
             </a:r>
             <a:br>
-              <a:rPr lang="fa-IR" dirty="0"/>
+              <a:rPr lang="fa-IR" sz="2000" dirty="0">
+                <a:cs typeface="B Nazanin" panose="00000400000000000000" pitchFamily="2" charset="-78"/>
+              </a:rPr>
             </a:br>
             <a:r>
-              <a:rPr lang="fa-IR" dirty="0"/>
-              <a:t>برای بررسی دقت و پایداری در سرویس دوم، تعداد دابل‌فالت‌ها در مسابقات مردان و زنان مقایسه شد. دابل‌فالت، زمانی است که بازیکن هر دو سرویس خود را از دست بدهد و امتیاز مستقیم به حریف بدهد، که می‌تواند در نتیجه نهایی مسابقه تأثیر قابل‌توجهی داشته باشد.</a:t>
-            </a:r>
-          </a:p>
-          <a:p>
-            <a:pPr algn="r" rtl="1"/>
-            <a:r>
-              <a:rPr lang="fa-IR" b="1" dirty="0"/>
-              <a:t>نتیجه اصلی:</a:t>
-            </a:r>
-            <a:br>
-              <a:rPr lang="fa-IR" dirty="0"/>
-            </a:br>
-            <a:r>
-              <a:rPr lang="fa-IR" dirty="0"/>
+              <a:rPr lang="fa-IR" sz="2000" dirty="0">
+                <a:cs typeface="B Nazanin" panose="00000400000000000000" pitchFamily="2" charset="-78"/>
+              </a:rPr>
               <a:t>بر اساس داده‌های موجود، مشخص شد که:</a:t>
             </a:r>
           </a:p>
@@ -12359,63 +10751,73 @@
               <a:buChar char="•"/>
             </a:pPr>
             <a:r>
-              <a:rPr lang="fa-IR" b="1" dirty="0"/>
+              <a:rPr lang="fa-IR" sz="2000" b="1" dirty="0">
+                <a:cs typeface="B Nazanin" panose="00000400000000000000" pitchFamily="2" charset="-78"/>
+              </a:rPr>
               <a:t>بازیکنان زن به‌طور متوسط دابل‌فالت‌های بیشتری نسبت به مردان دارند.</a:t>
             </a:r>
-            <a:endParaRPr lang="fa-IR" dirty="0"/>
+            <a:endParaRPr lang="fa-IR" sz="2000" dirty="0">
+              <a:cs typeface="B Nazanin" panose="00000400000000000000" pitchFamily="2" charset="-78"/>
+            </a:endParaRPr>
           </a:p>
           <a:p>
             <a:pPr algn="r" rtl="1"/>
             <a:r>
-              <a:rPr lang="fa-IR" dirty="0">
+              <a:rPr lang="fa-IR" sz="2000" dirty="0">
                 <a:cs typeface="B Nazanin" panose="00000400000000000000" pitchFamily="2" charset="-78"/>
               </a:rPr>
               <a:t>تعداد دابل فالت ها در بازکنان زن </a:t>
             </a:r>
             <a:r>
-              <a:rPr lang="fa-IR" b="1" i="0" dirty="0">
+              <a:rPr lang="fa-IR" sz="2000" b="1" i="0" dirty="0">
                 <a:effectLst/>
                 <a:latin typeface="Consolas" panose="020B0609020204030204" pitchFamily="49" charset="0"/>
+                <a:cs typeface="B Nazanin" panose="00000400000000000000" pitchFamily="2" charset="-78"/>
               </a:rPr>
               <a:t>: </a:t>
             </a:r>
             <a:r>
-              <a:rPr lang="en-US" b="1" i="0" dirty="0">
+              <a:rPr lang="en-US" sz="2000" b="1" i="0" dirty="0">
                 <a:effectLst/>
                 <a:latin typeface="Consolas" panose="020B0609020204030204" pitchFamily="49" charset="0"/>
+                <a:cs typeface="B Nazanin" panose="00000400000000000000" pitchFamily="2" charset="-78"/>
               </a:rPr>
               <a:t>534385</a:t>
             </a:r>
-            <a:endParaRPr lang="fa-IR" b="1" i="0" dirty="0">
+            <a:endParaRPr lang="fa-IR" sz="2000" b="1" i="0" dirty="0">
               <a:effectLst/>
               <a:latin typeface="Consolas" panose="020B0609020204030204" pitchFamily="49" charset="0"/>
+              <a:cs typeface="B Nazanin" panose="00000400000000000000" pitchFamily="2" charset="-78"/>
             </a:endParaRPr>
           </a:p>
           <a:p>
             <a:pPr algn="r" rtl="1"/>
             <a:r>
-              <a:rPr lang="fa-IR" dirty="0">
+              <a:rPr lang="fa-IR" sz="2000" dirty="0">
                 <a:cs typeface="B Nazanin" panose="00000400000000000000" pitchFamily="2" charset="-78"/>
               </a:rPr>
               <a:t>تعداد تعداد دابل فالت ها در بازکنان مرد</a:t>
             </a:r>
             <a:r>
-              <a:rPr lang="fa-IR" b="1" i="0" dirty="0">
+              <a:rPr lang="fa-IR" sz="2000" b="1" i="0" dirty="0">
                 <a:effectLst/>
                 <a:latin typeface="Consolas" panose="020B0609020204030204" pitchFamily="49" charset="0"/>
+                <a:cs typeface="B Nazanin" panose="00000400000000000000" pitchFamily="2" charset="-78"/>
               </a:rPr>
               <a:t>: </a:t>
             </a:r>
             <a:r>
-              <a:rPr lang="en-US" b="1" i="0" dirty="0">
+              <a:rPr lang="en-US" sz="2000" b="1" i="0" dirty="0">
                 <a:effectLst/>
                 <a:latin typeface="Consolas" panose="020B0609020204030204" pitchFamily="49" charset="0"/>
+                <a:cs typeface="B Nazanin" panose="00000400000000000000" pitchFamily="2" charset="-78"/>
               </a:rPr>
               <a:t>546379</a:t>
             </a:r>
-            <a:endParaRPr lang="fa-IR" b="1" i="0" dirty="0">
+            <a:endParaRPr lang="fa-IR" sz="2000" b="1" i="0" dirty="0">
               <a:effectLst/>
               <a:latin typeface="Consolas" panose="020B0609020204030204" pitchFamily="49" charset="0"/>
+              <a:cs typeface="B Nazanin" panose="00000400000000000000" pitchFamily="2" charset="-78"/>
             </a:endParaRPr>
           </a:p>
           <a:p>
@@ -12440,9 +10842,9 @@
 </file>
 
 <file path=ppt/theme/theme1.xml><?xml version="1.0" encoding="utf-8"?>
-<a:theme xmlns:a="http://schemas.openxmlformats.org/drawingml/2006/main" name="Organic">
+<a:theme xmlns:a="http://schemas.openxmlformats.org/drawingml/2006/main" name="Parallax">
   <a:themeElements>
-    <a:clrScheme name="Organic">
+    <a:clrScheme name="Parallax">
       <a:dk1>
         <a:sysClr val="windowText" lastClr="000000"/>
       </a:dk1>
@@ -12453,45 +10855,45 @@
         <a:srgbClr val="212121"/>
       </a:dk2>
       <a:lt2>
-        <a:srgbClr val="DADADA"/>
+        <a:srgbClr val="CDD0D1"/>
       </a:lt2>
       <a:accent1>
-        <a:srgbClr val="83992A"/>
+        <a:srgbClr val="30ACEC"/>
       </a:accent1>
       <a:accent2>
-        <a:srgbClr val="3C9770"/>
+        <a:srgbClr val="80C34F"/>
       </a:accent2>
       <a:accent3>
-        <a:srgbClr val="44709D"/>
+        <a:srgbClr val="E29D3E"/>
       </a:accent3>
       <a:accent4>
-        <a:srgbClr val="A23C33"/>
+        <a:srgbClr val="D64A3B"/>
       </a:accent4>
       <a:accent5>
-        <a:srgbClr val="D97828"/>
+        <a:srgbClr val="D64787"/>
       </a:accent5>
       <a:accent6>
-        <a:srgbClr val="DEB340"/>
+        <a:srgbClr val="A666E1"/>
       </a:accent6>
       <a:hlink>
-        <a:srgbClr val="A8BF4D"/>
+        <a:srgbClr val="3085ED"/>
       </a:hlink>
       <a:folHlink>
-        <a:srgbClr val="B4CA80"/>
+        <a:srgbClr val="82B6F4"/>
       </a:folHlink>
     </a:clrScheme>
-    <a:fontScheme name="Organic">
+    <a:fontScheme name="Parallax">
       <a:majorFont>
-        <a:latin typeface="Garamond" panose="02020404030301010803"/>
+        <a:latin typeface="Corbel" panose="020B0503020204020204"/>
         <a:ea typeface=""/>
         <a:cs typeface=""/>
-        <a:font script="Jpan" typeface="ＭＳ Ｐゴシック"/>
-        <a:font script="Hang" typeface="돋움"/>
-        <a:font script="Hans" typeface="方正舒体"/>
-        <a:font script="Hant" typeface="微軟正黑體"/>
-        <a:font script="Arab" typeface="Arial"/>
-        <a:font script="Hebr" typeface="Arial"/>
-        <a:font script="Thai" typeface="Cordia New"/>
+        <a:font script="Jpan" typeface="HGｺﾞｼｯｸM"/>
+        <a:font script="Hang" typeface="HY엽서L"/>
+        <a:font script="Hans" typeface="华文楷体"/>
+        <a:font script="Hant" typeface="新細明體"/>
+        <a:font script="Arab" typeface="Tahoma"/>
+        <a:font script="Hebr" typeface="Miriam"/>
+        <a:font script="Thai" typeface="DilleniaUPC"/>
         <a:font script="Ethi" typeface="Nyala"/>
         <a:font script="Beng" typeface="Vrinda"/>
         <a:font script="Gujr" typeface="Shruti"/>
@@ -12517,20 +10919,20 @@
         <a:font script="Geor" typeface="Sylfaen"/>
       </a:majorFont>
       <a:minorFont>
-        <a:latin typeface="Garamond" panose="02020404030301010803"/>
+        <a:latin typeface="Corbel" panose="020B0503020204020204"/>
         <a:ea typeface=""/>
         <a:cs typeface=""/>
-        <a:font script="Jpan" typeface="ＭＳ Ｐ明朝"/>
-        <a:font script="Hang" typeface="바탕"/>
-        <a:font script="Hans" typeface="方正舒体"/>
+        <a:font script="Jpan" typeface="HGｺﾞｼｯｸM"/>
+        <a:font script="Hang" typeface="HY엽서L"/>
+        <a:font script="Hans" typeface="华文楷体"/>
         <a:font script="Hant" typeface="新細明體"/>
-        <a:font script="Arab" typeface="Times New Roman"/>
-        <a:font script="Hebr" typeface="Times New Roman"/>
-        <a:font script="Thai" typeface="Angsana New"/>
+        <a:font script="Arab" typeface="Tahoma"/>
+        <a:font script="Hebr" typeface="Miriam"/>
+        <a:font script="Thai" typeface="DilleniaUPC"/>
         <a:font script="Ethi" typeface="Nyala"/>
         <a:font script="Beng" typeface="Vrinda"/>
         <a:font script="Gujr" typeface="Shruti"/>
-        <a:font script="Khmr" typeface="MoolBoran"/>
+        <a:font script="Khmr" typeface="DaunPenh"/>
         <a:font script="Knda" typeface="Tunga"/>
         <a:font script="Guru" typeface="Raavi"/>
         <a:font script="Cans" typeface="Euphemia"/>
@@ -12547,12 +10949,12 @@
         <a:font script="Laoo" typeface="DokChampa"/>
         <a:font script="Sinh" typeface="Iskoola Pota"/>
         <a:font script="Mong" typeface="Mongolian Baiti"/>
-        <a:font script="Viet" typeface="Times New Roman"/>
+        <a:font script="Viet" typeface="Arial"/>
         <a:font script="Uigh" typeface="Microsoft Uighur"/>
         <a:font script="Geor" typeface="Sylfaen"/>
       </a:minorFont>
     </a:fontScheme>
-    <a:fmtScheme name="Organic">
+    <a:fmtScheme name="Parallax">
       <a:fillStyleLst>
         <a:solidFill>
           <a:schemeClr val="phClr"/>
@@ -12562,49 +10964,53 @@
             <a:gs pos="0">
               <a:schemeClr val="phClr">
                 <a:tint val="60000"/>
-                <a:lumMod val="110000"/>
+                <a:lumMod val="104000"/>
               </a:schemeClr>
             </a:gs>
             <a:gs pos="100000">
               <a:schemeClr val="phClr">
-                <a:tint val="82000"/>
+                <a:tint val="84000"/>
               </a:schemeClr>
             </a:gs>
           </a:gsLst>
           <a:lin ang="5400000" scaled="0"/>
         </a:gradFill>
-        <a:blipFill>
-          <a:blip xmlns:r="http://schemas.openxmlformats.org/officeDocument/2006/relationships" r:embed="rId1">
-            <a:duotone>
+        <a:gradFill rotWithShape="1">
+          <a:gsLst>
+            <a:gs pos="0">
               <a:schemeClr val="phClr">
-                <a:shade val="74000"/>
-                <a:satMod val="130000"/>
-                <a:lumMod val="90000"/>
+                <a:tint val="96000"/>
+                <a:lumMod val="102000"/>
               </a:schemeClr>
+            </a:gs>
+            <a:gs pos="100000">
               <a:schemeClr val="phClr">
-                <a:tint val="94000"/>
-                <a:satMod val="120000"/>
-                <a:lumMod val="104000"/>
+                <a:shade val="88000"/>
+                <a:lumMod val="94000"/>
               </a:schemeClr>
-            </a:duotone>
-          </a:blip>
-          <a:tile tx="0" ty="0" sx="100000" sy="100000" flip="none" algn="tl"/>
-        </a:blipFill>
+            </a:gs>
+          </a:gsLst>
+          <a:path path="circle">
+            <a:fillToRect l="50000" t="100000" r="100000" b="50000"/>
+          </a:path>
+        </a:gradFill>
       </a:fillStyleLst>
       <a:lnStyleLst>
-        <a:ln w="9525" cap="flat" cmpd="sng" algn="ctr">
+        <a:ln w="9525" cap="rnd" cmpd="sng" algn="ctr">
+          <a:solidFill>
+            <a:schemeClr val="phClr">
+              <a:tint val="60000"/>
+            </a:schemeClr>
+          </a:solidFill>
+          <a:prstDash val="solid"/>
+        </a:ln>
+        <a:ln w="15875" cap="rnd" cmpd="sng" algn="ctr">
           <a:solidFill>
             <a:schemeClr val="phClr"/>
           </a:solidFill>
           <a:prstDash val="solid"/>
         </a:ln>
-        <a:ln w="15875" cap="flat" cmpd="sng" algn="ctr">
-          <a:solidFill>
-            <a:schemeClr val="phClr"/>
-          </a:solidFill>
-          <a:prstDash val="solid"/>
-        </a:ln>
-        <a:ln w="25400" cap="flat" cmpd="sng" algn="ctr">
+        <a:ln w="22225" cap="rnd" cmpd="sng" algn="ctr">
           <a:solidFill>
             <a:schemeClr val="phClr"/>
           </a:solidFill>
@@ -12617,21 +11023,28 @@
         </a:effectStyle>
         <a:effectStyle>
           <a:effectLst>
-            <a:innerShdw blurRad="25400" dist="12700" dir="13500000">
-              <a:srgbClr val="000000">
-                <a:alpha val="45000"/>
-              </a:srgbClr>
-            </a:innerShdw>
+            <a:reflection blurRad="12700" stA="26000" endPos="32000" dist="12700" dir="5400000" sy="-100000" rotWithShape="0"/>
           </a:effectLst>
         </a:effectStyle>
         <a:effectStyle>
           <a:effectLst>
             <a:outerShdw blurRad="38100" dist="25400" dir="5400000" rotWithShape="0">
               <a:srgbClr val="000000">
-                <a:alpha val="60000"/>
+                <a:alpha val="64000"/>
               </a:srgbClr>
             </a:outerShdw>
           </a:effectLst>
+          <a:scene3d>
+            <a:camera prst="orthographicFront">
+              <a:rot lat="0" lon="0" rev="0"/>
+            </a:camera>
+            <a:lightRig rig="threePt" dir="tl">
+              <a:rot lat="0" lon="0" rev="1200000"/>
+            </a:lightRig>
+          </a:scene3d>
+          <a:sp3d>
+            <a:bevelT w="25400" h="12700"/>
+          </a:sp3d>
         </a:effectStyle>
       </a:effectStyleLst>
       <a:bgFillStyleLst>
@@ -12648,15 +11061,27 @@
             </a:gs>
             <a:gs pos="100000">
               <a:schemeClr val="phClr">
-                <a:shade val="88000"/>
+                <a:shade val="64000"/>
                 <a:lumMod val="98000"/>
               </a:schemeClr>
             </a:gs>
           </a:gsLst>
           <a:lin ang="5400000" scaled="0"/>
         </a:gradFill>
-        <a:blipFill>
-          <a:blip xmlns:r="http://schemas.openxmlformats.org/officeDocument/2006/relationships" r:embed="rId2"/>
+        <a:blipFill rotWithShape="1">
+          <a:blip xmlns:r="http://schemas.openxmlformats.org/officeDocument/2006/relationships" r:embed="rId1">
+            <a:duotone>
+              <a:schemeClr val="phClr">
+                <a:shade val="76000"/>
+                <a:satMod val="180000"/>
+              </a:schemeClr>
+              <a:schemeClr val="phClr">
+                <a:tint val="80000"/>
+                <a:satMod val="120000"/>
+                <a:lumMod val="180000"/>
+              </a:schemeClr>
+            </a:duotone>
+          </a:blip>
           <a:stretch/>
         </a:blipFill>
       </a:bgFillStyleLst>
@@ -12666,7 +11091,7 @@
   <a:extraClrSchemeLst/>
   <a:extLst>
     <a:ext uri="{05A4C25C-085E-4340-85A3-A5531E510DB2}">
-      <thm15:themeFamily xmlns:thm15="http://schemas.microsoft.com/office/thememl/2012/main" name="Organic" id="{28CDC826-8792-45C0-861B-85EB3ADEDA33}" vid="{7DAC20F1-423D-49E2-BD0B-50532748BAD0}"/>
+      <thm15:themeFamily xmlns:thm15="http://schemas.microsoft.com/office/thememl/2012/main" name="Parallax" id="{3388167B-A2EB-4685-9635-1831D9AEF8C4}" vid="{4F7A876A-7598-49CA-AFC8-8EDA2551E4A7}"/>
     </a:ext>
   </a:extLst>
 </a:theme>

--- a/Report/Report.pptx
+++ b/Report/Report.pptx
@@ -631,7 +631,7 @@
           <a:p>
             <a:fld id="{12B803AF-8B4A-4749-9A00-A1CEDAC202AA}" type="datetimeFigureOut">
               <a:rPr lang="de-DE" smtClean="0"/>
-              <a:t>26.07.2025</a:t>
+              <a:t>27.07.2025</a:t>
             </a:fld>
             <a:endParaRPr lang="de-DE"/>
           </a:p>
@@ -927,7 +927,7 @@
           <a:p>
             <a:fld id="{12B803AF-8B4A-4749-9A00-A1CEDAC202AA}" type="datetimeFigureOut">
               <a:rPr lang="de-DE" smtClean="0"/>
-              <a:t>26.07.2025</a:t>
+              <a:t>27.07.2025</a:t>
             </a:fld>
             <a:endParaRPr lang="de-DE"/>
           </a:p>
@@ -1175,7 +1175,7 @@
           <a:p>
             <a:fld id="{12B803AF-8B4A-4749-9A00-A1CEDAC202AA}" type="datetimeFigureOut">
               <a:rPr lang="de-DE" smtClean="0"/>
-              <a:t>26.07.2025</a:t>
+              <a:t>27.07.2025</a:t>
             </a:fld>
             <a:endParaRPr lang="de-DE"/>
           </a:p>
@@ -1715,7 +1715,7 @@
           <a:p>
             <a:fld id="{12B803AF-8B4A-4749-9A00-A1CEDAC202AA}" type="datetimeFigureOut">
               <a:rPr lang="de-DE" smtClean="0"/>
-              <a:t>26.07.2025</a:t>
+              <a:t>27.07.2025</a:t>
             </a:fld>
             <a:endParaRPr lang="de-DE"/>
           </a:p>
@@ -1963,7 +1963,7 @@
           <a:p>
             <a:fld id="{12B803AF-8B4A-4749-9A00-A1CEDAC202AA}" type="datetimeFigureOut">
               <a:rPr lang="de-DE" smtClean="0"/>
-              <a:t>26.07.2025</a:t>
+              <a:t>27.07.2025</a:t>
             </a:fld>
             <a:endParaRPr lang="de-DE"/>
           </a:p>
@@ -2495,7 +2495,7 @@
           <a:p>
             <a:fld id="{12B803AF-8B4A-4749-9A00-A1CEDAC202AA}" type="datetimeFigureOut">
               <a:rPr lang="de-DE" smtClean="0"/>
-              <a:t>26.07.2025</a:t>
+              <a:t>27.07.2025</a:t>
             </a:fld>
             <a:endParaRPr lang="de-DE"/>
           </a:p>
@@ -2792,7 +2792,7 @@
           <a:p>
             <a:fld id="{12B803AF-8B4A-4749-9A00-A1CEDAC202AA}" type="datetimeFigureOut">
               <a:rPr lang="de-DE" smtClean="0"/>
-              <a:t>26.07.2025</a:t>
+              <a:t>27.07.2025</a:t>
             </a:fld>
             <a:endParaRPr lang="de-DE"/>
           </a:p>
@@ -2966,7 +2966,7 @@
           <a:p>
             <a:fld id="{12B803AF-8B4A-4749-9A00-A1CEDAC202AA}" type="datetimeFigureOut">
               <a:rPr lang="de-DE" smtClean="0"/>
-              <a:t>26.07.2025</a:t>
+              <a:t>27.07.2025</a:t>
             </a:fld>
             <a:endParaRPr lang="de-DE"/>
           </a:p>
@@ -3146,7 +3146,7 @@
           <a:p>
             <a:fld id="{12B803AF-8B4A-4749-9A00-A1CEDAC202AA}" type="datetimeFigureOut">
               <a:rPr lang="de-DE" smtClean="0"/>
-              <a:t>26.07.2025</a:t>
+              <a:t>27.07.2025</a:t>
             </a:fld>
             <a:endParaRPr lang="de-DE"/>
           </a:p>
@@ -3316,7 +3316,7 @@
           <a:p>
             <a:fld id="{12B803AF-8B4A-4749-9A00-A1CEDAC202AA}" type="datetimeFigureOut">
               <a:rPr lang="de-DE" smtClean="0"/>
-              <a:t>26.07.2025</a:t>
+              <a:t>27.07.2025</a:t>
             </a:fld>
             <a:endParaRPr lang="de-DE"/>
           </a:p>
@@ -3567,7 +3567,7 @@
           <a:p>
             <a:fld id="{12B803AF-8B4A-4749-9A00-A1CEDAC202AA}" type="datetimeFigureOut">
               <a:rPr lang="de-DE" smtClean="0"/>
-              <a:t>26.07.2025</a:t>
+              <a:t>27.07.2025</a:t>
             </a:fld>
             <a:endParaRPr lang="de-DE"/>
           </a:p>
@@ -3864,7 +3864,7 @@
           <a:p>
             <a:fld id="{12B803AF-8B4A-4749-9A00-A1CEDAC202AA}" type="datetimeFigureOut">
               <a:rPr lang="de-DE" smtClean="0"/>
-              <a:t>26.07.2025</a:t>
+              <a:t>27.07.2025</a:t>
             </a:fld>
             <a:endParaRPr lang="de-DE"/>
           </a:p>
@@ -4306,7 +4306,7 @@
           <a:p>
             <a:fld id="{12B803AF-8B4A-4749-9A00-A1CEDAC202AA}" type="datetimeFigureOut">
               <a:rPr lang="de-DE" smtClean="0"/>
-              <a:t>26.07.2025</a:t>
+              <a:t>27.07.2025</a:t>
             </a:fld>
             <a:endParaRPr lang="de-DE"/>
           </a:p>
@@ -4424,7 +4424,7 @@
           <a:p>
             <a:fld id="{12B803AF-8B4A-4749-9A00-A1CEDAC202AA}" type="datetimeFigureOut">
               <a:rPr lang="de-DE" smtClean="0"/>
-              <a:t>26.07.2025</a:t>
+              <a:t>27.07.2025</a:t>
             </a:fld>
             <a:endParaRPr lang="de-DE"/>
           </a:p>
@@ -4519,7 +4519,7 @@
           <a:p>
             <a:fld id="{12B803AF-8B4A-4749-9A00-A1CEDAC202AA}" type="datetimeFigureOut">
               <a:rPr lang="de-DE" smtClean="0"/>
-              <a:t>26.07.2025</a:t>
+              <a:t>27.07.2025</a:t>
             </a:fld>
             <a:endParaRPr lang="de-DE"/>
           </a:p>
@@ -4802,7 +4802,7 @@
           <a:p>
             <a:fld id="{12B803AF-8B4A-4749-9A00-A1CEDAC202AA}" type="datetimeFigureOut">
               <a:rPr lang="de-DE" smtClean="0"/>
-              <a:t>26.07.2025</a:t>
+              <a:t>27.07.2025</a:t>
             </a:fld>
             <a:endParaRPr lang="de-DE"/>
           </a:p>
@@ -5093,7 +5093,7 @@
           <a:p>
             <a:fld id="{12B803AF-8B4A-4749-9A00-A1CEDAC202AA}" type="datetimeFigureOut">
               <a:rPr lang="de-DE" smtClean="0"/>
-              <a:t>26.07.2025</a:t>
+              <a:t>27.07.2025</a:t>
             </a:fld>
             <a:endParaRPr lang="de-DE"/>
           </a:p>
@@ -5623,7 +5623,7 @@
           <a:p>
             <a:fld id="{12B803AF-8B4A-4749-9A00-A1CEDAC202AA}" type="datetimeFigureOut">
               <a:rPr lang="de-DE" smtClean="0"/>
-              <a:t>26.07.2025</a:t>
+              <a:t>27.07.2025</a:t>
             </a:fld>
             <a:endParaRPr lang="de-DE"/>
           </a:p>
@@ -10569,19 +10569,19 @@
               <a:t>به طور متوسط، هر مسابقه شامل حدود </a:t>
             </a:r>
             <a:r>
-              <a:rPr lang="en-US" dirty="0">
+              <a:rPr lang="en-US">
                 <a:cs typeface="B Nazanin" panose="00000400000000000000" pitchFamily="2" charset="-78"/>
               </a:rPr>
               <a:t> </a:t>
             </a:r>
             <a:r>
-              <a:rPr lang="en-US" b="1" dirty="0">
-                <a:cs typeface="B Nazanin" panose="00000400000000000000" pitchFamily="2" charset="-78"/>
-              </a:rPr>
-              <a:t>7</a:t>
-            </a:r>
-            <a:r>
-              <a:rPr lang="fa-IR" b="1" dirty="0">
+              <a:rPr lang="en-US" b="1">
+                <a:cs typeface="B Nazanin" panose="00000400000000000000" pitchFamily="2" charset="-78"/>
+              </a:rPr>
+              <a:t>22</a:t>
+            </a:r>
+            <a:r>
+              <a:rPr lang="fa-IR" b="1">
                 <a:cs typeface="B Nazanin" panose="00000400000000000000" pitchFamily="2" charset="-78"/>
               </a:rPr>
               <a:t>عدد </a:t>
